--- a/PPT/Yelp Presentation.pptx
+++ b/PPT/Yelp Presentation.pptx
@@ -5,7 +5,7 @@
     <p:sldMasterId id="2147483648" r:id="rId1"/>
   </p:sldMasterIdLst>
   <p:notesMasterIdLst>
-    <p:notesMasterId r:id="rId21"/>
+    <p:notesMasterId r:id="rId22"/>
   </p:notesMasterIdLst>
   <p:sldIdLst>
     <p:sldId id="256" r:id="rId2"/>
@@ -18,38 +18,39 @@
     <p:sldId id="263" r:id="rId9"/>
     <p:sldId id="264" r:id="rId10"/>
     <p:sldId id="265" r:id="rId11"/>
-    <p:sldId id="266" r:id="rId12"/>
-    <p:sldId id="267" r:id="rId13"/>
-    <p:sldId id="260" r:id="rId14"/>
-    <p:sldId id="268" r:id="rId15"/>
-    <p:sldId id="269" r:id="rId16"/>
-    <p:sldId id="270" r:id="rId17"/>
-    <p:sldId id="271" r:id="rId18"/>
-    <p:sldId id="272" r:id="rId19"/>
-    <p:sldId id="273" r:id="rId20"/>
+    <p:sldId id="275" r:id="rId12"/>
+    <p:sldId id="266" r:id="rId13"/>
+    <p:sldId id="267" r:id="rId14"/>
+    <p:sldId id="260" r:id="rId15"/>
+    <p:sldId id="268" r:id="rId16"/>
+    <p:sldId id="269" r:id="rId17"/>
+    <p:sldId id="270" r:id="rId18"/>
+    <p:sldId id="271" r:id="rId19"/>
+    <p:sldId id="272" r:id="rId20"/>
+    <p:sldId id="273" r:id="rId21"/>
   </p:sldIdLst>
   <p:sldSz cx="9144000" cy="5143500" type="screen16x9"/>
   <p:notesSz cx="6858000" cy="9144000"/>
   <p:embeddedFontLst>
     <p:embeddedFont>
       <p:font typeface="Average" panose="020B0604020202020204" charset="0"/>
-      <p:regular r:id="rId22"/>
+      <p:regular r:id="rId23"/>
     </p:embeddedFont>
     <p:embeddedFont>
       <p:font typeface="Bree Serif" panose="020B0604020202020204" charset="0"/>
-      <p:regular r:id="rId23"/>
+      <p:regular r:id="rId24"/>
     </p:embeddedFont>
     <p:embeddedFont>
       <p:font typeface="Oswald" panose="020B0604020202020204" charset="0"/>
-      <p:regular r:id="rId24"/>
-      <p:bold r:id="rId25"/>
+      <p:regular r:id="rId25"/>
+      <p:bold r:id="rId26"/>
     </p:embeddedFont>
     <p:embeddedFont>
       <p:font typeface="Roboto Mono" panose="020B0604020202020204" charset="0"/>
-      <p:regular r:id="rId26"/>
-      <p:bold r:id="rId27"/>
-      <p:italic r:id="rId28"/>
-      <p:boldItalic r:id="rId29"/>
+      <p:regular r:id="rId27"/>
+      <p:bold r:id="rId28"/>
+      <p:italic r:id="rId29"/>
+      <p:boldItalic r:id="rId30"/>
     </p:embeddedFont>
   </p:embeddedFontLst>
   <p:defaultTextStyle>
@@ -297,7 +298,7 @@
       </p15:sldGuideLst>
     </p:ext>
     <p:ext uri="http://customooxmlschemas.google.com/">
-      <go:slidesCustomData xmlns:go="http://customooxmlschemas.google.com/" xmlns:p15="http://schemas.microsoft.com/office/powerpoint/2012/main" xmlns:p14="http://schemas.microsoft.com/office/powerpoint/2010/main" xmlns:com="http://schemas.openxmlformats.org/drawingml/2006/compatibility" xmlns:pvml="urn:schemas-microsoft-com:office:powerpoint" xmlns:v="urn:schemas-microsoft-com:vml" xmlns:o="urn:schemas-microsoft-com:office:office" xmlns:dgm="http://schemas.openxmlformats.org/drawingml/2006/diagram" xmlns:c="http://schemas.openxmlformats.org/drawingml/2006/chart" xmlns:mv="urn:schemas-microsoft-com:mac:vml" xmlns:mc="http://schemas.openxmlformats.org/markup-compatibility/2006" xmlns="" r:id="rId32" roundtripDataSignature="AMtx7mhrN0VZjpMeXmHQaTxH0fmdJEZUYA=="/>
+      <go:slidesCustomData xmlns="" xmlns:mc="http://schemas.openxmlformats.org/markup-compatibility/2006" xmlns:mv="urn:schemas-microsoft-com:mac:vml" xmlns:c="http://schemas.openxmlformats.org/drawingml/2006/chart" xmlns:dgm="http://schemas.openxmlformats.org/drawingml/2006/diagram" xmlns:o="urn:schemas-microsoft-com:office:office" xmlns:v="urn:schemas-microsoft-com:vml" xmlns:pvml="urn:schemas-microsoft-com:office:powerpoint" xmlns:com="http://schemas.openxmlformats.org/drawingml/2006/compatibility" xmlns:p14="http://schemas.microsoft.com/office/powerpoint/2010/main" xmlns:p15="http://schemas.microsoft.com/office/powerpoint/2012/main" xmlns:go="http://customooxmlschemas.google.com/" r:id="rId32" roundtripDataSignature="AMtx7mhrN0VZjpMeXmHQaTxH0fmdJEZUYA=="/>
     </p:ext>
   </p:extLst>
 </p:presentation>
@@ -1013,6 +1014,149 @@
   <p:cSld>
     <p:spTree>
       <p:nvGrpSpPr>
+        <p:cNvPr id="1" name="Shape 130"/>
+        <p:cNvGrpSpPr/>
+        <p:nvPr/>
+      </p:nvGrpSpPr>
+      <p:grpSpPr>
+        <a:xfrm>
+          <a:off x="0" y="0"/>
+          <a:ext cx="0" cy="0"/>
+          <a:chOff x="0" y="0"/>
+          <a:chExt cx="0" cy="0"/>
+        </a:xfrm>
+      </p:grpSpPr>
+      <p:sp>
+        <p:nvSpPr>
+          <p:cNvPr id="131" name="Google Shape;131;g83ddf61570_0_20:notes"/>
+          <p:cNvSpPr>
+            <a:spLocks noGrp="1" noRot="1" noChangeAspect="1"/>
+          </p:cNvSpPr>
+          <p:nvPr>
+            <p:ph type="sldImg" idx="2"/>
+          </p:nvPr>
+        </p:nvSpPr>
+        <p:spPr>
+          <a:xfrm>
+            <a:off x="381000" y="685800"/>
+            <a:ext cx="6096000" cy="3429000"/>
+          </a:xfrm>
+          <a:custGeom>
+            <a:avLst/>
+            <a:gdLst/>
+            <a:ahLst/>
+            <a:cxnLst/>
+            <a:rect l="l" t="t" r="r" b="b"/>
+            <a:pathLst>
+              <a:path w="120000" h="120000" extrusionOk="0">
+                <a:moveTo>
+                  <a:pt x="0" y="0"/>
+                </a:moveTo>
+                <a:lnTo>
+                  <a:pt x="120000" y="0"/>
+                </a:lnTo>
+                <a:lnTo>
+                  <a:pt x="120000" y="120000"/>
+                </a:lnTo>
+                <a:lnTo>
+                  <a:pt x="0" y="120000"/>
+                </a:lnTo>
+                <a:close/>
+              </a:path>
+            </a:pathLst>
+          </a:custGeom>
+          <a:noFill/>
+          <a:ln w="9525" cap="flat" cmpd="sng">
+            <a:solidFill>
+              <a:srgbClr val="000000"/>
+            </a:solidFill>
+            <a:prstDash val="solid"/>
+            <a:round/>
+            <a:headEnd type="none" w="sm" len="sm"/>
+            <a:tailEnd type="none" w="sm" len="sm"/>
+          </a:ln>
+        </p:spPr>
+      </p:sp>
+      <p:sp>
+        <p:nvSpPr>
+          <p:cNvPr id="132" name="Google Shape;132;g83ddf61570_0_20:notes"/>
+          <p:cNvSpPr txBox="1">
+            <a:spLocks noGrp="1"/>
+          </p:cNvSpPr>
+          <p:nvPr>
+            <p:ph type="body" idx="1"/>
+          </p:nvPr>
+        </p:nvSpPr>
+        <p:spPr>
+          <a:xfrm>
+            <a:off x="685800" y="4343400"/>
+            <a:ext cx="5486400" cy="4114800"/>
+          </a:xfrm>
+          <a:prstGeom prst="rect">
+            <a:avLst/>
+          </a:prstGeom>
+          <a:noFill/>
+          <a:ln>
+            <a:noFill/>
+          </a:ln>
+        </p:spPr>
+        <p:txBody>
+          <a:bodyPr spcFirstLastPara="1" wrap="square" lIns="91425" tIns="91425" rIns="91425" bIns="91425" anchor="t" anchorCtr="0">
+            <a:noAutofit/>
+          </a:bodyPr>
+          <a:lstStyle/>
+          <a:p>
+            <a:pPr marL="0" lvl="0" indent="0" algn="l" rtl="0">
+              <a:lnSpc>
+                <a:spcPct val="100000"/>
+              </a:lnSpc>
+              <a:spcBef>
+                <a:spcPts val="0"/>
+              </a:spcBef>
+              <a:spcAft>
+                <a:spcPts val="0"/>
+              </a:spcAft>
+              <a:buSzPts val="1100"/>
+              <a:buNone/>
+            </a:pPr>
+            <a:r>
+              <a:rPr lang="en-US" dirty="0"/>
+              <a:t>- We cannot state Illinois exploration in </a:t>
+            </a:r>
+            <a:r>
+              <a:rPr lang="en-US" dirty="0" err="1"/>
+              <a:t>eda</a:t>
+            </a:r>
+            <a:r>
+              <a:rPr lang="en-US" dirty="0"/>
+              <a:t>, we can call it in data preparation after we have declared that we will be focusing on </a:t>
+            </a:r>
+            <a:r>
+              <a:rPr lang="en-US" dirty="0" err="1"/>
+              <a:t>illinois</a:t>
+            </a:r>
+            <a:endParaRPr dirty="0"/>
+          </a:p>
+        </p:txBody>
+      </p:sp>
+    </p:spTree>
+    <p:extLst>
+      <p:ext uri="{BB962C8B-B14F-4D97-AF65-F5344CB8AC3E}">
+        <p14:creationId xmlns:p14="http://schemas.microsoft.com/office/powerpoint/2010/main" val="2844477347"/>
+      </p:ext>
+    </p:extLst>
+  </p:cSld>
+  <p:clrMapOvr>
+    <a:masterClrMapping/>
+  </p:clrMapOvr>
+</p:notes>
+</file>
+
+<file path=ppt/notesSlides/notesSlide11.xml><?xml version="1.0" encoding="utf-8"?>
+<p:notes xmlns:a="http://schemas.openxmlformats.org/drawingml/2006/main" xmlns:r="http://schemas.openxmlformats.org/officeDocument/2006/relationships" xmlns:p="http://schemas.openxmlformats.org/presentationml/2006/main" showMasterSp="0" showMasterPhAnim="0">
+  <p:cSld>
+    <p:spTree>
+      <p:nvGrpSpPr>
         <p:cNvPr id="1" name="Shape 137"/>
         <p:cNvGrpSpPr/>
         <p:nvPr/>
@@ -1092,19 +1236,35 @@
           <a:lstStyle/>
           <a:p>
             <a:pPr marL="0" lvl="0" indent="0" algn="l" rtl="0">
-              <a:spcBef>
-                <a:spcPts val="0"/>
-              </a:spcBef>
-              <a:spcAft>
-                <a:spcPts val="0"/>
-              </a:spcAft>
+              <a:lnSpc>
+                <a:spcPct val="100000"/>
+              </a:lnSpc>
+              <a:spcBef>
+                <a:spcPts val="0"/>
+              </a:spcBef>
+              <a:spcAft>
+                <a:spcPts val="0"/>
+              </a:spcAft>
+              <a:buSzPts val="1100"/>
               <a:buNone/>
             </a:pPr>
             <a:r>
-              <a:rPr lang="en-US"/>
-              <a:t>we chose black dog smoke&amp;ale house as our secondary dataset to validate our models in future analysis.</a:t>
+              <a:rPr lang="en-US" dirty="0"/>
+              <a:t>- We cannot state Illinois exploration in </a:t>
             </a:r>
-            <a:endParaRPr/>
+            <a:r>
+              <a:rPr lang="en-US" dirty="0" err="1"/>
+              <a:t>eda</a:t>
+            </a:r>
+            <a:r>
+              <a:rPr lang="en-US" dirty="0"/>
+              <a:t>, we can call it in data preparation after we have declared that we will be focusing on </a:t>
+            </a:r>
+            <a:r>
+              <a:rPr lang="en-US" dirty="0" err="1"/>
+              <a:t>illinois</a:t>
+            </a:r>
+            <a:endParaRPr lang="en-US" dirty="0"/>
           </a:p>
         </p:txBody>
       </p:sp>
@@ -1116,7 +1276,7 @@
 </p:notes>
 </file>
 
-<file path=ppt/notesSlides/notesSlide11.xml><?xml version="1.0" encoding="utf-8"?>
+<file path=ppt/notesSlides/notesSlide12.xml><?xml version="1.0" encoding="utf-8"?>
 <p:notes xmlns:a="http://schemas.openxmlformats.org/drawingml/2006/main" xmlns:r="http://schemas.openxmlformats.org/officeDocument/2006/relationships" xmlns:p="http://schemas.openxmlformats.org/presentationml/2006/main" showMasterSp="0" showMasterPhAnim="0">
   <p:cSld>
     <p:spTree>
@@ -1246,7 +1406,7 @@
 </p:notes>
 </file>
 
-<file path=ppt/notesSlides/notesSlide12.xml><?xml version="1.0" encoding="utf-8"?>
+<file path=ppt/notesSlides/notesSlide13.xml><?xml version="1.0" encoding="utf-8"?>
 <p:notes xmlns:a="http://schemas.openxmlformats.org/drawingml/2006/main" xmlns:r="http://schemas.openxmlformats.org/officeDocument/2006/relationships" xmlns:p="http://schemas.openxmlformats.org/presentationml/2006/main" showMasterSp="0" showMasterPhAnim="0">
   <p:cSld>
     <p:spTree>
@@ -1363,7 +1523,7 @@
 </p:notes>
 </file>
 
-<file path=ppt/notesSlides/notesSlide13.xml><?xml version="1.0" encoding="utf-8"?>
+<file path=ppt/notesSlides/notesSlide14.xml><?xml version="1.0" encoding="utf-8"?>
 <p:notes xmlns:a="http://schemas.openxmlformats.org/drawingml/2006/main" xmlns:r="http://schemas.openxmlformats.org/officeDocument/2006/relationships" xmlns:p="http://schemas.openxmlformats.org/presentationml/2006/main" showMasterSp="0" showMasterPhAnim="0">
   <p:cSld>
     <p:spTree>
@@ -1467,7 +1627,7 @@
 </p:notes>
 </file>
 
-<file path=ppt/notesSlides/notesSlide14.xml><?xml version="1.0" encoding="utf-8"?>
+<file path=ppt/notesSlides/notesSlide15.xml><?xml version="1.0" encoding="utf-8"?>
 <p:notes xmlns:a="http://schemas.openxmlformats.org/drawingml/2006/main" xmlns:r="http://schemas.openxmlformats.org/officeDocument/2006/relationships" xmlns:p="http://schemas.openxmlformats.org/presentationml/2006/main" showMasterSp="0" showMasterPhAnim="0">
   <p:cSld>
     <p:spTree>
@@ -1571,7 +1731,7 @@
 </p:notes>
 </file>
 
-<file path=ppt/notesSlides/notesSlide15.xml><?xml version="1.0" encoding="utf-8"?>
+<file path=ppt/notesSlides/notesSlide16.xml><?xml version="1.0" encoding="utf-8"?>
 <p:notes xmlns:a="http://schemas.openxmlformats.org/drawingml/2006/main" xmlns:r="http://schemas.openxmlformats.org/officeDocument/2006/relationships" xmlns:p="http://schemas.openxmlformats.org/presentationml/2006/main" showMasterSp="0" showMasterPhAnim="0">
   <p:cSld>
     <p:spTree>
@@ -1675,7 +1835,7 @@
 </p:notes>
 </file>
 
-<file path=ppt/notesSlides/notesSlide16.xml><?xml version="1.0" encoding="utf-8"?>
+<file path=ppt/notesSlides/notesSlide17.xml><?xml version="1.0" encoding="utf-8"?>
 <p:notes xmlns:a="http://schemas.openxmlformats.org/drawingml/2006/main" xmlns:r="http://schemas.openxmlformats.org/officeDocument/2006/relationships" xmlns:p="http://schemas.openxmlformats.org/presentationml/2006/main" showMasterSp="0" showMasterPhAnim="0">
   <p:cSld>
     <p:spTree>
@@ -1779,7 +1939,7 @@
 </p:notes>
 </file>
 
-<file path=ppt/notesSlides/notesSlide17.xml><?xml version="1.0" encoding="utf-8"?>
+<file path=ppt/notesSlides/notesSlide18.xml><?xml version="1.0" encoding="utf-8"?>
 <p:notes xmlns:a="http://schemas.openxmlformats.org/drawingml/2006/main" xmlns:r="http://schemas.openxmlformats.org/officeDocument/2006/relationships" xmlns:p="http://schemas.openxmlformats.org/presentationml/2006/main" showMasterSp="0" showMasterPhAnim="0">
   <p:cSld>
     <p:spTree>
@@ -1883,7 +2043,7 @@
 </p:notes>
 </file>
 
-<file path=ppt/notesSlides/notesSlide18.xml><?xml version="1.0" encoding="utf-8"?>
+<file path=ppt/notesSlides/notesSlide19.xml><?xml version="1.0" encoding="utf-8"?>
 <p:notes xmlns:a="http://schemas.openxmlformats.org/drawingml/2006/main" xmlns:r="http://schemas.openxmlformats.org/officeDocument/2006/relationships" xmlns:p="http://schemas.openxmlformats.org/presentationml/2006/main" showMasterSp="0" showMasterPhAnim="0">
   <p:cSld>
     <p:spTree>
@@ -11104,7 +11264,7 @@
               <a:buNone/>
             </a:pPr>
             <a:r>
-              <a:rPr lang="en-US">
+              <a:rPr lang="en-US" dirty="0">
                 <a:solidFill>
                   <a:srgbClr val="000000"/>
                 </a:solidFill>
@@ -11112,7 +11272,7 @@
               <a:t>Business:                       </a:t>
             </a:r>
             <a:r>
-              <a:rPr lang="en-US" sz="1350" b="1">
+              <a:rPr lang="en-US" sz="1350" b="1" dirty="0">
                 <a:solidFill>
                   <a:srgbClr val="000000"/>
                 </a:solidFill>
@@ -11124,9 +11284,9 @@
                 <a:cs typeface="Arial"/>
                 <a:sym typeface="Arial"/>
               </a:rPr>
-              <a:t>Distribution of restaurant business in Illinois</a:t>
+              <a:t>Distribution of businesses in Illinois</a:t>
             </a:r>
-            <a:endParaRPr sz="1350" b="1">
+            <a:endParaRPr sz="1350" b="1" dirty="0">
               <a:solidFill>
                 <a:srgbClr val="000000"/>
               </a:solidFill>
@@ -11153,7 +11313,7 @@
               <a:buSzPts val="1800"/>
               <a:buNone/>
             </a:pPr>
-            <a:endParaRPr sz="1350" b="1">
+            <a:endParaRPr sz="1350" b="1" dirty="0">
               <a:solidFill>
                 <a:srgbClr val="000000"/>
               </a:solidFill>
@@ -11179,7 +11339,7 @@
               </a:spcAft>
               <a:buNone/>
             </a:pPr>
-            <a:endParaRPr sz="1350" b="1">
+            <a:endParaRPr sz="1350" b="1" dirty="0">
               <a:solidFill>
                 <a:srgbClr val="000000"/>
               </a:solidFill>
@@ -11206,7 +11366,7 @@
               <a:buSzPts val="1800"/>
               <a:buNone/>
             </a:pPr>
-            <a:endParaRPr>
+            <a:endParaRPr dirty="0">
               <a:solidFill>
                 <a:srgbClr val="000000"/>
               </a:solidFill>
@@ -11226,7 +11386,668 @@
               <a:buSzPts val="1800"/>
               <a:buNone/>
             </a:pPr>
-            <a:endParaRPr>
+            <a:endParaRPr dirty="0">
+              <a:solidFill>
+                <a:srgbClr val="000000"/>
+              </a:solidFill>
+            </a:endParaRPr>
+          </a:p>
+        </p:txBody>
+      </p:sp>
+      <p:pic>
+        <p:nvPicPr>
+          <p:cNvPr id="1026" name="Picture 2">
+            <a:extLst>
+              <a:ext uri="{FF2B5EF4-FFF2-40B4-BE49-F238E27FC236}">
+                <a16:creationId xmlns:a16="http://schemas.microsoft.com/office/drawing/2014/main" id="{EA5C39C4-F3A1-45BA-B280-7526C534FA50}"/>
+              </a:ext>
+            </a:extLst>
+          </p:cNvPr>
+          <p:cNvPicPr>
+            <a:picLocks noChangeAspect="1" noChangeArrowheads="1"/>
+          </p:cNvPicPr>
+          <p:nvPr/>
+        </p:nvPicPr>
+        <p:blipFill>
+          <a:blip r:embed="rId3">
+            <a:extLst>
+              <a:ext uri="{28A0092B-C50C-407E-A947-70E740481C1C}">
+                <a14:useLocalDpi xmlns:a14="http://schemas.microsoft.com/office/drawing/2010/main" val="0"/>
+              </a:ext>
+            </a:extLst>
+          </a:blip>
+          <a:srcRect/>
+          <a:stretch>
+            <a:fillRect/>
+          </a:stretch>
+        </p:blipFill>
+        <p:spPr bwMode="auto">
+          <a:xfrm>
+            <a:off x="0" y="1134620"/>
+            <a:ext cx="9144000" cy="2459037"/>
+          </a:xfrm>
+          <a:prstGeom prst="rect">
+            <a:avLst/>
+          </a:prstGeom>
+          <a:noFill/>
+          <a:extLst>
+            <a:ext uri="{909E8E84-426E-40DD-AFC4-6F175D3DCCD1}">
+              <a14:hiddenFill xmlns:a14="http://schemas.microsoft.com/office/drawing/2010/main">
+                <a:solidFill>
+                  <a:srgbClr val="FFFFFF"/>
+                </a:solidFill>
+              </a14:hiddenFill>
+            </a:ext>
+          </a:extLst>
+        </p:spPr>
+      </p:pic>
+      <p:sp>
+        <p:nvSpPr>
+          <p:cNvPr id="7" name="Google Shape;114;g83d7f3170d_0_5">
+            <a:extLst>
+              <a:ext uri="{FF2B5EF4-FFF2-40B4-BE49-F238E27FC236}">
+                <a16:creationId xmlns:a16="http://schemas.microsoft.com/office/drawing/2014/main" id="{2B6971E1-34CE-4688-A326-EB991C5D707F}"/>
+              </a:ext>
+            </a:extLst>
+          </p:cNvPr>
+          <p:cNvSpPr txBox="1">
+            <a:spLocks/>
+          </p:cNvSpPr>
+          <p:nvPr/>
+        </p:nvSpPr>
+        <p:spPr>
+          <a:xfrm>
+            <a:off x="311700" y="3593657"/>
+            <a:ext cx="8520600" cy="1125998"/>
+          </a:xfrm>
+          <a:prstGeom prst="rect">
+            <a:avLst/>
+          </a:prstGeom>
+          <a:noFill/>
+          <a:ln>
+            <a:noFill/>
+          </a:ln>
+        </p:spPr>
+        <p:txBody>
+          <a:bodyPr spcFirstLastPara="1" wrap="square" lIns="91425" tIns="91425" rIns="91425" bIns="91425" anchor="t" anchorCtr="0">
+            <a:noAutofit/>
+          </a:bodyPr>
+          <a:lstStyle>
+            <a:defPPr marR="0" lvl="0" algn="l" rtl="0">
+              <a:lnSpc>
+                <a:spcPct val="100000"/>
+              </a:lnSpc>
+              <a:spcBef>
+                <a:spcPts val="0"/>
+              </a:spcBef>
+              <a:spcAft>
+                <a:spcPts val="0"/>
+              </a:spcAft>
+            </a:defPPr>
+            <a:lvl1pPr marL="457200" marR="0" lvl="0" indent="-342900" algn="l" rtl="0">
+              <a:lnSpc>
+                <a:spcPct val="115000"/>
+              </a:lnSpc>
+              <a:spcBef>
+                <a:spcPts val="0"/>
+              </a:spcBef>
+              <a:spcAft>
+                <a:spcPts val="0"/>
+              </a:spcAft>
+              <a:buClr>
+                <a:schemeClr val="accent3"/>
+              </a:buClr>
+              <a:buSzPts val="1800"/>
+              <a:buFont typeface="Average"/>
+              <a:buChar char="●"/>
+              <a:defRPr sz="1800" b="0" i="0" u="none" strike="noStrike" cap="none">
+                <a:solidFill>
+                  <a:schemeClr val="accent3"/>
+                </a:solidFill>
+                <a:latin typeface="Average"/>
+                <a:ea typeface="Average"/>
+                <a:cs typeface="Average"/>
+                <a:sym typeface="Average"/>
+              </a:defRPr>
+            </a:lvl1pPr>
+            <a:lvl2pPr marL="914400" marR="0" lvl="1" indent="-317500" algn="l" rtl="0">
+              <a:lnSpc>
+                <a:spcPct val="115000"/>
+              </a:lnSpc>
+              <a:spcBef>
+                <a:spcPts val="1600"/>
+              </a:spcBef>
+              <a:spcAft>
+                <a:spcPts val="0"/>
+              </a:spcAft>
+              <a:buClr>
+                <a:schemeClr val="accent3"/>
+              </a:buClr>
+              <a:buSzPts val="1400"/>
+              <a:buFont typeface="Average"/>
+              <a:buChar char="○"/>
+              <a:defRPr sz="1400" b="0" i="0" u="none" strike="noStrike" cap="none">
+                <a:solidFill>
+                  <a:schemeClr val="accent3"/>
+                </a:solidFill>
+                <a:latin typeface="Average"/>
+                <a:ea typeface="Average"/>
+                <a:cs typeface="Average"/>
+                <a:sym typeface="Average"/>
+              </a:defRPr>
+            </a:lvl2pPr>
+            <a:lvl3pPr marL="1371600" marR="0" lvl="2" indent="-317500" algn="l" rtl="0">
+              <a:lnSpc>
+                <a:spcPct val="115000"/>
+              </a:lnSpc>
+              <a:spcBef>
+                <a:spcPts val="1600"/>
+              </a:spcBef>
+              <a:spcAft>
+                <a:spcPts val="0"/>
+              </a:spcAft>
+              <a:buClr>
+                <a:schemeClr val="accent3"/>
+              </a:buClr>
+              <a:buSzPts val="1400"/>
+              <a:buFont typeface="Average"/>
+              <a:buChar char="■"/>
+              <a:defRPr sz="1400" b="0" i="0" u="none" strike="noStrike" cap="none">
+                <a:solidFill>
+                  <a:schemeClr val="accent3"/>
+                </a:solidFill>
+                <a:latin typeface="Average"/>
+                <a:ea typeface="Average"/>
+                <a:cs typeface="Average"/>
+                <a:sym typeface="Average"/>
+              </a:defRPr>
+            </a:lvl3pPr>
+            <a:lvl4pPr marL="1828800" marR="0" lvl="3" indent="-317500" algn="l" rtl="0">
+              <a:lnSpc>
+                <a:spcPct val="115000"/>
+              </a:lnSpc>
+              <a:spcBef>
+                <a:spcPts val="1600"/>
+              </a:spcBef>
+              <a:spcAft>
+                <a:spcPts val="0"/>
+              </a:spcAft>
+              <a:buClr>
+                <a:schemeClr val="accent3"/>
+              </a:buClr>
+              <a:buSzPts val="1400"/>
+              <a:buFont typeface="Average"/>
+              <a:buChar char="●"/>
+              <a:defRPr sz="1400" b="0" i="0" u="none" strike="noStrike" cap="none">
+                <a:solidFill>
+                  <a:schemeClr val="accent3"/>
+                </a:solidFill>
+                <a:latin typeface="Average"/>
+                <a:ea typeface="Average"/>
+                <a:cs typeface="Average"/>
+                <a:sym typeface="Average"/>
+              </a:defRPr>
+            </a:lvl4pPr>
+            <a:lvl5pPr marL="2286000" marR="0" lvl="4" indent="-317500" algn="l" rtl="0">
+              <a:lnSpc>
+                <a:spcPct val="115000"/>
+              </a:lnSpc>
+              <a:spcBef>
+                <a:spcPts val="1600"/>
+              </a:spcBef>
+              <a:spcAft>
+                <a:spcPts val="0"/>
+              </a:spcAft>
+              <a:buClr>
+                <a:schemeClr val="accent3"/>
+              </a:buClr>
+              <a:buSzPts val="1400"/>
+              <a:buFont typeface="Average"/>
+              <a:buChar char="○"/>
+              <a:defRPr sz="1400" b="0" i="0" u="none" strike="noStrike" cap="none">
+                <a:solidFill>
+                  <a:schemeClr val="accent3"/>
+                </a:solidFill>
+                <a:latin typeface="Average"/>
+                <a:ea typeface="Average"/>
+                <a:cs typeface="Average"/>
+                <a:sym typeface="Average"/>
+              </a:defRPr>
+            </a:lvl5pPr>
+            <a:lvl6pPr marL="2743200" marR="0" lvl="5" indent="-317500" algn="l" rtl="0">
+              <a:lnSpc>
+                <a:spcPct val="115000"/>
+              </a:lnSpc>
+              <a:spcBef>
+                <a:spcPts val="1600"/>
+              </a:spcBef>
+              <a:spcAft>
+                <a:spcPts val="0"/>
+              </a:spcAft>
+              <a:buClr>
+                <a:schemeClr val="accent3"/>
+              </a:buClr>
+              <a:buSzPts val="1400"/>
+              <a:buFont typeface="Average"/>
+              <a:buChar char="■"/>
+              <a:defRPr sz="1400" b="0" i="0" u="none" strike="noStrike" cap="none">
+                <a:solidFill>
+                  <a:schemeClr val="accent3"/>
+                </a:solidFill>
+                <a:latin typeface="Average"/>
+                <a:ea typeface="Average"/>
+                <a:cs typeface="Average"/>
+                <a:sym typeface="Average"/>
+              </a:defRPr>
+            </a:lvl6pPr>
+            <a:lvl7pPr marL="3200400" marR="0" lvl="6" indent="-317500" algn="l" rtl="0">
+              <a:lnSpc>
+                <a:spcPct val="115000"/>
+              </a:lnSpc>
+              <a:spcBef>
+                <a:spcPts val="1600"/>
+              </a:spcBef>
+              <a:spcAft>
+                <a:spcPts val="0"/>
+              </a:spcAft>
+              <a:buClr>
+                <a:schemeClr val="accent3"/>
+              </a:buClr>
+              <a:buSzPts val="1400"/>
+              <a:buFont typeface="Average"/>
+              <a:buChar char="●"/>
+              <a:defRPr sz="1400" b="0" i="0" u="none" strike="noStrike" cap="none">
+                <a:solidFill>
+                  <a:schemeClr val="accent3"/>
+                </a:solidFill>
+                <a:latin typeface="Average"/>
+                <a:ea typeface="Average"/>
+                <a:cs typeface="Average"/>
+                <a:sym typeface="Average"/>
+              </a:defRPr>
+            </a:lvl7pPr>
+            <a:lvl8pPr marL="3657600" marR="0" lvl="7" indent="-317500" algn="l" rtl="0">
+              <a:lnSpc>
+                <a:spcPct val="115000"/>
+              </a:lnSpc>
+              <a:spcBef>
+                <a:spcPts val="1600"/>
+              </a:spcBef>
+              <a:spcAft>
+                <a:spcPts val="0"/>
+              </a:spcAft>
+              <a:buClr>
+                <a:schemeClr val="accent3"/>
+              </a:buClr>
+              <a:buSzPts val="1400"/>
+              <a:buFont typeface="Average"/>
+              <a:buChar char="○"/>
+              <a:defRPr sz="1400" b="0" i="0" u="none" strike="noStrike" cap="none">
+                <a:solidFill>
+                  <a:schemeClr val="accent3"/>
+                </a:solidFill>
+                <a:latin typeface="Average"/>
+                <a:ea typeface="Average"/>
+                <a:cs typeface="Average"/>
+                <a:sym typeface="Average"/>
+              </a:defRPr>
+            </a:lvl8pPr>
+            <a:lvl9pPr marL="4114800" marR="0" lvl="8" indent="-317500" algn="l" rtl="0">
+              <a:lnSpc>
+                <a:spcPct val="115000"/>
+              </a:lnSpc>
+              <a:spcBef>
+                <a:spcPts val="1600"/>
+              </a:spcBef>
+              <a:spcAft>
+                <a:spcPts val="1600"/>
+              </a:spcAft>
+              <a:buClr>
+                <a:schemeClr val="accent3"/>
+              </a:buClr>
+              <a:buSzPts val="1400"/>
+              <a:buFont typeface="Average"/>
+              <a:buChar char="■"/>
+              <a:defRPr sz="1400" b="0" i="0" u="none" strike="noStrike" cap="none">
+                <a:solidFill>
+                  <a:schemeClr val="accent3"/>
+                </a:solidFill>
+                <a:latin typeface="Average"/>
+                <a:ea typeface="Average"/>
+                <a:cs typeface="Average"/>
+                <a:sym typeface="Average"/>
+              </a:defRPr>
+            </a:lvl9pPr>
+          </a:lstStyle>
+          <a:p>
+            <a:pPr marL="285750" indent="-285750">
+              <a:lnSpc>
+                <a:spcPct val="100000"/>
+              </a:lnSpc>
+              <a:spcBef>
+                <a:spcPts val="1600"/>
+              </a:spcBef>
+              <a:spcAft>
+                <a:spcPts val="1600"/>
+              </a:spcAft>
+              <a:buClrTx/>
+              <a:buFont typeface="Wingdings" panose="05000000000000000000" pitchFamily="2" charset="2"/>
+              <a:buChar char="§"/>
+            </a:pPr>
+            <a:r>
+              <a:rPr lang="en-US" sz="1400" dirty="0">
+                <a:solidFill>
+                  <a:srgbClr val="000000"/>
+                </a:solidFill>
+                <a:latin typeface="+mn-lt"/>
+              </a:rPr>
+              <a:t>The yelp dataset consists of variety of different businesses indicated by the column </a:t>
+            </a:r>
+          </a:p>
+          <a:p>
+            <a:pPr marL="285750" indent="-285750">
+              <a:lnSpc>
+                <a:spcPct val="100000"/>
+              </a:lnSpc>
+              <a:spcBef>
+                <a:spcPts val="1600"/>
+              </a:spcBef>
+              <a:spcAft>
+                <a:spcPts val="1600"/>
+              </a:spcAft>
+              <a:buClrTx/>
+              <a:buFont typeface="Wingdings" panose="05000000000000000000" pitchFamily="2" charset="2"/>
+              <a:buChar char="§"/>
+            </a:pPr>
+            <a:r>
+              <a:rPr lang="en-US" sz="1400" dirty="0">
+                <a:solidFill>
+                  <a:srgbClr val="000000"/>
+                </a:solidFill>
+                <a:latin typeface="+mn-lt"/>
+              </a:rPr>
+              <a:t>Number of entries for the category ‘Restaurants’ was the highest.</a:t>
+            </a:r>
+          </a:p>
+          <a:p>
+            <a:pPr marL="285750" indent="-285750">
+              <a:lnSpc>
+                <a:spcPct val="100000"/>
+              </a:lnSpc>
+              <a:spcBef>
+                <a:spcPts val="1600"/>
+              </a:spcBef>
+              <a:spcAft>
+                <a:spcPts val="1600"/>
+              </a:spcAft>
+              <a:buClrTx/>
+              <a:buFont typeface="Wingdings" panose="05000000000000000000" pitchFamily="2" charset="2"/>
+              <a:buChar char="§"/>
+            </a:pPr>
+            <a:endParaRPr lang="en-US" sz="1400" dirty="0">
+              <a:solidFill>
+                <a:srgbClr val="000000"/>
+              </a:solidFill>
+              <a:latin typeface="+mn-lt"/>
+            </a:endParaRPr>
+          </a:p>
+        </p:txBody>
+      </p:sp>
+    </p:spTree>
+  </p:cSld>
+  <p:clrMapOvr>
+    <a:masterClrMapping/>
+  </p:clrMapOvr>
+</p:sld>
+</file>
+
+<file path=ppt/slides/slide11.xml><?xml version="1.0" encoding="utf-8"?>
+<p:sld xmlns:a="http://schemas.openxmlformats.org/drawingml/2006/main" xmlns:r="http://schemas.openxmlformats.org/officeDocument/2006/relationships" xmlns:p="http://schemas.openxmlformats.org/presentationml/2006/main">
+  <p:cSld>
+    <p:spTree>
+      <p:nvGrpSpPr>
+        <p:cNvPr id="1" name="Shape 133"/>
+        <p:cNvGrpSpPr/>
+        <p:nvPr/>
+      </p:nvGrpSpPr>
+      <p:grpSpPr>
+        <a:xfrm>
+          <a:off x="0" y="0"/>
+          <a:ext cx="0" cy="0"/>
+          <a:chOff x="0" y="0"/>
+          <a:chExt cx="0" cy="0"/>
+        </a:xfrm>
+      </p:grpSpPr>
+      <p:sp>
+        <p:nvSpPr>
+          <p:cNvPr id="134" name="Google Shape;134;g83ddf61570_0_20"/>
+          <p:cNvSpPr txBox="1">
+            <a:spLocks noGrp="1"/>
+          </p:cNvSpPr>
+          <p:nvPr>
+            <p:ph type="title"/>
+          </p:nvPr>
+        </p:nvSpPr>
+        <p:spPr>
+          <a:xfrm>
+            <a:off x="0" y="0"/>
+            <a:ext cx="6279900" cy="678000"/>
+          </a:xfrm>
+          <a:prstGeom prst="rect">
+            <a:avLst/>
+          </a:prstGeom>
+          <a:noFill/>
+          <a:ln>
+            <a:noFill/>
+          </a:ln>
+        </p:spPr>
+        <p:txBody>
+          <a:bodyPr spcFirstLastPara="1" wrap="square" lIns="91425" tIns="91425" rIns="91425" bIns="91425" anchor="t" anchorCtr="0">
+            <a:noAutofit/>
+          </a:bodyPr>
+          <a:lstStyle/>
+          <a:p>
+            <a:pPr marL="0" lvl="0" indent="0" algn="l" rtl="0">
+              <a:lnSpc>
+                <a:spcPct val="100000"/>
+              </a:lnSpc>
+              <a:spcBef>
+                <a:spcPts val="0"/>
+              </a:spcBef>
+              <a:spcAft>
+                <a:spcPts val="0"/>
+              </a:spcAft>
+              <a:buSzPts val="3000"/>
+              <a:buNone/>
+            </a:pPr>
+            <a:r>
+              <a:rPr lang="en-US" dirty="0">
+                <a:solidFill>
+                  <a:srgbClr val="000000"/>
+                </a:solidFill>
+                <a:highlight>
+                  <a:srgbClr val="FF0000"/>
+                </a:highlight>
+              </a:rPr>
+              <a:t>Exploratory Data Analysis</a:t>
+            </a:r>
+            <a:endParaRPr dirty="0">
+              <a:solidFill>
+                <a:srgbClr val="000000"/>
+              </a:solidFill>
+              <a:highlight>
+                <a:srgbClr val="FF0000"/>
+              </a:highlight>
+            </a:endParaRPr>
+          </a:p>
+        </p:txBody>
+      </p:sp>
+      <p:sp>
+        <p:nvSpPr>
+          <p:cNvPr id="135" name="Google Shape;135;g83ddf61570_0_20"/>
+          <p:cNvSpPr txBox="1">
+            <a:spLocks noGrp="1"/>
+          </p:cNvSpPr>
+          <p:nvPr>
+            <p:ph type="body" idx="1"/>
+          </p:nvPr>
+        </p:nvSpPr>
+        <p:spPr>
+          <a:xfrm>
+            <a:off x="156322" y="785393"/>
+            <a:ext cx="7072500" cy="532200"/>
+          </a:xfrm>
+          <a:prstGeom prst="rect">
+            <a:avLst/>
+          </a:prstGeom>
+          <a:noFill/>
+          <a:ln>
+            <a:noFill/>
+          </a:ln>
+        </p:spPr>
+        <p:txBody>
+          <a:bodyPr spcFirstLastPara="1" wrap="square" lIns="91425" tIns="91425" rIns="91425" bIns="91425" anchor="t" anchorCtr="0">
+            <a:noAutofit/>
+          </a:bodyPr>
+          <a:lstStyle/>
+          <a:p>
+            <a:pPr marL="0" lvl="0" indent="0" algn="l" rtl="0">
+              <a:lnSpc>
+                <a:spcPct val="115000"/>
+              </a:lnSpc>
+              <a:spcBef>
+                <a:spcPts val="0"/>
+              </a:spcBef>
+              <a:spcAft>
+                <a:spcPts val="0"/>
+              </a:spcAft>
+              <a:buSzPts val="1800"/>
+              <a:buNone/>
+            </a:pPr>
+            <a:r>
+              <a:rPr lang="en-US" dirty="0">
+                <a:solidFill>
+                  <a:srgbClr val="000000"/>
+                </a:solidFill>
+              </a:rPr>
+              <a:t>Business:                       </a:t>
+            </a:r>
+            <a:r>
+              <a:rPr lang="en-US" sz="1350" b="1" dirty="0">
+                <a:solidFill>
+                  <a:srgbClr val="000000"/>
+                </a:solidFill>
+                <a:highlight>
+                  <a:srgbClr val="FFFFFF"/>
+                </a:highlight>
+                <a:latin typeface="Arial"/>
+                <a:ea typeface="Arial"/>
+                <a:cs typeface="Arial"/>
+                <a:sym typeface="Arial"/>
+              </a:rPr>
+              <a:t>Distribution of restaurant business in Illinois</a:t>
+            </a:r>
+            <a:endParaRPr sz="1350" b="1" dirty="0">
+              <a:solidFill>
+                <a:srgbClr val="000000"/>
+              </a:solidFill>
+              <a:highlight>
+                <a:srgbClr val="FFFFFF"/>
+              </a:highlight>
+              <a:latin typeface="Arial"/>
+              <a:ea typeface="Arial"/>
+              <a:cs typeface="Arial"/>
+              <a:sym typeface="Arial"/>
+            </a:endParaRPr>
+          </a:p>
+          <a:p>
+            <a:pPr marL="0" lvl="0" indent="0" algn="l" rtl="0">
+              <a:lnSpc>
+                <a:spcPct val="115000"/>
+              </a:lnSpc>
+              <a:spcBef>
+                <a:spcPts val="0"/>
+              </a:spcBef>
+              <a:spcAft>
+                <a:spcPts val="0"/>
+              </a:spcAft>
+              <a:buSzPts val="1800"/>
+              <a:buNone/>
+            </a:pPr>
+            <a:endParaRPr sz="1350" b="1" dirty="0">
+              <a:solidFill>
+                <a:srgbClr val="000000"/>
+              </a:solidFill>
+              <a:highlight>
+                <a:srgbClr val="FFFFFF"/>
+              </a:highlight>
+              <a:latin typeface="Arial"/>
+              <a:ea typeface="Arial"/>
+              <a:cs typeface="Arial"/>
+              <a:sym typeface="Arial"/>
+            </a:endParaRPr>
+          </a:p>
+          <a:p>
+            <a:pPr marL="0" lvl="0" indent="0" algn="l" rtl="0">
+              <a:lnSpc>
+                <a:spcPct val="100000"/>
+              </a:lnSpc>
+              <a:spcBef>
+                <a:spcPts val="1000"/>
+              </a:spcBef>
+              <a:spcAft>
+                <a:spcPts val="0"/>
+              </a:spcAft>
+              <a:buNone/>
+            </a:pPr>
+            <a:endParaRPr sz="1350" b="1" dirty="0">
+              <a:solidFill>
+                <a:srgbClr val="000000"/>
+              </a:solidFill>
+              <a:highlight>
+                <a:srgbClr val="FFFFFF"/>
+              </a:highlight>
+              <a:latin typeface="Arial"/>
+              <a:ea typeface="Arial"/>
+              <a:cs typeface="Arial"/>
+              <a:sym typeface="Arial"/>
+            </a:endParaRPr>
+          </a:p>
+          <a:p>
+            <a:pPr marL="0" lvl="0" indent="0" algn="l" rtl="0">
+              <a:lnSpc>
+                <a:spcPct val="115000"/>
+              </a:lnSpc>
+              <a:spcBef>
+                <a:spcPts val="1600"/>
+              </a:spcBef>
+              <a:spcAft>
+                <a:spcPts val="0"/>
+              </a:spcAft>
+              <a:buSzPts val="1800"/>
+              <a:buNone/>
+            </a:pPr>
+            <a:endParaRPr dirty="0">
+              <a:solidFill>
+                <a:srgbClr val="000000"/>
+              </a:solidFill>
+            </a:endParaRPr>
+          </a:p>
+          <a:p>
+            <a:pPr marL="0" lvl="0" indent="0" algn="l" rtl="0">
+              <a:lnSpc>
+                <a:spcPct val="115000"/>
+              </a:lnSpc>
+              <a:spcBef>
+                <a:spcPts val="1600"/>
+              </a:spcBef>
+              <a:spcAft>
+                <a:spcPts val="1600"/>
+              </a:spcAft>
+              <a:buSzPts val="1800"/>
+              <a:buNone/>
+            </a:pPr>
+            <a:endParaRPr dirty="0">
               <a:solidFill>
                 <a:srgbClr val="000000"/>
               </a:solidFill>
@@ -11250,8 +12071,8 @@
         </p:blipFill>
         <p:spPr>
           <a:xfrm>
-            <a:off x="761675" y="1263225"/>
-            <a:ext cx="7688458" cy="3880274"/>
+            <a:off x="587071" y="1136516"/>
+            <a:ext cx="7559401" cy="3118089"/>
           </a:xfrm>
           <a:prstGeom prst="rect">
             <a:avLst/>
@@ -11263,6 +12084,11 @@
         </p:spPr>
       </p:pic>
     </p:spTree>
+    <p:extLst>
+      <p:ext uri="{BB962C8B-B14F-4D97-AF65-F5344CB8AC3E}">
+        <p14:creationId xmlns:p14="http://schemas.microsoft.com/office/powerpoint/2010/main" val="117015801"/>
+      </p:ext>
+    </p:extLst>
   </p:cSld>
   <p:clrMapOvr>
     <a:masterClrMapping/>
@@ -11270,7 +12096,7 @@
 </p:sld>
 </file>
 
-<file path=ppt/slides/slide11.xml><?xml version="1.0" encoding="utf-8"?>
+<file path=ppt/slides/slide12.xml><?xml version="1.0" encoding="utf-8"?>
 <p:sld xmlns:a="http://schemas.openxmlformats.org/drawingml/2006/main" xmlns:r="http://schemas.openxmlformats.org/officeDocument/2006/relationships" xmlns:p="http://schemas.openxmlformats.org/presentationml/2006/main">
   <p:cSld>
     <p:spTree>
@@ -11327,14 +12153,21 @@
               <a:buNone/>
             </a:pPr>
             <a:r>
-              <a:rPr lang="en-US">
+              <a:rPr lang="en-US" dirty="0">
                 <a:solidFill>
                   <a:srgbClr val="000000"/>
                 </a:solidFill>
+                <a:highlight>
+                  <a:srgbClr val="FF0000"/>
+                </a:highlight>
               </a:rPr>
               <a:t>Exploratory Data Analysis</a:t>
             </a:r>
-            <a:endParaRPr/>
+            <a:endParaRPr dirty="0">
+              <a:highlight>
+                <a:srgbClr val="FF0000"/>
+              </a:highlight>
+            </a:endParaRPr>
           </a:p>
         </p:txBody>
       </p:sp>
@@ -11481,7 +12314,7 @@
 </p:sld>
 </file>
 
-<file path=ppt/slides/slide12.xml><?xml version="1.0" encoding="utf-8"?>
+<file path=ppt/slides/slide13.xml><?xml version="1.0" encoding="utf-8"?>
 <p:sld xmlns:a="http://schemas.openxmlformats.org/drawingml/2006/main" xmlns:r="http://schemas.openxmlformats.org/officeDocument/2006/relationships" xmlns:p="http://schemas.openxmlformats.org/presentationml/2006/main">
   <p:cSld>
     <p:spTree>
@@ -11624,7 +12457,7 @@
 </p:sld>
 </file>
 
-<file path=ppt/slides/slide13.xml><?xml version="1.0" encoding="utf-8"?>
+<file path=ppt/slides/slide14.xml><?xml version="1.0" encoding="utf-8"?>
 <p:sld xmlns:a="http://schemas.openxmlformats.org/drawingml/2006/main" xmlns:r="http://schemas.openxmlformats.org/officeDocument/2006/relationships" xmlns:p="http://schemas.openxmlformats.org/presentationml/2006/main">
   <p:cSld>
     <p:spTree>
@@ -12208,6 +13041,13 @@
               </a:rPr>
               <a:t>Hybrid Matrix Factorization</a:t>
             </a:r>
+          </a:p>
+          <a:p>
+            <a:pPr marL="342900" lvl="0" indent="-342900" algn="just">
+              <a:buSzPts val="1600"/>
+              <a:buFont typeface="Wingdings" panose="05000000000000000000" pitchFamily="2" charset="2"/>
+              <a:buChar char="§"/>
+            </a:pPr>
             <a:endParaRPr lang="en-US" sz="1800" dirty="0"/>
           </a:p>
           <a:p>
@@ -12231,7 +13071,7 @@
 </p:sld>
 </file>
 
-<file path=ppt/slides/slide14.xml><?xml version="1.0" encoding="utf-8"?>
+<file path=ppt/slides/slide15.xml><?xml version="1.0" encoding="utf-8"?>
 <p:sld xmlns:a="http://schemas.openxmlformats.org/drawingml/2006/main" xmlns:r="http://schemas.openxmlformats.org/officeDocument/2006/relationships" xmlns:p="http://schemas.openxmlformats.org/presentationml/2006/main">
   <p:cSld>
     <p:spTree>
@@ -12344,7 +13184,7 @@
 </p:sld>
 </file>
 
-<file path=ppt/slides/slide15.xml><?xml version="1.0" encoding="utf-8"?>
+<file path=ppt/slides/slide16.xml><?xml version="1.0" encoding="utf-8"?>
 <p:sld xmlns:a="http://schemas.openxmlformats.org/drawingml/2006/main" xmlns:r="http://schemas.openxmlformats.org/officeDocument/2006/relationships" xmlns:p="http://schemas.openxmlformats.org/presentationml/2006/main">
   <p:cSld>
     <p:spTree>
@@ -12469,7 +13309,7 @@
 </p:sld>
 </file>
 
-<file path=ppt/slides/slide16.xml><?xml version="1.0" encoding="utf-8"?>
+<file path=ppt/slides/slide17.xml><?xml version="1.0" encoding="utf-8"?>
 <p:sld xmlns:a="http://schemas.openxmlformats.org/drawingml/2006/main" xmlns:r="http://schemas.openxmlformats.org/officeDocument/2006/relationships" xmlns:p="http://schemas.openxmlformats.org/presentationml/2006/main">
   <p:cSld>
     <p:spTree>
@@ -12590,7 +13430,7 @@
 </p:sld>
 </file>
 
-<file path=ppt/slides/slide17.xml><?xml version="1.0" encoding="utf-8"?>
+<file path=ppt/slides/slide18.xml><?xml version="1.0" encoding="utf-8"?>
 <p:sld xmlns:a="http://schemas.openxmlformats.org/drawingml/2006/main" xmlns:r="http://schemas.openxmlformats.org/officeDocument/2006/relationships" xmlns:p="http://schemas.openxmlformats.org/presentationml/2006/main">
   <p:cSld>
     <p:spTree>
@@ -12699,7 +13539,7 @@
 </p:sld>
 </file>
 
-<file path=ppt/slides/slide18.xml><?xml version="1.0" encoding="utf-8"?>
+<file path=ppt/slides/slide19.xml><?xml version="1.0" encoding="utf-8"?>
 <p:sld xmlns:a="http://schemas.openxmlformats.org/drawingml/2006/main" xmlns:r="http://schemas.openxmlformats.org/officeDocument/2006/relationships" xmlns:p="http://schemas.openxmlformats.org/presentationml/2006/main">
   <p:cSld>
     <p:spTree>
@@ -12765,107 +13605,6 @@
       <p:sp>
         <p:nvSpPr>
           <p:cNvPr id="180" name="Google Shape;180;g83f00c33ef_0_32"/>
-          <p:cNvSpPr txBox="1">
-            <a:spLocks noGrp="1"/>
-          </p:cNvSpPr>
-          <p:nvPr>
-            <p:ph type="body" idx="1"/>
-          </p:nvPr>
-        </p:nvSpPr>
-        <p:spPr>
-          <a:xfrm>
-            <a:off x="311700" y="1152475"/>
-            <a:ext cx="8520600" cy="3416400"/>
-          </a:xfrm>
-          <a:prstGeom prst="rect">
-            <a:avLst/>
-          </a:prstGeom>
-        </p:spPr>
-        <p:txBody>
-          <a:bodyPr spcFirstLastPara="1" wrap="square" lIns="91425" tIns="91425" rIns="91425" bIns="91425" anchor="t" anchorCtr="0">
-            <a:noAutofit/>
-          </a:bodyPr>
-          <a:lstStyle/>
-          <a:p>
-            <a:pPr marL="0" lvl="0" indent="0" algn="l" rtl="0">
-              <a:spcBef>
-                <a:spcPts val="0"/>
-              </a:spcBef>
-              <a:spcAft>
-                <a:spcPts val="0"/>
-              </a:spcAft>
-              <a:buNone/>
-            </a:pPr>
-            <a:endParaRPr/>
-          </a:p>
-        </p:txBody>
-      </p:sp>
-    </p:spTree>
-  </p:cSld>
-  <p:clrMapOvr>
-    <a:masterClrMapping/>
-  </p:clrMapOvr>
-</p:sld>
-</file>
-
-<file path=ppt/slides/slide19.xml><?xml version="1.0" encoding="utf-8"?>
-<p:sld xmlns:a="http://schemas.openxmlformats.org/drawingml/2006/main" xmlns:r="http://schemas.openxmlformats.org/officeDocument/2006/relationships" xmlns:p="http://schemas.openxmlformats.org/presentationml/2006/main">
-  <p:cSld>
-    <p:spTree>
-      <p:nvGrpSpPr>
-        <p:cNvPr id="1" name="Shape 184"/>
-        <p:cNvGrpSpPr/>
-        <p:nvPr/>
-      </p:nvGrpSpPr>
-      <p:grpSpPr>
-        <a:xfrm>
-          <a:off x="0" y="0"/>
-          <a:ext cx="0" cy="0"/>
-          <a:chOff x="0" y="0"/>
-          <a:chExt cx="0" cy="0"/>
-        </a:xfrm>
-      </p:grpSpPr>
-      <p:sp>
-        <p:nvSpPr>
-          <p:cNvPr id="185" name="Google Shape;185;g83f00c33ef_0_37"/>
-          <p:cNvSpPr txBox="1">
-            <a:spLocks noGrp="1"/>
-          </p:cNvSpPr>
-          <p:nvPr>
-            <p:ph type="title"/>
-          </p:nvPr>
-        </p:nvSpPr>
-        <p:spPr>
-          <a:xfrm>
-            <a:off x="82475" y="98238"/>
-            <a:ext cx="1584900" cy="572700"/>
-          </a:xfrm>
-          <a:prstGeom prst="rect">
-            <a:avLst/>
-          </a:prstGeom>
-        </p:spPr>
-        <p:txBody>
-          <a:bodyPr spcFirstLastPara="1" wrap="square" lIns="91425" tIns="91425" rIns="91425" bIns="91425" anchor="t" anchorCtr="0">
-            <a:noAutofit/>
-          </a:bodyPr>
-          <a:lstStyle/>
-          <a:p>
-            <a:pPr marL="0" lvl="0" indent="0" algn="l" rtl="0">
-              <a:spcBef>
-                <a:spcPts val="0"/>
-              </a:spcBef>
-              <a:spcAft>
-                <a:spcPts val="0"/>
-              </a:spcAft>
-              <a:buNone/>
-            </a:pPr>
-            <a:endParaRPr/>
-          </a:p>
-        </p:txBody>
-      </p:sp>
-      <p:sp>
-        <p:nvSpPr>
-          <p:cNvPr id="186" name="Google Shape;186;g83f00c33ef_0_37"/>
           <p:cNvSpPr txBox="1">
             <a:spLocks noGrp="1"/>
           </p:cNvSpPr>
@@ -13189,6 +13928,107 @@
               <a:cs typeface="Average"/>
               <a:sym typeface="Average"/>
             </a:endParaRPr>
+          </a:p>
+        </p:txBody>
+      </p:sp>
+    </p:spTree>
+  </p:cSld>
+  <p:clrMapOvr>
+    <a:masterClrMapping/>
+  </p:clrMapOvr>
+</p:sld>
+</file>
+
+<file path=ppt/slides/slide20.xml><?xml version="1.0" encoding="utf-8"?>
+<p:sld xmlns:a="http://schemas.openxmlformats.org/drawingml/2006/main" xmlns:r="http://schemas.openxmlformats.org/officeDocument/2006/relationships" xmlns:p="http://schemas.openxmlformats.org/presentationml/2006/main">
+  <p:cSld>
+    <p:spTree>
+      <p:nvGrpSpPr>
+        <p:cNvPr id="1" name="Shape 184"/>
+        <p:cNvGrpSpPr/>
+        <p:nvPr/>
+      </p:nvGrpSpPr>
+      <p:grpSpPr>
+        <a:xfrm>
+          <a:off x="0" y="0"/>
+          <a:ext cx="0" cy="0"/>
+          <a:chOff x="0" y="0"/>
+          <a:chExt cx="0" cy="0"/>
+        </a:xfrm>
+      </p:grpSpPr>
+      <p:sp>
+        <p:nvSpPr>
+          <p:cNvPr id="185" name="Google Shape;185;g83f00c33ef_0_37"/>
+          <p:cNvSpPr txBox="1">
+            <a:spLocks noGrp="1"/>
+          </p:cNvSpPr>
+          <p:nvPr>
+            <p:ph type="title"/>
+          </p:nvPr>
+        </p:nvSpPr>
+        <p:spPr>
+          <a:xfrm>
+            <a:off x="82475" y="98238"/>
+            <a:ext cx="1584900" cy="572700"/>
+          </a:xfrm>
+          <a:prstGeom prst="rect">
+            <a:avLst/>
+          </a:prstGeom>
+        </p:spPr>
+        <p:txBody>
+          <a:bodyPr spcFirstLastPara="1" wrap="square" lIns="91425" tIns="91425" rIns="91425" bIns="91425" anchor="t" anchorCtr="0">
+            <a:noAutofit/>
+          </a:bodyPr>
+          <a:lstStyle/>
+          <a:p>
+            <a:pPr marL="0" lvl="0" indent="0" algn="l" rtl="0">
+              <a:spcBef>
+                <a:spcPts val="0"/>
+              </a:spcBef>
+              <a:spcAft>
+                <a:spcPts val="0"/>
+              </a:spcAft>
+              <a:buNone/>
+            </a:pPr>
+            <a:endParaRPr/>
+          </a:p>
+        </p:txBody>
+      </p:sp>
+      <p:sp>
+        <p:nvSpPr>
+          <p:cNvPr id="186" name="Google Shape;186;g83f00c33ef_0_37"/>
+          <p:cNvSpPr txBox="1">
+            <a:spLocks noGrp="1"/>
+          </p:cNvSpPr>
+          <p:nvPr>
+            <p:ph type="body" idx="1"/>
+          </p:nvPr>
+        </p:nvSpPr>
+        <p:spPr>
+          <a:xfrm>
+            <a:off x="311700" y="1152475"/>
+            <a:ext cx="8520600" cy="3416400"/>
+          </a:xfrm>
+          <a:prstGeom prst="rect">
+            <a:avLst/>
+          </a:prstGeom>
+        </p:spPr>
+        <p:txBody>
+          <a:bodyPr spcFirstLastPara="1" wrap="square" lIns="91425" tIns="91425" rIns="91425" bIns="91425" anchor="t" anchorCtr="0">
+            <a:noAutofit/>
+          </a:bodyPr>
+          <a:lstStyle/>
+          <a:p>
+            <a:pPr marL="0" lvl="0" indent="0" algn="l" rtl="0">
+              <a:spcBef>
+                <a:spcPts val="0"/>
+              </a:spcBef>
+              <a:spcAft>
+                <a:spcPts val="0"/>
+              </a:spcAft>
+              <a:buNone/>
+            </a:pPr>
+            <a:endParaRPr/>
           </a:p>
         </p:txBody>
       </p:sp>
@@ -14760,11 +15600,13 @@
             </a:lvl9pPr>
           </a:lstStyle>
           <a:p>
-            <a:pPr marL="0" lvl="0" indent="0">
+            <a:pPr marL="285750" lvl="0" indent="-285750">
               <a:lnSpc>
                 <a:spcPct val="115000"/>
               </a:lnSpc>
               <a:buSzPts val="1800"/>
+              <a:buFont typeface="Arial" panose="020B0604020202020204" pitchFamily="34" charset="0"/>
+              <a:buChar char="•"/>
             </a:pPr>
             <a:r>
               <a:rPr lang="en-US" dirty="0">
@@ -14773,103 +15615,40 @@
                 </a:solidFill>
                 <a:latin typeface="Arial"/>
               </a:rPr>
-              <a:t>The original review dataset is fairly large (&gt; 5GB) thus we filtered out the data to contain the subset of original data using following considerations. </a:t>
+              <a:t>Businesses with open = 1 tag were only considered</a:t>
             </a:r>
           </a:p>
           <a:p>
-            <a:pPr marL="457200" lvl="0" indent="-342900">
+            <a:pPr marL="285750" lvl="0" indent="-285750">
               <a:lnSpc>
                 <a:spcPct val="115000"/>
               </a:lnSpc>
-              <a:spcBef>
-                <a:spcPts val="1600"/>
-              </a:spcBef>
               <a:buSzPts val="1800"/>
-              <a:buAutoNum type="arabicParenR"/>
+              <a:buFont typeface="Arial" panose="020B0604020202020204" pitchFamily="34" charset="0"/>
+              <a:buChar char="•"/>
             </a:pPr>
-            <a:r>
-              <a:rPr lang="en-US" dirty="0">
-                <a:solidFill>
-                  <a:srgbClr val="000000"/>
-                </a:solidFill>
-                <a:latin typeface="Arial"/>
-              </a:rPr>
-              <a:t>Since the data contained entries from across United States we filtered out the data to only contain values from Illinois.</a:t>
-            </a:r>
+            <a:endParaRPr lang="en-US" dirty="0">
+              <a:solidFill>
+                <a:srgbClr val="000000"/>
+              </a:solidFill>
+              <a:latin typeface="Arial"/>
+            </a:endParaRPr>
           </a:p>
           <a:p>
-            <a:pPr marL="457200" lvl="0" indent="-342900">
+            <a:pPr marL="285750" lvl="0" indent="-285750">
               <a:lnSpc>
                 <a:spcPct val="115000"/>
               </a:lnSpc>
               <a:buSzPts val="1800"/>
-              <a:buAutoNum type="arabicParenR"/>
+              <a:buFont typeface="Arial" panose="020B0604020202020204" pitchFamily="34" charset="0"/>
+              <a:buChar char="•"/>
             </a:pPr>
-            <a:r>
-              <a:rPr lang="en-US" dirty="0">
-                <a:solidFill>
-                  <a:srgbClr val="000000"/>
-                </a:solidFill>
-                <a:latin typeface="Arial"/>
-              </a:rPr>
-              <a:t>We converted the json data into csv format for modeling following data analysis and data cleaning.</a:t>
-            </a:r>
-          </a:p>
-          <a:p>
-            <a:pPr marL="457200" lvl="0" indent="-342900">
-              <a:lnSpc>
-                <a:spcPct val="115000"/>
-              </a:lnSpc>
-              <a:buSzPts val="1800"/>
-              <a:buFont typeface="Arial"/>
-              <a:buAutoNum type="arabicParenR"/>
-            </a:pPr>
-            <a:r>
-              <a:rPr lang="en-US" dirty="0">
-                <a:solidFill>
-                  <a:srgbClr val="000000"/>
-                </a:solidFill>
-                <a:latin typeface="Arial"/>
-              </a:rPr>
-              <a:t>We explored restaurant attributes that would potentially be useful in recommenders.</a:t>
-            </a:r>
-          </a:p>
-          <a:p>
-            <a:pPr marL="457200" lvl="0" indent="-342900">
-              <a:lnSpc>
-                <a:spcPct val="115000"/>
-              </a:lnSpc>
-              <a:buSzPts val="1800"/>
-              <a:buFont typeface="Arial"/>
-              <a:buAutoNum type="arabicParenR"/>
-            </a:pPr>
-            <a:r>
-              <a:rPr lang="en-US" dirty="0">
-                <a:solidFill>
-                  <a:srgbClr val="000000"/>
-                </a:solidFill>
-                <a:latin typeface="Arial"/>
-              </a:rPr>
-              <a:t>We filtered Illinois users and reviews datasets by matching their </a:t>
-            </a:r>
-            <a:r>
-              <a:rPr lang="en-US" dirty="0" err="1">
-                <a:solidFill>
-                  <a:srgbClr val="000000"/>
-                </a:solidFill>
-                <a:latin typeface="Arial"/>
-              </a:rPr>
-              <a:t>user_ids</a:t>
-            </a:r>
-            <a:r>
-              <a:rPr lang="en-US" dirty="0">
-                <a:solidFill>
-                  <a:srgbClr val="000000"/>
-                </a:solidFill>
-                <a:latin typeface="Arial"/>
-              </a:rPr>
-              <a:t> with our Illinois business dataset.</a:t>
-            </a:r>
+            <a:endParaRPr lang="en-US" dirty="0">
+              <a:solidFill>
+                <a:srgbClr val="000000"/>
+              </a:solidFill>
+              <a:latin typeface="Arial"/>
+            </a:endParaRPr>
           </a:p>
         </p:txBody>
       </p:sp>
@@ -14999,14 +15778,14 @@
               <a:buNone/>
             </a:pPr>
             <a:r>
-              <a:rPr lang="en-US">
+              <a:rPr lang="en-US" dirty="0">
                 <a:solidFill>
                   <a:srgbClr val="000000"/>
                 </a:solidFill>
               </a:rPr>
               <a:t>1. column value extraction:- Extracted values (such as cuisine type, theme, etc.) from the category column of business data. Since we were creating a recommender system for restaurants in Illinois, we extracted records of restaurants in Illinois only.</a:t>
             </a:r>
-            <a:endParaRPr>
+            <a:endParaRPr dirty="0">
               <a:solidFill>
                 <a:srgbClr val="000000"/>
               </a:solidFill>
@@ -15027,14 +15806,14 @@
               <a:buNone/>
             </a:pPr>
             <a:r>
-              <a:rPr lang="en-US">
+              <a:rPr lang="en-US" dirty="0">
                 <a:solidFill>
                   <a:srgbClr val="000000"/>
                 </a:solidFill>
               </a:rPr>
               <a:t>2. Null Values:- There were lot of columns with null values, mainly in the columns which were extracted from the category column, so we removed those columns which had null value count more than 300.</a:t>
             </a:r>
-            <a:endParaRPr>
+            <a:endParaRPr dirty="0">
               <a:solidFill>
                 <a:srgbClr val="000000"/>
               </a:solidFill>
@@ -15055,14 +15834,14 @@
               <a:buNone/>
             </a:pPr>
             <a:r>
-              <a:rPr lang="en-US">
+              <a:rPr lang="en-US" dirty="0">
                 <a:solidFill>
                   <a:srgbClr val="000000"/>
                 </a:solidFill>
               </a:rPr>
               <a:t>3. Duplicate Record:- In Users data, there were lot of users who gave multiple reviews to the same restaurants. For that, we kept the most recent one and removed the others.</a:t>
             </a:r>
-            <a:endParaRPr>
+            <a:endParaRPr dirty="0">
               <a:solidFill>
                 <a:srgbClr val="000000"/>
               </a:solidFill>
@@ -15082,7 +15861,7 @@
               <a:buSzPts val="1800"/>
               <a:buNone/>
             </a:pPr>
-            <a:endParaRPr>
+            <a:endParaRPr dirty="0">
               <a:solidFill>
                 <a:srgbClr val="000000"/>
               </a:solidFill>

--- a/PPT/Yelp Presentation.pptx
+++ b/PPT/Yelp Presentation.pptx
@@ -5,7 +5,7 @@
     <p:sldMasterId id="2147483648" r:id="rId1"/>
   </p:sldMasterIdLst>
   <p:notesMasterIdLst>
-    <p:notesMasterId r:id="rId22"/>
+    <p:notesMasterId r:id="rId24"/>
   </p:notesMasterIdLst>
   <p:sldIdLst>
     <p:sldId id="256" r:id="rId2"/>
@@ -20,37 +20,39 @@
     <p:sldId id="265" r:id="rId11"/>
     <p:sldId id="275" r:id="rId12"/>
     <p:sldId id="266" r:id="rId13"/>
-    <p:sldId id="267" r:id="rId14"/>
-    <p:sldId id="260" r:id="rId15"/>
-    <p:sldId id="268" r:id="rId16"/>
-    <p:sldId id="269" r:id="rId17"/>
-    <p:sldId id="270" r:id="rId18"/>
-    <p:sldId id="271" r:id="rId19"/>
-    <p:sldId id="272" r:id="rId20"/>
-    <p:sldId id="273" r:id="rId21"/>
+    <p:sldId id="276" r:id="rId14"/>
+    <p:sldId id="277" r:id="rId15"/>
+    <p:sldId id="278" r:id="rId16"/>
+    <p:sldId id="279" r:id="rId17"/>
+    <p:sldId id="268" r:id="rId18"/>
+    <p:sldId id="269" r:id="rId19"/>
+    <p:sldId id="270" r:id="rId20"/>
+    <p:sldId id="271" r:id="rId21"/>
+    <p:sldId id="272" r:id="rId22"/>
+    <p:sldId id="273" r:id="rId23"/>
   </p:sldIdLst>
   <p:sldSz cx="9144000" cy="5143500" type="screen16x9"/>
   <p:notesSz cx="6858000" cy="9144000"/>
   <p:embeddedFontLst>
     <p:embeddedFont>
       <p:font typeface="Average" panose="020B0604020202020204" charset="0"/>
-      <p:regular r:id="rId23"/>
+      <p:regular r:id="rId25"/>
     </p:embeddedFont>
     <p:embeddedFont>
       <p:font typeface="Bree Serif" panose="020B0604020202020204" charset="0"/>
-      <p:regular r:id="rId24"/>
+      <p:regular r:id="rId26"/>
     </p:embeddedFont>
     <p:embeddedFont>
       <p:font typeface="Oswald" panose="020B0604020202020204" charset="0"/>
-      <p:regular r:id="rId25"/>
-      <p:bold r:id="rId26"/>
+      <p:regular r:id="rId27"/>
+      <p:bold r:id="rId28"/>
     </p:embeddedFont>
     <p:embeddedFont>
       <p:font typeface="Roboto Mono" panose="020B0604020202020204" charset="0"/>
-      <p:regular r:id="rId27"/>
-      <p:bold r:id="rId28"/>
-      <p:italic r:id="rId29"/>
-      <p:boldItalic r:id="rId30"/>
+      <p:regular r:id="rId29"/>
+      <p:bold r:id="rId30"/>
+      <p:italic r:id="rId31"/>
+      <p:boldItalic r:id="rId32"/>
     </p:embeddedFont>
   </p:embeddedFontLst>
   <p:defaultTextStyle>
@@ -298,7 +300,7 @@
       </p15:sldGuideLst>
     </p:ext>
     <p:ext uri="http://customooxmlschemas.google.com/">
-      <go:slidesCustomData xmlns="" xmlns:mc="http://schemas.openxmlformats.org/markup-compatibility/2006" xmlns:mv="urn:schemas-microsoft-com:mac:vml" xmlns:c="http://schemas.openxmlformats.org/drawingml/2006/chart" xmlns:dgm="http://schemas.openxmlformats.org/drawingml/2006/diagram" xmlns:o="urn:schemas-microsoft-com:office:office" xmlns:v="urn:schemas-microsoft-com:vml" xmlns:pvml="urn:schemas-microsoft-com:office:powerpoint" xmlns:com="http://schemas.openxmlformats.org/drawingml/2006/compatibility" xmlns:p14="http://schemas.microsoft.com/office/powerpoint/2010/main" xmlns:p15="http://schemas.microsoft.com/office/powerpoint/2012/main" xmlns:go="http://customooxmlschemas.google.com/" r:id="rId32" roundtripDataSignature="AMtx7mhrN0VZjpMeXmHQaTxH0fmdJEZUYA=="/>
+      <go:slidesCustomData xmlns="" xmlns:mc="http://schemas.openxmlformats.org/markup-compatibility/2006" xmlns:mv="urn:schemas-microsoft-com:mac:vml" xmlns:c="http://schemas.openxmlformats.org/drawingml/2006/chart" xmlns:dgm="http://schemas.openxmlformats.org/drawingml/2006/diagram" xmlns:o="urn:schemas-microsoft-com:office:office" xmlns:v="urn:schemas-microsoft-com:vml" xmlns:pvml="urn:schemas-microsoft-com:office:powerpoint" xmlns:com="http://schemas.openxmlformats.org/drawingml/2006/compatibility" xmlns:p14="http://schemas.microsoft.com/office/powerpoint/2010/main" xmlns:p15="http://schemas.microsoft.com/office/powerpoint/2012/main" xmlns:go="http://customooxmlschemas.google.com/" r:id="rId33" roundtripDataSignature="AMtx7mhrN0VZjpMeXmHQaTxH0fmdJEZUYA=="/>
     </p:ext>
   </p:extLst>
 </p:presentation>
@@ -1281,136 +1283,6 @@
   <p:cSld>
     <p:spTree>
       <p:nvGrpSpPr>
-        <p:cNvPr id="1" name="Shape 145"/>
-        <p:cNvGrpSpPr/>
-        <p:nvPr/>
-      </p:nvGrpSpPr>
-      <p:grpSpPr>
-        <a:xfrm>
-          <a:off x="0" y="0"/>
-          <a:ext cx="0" cy="0"/>
-          <a:chOff x="0" y="0"/>
-          <a:chExt cx="0" cy="0"/>
-        </a:xfrm>
-      </p:grpSpPr>
-      <p:sp>
-        <p:nvSpPr>
-          <p:cNvPr id="146" name="Google Shape;146;p2:notes"/>
-          <p:cNvSpPr>
-            <a:spLocks noGrp="1" noRot="1" noChangeAspect="1"/>
-          </p:cNvSpPr>
-          <p:nvPr>
-            <p:ph type="sldImg" idx="2"/>
-          </p:nvPr>
-        </p:nvSpPr>
-        <p:spPr>
-          <a:xfrm>
-            <a:off x="381000" y="685800"/>
-            <a:ext cx="6096000" cy="3429000"/>
-          </a:xfrm>
-          <a:custGeom>
-            <a:avLst/>
-            <a:gdLst/>
-            <a:ahLst/>
-            <a:cxnLst/>
-            <a:rect l="l" t="t" r="r" b="b"/>
-            <a:pathLst>
-              <a:path w="120000" h="120000" extrusionOk="0">
-                <a:moveTo>
-                  <a:pt x="0" y="0"/>
-                </a:moveTo>
-                <a:lnTo>
-                  <a:pt x="120000" y="0"/>
-                </a:lnTo>
-                <a:lnTo>
-                  <a:pt x="120000" y="120000"/>
-                </a:lnTo>
-                <a:lnTo>
-                  <a:pt x="0" y="120000"/>
-                </a:lnTo>
-                <a:close/>
-              </a:path>
-            </a:pathLst>
-          </a:custGeom>
-          <a:noFill/>
-          <a:ln w="9525" cap="flat" cmpd="sng">
-            <a:solidFill>
-              <a:srgbClr val="000000"/>
-            </a:solidFill>
-            <a:prstDash val="solid"/>
-            <a:round/>
-            <a:headEnd type="none" w="sm" len="sm"/>
-            <a:tailEnd type="none" w="sm" len="sm"/>
-          </a:ln>
-        </p:spPr>
-      </p:sp>
-      <p:sp>
-        <p:nvSpPr>
-          <p:cNvPr id="147" name="Google Shape;147;p2:notes"/>
-          <p:cNvSpPr txBox="1">
-            <a:spLocks noGrp="1"/>
-          </p:cNvSpPr>
-          <p:nvPr>
-            <p:ph type="body" idx="1"/>
-          </p:nvPr>
-        </p:nvSpPr>
-        <p:spPr>
-          <a:xfrm>
-            <a:off x="685800" y="4343400"/>
-            <a:ext cx="5486400" cy="4114800"/>
-          </a:xfrm>
-          <a:prstGeom prst="rect">
-            <a:avLst/>
-          </a:prstGeom>
-          <a:noFill/>
-          <a:ln>
-            <a:noFill/>
-          </a:ln>
-        </p:spPr>
-        <p:txBody>
-          <a:bodyPr spcFirstLastPara="1" wrap="square" lIns="91425" tIns="91425" rIns="91425" bIns="91425" anchor="t" anchorCtr="0">
-            <a:noAutofit/>
-          </a:bodyPr>
-          <a:lstStyle/>
-          <a:p>
-            <a:pPr marL="0" lvl="0" indent="0" algn="l" rtl="0">
-              <a:lnSpc>
-                <a:spcPct val="100000"/>
-              </a:lnSpc>
-              <a:spcBef>
-                <a:spcPts val="0"/>
-              </a:spcBef>
-              <a:spcAft>
-                <a:spcPts val="0"/>
-              </a:spcAft>
-              <a:buClr>
-                <a:schemeClr val="dk1"/>
-              </a:buClr>
-              <a:buSzPts val="1100"/>
-              <a:buFont typeface="Arial"/>
-              <a:buNone/>
-            </a:pPr>
-            <a:r>
-              <a:rPr lang="en-US"/>
-              <a:t>1) We can speak in this slide about the business model of yelp or what it is </a:t>
-            </a:r>
-            <a:endParaRPr/>
-          </a:p>
-        </p:txBody>
-      </p:sp>
-    </p:spTree>
-  </p:cSld>
-  <p:clrMapOvr>
-    <a:masterClrMapping/>
-  </p:clrMapOvr>
-</p:notes>
-</file>
-
-<file path=ppt/notesSlides/notesSlide13.xml><?xml version="1.0" encoding="utf-8"?>
-<p:notes xmlns:a="http://schemas.openxmlformats.org/drawingml/2006/main" xmlns:r="http://schemas.openxmlformats.org/officeDocument/2006/relationships" xmlns:p="http://schemas.openxmlformats.org/presentationml/2006/main" showMasterSp="0" showMasterPhAnim="0">
-  <p:cSld>
-    <p:spTree>
-      <p:nvGrpSpPr>
         <p:cNvPr id="1" name="Shape 83"/>
         <p:cNvGrpSpPr/>
         <p:nvPr/>
@@ -1470,6 +1342,58 @@
               <a:rPr lang="en-US" dirty="0"/>
               <a:t>customers' personal taste and </a:t>
             </a:r>
+          </a:p>
+          <a:p>
+            <a:pPr marL="0" lvl="0" indent="0" algn="l" rtl="0">
+              <a:spcBef>
+                <a:spcPts val="0"/>
+              </a:spcBef>
+              <a:spcAft>
+                <a:spcPts val="0"/>
+              </a:spcAft>
+              <a:buNone/>
+            </a:pPr>
+            <a:endParaRPr lang="en-US" dirty="0"/>
+          </a:p>
+          <a:p>
+            <a:pPr marL="0" marR="0" lvl="0" indent="0" algn="l" defTabSz="914400" rtl="0" eaLnBrk="1" fontAlgn="auto" latinLnBrk="0" hangingPunct="1">
+              <a:lnSpc>
+                <a:spcPct val="100000"/>
+              </a:lnSpc>
+              <a:spcBef>
+                <a:spcPts val="0"/>
+              </a:spcBef>
+              <a:spcAft>
+                <a:spcPts val="0"/>
+              </a:spcAft>
+              <a:buClr>
+                <a:schemeClr val="dk1"/>
+              </a:buClr>
+              <a:buSzPts val="1100"/>
+              <a:buFont typeface="Arial"/>
+              <a:buNone/>
+              <a:tabLst/>
+              <a:defRPr/>
+            </a:pPr>
+            <a:r>
+              <a:rPr lang="en-US" sz="1100" dirty="0">
+                <a:solidFill>
+                  <a:schemeClr val="bg1"/>
+                </a:solidFill>
+              </a:rPr>
+              <a:t>We didn’t use Content based filtering because it  doesn’t consider interactions between users and items which can open up new options for users other than it’s past choices.</a:t>
+            </a:r>
+          </a:p>
+          <a:p>
+            <a:pPr marL="0" lvl="0" indent="0" algn="l" rtl="0">
+              <a:spcBef>
+                <a:spcPts val="0"/>
+              </a:spcBef>
+              <a:spcAft>
+                <a:spcPts val="0"/>
+              </a:spcAft>
+              <a:buNone/>
+            </a:pPr>
             <a:endParaRPr dirty="0"/>
           </a:p>
         </p:txBody>
@@ -1523,7 +1447,220 @@
 </p:notes>
 </file>
 
+<file path=ppt/notesSlides/notesSlide13.xml><?xml version="1.0" encoding="utf-8"?>
+<p:notes xmlns:a="http://schemas.openxmlformats.org/drawingml/2006/main" xmlns:r="http://schemas.openxmlformats.org/officeDocument/2006/relationships" xmlns:p="http://schemas.openxmlformats.org/presentationml/2006/main" showMasterSp="0" showMasterPhAnim="0">
+  <p:cSld>
+    <p:spTree>
+      <p:nvGrpSpPr>
+        <p:cNvPr id="1" name="Shape 157"/>
+        <p:cNvGrpSpPr/>
+        <p:nvPr/>
+      </p:nvGrpSpPr>
+      <p:grpSpPr>
+        <a:xfrm>
+          <a:off x="0" y="0"/>
+          <a:ext cx="0" cy="0"/>
+          <a:chOff x="0" y="0"/>
+          <a:chExt cx="0" cy="0"/>
+        </a:xfrm>
+      </p:grpSpPr>
+      <p:sp>
+        <p:nvSpPr>
+          <p:cNvPr id="158" name="Google Shape;158;g83f00c33ef_0_17:notes"/>
+          <p:cNvSpPr>
+            <a:spLocks noGrp="1" noRot="1" noChangeAspect="1"/>
+          </p:cNvSpPr>
+          <p:nvPr>
+            <p:ph type="sldImg" idx="2"/>
+          </p:nvPr>
+        </p:nvSpPr>
+        <p:spPr>
+          <a:xfrm>
+            <a:off x="381000" y="685800"/>
+            <a:ext cx="6096000" cy="3429000"/>
+          </a:xfrm>
+          <a:custGeom>
+            <a:avLst/>
+            <a:gdLst/>
+            <a:ahLst/>
+            <a:cxnLst/>
+            <a:rect l="l" t="t" r="r" b="b"/>
+            <a:pathLst>
+              <a:path w="120000" h="120000" extrusionOk="0">
+                <a:moveTo>
+                  <a:pt x="0" y="0"/>
+                </a:moveTo>
+                <a:lnTo>
+                  <a:pt x="120000" y="0"/>
+                </a:lnTo>
+                <a:lnTo>
+                  <a:pt x="120000" y="120000"/>
+                </a:lnTo>
+                <a:lnTo>
+                  <a:pt x="0" y="120000"/>
+                </a:lnTo>
+                <a:close/>
+              </a:path>
+            </a:pathLst>
+          </a:custGeom>
+        </p:spPr>
+      </p:sp>
+      <p:sp>
+        <p:nvSpPr>
+          <p:cNvPr id="159" name="Google Shape;159;g83f00c33ef_0_17:notes"/>
+          <p:cNvSpPr txBox="1">
+            <a:spLocks noGrp="1"/>
+          </p:cNvSpPr>
+          <p:nvPr>
+            <p:ph type="body" idx="1"/>
+          </p:nvPr>
+        </p:nvSpPr>
+        <p:spPr>
+          <a:xfrm>
+            <a:off x="685800" y="4343400"/>
+            <a:ext cx="5486400" cy="4114800"/>
+          </a:xfrm>
+          <a:prstGeom prst="rect">
+            <a:avLst/>
+          </a:prstGeom>
+        </p:spPr>
+        <p:txBody>
+          <a:bodyPr spcFirstLastPara="1" wrap="square" lIns="91425" tIns="91425" rIns="91425" bIns="91425" anchor="t" anchorCtr="0">
+            <a:noAutofit/>
+          </a:bodyPr>
+          <a:lstStyle/>
+          <a:p>
+            <a:pPr marL="0" lvl="0" indent="0" algn="l" rtl="0">
+              <a:spcBef>
+                <a:spcPts val="0"/>
+              </a:spcBef>
+              <a:spcAft>
+                <a:spcPts val="0"/>
+              </a:spcAft>
+              <a:buNone/>
+            </a:pPr>
+            <a:endParaRPr/>
+          </a:p>
+        </p:txBody>
+      </p:sp>
+    </p:spTree>
+  </p:cSld>
+  <p:clrMapOvr>
+    <a:masterClrMapping/>
+  </p:clrMapOvr>
+</p:notes>
+</file>
+
 <file path=ppt/notesSlides/notesSlide14.xml><?xml version="1.0" encoding="utf-8"?>
+<p:notes xmlns:a="http://schemas.openxmlformats.org/drawingml/2006/main" xmlns:r="http://schemas.openxmlformats.org/officeDocument/2006/relationships" xmlns:p="http://schemas.openxmlformats.org/presentationml/2006/main" showMasterSp="0" showMasterPhAnim="0">
+  <p:cSld>
+    <p:spTree>
+      <p:nvGrpSpPr>
+        <p:cNvPr id="1" name="Shape 157"/>
+        <p:cNvGrpSpPr/>
+        <p:nvPr/>
+      </p:nvGrpSpPr>
+      <p:grpSpPr>
+        <a:xfrm>
+          <a:off x="0" y="0"/>
+          <a:ext cx="0" cy="0"/>
+          <a:chOff x="0" y="0"/>
+          <a:chExt cx="0" cy="0"/>
+        </a:xfrm>
+      </p:grpSpPr>
+      <p:sp>
+        <p:nvSpPr>
+          <p:cNvPr id="158" name="Google Shape;158;g83f00c33ef_0_17:notes"/>
+          <p:cNvSpPr>
+            <a:spLocks noGrp="1" noRot="1" noChangeAspect="1"/>
+          </p:cNvSpPr>
+          <p:nvPr>
+            <p:ph type="sldImg" idx="2"/>
+          </p:nvPr>
+        </p:nvSpPr>
+        <p:spPr>
+          <a:xfrm>
+            <a:off x="381000" y="685800"/>
+            <a:ext cx="6096000" cy="3429000"/>
+          </a:xfrm>
+          <a:custGeom>
+            <a:avLst/>
+            <a:gdLst/>
+            <a:ahLst/>
+            <a:cxnLst/>
+            <a:rect l="l" t="t" r="r" b="b"/>
+            <a:pathLst>
+              <a:path w="120000" h="120000" extrusionOk="0">
+                <a:moveTo>
+                  <a:pt x="0" y="0"/>
+                </a:moveTo>
+                <a:lnTo>
+                  <a:pt x="120000" y="0"/>
+                </a:lnTo>
+                <a:lnTo>
+                  <a:pt x="120000" y="120000"/>
+                </a:lnTo>
+                <a:lnTo>
+                  <a:pt x="0" y="120000"/>
+                </a:lnTo>
+                <a:close/>
+              </a:path>
+            </a:pathLst>
+          </a:custGeom>
+        </p:spPr>
+      </p:sp>
+      <p:sp>
+        <p:nvSpPr>
+          <p:cNvPr id="159" name="Google Shape;159;g83f00c33ef_0_17:notes"/>
+          <p:cNvSpPr txBox="1">
+            <a:spLocks noGrp="1"/>
+          </p:cNvSpPr>
+          <p:nvPr>
+            <p:ph type="body" idx="1"/>
+          </p:nvPr>
+        </p:nvSpPr>
+        <p:spPr>
+          <a:xfrm>
+            <a:off x="685800" y="4343400"/>
+            <a:ext cx="5486400" cy="4114800"/>
+          </a:xfrm>
+          <a:prstGeom prst="rect">
+            <a:avLst/>
+          </a:prstGeom>
+        </p:spPr>
+        <p:txBody>
+          <a:bodyPr spcFirstLastPara="1" wrap="square" lIns="91425" tIns="91425" rIns="91425" bIns="91425" anchor="t" anchorCtr="0">
+            <a:noAutofit/>
+          </a:bodyPr>
+          <a:lstStyle/>
+          <a:p>
+            <a:pPr marL="0" lvl="0" indent="0" algn="l" rtl="0">
+              <a:spcBef>
+                <a:spcPts val="0"/>
+              </a:spcBef>
+              <a:spcAft>
+                <a:spcPts val="0"/>
+              </a:spcAft>
+              <a:buNone/>
+            </a:pPr>
+            <a:endParaRPr/>
+          </a:p>
+        </p:txBody>
+      </p:sp>
+    </p:spTree>
+    <p:extLst>
+      <p:ext uri="{BB962C8B-B14F-4D97-AF65-F5344CB8AC3E}">
+        <p14:creationId xmlns:p14="http://schemas.microsoft.com/office/powerpoint/2010/main" val="4109790018"/>
+      </p:ext>
+    </p:extLst>
+  </p:cSld>
+  <p:clrMapOvr>
+    <a:masterClrMapping/>
+  </p:clrMapOvr>
+</p:notes>
+</file>
+
+<file path=ppt/notesSlides/notesSlide15.xml><?xml version="1.0" encoding="utf-8"?>
 <p:notes xmlns:a="http://schemas.openxmlformats.org/drawingml/2006/main" xmlns:r="http://schemas.openxmlformats.org/officeDocument/2006/relationships" xmlns:p="http://schemas.openxmlformats.org/presentationml/2006/main" showMasterSp="0" showMasterPhAnim="0">
   <p:cSld>
     <p:spTree>
@@ -1627,7 +1764,7 @@
 </p:notes>
 </file>
 
-<file path=ppt/notesSlides/notesSlide15.xml><?xml version="1.0" encoding="utf-8"?>
+<file path=ppt/notesSlides/notesSlide16.xml><?xml version="1.0" encoding="utf-8"?>
 <p:notes xmlns:a="http://schemas.openxmlformats.org/drawingml/2006/main" xmlns:r="http://schemas.openxmlformats.org/officeDocument/2006/relationships" xmlns:p="http://schemas.openxmlformats.org/presentationml/2006/main" showMasterSp="0" showMasterPhAnim="0">
   <p:cSld>
     <p:spTree>
@@ -1731,7 +1868,7 @@
 </p:notes>
 </file>
 
-<file path=ppt/notesSlides/notesSlide16.xml><?xml version="1.0" encoding="utf-8"?>
+<file path=ppt/notesSlides/notesSlide17.xml><?xml version="1.0" encoding="utf-8"?>
 <p:notes xmlns:a="http://schemas.openxmlformats.org/drawingml/2006/main" xmlns:r="http://schemas.openxmlformats.org/officeDocument/2006/relationships" xmlns:p="http://schemas.openxmlformats.org/presentationml/2006/main" showMasterSp="0" showMasterPhAnim="0">
   <p:cSld>
     <p:spTree>
@@ -1835,7 +1972,7 @@
 </p:notes>
 </file>
 
-<file path=ppt/notesSlides/notesSlide17.xml><?xml version="1.0" encoding="utf-8"?>
+<file path=ppt/notesSlides/notesSlide18.xml><?xml version="1.0" encoding="utf-8"?>
 <p:notes xmlns:a="http://schemas.openxmlformats.org/drawingml/2006/main" xmlns:r="http://schemas.openxmlformats.org/officeDocument/2006/relationships" xmlns:p="http://schemas.openxmlformats.org/presentationml/2006/main" showMasterSp="0" showMasterPhAnim="0">
   <p:cSld>
     <p:spTree>
@@ -1939,7 +2076,7 @@
 </p:notes>
 </file>
 
-<file path=ppt/notesSlides/notesSlide18.xml><?xml version="1.0" encoding="utf-8"?>
+<file path=ppt/notesSlides/notesSlide19.xml><?xml version="1.0" encoding="utf-8"?>
 <p:notes xmlns:a="http://schemas.openxmlformats.org/drawingml/2006/main" xmlns:r="http://schemas.openxmlformats.org/officeDocument/2006/relationships" xmlns:p="http://schemas.openxmlformats.org/presentationml/2006/main" showMasterSp="0" showMasterPhAnim="0">
   <p:cSld>
     <p:spTree>
@@ -2043,110 +2180,6 @@
 </p:notes>
 </file>
 
-<file path=ppt/notesSlides/notesSlide19.xml><?xml version="1.0" encoding="utf-8"?>
-<p:notes xmlns:a="http://schemas.openxmlformats.org/drawingml/2006/main" xmlns:r="http://schemas.openxmlformats.org/officeDocument/2006/relationships" xmlns:p="http://schemas.openxmlformats.org/presentationml/2006/main" showMasterSp="0" showMasterPhAnim="0">
-  <p:cSld>
-    <p:spTree>
-      <p:nvGrpSpPr>
-        <p:cNvPr id="1" name="Shape 181"/>
-        <p:cNvGrpSpPr/>
-        <p:nvPr/>
-      </p:nvGrpSpPr>
-      <p:grpSpPr>
-        <a:xfrm>
-          <a:off x="0" y="0"/>
-          <a:ext cx="0" cy="0"/>
-          <a:chOff x="0" y="0"/>
-          <a:chExt cx="0" cy="0"/>
-        </a:xfrm>
-      </p:grpSpPr>
-      <p:sp>
-        <p:nvSpPr>
-          <p:cNvPr id="182" name="Google Shape;182;g83f00c33ef_0_37:notes"/>
-          <p:cNvSpPr>
-            <a:spLocks noGrp="1" noRot="1" noChangeAspect="1"/>
-          </p:cNvSpPr>
-          <p:nvPr>
-            <p:ph type="sldImg" idx="2"/>
-          </p:nvPr>
-        </p:nvSpPr>
-        <p:spPr>
-          <a:xfrm>
-            <a:off x="381000" y="685800"/>
-            <a:ext cx="6096000" cy="3429000"/>
-          </a:xfrm>
-          <a:custGeom>
-            <a:avLst/>
-            <a:gdLst/>
-            <a:ahLst/>
-            <a:cxnLst/>
-            <a:rect l="l" t="t" r="r" b="b"/>
-            <a:pathLst>
-              <a:path w="120000" h="120000" extrusionOk="0">
-                <a:moveTo>
-                  <a:pt x="0" y="0"/>
-                </a:moveTo>
-                <a:lnTo>
-                  <a:pt x="120000" y="0"/>
-                </a:lnTo>
-                <a:lnTo>
-                  <a:pt x="120000" y="120000"/>
-                </a:lnTo>
-                <a:lnTo>
-                  <a:pt x="0" y="120000"/>
-                </a:lnTo>
-                <a:close/>
-              </a:path>
-            </a:pathLst>
-          </a:custGeom>
-        </p:spPr>
-      </p:sp>
-      <p:sp>
-        <p:nvSpPr>
-          <p:cNvPr id="183" name="Google Shape;183;g83f00c33ef_0_37:notes"/>
-          <p:cNvSpPr txBox="1">
-            <a:spLocks noGrp="1"/>
-          </p:cNvSpPr>
-          <p:nvPr>
-            <p:ph type="body" idx="1"/>
-          </p:nvPr>
-        </p:nvSpPr>
-        <p:spPr>
-          <a:xfrm>
-            <a:off x="685800" y="4343400"/>
-            <a:ext cx="5486400" cy="4114800"/>
-          </a:xfrm>
-          <a:prstGeom prst="rect">
-            <a:avLst/>
-          </a:prstGeom>
-        </p:spPr>
-        <p:txBody>
-          <a:bodyPr spcFirstLastPara="1" wrap="square" lIns="91425" tIns="91425" rIns="91425" bIns="91425" anchor="t" anchorCtr="0">
-            <a:noAutofit/>
-          </a:bodyPr>
-          <a:lstStyle/>
-          <a:p>
-            <a:pPr marL="0" lvl="0" indent="0" algn="l" rtl="0">
-              <a:spcBef>
-                <a:spcPts val="0"/>
-              </a:spcBef>
-              <a:spcAft>
-                <a:spcPts val="0"/>
-              </a:spcAft>
-              <a:buNone/>
-            </a:pPr>
-            <a:endParaRPr/>
-          </a:p>
-        </p:txBody>
-      </p:sp>
-    </p:spTree>
-  </p:cSld>
-  <p:clrMapOvr>
-    <a:masterClrMapping/>
-  </p:clrMapOvr>
-</p:notes>
-</file>
-
 <file path=ppt/notesSlides/notesSlide2.xml><?xml version="1.0" encoding="utf-8"?>
 <p:notes xmlns:a="http://schemas.openxmlformats.org/drawingml/2006/main" xmlns:r="http://schemas.openxmlformats.org/officeDocument/2006/relationships" xmlns:p="http://schemas.openxmlformats.org/presentationml/2006/main" showMasterSp="0" showMasterPhAnim="0">
   <p:cSld>
@@ -2208,6 +2241,110 @@
       <p:sp>
         <p:nvSpPr>
           <p:cNvPr id="63" name="Google Shape;63;g83f00c33ef_0_5:notes"/>
+          <p:cNvSpPr txBox="1">
+            <a:spLocks noGrp="1"/>
+          </p:cNvSpPr>
+          <p:nvPr>
+            <p:ph type="body" idx="1"/>
+          </p:nvPr>
+        </p:nvSpPr>
+        <p:spPr>
+          <a:xfrm>
+            <a:off x="685800" y="4343400"/>
+            <a:ext cx="5486400" cy="4114800"/>
+          </a:xfrm>
+          <a:prstGeom prst="rect">
+            <a:avLst/>
+          </a:prstGeom>
+        </p:spPr>
+        <p:txBody>
+          <a:bodyPr spcFirstLastPara="1" wrap="square" lIns="91425" tIns="91425" rIns="91425" bIns="91425" anchor="t" anchorCtr="0">
+            <a:noAutofit/>
+          </a:bodyPr>
+          <a:lstStyle/>
+          <a:p>
+            <a:pPr marL="0" lvl="0" indent="0" algn="l" rtl="0">
+              <a:spcBef>
+                <a:spcPts val="0"/>
+              </a:spcBef>
+              <a:spcAft>
+                <a:spcPts val="0"/>
+              </a:spcAft>
+              <a:buNone/>
+            </a:pPr>
+            <a:endParaRPr/>
+          </a:p>
+        </p:txBody>
+      </p:sp>
+    </p:spTree>
+  </p:cSld>
+  <p:clrMapOvr>
+    <a:masterClrMapping/>
+  </p:clrMapOvr>
+</p:notes>
+</file>
+
+<file path=ppt/notesSlides/notesSlide20.xml><?xml version="1.0" encoding="utf-8"?>
+<p:notes xmlns:a="http://schemas.openxmlformats.org/drawingml/2006/main" xmlns:r="http://schemas.openxmlformats.org/officeDocument/2006/relationships" xmlns:p="http://schemas.openxmlformats.org/presentationml/2006/main" showMasterSp="0" showMasterPhAnim="0">
+  <p:cSld>
+    <p:spTree>
+      <p:nvGrpSpPr>
+        <p:cNvPr id="1" name="Shape 181"/>
+        <p:cNvGrpSpPr/>
+        <p:nvPr/>
+      </p:nvGrpSpPr>
+      <p:grpSpPr>
+        <a:xfrm>
+          <a:off x="0" y="0"/>
+          <a:ext cx="0" cy="0"/>
+          <a:chOff x="0" y="0"/>
+          <a:chExt cx="0" cy="0"/>
+        </a:xfrm>
+      </p:grpSpPr>
+      <p:sp>
+        <p:nvSpPr>
+          <p:cNvPr id="182" name="Google Shape;182;g83f00c33ef_0_37:notes"/>
+          <p:cNvSpPr>
+            <a:spLocks noGrp="1" noRot="1" noChangeAspect="1"/>
+          </p:cNvSpPr>
+          <p:nvPr>
+            <p:ph type="sldImg" idx="2"/>
+          </p:nvPr>
+        </p:nvSpPr>
+        <p:spPr>
+          <a:xfrm>
+            <a:off x="381000" y="685800"/>
+            <a:ext cx="6096000" cy="3429000"/>
+          </a:xfrm>
+          <a:custGeom>
+            <a:avLst/>
+            <a:gdLst/>
+            <a:ahLst/>
+            <a:cxnLst/>
+            <a:rect l="l" t="t" r="r" b="b"/>
+            <a:pathLst>
+              <a:path w="120000" h="120000" extrusionOk="0">
+                <a:moveTo>
+                  <a:pt x="0" y="0"/>
+                </a:moveTo>
+                <a:lnTo>
+                  <a:pt x="120000" y="0"/>
+                </a:lnTo>
+                <a:lnTo>
+                  <a:pt x="120000" y="120000"/>
+                </a:lnTo>
+                <a:lnTo>
+                  <a:pt x="0" y="120000"/>
+                </a:lnTo>
+                <a:close/>
+              </a:path>
+            </a:pathLst>
+          </a:custGeom>
+        </p:spPr>
+      </p:sp>
+      <p:sp>
+        <p:nvSpPr>
+          <p:cNvPr id="183" name="Google Shape;183;g83f00c33ef_0_37:notes"/>
           <p:cNvSpPr txBox="1">
             <a:spLocks noGrp="1"/>
           </p:cNvSpPr>
@@ -2731,7 +2868,7 @@
               <a:buSzPts val="1100"/>
               <a:buNone/>
             </a:pPr>
-            <a:endParaRPr/>
+            <a:endParaRPr dirty="0"/>
           </a:p>
         </p:txBody>
       </p:sp>
@@ -3084,20 +3221,27 @@
           </a:bodyPr>
           <a:lstStyle/>
           <a:p>
-            <a:pPr marL="0" lvl="0" indent="0" algn="l" rtl="0">
-              <a:lnSpc>
-                <a:spcPct val="100000"/>
-              </a:lnSpc>
-              <a:spcBef>
-                <a:spcPts val="0"/>
-              </a:spcBef>
-              <a:spcAft>
-                <a:spcPts val="0"/>
-              </a:spcAft>
-              <a:buSzPts val="1100"/>
-              <a:buNone/>
-            </a:pPr>
-            <a:endParaRPr/>
+            <a:r>
+              <a:rPr lang="en-US" dirty="0"/>
+              <a:t>Mention that </a:t>
+            </a:r>
+            <a:r>
+              <a:rPr lang="en-US" sz="1100" b="1" i="0" u="none" strike="noStrike" cap="none" dirty="0">
+                <a:solidFill>
+                  <a:schemeClr val="dk1"/>
+                </a:solidFill>
+                <a:effectLst/>
+                <a:latin typeface="Arial"/>
+                <a:ea typeface="Arial"/>
+                <a:cs typeface="Arial"/>
+                <a:sym typeface="Arial"/>
+              </a:rPr>
+              <a:t>### There are 1301 categories. We shall check top 10 categories.</a:t>
+            </a:r>
+            <a:br>
+              <a:rPr lang="en-US" dirty="0"/>
+            </a:br>
+            <a:endParaRPr dirty="0"/>
           </a:p>
         </p:txBody>
       </p:sp>
@@ -12319,7 +12463,7 @@
   <p:cSld>
     <p:spTree>
       <p:nvGrpSpPr>
-        <p:cNvPr id="1" name="Shape 148"/>
+        <p:cNvPr id="1" name=""/>
         <p:cNvGrpSpPr/>
         <p:nvPr/>
       </p:nvGrpSpPr>
@@ -12333,79 +12477,128 @@
       </p:grpSpPr>
       <p:sp>
         <p:nvSpPr>
-          <p:cNvPr id="149" name="Google Shape;149;p2"/>
-          <p:cNvSpPr txBox="1"/>
+          <p:cNvPr id="3" name="Text Placeholder 2">
+            <a:extLst>
+              <a:ext uri="{FF2B5EF4-FFF2-40B4-BE49-F238E27FC236}">
+                <a16:creationId xmlns:a16="http://schemas.microsoft.com/office/drawing/2014/main" id="{3A4C0185-EACB-43A2-B7B6-6BFBC056336F}"/>
+              </a:ext>
+            </a:extLst>
+          </p:cNvPr>
+          <p:cNvSpPr>
+            <a:spLocks noGrp="1"/>
+          </p:cNvSpPr>
+          <p:nvPr>
+            <p:ph type="body" idx="1"/>
+          </p:nvPr>
+        </p:nvSpPr>
+        <p:spPr/>
+        <p:txBody>
+          <a:bodyPr/>
+          <a:lstStyle/>
+          <a:p>
+            <a:endParaRPr lang="en-US" dirty="0"/>
+          </a:p>
+        </p:txBody>
+      </p:sp>
+      <p:pic>
+        <p:nvPicPr>
+          <p:cNvPr id="4" name="Picture 2">
+            <a:extLst>
+              <a:ext uri="{FF2B5EF4-FFF2-40B4-BE49-F238E27FC236}">
+                <a16:creationId xmlns:a16="http://schemas.microsoft.com/office/drawing/2014/main" id="{3784B108-E90A-4548-8EF4-1C7FB8CEA82C}"/>
+              </a:ext>
+            </a:extLst>
+          </p:cNvPr>
+          <p:cNvPicPr>
+            <a:picLocks noChangeAspect="1" noChangeArrowheads="1"/>
+          </p:cNvPicPr>
           <p:nvPr/>
-        </p:nvSpPr>
-        <p:spPr>
+        </p:nvPicPr>
+        <p:blipFill>
+          <a:blip r:embed="rId2">
+            <a:extLst>
+              <a:ext uri="{28A0092B-C50C-407E-A947-70E740481C1C}">
+                <a14:useLocalDpi xmlns:a14="http://schemas.microsoft.com/office/drawing/2010/main" val="0"/>
+              </a:ext>
+            </a:extLst>
+          </a:blip>
+          <a:srcRect/>
+          <a:stretch>
+            <a:fillRect/>
+          </a:stretch>
+        </p:blipFill>
+        <p:spPr bwMode="auto">
           <a:xfrm>
             <a:off x="314325" y="1114425"/>
-            <a:ext cx="5886450" cy="523220"/>
+            <a:ext cx="5748158" cy="3741583"/>
           </a:xfrm>
           <a:prstGeom prst="rect">
             <a:avLst/>
           </a:prstGeom>
           <a:noFill/>
-          <a:ln>
-            <a:noFill/>
-          </a:ln>
+          <a:extLst>
+            <a:ext uri="{909E8E84-426E-40DD-AFC4-6F175D3DCCD1}">
+              <a14:hiddenFill xmlns:a14="http://schemas.microsoft.com/office/drawing/2010/main">
+                <a:solidFill>
+                  <a:srgbClr val="FFFFFF"/>
+                </a:solidFill>
+              </a14:hiddenFill>
+            </a:ext>
+          </a:extLst>
+        </p:spPr>
+      </p:pic>
+      <p:sp>
+        <p:nvSpPr>
+          <p:cNvPr id="5" name="Rectangle 4">
+            <a:extLst>
+              <a:ext uri="{FF2B5EF4-FFF2-40B4-BE49-F238E27FC236}">
+                <a16:creationId xmlns:a16="http://schemas.microsoft.com/office/drawing/2014/main" id="{2392EAFB-DD11-482A-A406-29FDBDBD3214}"/>
+              </a:ext>
+            </a:extLst>
+          </p:cNvPr>
+          <p:cNvSpPr/>
+          <p:nvPr/>
+        </p:nvSpPr>
+        <p:spPr>
+          <a:xfrm>
+            <a:off x="874925" y="683538"/>
+            <a:ext cx="5499996" cy="738664"/>
+          </a:xfrm>
+          <a:prstGeom prst="rect">
+            <a:avLst/>
+          </a:prstGeom>
         </p:spPr>
         <p:txBody>
-          <a:bodyPr spcFirstLastPara="1" wrap="square" lIns="91425" tIns="45700" rIns="91425" bIns="45700" anchor="t" anchorCtr="0">
+          <a:bodyPr wrap="square">
             <a:spAutoFit/>
           </a:bodyPr>
           <a:lstStyle/>
           <a:p>
-            <a:pPr marL="0" marR="0" lvl="0" indent="0" algn="l" rtl="0">
-              <a:lnSpc>
-                <a:spcPct val="100000"/>
-              </a:lnSpc>
-              <a:spcBef>
-                <a:spcPts val="0"/>
-              </a:spcBef>
-              <a:spcAft>
-                <a:spcPts val="0"/>
-              </a:spcAft>
-              <a:buNone/>
-            </a:pPr>
-            <a:endParaRPr sz="1400" b="0" i="0" u="none" strike="noStrike" cap="none">
-              <a:solidFill>
-                <a:srgbClr val="000000"/>
-              </a:solidFill>
-              <a:latin typeface="Arial"/>
-              <a:ea typeface="Arial"/>
-              <a:cs typeface="Arial"/>
-              <a:sym typeface="Arial"/>
-            </a:endParaRPr>
+            <a:r>
+              <a:rPr lang="en-US" b="1" dirty="0">
+                <a:latin typeface="Average" panose="020B0604020202020204" charset="0"/>
+              </a:rPr>
+              <a:t>HISTOGRAM OF AVERAGE STARS FOR ILLINOIS USERS</a:t>
+            </a:r>
+            <a:endParaRPr lang="en-US" dirty="0"/>
           </a:p>
           <a:p>
-            <a:pPr marL="0" marR="0" lvl="0" indent="0" algn="l" rtl="0">
-              <a:lnSpc>
-                <a:spcPct val="100000"/>
-              </a:lnSpc>
-              <a:spcBef>
-                <a:spcPts val="0"/>
-              </a:spcBef>
-              <a:spcAft>
-                <a:spcPts val="0"/>
-              </a:spcAft>
-              <a:buNone/>
-            </a:pPr>
-            <a:endParaRPr sz="1400" b="0" i="0" u="none" strike="noStrike" cap="none">
-              <a:solidFill>
-                <a:srgbClr val="000000"/>
-              </a:solidFill>
-              <a:latin typeface="Arial"/>
-              <a:ea typeface="Arial"/>
-              <a:cs typeface="Arial"/>
-              <a:sym typeface="Arial"/>
-            </a:endParaRPr>
+            <a:br>
+              <a:rPr lang="en-US" dirty="0"/>
+            </a:br>
+            <a:endParaRPr lang="en-US" dirty="0"/>
           </a:p>
         </p:txBody>
       </p:sp>
       <p:sp>
         <p:nvSpPr>
-          <p:cNvPr id="150" name="Google Shape;150;p2"/>
+          <p:cNvPr id="8" name="Google Shape;141;g83f00c33ef_0_0">
+            <a:extLst>
+              <a:ext uri="{FF2B5EF4-FFF2-40B4-BE49-F238E27FC236}">
+                <a16:creationId xmlns:a16="http://schemas.microsoft.com/office/drawing/2014/main" id="{FA80883C-F3C2-42AE-9B42-477E30E3A3E0}"/>
+              </a:ext>
+            </a:extLst>
+          </p:cNvPr>
           <p:cNvSpPr txBox="1">
             <a:spLocks noGrp="1"/>
           </p:cNvSpPr>
@@ -12415,16 +12608,12 @@
         </p:nvSpPr>
         <p:spPr>
           <a:xfrm>
-            <a:off x="82475" y="98238"/>
-            <a:ext cx="1584900" cy="572700"/>
+            <a:off x="0" y="0"/>
+            <a:ext cx="5047800" cy="655200"/>
           </a:xfrm>
           <a:prstGeom prst="rect">
             <a:avLst/>
           </a:prstGeom>
-          <a:noFill/>
-          <a:ln>
-            <a:noFill/>
-          </a:ln>
         </p:spPr>
         <p:txBody>
           <a:bodyPr spcFirstLastPara="1" wrap="square" lIns="91425" tIns="91425" rIns="91425" bIns="91425" anchor="t" anchorCtr="0">
@@ -12433,23 +12622,44 @@
           <a:lstStyle/>
           <a:p>
             <a:pPr marL="0" lvl="0" indent="0" algn="l" rtl="0">
-              <a:lnSpc>
-                <a:spcPct val="100000"/>
-              </a:lnSpc>
-              <a:spcBef>
-                <a:spcPts val="0"/>
-              </a:spcBef>
-              <a:spcAft>
-                <a:spcPts val="0"/>
-              </a:spcAft>
+              <a:spcBef>
+                <a:spcPts val="0"/>
+              </a:spcBef>
+              <a:spcAft>
+                <a:spcPts val="0"/>
+              </a:spcAft>
+              <a:buClr>
+                <a:srgbClr val="000000"/>
+              </a:buClr>
               <a:buSzPts val="3000"/>
+              <a:buFont typeface="Arial"/>
               <a:buNone/>
             </a:pPr>
-            <a:endParaRPr/>
+            <a:r>
+              <a:rPr lang="en-US" dirty="0">
+                <a:solidFill>
+                  <a:srgbClr val="000000"/>
+                </a:solidFill>
+                <a:highlight>
+                  <a:srgbClr val="FF0000"/>
+                </a:highlight>
+              </a:rPr>
+              <a:t>Exploratory Data Analysis</a:t>
+            </a:r>
+            <a:endParaRPr dirty="0">
+              <a:highlight>
+                <a:srgbClr val="FF0000"/>
+              </a:highlight>
+            </a:endParaRPr>
           </a:p>
         </p:txBody>
       </p:sp>
     </p:spTree>
+    <p:extLst>
+      <p:ext uri="{BB962C8B-B14F-4D97-AF65-F5344CB8AC3E}">
+        <p14:creationId xmlns:p14="http://schemas.microsoft.com/office/powerpoint/2010/main" val="2423538804"/>
+      </p:ext>
+    </p:extLst>
   </p:cSld>
   <p:clrMapOvr>
     <a:masterClrMapping/>
@@ -12517,18 +12727,13 @@
               <a:buNone/>
             </a:pPr>
             <a:r>
-              <a:rPr lang="en-US" sz="3000" b="0" i="0" u="none" strike="noStrike" cap="none">
-                <a:solidFill>
-                  <a:srgbClr val="000000"/>
-                </a:solidFill>
+              <a:rPr lang="en-US" sz="3000" dirty="0">
                 <a:latin typeface="Bree Serif"/>
-                <a:ea typeface="Bree Serif"/>
-                <a:cs typeface="Bree Serif"/>
                 <a:sym typeface="Bree Serif"/>
               </a:rPr>
-              <a:t>Background</a:t>
+              <a:t>Models</a:t>
             </a:r>
-            <a:endParaRPr/>
+            <a:endParaRPr dirty="0"/>
           </a:p>
         </p:txBody>
       </p:sp>
@@ -12547,8 +12752,8 @@
         </p:blipFill>
         <p:spPr>
           <a:xfrm>
-            <a:off x="849063" y="878609"/>
-            <a:ext cx="1217700" cy="1272900"/>
+            <a:off x="966662" y="1163578"/>
+            <a:ext cx="1056739" cy="1054693"/>
           </a:xfrm>
           <a:prstGeom prst="roundRect">
             <a:avLst>
@@ -12583,8 +12788,8 @@
         </p:blipFill>
         <p:spPr>
           <a:xfrm>
-            <a:off x="849063" y="2843625"/>
-            <a:ext cx="1217700" cy="1272900"/>
+            <a:off x="966662" y="2969263"/>
+            <a:ext cx="1126244" cy="1054693"/>
           </a:xfrm>
           <a:prstGeom prst="roundRect">
             <a:avLst>
@@ -12620,8 +12825,8 @@
         </p:nvSpPr>
         <p:spPr bwMode="auto">
           <a:xfrm>
-            <a:off x="2155971" y="1026975"/>
-            <a:ext cx="6601453" cy="1746559"/>
+            <a:off x="2121219" y="1388044"/>
+            <a:ext cx="6601453" cy="821102"/>
           </a:xfrm>
           <a:prstGeom prst="rect">
             <a:avLst/>
@@ -12759,10 +12964,7 @@
             </a:lvl9pPr>
           </a:lstStyle>
           <a:p>
-            <a:pPr marL="285750" lvl="0" indent="-285750" algn="just">
-              <a:buFont typeface="Wingdings" panose="05000000000000000000" pitchFamily="2" charset="2"/>
-              <a:buChar char="§"/>
-            </a:pPr>
+            <a:pPr marL="0" lvl="0" indent="0" algn="just"/>
             <a:r>
               <a:rPr lang="en-US" sz="1800" dirty="0">
                 <a:solidFill>
@@ -12770,7 +12972,7 @@
                 </a:solidFill>
                 <a:latin typeface="Arial"/>
               </a:rPr>
-              <a:t>A Recommend</a:t>
+              <a:t> A Recommend</a:t>
             </a:r>
             <a:r>
               <a:rPr lang="en-US" sz="1800" dirty="0">
@@ -12794,21 +12996,16 @@
             <a:pPr marL="0" lvl="0" indent="0" algn="just"/>
             <a:r>
               <a:rPr lang="en-US" dirty="0"/>
-              <a:t>restaurant functions.</a:t>
+              <a:t>restaurant </a:t>
             </a:r>
-          </a:p>
-          <a:p>
-            <a:pPr algn="just"/>
             <a:r>
-              <a:rPr lang="en-US" dirty="0"/>
-              <a:t> </a:t>
+              <a:rPr lang="en-US" dirty="0" err="1"/>
+              <a:t>functions.</a:t>
             </a:r>
-          </a:p>
-          <a:p>
-            <a:pPr marL="285750" lvl="0" indent="-285750" algn="just">
-              <a:buFont typeface="Wingdings" panose="05000000000000000000" pitchFamily="2" charset="2"/>
-              <a:buChar char="§"/>
-            </a:pPr>
+            <a:r>
+              <a:rPr lang="en-US" sz="1800" dirty="0" err="1"/>
+              <a:t>zz</a:t>
+            </a:r>
             <a:endParaRPr lang="en-US" sz="1800" dirty="0"/>
           </a:p>
         </p:txBody>
@@ -12829,8 +13026,8 @@
         </p:nvSpPr>
         <p:spPr bwMode="auto">
           <a:xfrm>
-            <a:off x="2155972" y="2810175"/>
-            <a:ext cx="6601453" cy="1306350"/>
+            <a:off x="2155971" y="2711950"/>
+            <a:ext cx="6699270" cy="1569320"/>
           </a:xfrm>
           <a:prstGeom prst="rect">
             <a:avLst/>
@@ -12968,93 +13165,100 @@
             </a:lvl9pPr>
           </a:lstStyle>
           <a:p>
-            <a:pPr marL="0" lvl="0" indent="0" algn="just"/>
+            <a:pPr marL="0" lvl="0" indent="0"/>
             <a:r>
               <a:rPr lang="en-US" sz="1800" dirty="0">
                 <a:solidFill>
-                  <a:srgbClr val="383838"/>
+                  <a:schemeClr val="bg1"/>
                 </a:solidFill>
               </a:rPr>
-              <a:t>Recommender Systems are built using following methods:-</a:t>
+              <a:t>Following are the models which we used:-</a:t>
             </a:r>
-            <a:endParaRPr lang="en-US" sz="1800" dirty="0"/>
           </a:p>
           <a:p>
-            <a:pPr marL="342900" lvl="0" indent="-342900" algn="just">
-              <a:buSzPts val="1600"/>
-              <a:buFont typeface="Wingdings" panose="05000000000000000000" pitchFamily="2" charset="2"/>
+            <a:pPr marL="285750" indent="-285750">
+              <a:buClr>
+                <a:schemeClr val="bg1"/>
+              </a:buClr>
+              <a:buFont typeface="Wingdings" pitchFamily="2" charset="2"/>
               <a:buChar char="§"/>
             </a:pPr>
             <a:r>
               <a:rPr lang="en-US" sz="1800" dirty="0">
                 <a:solidFill>
-                  <a:srgbClr val="383838"/>
+                  <a:schemeClr val="bg1"/>
                 </a:solidFill>
               </a:rPr>
-              <a:t>Content Based Filtering</a:t>
+              <a:t>Singular Value Decomposition (SVD)</a:t>
             </a:r>
-            <a:endParaRPr lang="en-US" sz="1800" dirty="0"/>
           </a:p>
           <a:p>
-            <a:pPr marL="342900" lvl="0" indent="-342900" algn="just">
-              <a:buSzPts val="1600"/>
-              <a:buFont typeface="Wingdings" panose="05000000000000000000" pitchFamily="2" charset="2"/>
+            <a:pPr marL="285750" indent="-285750">
+              <a:buClr>
+                <a:schemeClr val="bg1"/>
+              </a:buClr>
+              <a:buFont typeface="Wingdings" pitchFamily="2" charset="2"/>
               <a:buChar char="§"/>
             </a:pPr>
             <a:r>
               <a:rPr lang="en-US" sz="1800" dirty="0">
                 <a:solidFill>
-                  <a:srgbClr val="383838"/>
+                  <a:schemeClr val="bg1"/>
                 </a:solidFill>
               </a:rPr>
               <a:t>Approximate Nearest Neighbors</a:t>
             </a:r>
-            <a:endParaRPr lang="en-US" sz="1800" dirty="0"/>
           </a:p>
           <a:p>
-            <a:pPr marL="342900" lvl="0" indent="-342900" algn="just">
-              <a:buSzPts val="1600"/>
-              <a:buFont typeface="Wingdings" panose="05000000000000000000" pitchFamily="2" charset="2"/>
+            <a:pPr marL="285750" indent="-285750">
+              <a:buClr>
+                <a:schemeClr val="bg1"/>
+              </a:buClr>
+              <a:buFont typeface="Wingdings" pitchFamily="2" charset="2"/>
               <a:buChar char="§"/>
             </a:pPr>
             <a:r>
               <a:rPr lang="en-US" sz="1800" dirty="0">
                 <a:solidFill>
-                  <a:srgbClr val="383838"/>
+                  <a:schemeClr val="bg1"/>
                 </a:solidFill>
               </a:rPr>
               <a:t>Collaborative Filtering</a:t>
             </a:r>
-            <a:endParaRPr lang="en-US" sz="1800" dirty="0"/>
           </a:p>
           <a:p>
-            <a:pPr marL="342900" lvl="0" indent="-342900" algn="just">
-              <a:buSzPts val="1600"/>
-              <a:buFont typeface="Wingdings" panose="05000000000000000000" pitchFamily="2" charset="2"/>
+            <a:pPr marL="285750" indent="-285750">
+              <a:buClr>
+                <a:schemeClr val="bg1"/>
+              </a:buClr>
+              <a:buFont typeface="Wingdings" pitchFamily="2" charset="2"/>
               <a:buChar char="§"/>
             </a:pPr>
             <a:r>
               <a:rPr lang="en-US" sz="1800" dirty="0">
                 <a:solidFill>
-                  <a:srgbClr val="383838"/>
+                  <a:schemeClr val="bg1"/>
                 </a:solidFill>
               </a:rPr>
               <a:t>Hybrid Matrix Factorization</a:t>
             </a:r>
           </a:p>
           <a:p>
-            <a:pPr marL="342900" lvl="0" indent="-342900" algn="just">
+            <a:pPr marL="0" lvl="0" indent="0" algn="just">
               <a:buSzPts val="1600"/>
-              <a:buFont typeface="Wingdings" panose="05000000000000000000" pitchFamily="2" charset="2"/>
-              <a:buChar char="§"/>
             </a:pPr>
             <a:endParaRPr lang="en-US" sz="1800" dirty="0"/>
           </a:p>
           <a:p>
-            <a:pPr marL="285750" lvl="0" indent="-285750">
-              <a:buFont typeface="Wingdings" panose="05000000000000000000" pitchFamily="2" charset="2"/>
-              <a:buChar char="§"/>
-            </a:pPr>
+            <a:pPr marL="0" lvl="0" indent="0"/>
+            <a:endParaRPr lang="en-US" sz="1800" dirty="0">
+              <a:solidFill>
+                <a:srgbClr val="383838"/>
+              </a:solidFill>
+            </a:endParaRPr>
+          </a:p>
+          <a:p>
+            <a:pPr marL="0" lvl="0" indent="0"/>
             <a:endParaRPr lang="en-US" sz="1800" dirty="0">
               <a:solidFill>
                 <a:srgbClr val="383838"/>
@@ -13076,7 +13280,7 @@
   <p:cSld>
     <p:spTree>
       <p:nvGrpSpPr>
-        <p:cNvPr id="1" name="Shape 154"/>
+        <p:cNvPr id="1" name="Shape 160"/>
         <p:cNvGrpSpPr/>
         <p:nvPr/>
       </p:nvGrpSpPr>
@@ -13090,7 +13294,7 @@
       </p:grpSpPr>
       <p:sp>
         <p:nvSpPr>
-          <p:cNvPr id="155" name="Google Shape;155;g83f00c33ef_0_12"/>
+          <p:cNvPr id="161" name="Google Shape;161;g83f00c33ef_0_17"/>
           <p:cNvSpPr txBox="1">
             <a:spLocks noGrp="1"/>
           </p:cNvSpPr>
@@ -13100,8 +13304,8 @@
         </p:nvSpPr>
         <p:spPr>
           <a:xfrm>
-            <a:off x="0" y="-12"/>
-            <a:ext cx="1584900" cy="572700"/>
+            <a:off x="0" y="2"/>
+            <a:ext cx="2927700" cy="684300"/>
           </a:xfrm>
           <a:prstGeom prst="rect">
             <a:avLst/>
@@ -13123,24 +13327,36 @@
               <a:buNone/>
             </a:pPr>
             <a:r>
-              <a:rPr lang="en-US">
+              <a:rPr lang="en-US" dirty="0">
                 <a:solidFill>
                   <a:srgbClr val="000000"/>
                 </a:solidFill>
               </a:rPr>
-              <a:t>Model</a:t>
+              <a:t>Models</a:t>
             </a:r>
-            <a:endParaRPr>
+            <a:endParaRPr dirty="0">
               <a:solidFill>
                 <a:srgbClr val="000000"/>
               </a:solidFill>
             </a:endParaRPr>
           </a:p>
+          <a:p>
+            <a:pPr marL="0" lvl="0" indent="0" algn="l" rtl="0">
+              <a:spcBef>
+                <a:spcPts val="0"/>
+              </a:spcBef>
+              <a:spcAft>
+                <a:spcPts val="0"/>
+              </a:spcAft>
+              <a:buNone/>
+            </a:pPr>
+            <a:endParaRPr dirty="0"/>
+          </a:p>
         </p:txBody>
       </p:sp>
       <p:sp>
         <p:nvSpPr>
-          <p:cNvPr id="156" name="Google Shape;156;g83f00c33ef_0_12"/>
+          <p:cNvPr id="162" name="Google Shape;162;g83f00c33ef_0_17"/>
           <p:cNvSpPr txBox="1">
             <a:spLocks noGrp="1"/>
           </p:cNvSpPr>
@@ -13150,7 +13366,7 @@
         </p:nvSpPr>
         <p:spPr>
           <a:xfrm>
-            <a:off x="311700" y="1152475"/>
+            <a:off x="80693" y="767465"/>
             <a:ext cx="8520600" cy="3416400"/>
           </a:xfrm>
           <a:prstGeom prst="rect">
@@ -13172,7 +13388,30 @@
               </a:spcAft>
               <a:buNone/>
             </a:pPr>
-            <a:endParaRPr/>
+            <a:r>
+              <a:rPr lang="en-US" b="1" dirty="0">
+                <a:solidFill>
+                  <a:schemeClr val="bg1"/>
+                </a:solidFill>
+              </a:rPr>
+              <a:t>Singular Value Decomposition:-</a:t>
+            </a:r>
+          </a:p>
+          <a:p>
+            <a:pPr marL="0" lvl="0" indent="0" algn="l" rtl="0">
+              <a:spcBef>
+                <a:spcPts val="0"/>
+              </a:spcBef>
+              <a:spcAft>
+                <a:spcPts val="0"/>
+              </a:spcAft>
+              <a:buNone/>
+            </a:pPr>
+            <a:endParaRPr b="1" dirty="0">
+              <a:solidFill>
+                <a:schemeClr val="bg1"/>
+              </a:solidFill>
+            </a:endParaRPr>
           </a:p>
         </p:txBody>
       </p:sp>
@@ -13236,6 +13475,303 @@
               <a:buNone/>
             </a:pPr>
             <a:r>
+              <a:rPr lang="en-US" dirty="0">
+                <a:solidFill>
+                  <a:srgbClr val="000000"/>
+                </a:solidFill>
+              </a:rPr>
+              <a:t>Models</a:t>
+            </a:r>
+            <a:endParaRPr dirty="0">
+              <a:solidFill>
+                <a:srgbClr val="000000"/>
+              </a:solidFill>
+            </a:endParaRPr>
+          </a:p>
+          <a:p>
+            <a:pPr marL="0" lvl="0" indent="0" algn="l" rtl="0">
+              <a:spcBef>
+                <a:spcPts val="0"/>
+              </a:spcBef>
+              <a:spcAft>
+                <a:spcPts val="0"/>
+              </a:spcAft>
+              <a:buNone/>
+            </a:pPr>
+            <a:endParaRPr dirty="0"/>
+          </a:p>
+        </p:txBody>
+      </p:sp>
+      <p:sp>
+        <p:nvSpPr>
+          <p:cNvPr id="162" name="Google Shape;162;g83f00c33ef_0_17"/>
+          <p:cNvSpPr txBox="1">
+            <a:spLocks noGrp="1"/>
+          </p:cNvSpPr>
+          <p:nvPr>
+            <p:ph type="body" idx="1"/>
+          </p:nvPr>
+        </p:nvSpPr>
+        <p:spPr>
+          <a:xfrm>
+            <a:off x="80693" y="767465"/>
+            <a:ext cx="8520600" cy="3416400"/>
+          </a:xfrm>
+          <a:prstGeom prst="rect">
+            <a:avLst/>
+          </a:prstGeom>
+        </p:spPr>
+        <p:txBody>
+          <a:bodyPr spcFirstLastPara="1" wrap="square" lIns="91425" tIns="91425" rIns="91425" bIns="91425" anchor="t" anchorCtr="0">
+            <a:noAutofit/>
+          </a:bodyPr>
+          <a:lstStyle/>
+          <a:p>
+            <a:pPr marL="0" lvl="0" indent="0" algn="l" rtl="0">
+              <a:spcBef>
+                <a:spcPts val="0"/>
+              </a:spcBef>
+              <a:spcAft>
+                <a:spcPts val="0"/>
+              </a:spcAft>
+              <a:buNone/>
+            </a:pPr>
+            <a:r>
+              <a:rPr lang="en-US" b="1" dirty="0">
+                <a:solidFill>
+                  <a:schemeClr val="bg1"/>
+                </a:solidFill>
+              </a:rPr>
+              <a:t>Approximate Nearest Neighbors:-</a:t>
+            </a:r>
+          </a:p>
+          <a:p>
+            <a:pPr marL="285750" indent="-285750">
+              <a:buClr>
+                <a:schemeClr val="bg1"/>
+              </a:buClr>
+              <a:buFont typeface="Wingdings" pitchFamily="2" charset="2"/>
+              <a:buChar char="§"/>
+            </a:pPr>
+            <a:r>
+              <a:rPr lang="en-US" b="1" dirty="0">
+                <a:solidFill>
+                  <a:schemeClr val="bg1"/>
+                </a:solidFill>
+              </a:rPr>
+              <a:t>Retrieves a ‘good guess” of the nearest neighbor. For that, the algorithm doesn’t guarantee to return the actual nearest neighbor in every case, in order to improve speed or save memory.</a:t>
+            </a:r>
+          </a:p>
+          <a:p>
+            <a:pPr marL="285750" indent="-285750">
+              <a:buClr>
+                <a:schemeClr val="bg1"/>
+              </a:buClr>
+              <a:buFont typeface="Wingdings" pitchFamily="2" charset="2"/>
+              <a:buChar char="§"/>
+            </a:pPr>
+            <a:endParaRPr lang="en-US" b="1" dirty="0">
+              <a:solidFill>
+                <a:schemeClr val="bg1"/>
+              </a:solidFill>
+            </a:endParaRPr>
+          </a:p>
+          <a:p>
+            <a:pPr marL="0" lvl="0" indent="0" algn="l" rtl="0">
+              <a:spcBef>
+                <a:spcPts val="0"/>
+              </a:spcBef>
+              <a:spcAft>
+                <a:spcPts val="0"/>
+              </a:spcAft>
+              <a:buNone/>
+            </a:pPr>
+            <a:endParaRPr b="1" dirty="0">
+              <a:solidFill>
+                <a:schemeClr val="bg1"/>
+              </a:solidFill>
+            </a:endParaRPr>
+          </a:p>
+        </p:txBody>
+      </p:sp>
+    </p:spTree>
+    <p:extLst>
+      <p:ext uri="{BB962C8B-B14F-4D97-AF65-F5344CB8AC3E}">
+        <p14:creationId xmlns:p14="http://schemas.microsoft.com/office/powerpoint/2010/main" val="1721373605"/>
+      </p:ext>
+    </p:extLst>
+  </p:cSld>
+  <p:clrMapOvr>
+    <a:masterClrMapping/>
+  </p:clrMapOvr>
+</p:sld>
+</file>
+
+<file path=ppt/slides/slide17.xml><?xml version="1.0" encoding="utf-8"?>
+<p:sld xmlns:a="http://schemas.openxmlformats.org/drawingml/2006/main" xmlns:r="http://schemas.openxmlformats.org/officeDocument/2006/relationships" xmlns:p="http://schemas.openxmlformats.org/presentationml/2006/main">
+  <p:cSld>
+    <p:spTree>
+      <p:nvGrpSpPr>
+        <p:cNvPr id="1" name="Shape 154"/>
+        <p:cNvGrpSpPr/>
+        <p:nvPr/>
+      </p:nvGrpSpPr>
+      <p:grpSpPr>
+        <a:xfrm>
+          <a:off x="0" y="0"/>
+          <a:ext cx="0" cy="0"/>
+          <a:chOff x="0" y="0"/>
+          <a:chExt cx="0" cy="0"/>
+        </a:xfrm>
+      </p:grpSpPr>
+      <p:sp>
+        <p:nvSpPr>
+          <p:cNvPr id="155" name="Google Shape;155;g83f00c33ef_0_12"/>
+          <p:cNvSpPr txBox="1">
+            <a:spLocks noGrp="1"/>
+          </p:cNvSpPr>
+          <p:nvPr>
+            <p:ph type="title"/>
+          </p:nvPr>
+        </p:nvSpPr>
+        <p:spPr>
+          <a:xfrm>
+            <a:off x="0" y="-12"/>
+            <a:ext cx="1584900" cy="572700"/>
+          </a:xfrm>
+          <a:prstGeom prst="rect">
+            <a:avLst/>
+          </a:prstGeom>
+        </p:spPr>
+        <p:txBody>
+          <a:bodyPr spcFirstLastPara="1" wrap="square" lIns="91425" tIns="91425" rIns="91425" bIns="91425" anchor="t" anchorCtr="0">
+            <a:noAutofit/>
+          </a:bodyPr>
+          <a:lstStyle/>
+          <a:p>
+            <a:pPr marL="0" lvl="0" indent="0" algn="l" rtl="0">
+              <a:spcBef>
+                <a:spcPts val="0"/>
+              </a:spcBef>
+              <a:spcAft>
+                <a:spcPts val="0"/>
+              </a:spcAft>
+              <a:buNone/>
+            </a:pPr>
+            <a:r>
+              <a:rPr lang="en-US">
+                <a:solidFill>
+                  <a:srgbClr val="000000"/>
+                </a:solidFill>
+              </a:rPr>
+              <a:t>Model</a:t>
+            </a:r>
+            <a:endParaRPr>
+              <a:solidFill>
+                <a:srgbClr val="000000"/>
+              </a:solidFill>
+            </a:endParaRPr>
+          </a:p>
+        </p:txBody>
+      </p:sp>
+      <p:sp>
+        <p:nvSpPr>
+          <p:cNvPr id="156" name="Google Shape;156;g83f00c33ef_0_12"/>
+          <p:cNvSpPr txBox="1">
+            <a:spLocks noGrp="1"/>
+          </p:cNvSpPr>
+          <p:nvPr>
+            <p:ph type="body" idx="1"/>
+          </p:nvPr>
+        </p:nvSpPr>
+        <p:spPr>
+          <a:xfrm>
+            <a:off x="311700" y="1152475"/>
+            <a:ext cx="8520600" cy="3416400"/>
+          </a:xfrm>
+          <a:prstGeom prst="rect">
+            <a:avLst/>
+          </a:prstGeom>
+        </p:spPr>
+        <p:txBody>
+          <a:bodyPr spcFirstLastPara="1" wrap="square" lIns="91425" tIns="91425" rIns="91425" bIns="91425" anchor="t" anchorCtr="0">
+            <a:noAutofit/>
+          </a:bodyPr>
+          <a:lstStyle/>
+          <a:p>
+            <a:pPr marL="0" lvl="0" indent="0" algn="l" rtl="0">
+              <a:spcBef>
+                <a:spcPts val="0"/>
+              </a:spcBef>
+              <a:spcAft>
+                <a:spcPts val="0"/>
+              </a:spcAft>
+              <a:buNone/>
+            </a:pPr>
+            <a:endParaRPr/>
+          </a:p>
+        </p:txBody>
+      </p:sp>
+    </p:spTree>
+  </p:cSld>
+  <p:clrMapOvr>
+    <a:masterClrMapping/>
+  </p:clrMapOvr>
+</p:sld>
+</file>
+
+<file path=ppt/slides/slide18.xml><?xml version="1.0" encoding="utf-8"?>
+<p:sld xmlns:a="http://schemas.openxmlformats.org/drawingml/2006/main" xmlns:r="http://schemas.openxmlformats.org/officeDocument/2006/relationships" xmlns:p="http://schemas.openxmlformats.org/presentationml/2006/main">
+  <p:cSld>
+    <p:spTree>
+      <p:nvGrpSpPr>
+        <p:cNvPr id="1" name="Shape 160"/>
+        <p:cNvGrpSpPr/>
+        <p:nvPr/>
+      </p:nvGrpSpPr>
+      <p:grpSpPr>
+        <a:xfrm>
+          <a:off x="0" y="0"/>
+          <a:ext cx="0" cy="0"/>
+          <a:chOff x="0" y="0"/>
+          <a:chExt cx="0" cy="0"/>
+        </a:xfrm>
+      </p:grpSpPr>
+      <p:sp>
+        <p:nvSpPr>
+          <p:cNvPr id="161" name="Google Shape;161;g83f00c33ef_0_17"/>
+          <p:cNvSpPr txBox="1">
+            <a:spLocks noGrp="1"/>
+          </p:cNvSpPr>
+          <p:nvPr>
+            <p:ph type="title"/>
+          </p:nvPr>
+        </p:nvSpPr>
+        <p:spPr>
+          <a:xfrm>
+            <a:off x="0" y="2"/>
+            <a:ext cx="2927700" cy="684300"/>
+          </a:xfrm>
+          <a:prstGeom prst="rect">
+            <a:avLst/>
+          </a:prstGeom>
+        </p:spPr>
+        <p:txBody>
+          <a:bodyPr spcFirstLastPara="1" wrap="square" lIns="91425" tIns="91425" rIns="91425" bIns="91425" anchor="t" anchorCtr="0">
+            <a:noAutofit/>
+          </a:bodyPr>
+          <a:lstStyle/>
+          <a:p>
+            <a:pPr marL="0" lvl="0" indent="0" algn="l" rtl="0">
+              <a:spcBef>
+                <a:spcPts val="0"/>
+              </a:spcBef>
+              <a:spcAft>
+                <a:spcPts val="0"/>
+              </a:spcAft>
+              <a:buNone/>
+            </a:pPr>
+            <a:r>
               <a:rPr lang="en-US">
                 <a:solidFill>
                   <a:srgbClr val="000000"/>
@@ -13309,7 +13845,7 @@
 </p:sld>
 </file>
 
-<file path=ppt/slides/slide17.xml><?xml version="1.0" encoding="utf-8"?>
+<file path=ppt/slides/slide19.xml><?xml version="1.0" encoding="utf-8"?>
 <p:sld xmlns:a="http://schemas.openxmlformats.org/drawingml/2006/main" xmlns:r="http://schemas.openxmlformats.org/officeDocument/2006/relationships" xmlns:p="http://schemas.openxmlformats.org/presentationml/2006/main">
   <p:cSld>
     <p:spTree>
@@ -13387,224 +13923,6 @@
       <p:sp>
         <p:nvSpPr>
           <p:cNvPr id="168" name="Google Shape;168;g83f00c33ef_0_22"/>
-          <p:cNvSpPr txBox="1">
-            <a:spLocks noGrp="1"/>
-          </p:cNvSpPr>
-          <p:nvPr>
-            <p:ph type="body" idx="1"/>
-          </p:nvPr>
-        </p:nvSpPr>
-        <p:spPr>
-          <a:xfrm>
-            <a:off x="311700" y="1152475"/>
-            <a:ext cx="8520600" cy="3416400"/>
-          </a:xfrm>
-          <a:prstGeom prst="rect">
-            <a:avLst/>
-          </a:prstGeom>
-        </p:spPr>
-        <p:txBody>
-          <a:bodyPr spcFirstLastPara="1" wrap="square" lIns="91425" tIns="91425" rIns="91425" bIns="91425" anchor="t" anchorCtr="0">
-            <a:noAutofit/>
-          </a:bodyPr>
-          <a:lstStyle/>
-          <a:p>
-            <a:pPr marL="0" lvl="0" indent="0" algn="l" rtl="0">
-              <a:spcBef>
-                <a:spcPts val="0"/>
-              </a:spcBef>
-              <a:spcAft>
-                <a:spcPts val="0"/>
-              </a:spcAft>
-              <a:buNone/>
-            </a:pPr>
-            <a:endParaRPr/>
-          </a:p>
-        </p:txBody>
-      </p:sp>
-    </p:spTree>
-  </p:cSld>
-  <p:clrMapOvr>
-    <a:masterClrMapping/>
-  </p:clrMapOvr>
-</p:sld>
-</file>
-
-<file path=ppt/slides/slide18.xml><?xml version="1.0" encoding="utf-8"?>
-<p:sld xmlns:a="http://schemas.openxmlformats.org/drawingml/2006/main" xmlns:r="http://schemas.openxmlformats.org/officeDocument/2006/relationships" xmlns:p="http://schemas.openxmlformats.org/presentationml/2006/main">
-  <p:cSld>
-    <p:spTree>
-      <p:nvGrpSpPr>
-        <p:cNvPr id="1" name="Shape 172"/>
-        <p:cNvGrpSpPr/>
-        <p:nvPr/>
-      </p:nvGrpSpPr>
-      <p:grpSpPr>
-        <a:xfrm>
-          <a:off x="0" y="0"/>
-          <a:ext cx="0" cy="0"/>
-          <a:chOff x="0" y="0"/>
-          <a:chExt cx="0" cy="0"/>
-        </a:xfrm>
-      </p:grpSpPr>
-      <p:sp>
-        <p:nvSpPr>
-          <p:cNvPr id="173" name="Google Shape;173;g83f00c33ef_0_27"/>
-          <p:cNvSpPr txBox="1">
-            <a:spLocks noGrp="1"/>
-          </p:cNvSpPr>
-          <p:nvPr>
-            <p:ph type="title"/>
-          </p:nvPr>
-        </p:nvSpPr>
-        <p:spPr>
-          <a:xfrm>
-            <a:off x="0" y="-12"/>
-            <a:ext cx="1584900" cy="572700"/>
-          </a:xfrm>
-          <a:prstGeom prst="rect">
-            <a:avLst/>
-          </a:prstGeom>
-        </p:spPr>
-        <p:txBody>
-          <a:bodyPr spcFirstLastPara="1" wrap="square" lIns="91425" tIns="91425" rIns="91425" bIns="91425" anchor="t" anchorCtr="0">
-            <a:noAutofit/>
-          </a:bodyPr>
-          <a:lstStyle/>
-          <a:p>
-            <a:pPr marL="0" lvl="0" indent="0" algn="l" rtl="0">
-              <a:spcBef>
-                <a:spcPts val="0"/>
-              </a:spcBef>
-              <a:spcAft>
-                <a:spcPts val="0"/>
-              </a:spcAft>
-              <a:buNone/>
-            </a:pPr>
-            <a:r>
-              <a:rPr lang="en-US">
-                <a:solidFill>
-                  <a:srgbClr val="000000"/>
-                </a:solidFill>
-              </a:rPr>
-              <a:t>Results</a:t>
-            </a:r>
-            <a:endParaRPr/>
-          </a:p>
-        </p:txBody>
-      </p:sp>
-      <p:sp>
-        <p:nvSpPr>
-          <p:cNvPr id="174" name="Google Shape;174;g83f00c33ef_0_27"/>
-          <p:cNvSpPr txBox="1">
-            <a:spLocks noGrp="1"/>
-          </p:cNvSpPr>
-          <p:nvPr>
-            <p:ph type="body" idx="1"/>
-          </p:nvPr>
-        </p:nvSpPr>
-        <p:spPr>
-          <a:xfrm>
-            <a:off x="311700" y="1152475"/>
-            <a:ext cx="8520600" cy="3416400"/>
-          </a:xfrm>
-          <a:prstGeom prst="rect">
-            <a:avLst/>
-          </a:prstGeom>
-        </p:spPr>
-        <p:txBody>
-          <a:bodyPr spcFirstLastPara="1" wrap="square" lIns="91425" tIns="91425" rIns="91425" bIns="91425" anchor="t" anchorCtr="0">
-            <a:noAutofit/>
-          </a:bodyPr>
-          <a:lstStyle/>
-          <a:p>
-            <a:pPr marL="0" lvl="0" indent="0" algn="l" rtl="0">
-              <a:spcBef>
-                <a:spcPts val="0"/>
-              </a:spcBef>
-              <a:spcAft>
-                <a:spcPts val="0"/>
-              </a:spcAft>
-              <a:buNone/>
-            </a:pPr>
-            <a:endParaRPr/>
-          </a:p>
-        </p:txBody>
-      </p:sp>
-    </p:spTree>
-  </p:cSld>
-  <p:clrMapOvr>
-    <a:masterClrMapping/>
-  </p:clrMapOvr>
-</p:sld>
-</file>
-
-<file path=ppt/slides/slide19.xml><?xml version="1.0" encoding="utf-8"?>
-<p:sld xmlns:a="http://schemas.openxmlformats.org/drawingml/2006/main" xmlns:r="http://schemas.openxmlformats.org/officeDocument/2006/relationships" xmlns:p="http://schemas.openxmlformats.org/presentationml/2006/main">
-  <p:cSld>
-    <p:spTree>
-      <p:nvGrpSpPr>
-        <p:cNvPr id="1" name="Shape 178"/>
-        <p:cNvGrpSpPr/>
-        <p:nvPr/>
-      </p:nvGrpSpPr>
-      <p:grpSpPr>
-        <a:xfrm>
-          <a:off x="0" y="0"/>
-          <a:ext cx="0" cy="0"/>
-          <a:chOff x="0" y="0"/>
-          <a:chExt cx="0" cy="0"/>
-        </a:xfrm>
-      </p:grpSpPr>
-      <p:sp>
-        <p:nvSpPr>
-          <p:cNvPr id="179" name="Google Shape;179;g83f00c33ef_0_32"/>
-          <p:cNvSpPr txBox="1">
-            <a:spLocks noGrp="1"/>
-          </p:cNvSpPr>
-          <p:nvPr>
-            <p:ph type="title"/>
-          </p:nvPr>
-        </p:nvSpPr>
-        <p:spPr>
-          <a:xfrm>
-            <a:off x="0" y="0"/>
-            <a:ext cx="3129600" cy="572700"/>
-          </a:xfrm>
-          <a:prstGeom prst="rect">
-            <a:avLst/>
-          </a:prstGeom>
-        </p:spPr>
-        <p:txBody>
-          <a:bodyPr spcFirstLastPara="1" wrap="square" lIns="91425" tIns="91425" rIns="91425" bIns="91425" anchor="t" anchorCtr="0">
-            <a:noAutofit/>
-          </a:bodyPr>
-          <a:lstStyle/>
-          <a:p>
-            <a:pPr marL="0" lvl="0" indent="0" algn="l" rtl="0">
-              <a:spcBef>
-                <a:spcPts val="0"/>
-              </a:spcBef>
-              <a:spcAft>
-                <a:spcPts val="0"/>
-              </a:spcAft>
-              <a:buNone/>
-            </a:pPr>
-            <a:r>
-              <a:rPr lang="en-US">
-                <a:solidFill>
-                  <a:srgbClr val="000000"/>
-                </a:solidFill>
-              </a:rPr>
-              <a:t>Lessons Learned</a:t>
-            </a:r>
-            <a:endParaRPr/>
-          </a:p>
-        </p:txBody>
-      </p:sp>
-      <p:sp>
-        <p:nvSpPr>
-          <p:cNvPr id="180" name="Google Shape;180;g83f00c33ef_0_32"/>
           <p:cNvSpPr txBox="1">
             <a:spLocks noGrp="1"/>
           </p:cNvSpPr>
@@ -13940,6 +14258,224 @@
 </file>
 
 <file path=ppt/slides/slide20.xml><?xml version="1.0" encoding="utf-8"?>
+<p:sld xmlns:a="http://schemas.openxmlformats.org/drawingml/2006/main" xmlns:r="http://schemas.openxmlformats.org/officeDocument/2006/relationships" xmlns:p="http://schemas.openxmlformats.org/presentationml/2006/main">
+  <p:cSld>
+    <p:spTree>
+      <p:nvGrpSpPr>
+        <p:cNvPr id="1" name="Shape 172"/>
+        <p:cNvGrpSpPr/>
+        <p:nvPr/>
+      </p:nvGrpSpPr>
+      <p:grpSpPr>
+        <a:xfrm>
+          <a:off x="0" y="0"/>
+          <a:ext cx="0" cy="0"/>
+          <a:chOff x="0" y="0"/>
+          <a:chExt cx="0" cy="0"/>
+        </a:xfrm>
+      </p:grpSpPr>
+      <p:sp>
+        <p:nvSpPr>
+          <p:cNvPr id="173" name="Google Shape;173;g83f00c33ef_0_27"/>
+          <p:cNvSpPr txBox="1">
+            <a:spLocks noGrp="1"/>
+          </p:cNvSpPr>
+          <p:nvPr>
+            <p:ph type="title"/>
+          </p:nvPr>
+        </p:nvSpPr>
+        <p:spPr>
+          <a:xfrm>
+            <a:off x="0" y="-12"/>
+            <a:ext cx="1584900" cy="572700"/>
+          </a:xfrm>
+          <a:prstGeom prst="rect">
+            <a:avLst/>
+          </a:prstGeom>
+        </p:spPr>
+        <p:txBody>
+          <a:bodyPr spcFirstLastPara="1" wrap="square" lIns="91425" tIns="91425" rIns="91425" bIns="91425" anchor="t" anchorCtr="0">
+            <a:noAutofit/>
+          </a:bodyPr>
+          <a:lstStyle/>
+          <a:p>
+            <a:pPr marL="0" lvl="0" indent="0" algn="l" rtl="0">
+              <a:spcBef>
+                <a:spcPts val="0"/>
+              </a:spcBef>
+              <a:spcAft>
+                <a:spcPts val="0"/>
+              </a:spcAft>
+              <a:buNone/>
+            </a:pPr>
+            <a:r>
+              <a:rPr lang="en-US">
+                <a:solidFill>
+                  <a:srgbClr val="000000"/>
+                </a:solidFill>
+              </a:rPr>
+              <a:t>Results</a:t>
+            </a:r>
+            <a:endParaRPr/>
+          </a:p>
+        </p:txBody>
+      </p:sp>
+      <p:sp>
+        <p:nvSpPr>
+          <p:cNvPr id="174" name="Google Shape;174;g83f00c33ef_0_27"/>
+          <p:cNvSpPr txBox="1">
+            <a:spLocks noGrp="1"/>
+          </p:cNvSpPr>
+          <p:nvPr>
+            <p:ph type="body" idx="1"/>
+          </p:nvPr>
+        </p:nvSpPr>
+        <p:spPr>
+          <a:xfrm>
+            <a:off x="311700" y="1152475"/>
+            <a:ext cx="8520600" cy="3416400"/>
+          </a:xfrm>
+          <a:prstGeom prst="rect">
+            <a:avLst/>
+          </a:prstGeom>
+        </p:spPr>
+        <p:txBody>
+          <a:bodyPr spcFirstLastPara="1" wrap="square" lIns="91425" tIns="91425" rIns="91425" bIns="91425" anchor="t" anchorCtr="0">
+            <a:noAutofit/>
+          </a:bodyPr>
+          <a:lstStyle/>
+          <a:p>
+            <a:pPr marL="0" lvl="0" indent="0" algn="l" rtl="0">
+              <a:spcBef>
+                <a:spcPts val="0"/>
+              </a:spcBef>
+              <a:spcAft>
+                <a:spcPts val="0"/>
+              </a:spcAft>
+              <a:buNone/>
+            </a:pPr>
+            <a:endParaRPr/>
+          </a:p>
+        </p:txBody>
+      </p:sp>
+    </p:spTree>
+  </p:cSld>
+  <p:clrMapOvr>
+    <a:masterClrMapping/>
+  </p:clrMapOvr>
+</p:sld>
+</file>
+
+<file path=ppt/slides/slide21.xml><?xml version="1.0" encoding="utf-8"?>
+<p:sld xmlns:a="http://schemas.openxmlformats.org/drawingml/2006/main" xmlns:r="http://schemas.openxmlformats.org/officeDocument/2006/relationships" xmlns:p="http://schemas.openxmlformats.org/presentationml/2006/main">
+  <p:cSld>
+    <p:spTree>
+      <p:nvGrpSpPr>
+        <p:cNvPr id="1" name="Shape 178"/>
+        <p:cNvGrpSpPr/>
+        <p:nvPr/>
+      </p:nvGrpSpPr>
+      <p:grpSpPr>
+        <a:xfrm>
+          <a:off x="0" y="0"/>
+          <a:ext cx="0" cy="0"/>
+          <a:chOff x="0" y="0"/>
+          <a:chExt cx="0" cy="0"/>
+        </a:xfrm>
+      </p:grpSpPr>
+      <p:sp>
+        <p:nvSpPr>
+          <p:cNvPr id="179" name="Google Shape;179;g83f00c33ef_0_32"/>
+          <p:cNvSpPr txBox="1">
+            <a:spLocks noGrp="1"/>
+          </p:cNvSpPr>
+          <p:nvPr>
+            <p:ph type="title"/>
+          </p:nvPr>
+        </p:nvSpPr>
+        <p:spPr>
+          <a:xfrm>
+            <a:off x="0" y="0"/>
+            <a:ext cx="3129600" cy="572700"/>
+          </a:xfrm>
+          <a:prstGeom prst="rect">
+            <a:avLst/>
+          </a:prstGeom>
+        </p:spPr>
+        <p:txBody>
+          <a:bodyPr spcFirstLastPara="1" wrap="square" lIns="91425" tIns="91425" rIns="91425" bIns="91425" anchor="t" anchorCtr="0">
+            <a:noAutofit/>
+          </a:bodyPr>
+          <a:lstStyle/>
+          <a:p>
+            <a:pPr marL="0" lvl="0" indent="0" algn="l" rtl="0">
+              <a:spcBef>
+                <a:spcPts val="0"/>
+              </a:spcBef>
+              <a:spcAft>
+                <a:spcPts val="0"/>
+              </a:spcAft>
+              <a:buNone/>
+            </a:pPr>
+            <a:r>
+              <a:rPr lang="en-US">
+                <a:solidFill>
+                  <a:srgbClr val="000000"/>
+                </a:solidFill>
+              </a:rPr>
+              <a:t>Lessons Learned</a:t>
+            </a:r>
+            <a:endParaRPr/>
+          </a:p>
+        </p:txBody>
+      </p:sp>
+      <p:sp>
+        <p:nvSpPr>
+          <p:cNvPr id="180" name="Google Shape;180;g83f00c33ef_0_32"/>
+          <p:cNvSpPr txBox="1">
+            <a:spLocks noGrp="1"/>
+          </p:cNvSpPr>
+          <p:nvPr>
+            <p:ph type="body" idx="1"/>
+          </p:nvPr>
+        </p:nvSpPr>
+        <p:spPr>
+          <a:xfrm>
+            <a:off x="311700" y="1152475"/>
+            <a:ext cx="8520600" cy="3416400"/>
+          </a:xfrm>
+          <a:prstGeom prst="rect">
+            <a:avLst/>
+          </a:prstGeom>
+        </p:spPr>
+        <p:txBody>
+          <a:bodyPr spcFirstLastPara="1" wrap="square" lIns="91425" tIns="91425" rIns="91425" bIns="91425" anchor="t" anchorCtr="0">
+            <a:noAutofit/>
+          </a:bodyPr>
+          <a:lstStyle/>
+          <a:p>
+            <a:pPr marL="0" lvl="0" indent="0" algn="l" rtl="0">
+              <a:spcBef>
+                <a:spcPts val="0"/>
+              </a:spcBef>
+              <a:spcAft>
+                <a:spcPts val="0"/>
+              </a:spcAft>
+              <a:buNone/>
+            </a:pPr>
+            <a:endParaRPr/>
+          </a:p>
+        </p:txBody>
+      </p:sp>
+    </p:spTree>
+  </p:cSld>
+  <p:clrMapOvr>
+    <a:masterClrMapping/>
+  </p:clrMapOvr>
+</p:sld>
+</file>
+
+<file path=ppt/slides/slide22.xml><?xml version="1.0" encoding="utf-8"?>
 <p:sld xmlns:a="http://schemas.openxmlformats.org/drawingml/2006/main" xmlns:r="http://schemas.openxmlformats.org/officeDocument/2006/relationships" xmlns:p="http://schemas.openxmlformats.org/presentationml/2006/main">
   <p:cSld>
     <p:spTree>
@@ -14119,8 +14655,8 @@
         </p:nvSpPr>
         <p:spPr>
           <a:xfrm>
-            <a:off x="150650" y="1081199"/>
-            <a:ext cx="5631300" cy="3354724"/>
+            <a:off x="1925" y="1038067"/>
+            <a:ext cx="5631300" cy="3785611"/>
           </a:xfrm>
           <a:prstGeom prst="rect">
             <a:avLst/>
@@ -14163,12 +14699,31 @@
               </a:rPr>
               <a:t>In terms of restaurants, there are too many options available for people to choose from based on their preferences.  </a:t>
             </a:r>
-            <a:endParaRPr dirty="0">
+          </a:p>
+          <a:p>
+            <a:pPr marL="285750" marR="0" lvl="0" indent="-285750" algn="just" rtl="0">
+              <a:lnSpc>
+                <a:spcPct val="100000"/>
+              </a:lnSpc>
+              <a:spcBef>
+                <a:spcPts val="0"/>
+              </a:spcBef>
+              <a:spcAft>
+                <a:spcPts val="0"/>
+              </a:spcAft>
+              <a:buClr>
+                <a:srgbClr val="000000"/>
+              </a:buClr>
+              <a:buSzPts val="1400"/>
+              <a:buFont typeface="Wingdings" panose="05000000000000000000" pitchFamily="2" charset="2"/>
+              <a:buChar char="§"/>
+            </a:pPr>
+            <a:endParaRPr lang="en-US" dirty="0">
               <a:latin typeface="+mn-lt"/>
             </a:endParaRPr>
           </a:p>
           <a:p>
-            <a:pPr marL="374650" marR="0" lvl="0" indent="-285750" algn="just" rtl="0">
+            <a:pPr marL="285750" marR="0" lvl="0" indent="-285750" algn="just" rtl="0">
               <a:lnSpc>
                 <a:spcPct val="100000"/>
               </a:lnSpc>
@@ -14185,12 +14740,8 @@
               <a:buFont typeface="Wingdings" panose="05000000000000000000" pitchFamily="2" charset="2"/>
               <a:buChar char="§"/>
             </a:pPr>
-            <a:endParaRPr sz="1400" b="0" i="0" u="none" strike="noStrike" cap="none" dirty="0">
-              <a:solidFill>
-                <a:srgbClr val="000000"/>
-              </a:solidFill>
+            <a:endParaRPr lang="en-US" dirty="0">
               <a:latin typeface="+mn-lt"/>
-              <a:sym typeface="Arial"/>
             </a:endParaRPr>
           </a:p>
           <a:p>
@@ -14219,7 +14770,7 @@
             </a:r>
           </a:p>
           <a:p>
-            <a:pPr marR="0" lvl="0" algn="just" rtl="0">
+            <a:pPr marL="285750" marR="0" lvl="0" indent="-285750" algn="just" rtl="0">
               <a:lnSpc>
                 <a:spcPct val="100000"/>
               </a:lnSpc>
@@ -14233,13 +14784,49 @@
                 <a:srgbClr val="000000"/>
               </a:buClr>
               <a:buSzPts val="1400"/>
+              <a:buFont typeface="Wingdings" panose="05000000000000000000" pitchFamily="2" charset="2"/>
+              <a:buChar char="§"/>
             </a:pPr>
             <a:endParaRPr lang="en-US" dirty="0">
               <a:latin typeface="+mn-lt"/>
             </a:endParaRPr>
           </a:p>
           <a:p>
-            <a:pPr marL="285750" indent="-285750" algn="just">
+            <a:pPr marL="285750" marR="0" lvl="0" indent="-285750" algn="just" rtl="0">
+              <a:lnSpc>
+                <a:spcPct val="100000"/>
+              </a:lnSpc>
+              <a:spcBef>
+                <a:spcPts val="0"/>
+              </a:spcBef>
+              <a:spcAft>
+                <a:spcPts val="0"/>
+              </a:spcAft>
+              <a:buClr>
+                <a:srgbClr val="000000"/>
+              </a:buClr>
+              <a:buSzPts val="1400"/>
+              <a:buFont typeface="Wingdings" panose="05000000000000000000" pitchFamily="2" charset="2"/>
+              <a:buChar char="§"/>
+            </a:pPr>
+            <a:endParaRPr lang="en-US" dirty="0">
+              <a:latin typeface="+mn-lt"/>
+            </a:endParaRPr>
+          </a:p>
+          <a:p>
+            <a:pPr marL="285750" marR="0" lvl="0" indent="-285750" algn="just" rtl="0">
+              <a:lnSpc>
+                <a:spcPct val="100000"/>
+              </a:lnSpc>
+              <a:spcBef>
+                <a:spcPts val="0"/>
+              </a:spcBef>
+              <a:spcAft>
+                <a:spcPts val="0"/>
+              </a:spcAft>
+              <a:buClr>
+                <a:srgbClr val="000000"/>
+              </a:buClr>
               <a:buSzPts val="1400"/>
               <a:buFont typeface="Wingdings" panose="05000000000000000000" pitchFamily="2" charset="2"/>
               <a:buChar char="§"/>
@@ -15067,7 +15654,7 @@
             </a:r>
           </a:p>
           <a:p>
-            <a:pPr marL="342900" lvl="0" indent="-342900">
+            <a:pPr marL="285750" lvl="0" indent="-225425">
               <a:buSzPts val="1600"/>
               <a:buFont typeface="Wingdings" panose="05000000000000000000" pitchFamily="2" charset="2"/>
               <a:buChar char="§"/>
@@ -15082,7 +15669,7 @@
             </a:r>
           </a:p>
           <a:p>
-            <a:pPr marL="342900" lvl="0" indent="-342900">
+            <a:pPr marL="285750" lvl="0" indent="-225425">
               <a:buSzPts val="1600"/>
               <a:buFont typeface="Wingdings" panose="05000000000000000000" pitchFamily="2" charset="2"/>
               <a:buChar char="§"/>
@@ -15167,17 +15754,10 @@
             </a:endParaRPr>
           </a:p>
           <a:p>
-            <a:pPr marL="0" lvl="0" indent="0">
+            <a:pPr marL="342900" lvl="0" indent="-342900">
               <a:buSzPts val="1600"/>
+              <a:buAutoNum type="arabicPeriod" startAt="2"/>
             </a:pPr>
-            <a:r>
-              <a:rPr lang="en-US" dirty="0">
-                <a:solidFill>
-                  <a:srgbClr val="383838"/>
-                </a:solidFill>
-              </a:rPr>
-              <a:t>2.    </a:t>
-            </a:r>
             <a:r>
               <a:rPr lang="en-US" u="sng" dirty="0">
                 <a:solidFill>
@@ -15196,7 +15776,7 @@
             </a:r>
           </a:p>
           <a:p>
-            <a:pPr marL="341313" lvl="0" indent="-341313">
+            <a:pPr marL="285750" lvl="0" indent="-225425">
               <a:buSzPts val="1600"/>
               <a:buFont typeface="Wingdings" panose="05000000000000000000" pitchFamily="2" charset="2"/>
               <a:buChar char="§"/>
@@ -15430,14 +16010,14 @@
               <a:buNone/>
             </a:pPr>
             <a:r>
-              <a:rPr lang="en-US">
+              <a:rPr lang="en-US" dirty="0">
                 <a:solidFill>
                   <a:srgbClr val="000000"/>
                 </a:solidFill>
               </a:rPr>
               <a:t>Data Preparation</a:t>
             </a:r>
-            <a:endParaRPr>
+            <a:endParaRPr dirty="0">
               <a:solidFill>
                 <a:srgbClr val="000000"/>
               </a:solidFill>
@@ -15461,7 +16041,7 @@
         </p:nvSpPr>
         <p:spPr bwMode="auto">
           <a:xfrm>
-            <a:off x="89185" y="742758"/>
+            <a:off x="94890" y="863528"/>
             <a:ext cx="8385742" cy="3241944"/>
           </a:xfrm>
           <a:prstGeom prst="rect">
@@ -15600,13 +16180,30 @@
             </a:lvl9pPr>
           </a:lstStyle>
           <a:p>
+            <a:pPr marL="0" lvl="0" indent="0">
+              <a:lnSpc>
+                <a:spcPct val="115000"/>
+              </a:lnSpc>
+              <a:buSzPts val="1800"/>
+            </a:pPr>
+            <a:r>
+              <a:rPr lang="en-US" u="sng" dirty="0">
+                <a:solidFill>
+                  <a:srgbClr val="000000"/>
+                </a:solidFill>
+                <a:latin typeface="Arial"/>
+              </a:rPr>
+              <a:t>Business</a:t>
+            </a:r>
+          </a:p>
+          <a:p>
             <a:pPr marL="285750" lvl="0" indent="-285750">
               <a:lnSpc>
                 <a:spcPct val="115000"/>
               </a:lnSpc>
               <a:buSzPts val="1800"/>
-              <a:buFont typeface="Arial" panose="020B0604020202020204" pitchFamily="34" charset="0"/>
-              <a:buChar char="•"/>
+              <a:buFont typeface="Wingdings" panose="05000000000000000000" pitchFamily="2" charset="2"/>
+              <a:buChar char="§"/>
             </a:pPr>
             <a:r>
               <a:rPr lang="en-US" dirty="0">
@@ -15616,6 +16213,44 @@
                 <a:latin typeface="Arial"/>
               </a:rPr>
               <a:t>Businesses with open = 1 tag were only considered</a:t>
+            </a:r>
+          </a:p>
+          <a:p>
+            <a:pPr marL="285750" lvl="0" indent="-285750">
+              <a:lnSpc>
+                <a:spcPct val="115000"/>
+              </a:lnSpc>
+              <a:buSzPts val="1800"/>
+              <a:buFont typeface="Wingdings" panose="05000000000000000000" pitchFamily="2" charset="2"/>
+              <a:buChar char="§"/>
+            </a:pPr>
+            <a:r>
+              <a:rPr lang="en-US" dirty="0">
+                <a:solidFill>
+                  <a:srgbClr val="000000"/>
+                </a:solidFill>
+                <a:latin typeface="Arial"/>
+              </a:rPr>
+              <a:t>We have taken into consideration restaurants in the state of Illinois.</a:t>
+            </a:r>
+          </a:p>
+          <a:p>
+            <a:pPr marL="285750" lvl="0" indent="-285750">
+              <a:lnSpc>
+                <a:spcPct val="115000"/>
+              </a:lnSpc>
+              <a:buSzPts val="1800"/>
+              <a:buFont typeface="Wingdings" panose="05000000000000000000" pitchFamily="2" charset="2"/>
+              <a:buChar char="§"/>
+            </a:pPr>
+            <a:r>
+              <a:rPr lang="en-US" dirty="0">
+                <a:solidFill>
+                  <a:srgbClr val="000000"/>
+                </a:solidFill>
+                <a:latin typeface="Arial"/>
+              </a:rPr>
+              <a:t>‘Attributes’ column in the dataset was extrapolated to create new features</a:t>
             </a:r>
           </a:p>
           <a:p>
@@ -15652,6 +16287,43 @@
           </a:p>
         </p:txBody>
       </p:sp>
+      <p:pic>
+        <p:nvPicPr>
+          <p:cNvPr id="7" name="Picture 6">
+            <a:extLst>
+              <a:ext uri="{FF2B5EF4-FFF2-40B4-BE49-F238E27FC236}">
+                <a16:creationId xmlns:a16="http://schemas.microsoft.com/office/drawing/2014/main" id="{8AE24471-478B-43EF-A30A-4FB9BAAECB1C}"/>
+              </a:ext>
+            </a:extLst>
+          </p:cNvPr>
+          <p:cNvPicPr/>
+          <p:nvPr/>
+        </p:nvPicPr>
+        <p:blipFill rotWithShape="1">
+          <a:blip r:embed="rId3"/>
+          <a:srcRect l="38071" t="46574" r="23846" b="27206"/>
+          <a:stretch/>
+        </p:blipFill>
+        <p:spPr bwMode="auto">
+          <a:xfrm>
+            <a:off x="301923" y="2398142"/>
+            <a:ext cx="4910239" cy="2501661"/>
+          </a:xfrm>
+          <a:prstGeom prst="rect">
+            <a:avLst/>
+          </a:prstGeom>
+          <a:ln>
+            <a:solidFill>
+              <a:schemeClr val="bg1"/>
+            </a:solidFill>
+          </a:ln>
+          <a:extLst>
+            <a:ext uri="{53640926-AAD7-44D8-BBD7-CCE9431645EC}">
+              <a14:shadowObscured xmlns:a14="http://schemas.microsoft.com/office/drawing/2010/main"/>
+            </a:ext>
+          </a:extLst>
+        </p:spPr>
+      </p:pic>
     </p:spTree>
   </p:cSld>
   <p:clrMapOvr>

--- a/PPT/Yelp Presentation.pptx
+++ b/PPT/Yelp Presentation.pptx
@@ -5,7 +5,7 @@
     <p:sldMasterId id="2147483648" r:id="rId1"/>
   </p:sldMasterIdLst>
   <p:notesMasterIdLst>
-    <p:notesMasterId r:id="rId24"/>
+    <p:notesMasterId r:id="rId26"/>
   </p:notesMasterIdLst>
   <p:sldIdLst>
     <p:sldId id="256" r:id="rId2"/>
@@ -24,35 +24,44 @@
     <p:sldId id="277" r:id="rId15"/>
     <p:sldId id="278" r:id="rId16"/>
     <p:sldId id="279" r:id="rId17"/>
-    <p:sldId id="268" r:id="rId18"/>
-    <p:sldId id="269" r:id="rId19"/>
-    <p:sldId id="270" r:id="rId20"/>
-    <p:sldId id="271" r:id="rId21"/>
-    <p:sldId id="272" r:id="rId22"/>
-    <p:sldId id="273" r:id="rId23"/>
+    <p:sldId id="280" r:id="rId18"/>
+    <p:sldId id="268" r:id="rId19"/>
+    <p:sldId id="283" r:id="rId20"/>
+    <p:sldId id="269" r:id="rId21"/>
+    <p:sldId id="270" r:id="rId22"/>
+    <p:sldId id="271" r:id="rId23"/>
+    <p:sldId id="281" r:id="rId24"/>
+    <p:sldId id="282" r:id="rId25"/>
   </p:sldIdLst>
   <p:sldSz cx="9144000" cy="5143500" type="screen16x9"/>
   <p:notesSz cx="6858000" cy="9144000"/>
   <p:embeddedFontLst>
     <p:embeddedFont>
       <p:font typeface="Average" panose="020B0604020202020204" charset="0"/>
-      <p:regular r:id="rId25"/>
+      <p:regular r:id="rId27"/>
     </p:embeddedFont>
     <p:embeddedFont>
       <p:font typeface="Bree Serif" panose="020B0604020202020204" charset="0"/>
-      <p:regular r:id="rId26"/>
+      <p:regular r:id="rId28"/>
     </p:embeddedFont>
     <p:embeddedFont>
-      <p:font typeface="Oswald" panose="020B0604020202020204" charset="0"/>
-      <p:regular r:id="rId27"/>
-      <p:bold r:id="rId28"/>
-    </p:embeddedFont>
-    <p:embeddedFont>
-      <p:font typeface="Roboto Mono" panose="020B0604020202020204" charset="0"/>
+      <p:font typeface="Calibri" panose="020F0502020204030204" pitchFamily="34" charset="0"/>
       <p:regular r:id="rId29"/>
       <p:bold r:id="rId30"/>
       <p:italic r:id="rId31"/>
       <p:boldItalic r:id="rId32"/>
+    </p:embeddedFont>
+    <p:embeddedFont>
+      <p:font typeface="Oswald" panose="020B0604020202020204" charset="0"/>
+      <p:regular r:id="rId33"/>
+      <p:bold r:id="rId34"/>
+    </p:embeddedFont>
+    <p:embeddedFont>
+      <p:font typeface="Roboto Mono" panose="020B0604020202020204" charset="0"/>
+      <p:regular r:id="rId35"/>
+      <p:bold r:id="rId36"/>
+      <p:italic r:id="rId37"/>
+      <p:boldItalic r:id="rId38"/>
     </p:embeddedFont>
   </p:embeddedFontLst>
   <p:defaultTextStyle>
@@ -300,7 +309,7 @@
       </p15:sldGuideLst>
     </p:ext>
     <p:ext uri="http://customooxmlschemas.google.com/">
-      <go:slidesCustomData xmlns="" xmlns:mc="http://schemas.openxmlformats.org/markup-compatibility/2006" xmlns:mv="urn:schemas-microsoft-com:mac:vml" xmlns:c="http://schemas.openxmlformats.org/drawingml/2006/chart" xmlns:dgm="http://schemas.openxmlformats.org/drawingml/2006/diagram" xmlns:o="urn:schemas-microsoft-com:office:office" xmlns:v="urn:schemas-microsoft-com:vml" xmlns:pvml="urn:schemas-microsoft-com:office:powerpoint" xmlns:com="http://schemas.openxmlformats.org/drawingml/2006/compatibility" xmlns:p14="http://schemas.microsoft.com/office/powerpoint/2010/main" xmlns:p15="http://schemas.microsoft.com/office/powerpoint/2012/main" xmlns:go="http://customooxmlschemas.google.com/" r:id="rId33" roundtripDataSignature="AMtx7mhrN0VZjpMeXmHQaTxH0fmdJEZUYA=="/>
+      <go:slidesCustomData xmlns:go="http://customooxmlschemas.google.com/" xmlns:p15="http://schemas.microsoft.com/office/powerpoint/2012/main" xmlns:p14="http://schemas.microsoft.com/office/powerpoint/2010/main" xmlns:com="http://schemas.openxmlformats.org/drawingml/2006/compatibility" xmlns:pvml="urn:schemas-microsoft-com:office:powerpoint" xmlns:v="urn:schemas-microsoft-com:vml" xmlns:o="urn:schemas-microsoft-com:office:office" xmlns:dgm="http://schemas.openxmlformats.org/drawingml/2006/diagram" xmlns:c="http://schemas.openxmlformats.org/drawingml/2006/chart" xmlns:mv="urn:schemas-microsoft-com:mac:vml" xmlns:mc="http://schemas.openxmlformats.org/markup-compatibility/2006" xmlns="" r:id="rId39" roundtripDataSignature="AMtx7mhrN0VZjpMeXmHQaTxH0fmdJEZUYA=="/>
     </p:ext>
   </p:extLst>
 </p:presentation>
@@ -1634,16 +1643,147 @@
           </a:bodyPr>
           <a:lstStyle/>
           <a:p>
-            <a:pPr marL="0" lvl="0" indent="0" algn="l" rtl="0">
-              <a:spcBef>
-                <a:spcPts val="0"/>
-              </a:spcBef>
-              <a:spcAft>
-                <a:spcPts val="0"/>
-              </a:spcAft>
-              <a:buNone/>
+            <a:pPr marL="228600" lvl="0" indent="-228600" algn="l" rtl="0">
+              <a:spcBef>
+                <a:spcPts val="0"/>
+              </a:spcBef>
+              <a:spcAft>
+                <a:spcPts val="0"/>
+              </a:spcAft>
+              <a:buAutoNum type="arabicPeriod"/>
             </a:pPr>
-            <a:endParaRPr/>
+            <a:r>
+              <a:rPr lang="en-US" dirty="0"/>
+              <a:t>We have used </a:t>
+            </a:r>
+            <a:r>
+              <a:rPr lang="en-US" dirty="0" err="1"/>
+              <a:t>manhathan</a:t>
+            </a:r>
+            <a:r>
+              <a:rPr lang="en-US" dirty="0"/>
+              <a:t> </a:t>
+            </a:r>
+            <a:r>
+              <a:rPr lang="en-US" dirty="0" err="1"/>
+              <a:t>disatance</a:t>
+            </a:r>
+            <a:r>
+              <a:rPr lang="en-US" dirty="0"/>
+              <a:t> as we have high dimensional data</a:t>
+            </a:r>
+          </a:p>
+          <a:p>
+            <a:pPr marL="228600" lvl="0" indent="-228600" algn="l" rtl="0">
+              <a:spcBef>
+                <a:spcPts val="0"/>
+              </a:spcBef>
+              <a:spcAft>
+                <a:spcPts val="0"/>
+              </a:spcAft>
+              <a:buAutoNum type="arabicPeriod"/>
+            </a:pPr>
+            <a:endParaRPr lang="en-US" dirty="0"/>
+          </a:p>
+          <a:p>
+            <a:pPr marL="228600" lvl="0" indent="-228600" algn="l" rtl="0">
+              <a:spcBef>
+                <a:spcPts val="0"/>
+              </a:spcBef>
+              <a:spcAft>
+                <a:spcPts val="0"/>
+              </a:spcAft>
+              <a:buAutoNum type="arabicPeriod"/>
+            </a:pPr>
+            <a:r>
+              <a:rPr lang="en-US" dirty="0"/>
+              <a:t>[20:52, 23/04/2020] Rahul Illinois Tech: If you want to place less emphasis on outliers, </a:t>
+            </a:r>
+            <a:r>
+              <a:rPr lang="en-US" dirty="0" err="1"/>
+              <a:t>manhattan</a:t>
+            </a:r>
+            <a:r>
+              <a:rPr lang="en-US" dirty="0"/>
+              <a:t> distance will try to reduce all errors equally since the gradient has constant magnitude.[20:55, 23/04/2020] Rahul Illinois Tech: The use of Manhattan distance depends a lot on the kind of co-ordinate system that your dataset is using. </a:t>
+            </a:r>
+          </a:p>
+          <a:p>
+            <a:pPr marL="228600" lvl="0" indent="-228600" algn="l" rtl="0">
+              <a:spcBef>
+                <a:spcPts val="0"/>
+              </a:spcBef>
+              <a:spcAft>
+                <a:spcPts val="0"/>
+              </a:spcAft>
+              <a:buAutoNum type="arabicPeriod"/>
+            </a:pPr>
+            <a:r>
+              <a:rPr lang="en-US" dirty="0"/>
+              <a:t>While Euclidean distance gives the shortest or minimum distance between two points, Manhattan has specific </a:t>
+            </a:r>
+            <a:r>
+              <a:rPr lang="en-US" dirty="0" err="1"/>
+              <a:t>implementations.For</a:t>
+            </a:r>
+            <a:r>
+              <a:rPr lang="en-US" dirty="0"/>
+              <a:t> example, if we were to use a Chess dataset, the use of Manhattan distance is more appropriate than Euclidean distance. </a:t>
+            </a:r>
+          </a:p>
+          <a:p>
+            <a:pPr marL="228600" lvl="0" indent="-228600" algn="l" rtl="0">
+              <a:spcBef>
+                <a:spcPts val="0"/>
+              </a:spcBef>
+              <a:spcAft>
+                <a:spcPts val="0"/>
+              </a:spcAft>
+              <a:buAutoNum type="arabicPeriod"/>
+            </a:pPr>
+            <a:r>
+              <a:rPr lang="en-US" dirty="0"/>
+              <a:t>Another use would be when are interested in knowing the distance between houses which are few blocks </a:t>
+            </a:r>
+            <a:r>
+              <a:rPr lang="en-US" dirty="0" err="1"/>
+              <a:t>apart.Also</a:t>
+            </a:r>
+            <a:r>
+              <a:rPr lang="en-US" dirty="0"/>
+              <a:t>, you might want to consider Manhattan distance if the input variables are not similar in type (such as age, gender, height, etc.). </a:t>
+            </a:r>
+          </a:p>
+          <a:p>
+            <a:pPr marL="228600" lvl="0" indent="-228600" algn="l" rtl="0">
+              <a:spcBef>
+                <a:spcPts val="0"/>
+              </a:spcBef>
+              <a:spcAft>
+                <a:spcPts val="0"/>
+              </a:spcAft>
+              <a:buAutoNum type="arabicPeriod"/>
+            </a:pPr>
+            <a:r>
+              <a:rPr lang="en-US" dirty="0"/>
+              <a:t>Due to the curse of dimensionality, we know that Euclidean distance becomes a poor choice as the number of dimensions increases.</a:t>
+            </a:r>
+          </a:p>
+          <a:p>
+            <a:pPr marL="228600" lvl="0" indent="-228600" algn="l" rtl="0">
+              <a:spcBef>
+                <a:spcPts val="0"/>
+              </a:spcBef>
+              <a:spcAft>
+                <a:spcPts val="0"/>
+              </a:spcAft>
+              <a:buAutoNum type="arabicPeriod"/>
+            </a:pPr>
+            <a:r>
+              <a:rPr lang="en-US" dirty="0"/>
+              <a:t>So in a nutshell: Manhattan distance generally works only if the points are arranged in the form of a grid and the problem which we are working on gives more priority to the distance between the points only along with the grids, but not the geometric distance.</a:t>
+            </a:r>
+            <a:endParaRPr dirty="0"/>
           </a:p>
         </p:txBody>
       </p:sp>
@@ -1661,6 +1801,115 @@
 </file>
 
 <file path=ppt/notesSlides/notesSlide15.xml><?xml version="1.0" encoding="utf-8"?>
+<p:notes xmlns:a="http://schemas.openxmlformats.org/drawingml/2006/main" xmlns:r="http://schemas.openxmlformats.org/officeDocument/2006/relationships" xmlns:p="http://schemas.openxmlformats.org/presentationml/2006/main" showMasterSp="0" showMasterPhAnim="0">
+  <p:cSld>
+    <p:spTree>
+      <p:nvGrpSpPr>
+        <p:cNvPr id="1" name="Shape 157"/>
+        <p:cNvGrpSpPr/>
+        <p:nvPr/>
+      </p:nvGrpSpPr>
+      <p:grpSpPr>
+        <a:xfrm>
+          <a:off x="0" y="0"/>
+          <a:ext cx="0" cy="0"/>
+          <a:chOff x="0" y="0"/>
+          <a:chExt cx="0" cy="0"/>
+        </a:xfrm>
+      </p:grpSpPr>
+      <p:sp>
+        <p:nvSpPr>
+          <p:cNvPr id="158" name="Google Shape;158;g83f00c33ef_0_17:notes"/>
+          <p:cNvSpPr>
+            <a:spLocks noGrp="1" noRot="1" noChangeAspect="1"/>
+          </p:cNvSpPr>
+          <p:nvPr>
+            <p:ph type="sldImg" idx="2"/>
+          </p:nvPr>
+        </p:nvSpPr>
+        <p:spPr>
+          <a:xfrm>
+            <a:off x="381000" y="685800"/>
+            <a:ext cx="6096000" cy="3429000"/>
+          </a:xfrm>
+          <a:custGeom>
+            <a:avLst/>
+            <a:gdLst/>
+            <a:ahLst/>
+            <a:cxnLst/>
+            <a:rect l="l" t="t" r="r" b="b"/>
+            <a:pathLst>
+              <a:path w="120000" h="120000" extrusionOk="0">
+                <a:moveTo>
+                  <a:pt x="0" y="0"/>
+                </a:moveTo>
+                <a:lnTo>
+                  <a:pt x="120000" y="0"/>
+                </a:lnTo>
+                <a:lnTo>
+                  <a:pt x="120000" y="120000"/>
+                </a:lnTo>
+                <a:lnTo>
+                  <a:pt x="0" y="120000"/>
+                </a:lnTo>
+                <a:close/>
+              </a:path>
+            </a:pathLst>
+          </a:custGeom>
+        </p:spPr>
+      </p:sp>
+      <p:sp>
+        <p:nvSpPr>
+          <p:cNvPr id="159" name="Google Shape;159;g83f00c33ef_0_17:notes"/>
+          <p:cNvSpPr txBox="1">
+            <a:spLocks noGrp="1"/>
+          </p:cNvSpPr>
+          <p:nvPr>
+            <p:ph type="body" idx="1"/>
+          </p:nvPr>
+        </p:nvSpPr>
+        <p:spPr>
+          <a:xfrm>
+            <a:off x="685800" y="4343400"/>
+            <a:ext cx="5486400" cy="4114800"/>
+          </a:xfrm>
+          <a:prstGeom prst="rect">
+            <a:avLst/>
+          </a:prstGeom>
+        </p:spPr>
+        <p:txBody>
+          <a:bodyPr spcFirstLastPara="1" wrap="square" lIns="91425" tIns="91425" rIns="91425" bIns="91425" anchor="t" anchorCtr="0">
+            <a:noAutofit/>
+          </a:bodyPr>
+          <a:lstStyle/>
+          <a:p>
+            <a:pPr marL="0" lvl="0" indent="0" algn="l" rtl="0">
+              <a:spcBef>
+                <a:spcPts val="0"/>
+              </a:spcBef>
+              <a:spcAft>
+                <a:spcPts val="0"/>
+              </a:spcAft>
+              <a:buNone/>
+            </a:pPr>
+            <a:endParaRPr dirty="0"/>
+          </a:p>
+        </p:txBody>
+      </p:sp>
+    </p:spTree>
+    <p:extLst>
+      <p:ext uri="{BB962C8B-B14F-4D97-AF65-F5344CB8AC3E}">
+        <p14:creationId xmlns:p14="http://schemas.microsoft.com/office/powerpoint/2010/main" val="2757258477"/>
+      </p:ext>
+    </p:extLst>
+  </p:cSld>
+  <p:clrMapOvr>
+    <a:masterClrMapping/>
+  </p:clrMapOvr>
+</p:notes>
+</file>
+
+<file path=ppt/notesSlides/notesSlide16.xml><?xml version="1.0" encoding="utf-8"?>
 <p:notes xmlns:a="http://schemas.openxmlformats.org/drawingml/2006/main" xmlns:r="http://schemas.openxmlformats.org/officeDocument/2006/relationships" xmlns:p="http://schemas.openxmlformats.org/presentationml/2006/main" showMasterSp="0" showMasterPhAnim="0">
   <p:cSld>
     <p:spTree>
@@ -1764,7 +2013,7 @@
 </p:notes>
 </file>
 
-<file path=ppt/notesSlides/notesSlide16.xml><?xml version="1.0" encoding="utf-8"?>
+<file path=ppt/notesSlides/notesSlide17.xml><?xml version="1.0" encoding="utf-8"?>
 <p:notes xmlns:a="http://schemas.openxmlformats.org/drawingml/2006/main" xmlns:r="http://schemas.openxmlformats.org/officeDocument/2006/relationships" xmlns:p="http://schemas.openxmlformats.org/presentationml/2006/main" showMasterSp="0" showMasterPhAnim="0">
   <p:cSld>
     <p:spTree>
@@ -1868,7 +2117,111 @@
 </p:notes>
 </file>
 
-<file path=ppt/notesSlides/notesSlide17.xml><?xml version="1.0" encoding="utf-8"?>
+<file path=ppt/notesSlides/notesSlide18.xml><?xml version="1.0" encoding="utf-8"?>
+<p:notes xmlns:a="http://schemas.openxmlformats.org/drawingml/2006/main" xmlns:r="http://schemas.openxmlformats.org/officeDocument/2006/relationships" xmlns:p="http://schemas.openxmlformats.org/presentationml/2006/main" showMasterSp="0" showMasterPhAnim="0">
+  <p:cSld>
+    <p:spTree>
+      <p:nvGrpSpPr>
+        <p:cNvPr id="1" name="Shape 157"/>
+        <p:cNvGrpSpPr/>
+        <p:nvPr/>
+      </p:nvGrpSpPr>
+      <p:grpSpPr>
+        <a:xfrm>
+          <a:off x="0" y="0"/>
+          <a:ext cx="0" cy="0"/>
+          <a:chOff x="0" y="0"/>
+          <a:chExt cx="0" cy="0"/>
+        </a:xfrm>
+      </p:grpSpPr>
+      <p:sp>
+        <p:nvSpPr>
+          <p:cNvPr id="158" name="Google Shape;158;g83f00c33ef_0_17:notes"/>
+          <p:cNvSpPr>
+            <a:spLocks noGrp="1" noRot="1" noChangeAspect="1"/>
+          </p:cNvSpPr>
+          <p:nvPr>
+            <p:ph type="sldImg" idx="2"/>
+          </p:nvPr>
+        </p:nvSpPr>
+        <p:spPr>
+          <a:xfrm>
+            <a:off x="381000" y="685800"/>
+            <a:ext cx="6096000" cy="3429000"/>
+          </a:xfrm>
+          <a:custGeom>
+            <a:avLst/>
+            <a:gdLst/>
+            <a:ahLst/>
+            <a:cxnLst/>
+            <a:rect l="l" t="t" r="r" b="b"/>
+            <a:pathLst>
+              <a:path w="120000" h="120000" extrusionOk="0">
+                <a:moveTo>
+                  <a:pt x="0" y="0"/>
+                </a:moveTo>
+                <a:lnTo>
+                  <a:pt x="120000" y="0"/>
+                </a:lnTo>
+                <a:lnTo>
+                  <a:pt x="120000" y="120000"/>
+                </a:lnTo>
+                <a:lnTo>
+                  <a:pt x="0" y="120000"/>
+                </a:lnTo>
+                <a:close/>
+              </a:path>
+            </a:pathLst>
+          </a:custGeom>
+        </p:spPr>
+      </p:sp>
+      <p:sp>
+        <p:nvSpPr>
+          <p:cNvPr id="159" name="Google Shape;159;g83f00c33ef_0_17:notes"/>
+          <p:cNvSpPr txBox="1">
+            <a:spLocks noGrp="1"/>
+          </p:cNvSpPr>
+          <p:nvPr>
+            <p:ph type="body" idx="1"/>
+          </p:nvPr>
+        </p:nvSpPr>
+        <p:spPr>
+          <a:xfrm>
+            <a:off x="685800" y="4343400"/>
+            <a:ext cx="5486400" cy="4114800"/>
+          </a:xfrm>
+          <a:prstGeom prst="rect">
+            <a:avLst/>
+          </a:prstGeom>
+        </p:spPr>
+        <p:txBody>
+          <a:bodyPr spcFirstLastPara="1" wrap="square" lIns="91425" tIns="91425" rIns="91425" bIns="91425" anchor="t" anchorCtr="0">
+            <a:noAutofit/>
+          </a:bodyPr>
+          <a:lstStyle/>
+          <a:p>
+            <a:pPr marL="0" lvl="0" indent="0" algn="l" rtl="0">
+              <a:spcBef>
+                <a:spcPts val="0"/>
+              </a:spcBef>
+              <a:spcAft>
+                <a:spcPts val="0"/>
+              </a:spcAft>
+              <a:buNone/>
+            </a:pPr>
+            <a:endParaRPr/>
+          </a:p>
+        </p:txBody>
+      </p:sp>
+    </p:spTree>
+  </p:cSld>
+  <p:clrMapOvr>
+    <a:masterClrMapping/>
+  </p:clrMapOvr>
+</p:notes>
+</file>
+
+<file path=ppt/notesSlides/notesSlide19.xml><?xml version="1.0" encoding="utf-8"?>
 <p:notes xmlns:a="http://schemas.openxmlformats.org/drawingml/2006/main" xmlns:r="http://schemas.openxmlformats.org/officeDocument/2006/relationships" xmlns:p="http://schemas.openxmlformats.org/presentationml/2006/main" showMasterSp="0" showMasterPhAnim="0">
   <p:cSld>
     <p:spTree>
@@ -1929,214 +2282,6 @@
       <p:sp>
         <p:nvSpPr>
           <p:cNvPr id="165" name="Google Shape;165;g83f00c33ef_0_22:notes"/>
-          <p:cNvSpPr txBox="1">
-            <a:spLocks noGrp="1"/>
-          </p:cNvSpPr>
-          <p:nvPr>
-            <p:ph type="body" idx="1"/>
-          </p:nvPr>
-        </p:nvSpPr>
-        <p:spPr>
-          <a:xfrm>
-            <a:off x="685800" y="4343400"/>
-            <a:ext cx="5486400" cy="4114800"/>
-          </a:xfrm>
-          <a:prstGeom prst="rect">
-            <a:avLst/>
-          </a:prstGeom>
-        </p:spPr>
-        <p:txBody>
-          <a:bodyPr spcFirstLastPara="1" wrap="square" lIns="91425" tIns="91425" rIns="91425" bIns="91425" anchor="t" anchorCtr="0">
-            <a:noAutofit/>
-          </a:bodyPr>
-          <a:lstStyle/>
-          <a:p>
-            <a:pPr marL="0" lvl="0" indent="0" algn="l" rtl="0">
-              <a:spcBef>
-                <a:spcPts val="0"/>
-              </a:spcBef>
-              <a:spcAft>
-                <a:spcPts val="0"/>
-              </a:spcAft>
-              <a:buNone/>
-            </a:pPr>
-            <a:endParaRPr/>
-          </a:p>
-        </p:txBody>
-      </p:sp>
-    </p:spTree>
-  </p:cSld>
-  <p:clrMapOvr>
-    <a:masterClrMapping/>
-  </p:clrMapOvr>
-</p:notes>
-</file>
-
-<file path=ppt/notesSlides/notesSlide18.xml><?xml version="1.0" encoding="utf-8"?>
-<p:notes xmlns:a="http://schemas.openxmlformats.org/drawingml/2006/main" xmlns:r="http://schemas.openxmlformats.org/officeDocument/2006/relationships" xmlns:p="http://schemas.openxmlformats.org/presentationml/2006/main" showMasterSp="0" showMasterPhAnim="0">
-  <p:cSld>
-    <p:spTree>
-      <p:nvGrpSpPr>
-        <p:cNvPr id="1" name="Shape 169"/>
-        <p:cNvGrpSpPr/>
-        <p:nvPr/>
-      </p:nvGrpSpPr>
-      <p:grpSpPr>
-        <a:xfrm>
-          <a:off x="0" y="0"/>
-          <a:ext cx="0" cy="0"/>
-          <a:chOff x="0" y="0"/>
-          <a:chExt cx="0" cy="0"/>
-        </a:xfrm>
-      </p:grpSpPr>
-      <p:sp>
-        <p:nvSpPr>
-          <p:cNvPr id="170" name="Google Shape;170;g83f00c33ef_0_27:notes"/>
-          <p:cNvSpPr>
-            <a:spLocks noGrp="1" noRot="1" noChangeAspect="1"/>
-          </p:cNvSpPr>
-          <p:nvPr>
-            <p:ph type="sldImg" idx="2"/>
-          </p:nvPr>
-        </p:nvSpPr>
-        <p:spPr>
-          <a:xfrm>
-            <a:off x="381000" y="685800"/>
-            <a:ext cx="6096000" cy="3429000"/>
-          </a:xfrm>
-          <a:custGeom>
-            <a:avLst/>
-            <a:gdLst/>
-            <a:ahLst/>
-            <a:cxnLst/>
-            <a:rect l="l" t="t" r="r" b="b"/>
-            <a:pathLst>
-              <a:path w="120000" h="120000" extrusionOk="0">
-                <a:moveTo>
-                  <a:pt x="0" y="0"/>
-                </a:moveTo>
-                <a:lnTo>
-                  <a:pt x="120000" y="0"/>
-                </a:lnTo>
-                <a:lnTo>
-                  <a:pt x="120000" y="120000"/>
-                </a:lnTo>
-                <a:lnTo>
-                  <a:pt x="0" y="120000"/>
-                </a:lnTo>
-                <a:close/>
-              </a:path>
-            </a:pathLst>
-          </a:custGeom>
-        </p:spPr>
-      </p:sp>
-      <p:sp>
-        <p:nvSpPr>
-          <p:cNvPr id="171" name="Google Shape;171;g83f00c33ef_0_27:notes"/>
-          <p:cNvSpPr txBox="1">
-            <a:spLocks noGrp="1"/>
-          </p:cNvSpPr>
-          <p:nvPr>
-            <p:ph type="body" idx="1"/>
-          </p:nvPr>
-        </p:nvSpPr>
-        <p:spPr>
-          <a:xfrm>
-            <a:off x="685800" y="4343400"/>
-            <a:ext cx="5486400" cy="4114800"/>
-          </a:xfrm>
-          <a:prstGeom prst="rect">
-            <a:avLst/>
-          </a:prstGeom>
-        </p:spPr>
-        <p:txBody>
-          <a:bodyPr spcFirstLastPara="1" wrap="square" lIns="91425" tIns="91425" rIns="91425" bIns="91425" anchor="t" anchorCtr="0">
-            <a:noAutofit/>
-          </a:bodyPr>
-          <a:lstStyle/>
-          <a:p>
-            <a:pPr marL="0" lvl="0" indent="0" algn="l" rtl="0">
-              <a:spcBef>
-                <a:spcPts val="0"/>
-              </a:spcBef>
-              <a:spcAft>
-                <a:spcPts val="0"/>
-              </a:spcAft>
-              <a:buNone/>
-            </a:pPr>
-            <a:endParaRPr/>
-          </a:p>
-        </p:txBody>
-      </p:sp>
-    </p:spTree>
-  </p:cSld>
-  <p:clrMapOvr>
-    <a:masterClrMapping/>
-  </p:clrMapOvr>
-</p:notes>
-</file>
-
-<file path=ppt/notesSlides/notesSlide19.xml><?xml version="1.0" encoding="utf-8"?>
-<p:notes xmlns:a="http://schemas.openxmlformats.org/drawingml/2006/main" xmlns:r="http://schemas.openxmlformats.org/officeDocument/2006/relationships" xmlns:p="http://schemas.openxmlformats.org/presentationml/2006/main" showMasterSp="0" showMasterPhAnim="0">
-  <p:cSld>
-    <p:spTree>
-      <p:nvGrpSpPr>
-        <p:cNvPr id="1" name="Shape 175"/>
-        <p:cNvGrpSpPr/>
-        <p:nvPr/>
-      </p:nvGrpSpPr>
-      <p:grpSpPr>
-        <a:xfrm>
-          <a:off x="0" y="0"/>
-          <a:ext cx="0" cy="0"/>
-          <a:chOff x="0" y="0"/>
-          <a:chExt cx="0" cy="0"/>
-        </a:xfrm>
-      </p:grpSpPr>
-      <p:sp>
-        <p:nvSpPr>
-          <p:cNvPr id="176" name="Google Shape;176;g83f00c33ef_0_32:notes"/>
-          <p:cNvSpPr>
-            <a:spLocks noGrp="1" noRot="1" noChangeAspect="1"/>
-          </p:cNvSpPr>
-          <p:nvPr>
-            <p:ph type="sldImg" idx="2"/>
-          </p:nvPr>
-        </p:nvSpPr>
-        <p:spPr>
-          <a:xfrm>
-            <a:off x="381000" y="685800"/>
-            <a:ext cx="6096000" cy="3429000"/>
-          </a:xfrm>
-          <a:custGeom>
-            <a:avLst/>
-            <a:gdLst/>
-            <a:ahLst/>
-            <a:cxnLst/>
-            <a:rect l="l" t="t" r="r" b="b"/>
-            <a:pathLst>
-              <a:path w="120000" h="120000" extrusionOk="0">
-                <a:moveTo>
-                  <a:pt x="0" y="0"/>
-                </a:moveTo>
-                <a:lnTo>
-                  <a:pt x="120000" y="0"/>
-                </a:lnTo>
-                <a:lnTo>
-                  <a:pt x="120000" y="120000"/>
-                </a:lnTo>
-                <a:lnTo>
-                  <a:pt x="0" y="120000"/>
-                </a:lnTo>
-                <a:close/>
-              </a:path>
-            </a:pathLst>
-          </a:custGeom>
-        </p:spPr>
-      </p:sp>
-      <p:sp>
-        <p:nvSpPr>
-          <p:cNvPr id="177" name="Google Shape;177;g83f00c33ef_0_32:notes"/>
           <p:cNvSpPr txBox="1">
             <a:spLocks noGrp="1"/>
           </p:cNvSpPr>
@@ -2285,6 +2430,214 @@
 </file>
 
 <file path=ppt/notesSlides/notesSlide20.xml><?xml version="1.0" encoding="utf-8"?>
+<p:notes xmlns:a="http://schemas.openxmlformats.org/drawingml/2006/main" xmlns:r="http://schemas.openxmlformats.org/officeDocument/2006/relationships" xmlns:p="http://schemas.openxmlformats.org/presentationml/2006/main" showMasterSp="0" showMasterPhAnim="0">
+  <p:cSld>
+    <p:spTree>
+      <p:nvGrpSpPr>
+        <p:cNvPr id="1" name="Shape 169"/>
+        <p:cNvGrpSpPr/>
+        <p:nvPr/>
+      </p:nvGrpSpPr>
+      <p:grpSpPr>
+        <a:xfrm>
+          <a:off x="0" y="0"/>
+          <a:ext cx="0" cy="0"/>
+          <a:chOff x="0" y="0"/>
+          <a:chExt cx="0" cy="0"/>
+        </a:xfrm>
+      </p:grpSpPr>
+      <p:sp>
+        <p:nvSpPr>
+          <p:cNvPr id="170" name="Google Shape;170;g83f00c33ef_0_27:notes"/>
+          <p:cNvSpPr>
+            <a:spLocks noGrp="1" noRot="1" noChangeAspect="1"/>
+          </p:cNvSpPr>
+          <p:nvPr>
+            <p:ph type="sldImg" idx="2"/>
+          </p:nvPr>
+        </p:nvSpPr>
+        <p:spPr>
+          <a:xfrm>
+            <a:off x="381000" y="685800"/>
+            <a:ext cx="6096000" cy="3429000"/>
+          </a:xfrm>
+          <a:custGeom>
+            <a:avLst/>
+            <a:gdLst/>
+            <a:ahLst/>
+            <a:cxnLst/>
+            <a:rect l="l" t="t" r="r" b="b"/>
+            <a:pathLst>
+              <a:path w="120000" h="120000" extrusionOk="0">
+                <a:moveTo>
+                  <a:pt x="0" y="0"/>
+                </a:moveTo>
+                <a:lnTo>
+                  <a:pt x="120000" y="0"/>
+                </a:lnTo>
+                <a:lnTo>
+                  <a:pt x="120000" y="120000"/>
+                </a:lnTo>
+                <a:lnTo>
+                  <a:pt x="0" y="120000"/>
+                </a:lnTo>
+                <a:close/>
+              </a:path>
+            </a:pathLst>
+          </a:custGeom>
+        </p:spPr>
+      </p:sp>
+      <p:sp>
+        <p:nvSpPr>
+          <p:cNvPr id="171" name="Google Shape;171;g83f00c33ef_0_27:notes"/>
+          <p:cNvSpPr txBox="1">
+            <a:spLocks noGrp="1"/>
+          </p:cNvSpPr>
+          <p:nvPr>
+            <p:ph type="body" idx="1"/>
+          </p:nvPr>
+        </p:nvSpPr>
+        <p:spPr>
+          <a:xfrm>
+            <a:off x="685800" y="4343400"/>
+            <a:ext cx="5486400" cy="4114800"/>
+          </a:xfrm>
+          <a:prstGeom prst="rect">
+            <a:avLst/>
+          </a:prstGeom>
+        </p:spPr>
+        <p:txBody>
+          <a:bodyPr spcFirstLastPara="1" wrap="square" lIns="91425" tIns="91425" rIns="91425" bIns="91425" anchor="t" anchorCtr="0">
+            <a:noAutofit/>
+          </a:bodyPr>
+          <a:lstStyle/>
+          <a:p>
+            <a:pPr marL="0" lvl="0" indent="0" algn="l" rtl="0">
+              <a:spcBef>
+                <a:spcPts val="0"/>
+              </a:spcBef>
+              <a:spcAft>
+                <a:spcPts val="0"/>
+              </a:spcAft>
+              <a:buNone/>
+            </a:pPr>
+            <a:endParaRPr/>
+          </a:p>
+        </p:txBody>
+      </p:sp>
+    </p:spTree>
+  </p:cSld>
+  <p:clrMapOvr>
+    <a:masterClrMapping/>
+  </p:clrMapOvr>
+</p:notes>
+</file>
+
+<file path=ppt/notesSlides/notesSlide21.xml><?xml version="1.0" encoding="utf-8"?>
+<p:notes xmlns:a="http://schemas.openxmlformats.org/drawingml/2006/main" xmlns:r="http://schemas.openxmlformats.org/officeDocument/2006/relationships" xmlns:p="http://schemas.openxmlformats.org/presentationml/2006/main" showMasterSp="0" showMasterPhAnim="0">
+  <p:cSld>
+    <p:spTree>
+      <p:nvGrpSpPr>
+        <p:cNvPr id="1" name="Shape 175"/>
+        <p:cNvGrpSpPr/>
+        <p:nvPr/>
+      </p:nvGrpSpPr>
+      <p:grpSpPr>
+        <a:xfrm>
+          <a:off x="0" y="0"/>
+          <a:ext cx="0" cy="0"/>
+          <a:chOff x="0" y="0"/>
+          <a:chExt cx="0" cy="0"/>
+        </a:xfrm>
+      </p:grpSpPr>
+      <p:sp>
+        <p:nvSpPr>
+          <p:cNvPr id="176" name="Google Shape;176;g83f00c33ef_0_32:notes"/>
+          <p:cNvSpPr>
+            <a:spLocks noGrp="1" noRot="1" noChangeAspect="1"/>
+          </p:cNvSpPr>
+          <p:nvPr>
+            <p:ph type="sldImg" idx="2"/>
+          </p:nvPr>
+        </p:nvSpPr>
+        <p:spPr>
+          <a:xfrm>
+            <a:off x="381000" y="685800"/>
+            <a:ext cx="6096000" cy="3429000"/>
+          </a:xfrm>
+          <a:custGeom>
+            <a:avLst/>
+            <a:gdLst/>
+            <a:ahLst/>
+            <a:cxnLst/>
+            <a:rect l="l" t="t" r="r" b="b"/>
+            <a:pathLst>
+              <a:path w="120000" h="120000" extrusionOk="0">
+                <a:moveTo>
+                  <a:pt x="0" y="0"/>
+                </a:moveTo>
+                <a:lnTo>
+                  <a:pt x="120000" y="0"/>
+                </a:lnTo>
+                <a:lnTo>
+                  <a:pt x="120000" y="120000"/>
+                </a:lnTo>
+                <a:lnTo>
+                  <a:pt x="0" y="120000"/>
+                </a:lnTo>
+                <a:close/>
+              </a:path>
+            </a:pathLst>
+          </a:custGeom>
+        </p:spPr>
+      </p:sp>
+      <p:sp>
+        <p:nvSpPr>
+          <p:cNvPr id="177" name="Google Shape;177;g83f00c33ef_0_32:notes"/>
+          <p:cNvSpPr txBox="1">
+            <a:spLocks noGrp="1"/>
+          </p:cNvSpPr>
+          <p:nvPr>
+            <p:ph type="body" idx="1"/>
+          </p:nvPr>
+        </p:nvSpPr>
+        <p:spPr>
+          <a:xfrm>
+            <a:off x="685800" y="4343400"/>
+            <a:ext cx="5486400" cy="4114800"/>
+          </a:xfrm>
+          <a:prstGeom prst="rect">
+            <a:avLst/>
+          </a:prstGeom>
+        </p:spPr>
+        <p:txBody>
+          <a:bodyPr spcFirstLastPara="1" wrap="square" lIns="91425" tIns="91425" rIns="91425" bIns="91425" anchor="t" anchorCtr="0">
+            <a:noAutofit/>
+          </a:bodyPr>
+          <a:lstStyle/>
+          <a:p>
+            <a:pPr marL="0" lvl="0" indent="0" algn="l" rtl="0">
+              <a:spcBef>
+                <a:spcPts val="0"/>
+              </a:spcBef>
+              <a:spcAft>
+                <a:spcPts val="0"/>
+              </a:spcAft>
+              <a:buNone/>
+            </a:pPr>
+            <a:endParaRPr/>
+          </a:p>
+        </p:txBody>
+      </p:sp>
+    </p:spTree>
+  </p:cSld>
+  <p:clrMapOvr>
+    <a:masterClrMapping/>
+  </p:clrMapOvr>
+</p:notes>
+</file>
+
+<file path=ppt/notesSlides/notesSlide22.xml><?xml version="1.0" encoding="utf-8"?>
 <p:notes xmlns:a="http://schemas.openxmlformats.org/drawingml/2006/main" xmlns:r="http://schemas.openxmlformats.org/officeDocument/2006/relationships" xmlns:p="http://schemas.openxmlformats.org/presentationml/2006/main" showMasterSp="0" showMasterPhAnim="0">
   <p:cSld>
     <p:spTree>
@@ -13514,8 +13867,8 @@
         </p:nvSpPr>
         <p:spPr>
           <a:xfrm>
-            <a:off x="80693" y="767465"/>
-            <a:ext cx="8520600" cy="3416400"/>
+            <a:off x="80692" y="770566"/>
+            <a:ext cx="9063308" cy="2838377"/>
           </a:xfrm>
           <a:prstGeom prst="rect">
             <a:avLst/>
@@ -13537,16 +13890,19 @@
               <a:buNone/>
             </a:pPr>
             <a:r>
-              <a:rPr lang="en-US" b="1" dirty="0">
-                <a:solidFill>
-                  <a:schemeClr val="bg1"/>
-                </a:solidFill>
+              <a:rPr lang="en-US" sz="1300" b="1" u="sng" dirty="0">
+                <a:solidFill>
+                  <a:schemeClr val="bg1">
+                    <a:lumMod val="50000"/>
+                  </a:schemeClr>
+                </a:solidFill>
+                <a:latin typeface="+mn-lt"/>
               </a:rPr>
               <a:t>Approximate Nearest Neighbors:-</a:t>
             </a:r>
           </a:p>
           <a:p>
-            <a:pPr marL="285750" indent="-285750">
+            <a:pPr marL="285750" indent="-285750" algn="just">
               <a:buClr>
                 <a:schemeClr val="bg1"/>
               </a:buClr>
@@ -13554,23 +13910,58 @@
               <a:buChar char="§"/>
             </a:pPr>
             <a:r>
-              <a:rPr lang="en-US" b="1" dirty="0">
-                <a:solidFill>
-                  <a:schemeClr val="bg1"/>
-                </a:solidFill>
+              <a:rPr lang="en-US" sz="1300" dirty="0">
+                <a:solidFill>
+                  <a:schemeClr val="bg1">
+                    <a:lumMod val="50000"/>
+                  </a:schemeClr>
+                </a:solidFill>
+                <a:latin typeface="+mn-lt"/>
               </a:rPr>
               <a:t>Retrieves a ‘good guess” of the nearest neighbor. For that, the algorithm doesn’t guarantee to return the actual nearest neighbor in every case, in order to improve speed or save memory.</a:t>
             </a:r>
           </a:p>
           <a:p>
-            <a:pPr marL="285750" indent="-285750">
+            <a:pPr marL="285750" indent="-285750" algn="just">
               <a:buClr>
                 <a:schemeClr val="bg1"/>
               </a:buClr>
               <a:buFont typeface="Wingdings" pitchFamily="2" charset="2"/>
               <a:buChar char="§"/>
             </a:pPr>
-            <a:endParaRPr lang="en-US" b="1" dirty="0">
+            <a:r>
+              <a:rPr lang="en-US" sz="1300" dirty="0">
+                <a:solidFill>
+                  <a:schemeClr val="bg1">
+                    <a:lumMod val="50000"/>
+                  </a:schemeClr>
+                </a:solidFill>
+                <a:latin typeface="+mn-lt"/>
+              </a:rPr>
+              <a:t>An approximate nearest neighbor search algorithm can return points, whose distance from the query is at most c times the distance from the query to its nearest points</a:t>
+            </a:r>
+            <a:r>
+              <a:rPr lang="en-US" sz="1300" dirty="0">
+                <a:solidFill>
+                  <a:schemeClr val="bg1">
+                    <a:lumMod val="50000"/>
+                  </a:schemeClr>
+                </a:solidFill>
+              </a:rPr>
+              <a:t>.</a:t>
+            </a:r>
+          </a:p>
+          <a:p>
+            <a:pPr marL="0" lvl="0" indent="0" algn="l" rtl="0">
+              <a:spcBef>
+                <a:spcPts val="0"/>
+              </a:spcBef>
+              <a:spcAft>
+                <a:spcPts val="0"/>
+              </a:spcAft>
+              <a:buNone/>
+            </a:pPr>
+            <a:endParaRPr lang="en-US" sz="1300" dirty="0">
               <a:solidFill>
                 <a:schemeClr val="bg1"/>
               </a:solidFill>
@@ -13586,11 +13977,811 @@
               </a:spcAft>
               <a:buNone/>
             </a:pPr>
-            <a:endParaRPr b="1" dirty="0">
+            <a:endParaRPr sz="1300" dirty="0">
               <a:solidFill>
                 <a:schemeClr val="bg1"/>
               </a:solidFill>
             </a:endParaRPr>
+          </a:p>
+        </p:txBody>
+      </p:sp>
+      <p:graphicFrame>
+        <p:nvGraphicFramePr>
+          <p:cNvPr id="5" name="Table 4">
+            <a:extLst>
+              <a:ext uri="{FF2B5EF4-FFF2-40B4-BE49-F238E27FC236}">
+                <a16:creationId xmlns:a16="http://schemas.microsoft.com/office/drawing/2014/main" id="{5DE1DD85-4779-4FCC-9C52-AEF9045E68E9}"/>
+              </a:ext>
+            </a:extLst>
+          </p:cNvPr>
+          <p:cNvGraphicFramePr>
+            <a:graphicFrameLocks noGrp="1"/>
+          </p:cNvGraphicFramePr>
+          <p:nvPr>
+            <p:extLst>
+              <p:ext uri="{D42A27DB-BD31-4B8C-83A1-F6EECF244321}">
+                <p14:modId xmlns:p14="http://schemas.microsoft.com/office/powerpoint/2010/main" val="3307708596"/>
+              </p:ext>
+            </p:extLst>
+          </p:nvPr>
+        </p:nvGraphicFramePr>
+        <p:xfrm>
+          <a:off x="7018846" y="2031377"/>
+          <a:ext cx="1733911" cy="801383"/>
+        </p:xfrm>
+        <a:graphic>
+          <a:graphicData uri="http://schemas.openxmlformats.org/drawingml/2006/table">
+            <a:tbl>
+              <a:tblPr/>
+              <a:tblGrid>
+                <a:gridCol w="467881">
+                  <a:extLst>
+                    <a:ext uri="{9D8B030D-6E8A-4147-A177-3AD203B41FA5}">
+                      <a16:colId xmlns:a16="http://schemas.microsoft.com/office/drawing/2014/main" val="3643621973"/>
+                    </a:ext>
+                  </a:extLst>
+                </a:gridCol>
+                <a:gridCol w="467881">
+                  <a:extLst>
+                    <a:ext uri="{9D8B030D-6E8A-4147-A177-3AD203B41FA5}">
+                      <a16:colId xmlns:a16="http://schemas.microsoft.com/office/drawing/2014/main" val="744457014"/>
+                    </a:ext>
+                  </a:extLst>
+                </a:gridCol>
+                <a:gridCol w="798149">
+                  <a:extLst>
+                    <a:ext uri="{9D8B030D-6E8A-4147-A177-3AD203B41FA5}">
+                      <a16:colId xmlns:a16="http://schemas.microsoft.com/office/drawing/2014/main" val="3393106829"/>
+                    </a:ext>
+                  </a:extLst>
+                </a:gridCol>
+              </a:tblGrid>
+              <a:tr h="264286">
+                <a:tc>
+                  <a:txBody>
+                    <a:bodyPr/>
+                    <a:lstStyle/>
+                    <a:p>
+                      <a:pPr algn="l" fontAlgn="b"/>
+                      <a:endParaRPr lang="en-US" sz="1300" b="0" i="0" u="none" strike="noStrike">
+                        <a:solidFill>
+                          <a:srgbClr val="000000"/>
+                        </a:solidFill>
+                        <a:effectLst/>
+                        <a:latin typeface="Calibri" panose="020F0502020204030204" pitchFamily="34" charset="0"/>
+                      </a:endParaRPr>
+                    </a:p>
+                  </a:txBody>
+                  <a:tcPr marL="7620" marR="7620" marT="7620" marB="0" anchor="b">
+                    <a:lnL>
+                      <a:noFill/>
+                    </a:lnL>
+                    <a:lnR w="12700" cap="flat" cmpd="sng" algn="ctr">
+                      <a:solidFill>
+                        <a:srgbClr val="FFFFFF"/>
+                      </a:solidFill>
+                      <a:prstDash val="solid"/>
+                      <a:round/>
+                      <a:headEnd type="none" w="med" len="med"/>
+                      <a:tailEnd type="none" w="med" len="med"/>
+                    </a:lnR>
+                    <a:lnT>
+                      <a:noFill/>
+                    </a:lnT>
+                    <a:lnB w="19050" cap="flat" cmpd="sng" algn="ctr">
+                      <a:solidFill>
+                        <a:srgbClr val="FFFFFF"/>
+                      </a:solidFill>
+                      <a:prstDash val="solid"/>
+                      <a:round/>
+                      <a:headEnd type="none" w="med" len="med"/>
+                      <a:tailEnd type="none" w="med" len="med"/>
+                    </a:lnB>
+                  </a:tcPr>
+                </a:tc>
+                <a:tc>
+                  <a:txBody>
+                    <a:bodyPr/>
+                    <a:lstStyle/>
+                    <a:p>
+                      <a:pPr algn="ctr" rtl="0" fontAlgn="ctr"/>
+                      <a:r>
+                        <a:rPr lang="en-US" sz="1300" b="1" i="0" u="none" strike="noStrike">
+                          <a:solidFill>
+                            <a:srgbClr val="FFFFFF"/>
+                          </a:solidFill>
+                          <a:effectLst/>
+                          <a:latin typeface="Calibri" panose="020F0502020204030204" pitchFamily="34" charset="0"/>
+                        </a:rPr>
+                        <a:t>AUC</a:t>
+                      </a:r>
+                    </a:p>
+                  </a:txBody>
+                  <a:tcPr marL="7620" marR="7620" marT="7620" marB="0" anchor="ctr">
+                    <a:lnL w="12700" cap="flat" cmpd="sng" algn="ctr">
+                      <a:solidFill>
+                        <a:srgbClr val="FFFFFF"/>
+                      </a:solidFill>
+                      <a:prstDash val="solid"/>
+                      <a:round/>
+                      <a:headEnd type="none" w="med" len="med"/>
+                      <a:tailEnd type="none" w="med" len="med"/>
+                    </a:lnL>
+                    <a:lnR w="12700" cap="flat" cmpd="sng" algn="ctr">
+                      <a:solidFill>
+                        <a:srgbClr val="FFFFFF"/>
+                      </a:solidFill>
+                      <a:prstDash val="solid"/>
+                      <a:round/>
+                      <a:headEnd type="none" w="med" len="med"/>
+                      <a:tailEnd type="none" w="med" len="med"/>
+                    </a:lnR>
+                    <a:lnT w="12700" cap="flat" cmpd="sng" algn="ctr">
+                      <a:solidFill>
+                        <a:srgbClr val="FFFFFF"/>
+                      </a:solidFill>
+                      <a:prstDash val="solid"/>
+                      <a:round/>
+                      <a:headEnd type="none" w="med" len="med"/>
+                      <a:tailEnd type="none" w="med" len="med"/>
+                    </a:lnT>
+                    <a:lnB w="19050" cap="flat" cmpd="sng" algn="ctr">
+                      <a:solidFill>
+                        <a:srgbClr val="FFFFFF"/>
+                      </a:solidFill>
+                      <a:prstDash val="solid"/>
+                      <a:round/>
+                      <a:headEnd type="none" w="med" len="med"/>
+                      <a:tailEnd type="none" w="med" len="med"/>
+                    </a:lnB>
+                    <a:solidFill>
+                      <a:srgbClr val="002060"/>
+                    </a:solidFill>
+                  </a:tcPr>
+                </a:tc>
+                <a:tc>
+                  <a:txBody>
+                    <a:bodyPr/>
+                    <a:lstStyle/>
+                    <a:p>
+                      <a:pPr algn="ctr" rtl="0" fontAlgn="ctr"/>
+                      <a:r>
+                        <a:rPr lang="en-US" sz="1300" b="1" i="0" u="none" strike="noStrike">
+                          <a:solidFill>
+                            <a:srgbClr val="FFFFFF"/>
+                          </a:solidFill>
+                          <a:effectLst/>
+                          <a:latin typeface="Calibri" panose="020F0502020204030204" pitchFamily="34" charset="0"/>
+                        </a:rPr>
+                        <a:t>Precision</a:t>
+                      </a:r>
+                    </a:p>
+                  </a:txBody>
+                  <a:tcPr marL="7620" marR="7620" marT="7620" marB="0" anchor="ctr">
+                    <a:lnL w="12700" cap="flat" cmpd="sng" algn="ctr">
+                      <a:solidFill>
+                        <a:srgbClr val="FFFFFF"/>
+                      </a:solidFill>
+                      <a:prstDash val="solid"/>
+                      <a:round/>
+                      <a:headEnd type="none" w="med" len="med"/>
+                      <a:tailEnd type="none" w="med" len="med"/>
+                    </a:lnL>
+                    <a:lnR w="12700" cap="flat" cmpd="sng" algn="ctr">
+                      <a:solidFill>
+                        <a:srgbClr val="FFFFFF"/>
+                      </a:solidFill>
+                      <a:prstDash val="solid"/>
+                      <a:round/>
+                      <a:headEnd type="none" w="med" len="med"/>
+                      <a:tailEnd type="none" w="med" len="med"/>
+                    </a:lnR>
+                    <a:lnT w="12700" cap="flat" cmpd="sng" algn="ctr">
+                      <a:solidFill>
+                        <a:srgbClr val="FFFFFF"/>
+                      </a:solidFill>
+                      <a:prstDash val="solid"/>
+                      <a:round/>
+                      <a:headEnd type="none" w="med" len="med"/>
+                      <a:tailEnd type="none" w="med" len="med"/>
+                    </a:lnT>
+                    <a:lnB w="19050" cap="flat" cmpd="sng" algn="ctr">
+                      <a:solidFill>
+                        <a:srgbClr val="FFFFFF"/>
+                      </a:solidFill>
+                      <a:prstDash val="solid"/>
+                      <a:round/>
+                      <a:headEnd type="none" w="med" len="med"/>
+                      <a:tailEnd type="none" w="med" len="med"/>
+                    </a:lnB>
+                    <a:solidFill>
+                      <a:srgbClr val="002060"/>
+                    </a:solidFill>
+                  </a:tcPr>
+                </a:tc>
+                <a:extLst>
+                  <a:ext uri="{0D108BD9-81ED-4DB2-BD59-A6C34878D82A}">
+                    <a16:rowId xmlns:a16="http://schemas.microsoft.com/office/drawing/2014/main" val="3193027757"/>
+                  </a:ext>
+                </a:extLst>
+              </a:tr>
+              <a:tr h="272811">
+                <a:tc>
+                  <a:txBody>
+                    <a:bodyPr/>
+                    <a:lstStyle/>
+                    <a:p>
+                      <a:pPr algn="ctr" rtl="0" fontAlgn="ctr"/>
+                      <a:r>
+                        <a:rPr lang="en-US" sz="1300" b="0" i="0" u="none" strike="noStrike">
+                          <a:solidFill>
+                            <a:srgbClr val="000000"/>
+                          </a:solidFill>
+                          <a:effectLst/>
+                          <a:latin typeface="Calibri" panose="020F0502020204030204" pitchFamily="34" charset="0"/>
+                        </a:rPr>
+                        <a:t>Train</a:t>
+                      </a:r>
+                    </a:p>
+                  </a:txBody>
+                  <a:tcPr marL="7620" marR="7620" marT="7620" marB="0" anchor="ctr">
+                    <a:lnL w="12700" cap="flat" cmpd="sng" algn="ctr">
+                      <a:solidFill>
+                        <a:srgbClr val="FFFFFF"/>
+                      </a:solidFill>
+                      <a:prstDash val="solid"/>
+                      <a:round/>
+                      <a:headEnd type="none" w="med" len="med"/>
+                      <a:tailEnd type="none" w="med" len="med"/>
+                    </a:lnL>
+                    <a:lnR w="12700" cap="flat" cmpd="sng" algn="ctr">
+                      <a:solidFill>
+                        <a:srgbClr val="FFFFFF"/>
+                      </a:solidFill>
+                      <a:prstDash val="solid"/>
+                      <a:round/>
+                      <a:headEnd type="none" w="med" len="med"/>
+                      <a:tailEnd type="none" w="med" len="med"/>
+                    </a:lnR>
+                    <a:lnT w="19050" cap="flat" cmpd="sng" algn="ctr">
+                      <a:solidFill>
+                        <a:srgbClr val="FFFFFF"/>
+                      </a:solidFill>
+                      <a:prstDash val="solid"/>
+                      <a:round/>
+                      <a:headEnd type="none" w="med" len="med"/>
+                      <a:tailEnd type="none" w="med" len="med"/>
+                    </a:lnT>
+                    <a:lnB w="12700" cap="flat" cmpd="sng" algn="ctr">
+                      <a:solidFill>
+                        <a:srgbClr val="FFFFFF"/>
+                      </a:solidFill>
+                      <a:prstDash val="solid"/>
+                      <a:round/>
+                      <a:headEnd type="none" w="med" len="med"/>
+                      <a:tailEnd type="none" w="med" len="med"/>
+                    </a:lnB>
+                    <a:solidFill>
+                      <a:srgbClr val="E1E1E1"/>
+                    </a:solidFill>
+                  </a:tcPr>
+                </a:tc>
+                <a:tc>
+                  <a:txBody>
+                    <a:bodyPr/>
+                    <a:lstStyle/>
+                    <a:p>
+                      <a:pPr algn="ctr" rtl="0" fontAlgn="ctr"/>
+                      <a:r>
+                        <a:rPr lang="en-US" sz="1300" b="0" i="0" u="none" strike="noStrike" dirty="0">
+                          <a:solidFill>
+                            <a:srgbClr val="000000"/>
+                          </a:solidFill>
+                          <a:effectLst/>
+                          <a:latin typeface="Calibri" panose="020F0502020204030204" pitchFamily="34" charset="0"/>
+                        </a:rPr>
+                        <a:t>0.908</a:t>
+                      </a:r>
+                    </a:p>
+                  </a:txBody>
+                  <a:tcPr marL="7620" marR="7620" marT="7620" marB="0" anchor="ctr">
+                    <a:lnL w="12700" cap="flat" cmpd="sng" algn="ctr">
+                      <a:solidFill>
+                        <a:srgbClr val="FFFFFF"/>
+                      </a:solidFill>
+                      <a:prstDash val="solid"/>
+                      <a:round/>
+                      <a:headEnd type="none" w="med" len="med"/>
+                      <a:tailEnd type="none" w="med" len="med"/>
+                    </a:lnL>
+                    <a:lnR w="12700" cap="flat" cmpd="sng" algn="ctr">
+                      <a:solidFill>
+                        <a:srgbClr val="FFFFFF"/>
+                      </a:solidFill>
+                      <a:prstDash val="solid"/>
+                      <a:round/>
+                      <a:headEnd type="none" w="med" len="med"/>
+                      <a:tailEnd type="none" w="med" len="med"/>
+                    </a:lnR>
+                    <a:lnT w="19050" cap="flat" cmpd="sng" algn="ctr">
+                      <a:solidFill>
+                        <a:srgbClr val="FFFFFF"/>
+                      </a:solidFill>
+                      <a:prstDash val="solid"/>
+                      <a:round/>
+                      <a:headEnd type="none" w="med" len="med"/>
+                      <a:tailEnd type="none" w="med" len="med"/>
+                    </a:lnT>
+                    <a:lnB w="12700" cap="flat" cmpd="sng" algn="ctr">
+                      <a:solidFill>
+                        <a:srgbClr val="FFFFFF"/>
+                      </a:solidFill>
+                      <a:prstDash val="solid"/>
+                      <a:round/>
+                      <a:headEnd type="none" w="med" len="med"/>
+                      <a:tailEnd type="none" w="med" len="med"/>
+                    </a:lnB>
+                    <a:solidFill>
+                      <a:srgbClr val="E1E1E1"/>
+                    </a:solidFill>
+                  </a:tcPr>
+                </a:tc>
+                <a:tc>
+                  <a:txBody>
+                    <a:bodyPr/>
+                    <a:lstStyle/>
+                    <a:p>
+                      <a:pPr algn="ctr" rtl="0" fontAlgn="ctr"/>
+                      <a:r>
+                        <a:rPr lang="en-US" sz="1300" b="0" i="0" u="none" strike="noStrike" dirty="0">
+                          <a:solidFill>
+                            <a:srgbClr val="000000"/>
+                          </a:solidFill>
+                          <a:effectLst/>
+                          <a:latin typeface="Calibri" panose="020F0502020204030204" pitchFamily="34" charset="0"/>
+                        </a:rPr>
+                        <a:t>0.1806</a:t>
+                      </a:r>
+                    </a:p>
+                  </a:txBody>
+                  <a:tcPr marL="7620" marR="7620" marT="7620" marB="0" anchor="ctr">
+                    <a:lnL w="12700" cap="flat" cmpd="sng" algn="ctr">
+                      <a:solidFill>
+                        <a:srgbClr val="FFFFFF"/>
+                      </a:solidFill>
+                      <a:prstDash val="solid"/>
+                      <a:round/>
+                      <a:headEnd type="none" w="med" len="med"/>
+                      <a:tailEnd type="none" w="med" len="med"/>
+                    </a:lnL>
+                    <a:lnR w="12700" cap="flat" cmpd="sng" algn="ctr">
+                      <a:solidFill>
+                        <a:srgbClr val="FFFFFF"/>
+                      </a:solidFill>
+                      <a:prstDash val="solid"/>
+                      <a:round/>
+                      <a:headEnd type="none" w="med" len="med"/>
+                      <a:tailEnd type="none" w="med" len="med"/>
+                    </a:lnR>
+                    <a:lnT w="19050" cap="flat" cmpd="sng" algn="ctr">
+                      <a:solidFill>
+                        <a:srgbClr val="FFFFFF"/>
+                      </a:solidFill>
+                      <a:prstDash val="solid"/>
+                      <a:round/>
+                      <a:headEnd type="none" w="med" len="med"/>
+                      <a:tailEnd type="none" w="med" len="med"/>
+                    </a:lnT>
+                    <a:lnB w="12700" cap="flat" cmpd="sng" algn="ctr">
+                      <a:solidFill>
+                        <a:srgbClr val="FFFFFF"/>
+                      </a:solidFill>
+                      <a:prstDash val="solid"/>
+                      <a:round/>
+                      <a:headEnd type="none" w="med" len="med"/>
+                      <a:tailEnd type="none" w="med" len="med"/>
+                    </a:lnB>
+                    <a:solidFill>
+                      <a:srgbClr val="E1E1E1"/>
+                    </a:solidFill>
+                  </a:tcPr>
+                </a:tc>
+                <a:extLst>
+                  <a:ext uri="{0D108BD9-81ED-4DB2-BD59-A6C34878D82A}">
+                    <a16:rowId xmlns:a16="http://schemas.microsoft.com/office/drawing/2014/main" val="1628911026"/>
+                  </a:ext>
+                </a:extLst>
+              </a:tr>
+              <a:tr h="264286">
+                <a:tc>
+                  <a:txBody>
+                    <a:bodyPr/>
+                    <a:lstStyle/>
+                    <a:p>
+                      <a:pPr algn="ctr" rtl="0" fontAlgn="ctr"/>
+                      <a:r>
+                        <a:rPr lang="en-US" sz="1300" b="0" i="0" u="none" strike="noStrike">
+                          <a:solidFill>
+                            <a:srgbClr val="000000"/>
+                          </a:solidFill>
+                          <a:effectLst/>
+                          <a:latin typeface="Calibri" panose="020F0502020204030204" pitchFamily="34" charset="0"/>
+                        </a:rPr>
+                        <a:t>Test</a:t>
+                      </a:r>
+                    </a:p>
+                  </a:txBody>
+                  <a:tcPr marL="7620" marR="7620" marT="7620" marB="0" anchor="ctr">
+                    <a:lnL w="12700" cap="flat" cmpd="sng" algn="ctr">
+                      <a:solidFill>
+                        <a:srgbClr val="FFFFFF"/>
+                      </a:solidFill>
+                      <a:prstDash val="solid"/>
+                      <a:round/>
+                      <a:headEnd type="none" w="med" len="med"/>
+                      <a:tailEnd type="none" w="med" len="med"/>
+                    </a:lnL>
+                    <a:lnR w="12700" cap="flat" cmpd="sng" algn="ctr">
+                      <a:solidFill>
+                        <a:srgbClr val="FFFFFF"/>
+                      </a:solidFill>
+                      <a:prstDash val="solid"/>
+                      <a:round/>
+                      <a:headEnd type="none" w="med" len="med"/>
+                      <a:tailEnd type="none" w="med" len="med"/>
+                    </a:lnR>
+                    <a:lnT w="12700" cap="flat" cmpd="sng" algn="ctr">
+                      <a:solidFill>
+                        <a:srgbClr val="FFFFFF"/>
+                      </a:solidFill>
+                      <a:prstDash val="solid"/>
+                      <a:round/>
+                      <a:headEnd type="none" w="med" len="med"/>
+                      <a:tailEnd type="none" w="med" len="med"/>
+                    </a:lnT>
+                    <a:lnB w="12700" cap="flat" cmpd="sng" algn="ctr">
+                      <a:solidFill>
+                        <a:srgbClr val="FFFFFF"/>
+                      </a:solidFill>
+                      <a:prstDash val="solid"/>
+                      <a:round/>
+                      <a:headEnd type="none" w="med" len="med"/>
+                      <a:tailEnd type="none" w="med" len="med"/>
+                    </a:lnB>
+                    <a:solidFill>
+                      <a:srgbClr val="F0F0F0"/>
+                    </a:solidFill>
+                  </a:tcPr>
+                </a:tc>
+                <a:tc>
+                  <a:txBody>
+                    <a:bodyPr/>
+                    <a:lstStyle/>
+                    <a:p>
+                      <a:pPr algn="ctr" rtl="0" fontAlgn="ctr"/>
+                      <a:r>
+                        <a:rPr lang="en-US" sz="1300" b="0" i="0" u="none" strike="noStrike" dirty="0">
+                          <a:solidFill>
+                            <a:srgbClr val="000000"/>
+                          </a:solidFill>
+                          <a:effectLst/>
+                          <a:latin typeface="Calibri" panose="020F0502020204030204" pitchFamily="34" charset="0"/>
+                        </a:rPr>
+                        <a:t>0.797</a:t>
+                      </a:r>
+                    </a:p>
+                  </a:txBody>
+                  <a:tcPr marL="7620" marR="7620" marT="7620" marB="0" anchor="ctr">
+                    <a:lnL w="12700" cap="flat" cmpd="sng" algn="ctr">
+                      <a:solidFill>
+                        <a:srgbClr val="FFFFFF"/>
+                      </a:solidFill>
+                      <a:prstDash val="solid"/>
+                      <a:round/>
+                      <a:headEnd type="none" w="med" len="med"/>
+                      <a:tailEnd type="none" w="med" len="med"/>
+                    </a:lnL>
+                    <a:lnR w="12700" cap="flat" cmpd="sng" algn="ctr">
+                      <a:solidFill>
+                        <a:srgbClr val="FFFFFF"/>
+                      </a:solidFill>
+                      <a:prstDash val="solid"/>
+                      <a:round/>
+                      <a:headEnd type="none" w="med" len="med"/>
+                      <a:tailEnd type="none" w="med" len="med"/>
+                    </a:lnR>
+                    <a:lnT w="12700" cap="flat" cmpd="sng" algn="ctr">
+                      <a:solidFill>
+                        <a:srgbClr val="FFFFFF"/>
+                      </a:solidFill>
+                      <a:prstDash val="solid"/>
+                      <a:round/>
+                      <a:headEnd type="none" w="med" len="med"/>
+                      <a:tailEnd type="none" w="med" len="med"/>
+                    </a:lnT>
+                    <a:lnB w="12700" cap="flat" cmpd="sng" algn="ctr">
+                      <a:solidFill>
+                        <a:srgbClr val="FFFFFF"/>
+                      </a:solidFill>
+                      <a:prstDash val="solid"/>
+                      <a:round/>
+                      <a:headEnd type="none" w="med" len="med"/>
+                      <a:tailEnd type="none" w="med" len="med"/>
+                    </a:lnB>
+                    <a:solidFill>
+                      <a:srgbClr val="F0F0F0"/>
+                    </a:solidFill>
+                  </a:tcPr>
+                </a:tc>
+                <a:tc>
+                  <a:txBody>
+                    <a:bodyPr/>
+                    <a:lstStyle/>
+                    <a:p>
+                      <a:pPr algn="ctr" rtl="0" fontAlgn="ctr"/>
+                      <a:r>
+                        <a:rPr lang="en-US" sz="1300" b="0" i="0" u="none" strike="noStrike" dirty="0">
+                          <a:solidFill>
+                            <a:srgbClr val="000000"/>
+                          </a:solidFill>
+                          <a:effectLst/>
+                          <a:latin typeface="Calibri" panose="020F0502020204030204" pitchFamily="34" charset="0"/>
+                        </a:rPr>
+                        <a:t>0.0114</a:t>
+                      </a:r>
+                    </a:p>
+                  </a:txBody>
+                  <a:tcPr marL="7620" marR="7620" marT="7620" marB="0" anchor="ctr">
+                    <a:lnL w="12700" cap="flat" cmpd="sng" algn="ctr">
+                      <a:solidFill>
+                        <a:srgbClr val="FFFFFF"/>
+                      </a:solidFill>
+                      <a:prstDash val="solid"/>
+                      <a:round/>
+                      <a:headEnd type="none" w="med" len="med"/>
+                      <a:tailEnd type="none" w="med" len="med"/>
+                    </a:lnL>
+                    <a:lnR w="12700" cap="flat" cmpd="sng" algn="ctr">
+                      <a:solidFill>
+                        <a:srgbClr val="FFFFFF"/>
+                      </a:solidFill>
+                      <a:prstDash val="solid"/>
+                      <a:round/>
+                      <a:headEnd type="none" w="med" len="med"/>
+                      <a:tailEnd type="none" w="med" len="med"/>
+                    </a:lnR>
+                    <a:lnT w="12700" cap="flat" cmpd="sng" algn="ctr">
+                      <a:solidFill>
+                        <a:srgbClr val="FFFFFF"/>
+                      </a:solidFill>
+                      <a:prstDash val="solid"/>
+                      <a:round/>
+                      <a:headEnd type="none" w="med" len="med"/>
+                      <a:tailEnd type="none" w="med" len="med"/>
+                    </a:lnT>
+                    <a:lnB w="12700" cap="flat" cmpd="sng" algn="ctr">
+                      <a:solidFill>
+                        <a:srgbClr val="FFFFFF"/>
+                      </a:solidFill>
+                      <a:prstDash val="solid"/>
+                      <a:round/>
+                      <a:headEnd type="none" w="med" len="med"/>
+                      <a:tailEnd type="none" w="med" len="med"/>
+                    </a:lnB>
+                    <a:solidFill>
+                      <a:srgbClr val="F0F0F0"/>
+                    </a:solidFill>
+                  </a:tcPr>
+                </a:tc>
+                <a:extLst>
+                  <a:ext uri="{0D108BD9-81ED-4DB2-BD59-A6C34878D82A}">
+                    <a16:rowId xmlns:a16="http://schemas.microsoft.com/office/drawing/2014/main" val="1501972191"/>
+                  </a:ext>
+                </a:extLst>
+              </a:tr>
+            </a:tbl>
+          </a:graphicData>
+        </a:graphic>
+      </p:graphicFrame>
+      <p:sp>
+        <p:nvSpPr>
+          <p:cNvPr id="8" name="TextBox 7">
+            <a:extLst>
+              <a:ext uri="{FF2B5EF4-FFF2-40B4-BE49-F238E27FC236}">
+                <a16:creationId xmlns:a16="http://schemas.microsoft.com/office/drawing/2014/main" id="{26A2C942-D9B1-43AC-AF48-295BF86908B9}"/>
+              </a:ext>
+            </a:extLst>
+          </p:cNvPr>
+          <p:cNvSpPr txBox="1"/>
+          <p:nvPr/>
+        </p:nvSpPr>
+        <p:spPr>
+          <a:xfrm>
+            <a:off x="80692" y="2093991"/>
+            <a:ext cx="6656538" cy="955518"/>
+          </a:xfrm>
+          <a:prstGeom prst="rect">
+            <a:avLst/>
+          </a:prstGeom>
+          <a:noFill/>
+          <a:ln>
+            <a:solidFill>
+              <a:schemeClr val="tx1">
+                <a:lumMod val="50000"/>
+                <a:lumOff val="50000"/>
+              </a:schemeClr>
+            </a:solidFill>
+            <a:prstDash val="dash"/>
+          </a:ln>
+        </p:spPr>
+        <p:txBody>
+          <a:bodyPr wrap="square" rtlCol="0">
+            <a:spAutoFit/>
+          </a:bodyPr>
+          <a:lstStyle/>
+          <a:p>
+            <a:pPr>
+              <a:lnSpc>
+                <a:spcPct val="150000"/>
+              </a:lnSpc>
+            </a:pPr>
+            <a:r>
+              <a:rPr lang="en-IN" sz="1300" dirty="0">
+                <a:solidFill>
+                  <a:schemeClr val="bg1">
+                    <a:lumMod val="50000"/>
+                  </a:schemeClr>
+                </a:solidFill>
+                <a:latin typeface="+mn-lt"/>
+                <a:sym typeface="Average"/>
+              </a:rPr>
+              <a:t>Pros</a:t>
+            </a:r>
+          </a:p>
+          <a:p>
+            <a:pPr marL="285750" indent="-285750">
+              <a:lnSpc>
+                <a:spcPct val="150000"/>
+              </a:lnSpc>
+              <a:buFont typeface="Wingdings" panose="05000000000000000000" pitchFamily="2" charset="2"/>
+              <a:buChar char="§"/>
+            </a:pPr>
+            <a:r>
+              <a:rPr lang="en-IN" sz="1300" dirty="0">
+                <a:solidFill>
+                  <a:schemeClr val="bg1">
+                    <a:lumMod val="50000"/>
+                  </a:schemeClr>
+                </a:solidFill>
+                <a:latin typeface="+mn-lt"/>
+                <a:sym typeface="Average"/>
+              </a:rPr>
+              <a:t>Option to tune hyperparameters to change the accuracy/speed </a:t>
+            </a:r>
+            <a:r>
+              <a:rPr lang="en-IN" sz="1300" dirty="0" err="1">
+                <a:solidFill>
+                  <a:schemeClr val="bg1">
+                    <a:lumMod val="50000"/>
+                  </a:schemeClr>
+                </a:solidFill>
+                <a:latin typeface="+mn-lt"/>
+                <a:sym typeface="Average"/>
+              </a:rPr>
+              <a:t>tradeoff</a:t>
+            </a:r>
+            <a:r>
+              <a:rPr lang="en-IN" sz="1300" dirty="0">
+                <a:solidFill>
+                  <a:schemeClr val="bg1">
+                    <a:lumMod val="50000"/>
+                  </a:schemeClr>
+                </a:solidFill>
+                <a:latin typeface="+mn-lt"/>
+                <a:sym typeface="Average"/>
+              </a:rPr>
+              <a:t>.</a:t>
+            </a:r>
+          </a:p>
+          <a:p>
+            <a:pPr marL="285750" indent="-285750">
+              <a:lnSpc>
+                <a:spcPct val="150000"/>
+              </a:lnSpc>
+              <a:buFont typeface="Wingdings" panose="05000000000000000000" pitchFamily="2" charset="2"/>
+              <a:buChar char="§"/>
+            </a:pPr>
+            <a:r>
+              <a:rPr lang="en-IN" sz="1300" dirty="0">
+                <a:solidFill>
+                  <a:schemeClr val="bg1">
+                    <a:lumMod val="50000"/>
+                  </a:schemeClr>
+                </a:solidFill>
+                <a:latin typeface="+mn-lt"/>
+                <a:sym typeface="Average"/>
+              </a:rPr>
+              <a:t>It has small memory usage</a:t>
+            </a:r>
+            <a:endParaRPr lang="en-IN" sz="1300" dirty="0"/>
+          </a:p>
+        </p:txBody>
+      </p:sp>
+      <p:sp>
+        <p:nvSpPr>
+          <p:cNvPr id="9" name="TextBox 8">
+            <a:extLst>
+              <a:ext uri="{FF2B5EF4-FFF2-40B4-BE49-F238E27FC236}">
+                <a16:creationId xmlns:a16="http://schemas.microsoft.com/office/drawing/2014/main" id="{84234B43-CA09-45DB-A908-26CDD3477D56}"/>
+              </a:ext>
+            </a:extLst>
+          </p:cNvPr>
+          <p:cNvSpPr txBox="1"/>
+          <p:nvPr/>
+        </p:nvSpPr>
+        <p:spPr>
+          <a:xfrm>
+            <a:off x="80692" y="3251461"/>
+            <a:ext cx="6656538" cy="655436"/>
+          </a:xfrm>
+          <a:prstGeom prst="rect">
+            <a:avLst/>
+          </a:prstGeom>
+          <a:noFill/>
+          <a:ln>
+            <a:solidFill>
+              <a:schemeClr val="tx1">
+                <a:lumMod val="50000"/>
+                <a:lumOff val="50000"/>
+              </a:schemeClr>
+            </a:solidFill>
+            <a:prstDash val="dash"/>
+          </a:ln>
+        </p:spPr>
+        <p:txBody>
+          <a:bodyPr wrap="square" rtlCol="0">
+            <a:spAutoFit/>
+          </a:bodyPr>
+          <a:lstStyle/>
+          <a:p>
+            <a:pPr>
+              <a:lnSpc>
+                <a:spcPct val="150000"/>
+              </a:lnSpc>
+            </a:pPr>
+            <a:r>
+              <a:rPr lang="en-IN" sz="1300" dirty="0">
+                <a:solidFill>
+                  <a:schemeClr val="bg1">
+                    <a:lumMod val="50000"/>
+                  </a:schemeClr>
+                </a:solidFill>
+                <a:latin typeface="+mn-lt"/>
+                <a:sym typeface="Average"/>
+              </a:rPr>
+              <a:t>Cons</a:t>
+            </a:r>
+          </a:p>
+          <a:p>
+            <a:pPr marL="285750" lvl="1" indent="-285750">
+              <a:lnSpc>
+                <a:spcPct val="150000"/>
+              </a:lnSpc>
+              <a:buFont typeface="Wingdings" panose="05000000000000000000" pitchFamily="2" charset="2"/>
+              <a:buChar char="§"/>
+            </a:pPr>
+            <a:r>
+              <a:rPr lang="en-IN" sz="1300" dirty="0">
+                <a:solidFill>
+                  <a:schemeClr val="bg1">
+                    <a:lumMod val="50000"/>
+                  </a:schemeClr>
+                </a:solidFill>
+                <a:latin typeface="+mn-lt"/>
+                <a:sym typeface="Average"/>
+              </a:rPr>
+              <a:t>It does not support GPU processing.</a:t>
+            </a:r>
           </a:p>
         </p:txBody>
       </p:sp>
@@ -13608,6 +14799,1096 @@
 </file>
 
 <file path=ppt/slides/slide17.xml><?xml version="1.0" encoding="utf-8"?>
+<p:sld xmlns:a="http://schemas.openxmlformats.org/drawingml/2006/main" xmlns:r="http://schemas.openxmlformats.org/officeDocument/2006/relationships" xmlns:p="http://schemas.openxmlformats.org/presentationml/2006/main">
+  <p:cSld>
+    <p:spTree>
+      <p:nvGrpSpPr>
+        <p:cNvPr id="1" name="Shape 160"/>
+        <p:cNvGrpSpPr/>
+        <p:nvPr/>
+      </p:nvGrpSpPr>
+      <p:grpSpPr>
+        <a:xfrm>
+          <a:off x="0" y="0"/>
+          <a:ext cx="0" cy="0"/>
+          <a:chOff x="0" y="0"/>
+          <a:chExt cx="0" cy="0"/>
+        </a:xfrm>
+      </p:grpSpPr>
+      <p:sp>
+        <p:nvSpPr>
+          <p:cNvPr id="161" name="Google Shape;161;g83f00c33ef_0_17"/>
+          <p:cNvSpPr txBox="1">
+            <a:spLocks noGrp="1"/>
+          </p:cNvSpPr>
+          <p:nvPr>
+            <p:ph type="title"/>
+          </p:nvPr>
+        </p:nvSpPr>
+        <p:spPr>
+          <a:xfrm>
+            <a:off x="0" y="2"/>
+            <a:ext cx="2927700" cy="684300"/>
+          </a:xfrm>
+          <a:prstGeom prst="rect">
+            <a:avLst/>
+          </a:prstGeom>
+        </p:spPr>
+        <p:txBody>
+          <a:bodyPr spcFirstLastPara="1" wrap="square" lIns="91425" tIns="91425" rIns="91425" bIns="91425" anchor="t" anchorCtr="0">
+            <a:noAutofit/>
+          </a:bodyPr>
+          <a:lstStyle/>
+          <a:p>
+            <a:pPr marL="0" lvl="0" indent="0" algn="l" rtl="0">
+              <a:spcBef>
+                <a:spcPts val="0"/>
+              </a:spcBef>
+              <a:spcAft>
+                <a:spcPts val="0"/>
+              </a:spcAft>
+              <a:buNone/>
+            </a:pPr>
+            <a:r>
+              <a:rPr lang="en-US" dirty="0">
+                <a:solidFill>
+                  <a:srgbClr val="000000"/>
+                </a:solidFill>
+              </a:rPr>
+              <a:t>Models</a:t>
+            </a:r>
+            <a:endParaRPr dirty="0">
+              <a:solidFill>
+                <a:srgbClr val="000000"/>
+              </a:solidFill>
+            </a:endParaRPr>
+          </a:p>
+          <a:p>
+            <a:pPr marL="0" lvl="0" indent="0" algn="l" rtl="0">
+              <a:spcBef>
+                <a:spcPts val="0"/>
+              </a:spcBef>
+              <a:spcAft>
+                <a:spcPts val="0"/>
+              </a:spcAft>
+              <a:buNone/>
+            </a:pPr>
+            <a:endParaRPr dirty="0"/>
+          </a:p>
+        </p:txBody>
+      </p:sp>
+      <p:sp>
+        <p:nvSpPr>
+          <p:cNvPr id="162" name="Google Shape;162;g83f00c33ef_0_17"/>
+          <p:cNvSpPr txBox="1">
+            <a:spLocks noGrp="1"/>
+          </p:cNvSpPr>
+          <p:nvPr>
+            <p:ph type="body" idx="1"/>
+          </p:nvPr>
+        </p:nvSpPr>
+        <p:spPr>
+          <a:xfrm>
+            <a:off x="80692" y="770566"/>
+            <a:ext cx="9063308" cy="2838377"/>
+          </a:xfrm>
+          <a:prstGeom prst="rect">
+            <a:avLst/>
+          </a:prstGeom>
+        </p:spPr>
+        <p:txBody>
+          <a:bodyPr spcFirstLastPara="1" wrap="square" lIns="91425" tIns="91425" rIns="91425" bIns="91425" anchor="t" anchorCtr="0">
+            <a:noAutofit/>
+          </a:bodyPr>
+          <a:lstStyle/>
+          <a:p>
+            <a:pPr marL="0" lvl="0" indent="0" algn="l" rtl="0">
+              <a:spcBef>
+                <a:spcPts val="0"/>
+              </a:spcBef>
+              <a:spcAft>
+                <a:spcPts val="0"/>
+              </a:spcAft>
+              <a:buNone/>
+            </a:pPr>
+            <a:r>
+              <a:rPr lang="en-US" sz="1300" b="1" u="sng" dirty="0">
+                <a:solidFill>
+                  <a:schemeClr val="bg1">
+                    <a:lumMod val="50000"/>
+                  </a:schemeClr>
+                </a:solidFill>
+                <a:latin typeface="+mn-lt"/>
+              </a:rPr>
+              <a:t>Hybrid Matrix Factorization:-</a:t>
+            </a:r>
+          </a:p>
+          <a:p>
+            <a:pPr marL="285750" indent="-285750" algn="just">
+              <a:buClr>
+                <a:schemeClr val="bg1"/>
+              </a:buClr>
+              <a:buFont typeface="Wingdings" pitchFamily="2" charset="2"/>
+              <a:buChar char="§"/>
+            </a:pPr>
+            <a:r>
+              <a:rPr lang="en-US" sz="1300" dirty="0">
+                <a:solidFill>
+                  <a:schemeClr val="bg1">
+                    <a:lumMod val="50000"/>
+                  </a:schemeClr>
+                </a:solidFill>
+                <a:latin typeface="+mn-lt"/>
+              </a:rPr>
+              <a:t>Hybrid recommender is an advanced kind of recommender that uses both collaborative and content-based filtering for making recommendations. </a:t>
+            </a:r>
+          </a:p>
+          <a:p>
+            <a:pPr marL="285750" indent="-285750" algn="just">
+              <a:buClr>
+                <a:schemeClr val="bg1"/>
+              </a:buClr>
+              <a:buFont typeface="Wingdings" pitchFamily="2" charset="2"/>
+              <a:buChar char="§"/>
+            </a:pPr>
+            <a:r>
+              <a:rPr lang="en-US" sz="1300" dirty="0">
+                <a:solidFill>
+                  <a:schemeClr val="bg1">
+                    <a:lumMod val="50000"/>
+                  </a:schemeClr>
+                </a:solidFill>
+                <a:latin typeface="+mn-lt"/>
+              </a:rPr>
+              <a:t>Hybrid matrix factorization model represents users and items as linear combinations of their content features’ latent factors. </a:t>
+            </a:r>
+          </a:p>
+          <a:p>
+            <a:pPr marL="0" lvl="0" indent="0" algn="l" rtl="0">
+              <a:spcBef>
+                <a:spcPts val="0"/>
+              </a:spcBef>
+              <a:spcAft>
+                <a:spcPts val="0"/>
+              </a:spcAft>
+              <a:buNone/>
+            </a:pPr>
+            <a:endParaRPr sz="1300" dirty="0">
+              <a:solidFill>
+                <a:schemeClr val="bg1">
+                  <a:lumMod val="50000"/>
+                </a:schemeClr>
+              </a:solidFill>
+              <a:latin typeface="+mn-lt"/>
+            </a:endParaRPr>
+          </a:p>
+        </p:txBody>
+      </p:sp>
+      <p:graphicFrame>
+        <p:nvGraphicFramePr>
+          <p:cNvPr id="5" name="Table 4">
+            <a:extLst>
+              <a:ext uri="{FF2B5EF4-FFF2-40B4-BE49-F238E27FC236}">
+                <a16:creationId xmlns:a16="http://schemas.microsoft.com/office/drawing/2014/main" id="{5DE1DD85-4779-4FCC-9C52-AEF9045E68E9}"/>
+              </a:ext>
+            </a:extLst>
+          </p:cNvPr>
+          <p:cNvGraphicFramePr>
+            <a:graphicFrameLocks noGrp="1"/>
+          </p:cNvGraphicFramePr>
+          <p:nvPr>
+            <p:extLst>
+              <p:ext uri="{D42A27DB-BD31-4B8C-83A1-F6EECF244321}">
+                <p14:modId xmlns:p14="http://schemas.microsoft.com/office/powerpoint/2010/main" val="1485782148"/>
+              </p:ext>
+            </p:extLst>
+          </p:nvPr>
+        </p:nvGraphicFramePr>
+        <p:xfrm>
+          <a:off x="7116792" y="2025625"/>
+          <a:ext cx="1765361" cy="773972"/>
+        </p:xfrm>
+        <a:graphic>
+          <a:graphicData uri="http://schemas.openxmlformats.org/drawingml/2006/table">
+            <a:tbl>
+              <a:tblPr/>
+              <a:tblGrid>
+                <a:gridCol w="600871">
+                  <a:extLst>
+                    <a:ext uri="{9D8B030D-6E8A-4147-A177-3AD203B41FA5}">
+                      <a16:colId xmlns:a16="http://schemas.microsoft.com/office/drawing/2014/main" val="3643621973"/>
+                    </a:ext>
+                  </a:extLst>
+                </a:gridCol>
+                <a:gridCol w="524289">
+                  <a:extLst>
+                    <a:ext uri="{9D8B030D-6E8A-4147-A177-3AD203B41FA5}">
+                      <a16:colId xmlns:a16="http://schemas.microsoft.com/office/drawing/2014/main" val="744457014"/>
+                    </a:ext>
+                  </a:extLst>
+                </a:gridCol>
+                <a:gridCol w="640201">
+                  <a:extLst>
+                    <a:ext uri="{9D8B030D-6E8A-4147-A177-3AD203B41FA5}">
+                      <a16:colId xmlns:a16="http://schemas.microsoft.com/office/drawing/2014/main" val="3393106829"/>
+                    </a:ext>
+                  </a:extLst>
+                </a:gridCol>
+              </a:tblGrid>
+              <a:tr h="255246">
+                <a:tc>
+                  <a:txBody>
+                    <a:bodyPr/>
+                    <a:lstStyle/>
+                    <a:p>
+                      <a:pPr algn="l" fontAlgn="b"/>
+                      <a:endParaRPr lang="en-US" sz="1300" b="0" i="0" u="none" strike="noStrike" dirty="0">
+                        <a:solidFill>
+                          <a:srgbClr val="000000"/>
+                        </a:solidFill>
+                        <a:effectLst/>
+                        <a:latin typeface="Calibri" panose="020F0502020204030204" pitchFamily="34" charset="0"/>
+                      </a:endParaRPr>
+                    </a:p>
+                  </a:txBody>
+                  <a:tcPr marL="7620" marR="7620" marT="7620" marB="0" anchor="b">
+                    <a:lnL>
+                      <a:noFill/>
+                    </a:lnL>
+                    <a:lnR w="12700" cap="flat" cmpd="sng" algn="ctr">
+                      <a:solidFill>
+                        <a:srgbClr val="FFFFFF"/>
+                      </a:solidFill>
+                      <a:prstDash val="solid"/>
+                      <a:round/>
+                      <a:headEnd type="none" w="med" len="med"/>
+                      <a:tailEnd type="none" w="med" len="med"/>
+                    </a:lnR>
+                    <a:lnT>
+                      <a:noFill/>
+                    </a:lnT>
+                    <a:lnB w="19050" cap="flat" cmpd="sng" algn="ctr">
+                      <a:solidFill>
+                        <a:srgbClr val="FFFFFF"/>
+                      </a:solidFill>
+                      <a:prstDash val="solid"/>
+                      <a:round/>
+                      <a:headEnd type="none" w="med" len="med"/>
+                      <a:tailEnd type="none" w="med" len="med"/>
+                    </a:lnB>
+                  </a:tcPr>
+                </a:tc>
+                <a:tc>
+                  <a:txBody>
+                    <a:bodyPr/>
+                    <a:lstStyle/>
+                    <a:p>
+                      <a:pPr algn="ctr" rtl="0" fontAlgn="ctr"/>
+                      <a:r>
+                        <a:rPr lang="en-US" sz="1300" b="1" i="0" u="none" strike="noStrike">
+                          <a:solidFill>
+                            <a:srgbClr val="FFFFFF"/>
+                          </a:solidFill>
+                          <a:effectLst/>
+                          <a:latin typeface="Calibri" panose="020F0502020204030204" pitchFamily="34" charset="0"/>
+                        </a:rPr>
+                        <a:t>AUC</a:t>
+                      </a:r>
+                    </a:p>
+                  </a:txBody>
+                  <a:tcPr marL="7620" marR="7620" marT="7620" marB="0" anchor="ctr">
+                    <a:lnL w="12700" cap="flat" cmpd="sng" algn="ctr">
+                      <a:solidFill>
+                        <a:srgbClr val="FFFFFF"/>
+                      </a:solidFill>
+                      <a:prstDash val="solid"/>
+                      <a:round/>
+                      <a:headEnd type="none" w="med" len="med"/>
+                      <a:tailEnd type="none" w="med" len="med"/>
+                    </a:lnL>
+                    <a:lnR w="12700" cap="flat" cmpd="sng" algn="ctr">
+                      <a:solidFill>
+                        <a:srgbClr val="FFFFFF"/>
+                      </a:solidFill>
+                      <a:prstDash val="solid"/>
+                      <a:round/>
+                      <a:headEnd type="none" w="med" len="med"/>
+                      <a:tailEnd type="none" w="med" len="med"/>
+                    </a:lnR>
+                    <a:lnT w="12700" cap="flat" cmpd="sng" algn="ctr">
+                      <a:solidFill>
+                        <a:srgbClr val="FFFFFF"/>
+                      </a:solidFill>
+                      <a:prstDash val="solid"/>
+                      <a:round/>
+                      <a:headEnd type="none" w="med" len="med"/>
+                      <a:tailEnd type="none" w="med" len="med"/>
+                    </a:lnT>
+                    <a:lnB w="19050" cap="flat" cmpd="sng" algn="ctr">
+                      <a:solidFill>
+                        <a:srgbClr val="FFFFFF"/>
+                      </a:solidFill>
+                      <a:prstDash val="solid"/>
+                      <a:round/>
+                      <a:headEnd type="none" w="med" len="med"/>
+                      <a:tailEnd type="none" w="med" len="med"/>
+                    </a:lnB>
+                    <a:solidFill>
+                      <a:srgbClr val="002060"/>
+                    </a:solidFill>
+                  </a:tcPr>
+                </a:tc>
+                <a:tc>
+                  <a:txBody>
+                    <a:bodyPr/>
+                    <a:lstStyle/>
+                    <a:p>
+                      <a:pPr algn="ctr" rtl="0" fontAlgn="ctr"/>
+                      <a:r>
+                        <a:rPr lang="en-US" sz="1300" b="1" i="0" u="none" strike="noStrike" dirty="0">
+                          <a:solidFill>
+                            <a:srgbClr val="FFFFFF"/>
+                          </a:solidFill>
+                          <a:effectLst/>
+                          <a:latin typeface="Calibri" panose="020F0502020204030204" pitchFamily="34" charset="0"/>
+                        </a:rPr>
+                        <a:t>Precision</a:t>
+                      </a:r>
+                    </a:p>
+                  </a:txBody>
+                  <a:tcPr marL="7620" marR="7620" marT="7620" marB="0" anchor="ctr">
+                    <a:lnL w="12700" cap="flat" cmpd="sng" algn="ctr">
+                      <a:solidFill>
+                        <a:srgbClr val="FFFFFF"/>
+                      </a:solidFill>
+                      <a:prstDash val="solid"/>
+                      <a:round/>
+                      <a:headEnd type="none" w="med" len="med"/>
+                      <a:tailEnd type="none" w="med" len="med"/>
+                    </a:lnL>
+                    <a:lnR w="12700" cap="flat" cmpd="sng" algn="ctr">
+                      <a:solidFill>
+                        <a:srgbClr val="FFFFFF"/>
+                      </a:solidFill>
+                      <a:prstDash val="solid"/>
+                      <a:round/>
+                      <a:headEnd type="none" w="med" len="med"/>
+                      <a:tailEnd type="none" w="med" len="med"/>
+                    </a:lnR>
+                    <a:lnT w="12700" cap="flat" cmpd="sng" algn="ctr">
+                      <a:solidFill>
+                        <a:srgbClr val="FFFFFF"/>
+                      </a:solidFill>
+                      <a:prstDash val="solid"/>
+                      <a:round/>
+                      <a:headEnd type="none" w="med" len="med"/>
+                      <a:tailEnd type="none" w="med" len="med"/>
+                    </a:lnT>
+                    <a:lnB w="19050" cap="flat" cmpd="sng" algn="ctr">
+                      <a:solidFill>
+                        <a:srgbClr val="FFFFFF"/>
+                      </a:solidFill>
+                      <a:prstDash val="solid"/>
+                      <a:round/>
+                      <a:headEnd type="none" w="med" len="med"/>
+                      <a:tailEnd type="none" w="med" len="med"/>
+                    </a:lnB>
+                    <a:solidFill>
+                      <a:srgbClr val="002060"/>
+                    </a:solidFill>
+                  </a:tcPr>
+                </a:tc>
+                <a:extLst>
+                  <a:ext uri="{0D108BD9-81ED-4DB2-BD59-A6C34878D82A}">
+                    <a16:rowId xmlns:a16="http://schemas.microsoft.com/office/drawing/2014/main" val="3193027757"/>
+                  </a:ext>
+                </a:extLst>
+              </a:tr>
+              <a:tr h="263480">
+                <a:tc>
+                  <a:txBody>
+                    <a:bodyPr/>
+                    <a:lstStyle/>
+                    <a:p>
+                      <a:pPr algn="ctr" rtl="0" fontAlgn="ctr"/>
+                      <a:r>
+                        <a:rPr lang="en-US" sz="1300" b="0" i="0" u="none" strike="noStrike">
+                          <a:solidFill>
+                            <a:srgbClr val="000000"/>
+                          </a:solidFill>
+                          <a:effectLst/>
+                          <a:latin typeface="Calibri" panose="020F0502020204030204" pitchFamily="34" charset="0"/>
+                        </a:rPr>
+                        <a:t>Train</a:t>
+                      </a:r>
+                    </a:p>
+                  </a:txBody>
+                  <a:tcPr marL="7620" marR="7620" marT="7620" marB="0" anchor="ctr">
+                    <a:lnL w="12700" cap="flat" cmpd="sng" algn="ctr">
+                      <a:solidFill>
+                        <a:srgbClr val="FFFFFF"/>
+                      </a:solidFill>
+                      <a:prstDash val="solid"/>
+                      <a:round/>
+                      <a:headEnd type="none" w="med" len="med"/>
+                      <a:tailEnd type="none" w="med" len="med"/>
+                    </a:lnL>
+                    <a:lnR w="12700" cap="flat" cmpd="sng" algn="ctr">
+                      <a:solidFill>
+                        <a:srgbClr val="FFFFFF"/>
+                      </a:solidFill>
+                      <a:prstDash val="solid"/>
+                      <a:round/>
+                      <a:headEnd type="none" w="med" len="med"/>
+                      <a:tailEnd type="none" w="med" len="med"/>
+                    </a:lnR>
+                    <a:lnT w="19050" cap="flat" cmpd="sng" algn="ctr">
+                      <a:solidFill>
+                        <a:srgbClr val="FFFFFF"/>
+                      </a:solidFill>
+                      <a:prstDash val="solid"/>
+                      <a:round/>
+                      <a:headEnd type="none" w="med" len="med"/>
+                      <a:tailEnd type="none" w="med" len="med"/>
+                    </a:lnT>
+                    <a:lnB w="12700" cap="flat" cmpd="sng" algn="ctr">
+                      <a:solidFill>
+                        <a:srgbClr val="FFFFFF"/>
+                      </a:solidFill>
+                      <a:prstDash val="solid"/>
+                      <a:round/>
+                      <a:headEnd type="none" w="med" len="med"/>
+                      <a:tailEnd type="none" w="med" len="med"/>
+                    </a:lnB>
+                    <a:solidFill>
+                      <a:srgbClr val="E1E1E1"/>
+                    </a:solidFill>
+                  </a:tcPr>
+                </a:tc>
+                <a:tc>
+                  <a:txBody>
+                    <a:bodyPr/>
+                    <a:lstStyle/>
+                    <a:p>
+                      <a:pPr algn="ctr" rtl="0" fontAlgn="ctr"/>
+                      <a:r>
+                        <a:rPr lang="en-US" sz="1200" dirty="0">
+                          <a:solidFill>
+                            <a:schemeClr val="bg1">
+                              <a:lumMod val="50000"/>
+                            </a:schemeClr>
+                          </a:solidFill>
+                        </a:rPr>
+                        <a:t>0.976</a:t>
+                      </a:r>
+                      <a:endParaRPr lang="en-US" sz="1300" b="0" i="0" u="none" strike="noStrike" dirty="0">
+                        <a:solidFill>
+                          <a:schemeClr val="bg1">
+                            <a:lumMod val="50000"/>
+                          </a:schemeClr>
+                        </a:solidFill>
+                        <a:effectLst/>
+                        <a:latin typeface="Calibri" panose="020F0502020204030204" pitchFamily="34" charset="0"/>
+                      </a:endParaRPr>
+                    </a:p>
+                  </a:txBody>
+                  <a:tcPr marL="7620" marR="7620" marT="7620" marB="0" anchor="ctr">
+                    <a:lnL w="12700" cap="flat" cmpd="sng" algn="ctr">
+                      <a:solidFill>
+                        <a:srgbClr val="FFFFFF"/>
+                      </a:solidFill>
+                      <a:prstDash val="solid"/>
+                      <a:round/>
+                      <a:headEnd type="none" w="med" len="med"/>
+                      <a:tailEnd type="none" w="med" len="med"/>
+                    </a:lnL>
+                    <a:lnR w="12700" cap="flat" cmpd="sng" algn="ctr">
+                      <a:solidFill>
+                        <a:srgbClr val="FFFFFF"/>
+                      </a:solidFill>
+                      <a:prstDash val="solid"/>
+                      <a:round/>
+                      <a:headEnd type="none" w="med" len="med"/>
+                      <a:tailEnd type="none" w="med" len="med"/>
+                    </a:lnR>
+                    <a:lnT w="19050" cap="flat" cmpd="sng" algn="ctr">
+                      <a:solidFill>
+                        <a:srgbClr val="FFFFFF"/>
+                      </a:solidFill>
+                      <a:prstDash val="solid"/>
+                      <a:round/>
+                      <a:headEnd type="none" w="med" len="med"/>
+                      <a:tailEnd type="none" w="med" len="med"/>
+                    </a:lnT>
+                    <a:lnB w="12700" cap="flat" cmpd="sng" algn="ctr">
+                      <a:solidFill>
+                        <a:srgbClr val="FFFFFF"/>
+                      </a:solidFill>
+                      <a:prstDash val="solid"/>
+                      <a:round/>
+                      <a:headEnd type="none" w="med" len="med"/>
+                      <a:tailEnd type="none" w="med" len="med"/>
+                    </a:lnB>
+                    <a:solidFill>
+                      <a:srgbClr val="E1E1E1"/>
+                    </a:solidFill>
+                  </a:tcPr>
+                </a:tc>
+                <a:tc>
+                  <a:txBody>
+                    <a:bodyPr/>
+                    <a:lstStyle/>
+                    <a:p>
+                      <a:pPr algn="ctr" rtl="0" fontAlgn="ctr"/>
+                      <a:r>
+                        <a:rPr lang="en-US" sz="1200" dirty="0">
+                          <a:solidFill>
+                            <a:schemeClr val="bg1">
+                              <a:lumMod val="50000"/>
+                            </a:schemeClr>
+                          </a:solidFill>
+                        </a:rPr>
+                        <a:t>0.119</a:t>
+                      </a:r>
+                      <a:endParaRPr lang="en-US" sz="1300" b="0" i="0" u="none" strike="noStrike" dirty="0">
+                        <a:solidFill>
+                          <a:schemeClr val="bg1">
+                            <a:lumMod val="50000"/>
+                          </a:schemeClr>
+                        </a:solidFill>
+                        <a:effectLst/>
+                        <a:latin typeface="Calibri" panose="020F0502020204030204" pitchFamily="34" charset="0"/>
+                      </a:endParaRPr>
+                    </a:p>
+                  </a:txBody>
+                  <a:tcPr marL="7620" marR="7620" marT="7620" marB="0" anchor="ctr">
+                    <a:lnL w="12700" cap="flat" cmpd="sng" algn="ctr">
+                      <a:solidFill>
+                        <a:srgbClr val="FFFFFF"/>
+                      </a:solidFill>
+                      <a:prstDash val="solid"/>
+                      <a:round/>
+                      <a:headEnd type="none" w="med" len="med"/>
+                      <a:tailEnd type="none" w="med" len="med"/>
+                    </a:lnL>
+                    <a:lnR w="12700" cap="flat" cmpd="sng" algn="ctr">
+                      <a:solidFill>
+                        <a:srgbClr val="FFFFFF"/>
+                      </a:solidFill>
+                      <a:prstDash val="solid"/>
+                      <a:round/>
+                      <a:headEnd type="none" w="med" len="med"/>
+                      <a:tailEnd type="none" w="med" len="med"/>
+                    </a:lnR>
+                    <a:lnT w="19050" cap="flat" cmpd="sng" algn="ctr">
+                      <a:solidFill>
+                        <a:srgbClr val="FFFFFF"/>
+                      </a:solidFill>
+                      <a:prstDash val="solid"/>
+                      <a:round/>
+                      <a:headEnd type="none" w="med" len="med"/>
+                      <a:tailEnd type="none" w="med" len="med"/>
+                    </a:lnT>
+                    <a:lnB w="12700" cap="flat" cmpd="sng" algn="ctr">
+                      <a:solidFill>
+                        <a:srgbClr val="FFFFFF"/>
+                      </a:solidFill>
+                      <a:prstDash val="solid"/>
+                      <a:round/>
+                      <a:headEnd type="none" w="med" len="med"/>
+                      <a:tailEnd type="none" w="med" len="med"/>
+                    </a:lnB>
+                    <a:solidFill>
+                      <a:srgbClr val="E1E1E1"/>
+                    </a:solidFill>
+                  </a:tcPr>
+                </a:tc>
+                <a:extLst>
+                  <a:ext uri="{0D108BD9-81ED-4DB2-BD59-A6C34878D82A}">
+                    <a16:rowId xmlns:a16="http://schemas.microsoft.com/office/drawing/2014/main" val="1628911026"/>
+                  </a:ext>
+                </a:extLst>
+              </a:tr>
+              <a:tr h="255246">
+                <a:tc>
+                  <a:txBody>
+                    <a:bodyPr/>
+                    <a:lstStyle/>
+                    <a:p>
+                      <a:pPr algn="ctr" rtl="0" fontAlgn="ctr"/>
+                      <a:r>
+                        <a:rPr lang="en-US" sz="1300" b="0" i="0" u="none" strike="noStrike">
+                          <a:solidFill>
+                            <a:srgbClr val="000000"/>
+                          </a:solidFill>
+                          <a:effectLst/>
+                          <a:latin typeface="Calibri" panose="020F0502020204030204" pitchFamily="34" charset="0"/>
+                        </a:rPr>
+                        <a:t>Test</a:t>
+                      </a:r>
+                    </a:p>
+                  </a:txBody>
+                  <a:tcPr marL="7620" marR="7620" marT="7620" marB="0" anchor="ctr">
+                    <a:lnL w="12700" cap="flat" cmpd="sng" algn="ctr">
+                      <a:solidFill>
+                        <a:srgbClr val="FFFFFF"/>
+                      </a:solidFill>
+                      <a:prstDash val="solid"/>
+                      <a:round/>
+                      <a:headEnd type="none" w="med" len="med"/>
+                      <a:tailEnd type="none" w="med" len="med"/>
+                    </a:lnL>
+                    <a:lnR w="12700" cap="flat" cmpd="sng" algn="ctr">
+                      <a:solidFill>
+                        <a:srgbClr val="FFFFFF"/>
+                      </a:solidFill>
+                      <a:prstDash val="solid"/>
+                      <a:round/>
+                      <a:headEnd type="none" w="med" len="med"/>
+                      <a:tailEnd type="none" w="med" len="med"/>
+                    </a:lnR>
+                    <a:lnT w="12700" cap="flat" cmpd="sng" algn="ctr">
+                      <a:solidFill>
+                        <a:srgbClr val="FFFFFF"/>
+                      </a:solidFill>
+                      <a:prstDash val="solid"/>
+                      <a:round/>
+                      <a:headEnd type="none" w="med" len="med"/>
+                      <a:tailEnd type="none" w="med" len="med"/>
+                    </a:lnT>
+                    <a:lnB w="12700" cap="flat" cmpd="sng" algn="ctr">
+                      <a:solidFill>
+                        <a:srgbClr val="FFFFFF"/>
+                      </a:solidFill>
+                      <a:prstDash val="solid"/>
+                      <a:round/>
+                      <a:headEnd type="none" w="med" len="med"/>
+                      <a:tailEnd type="none" w="med" len="med"/>
+                    </a:lnB>
+                    <a:solidFill>
+                      <a:srgbClr val="F0F0F0"/>
+                    </a:solidFill>
+                  </a:tcPr>
+                </a:tc>
+                <a:tc>
+                  <a:txBody>
+                    <a:bodyPr/>
+                    <a:lstStyle/>
+                    <a:p>
+                      <a:pPr algn="ctr" rtl="0" fontAlgn="ctr"/>
+                      <a:r>
+                        <a:rPr lang="en-US" sz="1200" dirty="0">
+                          <a:solidFill>
+                            <a:schemeClr val="bg1">
+                              <a:lumMod val="50000"/>
+                            </a:schemeClr>
+                          </a:solidFill>
+                        </a:rPr>
+                        <a:t>0.880</a:t>
+                      </a:r>
+                      <a:endParaRPr lang="en-US" sz="1300" b="0" i="0" u="none" strike="noStrike" dirty="0">
+                        <a:solidFill>
+                          <a:schemeClr val="bg1">
+                            <a:lumMod val="50000"/>
+                          </a:schemeClr>
+                        </a:solidFill>
+                        <a:effectLst/>
+                        <a:latin typeface="Calibri" panose="020F0502020204030204" pitchFamily="34" charset="0"/>
+                      </a:endParaRPr>
+                    </a:p>
+                  </a:txBody>
+                  <a:tcPr marL="7620" marR="7620" marT="7620" marB="0" anchor="ctr">
+                    <a:lnL w="12700" cap="flat" cmpd="sng" algn="ctr">
+                      <a:solidFill>
+                        <a:srgbClr val="FFFFFF"/>
+                      </a:solidFill>
+                      <a:prstDash val="solid"/>
+                      <a:round/>
+                      <a:headEnd type="none" w="med" len="med"/>
+                      <a:tailEnd type="none" w="med" len="med"/>
+                    </a:lnL>
+                    <a:lnR w="12700" cap="flat" cmpd="sng" algn="ctr">
+                      <a:solidFill>
+                        <a:srgbClr val="FFFFFF"/>
+                      </a:solidFill>
+                      <a:prstDash val="solid"/>
+                      <a:round/>
+                      <a:headEnd type="none" w="med" len="med"/>
+                      <a:tailEnd type="none" w="med" len="med"/>
+                    </a:lnR>
+                    <a:lnT w="12700" cap="flat" cmpd="sng" algn="ctr">
+                      <a:solidFill>
+                        <a:srgbClr val="FFFFFF"/>
+                      </a:solidFill>
+                      <a:prstDash val="solid"/>
+                      <a:round/>
+                      <a:headEnd type="none" w="med" len="med"/>
+                      <a:tailEnd type="none" w="med" len="med"/>
+                    </a:lnT>
+                    <a:lnB w="12700" cap="flat" cmpd="sng" algn="ctr">
+                      <a:solidFill>
+                        <a:srgbClr val="FFFFFF"/>
+                      </a:solidFill>
+                      <a:prstDash val="solid"/>
+                      <a:round/>
+                      <a:headEnd type="none" w="med" len="med"/>
+                      <a:tailEnd type="none" w="med" len="med"/>
+                    </a:lnB>
+                    <a:solidFill>
+                      <a:srgbClr val="F0F0F0"/>
+                    </a:solidFill>
+                  </a:tcPr>
+                </a:tc>
+                <a:tc>
+                  <a:txBody>
+                    <a:bodyPr/>
+                    <a:lstStyle/>
+                    <a:p>
+                      <a:pPr algn="ctr" rtl="0" fontAlgn="ctr"/>
+                      <a:r>
+                        <a:rPr lang="en-US" sz="1200" dirty="0">
+                          <a:solidFill>
+                            <a:schemeClr val="bg1">
+                              <a:lumMod val="50000"/>
+                            </a:schemeClr>
+                          </a:solidFill>
+                        </a:rPr>
+                        <a:t>0.056</a:t>
+                      </a:r>
+                      <a:endParaRPr lang="en-US" sz="1300" b="0" i="0" u="none" strike="noStrike" dirty="0">
+                        <a:solidFill>
+                          <a:schemeClr val="bg1">
+                            <a:lumMod val="50000"/>
+                          </a:schemeClr>
+                        </a:solidFill>
+                        <a:effectLst/>
+                        <a:latin typeface="Calibri" panose="020F0502020204030204" pitchFamily="34" charset="0"/>
+                      </a:endParaRPr>
+                    </a:p>
+                  </a:txBody>
+                  <a:tcPr marL="7620" marR="7620" marT="7620" marB="0" anchor="ctr">
+                    <a:lnL w="12700" cap="flat" cmpd="sng" algn="ctr">
+                      <a:solidFill>
+                        <a:srgbClr val="FFFFFF"/>
+                      </a:solidFill>
+                      <a:prstDash val="solid"/>
+                      <a:round/>
+                      <a:headEnd type="none" w="med" len="med"/>
+                      <a:tailEnd type="none" w="med" len="med"/>
+                    </a:lnL>
+                    <a:lnR w="12700" cap="flat" cmpd="sng" algn="ctr">
+                      <a:solidFill>
+                        <a:srgbClr val="FFFFFF"/>
+                      </a:solidFill>
+                      <a:prstDash val="solid"/>
+                      <a:round/>
+                      <a:headEnd type="none" w="med" len="med"/>
+                      <a:tailEnd type="none" w="med" len="med"/>
+                    </a:lnR>
+                    <a:lnT w="12700" cap="flat" cmpd="sng" algn="ctr">
+                      <a:solidFill>
+                        <a:srgbClr val="FFFFFF"/>
+                      </a:solidFill>
+                      <a:prstDash val="solid"/>
+                      <a:round/>
+                      <a:headEnd type="none" w="med" len="med"/>
+                      <a:tailEnd type="none" w="med" len="med"/>
+                    </a:lnT>
+                    <a:lnB w="12700" cap="flat" cmpd="sng" algn="ctr">
+                      <a:solidFill>
+                        <a:srgbClr val="FFFFFF"/>
+                      </a:solidFill>
+                      <a:prstDash val="solid"/>
+                      <a:round/>
+                      <a:headEnd type="none" w="med" len="med"/>
+                      <a:tailEnd type="none" w="med" len="med"/>
+                    </a:lnB>
+                    <a:solidFill>
+                      <a:srgbClr val="F0F0F0"/>
+                    </a:solidFill>
+                  </a:tcPr>
+                </a:tc>
+                <a:extLst>
+                  <a:ext uri="{0D108BD9-81ED-4DB2-BD59-A6C34878D82A}">
+                    <a16:rowId xmlns:a16="http://schemas.microsoft.com/office/drawing/2014/main" val="1501972191"/>
+                  </a:ext>
+                </a:extLst>
+              </a:tr>
+            </a:tbl>
+          </a:graphicData>
+        </a:graphic>
+      </p:graphicFrame>
+      <p:sp>
+        <p:nvSpPr>
+          <p:cNvPr id="8" name="TextBox 7">
+            <a:extLst>
+              <a:ext uri="{FF2B5EF4-FFF2-40B4-BE49-F238E27FC236}">
+                <a16:creationId xmlns:a16="http://schemas.microsoft.com/office/drawing/2014/main" id="{26A2C942-D9B1-43AC-AF48-295BF86908B9}"/>
+              </a:ext>
+            </a:extLst>
+          </p:cNvPr>
+          <p:cNvSpPr txBox="1"/>
+          <p:nvPr/>
+        </p:nvSpPr>
+        <p:spPr>
+          <a:xfrm>
+            <a:off x="80691" y="2025625"/>
+            <a:ext cx="6251097" cy="1523174"/>
+          </a:xfrm>
+          <a:prstGeom prst="rect">
+            <a:avLst/>
+          </a:prstGeom>
+          <a:noFill/>
+          <a:ln>
+            <a:solidFill>
+              <a:schemeClr val="tx1">
+                <a:lumMod val="50000"/>
+                <a:lumOff val="50000"/>
+              </a:schemeClr>
+            </a:solidFill>
+            <a:prstDash val="dash"/>
+          </a:ln>
+        </p:spPr>
+        <p:txBody>
+          <a:bodyPr wrap="square" rtlCol="0">
+            <a:spAutoFit/>
+          </a:bodyPr>
+          <a:lstStyle/>
+          <a:p>
+            <a:pPr>
+              <a:lnSpc>
+                <a:spcPct val="150000"/>
+              </a:lnSpc>
+            </a:pPr>
+            <a:r>
+              <a:rPr lang="en-IN" sz="1300" dirty="0">
+                <a:solidFill>
+                  <a:schemeClr val="bg1">
+                    <a:lumMod val="50000"/>
+                  </a:schemeClr>
+                </a:solidFill>
+                <a:latin typeface="+mn-lt"/>
+                <a:sym typeface="Average"/>
+              </a:rPr>
+              <a:t>Pros</a:t>
+            </a:r>
+          </a:p>
+          <a:p>
+            <a:pPr marL="285750" indent="-285750" algn="just">
+              <a:lnSpc>
+                <a:spcPct val="115000"/>
+              </a:lnSpc>
+              <a:buClr>
+                <a:schemeClr val="bg1"/>
+              </a:buClr>
+              <a:buSzPts val="1800"/>
+              <a:buFont typeface="Wingdings" pitchFamily="2" charset="2"/>
+              <a:buChar char="§"/>
+            </a:pPr>
+            <a:r>
+              <a:rPr lang="en-US" sz="1300" dirty="0">
+                <a:solidFill>
+                  <a:schemeClr val="bg1">
+                    <a:lumMod val="50000"/>
+                  </a:schemeClr>
+                </a:solidFill>
+                <a:latin typeface="+mn-lt"/>
+                <a:sym typeface="Average"/>
+              </a:rPr>
+              <a:t>Hybrid matrix factorization model represents users and items as linear combinations of their content features’ latent factors</a:t>
+            </a:r>
+            <a:endParaRPr lang="en-IN" sz="1300" dirty="0">
+              <a:solidFill>
+                <a:schemeClr val="bg1">
+                  <a:lumMod val="50000"/>
+                </a:schemeClr>
+              </a:solidFill>
+              <a:latin typeface="+mn-lt"/>
+              <a:sym typeface="Average"/>
+            </a:endParaRPr>
+          </a:p>
+          <a:p>
+            <a:pPr marL="285750" indent="-285750" algn="just">
+              <a:lnSpc>
+                <a:spcPct val="115000"/>
+              </a:lnSpc>
+              <a:buClr>
+                <a:schemeClr val="bg1"/>
+              </a:buClr>
+              <a:buSzPts val="1800"/>
+              <a:buFont typeface="Wingdings" pitchFamily="2" charset="2"/>
+              <a:buChar char="§"/>
+            </a:pPr>
+            <a:r>
+              <a:rPr lang="en-IN" sz="1300" dirty="0">
+                <a:solidFill>
+                  <a:schemeClr val="bg1">
+                    <a:lumMod val="50000"/>
+                  </a:schemeClr>
+                </a:solidFill>
+                <a:latin typeface="+mn-lt"/>
+                <a:sym typeface="Average"/>
+              </a:rPr>
+              <a:t>Able to Handle sparse data.</a:t>
+            </a:r>
+          </a:p>
+          <a:p>
+            <a:pPr marL="285750" indent="-285750" algn="just">
+              <a:lnSpc>
+                <a:spcPct val="115000"/>
+              </a:lnSpc>
+              <a:buClr>
+                <a:schemeClr val="bg1"/>
+              </a:buClr>
+              <a:buSzPts val="1800"/>
+              <a:buFont typeface="Wingdings" pitchFamily="2" charset="2"/>
+              <a:buChar char="§"/>
+            </a:pPr>
+            <a:r>
+              <a:rPr lang="en-US" sz="1300" dirty="0">
+                <a:solidFill>
+                  <a:schemeClr val="bg1">
+                    <a:lumMod val="50000"/>
+                  </a:schemeClr>
+                </a:solidFill>
+                <a:latin typeface="+mn-lt"/>
+                <a:sym typeface="Average"/>
+              </a:rPr>
+              <a:t>The model outperforms both collaborative and content-based models in cold-start or sparse interaction data scenarios. </a:t>
+            </a:r>
+            <a:endParaRPr lang="en-IN" sz="1300" dirty="0">
+              <a:solidFill>
+                <a:schemeClr val="bg1">
+                  <a:lumMod val="50000"/>
+                </a:schemeClr>
+              </a:solidFill>
+              <a:latin typeface="+mn-lt"/>
+              <a:sym typeface="Average"/>
+            </a:endParaRPr>
+          </a:p>
+        </p:txBody>
+      </p:sp>
+      <p:sp>
+        <p:nvSpPr>
+          <p:cNvPr id="9" name="TextBox 8">
+            <a:extLst>
+              <a:ext uri="{FF2B5EF4-FFF2-40B4-BE49-F238E27FC236}">
+                <a16:creationId xmlns:a16="http://schemas.microsoft.com/office/drawing/2014/main" id="{84234B43-CA09-45DB-A908-26CDD3477D56}"/>
+              </a:ext>
+            </a:extLst>
+          </p:cNvPr>
+          <p:cNvSpPr txBox="1"/>
+          <p:nvPr/>
+        </p:nvSpPr>
+        <p:spPr>
+          <a:xfrm>
+            <a:off x="80691" y="3695207"/>
+            <a:ext cx="6656538" cy="832985"/>
+          </a:xfrm>
+          <a:prstGeom prst="rect">
+            <a:avLst/>
+          </a:prstGeom>
+          <a:noFill/>
+          <a:ln>
+            <a:solidFill>
+              <a:schemeClr val="tx1">
+                <a:lumMod val="50000"/>
+                <a:lumOff val="50000"/>
+              </a:schemeClr>
+            </a:solidFill>
+            <a:prstDash val="dash"/>
+          </a:ln>
+        </p:spPr>
+        <p:txBody>
+          <a:bodyPr wrap="square" rtlCol="0">
+            <a:spAutoFit/>
+          </a:bodyPr>
+          <a:lstStyle/>
+          <a:p>
+            <a:pPr>
+              <a:lnSpc>
+                <a:spcPct val="150000"/>
+              </a:lnSpc>
+            </a:pPr>
+            <a:r>
+              <a:rPr lang="en-IN" sz="1300" dirty="0">
+                <a:solidFill>
+                  <a:schemeClr val="bg1">
+                    <a:lumMod val="50000"/>
+                  </a:schemeClr>
+                </a:solidFill>
+                <a:latin typeface="+mn-lt"/>
+                <a:sym typeface="Average"/>
+              </a:rPr>
+              <a:t>Cons</a:t>
+            </a:r>
+          </a:p>
+          <a:p>
+            <a:pPr marL="285750" lvl="1" indent="-285750" algn="just">
+              <a:lnSpc>
+                <a:spcPct val="115000"/>
+              </a:lnSpc>
+              <a:buClr>
+                <a:schemeClr val="bg1"/>
+              </a:buClr>
+              <a:buSzPts val="1800"/>
+              <a:buFont typeface="Wingdings" pitchFamily="2" charset="2"/>
+              <a:buChar char="§"/>
+            </a:pPr>
+            <a:r>
+              <a:rPr lang="en-IN" sz="1300" dirty="0">
+                <a:solidFill>
+                  <a:schemeClr val="bg1">
+                    <a:lumMod val="50000"/>
+                  </a:schemeClr>
+                </a:solidFill>
+                <a:latin typeface="+mn-lt"/>
+                <a:sym typeface="Average"/>
+              </a:rPr>
+              <a:t>Increased processing time</a:t>
+            </a:r>
+          </a:p>
+          <a:p>
+            <a:pPr marL="285750" lvl="1" indent="-285750" algn="just">
+              <a:lnSpc>
+                <a:spcPct val="115000"/>
+              </a:lnSpc>
+              <a:buClr>
+                <a:schemeClr val="bg1"/>
+              </a:buClr>
+              <a:buSzPts val="1800"/>
+              <a:buFont typeface="Wingdings" pitchFamily="2" charset="2"/>
+              <a:buChar char="§"/>
+            </a:pPr>
+            <a:r>
+              <a:rPr lang="en-IN" sz="1300" dirty="0">
+                <a:solidFill>
+                  <a:schemeClr val="bg1">
+                    <a:lumMod val="50000"/>
+                  </a:schemeClr>
+                </a:solidFill>
+                <a:latin typeface="+mn-lt"/>
+                <a:sym typeface="Average"/>
+              </a:rPr>
+              <a:t>Overfitting </a:t>
+            </a:r>
+          </a:p>
+        </p:txBody>
+      </p:sp>
+    </p:spTree>
+    <p:extLst>
+      <p:ext uri="{BB962C8B-B14F-4D97-AF65-F5344CB8AC3E}">
+        <p14:creationId xmlns:p14="http://schemas.microsoft.com/office/powerpoint/2010/main" val="170490273"/>
+      </p:ext>
+    </p:extLst>
+  </p:cSld>
+  <p:clrMapOvr>
+    <a:masterClrMapping/>
+  </p:clrMapOvr>
+</p:sld>
+</file>
+
+<file path=ppt/slides/slide18.xml><?xml version="1.0" encoding="utf-8"?>
 <p:sld xmlns:a="http://schemas.openxmlformats.org/drawingml/2006/main" xmlns:r="http://schemas.openxmlformats.org/officeDocument/2006/relationships" xmlns:p="http://schemas.openxmlformats.org/presentationml/2006/main">
   <p:cSld>
     <p:spTree>
@@ -13659,14 +15940,14 @@
               <a:buNone/>
             </a:pPr>
             <a:r>
-              <a:rPr lang="en-US">
+              <a:rPr lang="en-US" dirty="0">
                 <a:solidFill>
                   <a:srgbClr val="000000"/>
                 </a:solidFill>
               </a:rPr>
-              <a:t>Model</a:t>
+              <a:t>Models</a:t>
             </a:r>
-            <a:endParaRPr>
+            <a:endParaRPr dirty="0">
               <a:solidFill>
                 <a:srgbClr val="000000"/>
               </a:solidFill>
@@ -13686,7 +15967,7 @@
         </p:nvSpPr>
         <p:spPr>
           <a:xfrm>
-            <a:off x="311700" y="1152475"/>
+            <a:off x="69011" y="770996"/>
             <a:ext cx="8520600" cy="3416400"/>
           </a:xfrm>
           <a:prstGeom prst="rect">
@@ -13708,7 +15989,371 @@
               </a:spcAft>
               <a:buNone/>
             </a:pPr>
-            <a:endParaRPr/>
+            <a:r>
+              <a:rPr lang="en-US" sz="1300" b="1" u="sng" dirty="0">
+                <a:solidFill>
+                  <a:schemeClr val="bg1">
+                    <a:lumMod val="50000"/>
+                  </a:schemeClr>
+                </a:solidFill>
+                <a:latin typeface="+mn-lt"/>
+              </a:rPr>
+              <a:t>Collaborative Filtering</a:t>
+            </a:r>
+            <a:r>
+              <a:rPr lang="en-US" sz="1300" dirty="0">
+                <a:solidFill>
+                  <a:schemeClr val="bg1">
+                    <a:lumMod val="50000"/>
+                  </a:schemeClr>
+                </a:solidFill>
+                <a:latin typeface="+mn-lt"/>
+              </a:rPr>
+              <a:t>:-</a:t>
+            </a:r>
+          </a:p>
+          <a:p>
+            <a:pPr marL="342900" lvl="0" algn="l" rtl="0">
+              <a:spcBef>
+                <a:spcPts val="0"/>
+              </a:spcBef>
+              <a:spcAft>
+                <a:spcPts val="0"/>
+              </a:spcAft>
+              <a:buClr>
+                <a:schemeClr val="accent6">
+                  <a:lumMod val="10000"/>
+                </a:schemeClr>
+              </a:buClr>
+              <a:buFont typeface="Wingdings" pitchFamily="2" charset="2"/>
+              <a:buChar char="§"/>
+            </a:pPr>
+            <a:r>
+              <a:rPr lang="en-US" sz="1300" dirty="0">
+                <a:solidFill>
+                  <a:schemeClr val="bg1">
+                    <a:lumMod val="50000"/>
+                  </a:schemeClr>
+                </a:solidFill>
+                <a:latin typeface="+mn-lt"/>
+              </a:rPr>
+              <a:t>Collaborative filtering incorporates matrix factorization and looks at user/item interactions (visits)and tries to find similarities among the users and items.</a:t>
+            </a:r>
+          </a:p>
+          <a:p>
+            <a:pPr marL="342900" lvl="0" algn="l" rtl="0">
+              <a:spcBef>
+                <a:spcPts val="0"/>
+              </a:spcBef>
+              <a:spcAft>
+                <a:spcPts val="0"/>
+              </a:spcAft>
+              <a:buClr>
+                <a:schemeClr val="accent6">
+                  <a:lumMod val="10000"/>
+                </a:schemeClr>
+              </a:buClr>
+              <a:buFont typeface="Wingdings" pitchFamily="2" charset="2"/>
+              <a:buChar char="§"/>
+            </a:pPr>
+            <a:r>
+              <a:rPr lang="en-US" sz="1300" dirty="0">
+                <a:solidFill>
+                  <a:schemeClr val="bg1">
+                    <a:lumMod val="50000"/>
+                  </a:schemeClr>
+                </a:solidFill>
+                <a:latin typeface="+mn-lt"/>
+              </a:rPr>
+              <a:t>Since it sees the interaction between users and items, it opens up new options for users to select from unlike content-based filtering.</a:t>
+            </a:r>
+          </a:p>
+          <a:p>
+            <a:pPr marL="342900" lvl="0" algn="l" rtl="0">
+              <a:spcBef>
+                <a:spcPts val="0"/>
+              </a:spcBef>
+              <a:spcAft>
+                <a:spcPts val="0"/>
+              </a:spcAft>
+              <a:buClr>
+                <a:schemeClr val="accent6">
+                  <a:lumMod val="10000"/>
+                </a:schemeClr>
+              </a:buClr>
+              <a:buFont typeface="Wingdings" pitchFamily="2" charset="2"/>
+              <a:buChar char="§"/>
+            </a:pPr>
+            <a:endParaRPr lang="en-US" sz="1300" dirty="0">
+              <a:solidFill>
+                <a:schemeClr val="bg1">
+                  <a:lumMod val="50000"/>
+                </a:schemeClr>
+              </a:solidFill>
+              <a:latin typeface="+mn-lt"/>
+            </a:endParaRPr>
+          </a:p>
+          <a:p>
+            <a:pPr marL="0" lvl="0" indent="0" algn="l" rtl="0">
+              <a:spcBef>
+                <a:spcPts val="0"/>
+              </a:spcBef>
+              <a:spcAft>
+                <a:spcPts val="0"/>
+              </a:spcAft>
+              <a:buClr>
+                <a:schemeClr val="accent6">
+                  <a:lumMod val="10000"/>
+                </a:schemeClr>
+              </a:buClr>
+              <a:buNone/>
+            </a:pPr>
+            <a:r>
+              <a:rPr lang="en-US" sz="1300" dirty="0">
+                <a:solidFill>
+                  <a:schemeClr val="bg1">
+                    <a:lumMod val="50000"/>
+                  </a:schemeClr>
+                </a:solidFill>
+                <a:latin typeface="+mn-lt"/>
+              </a:rPr>
+              <a:t>Pros:-</a:t>
+            </a:r>
+          </a:p>
+          <a:p>
+            <a:pPr marL="285750" lvl="0" indent="-285750" algn="l" rtl="0">
+              <a:spcBef>
+                <a:spcPts val="0"/>
+              </a:spcBef>
+              <a:spcAft>
+                <a:spcPts val="0"/>
+              </a:spcAft>
+              <a:buClr>
+                <a:schemeClr val="accent6">
+                  <a:lumMod val="10000"/>
+                </a:schemeClr>
+              </a:buClr>
+              <a:buFont typeface="Wingdings" pitchFamily="2" charset="2"/>
+              <a:buChar char="§"/>
+            </a:pPr>
+            <a:r>
+              <a:rPr lang="en-US" sz="1300" dirty="0">
+                <a:solidFill>
+                  <a:schemeClr val="bg1">
+                    <a:lumMod val="50000"/>
+                  </a:schemeClr>
+                </a:solidFill>
+                <a:latin typeface="+mn-lt"/>
+              </a:rPr>
+              <a:t>Checks user/item interaction matrix and helps finds new options for users unlike content based which recommends on the basis of user’s past history.</a:t>
+            </a:r>
+          </a:p>
+          <a:p>
+            <a:pPr marL="285750" lvl="0" indent="-285750" algn="l" rtl="0">
+              <a:spcBef>
+                <a:spcPts val="0"/>
+              </a:spcBef>
+              <a:spcAft>
+                <a:spcPts val="0"/>
+              </a:spcAft>
+              <a:buClr>
+                <a:schemeClr val="accent6">
+                  <a:lumMod val="10000"/>
+                </a:schemeClr>
+              </a:buClr>
+              <a:buFont typeface="Wingdings" pitchFamily="2" charset="2"/>
+              <a:buChar char="§"/>
+            </a:pPr>
+            <a:r>
+              <a:rPr lang="en-US" sz="1300" dirty="0">
+                <a:solidFill>
+                  <a:schemeClr val="bg1">
+                    <a:lumMod val="50000"/>
+                  </a:schemeClr>
+                </a:solidFill>
+                <a:latin typeface="+mn-lt"/>
+              </a:rPr>
+              <a:t>No domain knowledge necessary as the embeddings are automatically learned.</a:t>
+            </a:r>
+          </a:p>
+          <a:p>
+            <a:pPr marL="285750" lvl="0" indent="-285750" algn="l" rtl="0">
+              <a:spcBef>
+                <a:spcPts val="0"/>
+              </a:spcBef>
+              <a:spcAft>
+                <a:spcPts val="0"/>
+              </a:spcAft>
+              <a:buClr>
+                <a:schemeClr val="accent6">
+                  <a:lumMod val="10000"/>
+                </a:schemeClr>
+              </a:buClr>
+              <a:buFont typeface="Wingdings" pitchFamily="2" charset="2"/>
+              <a:buChar char="§"/>
+            </a:pPr>
+            <a:endParaRPr lang="en-US" sz="1300" dirty="0">
+              <a:solidFill>
+                <a:schemeClr val="bg1">
+                  <a:lumMod val="50000"/>
+                </a:schemeClr>
+              </a:solidFill>
+              <a:latin typeface="+mn-lt"/>
+            </a:endParaRPr>
+          </a:p>
+          <a:p>
+            <a:pPr marL="0" lvl="0" indent="0" algn="l" rtl="0">
+              <a:spcBef>
+                <a:spcPts val="0"/>
+              </a:spcBef>
+              <a:spcAft>
+                <a:spcPts val="0"/>
+              </a:spcAft>
+              <a:buClr>
+                <a:schemeClr val="accent6">
+                  <a:lumMod val="10000"/>
+                </a:schemeClr>
+              </a:buClr>
+              <a:buNone/>
+            </a:pPr>
+            <a:r>
+              <a:rPr lang="en-US" sz="1300" dirty="0">
+                <a:solidFill>
+                  <a:schemeClr val="bg1">
+                    <a:lumMod val="50000"/>
+                  </a:schemeClr>
+                </a:solidFill>
+                <a:latin typeface="+mn-lt"/>
+              </a:rPr>
+              <a:t>Cons:-</a:t>
+            </a:r>
+          </a:p>
+          <a:p>
+            <a:pPr marL="342900" lvl="0" algn="l" rtl="0">
+              <a:spcBef>
+                <a:spcPts val="0"/>
+              </a:spcBef>
+              <a:spcAft>
+                <a:spcPts val="0"/>
+              </a:spcAft>
+              <a:buClr>
+                <a:schemeClr val="accent6">
+                  <a:lumMod val="10000"/>
+                </a:schemeClr>
+              </a:buClr>
+              <a:buFont typeface="Wingdings" pitchFamily="2" charset="2"/>
+              <a:buChar char="§"/>
+            </a:pPr>
+            <a:r>
+              <a:rPr lang="en-US" sz="1300" dirty="0">
+                <a:solidFill>
+                  <a:schemeClr val="bg1">
+                    <a:lumMod val="50000"/>
+                  </a:schemeClr>
+                </a:solidFill>
+                <a:latin typeface="+mn-lt"/>
+              </a:rPr>
+              <a:t>Cannot handle new items</a:t>
+            </a:r>
+          </a:p>
+          <a:p>
+            <a:pPr marL="342900" lvl="0" algn="l" rtl="0">
+              <a:spcBef>
+                <a:spcPts val="0"/>
+              </a:spcBef>
+              <a:spcAft>
+                <a:spcPts val="0"/>
+              </a:spcAft>
+              <a:buClr>
+                <a:schemeClr val="accent6">
+                  <a:lumMod val="10000"/>
+                </a:schemeClr>
+              </a:buClr>
+              <a:buFont typeface="Wingdings" pitchFamily="2" charset="2"/>
+              <a:buChar char="§"/>
+            </a:pPr>
+            <a:r>
+              <a:rPr lang="en-US" sz="1300" dirty="0">
+                <a:solidFill>
+                  <a:schemeClr val="bg1">
+                    <a:lumMod val="50000"/>
+                  </a:schemeClr>
+                </a:solidFill>
+                <a:latin typeface="+mn-lt"/>
+              </a:rPr>
+              <a:t>Suffers from sparse interaction matrix between users and items.</a:t>
+            </a:r>
+          </a:p>
+          <a:p>
+            <a:pPr marL="342900" lvl="0" algn="l" rtl="0">
+              <a:spcBef>
+                <a:spcPts val="0"/>
+              </a:spcBef>
+              <a:spcAft>
+                <a:spcPts val="0"/>
+              </a:spcAft>
+              <a:buClr>
+                <a:schemeClr val="accent6">
+                  <a:lumMod val="10000"/>
+                </a:schemeClr>
+              </a:buClr>
+              <a:buFont typeface="Wingdings" pitchFamily="2" charset="2"/>
+              <a:buChar char="§"/>
+            </a:pPr>
+            <a:endParaRPr lang="en-US" dirty="0">
+              <a:solidFill>
+                <a:schemeClr val="bg1">
+                  <a:lumMod val="50000"/>
+                </a:schemeClr>
+              </a:solidFill>
+            </a:endParaRPr>
+          </a:p>
+          <a:p>
+            <a:pPr marL="0" lvl="0" indent="0" algn="l" rtl="0">
+              <a:spcBef>
+                <a:spcPts val="0"/>
+              </a:spcBef>
+              <a:spcAft>
+                <a:spcPts val="0"/>
+              </a:spcAft>
+              <a:buClr>
+                <a:schemeClr val="accent6">
+                  <a:lumMod val="10000"/>
+                </a:schemeClr>
+              </a:buClr>
+              <a:buNone/>
+            </a:pPr>
+            <a:endParaRPr lang="en-US" dirty="0">
+              <a:solidFill>
+                <a:schemeClr val="bg1">
+                  <a:lumMod val="50000"/>
+                </a:schemeClr>
+              </a:solidFill>
+            </a:endParaRPr>
+          </a:p>
+          <a:p>
+            <a:pPr marL="342900" lvl="0" algn="l" rtl="0">
+              <a:spcBef>
+                <a:spcPts val="0"/>
+              </a:spcBef>
+              <a:spcAft>
+                <a:spcPts val="0"/>
+              </a:spcAft>
+              <a:buClr>
+                <a:schemeClr val="accent6">
+                  <a:lumMod val="10000"/>
+                </a:schemeClr>
+              </a:buClr>
+              <a:buFont typeface="Wingdings" pitchFamily="2" charset="2"/>
+              <a:buChar char="§"/>
+            </a:pPr>
+            <a:endParaRPr dirty="0">
+              <a:solidFill>
+                <a:schemeClr val="bg1">
+                  <a:lumMod val="50000"/>
+                </a:schemeClr>
+              </a:solidFill>
+            </a:endParaRPr>
           </a:p>
         </p:txBody>
       </p:sp>
@@ -13720,7 +16365,7 @@
 </p:sld>
 </file>
 
-<file path=ppt/slides/slide18.xml><?xml version="1.0" encoding="utf-8"?>
+<file path=ppt/slides/slide19.xml><?xml version="1.0" encoding="utf-8"?>
 <p:sld xmlns:a="http://schemas.openxmlformats.org/drawingml/2006/main" xmlns:r="http://schemas.openxmlformats.org/officeDocument/2006/relationships" xmlns:p="http://schemas.openxmlformats.org/presentationml/2006/main">
   <p:cSld>
     <p:spTree>
@@ -13772,14 +16417,14 @@
               <a:buNone/>
             </a:pPr>
             <a:r>
-              <a:rPr lang="en-US">
+              <a:rPr lang="en-US" dirty="0">
                 <a:solidFill>
                   <a:srgbClr val="000000"/>
                 </a:solidFill>
               </a:rPr>
-              <a:t>Model</a:t>
+              <a:t>Models</a:t>
             </a:r>
-            <a:endParaRPr>
+            <a:endParaRPr dirty="0">
               <a:solidFill>
                 <a:srgbClr val="000000"/>
               </a:solidFill>
@@ -13795,7 +16440,7 @@
               </a:spcAft>
               <a:buNone/>
             </a:pPr>
-            <a:endParaRPr/>
+            <a:endParaRPr dirty="0"/>
           </a:p>
         </p:txBody>
       </p:sp>
@@ -13833,128 +16478,82 @@
               </a:spcAft>
               <a:buNone/>
             </a:pPr>
-            <a:endParaRPr/>
-          </a:p>
-        </p:txBody>
-      </p:sp>
-    </p:spTree>
-  </p:cSld>
-  <p:clrMapOvr>
-    <a:masterClrMapping/>
-  </p:clrMapOvr>
-</p:sld>
-</file>
-
-<file path=ppt/slides/slide19.xml><?xml version="1.0" encoding="utf-8"?>
-<p:sld xmlns:a="http://schemas.openxmlformats.org/drawingml/2006/main" xmlns:r="http://schemas.openxmlformats.org/officeDocument/2006/relationships" xmlns:p="http://schemas.openxmlformats.org/presentationml/2006/main">
-  <p:cSld>
-    <p:spTree>
-      <p:nvGrpSpPr>
-        <p:cNvPr id="1" name="Shape 166"/>
-        <p:cNvGrpSpPr/>
-        <p:nvPr/>
-      </p:nvGrpSpPr>
-      <p:grpSpPr>
-        <a:xfrm>
-          <a:off x="0" y="0"/>
-          <a:ext cx="0" cy="0"/>
-          <a:chOff x="0" y="0"/>
-          <a:chExt cx="0" cy="0"/>
-        </a:xfrm>
-      </p:grpSpPr>
-      <p:sp>
-        <p:nvSpPr>
-          <p:cNvPr id="167" name="Google Shape;167;g83f00c33ef_0_22"/>
-          <p:cNvSpPr txBox="1">
-            <a:spLocks noGrp="1"/>
-          </p:cNvSpPr>
-          <p:nvPr>
-            <p:ph type="title"/>
-          </p:nvPr>
-        </p:nvSpPr>
-        <p:spPr>
-          <a:xfrm>
-            <a:off x="0" y="-12"/>
-            <a:ext cx="1584900" cy="572700"/>
-          </a:xfrm>
-          <a:prstGeom prst="rect">
-            <a:avLst/>
-          </a:prstGeom>
-        </p:spPr>
-        <p:txBody>
-          <a:bodyPr spcFirstLastPara="1" wrap="square" lIns="91425" tIns="91425" rIns="91425" bIns="91425" anchor="t" anchorCtr="0">
-            <a:noAutofit/>
-          </a:bodyPr>
-          <a:lstStyle/>
-          <a:p>
-            <a:pPr marL="0" lvl="0" indent="0" algn="l" rtl="0">
-              <a:spcBef>
-                <a:spcPts val="0"/>
-              </a:spcBef>
-              <a:spcAft>
-                <a:spcPts val="0"/>
-              </a:spcAft>
-              <a:buNone/>
+            <a:r>
+              <a:rPr lang="en-US" b="1" dirty="0">
+                <a:solidFill>
+                  <a:schemeClr val="bg1"/>
+                </a:solidFill>
+                <a:latin typeface="+mn-lt"/>
+              </a:rPr>
+              <a:t>But what if it is a new user?</a:t>
+            </a:r>
+          </a:p>
+          <a:p>
+            <a:pPr marL="285750" lvl="0" indent="-285750" algn="l" rtl="0">
+              <a:spcBef>
+                <a:spcPts val="0"/>
+              </a:spcBef>
+              <a:spcAft>
+                <a:spcPts val="0"/>
+              </a:spcAft>
+              <a:buClr>
+                <a:schemeClr val="accent6">
+                  <a:lumMod val="10000"/>
+                </a:schemeClr>
+              </a:buClr>
+              <a:buFont typeface="Wingdings" pitchFamily="2" charset="2"/>
+              <a:buChar char="§"/>
             </a:pPr>
             <a:r>
+              <a:rPr lang="en-US" dirty="0">
+                <a:solidFill>
+                  <a:schemeClr val="bg1"/>
+                </a:solidFill>
+                <a:latin typeface="+mn-lt"/>
+              </a:rPr>
+              <a:t>New users would make the deployed model face “cold start” problem in which the user-item interaction matrix which the model use doesn’t have any data for the new user</a:t>
+            </a:r>
+          </a:p>
+          <a:p>
+            <a:pPr marL="285750" lvl="0" indent="-285750" algn="l" rtl="0">
+              <a:spcBef>
+                <a:spcPts val="0"/>
+              </a:spcBef>
+              <a:spcAft>
+                <a:spcPts val="0"/>
+              </a:spcAft>
+              <a:buClr>
+                <a:schemeClr val="accent6">
+                  <a:lumMod val="10000"/>
+                </a:schemeClr>
+              </a:buClr>
+              <a:buFont typeface="Wingdings" pitchFamily="2" charset="2"/>
+              <a:buChar char="§"/>
+            </a:pPr>
+            <a:r>
+              <a:rPr lang="en-US" dirty="0">
+                <a:solidFill>
+                  <a:schemeClr val="bg1"/>
+                </a:solidFill>
+                <a:latin typeface="+mn-lt"/>
+              </a:rPr>
+              <a:t>In this case, we created a different matrix factorization model using the user and item features and then get the new user’s parsed through which checks for its similarity with existing user and then recommends </a:t>
+            </a:r>
+            <a:r>
               <a:rPr lang="en-US">
                 <a:solidFill>
-                  <a:srgbClr val="000000"/>
-                </a:solidFill>
+                  <a:schemeClr val="bg1"/>
+                </a:solidFill>
+                <a:latin typeface="+mn-lt"/>
               </a:rPr>
-              <a:t>Results</a:t>
+              <a:t>restaurants.</a:t>
             </a:r>
-            <a:endParaRPr/>
-          </a:p>
-          <a:p>
-            <a:pPr marL="0" lvl="0" indent="0" algn="l" rtl="0">
-              <a:spcBef>
-                <a:spcPts val="0"/>
-              </a:spcBef>
-              <a:spcAft>
-                <a:spcPts val="0"/>
-              </a:spcAft>
-              <a:buNone/>
-            </a:pPr>
-            <a:endParaRPr/>
-          </a:p>
-        </p:txBody>
-      </p:sp>
-      <p:sp>
-        <p:nvSpPr>
-          <p:cNvPr id="168" name="Google Shape;168;g83f00c33ef_0_22"/>
-          <p:cNvSpPr txBox="1">
-            <a:spLocks noGrp="1"/>
-          </p:cNvSpPr>
-          <p:nvPr>
-            <p:ph type="body" idx="1"/>
-          </p:nvPr>
-        </p:nvSpPr>
-        <p:spPr>
-          <a:xfrm>
-            <a:off x="311700" y="1152475"/>
-            <a:ext cx="8520600" cy="3416400"/>
-          </a:xfrm>
-          <a:prstGeom prst="rect">
-            <a:avLst/>
-          </a:prstGeom>
-        </p:spPr>
-        <p:txBody>
-          <a:bodyPr spcFirstLastPara="1" wrap="square" lIns="91425" tIns="91425" rIns="91425" bIns="91425" anchor="t" anchorCtr="0">
-            <a:noAutofit/>
-          </a:bodyPr>
-          <a:lstStyle/>
-          <a:p>
-            <a:pPr marL="0" lvl="0" indent="0" algn="l" rtl="0">
-              <a:spcBef>
-                <a:spcPts val="0"/>
-              </a:spcBef>
-              <a:spcAft>
-                <a:spcPts val="0"/>
-              </a:spcAft>
-              <a:buNone/>
-            </a:pPr>
-            <a:endParaRPr/>
+            <a:endParaRPr lang="en-US" dirty="0">
+              <a:solidFill>
+                <a:schemeClr val="bg1"/>
+              </a:solidFill>
+              <a:latin typeface="+mn-lt"/>
+            </a:endParaRPr>
           </a:p>
         </p:txBody>
       </p:sp>
@@ -14262,6 +16861,252 @@
   <p:cSld>
     <p:spTree>
       <p:nvGrpSpPr>
+        <p:cNvPr id="1" name="Shape 160"/>
+        <p:cNvGrpSpPr/>
+        <p:nvPr/>
+      </p:nvGrpSpPr>
+      <p:grpSpPr>
+        <a:xfrm>
+          <a:off x="0" y="0"/>
+          <a:ext cx="0" cy="0"/>
+          <a:chOff x="0" y="0"/>
+          <a:chExt cx="0" cy="0"/>
+        </a:xfrm>
+      </p:grpSpPr>
+      <p:sp>
+        <p:nvSpPr>
+          <p:cNvPr id="161" name="Google Shape;161;g83f00c33ef_0_17"/>
+          <p:cNvSpPr txBox="1">
+            <a:spLocks noGrp="1"/>
+          </p:cNvSpPr>
+          <p:nvPr>
+            <p:ph type="title"/>
+          </p:nvPr>
+        </p:nvSpPr>
+        <p:spPr>
+          <a:xfrm>
+            <a:off x="0" y="2"/>
+            <a:ext cx="2927700" cy="684300"/>
+          </a:xfrm>
+          <a:prstGeom prst="rect">
+            <a:avLst/>
+          </a:prstGeom>
+        </p:spPr>
+        <p:txBody>
+          <a:bodyPr spcFirstLastPara="1" wrap="square" lIns="91425" tIns="91425" rIns="91425" bIns="91425" anchor="t" anchorCtr="0">
+            <a:noAutofit/>
+          </a:bodyPr>
+          <a:lstStyle/>
+          <a:p>
+            <a:pPr marL="0" lvl="0" indent="0" algn="l" rtl="0">
+              <a:spcBef>
+                <a:spcPts val="0"/>
+              </a:spcBef>
+              <a:spcAft>
+                <a:spcPts val="0"/>
+              </a:spcAft>
+              <a:buNone/>
+            </a:pPr>
+            <a:r>
+              <a:rPr lang="en-US">
+                <a:solidFill>
+                  <a:srgbClr val="000000"/>
+                </a:solidFill>
+              </a:rPr>
+              <a:t>Model</a:t>
+            </a:r>
+            <a:endParaRPr>
+              <a:solidFill>
+                <a:srgbClr val="000000"/>
+              </a:solidFill>
+            </a:endParaRPr>
+          </a:p>
+          <a:p>
+            <a:pPr marL="0" lvl="0" indent="0" algn="l" rtl="0">
+              <a:spcBef>
+                <a:spcPts val="0"/>
+              </a:spcBef>
+              <a:spcAft>
+                <a:spcPts val="0"/>
+              </a:spcAft>
+              <a:buNone/>
+            </a:pPr>
+            <a:endParaRPr/>
+          </a:p>
+        </p:txBody>
+      </p:sp>
+      <p:sp>
+        <p:nvSpPr>
+          <p:cNvPr id="162" name="Google Shape;162;g83f00c33ef_0_17"/>
+          <p:cNvSpPr txBox="1">
+            <a:spLocks noGrp="1"/>
+          </p:cNvSpPr>
+          <p:nvPr>
+            <p:ph type="body" idx="1"/>
+          </p:nvPr>
+        </p:nvSpPr>
+        <p:spPr>
+          <a:xfrm>
+            <a:off x="311700" y="1152475"/>
+            <a:ext cx="8520600" cy="3416400"/>
+          </a:xfrm>
+          <a:prstGeom prst="rect">
+            <a:avLst/>
+          </a:prstGeom>
+        </p:spPr>
+        <p:txBody>
+          <a:bodyPr spcFirstLastPara="1" wrap="square" lIns="91425" tIns="91425" rIns="91425" bIns="91425" anchor="t" anchorCtr="0">
+            <a:noAutofit/>
+          </a:bodyPr>
+          <a:lstStyle/>
+          <a:p>
+            <a:pPr marL="0" lvl="0" indent="0" algn="l" rtl="0">
+              <a:spcBef>
+                <a:spcPts val="0"/>
+              </a:spcBef>
+              <a:spcAft>
+                <a:spcPts val="0"/>
+              </a:spcAft>
+              <a:buNone/>
+            </a:pPr>
+            <a:endParaRPr/>
+          </a:p>
+        </p:txBody>
+      </p:sp>
+    </p:spTree>
+  </p:cSld>
+  <p:clrMapOvr>
+    <a:masterClrMapping/>
+  </p:clrMapOvr>
+</p:sld>
+</file>
+
+<file path=ppt/slides/slide21.xml><?xml version="1.0" encoding="utf-8"?>
+<p:sld xmlns:a="http://schemas.openxmlformats.org/drawingml/2006/main" xmlns:r="http://schemas.openxmlformats.org/officeDocument/2006/relationships" xmlns:p="http://schemas.openxmlformats.org/presentationml/2006/main">
+  <p:cSld>
+    <p:spTree>
+      <p:nvGrpSpPr>
+        <p:cNvPr id="1" name="Shape 166"/>
+        <p:cNvGrpSpPr/>
+        <p:nvPr/>
+      </p:nvGrpSpPr>
+      <p:grpSpPr>
+        <a:xfrm>
+          <a:off x="0" y="0"/>
+          <a:ext cx="0" cy="0"/>
+          <a:chOff x="0" y="0"/>
+          <a:chExt cx="0" cy="0"/>
+        </a:xfrm>
+      </p:grpSpPr>
+      <p:sp>
+        <p:nvSpPr>
+          <p:cNvPr id="167" name="Google Shape;167;g83f00c33ef_0_22"/>
+          <p:cNvSpPr txBox="1">
+            <a:spLocks noGrp="1"/>
+          </p:cNvSpPr>
+          <p:nvPr>
+            <p:ph type="title"/>
+          </p:nvPr>
+        </p:nvSpPr>
+        <p:spPr>
+          <a:xfrm>
+            <a:off x="0" y="-12"/>
+            <a:ext cx="1584900" cy="572700"/>
+          </a:xfrm>
+          <a:prstGeom prst="rect">
+            <a:avLst/>
+          </a:prstGeom>
+        </p:spPr>
+        <p:txBody>
+          <a:bodyPr spcFirstLastPara="1" wrap="square" lIns="91425" tIns="91425" rIns="91425" bIns="91425" anchor="t" anchorCtr="0">
+            <a:noAutofit/>
+          </a:bodyPr>
+          <a:lstStyle/>
+          <a:p>
+            <a:pPr marL="0" lvl="0" indent="0" algn="l" rtl="0">
+              <a:spcBef>
+                <a:spcPts val="0"/>
+              </a:spcBef>
+              <a:spcAft>
+                <a:spcPts val="0"/>
+              </a:spcAft>
+              <a:buNone/>
+            </a:pPr>
+            <a:r>
+              <a:rPr lang="en-US">
+                <a:solidFill>
+                  <a:srgbClr val="000000"/>
+                </a:solidFill>
+              </a:rPr>
+              <a:t>Results</a:t>
+            </a:r>
+            <a:endParaRPr/>
+          </a:p>
+          <a:p>
+            <a:pPr marL="0" lvl="0" indent="0" algn="l" rtl="0">
+              <a:spcBef>
+                <a:spcPts val="0"/>
+              </a:spcBef>
+              <a:spcAft>
+                <a:spcPts val="0"/>
+              </a:spcAft>
+              <a:buNone/>
+            </a:pPr>
+            <a:endParaRPr/>
+          </a:p>
+        </p:txBody>
+      </p:sp>
+      <p:sp>
+        <p:nvSpPr>
+          <p:cNvPr id="168" name="Google Shape;168;g83f00c33ef_0_22"/>
+          <p:cNvSpPr txBox="1">
+            <a:spLocks noGrp="1"/>
+          </p:cNvSpPr>
+          <p:nvPr>
+            <p:ph type="body" idx="1"/>
+          </p:nvPr>
+        </p:nvSpPr>
+        <p:spPr>
+          <a:xfrm>
+            <a:off x="311700" y="1152475"/>
+            <a:ext cx="8520600" cy="3416400"/>
+          </a:xfrm>
+          <a:prstGeom prst="rect">
+            <a:avLst/>
+          </a:prstGeom>
+        </p:spPr>
+        <p:txBody>
+          <a:bodyPr spcFirstLastPara="1" wrap="square" lIns="91425" tIns="91425" rIns="91425" bIns="91425" anchor="t" anchorCtr="0">
+            <a:noAutofit/>
+          </a:bodyPr>
+          <a:lstStyle/>
+          <a:p>
+            <a:pPr marL="0" lvl="0" indent="0" algn="l" rtl="0">
+              <a:spcBef>
+                <a:spcPts val="0"/>
+              </a:spcBef>
+              <a:spcAft>
+                <a:spcPts val="0"/>
+              </a:spcAft>
+              <a:buNone/>
+            </a:pPr>
+            <a:endParaRPr/>
+          </a:p>
+        </p:txBody>
+      </p:sp>
+    </p:spTree>
+  </p:cSld>
+  <p:clrMapOvr>
+    <a:masterClrMapping/>
+  </p:clrMapOvr>
+</p:sld>
+</file>
+
+<file path=ppt/slides/slide22.xml><?xml version="1.0" encoding="utf-8"?>
+<p:sld xmlns:a="http://schemas.openxmlformats.org/drawingml/2006/main" xmlns:r="http://schemas.openxmlformats.org/officeDocument/2006/relationships" xmlns:p="http://schemas.openxmlformats.org/presentationml/2006/main">
+  <p:cSld>
+    <p:spTree>
+      <p:nvGrpSpPr>
         <p:cNvPr id="1" name="Shape 172"/>
         <p:cNvGrpSpPr/>
         <p:nvPr/>
@@ -14366,7 +17211,7 @@
 </p:sld>
 </file>
 
-<file path=ppt/slides/slide21.xml><?xml version="1.0" encoding="utf-8"?>
+<file path=ppt/slides/slide23.xml><?xml version="1.0" encoding="utf-8"?>
 <p:sld xmlns:a="http://schemas.openxmlformats.org/drawingml/2006/main" xmlns:r="http://schemas.openxmlformats.org/officeDocument/2006/relationships" xmlns:p="http://schemas.openxmlformats.org/presentationml/2006/main">
   <p:cSld>
     <p:spTree>
@@ -14454,16 +17299,68 @@
           </a:bodyPr>
           <a:lstStyle/>
           <a:p>
-            <a:pPr marL="0" lvl="0" indent="0" algn="l" rtl="0">
-              <a:spcBef>
-                <a:spcPts val="0"/>
-              </a:spcBef>
-              <a:spcAft>
-                <a:spcPts val="0"/>
-              </a:spcAft>
-              <a:buNone/>
-            </a:pPr>
-            <a:endParaRPr/>
+            <a:pPr marL="285750" indent="-285750"/>
+            <a:r>
+              <a:rPr lang="en-IN" dirty="0">
+                <a:solidFill>
+                  <a:schemeClr val="bg1"/>
+                </a:solidFill>
+              </a:rPr>
+              <a:t>How recommendation systems works</a:t>
+            </a:r>
+          </a:p>
+          <a:p>
+            <a:pPr marL="285750" indent="-285750"/>
+            <a:r>
+              <a:rPr lang="en-IN" dirty="0">
+                <a:solidFill>
+                  <a:schemeClr val="bg1"/>
+                </a:solidFill>
+              </a:rPr>
+              <a:t>Web Scraping </a:t>
+            </a:r>
+          </a:p>
+          <a:p>
+            <a:pPr marL="285750" indent="-285750"/>
+            <a:r>
+              <a:rPr lang="en-IN" dirty="0">
+                <a:solidFill>
+                  <a:schemeClr val="bg1"/>
+                </a:solidFill>
+              </a:rPr>
+              <a:t>Data Cleaning is not easy</a:t>
+            </a:r>
+          </a:p>
+          <a:p>
+            <a:pPr marL="285750" indent="-285750"/>
+            <a:r>
+              <a:rPr lang="en-IN" dirty="0">
+                <a:solidFill>
+                  <a:schemeClr val="bg1"/>
+                </a:solidFill>
+              </a:rPr>
+              <a:t>Extracting insights from data</a:t>
+            </a:r>
+          </a:p>
+          <a:p>
+            <a:pPr marL="285750" indent="-285750"/>
+            <a:endParaRPr lang="en-IN" dirty="0">
+              <a:solidFill>
+                <a:schemeClr val="bg1"/>
+              </a:solidFill>
+            </a:endParaRPr>
+          </a:p>
+          <a:p>
+            <a:pPr marL="285750" indent="-285750"/>
+            <a:endParaRPr lang="en-IN" dirty="0"/>
+          </a:p>
+          <a:p>
+            <a:pPr marL="285750" indent="-285750"/>
+            <a:endParaRPr lang="en-IN" dirty="0"/>
+          </a:p>
+          <a:p>
+            <a:pPr marL="285750" indent="-285750"/>
+            <a:endParaRPr dirty="0"/>
           </a:p>
         </p:txBody>
       </p:sp>
@@ -14475,7 +17372,7 @@
 </p:sld>
 </file>
 
-<file path=ppt/slides/slide22.xml><?xml version="1.0" encoding="utf-8"?>
+<file path=ppt/slides/slide24.xml><?xml version="1.0" encoding="utf-8"?>
 <p:sld xmlns:a="http://schemas.openxmlformats.org/drawingml/2006/main" xmlns:r="http://schemas.openxmlformats.org/officeDocument/2006/relationships" xmlns:p="http://schemas.openxmlformats.org/presentationml/2006/main">
   <p:cSld>
     <p:spTree>
@@ -14504,8 +17401,8 @@
         </p:nvSpPr>
         <p:spPr>
           <a:xfrm>
-            <a:off x="82475" y="98238"/>
-            <a:ext cx="1584900" cy="572700"/>
+            <a:off x="82474" y="98238"/>
+            <a:ext cx="5330773" cy="572700"/>
           </a:xfrm>
           <a:prstGeom prst="rect">
             <a:avLst/>
@@ -14526,7 +17423,19 @@
               </a:spcAft>
               <a:buNone/>
             </a:pPr>
-            <a:endParaRPr/>
+            <a:r>
+              <a:rPr lang="en-IN" dirty="0">
+                <a:solidFill>
+                  <a:schemeClr val="bg1"/>
+                </a:solidFill>
+              </a:rPr>
+              <a:t>Future Plans</a:t>
+            </a:r>
+            <a:endParaRPr dirty="0">
+              <a:solidFill>
+                <a:schemeClr val="bg1"/>
+              </a:solidFill>
+            </a:endParaRPr>
           </a:p>
         </p:txBody>
       </p:sp>
@@ -14555,16 +17464,52 @@
           </a:bodyPr>
           <a:lstStyle/>
           <a:p>
-            <a:pPr marL="0" lvl="0" indent="0" algn="l" rtl="0">
-              <a:spcBef>
-                <a:spcPts val="0"/>
-              </a:spcBef>
-              <a:spcAft>
-                <a:spcPts val="0"/>
-              </a:spcAft>
-              <a:buNone/>
-            </a:pPr>
-            <a:endParaRPr/>
+            <a:pPr marL="285750" indent="-285750"/>
+            <a:r>
+              <a:rPr lang="en-IN" dirty="0">
+                <a:solidFill>
+                  <a:schemeClr val="bg1"/>
+                </a:solidFill>
+              </a:rPr>
+              <a:t>Location based recommendations</a:t>
+            </a:r>
+          </a:p>
+          <a:p>
+            <a:pPr marL="285750" indent="-285750"/>
+            <a:r>
+              <a:rPr lang="en-IN" dirty="0">
+                <a:solidFill>
+                  <a:schemeClr val="bg1"/>
+                </a:solidFill>
+              </a:rPr>
+              <a:t>Expand the system for the entire country</a:t>
+            </a:r>
+          </a:p>
+          <a:p>
+            <a:pPr marL="285750" indent="-285750"/>
+            <a:r>
+              <a:rPr lang="en-IN" dirty="0">
+                <a:solidFill>
+                  <a:schemeClr val="bg1"/>
+                </a:solidFill>
+              </a:rPr>
+              <a:t>Build a complete website for the system</a:t>
+            </a:r>
+          </a:p>
+          <a:p>
+            <a:pPr marL="285750" indent="-285750"/>
+            <a:r>
+              <a:rPr lang="en-IN" dirty="0">
+                <a:solidFill>
+                  <a:schemeClr val="bg1"/>
+                </a:solidFill>
+              </a:rPr>
+              <a:t>Take user inputs and update the database</a:t>
+            </a:r>
+          </a:p>
+          <a:p>
+            <a:pPr marL="285750" indent="-285750"/>
+            <a:endParaRPr dirty="0"/>
           </a:p>
         </p:txBody>
       </p:sp>
@@ -15131,49 +18076,6 @@
           </a:p>
         </p:txBody>
       </p:sp>
-      <p:sp>
-        <p:nvSpPr>
-          <p:cNvPr id="81" name="Google Shape;81;g83d7f3170d_0_10"/>
-          <p:cNvSpPr txBox="1">
-            <a:spLocks noGrp="1"/>
-          </p:cNvSpPr>
-          <p:nvPr>
-            <p:ph type="body" idx="1"/>
-          </p:nvPr>
-        </p:nvSpPr>
-        <p:spPr>
-          <a:xfrm>
-            <a:off x="311700" y="1152475"/>
-            <a:ext cx="5558400" cy="3416400"/>
-          </a:xfrm>
-          <a:prstGeom prst="rect">
-            <a:avLst/>
-          </a:prstGeom>
-          <a:noFill/>
-          <a:ln>
-            <a:noFill/>
-          </a:ln>
-        </p:spPr>
-        <p:txBody>
-          <a:bodyPr spcFirstLastPara="1" wrap="square" lIns="91425" tIns="91425" rIns="91425" bIns="91425" anchor="t" anchorCtr="0">
-            <a:noAutofit/>
-          </a:bodyPr>
-          <a:lstStyle/>
-          <a:p>
-            <a:pPr marL="342900">
-              <a:spcAft>
-                <a:spcPts val="1600"/>
-              </a:spcAft>
-            </a:pPr>
-            <a:endParaRPr sz="2400" dirty="0">
-              <a:solidFill>
-                <a:srgbClr val="000000"/>
-              </a:solidFill>
-              <a:latin typeface="+mn-lt"/>
-            </a:endParaRPr>
-          </a:p>
-        </p:txBody>
-      </p:sp>
       <p:pic>
         <p:nvPicPr>
           <p:cNvPr id="82" name="Google Shape;82;g83d7f3170d_0_10" descr="Related image"/>
@@ -15201,6 +18103,31 @@
           </a:ln>
         </p:spPr>
       </p:pic>
+      <p:sp>
+        <p:nvSpPr>
+          <p:cNvPr id="2" name="Text Placeholder 1">
+            <a:extLst>
+              <a:ext uri="{FF2B5EF4-FFF2-40B4-BE49-F238E27FC236}">
+                <a16:creationId xmlns:a16="http://schemas.microsoft.com/office/drawing/2014/main" id="{C2E02E42-7C2A-49CE-BB08-9FE99A5CED20}"/>
+              </a:ext>
+            </a:extLst>
+          </p:cNvPr>
+          <p:cNvSpPr>
+            <a:spLocks noGrp="1"/>
+          </p:cNvSpPr>
+          <p:nvPr>
+            <p:ph type="body" idx="1"/>
+          </p:nvPr>
+        </p:nvSpPr>
+        <p:spPr/>
+        <p:txBody>
+          <a:bodyPr/>
+          <a:lstStyle/>
+          <a:p>
+            <a:endParaRPr lang="en-US"/>
+          </a:p>
+        </p:txBody>
+      </p:sp>
     </p:spTree>
   </p:cSld>
   <p:clrMapOvr>

--- a/PPT/Yelp Presentation.pptx
+++ b/PPT/Yelp Presentation.pptx
@@ -5,7 +5,7 @@
     <p:sldMasterId id="2147483648" r:id="rId1"/>
   </p:sldMasterIdLst>
   <p:notesMasterIdLst>
-    <p:notesMasterId r:id="rId26"/>
+    <p:notesMasterId r:id="rId25"/>
   </p:notesMasterIdLst>
   <p:sldIdLst>
     <p:sldId id="256" r:id="rId2"/>
@@ -13,55 +13,54 @@
     <p:sldId id="258" r:id="rId4"/>
     <p:sldId id="259" r:id="rId5"/>
     <p:sldId id="261" r:id="rId6"/>
-    <p:sldId id="274" r:id="rId7"/>
-    <p:sldId id="262" r:id="rId8"/>
-    <p:sldId id="263" r:id="rId9"/>
-    <p:sldId id="264" r:id="rId10"/>
-    <p:sldId id="265" r:id="rId11"/>
-    <p:sldId id="275" r:id="rId12"/>
-    <p:sldId id="266" r:id="rId13"/>
-    <p:sldId id="276" r:id="rId14"/>
-    <p:sldId id="277" r:id="rId15"/>
-    <p:sldId id="278" r:id="rId16"/>
-    <p:sldId id="279" r:id="rId17"/>
-    <p:sldId id="280" r:id="rId18"/>
-    <p:sldId id="268" r:id="rId19"/>
-    <p:sldId id="283" r:id="rId20"/>
-    <p:sldId id="269" r:id="rId21"/>
-    <p:sldId id="270" r:id="rId22"/>
-    <p:sldId id="271" r:id="rId23"/>
-    <p:sldId id="281" r:id="rId24"/>
-    <p:sldId id="282" r:id="rId25"/>
+    <p:sldId id="262" r:id="rId7"/>
+    <p:sldId id="263" r:id="rId8"/>
+    <p:sldId id="264" r:id="rId9"/>
+    <p:sldId id="265" r:id="rId10"/>
+    <p:sldId id="275" r:id="rId11"/>
+    <p:sldId id="266" r:id="rId12"/>
+    <p:sldId id="276" r:id="rId13"/>
+    <p:sldId id="277" r:id="rId14"/>
+    <p:sldId id="278" r:id="rId15"/>
+    <p:sldId id="279" r:id="rId16"/>
+    <p:sldId id="280" r:id="rId17"/>
+    <p:sldId id="268" r:id="rId18"/>
+    <p:sldId id="283" r:id="rId19"/>
+    <p:sldId id="269" r:id="rId20"/>
+    <p:sldId id="270" r:id="rId21"/>
+    <p:sldId id="271" r:id="rId22"/>
+    <p:sldId id="281" r:id="rId23"/>
+    <p:sldId id="282" r:id="rId24"/>
   </p:sldIdLst>
   <p:sldSz cx="9144000" cy="5143500" type="screen16x9"/>
   <p:notesSz cx="6858000" cy="9144000"/>
   <p:embeddedFontLst>
     <p:embeddedFont>
       <p:font typeface="Average" panose="020B0604020202020204" charset="0"/>
+      <p:regular r:id="rId26"/>
+    </p:embeddedFont>
+    <p:embeddedFont>
+      <p:font typeface="Bree Serif" panose="020B0604020202020204" charset="0"/>
       <p:regular r:id="rId27"/>
     </p:embeddedFont>
     <p:embeddedFont>
-      <p:font typeface="Bree Serif" panose="020B0604020202020204" charset="0"/>
+      <p:font typeface="Calibri" panose="020F0502020204030204" pitchFamily="34" charset="0"/>
       <p:regular r:id="rId28"/>
-    </p:embeddedFont>
-    <p:embeddedFont>
-      <p:font typeface="Calibri" panose="020F0502020204030204" pitchFamily="34" charset="0"/>
-      <p:regular r:id="rId29"/>
-      <p:bold r:id="rId30"/>
-      <p:italic r:id="rId31"/>
-      <p:boldItalic r:id="rId32"/>
+      <p:bold r:id="rId29"/>
+      <p:italic r:id="rId30"/>
+      <p:boldItalic r:id="rId31"/>
     </p:embeddedFont>
     <p:embeddedFont>
       <p:font typeface="Oswald" panose="020B0604020202020204" charset="0"/>
-      <p:regular r:id="rId33"/>
-      <p:bold r:id="rId34"/>
+      <p:regular r:id="rId32"/>
+      <p:bold r:id="rId33"/>
     </p:embeddedFont>
     <p:embeddedFont>
       <p:font typeface="Roboto Mono" panose="020B0604020202020204" charset="0"/>
-      <p:regular r:id="rId35"/>
-      <p:bold r:id="rId36"/>
-      <p:italic r:id="rId37"/>
-      <p:boldItalic r:id="rId38"/>
+      <p:regular r:id="rId34"/>
+      <p:bold r:id="rId35"/>
+      <p:italic r:id="rId36"/>
+      <p:boldItalic r:id="rId37"/>
     </p:embeddedFont>
   </p:embeddedFontLst>
   <p:defaultTextStyle>
@@ -11703,661 +11702,6 @@
               <a:buNone/>
             </a:pPr>
             <a:r>
-              <a:rPr lang="en-US">
-                <a:solidFill>
-                  <a:srgbClr val="000000"/>
-                </a:solidFill>
-              </a:rPr>
-              <a:t>Exploratory Data Analysis</a:t>
-            </a:r>
-            <a:endParaRPr>
-              <a:solidFill>
-                <a:srgbClr val="000000"/>
-              </a:solidFill>
-            </a:endParaRPr>
-          </a:p>
-        </p:txBody>
-      </p:sp>
-      <p:sp>
-        <p:nvSpPr>
-          <p:cNvPr id="135" name="Google Shape;135;g83ddf61570_0_20"/>
-          <p:cNvSpPr txBox="1">
-            <a:spLocks noGrp="1"/>
-          </p:cNvSpPr>
-          <p:nvPr>
-            <p:ph type="body" idx="1"/>
-          </p:nvPr>
-        </p:nvSpPr>
-        <p:spPr>
-          <a:xfrm>
-            <a:off x="428375" y="792950"/>
-            <a:ext cx="7072500" cy="532200"/>
-          </a:xfrm>
-          <a:prstGeom prst="rect">
-            <a:avLst/>
-          </a:prstGeom>
-          <a:noFill/>
-          <a:ln>
-            <a:noFill/>
-          </a:ln>
-        </p:spPr>
-        <p:txBody>
-          <a:bodyPr spcFirstLastPara="1" wrap="square" lIns="91425" tIns="91425" rIns="91425" bIns="91425" anchor="t" anchorCtr="0">
-            <a:noAutofit/>
-          </a:bodyPr>
-          <a:lstStyle/>
-          <a:p>
-            <a:pPr marL="0" lvl="0" indent="0" algn="l" rtl="0">
-              <a:lnSpc>
-                <a:spcPct val="115000"/>
-              </a:lnSpc>
-              <a:spcBef>
-                <a:spcPts val="0"/>
-              </a:spcBef>
-              <a:spcAft>
-                <a:spcPts val="0"/>
-              </a:spcAft>
-              <a:buSzPts val="1800"/>
-              <a:buNone/>
-            </a:pPr>
-            <a:r>
-              <a:rPr lang="en-US" dirty="0">
-                <a:solidFill>
-                  <a:srgbClr val="000000"/>
-                </a:solidFill>
-              </a:rPr>
-              <a:t>Business:                       </a:t>
-            </a:r>
-            <a:r>
-              <a:rPr lang="en-US" sz="1350" b="1" dirty="0">
-                <a:solidFill>
-                  <a:srgbClr val="000000"/>
-                </a:solidFill>
-                <a:highlight>
-                  <a:srgbClr val="FFFFFF"/>
-                </a:highlight>
-                <a:latin typeface="Arial"/>
-                <a:ea typeface="Arial"/>
-                <a:cs typeface="Arial"/>
-                <a:sym typeface="Arial"/>
-              </a:rPr>
-              <a:t>Distribution of businesses in Illinois</a:t>
-            </a:r>
-            <a:endParaRPr sz="1350" b="1" dirty="0">
-              <a:solidFill>
-                <a:srgbClr val="000000"/>
-              </a:solidFill>
-              <a:highlight>
-                <a:srgbClr val="FFFFFF"/>
-              </a:highlight>
-              <a:latin typeface="Arial"/>
-              <a:ea typeface="Arial"/>
-              <a:cs typeface="Arial"/>
-              <a:sym typeface="Arial"/>
-            </a:endParaRPr>
-          </a:p>
-          <a:p>
-            <a:pPr marL="0" lvl="0" indent="0" algn="l" rtl="0">
-              <a:lnSpc>
-                <a:spcPct val="115000"/>
-              </a:lnSpc>
-              <a:spcBef>
-                <a:spcPts val="0"/>
-              </a:spcBef>
-              <a:spcAft>
-                <a:spcPts val="0"/>
-              </a:spcAft>
-              <a:buSzPts val="1800"/>
-              <a:buNone/>
-            </a:pPr>
-            <a:endParaRPr sz="1350" b="1" dirty="0">
-              <a:solidFill>
-                <a:srgbClr val="000000"/>
-              </a:solidFill>
-              <a:highlight>
-                <a:srgbClr val="FFFFFF"/>
-              </a:highlight>
-              <a:latin typeface="Arial"/>
-              <a:ea typeface="Arial"/>
-              <a:cs typeface="Arial"/>
-              <a:sym typeface="Arial"/>
-            </a:endParaRPr>
-          </a:p>
-          <a:p>
-            <a:pPr marL="0" lvl="0" indent="0" algn="l" rtl="0">
-              <a:lnSpc>
-                <a:spcPct val="100000"/>
-              </a:lnSpc>
-              <a:spcBef>
-                <a:spcPts val="1000"/>
-              </a:spcBef>
-              <a:spcAft>
-                <a:spcPts val="0"/>
-              </a:spcAft>
-              <a:buNone/>
-            </a:pPr>
-            <a:endParaRPr sz="1350" b="1" dirty="0">
-              <a:solidFill>
-                <a:srgbClr val="000000"/>
-              </a:solidFill>
-              <a:highlight>
-                <a:srgbClr val="FFFFFF"/>
-              </a:highlight>
-              <a:latin typeface="Arial"/>
-              <a:ea typeface="Arial"/>
-              <a:cs typeface="Arial"/>
-              <a:sym typeface="Arial"/>
-            </a:endParaRPr>
-          </a:p>
-          <a:p>
-            <a:pPr marL="0" lvl="0" indent="0" algn="l" rtl="0">
-              <a:lnSpc>
-                <a:spcPct val="115000"/>
-              </a:lnSpc>
-              <a:spcBef>
-                <a:spcPts val="1600"/>
-              </a:spcBef>
-              <a:spcAft>
-                <a:spcPts val="0"/>
-              </a:spcAft>
-              <a:buSzPts val="1800"/>
-              <a:buNone/>
-            </a:pPr>
-            <a:endParaRPr dirty="0">
-              <a:solidFill>
-                <a:srgbClr val="000000"/>
-              </a:solidFill>
-            </a:endParaRPr>
-          </a:p>
-          <a:p>
-            <a:pPr marL="0" lvl="0" indent="0" algn="l" rtl="0">
-              <a:lnSpc>
-                <a:spcPct val="115000"/>
-              </a:lnSpc>
-              <a:spcBef>
-                <a:spcPts val="1600"/>
-              </a:spcBef>
-              <a:spcAft>
-                <a:spcPts val="1600"/>
-              </a:spcAft>
-              <a:buSzPts val="1800"/>
-              <a:buNone/>
-            </a:pPr>
-            <a:endParaRPr dirty="0">
-              <a:solidFill>
-                <a:srgbClr val="000000"/>
-              </a:solidFill>
-            </a:endParaRPr>
-          </a:p>
-        </p:txBody>
-      </p:sp>
-      <p:pic>
-        <p:nvPicPr>
-          <p:cNvPr id="1026" name="Picture 2">
-            <a:extLst>
-              <a:ext uri="{FF2B5EF4-FFF2-40B4-BE49-F238E27FC236}">
-                <a16:creationId xmlns:a16="http://schemas.microsoft.com/office/drawing/2014/main" id="{EA5C39C4-F3A1-45BA-B280-7526C534FA50}"/>
-              </a:ext>
-            </a:extLst>
-          </p:cNvPr>
-          <p:cNvPicPr>
-            <a:picLocks noChangeAspect="1" noChangeArrowheads="1"/>
-          </p:cNvPicPr>
-          <p:nvPr/>
-        </p:nvPicPr>
-        <p:blipFill>
-          <a:blip r:embed="rId3">
-            <a:extLst>
-              <a:ext uri="{28A0092B-C50C-407E-A947-70E740481C1C}">
-                <a14:useLocalDpi xmlns:a14="http://schemas.microsoft.com/office/drawing/2010/main" val="0"/>
-              </a:ext>
-            </a:extLst>
-          </a:blip>
-          <a:srcRect/>
-          <a:stretch>
-            <a:fillRect/>
-          </a:stretch>
-        </p:blipFill>
-        <p:spPr bwMode="auto">
-          <a:xfrm>
-            <a:off x="0" y="1134620"/>
-            <a:ext cx="9144000" cy="2459037"/>
-          </a:xfrm>
-          <a:prstGeom prst="rect">
-            <a:avLst/>
-          </a:prstGeom>
-          <a:noFill/>
-          <a:extLst>
-            <a:ext uri="{909E8E84-426E-40DD-AFC4-6F175D3DCCD1}">
-              <a14:hiddenFill xmlns:a14="http://schemas.microsoft.com/office/drawing/2010/main">
-                <a:solidFill>
-                  <a:srgbClr val="FFFFFF"/>
-                </a:solidFill>
-              </a14:hiddenFill>
-            </a:ext>
-          </a:extLst>
-        </p:spPr>
-      </p:pic>
-      <p:sp>
-        <p:nvSpPr>
-          <p:cNvPr id="7" name="Google Shape;114;g83d7f3170d_0_5">
-            <a:extLst>
-              <a:ext uri="{FF2B5EF4-FFF2-40B4-BE49-F238E27FC236}">
-                <a16:creationId xmlns:a16="http://schemas.microsoft.com/office/drawing/2014/main" id="{2B6971E1-34CE-4688-A326-EB991C5D707F}"/>
-              </a:ext>
-            </a:extLst>
-          </p:cNvPr>
-          <p:cNvSpPr txBox="1">
-            <a:spLocks/>
-          </p:cNvSpPr>
-          <p:nvPr/>
-        </p:nvSpPr>
-        <p:spPr>
-          <a:xfrm>
-            <a:off x="311700" y="3593657"/>
-            <a:ext cx="8520600" cy="1125998"/>
-          </a:xfrm>
-          <a:prstGeom prst="rect">
-            <a:avLst/>
-          </a:prstGeom>
-          <a:noFill/>
-          <a:ln>
-            <a:noFill/>
-          </a:ln>
-        </p:spPr>
-        <p:txBody>
-          <a:bodyPr spcFirstLastPara="1" wrap="square" lIns="91425" tIns="91425" rIns="91425" bIns="91425" anchor="t" anchorCtr="0">
-            <a:noAutofit/>
-          </a:bodyPr>
-          <a:lstStyle>
-            <a:defPPr marR="0" lvl="0" algn="l" rtl="0">
-              <a:lnSpc>
-                <a:spcPct val="100000"/>
-              </a:lnSpc>
-              <a:spcBef>
-                <a:spcPts val="0"/>
-              </a:spcBef>
-              <a:spcAft>
-                <a:spcPts val="0"/>
-              </a:spcAft>
-            </a:defPPr>
-            <a:lvl1pPr marL="457200" marR="0" lvl="0" indent="-342900" algn="l" rtl="0">
-              <a:lnSpc>
-                <a:spcPct val="115000"/>
-              </a:lnSpc>
-              <a:spcBef>
-                <a:spcPts val="0"/>
-              </a:spcBef>
-              <a:spcAft>
-                <a:spcPts val="0"/>
-              </a:spcAft>
-              <a:buClr>
-                <a:schemeClr val="accent3"/>
-              </a:buClr>
-              <a:buSzPts val="1800"/>
-              <a:buFont typeface="Average"/>
-              <a:buChar char="●"/>
-              <a:defRPr sz="1800" b="0" i="0" u="none" strike="noStrike" cap="none">
-                <a:solidFill>
-                  <a:schemeClr val="accent3"/>
-                </a:solidFill>
-                <a:latin typeface="Average"/>
-                <a:ea typeface="Average"/>
-                <a:cs typeface="Average"/>
-                <a:sym typeface="Average"/>
-              </a:defRPr>
-            </a:lvl1pPr>
-            <a:lvl2pPr marL="914400" marR="0" lvl="1" indent="-317500" algn="l" rtl="0">
-              <a:lnSpc>
-                <a:spcPct val="115000"/>
-              </a:lnSpc>
-              <a:spcBef>
-                <a:spcPts val="1600"/>
-              </a:spcBef>
-              <a:spcAft>
-                <a:spcPts val="0"/>
-              </a:spcAft>
-              <a:buClr>
-                <a:schemeClr val="accent3"/>
-              </a:buClr>
-              <a:buSzPts val="1400"/>
-              <a:buFont typeface="Average"/>
-              <a:buChar char="○"/>
-              <a:defRPr sz="1400" b="0" i="0" u="none" strike="noStrike" cap="none">
-                <a:solidFill>
-                  <a:schemeClr val="accent3"/>
-                </a:solidFill>
-                <a:latin typeface="Average"/>
-                <a:ea typeface="Average"/>
-                <a:cs typeface="Average"/>
-                <a:sym typeface="Average"/>
-              </a:defRPr>
-            </a:lvl2pPr>
-            <a:lvl3pPr marL="1371600" marR="0" lvl="2" indent="-317500" algn="l" rtl="0">
-              <a:lnSpc>
-                <a:spcPct val="115000"/>
-              </a:lnSpc>
-              <a:spcBef>
-                <a:spcPts val="1600"/>
-              </a:spcBef>
-              <a:spcAft>
-                <a:spcPts val="0"/>
-              </a:spcAft>
-              <a:buClr>
-                <a:schemeClr val="accent3"/>
-              </a:buClr>
-              <a:buSzPts val="1400"/>
-              <a:buFont typeface="Average"/>
-              <a:buChar char="■"/>
-              <a:defRPr sz="1400" b="0" i="0" u="none" strike="noStrike" cap="none">
-                <a:solidFill>
-                  <a:schemeClr val="accent3"/>
-                </a:solidFill>
-                <a:latin typeface="Average"/>
-                <a:ea typeface="Average"/>
-                <a:cs typeface="Average"/>
-                <a:sym typeface="Average"/>
-              </a:defRPr>
-            </a:lvl3pPr>
-            <a:lvl4pPr marL="1828800" marR="0" lvl="3" indent="-317500" algn="l" rtl="0">
-              <a:lnSpc>
-                <a:spcPct val="115000"/>
-              </a:lnSpc>
-              <a:spcBef>
-                <a:spcPts val="1600"/>
-              </a:spcBef>
-              <a:spcAft>
-                <a:spcPts val="0"/>
-              </a:spcAft>
-              <a:buClr>
-                <a:schemeClr val="accent3"/>
-              </a:buClr>
-              <a:buSzPts val="1400"/>
-              <a:buFont typeface="Average"/>
-              <a:buChar char="●"/>
-              <a:defRPr sz="1400" b="0" i="0" u="none" strike="noStrike" cap="none">
-                <a:solidFill>
-                  <a:schemeClr val="accent3"/>
-                </a:solidFill>
-                <a:latin typeface="Average"/>
-                <a:ea typeface="Average"/>
-                <a:cs typeface="Average"/>
-                <a:sym typeface="Average"/>
-              </a:defRPr>
-            </a:lvl4pPr>
-            <a:lvl5pPr marL="2286000" marR="0" lvl="4" indent="-317500" algn="l" rtl="0">
-              <a:lnSpc>
-                <a:spcPct val="115000"/>
-              </a:lnSpc>
-              <a:spcBef>
-                <a:spcPts val="1600"/>
-              </a:spcBef>
-              <a:spcAft>
-                <a:spcPts val="0"/>
-              </a:spcAft>
-              <a:buClr>
-                <a:schemeClr val="accent3"/>
-              </a:buClr>
-              <a:buSzPts val="1400"/>
-              <a:buFont typeface="Average"/>
-              <a:buChar char="○"/>
-              <a:defRPr sz="1400" b="0" i="0" u="none" strike="noStrike" cap="none">
-                <a:solidFill>
-                  <a:schemeClr val="accent3"/>
-                </a:solidFill>
-                <a:latin typeface="Average"/>
-                <a:ea typeface="Average"/>
-                <a:cs typeface="Average"/>
-                <a:sym typeface="Average"/>
-              </a:defRPr>
-            </a:lvl5pPr>
-            <a:lvl6pPr marL="2743200" marR="0" lvl="5" indent="-317500" algn="l" rtl="0">
-              <a:lnSpc>
-                <a:spcPct val="115000"/>
-              </a:lnSpc>
-              <a:spcBef>
-                <a:spcPts val="1600"/>
-              </a:spcBef>
-              <a:spcAft>
-                <a:spcPts val="0"/>
-              </a:spcAft>
-              <a:buClr>
-                <a:schemeClr val="accent3"/>
-              </a:buClr>
-              <a:buSzPts val="1400"/>
-              <a:buFont typeface="Average"/>
-              <a:buChar char="■"/>
-              <a:defRPr sz="1400" b="0" i="0" u="none" strike="noStrike" cap="none">
-                <a:solidFill>
-                  <a:schemeClr val="accent3"/>
-                </a:solidFill>
-                <a:latin typeface="Average"/>
-                <a:ea typeface="Average"/>
-                <a:cs typeface="Average"/>
-                <a:sym typeface="Average"/>
-              </a:defRPr>
-            </a:lvl6pPr>
-            <a:lvl7pPr marL="3200400" marR="0" lvl="6" indent="-317500" algn="l" rtl="0">
-              <a:lnSpc>
-                <a:spcPct val="115000"/>
-              </a:lnSpc>
-              <a:spcBef>
-                <a:spcPts val="1600"/>
-              </a:spcBef>
-              <a:spcAft>
-                <a:spcPts val="0"/>
-              </a:spcAft>
-              <a:buClr>
-                <a:schemeClr val="accent3"/>
-              </a:buClr>
-              <a:buSzPts val="1400"/>
-              <a:buFont typeface="Average"/>
-              <a:buChar char="●"/>
-              <a:defRPr sz="1400" b="0" i="0" u="none" strike="noStrike" cap="none">
-                <a:solidFill>
-                  <a:schemeClr val="accent3"/>
-                </a:solidFill>
-                <a:latin typeface="Average"/>
-                <a:ea typeface="Average"/>
-                <a:cs typeface="Average"/>
-                <a:sym typeface="Average"/>
-              </a:defRPr>
-            </a:lvl7pPr>
-            <a:lvl8pPr marL="3657600" marR="0" lvl="7" indent="-317500" algn="l" rtl="0">
-              <a:lnSpc>
-                <a:spcPct val="115000"/>
-              </a:lnSpc>
-              <a:spcBef>
-                <a:spcPts val="1600"/>
-              </a:spcBef>
-              <a:spcAft>
-                <a:spcPts val="0"/>
-              </a:spcAft>
-              <a:buClr>
-                <a:schemeClr val="accent3"/>
-              </a:buClr>
-              <a:buSzPts val="1400"/>
-              <a:buFont typeface="Average"/>
-              <a:buChar char="○"/>
-              <a:defRPr sz="1400" b="0" i="0" u="none" strike="noStrike" cap="none">
-                <a:solidFill>
-                  <a:schemeClr val="accent3"/>
-                </a:solidFill>
-                <a:latin typeface="Average"/>
-                <a:ea typeface="Average"/>
-                <a:cs typeface="Average"/>
-                <a:sym typeface="Average"/>
-              </a:defRPr>
-            </a:lvl8pPr>
-            <a:lvl9pPr marL="4114800" marR="0" lvl="8" indent="-317500" algn="l" rtl="0">
-              <a:lnSpc>
-                <a:spcPct val="115000"/>
-              </a:lnSpc>
-              <a:spcBef>
-                <a:spcPts val="1600"/>
-              </a:spcBef>
-              <a:spcAft>
-                <a:spcPts val="1600"/>
-              </a:spcAft>
-              <a:buClr>
-                <a:schemeClr val="accent3"/>
-              </a:buClr>
-              <a:buSzPts val="1400"/>
-              <a:buFont typeface="Average"/>
-              <a:buChar char="■"/>
-              <a:defRPr sz="1400" b="0" i="0" u="none" strike="noStrike" cap="none">
-                <a:solidFill>
-                  <a:schemeClr val="accent3"/>
-                </a:solidFill>
-                <a:latin typeface="Average"/>
-                <a:ea typeface="Average"/>
-                <a:cs typeface="Average"/>
-                <a:sym typeface="Average"/>
-              </a:defRPr>
-            </a:lvl9pPr>
-          </a:lstStyle>
-          <a:p>
-            <a:pPr marL="285750" indent="-285750">
-              <a:lnSpc>
-                <a:spcPct val="100000"/>
-              </a:lnSpc>
-              <a:spcBef>
-                <a:spcPts val="1600"/>
-              </a:spcBef>
-              <a:spcAft>
-                <a:spcPts val="1600"/>
-              </a:spcAft>
-              <a:buClrTx/>
-              <a:buFont typeface="Wingdings" panose="05000000000000000000" pitchFamily="2" charset="2"/>
-              <a:buChar char="§"/>
-            </a:pPr>
-            <a:r>
-              <a:rPr lang="en-US" sz="1400" dirty="0">
-                <a:solidFill>
-                  <a:srgbClr val="000000"/>
-                </a:solidFill>
-                <a:latin typeface="+mn-lt"/>
-              </a:rPr>
-              <a:t>The yelp dataset consists of variety of different businesses indicated by the column </a:t>
-            </a:r>
-          </a:p>
-          <a:p>
-            <a:pPr marL="285750" indent="-285750">
-              <a:lnSpc>
-                <a:spcPct val="100000"/>
-              </a:lnSpc>
-              <a:spcBef>
-                <a:spcPts val="1600"/>
-              </a:spcBef>
-              <a:spcAft>
-                <a:spcPts val="1600"/>
-              </a:spcAft>
-              <a:buClrTx/>
-              <a:buFont typeface="Wingdings" panose="05000000000000000000" pitchFamily="2" charset="2"/>
-              <a:buChar char="§"/>
-            </a:pPr>
-            <a:r>
-              <a:rPr lang="en-US" sz="1400" dirty="0">
-                <a:solidFill>
-                  <a:srgbClr val="000000"/>
-                </a:solidFill>
-                <a:latin typeface="+mn-lt"/>
-              </a:rPr>
-              <a:t>Number of entries for the category ‘Restaurants’ was the highest.</a:t>
-            </a:r>
-          </a:p>
-          <a:p>
-            <a:pPr marL="285750" indent="-285750">
-              <a:lnSpc>
-                <a:spcPct val="100000"/>
-              </a:lnSpc>
-              <a:spcBef>
-                <a:spcPts val="1600"/>
-              </a:spcBef>
-              <a:spcAft>
-                <a:spcPts val="1600"/>
-              </a:spcAft>
-              <a:buClrTx/>
-              <a:buFont typeface="Wingdings" panose="05000000000000000000" pitchFamily="2" charset="2"/>
-              <a:buChar char="§"/>
-            </a:pPr>
-            <a:endParaRPr lang="en-US" sz="1400" dirty="0">
-              <a:solidFill>
-                <a:srgbClr val="000000"/>
-              </a:solidFill>
-              <a:latin typeface="+mn-lt"/>
-            </a:endParaRPr>
-          </a:p>
-        </p:txBody>
-      </p:sp>
-    </p:spTree>
-  </p:cSld>
-  <p:clrMapOvr>
-    <a:masterClrMapping/>
-  </p:clrMapOvr>
-</p:sld>
-</file>
-
-<file path=ppt/slides/slide11.xml><?xml version="1.0" encoding="utf-8"?>
-<p:sld xmlns:a="http://schemas.openxmlformats.org/drawingml/2006/main" xmlns:r="http://schemas.openxmlformats.org/officeDocument/2006/relationships" xmlns:p="http://schemas.openxmlformats.org/presentationml/2006/main">
-  <p:cSld>
-    <p:spTree>
-      <p:nvGrpSpPr>
-        <p:cNvPr id="1" name="Shape 133"/>
-        <p:cNvGrpSpPr/>
-        <p:nvPr/>
-      </p:nvGrpSpPr>
-      <p:grpSpPr>
-        <a:xfrm>
-          <a:off x="0" y="0"/>
-          <a:ext cx="0" cy="0"/>
-          <a:chOff x="0" y="0"/>
-          <a:chExt cx="0" cy="0"/>
-        </a:xfrm>
-      </p:grpSpPr>
-      <p:sp>
-        <p:nvSpPr>
-          <p:cNvPr id="134" name="Google Shape;134;g83ddf61570_0_20"/>
-          <p:cNvSpPr txBox="1">
-            <a:spLocks noGrp="1"/>
-          </p:cNvSpPr>
-          <p:nvPr>
-            <p:ph type="title"/>
-          </p:nvPr>
-        </p:nvSpPr>
-        <p:spPr>
-          <a:xfrm>
-            <a:off x="0" y="0"/>
-            <a:ext cx="6279900" cy="678000"/>
-          </a:xfrm>
-          <a:prstGeom prst="rect">
-            <a:avLst/>
-          </a:prstGeom>
-          <a:noFill/>
-          <a:ln>
-            <a:noFill/>
-          </a:ln>
-        </p:spPr>
-        <p:txBody>
-          <a:bodyPr spcFirstLastPara="1" wrap="square" lIns="91425" tIns="91425" rIns="91425" bIns="91425" anchor="t" anchorCtr="0">
-            <a:noAutofit/>
-          </a:bodyPr>
-          <a:lstStyle/>
-          <a:p>
-            <a:pPr marL="0" lvl="0" indent="0" algn="l" rtl="0">
-              <a:lnSpc>
-                <a:spcPct val="100000"/>
-              </a:lnSpc>
-              <a:spcBef>
-                <a:spcPts val="0"/>
-              </a:spcBef>
-              <a:spcAft>
-                <a:spcPts val="0"/>
-              </a:spcAft>
-              <a:buSzPts val="3000"/>
-              <a:buNone/>
-            </a:pPr>
-            <a:r>
               <a:rPr lang="en-US" dirty="0">
                 <a:solidFill>
                   <a:srgbClr val="000000"/>
@@ -12593,7 +11937,7 @@
 </p:sld>
 </file>
 
-<file path=ppt/slides/slide12.xml><?xml version="1.0" encoding="utf-8"?>
+<file path=ppt/slides/slide11.xml><?xml version="1.0" encoding="utf-8"?>
 <p:sld xmlns:a="http://schemas.openxmlformats.org/drawingml/2006/main" xmlns:r="http://schemas.openxmlformats.org/officeDocument/2006/relationships" xmlns:p="http://schemas.openxmlformats.org/presentationml/2006/main">
   <p:cSld>
     <p:spTree>
@@ -12811,7 +12155,7 @@
 </p:sld>
 </file>
 
-<file path=ppt/slides/slide13.xml><?xml version="1.0" encoding="utf-8"?>
+<file path=ppt/slides/slide12.xml><?xml version="1.0" encoding="utf-8"?>
 <p:sld xmlns:a="http://schemas.openxmlformats.org/drawingml/2006/main" xmlns:r="http://schemas.openxmlformats.org/officeDocument/2006/relationships" xmlns:p="http://schemas.openxmlformats.org/presentationml/2006/main">
   <p:cSld>
     <p:spTree>
@@ -13020,7 +12364,7 @@
 </p:sld>
 </file>
 
-<file path=ppt/slides/slide14.xml><?xml version="1.0" encoding="utf-8"?>
+<file path=ppt/slides/slide13.xml><?xml version="1.0" encoding="utf-8"?>
 <p:sld xmlns:a="http://schemas.openxmlformats.org/drawingml/2006/main" xmlns:r="http://schemas.openxmlformats.org/officeDocument/2006/relationships" xmlns:p="http://schemas.openxmlformats.org/presentationml/2006/main">
   <p:cSld>
     <p:spTree>
@@ -13628,7 +12972,7 @@
 </p:sld>
 </file>
 
-<file path=ppt/slides/slide15.xml><?xml version="1.0" encoding="utf-8"?>
+<file path=ppt/slides/slide14.xml><?xml version="1.0" encoding="utf-8"?>
 <p:sld xmlns:a="http://schemas.openxmlformats.org/drawingml/2006/main" xmlns:r="http://schemas.openxmlformats.org/officeDocument/2006/relationships" xmlns:p="http://schemas.openxmlformats.org/presentationml/2006/main">
   <p:cSld>
     <p:spTree>
@@ -13776,7 +13120,7 @@
 </p:sld>
 </file>
 
-<file path=ppt/slides/slide16.xml><?xml version="1.0" encoding="utf-8"?>
+<file path=ppt/slides/slide15.xml><?xml version="1.0" encoding="utf-8"?>
 <p:sld xmlns:a="http://schemas.openxmlformats.org/drawingml/2006/main" xmlns:r="http://schemas.openxmlformats.org/officeDocument/2006/relationships" xmlns:p="http://schemas.openxmlformats.org/presentationml/2006/main">
   <p:cSld>
     <p:spTree>
@@ -14798,7 +14142,7 @@
 </p:sld>
 </file>
 
-<file path=ppt/slides/slide17.xml><?xml version="1.0" encoding="utf-8"?>
+<file path=ppt/slides/slide16.xml><?xml version="1.0" encoding="utf-8"?>
 <p:sld xmlns:a="http://schemas.openxmlformats.org/drawingml/2006/main" xmlns:r="http://schemas.openxmlformats.org/officeDocument/2006/relationships" xmlns:p="http://schemas.openxmlformats.org/presentationml/2006/main">
   <p:cSld>
     <p:spTree>
@@ -15888,7 +15232,7 @@
 </p:sld>
 </file>
 
-<file path=ppt/slides/slide18.xml><?xml version="1.0" encoding="utf-8"?>
+<file path=ppt/slides/slide17.xml><?xml version="1.0" encoding="utf-8"?>
 <p:sld xmlns:a="http://schemas.openxmlformats.org/drawingml/2006/main" xmlns:r="http://schemas.openxmlformats.org/officeDocument/2006/relationships" xmlns:p="http://schemas.openxmlformats.org/presentationml/2006/main">
   <p:cSld>
     <p:spTree>
@@ -16353,6 +15697,206 @@
                   <a:lumMod val="50000"/>
                 </a:schemeClr>
               </a:solidFill>
+            </a:endParaRPr>
+          </a:p>
+        </p:txBody>
+      </p:sp>
+    </p:spTree>
+  </p:cSld>
+  <p:clrMapOvr>
+    <a:masterClrMapping/>
+  </p:clrMapOvr>
+</p:sld>
+</file>
+
+<file path=ppt/slides/slide18.xml><?xml version="1.0" encoding="utf-8"?>
+<p:sld xmlns:a="http://schemas.openxmlformats.org/drawingml/2006/main" xmlns:r="http://schemas.openxmlformats.org/officeDocument/2006/relationships" xmlns:p="http://schemas.openxmlformats.org/presentationml/2006/main">
+  <p:cSld>
+    <p:spTree>
+      <p:nvGrpSpPr>
+        <p:cNvPr id="1" name="Shape 160"/>
+        <p:cNvGrpSpPr/>
+        <p:nvPr/>
+      </p:nvGrpSpPr>
+      <p:grpSpPr>
+        <a:xfrm>
+          <a:off x="0" y="0"/>
+          <a:ext cx="0" cy="0"/>
+          <a:chOff x="0" y="0"/>
+          <a:chExt cx="0" cy="0"/>
+        </a:xfrm>
+      </p:grpSpPr>
+      <p:sp>
+        <p:nvSpPr>
+          <p:cNvPr id="161" name="Google Shape;161;g83f00c33ef_0_17"/>
+          <p:cNvSpPr txBox="1">
+            <a:spLocks noGrp="1"/>
+          </p:cNvSpPr>
+          <p:nvPr>
+            <p:ph type="title"/>
+          </p:nvPr>
+        </p:nvSpPr>
+        <p:spPr>
+          <a:xfrm>
+            <a:off x="0" y="2"/>
+            <a:ext cx="2927700" cy="684300"/>
+          </a:xfrm>
+          <a:prstGeom prst="rect">
+            <a:avLst/>
+          </a:prstGeom>
+        </p:spPr>
+        <p:txBody>
+          <a:bodyPr spcFirstLastPara="1" wrap="square" lIns="91425" tIns="91425" rIns="91425" bIns="91425" anchor="t" anchorCtr="0">
+            <a:noAutofit/>
+          </a:bodyPr>
+          <a:lstStyle/>
+          <a:p>
+            <a:pPr marL="0" lvl="0" indent="0" algn="l" rtl="0">
+              <a:spcBef>
+                <a:spcPts val="0"/>
+              </a:spcBef>
+              <a:spcAft>
+                <a:spcPts val="0"/>
+              </a:spcAft>
+              <a:buNone/>
+            </a:pPr>
+            <a:r>
+              <a:rPr lang="en-US" dirty="0">
+                <a:solidFill>
+                  <a:srgbClr val="000000"/>
+                </a:solidFill>
+              </a:rPr>
+              <a:t>Models</a:t>
+            </a:r>
+            <a:endParaRPr dirty="0">
+              <a:solidFill>
+                <a:srgbClr val="000000"/>
+              </a:solidFill>
+            </a:endParaRPr>
+          </a:p>
+          <a:p>
+            <a:pPr marL="0" lvl="0" indent="0" algn="l" rtl="0">
+              <a:spcBef>
+                <a:spcPts val="0"/>
+              </a:spcBef>
+              <a:spcAft>
+                <a:spcPts val="0"/>
+              </a:spcAft>
+              <a:buNone/>
+            </a:pPr>
+            <a:endParaRPr dirty="0"/>
+          </a:p>
+        </p:txBody>
+      </p:sp>
+      <p:sp>
+        <p:nvSpPr>
+          <p:cNvPr id="162" name="Google Shape;162;g83f00c33ef_0_17"/>
+          <p:cNvSpPr txBox="1">
+            <a:spLocks noGrp="1"/>
+          </p:cNvSpPr>
+          <p:nvPr>
+            <p:ph type="body" idx="1"/>
+          </p:nvPr>
+        </p:nvSpPr>
+        <p:spPr>
+          <a:xfrm>
+            <a:off x="311700" y="1152475"/>
+            <a:ext cx="8520600" cy="3416400"/>
+          </a:xfrm>
+          <a:prstGeom prst="rect">
+            <a:avLst/>
+          </a:prstGeom>
+        </p:spPr>
+        <p:txBody>
+          <a:bodyPr spcFirstLastPara="1" wrap="square" lIns="91425" tIns="91425" rIns="91425" bIns="91425" anchor="t" anchorCtr="0">
+            <a:noAutofit/>
+          </a:bodyPr>
+          <a:lstStyle/>
+          <a:p>
+            <a:pPr marL="0" lvl="0" indent="0" algn="l" rtl="0">
+              <a:spcBef>
+                <a:spcPts val="0"/>
+              </a:spcBef>
+              <a:spcAft>
+                <a:spcPts val="0"/>
+              </a:spcAft>
+              <a:buNone/>
+            </a:pPr>
+            <a:r>
+              <a:rPr lang="en-US" b="1" dirty="0">
+                <a:solidFill>
+                  <a:schemeClr val="bg1"/>
+                </a:solidFill>
+                <a:latin typeface="+mn-lt"/>
+              </a:rPr>
+              <a:t>But what if it is a new user?</a:t>
+            </a:r>
+          </a:p>
+          <a:p>
+            <a:pPr marL="285750" lvl="0" indent="-285750" algn="l" rtl="0">
+              <a:spcBef>
+                <a:spcPts val="0"/>
+              </a:spcBef>
+              <a:spcAft>
+                <a:spcPts val="0"/>
+              </a:spcAft>
+              <a:buClr>
+                <a:schemeClr val="accent6">
+                  <a:lumMod val="10000"/>
+                </a:schemeClr>
+              </a:buClr>
+              <a:buFont typeface="Wingdings" pitchFamily="2" charset="2"/>
+              <a:buChar char="§"/>
+            </a:pPr>
+            <a:r>
+              <a:rPr lang="en-US" dirty="0">
+                <a:solidFill>
+                  <a:schemeClr val="bg1"/>
+                </a:solidFill>
+                <a:latin typeface="+mn-lt"/>
+              </a:rPr>
+              <a:t>New users would make the deployed model face “cold start” problem in which the user-item interaction matrix which the model use doesn’t have any data for the new user</a:t>
+            </a:r>
+          </a:p>
+          <a:p>
+            <a:pPr marL="285750" lvl="0" indent="-285750" algn="l" rtl="0">
+              <a:spcBef>
+                <a:spcPts val="0"/>
+              </a:spcBef>
+              <a:spcAft>
+                <a:spcPts val="0"/>
+              </a:spcAft>
+              <a:buClr>
+                <a:schemeClr val="accent6">
+                  <a:lumMod val="10000"/>
+                </a:schemeClr>
+              </a:buClr>
+              <a:buFont typeface="Wingdings" pitchFamily="2" charset="2"/>
+              <a:buChar char="§"/>
+            </a:pPr>
+            <a:r>
+              <a:rPr lang="en-US" dirty="0">
+                <a:solidFill>
+                  <a:schemeClr val="bg1"/>
+                </a:solidFill>
+                <a:latin typeface="+mn-lt"/>
+              </a:rPr>
+              <a:t>In this case, we created a different matrix factorization model using the user and item features and then get the new user’s parsed through which checks for its similarity with existing user and then recommends </a:t>
+            </a:r>
+            <a:r>
+              <a:rPr lang="en-US">
+                <a:solidFill>
+                  <a:schemeClr val="bg1"/>
+                </a:solidFill>
+                <a:latin typeface="+mn-lt"/>
+              </a:rPr>
+              <a:t>restaurants.</a:t>
+            </a:r>
+            <a:endParaRPr lang="en-US" dirty="0">
+              <a:solidFill>
+                <a:schemeClr val="bg1"/>
+              </a:solidFill>
+              <a:latin typeface="+mn-lt"/>
             </a:endParaRPr>
           </a:p>
         </p:txBody>
@@ -16417,14 +15961,14 @@
               <a:buNone/>
             </a:pPr>
             <a:r>
-              <a:rPr lang="en-US" dirty="0">
+              <a:rPr lang="en-US">
                 <a:solidFill>
                   <a:srgbClr val="000000"/>
                 </a:solidFill>
               </a:rPr>
-              <a:t>Models</a:t>
+              <a:t>Model</a:t>
             </a:r>
-            <a:endParaRPr dirty="0">
+            <a:endParaRPr>
               <a:solidFill>
                 <a:srgbClr val="000000"/>
               </a:solidFill>
@@ -16440,7 +15984,7 @@
               </a:spcAft>
               <a:buNone/>
             </a:pPr>
-            <a:endParaRPr dirty="0"/>
+            <a:endParaRPr/>
           </a:p>
         </p:txBody>
       </p:sp>
@@ -16478,82 +16022,7 @@
               </a:spcAft>
               <a:buNone/>
             </a:pPr>
-            <a:r>
-              <a:rPr lang="en-US" b="1" dirty="0">
-                <a:solidFill>
-                  <a:schemeClr val="bg1"/>
-                </a:solidFill>
-                <a:latin typeface="+mn-lt"/>
-              </a:rPr>
-              <a:t>But what if it is a new user?</a:t>
-            </a:r>
-          </a:p>
-          <a:p>
-            <a:pPr marL="285750" lvl="0" indent="-285750" algn="l" rtl="0">
-              <a:spcBef>
-                <a:spcPts val="0"/>
-              </a:spcBef>
-              <a:spcAft>
-                <a:spcPts val="0"/>
-              </a:spcAft>
-              <a:buClr>
-                <a:schemeClr val="accent6">
-                  <a:lumMod val="10000"/>
-                </a:schemeClr>
-              </a:buClr>
-              <a:buFont typeface="Wingdings" pitchFamily="2" charset="2"/>
-              <a:buChar char="§"/>
-            </a:pPr>
-            <a:r>
-              <a:rPr lang="en-US" dirty="0">
-                <a:solidFill>
-                  <a:schemeClr val="bg1"/>
-                </a:solidFill>
-                <a:latin typeface="+mn-lt"/>
-              </a:rPr>
-              <a:t>New users would make the deployed model face “cold start” problem in which the user-item interaction matrix which the model use doesn’t have any data for the new user</a:t>
-            </a:r>
-          </a:p>
-          <a:p>
-            <a:pPr marL="285750" lvl="0" indent="-285750" algn="l" rtl="0">
-              <a:spcBef>
-                <a:spcPts val="0"/>
-              </a:spcBef>
-              <a:spcAft>
-                <a:spcPts val="0"/>
-              </a:spcAft>
-              <a:buClr>
-                <a:schemeClr val="accent6">
-                  <a:lumMod val="10000"/>
-                </a:schemeClr>
-              </a:buClr>
-              <a:buFont typeface="Wingdings" pitchFamily="2" charset="2"/>
-              <a:buChar char="§"/>
-            </a:pPr>
-            <a:r>
-              <a:rPr lang="en-US" dirty="0">
-                <a:solidFill>
-                  <a:schemeClr val="bg1"/>
-                </a:solidFill>
-                <a:latin typeface="+mn-lt"/>
-              </a:rPr>
-              <a:t>In this case, we created a different matrix factorization model using the user and item features and then get the new user’s parsed through which checks for its similarity with existing user and then recommends </a:t>
-            </a:r>
-            <a:r>
-              <a:rPr lang="en-US">
-                <a:solidFill>
-                  <a:schemeClr val="bg1"/>
-                </a:solidFill>
-                <a:latin typeface="+mn-lt"/>
-              </a:rPr>
-              <a:t>restaurants.</a:t>
-            </a:r>
-            <a:endParaRPr lang="en-US" dirty="0">
-              <a:solidFill>
-                <a:schemeClr val="bg1"/>
-              </a:solidFill>
-              <a:latin typeface="+mn-lt"/>
-            </a:endParaRPr>
+            <a:endParaRPr/>
           </a:p>
         </p:txBody>
       </p:sp>
@@ -16861,131 +16330,6 @@
   <p:cSld>
     <p:spTree>
       <p:nvGrpSpPr>
-        <p:cNvPr id="1" name="Shape 160"/>
-        <p:cNvGrpSpPr/>
-        <p:nvPr/>
-      </p:nvGrpSpPr>
-      <p:grpSpPr>
-        <a:xfrm>
-          <a:off x="0" y="0"/>
-          <a:ext cx="0" cy="0"/>
-          <a:chOff x="0" y="0"/>
-          <a:chExt cx="0" cy="0"/>
-        </a:xfrm>
-      </p:grpSpPr>
-      <p:sp>
-        <p:nvSpPr>
-          <p:cNvPr id="161" name="Google Shape;161;g83f00c33ef_0_17"/>
-          <p:cNvSpPr txBox="1">
-            <a:spLocks noGrp="1"/>
-          </p:cNvSpPr>
-          <p:nvPr>
-            <p:ph type="title"/>
-          </p:nvPr>
-        </p:nvSpPr>
-        <p:spPr>
-          <a:xfrm>
-            <a:off x="0" y="2"/>
-            <a:ext cx="2927700" cy="684300"/>
-          </a:xfrm>
-          <a:prstGeom prst="rect">
-            <a:avLst/>
-          </a:prstGeom>
-        </p:spPr>
-        <p:txBody>
-          <a:bodyPr spcFirstLastPara="1" wrap="square" lIns="91425" tIns="91425" rIns="91425" bIns="91425" anchor="t" anchorCtr="0">
-            <a:noAutofit/>
-          </a:bodyPr>
-          <a:lstStyle/>
-          <a:p>
-            <a:pPr marL="0" lvl="0" indent="0" algn="l" rtl="0">
-              <a:spcBef>
-                <a:spcPts val="0"/>
-              </a:spcBef>
-              <a:spcAft>
-                <a:spcPts val="0"/>
-              </a:spcAft>
-              <a:buNone/>
-            </a:pPr>
-            <a:r>
-              <a:rPr lang="en-US">
-                <a:solidFill>
-                  <a:srgbClr val="000000"/>
-                </a:solidFill>
-              </a:rPr>
-              <a:t>Model</a:t>
-            </a:r>
-            <a:endParaRPr>
-              <a:solidFill>
-                <a:srgbClr val="000000"/>
-              </a:solidFill>
-            </a:endParaRPr>
-          </a:p>
-          <a:p>
-            <a:pPr marL="0" lvl="0" indent="0" algn="l" rtl="0">
-              <a:spcBef>
-                <a:spcPts val="0"/>
-              </a:spcBef>
-              <a:spcAft>
-                <a:spcPts val="0"/>
-              </a:spcAft>
-              <a:buNone/>
-            </a:pPr>
-            <a:endParaRPr/>
-          </a:p>
-        </p:txBody>
-      </p:sp>
-      <p:sp>
-        <p:nvSpPr>
-          <p:cNvPr id="162" name="Google Shape;162;g83f00c33ef_0_17"/>
-          <p:cNvSpPr txBox="1">
-            <a:spLocks noGrp="1"/>
-          </p:cNvSpPr>
-          <p:nvPr>
-            <p:ph type="body" idx="1"/>
-          </p:nvPr>
-        </p:nvSpPr>
-        <p:spPr>
-          <a:xfrm>
-            <a:off x="311700" y="1152475"/>
-            <a:ext cx="8520600" cy="3416400"/>
-          </a:xfrm>
-          <a:prstGeom prst="rect">
-            <a:avLst/>
-          </a:prstGeom>
-        </p:spPr>
-        <p:txBody>
-          <a:bodyPr spcFirstLastPara="1" wrap="square" lIns="91425" tIns="91425" rIns="91425" bIns="91425" anchor="t" anchorCtr="0">
-            <a:noAutofit/>
-          </a:bodyPr>
-          <a:lstStyle/>
-          <a:p>
-            <a:pPr marL="0" lvl="0" indent="0" algn="l" rtl="0">
-              <a:spcBef>
-                <a:spcPts val="0"/>
-              </a:spcBef>
-              <a:spcAft>
-                <a:spcPts val="0"/>
-              </a:spcAft>
-              <a:buNone/>
-            </a:pPr>
-            <a:endParaRPr/>
-          </a:p>
-        </p:txBody>
-      </p:sp>
-    </p:spTree>
-  </p:cSld>
-  <p:clrMapOvr>
-    <a:masterClrMapping/>
-  </p:clrMapOvr>
-</p:sld>
-</file>
-
-<file path=ppt/slides/slide21.xml><?xml version="1.0" encoding="utf-8"?>
-<p:sld xmlns:a="http://schemas.openxmlformats.org/drawingml/2006/main" xmlns:r="http://schemas.openxmlformats.org/officeDocument/2006/relationships" xmlns:p="http://schemas.openxmlformats.org/presentationml/2006/main">
-  <p:cSld>
-    <p:spTree>
-      <p:nvGrpSpPr>
         <p:cNvPr id="1" name="Shape 166"/>
         <p:cNvGrpSpPr/>
         <p:nvPr/>
@@ -17102,7 +16446,7 @@
 </p:sld>
 </file>
 
-<file path=ppt/slides/slide22.xml><?xml version="1.0" encoding="utf-8"?>
+<file path=ppt/slides/slide21.xml><?xml version="1.0" encoding="utf-8"?>
 <p:sld xmlns:a="http://schemas.openxmlformats.org/drawingml/2006/main" xmlns:r="http://schemas.openxmlformats.org/officeDocument/2006/relationships" xmlns:p="http://schemas.openxmlformats.org/presentationml/2006/main">
   <p:cSld>
     <p:spTree>
@@ -17211,7 +16555,7 @@
 </p:sld>
 </file>
 
-<file path=ppt/slides/slide23.xml><?xml version="1.0" encoding="utf-8"?>
+<file path=ppt/slides/slide22.xml><?xml version="1.0" encoding="utf-8"?>
 <p:sld xmlns:a="http://schemas.openxmlformats.org/drawingml/2006/main" xmlns:r="http://schemas.openxmlformats.org/officeDocument/2006/relationships" xmlns:p="http://schemas.openxmlformats.org/presentationml/2006/main">
   <p:cSld>
     <p:spTree>
@@ -17372,7 +16716,7 @@
 </p:sld>
 </file>
 
-<file path=ppt/slides/slide24.xml><?xml version="1.0" encoding="utf-8"?>
+<file path=ppt/slides/slide23.xml><?xml version="1.0" encoding="utf-8"?>
 <p:sld xmlns:a="http://schemas.openxmlformats.org/drawingml/2006/main" xmlns:r="http://schemas.openxmlformats.org/officeDocument/2006/relationships" xmlns:p="http://schemas.openxmlformats.org/presentationml/2006/main">
   <p:cSld>
     <p:spTree>
@@ -18419,7 +17763,7 @@
         </p:nvSpPr>
         <p:spPr bwMode="auto">
           <a:xfrm>
-            <a:off x="-25" y="690719"/>
+            <a:off x="68817" y="788231"/>
             <a:ext cx="4725233" cy="2090479"/>
           </a:xfrm>
           <a:prstGeom prst="rect">
@@ -18781,8 +18125,8 @@
         </p:blipFill>
         <p:spPr>
           <a:xfrm>
-            <a:off x="1779159" y="2988357"/>
-            <a:ext cx="2792841" cy="2070426"/>
+            <a:off x="2053087" y="3191429"/>
+            <a:ext cx="2518913" cy="1867354"/>
           </a:xfrm>
           <a:prstGeom prst="rect">
             <a:avLst/>
@@ -18798,86 +18142,6 @@
 </file>
 
 <file path=ppt/slides/slide6.xml><?xml version="1.0" encoding="utf-8"?>
-<p:sld xmlns:a="http://schemas.openxmlformats.org/drawingml/2006/main" xmlns:r="http://schemas.openxmlformats.org/officeDocument/2006/relationships" xmlns:p="http://schemas.openxmlformats.org/presentationml/2006/main">
-  <p:cSld>
-    <p:spTree>
-      <p:nvGrpSpPr>
-        <p:cNvPr id="1" name=""/>
-        <p:cNvGrpSpPr/>
-        <p:nvPr/>
-      </p:nvGrpSpPr>
-      <p:grpSpPr>
-        <a:xfrm>
-          <a:off x="0" y="0"/>
-          <a:ext cx="0" cy="0"/>
-          <a:chOff x="0" y="0"/>
-          <a:chExt cx="0" cy="0"/>
-        </a:xfrm>
-      </p:grpSpPr>
-      <p:sp>
-        <p:nvSpPr>
-          <p:cNvPr id="2" name="Title 1">
-            <a:extLst>
-              <a:ext uri="{FF2B5EF4-FFF2-40B4-BE49-F238E27FC236}">
-                <a16:creationId xmlns:a16="http://schemas.microsoft.com/office/drawing/2014/main" id="{CC91924D-2600-44A5-BD9A-C9D12D1CBE40}"/>
-              </a:ext>
-            </a:extLst>
-          </p:cNvPr>
-          <p:cNvSpPr>
-            <a:spLocks noGrp="1"/>
-          </p:cNvSpPr>
-          <p:nvPr>
-            <p:ph type="title"/>
-          </p:nvPr>
-        </p:nvSpPr>
-        <p:spPr/>
-        <p:txBody>
-          <a:bodyPr/>
-          <a:lstStyle/>
-          <a:p>
-            <a:endParaRPr lang="en-US" dirty="0"/>
-          </a:p>
-        </p:txBody>
-      </p:sp>
-      <p:sp>
-        <p:nvSpPr>
-          <p:cNvPr id="3" name="Text Placeholder 2">
-            <a:extLst>
-              <a:ext uri="{FF2B5EF4-FFF2-40B4-BE49-F238E27FC236}">
-                <a16:creationId xmlns:a16="http://schemas.microsoft.com/office/drawing/2014/main" id="{7D3401DF-8A1D-4E7E-B4C2-9FC0CA72BCD9}"/>
-              </a:ext>
-            </a:extLst>
-          </p:cNvPr>
-          <p:cNvSpPr>
-            <a:spLocks noGrp="1"/>
-          </p:cNvSpPr>
-          <p:nvPr>
-            <p:ph type="body" idx="1"/>
-          </p:nvPr>
-        </p:nvSpPr>
-        <p:spPr/>
-        <p:txBody>
-          <a:bodyPr/>
-          <a:lstStyle/>
-          <a:p>
-            <a:endParaRPr lang="en-US" dirty="0"/>
-          </a:p>
-        </p:txBody>
-      </p:sp>
-    </p:spTree>
-    <p:extLst>
-      <p:ext uri="{BB962C8B-B14F-4D97-AF65-F5344CB8AC3E}">
-        <p14:creationId xmlns:p14="http://schemas.microsoft.com/office/powerpoint/2010/main" val="1562886752"/>
-      </p:ext>
-    </p:extLst>
-  </p:cSld>
-  <p:clrMapOvr>
-    <a:masterClrMapping/>
-  </p:clrMapOvr>
-</p:sld>
-</file>
-
-<file path=ppt/slides/slide7.xml><?xml version="1.0" encoding="utf-8"?>
 <p:sld xmlns:a="http://schemas.openxmlformats.org/drawingml/2006/main" xmlns:r="http://schemas.openxmlformats.org/officeDocument/2006/relationships" xmlns:p="http://schemas.openxmlformats.org/presentationml/2006/main">
   <p:cSld>
     <p:spTree>
@@ -18968,7 +18232,7 @@
         </p:nvSpPr>
         <p:spPr bwMode="auto">
           <a:xfrm>
-            <a:off x="94890" y="863528"/>
+            <a:off x="189781" y="777264"/>
             <a:ext cx="8385742" cy="3241944"/>
           </a:xfrm>
           <a:prstGeom prst="rect">
@@ -19177,17 +18441,150 @@
                 </a:solidFill>
                 <a:latin typeface="Arial"/>
               </a:rPr>
-              <a:t>‘Attributes’ column in the dataset was extrapolated to create new features</a:t>
+              <a:t>Considered only Illinois-based restaurants in our dataset</a:t>
             </a:r>
           </a:p>
           <a:p>
             <a:pPr marL="285750" lvl="0" indent="-285750">
+              <a:lnSpc>
+                <a:spcPct val="115000"/>
+              </a:lnSpc>
+              <a:buSzPts val="1800"/>
+              <a:buFont typeface="Wingdings" panose="05000000000000000000" pitchFamily="2" charset="2"/>
+              <a:buChar char="§"/>
+            </a:pPr>
+            <a:r>
+              <a:rPr lang="en-US" dirty="0">
+                <a:solidFill>
+                  <a:srgbClr val="000000"/>
+                </a:solidFill>
+                <a:latin typeface="Arial"/>
+              </a:rPr>
+              <a:t>Features considered for the recommender system :-</a:t>
+            </a:r>
+          </a:p>
+          <a:p>
+            <a:pPr marL="628650" lvl="0" indent="-285750">
               <a:lnSpc>
                 <a:spcPct val="115000"/>
               </a:lnSpc>
               <a:buSzPts val="1800"/>
               <a:buFont typeface="Arial" panose="020B0604020202020204" pitchFamily="34" charset="0"/>
               <a:buChar char="•"/>
+            </a:pPr>
+            <a:r>
+              <a:rPr lang="en-US" dirty="0">
+                <a:solidFill>
+                  <a:srgbClr val="000000"/>
+                </a:solidFill>
+                <a:latin typeface="Arial"/>
+              </a:rPr>
+              <a:t>Number of stars</a:t>
+            </a:r>
+          </a:p>
+          <a:p>
+            <a:pPr marL="628650" lvl="0" indent="-285750">
+              <a:lnSpc>
+                <a:spcPct val="115000"/>
+              </a:lnSpc>
+              <a:buSzPts val="1800"/>
+              <a:buFont typeface="Arial" panose="020B0604020202020204" pitchFamily="34" charset="0"/>
+              <a:buChar char="•"/>
+            </a:pPr>
+            <a:r>
+              <a:rPr lang="en-US" dirty="0">
+                <a:solidFill>
+                  <a:srgbClr val="000000"/>
+                </a:solidFill>
+                <a:latin typeface="Arial"/>
+              </a:rPr>
+              <a:t>Review counts of each restaurant</a:t>
+            </a:r>
+          </a:p>
+          <a:p>
+            <a:pPr marL="628650" lvl="0" indent="-285750">
+              <a:lnSpc>
+                <a:spcPct val="115000"/>
+              </a:lnSpc>
+              <a:buSzPts val="1800"/>
+              <a:buFont typeface="Arial" panose="020B0604020202020204" pitchFamily="34" charset="0"/>
+              <a:buChar char="•"/>
+            </a:pPr>
+            <a:r>
+              <a:rPr lang="en-US" dirty="0">
+                <a:solidFill>
+                  <a:srgbClr val="000000"/>
+                </a:solidFill>
+                <a:latin typeface="Arial"/>
+              </a:rPr>
+              <a:t>Categories of the restaurants as item features</a:t>
+            </a:r>
+          </a:p>
+          <a:p>
+            <a:pPr marL="285750" lvl="0" indent="-285750">
+              <a:lnSpc>
+                <a:spcPct val="115000"/>
+              </a:lnSpc>
+              <a:buSzPts val="1800"/>
+              <a:buFont typeface="Wingdings" panose="05000000000000000000" pitchFamily="2" charset="2"/>
+              <a:buChar char="§"/>
+            </a:pPr>
+            <a:r>
+              <a:rPr lang="en-US" dirty="0">
+                <a:solidFill>
+                  <a:srgbClr val="000000"/>
+                </a:solidFill>
+                <a:latin typeface="Arial"/>
+              </a:rPr>
+              <a:t>Out of 436 tags we decided to keep top 60 tags with highest popularities </a:t>
+            </a:r>
+          </a:p>
+          <a:p>
+            <a:pPr marL="285750" lvl="0" indent="-285750">
+              <a:lnSpc>
+                <a:spcPct val="115000"/>
+              </a:lnSpc>
+              <a:buSzPts val="1800"/>
+              <a:buFont typeface="Wingdings" panose="05000000000000000000" pitchFamily="2" charset="2"/>
+              <a:buChar char="§"/>
+            </a:pPr>
+            <a:r>
+              <a:rPr lang="en-US" dirty="0">
+                <a:solidFill>
+                  <a:srgbClr val="000000"/>
+                </a:solidFill>
+                <a:latin typeface="Arial"/>
+              </a:rPr>
+              <a:t>‘Attributes’ column in the dataset was extrapolated to create new features</a:t>
+            </a:r>
+          </a:p>
+          <a:p>
+            <a:pPr marL="285750" lvl="0" indent="-285750">
+              <a:lnSpc>
+                <a:spcPct val="115000"/>
+              </a:lnSpc>
+              <a:buSzPts val="1800"/>
+              <a:buFont typeface="Wingdings" panose="05000000000000000000" pitchFamily="2" charset="2"/>
+              <a:buChar char="§"/>
+            </a:pPr>
+            <a:r>
+              <a:rPr lang="en-US" dirty="0">
+                <a:solidFill>
+                  <a:srgbClr val="000000"/>
+                </a:solidFill>
+                <a:latin typeface="Arial"/>
+              </a:rPr>
+              <a:t>Computed TF-IDF for each tag which will be used as weights during model fitting</a:t>
+            </a:r>
+          </a:p>
+          <a:p>
+            <a:pPr marL="285750" lvl="0" indent="-285750">
+              <a:lnSpc>
+                <a:spcPct val="115000"/>
+              </a:lnSpc>
+              <a:buSzPts val="1800"/>
+              <a:buFont typeface="Wingdings" panose="05000000000000000000" pitchFamily="2" charset="2"/>
+              <a:buChar char="§"/>
             </a:pPr>
             <a:endParaRPr lang="en-US" dirty="0">
               <a:solidFill>
@@ -19197,13 +18594,28 @@
             </a:endParaRPr>
           </a:p>
           <a:p>
-            <a:pPr marL="285750" lvl="0" indent="-285750">
+            <a:pPr marL="342900" lvl="0" indent="0">
               <a:lnSpc>
                 <a:spcPct val="115000"/>
               </a:lnSpc>
               <a:buSzPts val="1800"/>
-              <a:buFont typeface="Arial" panose="020B0604020202020204" pitchFamily="34" charset="0"/>
-              <a:buChar char="•"/>
+            </a:pPr>
+            <a:r>
+              <a:rPr lang="en-US" dirty="0">
+                <a:solidFill>
+                  <a:srgbClr val="000000"/>
+                </a:solidFill>
+                <a:latin typeface="Arial"/>
+              </a:rPr>
+              <a:t>		</a:t>
+            </a:r>
+          </a:p>
+          <a:p>
+            <a:pPr marL="0" lvl="0" indent="0">
+              <a:lnSpc>
+                <a:spcPct val="115000"/>
+              </a:lnSpc>
+              <a:buSzPts val="1800"/>
             </a:pPr>
             <a:endParaRPr lang="en-US" dirty="0">
               <a:solidFill>
@@ -19228,13 +18640,13 @@
         </p:nvPicPr>
         <p:blipFill rotWithShape="1">
           <a:blip r:embed="rId3"/>
-          <a:srcRect l="38071" t="46574" r="23846" b="27206"/>
+          <a:srcRect l="40266" t="46574" r="37177" b="28864"/>
           <a:stretch/>
         </p:blipFill>
         <p:spPr bwMode="auto">
           <a:xfrm>
-            <a:off x="301923" y="2398142"/>
-            <a:ext cx="4910239" cy="2501661"/>
+            <a:off x="6383546" y="777264"/>
+            <a:ext cx="2570673" cy="2043574"/>
           </a:xfrm>
           <a:prstGeom prst="rect">
             <a:avLst/>
@@ -19251,6 +18663,60 @@
           </a:extLst>
         </p:spPr>
       </p:pic>
+      <p:pic>
+        <p:nvPicPr>
+          <p:cNvPr id="1026" name="Picture 2">
+            <a:extLst>
+              <a:ext uri="{FF2B5EF4-FFF2-40B4-BE49-F238E27FC236}">
+                <a16:creationId xmlns:a16="http://schemas.microsoft.com/office/drawing/2014/main" id="{D44D266E-BCD0-4E9B-897D-6A4C54843A76}"/>
+              </a:ext>
+            </a:extLst>
+          </p:cNvPr>
+          <p:cNvPicPr>
+            <a:picLocks noChangeAspect="1" noChangeArrowheads="1"/>
+          </p:cNvPicPr>
+          <p:nvPr/>
+        </p:nvPicPr>
+        <p:blipFill>
+          <a:blip r:embed="rId4">
+            <a:extLst>
+              <a:ext uri="{28A0092B-C50C-407E-A947-70E740481C1C}">
+                <a14:useLocalDpi xmlns:a14="http://schemas.microsoft.com/office/drawing/2010/main" val="0"/>
+              </a:ext>
+            </a:extLst>
+          </a:blip>
+          <a:srcRect/>
+          <a:stretch>
+            <a:fillRect/>
+          </a:stretch>
+        </p:blipFill>
+        <p:spPr bwMode="auto">
+          <a:xfrm>
+            <a:off x="2061713" y="3628029"/>
+            <a:ext cx="5500254" cy="1476413"/>
+          </a:xfrm>
+          <a:prstGeom prst="rect">
+            <a:avLst/>
+          </a:prstGeom>
+          <a:noFill/>
+          <a:ln>
+            <a:solidFill>
+              <a:schemeClr val="bg1">
+                <a:lumMod val="50000"/>
+              </a:schemeClr>
+            </a:solidFill>
+          </a:ln>
+          <a:extLst>
+            <a:ext uri="{909E8E84-426E-40DD-AFC4-6F175D3DCCD1}">
+              <a14:hiddenFill xmlns:a14="http://schemas.microsoft.com/office/drawing/2010/main">
+                <a:solidFill>
+                  <a:srgbClr val="FFFFFF"/>
+                </a:solidFill>
+              </a14:hiddenFill>
+            </a:ext>
+          </a:extLst>
+        </p:spPr>
+      </p:pic>
     </p:spTree>
   </p:cSld>
   <p:clrMapOvr>
@@ -19259,7 +18725,7 @@
 </p:sld>
 </file>
 
-<file path=ppt/slides/slide8.xml><?xml version="1.0" encoding="utf-8"?>
+<file path=ppt/slides/slide7.xml><?xml version="1.0" encoding="utf-8"?>
 <p:sld xmlns:a="http://schemas.openxmlformats.org/drawingml/2006/main" xmlns:r="http://schemas.openxmlformats.org/officeDocument/2006/relationships" xmlns:p="http://schemas.openxmlformats.org/presentationml/2006/main">
   <p:cSld>
     <p:spTree>
@@ -19476,7 +18942,7 @@
 </p:sld>
 </file>
 
-<file path=ppt/slides/slide9.xml><?xml version="1.0" encoding="utf-8"?>
+<file path=ppt/slides/slide8.xml><?xml version="1.0" encoding="utf-8"?>
 <p:sld xmlns:a="http://schemas.openxmlformats.org/drawingml/2006/main" xmlns:r="http://schemas.openxmlformats.org/officeDocument/2006/relationships" xmlns:p="http://schemas.openxmlformats.org/presentationml/2006/main">
   <p:cSld>
     <p:spTree>
@@ -20426,6 +19892,661 @@
               </a:rPr>
               <a:t>Check the missing values</a:t>
             </a:r>
+          </a:p>
+        </p:txBody>
+      </p:sp>
+    </p:spTree>
+  </p:cSld>
+  <p:clrMapOvr>
+    <a:masterClrMapping/>
+  </p:clrMapOvr>
+</p:sld>
+</file>
+
+<file path=ppt/slides/slide9.xml><?xml version="1.0" encoding="utf-8"?>
+<p:sld xmlns:a="http://schemas.openxmlformats.org/drawingml/2006/main" xmlns:r="http://schemas.openxmlformats.org/officeDocument/2006/relationships" xmlns:p="http://schemas.openxmlformats.org/presentationml/2006/main">
+  <p:cSld>
+    <p:spTree>
+      <p:nvGrpSpPr>
+        <p:cNvPr id="1" name="Shape 133"/>
+        <p:cNvGrpSpPr/>
+        <p:nvPr/>
+      </p:nvGrpSpPr>
+      <p:grpSpPr>
+        <a:xfrm>
+          <a:off x="0" y="0"/>
+          <a:ext cx="0" cy="0"/>
+          <a:chOff x="0" y="0"/>
+          <a:chExt cx="0" cy="0"/>
+        </a:xfrm>
+      </p:grpSpPr>
+      <p:sp>
+        <p:nvSpPr>
+          <p:cNvPr id="134" name="Google Shape;134;g83ddf61570_0_20"/>
+          <p:cNvSpPr txBox="1">
+            <a:spLocks noGrp="1"/>
+          </p:cNvSpPr>
+          <p:nvPr>
+            <p:ph type="title"/>
+          </p:nvPr>
+        </p:nvSpPr>
+        <p:spPr>
+          <a:xfrm>
+            <a:off x="0" y="0"/>
+            <a:ext cx="6279900" cy="678000"/>
+          </a:xfrm>
+          <a:prstGeom prst="rect">
+            <a:avLst/>
+          </a:prstGeom>
+          <a:noFill/>
+          <a:ln>
+            <a:noFill/>
+          </a:ln>
+        </p:spPr>
+        <p:txBody>
+          <a:bodyPr spcFirstLastPara="1" wrap="square" lIns="91425" tIns="91425" rIns="91425" bIns="91425" anchor="t" anchorCtr="0">
+            <a:noAutofit/>
+          </a:bodyPr>
+          <a:lstStyle/>
+          <a:p>
+            <a:pPr marL="0" lvl="0" indent="0" algn="l" rtl="0">
+              <a:lnSpc>
+                <a:spcPct val="100000"/>
+              </a:lnSpc>
+              <a:spcBef>
+                <a:spcPts val="0"/>
+              </a:spcBef>
+              <a:spcAft>
+                <a:spcPts val="0"/>
+              </a:spcAft>
+              <a:buSzPts val="3000"/>
+              <a:buNone/>
+            </a:pPr>
+            <a:r>
+              <a:rPr lang="en-US">
+                <a:solidFill>
+                  <a:srgbClr val="000000"/>
+                </a:solidFill>
+              </a:rPr>
+              <a:t>Exploratory Data Analysis</a:t>
+            </a:r>
+            <a:endParaRPr>
+              <a:solidFill>
+                <a:srgbClr val="000000"/>
+              </a:solidFill>
+            </a:endParaRPr>
+          </a:p>
+        </p:txBody>
+      </p:sp>
+      <p:sp>
+        <p:nvSpPr>
+          <p:cNvPr id="135" name="Google Shape;135;g83ddf61570_0_20"/>
+          <p:cNvSpPr txBox="1">
+            <a:spLocks noGrp="1"/>
+          </p:cNvSpPr>
+          <p:nvPr>
+            <p:ph type="body" idx="1"/>
+          </p:nvPr>
+        </p:nvSpPr>
+        <p:spPr>
+          <a:xfrm>
+            <a:off x="428375" y="792950"/>
+            <a:ext cx="7072500" cy="532200"/>
+          </a:xfrm>
+          <a:prstGeom prst="rect">
+            <a:avLst/>
+          </a:prstGeom>
+          <a:noFill/>
+          <a:ln>
+            <a:noFill/>
+          </a:ln>
+        </p:spPr>
+        <p:txBody>
+          <a:bodyPr spcFirstLastPara="1" wrap="square" lIns="91425" tIns="91425" rIns="91425" bIns="91425" anchor="t" anchorCtr="0">
+            <a:noAutofit/>
+          </a:bodyPr>
+          <a:lstStyle/>
+          <a:p>
+            <a:pPr marL="0" lvl="0" indent="0" algn="l" rtl="0">
+              <a:lnSpc>
+                <a:spcPct val="115000"/>
+              </a:lnSpc>
+              <a:spcBef>
+                <a:spcPts val="0"/>
+              </a:spcBef>
+              <a:spcAft>
+                <a:spcPts val="0"/>
+              </a:spcAft>
+              <a:buSzPts val="1800"/>
+              <a:buNone/>
+            </a:pPr>
+            <a:r>
+              <a:rPr lang="en-US" dirty="0">
+                <a:solidFill>
+                  <a:srgbClr val="000000"/>
+                </a:solidFill>
+              </a:rPr>
+              <a:t>Business:                       </a:t>
+            </a:r>
+            <a:r>
+              <a:rPr lang="en-US" sz="1350" b="1" dirty="0">
+                <a:solidFill>
+                  <a:srgbClr val="000000"/>
+                </a:solidFill>
+                <a:highlight>
+                  <a:srgbClr val="FFFFFF"/>
+                </a:highlight>
+                <a:latin typeface="Arial"/>
+                <a:ea typeface="Arial"/>
+                <a:cs typeface="Arial"/>
+                <a:sym typeface="Arial"/>
+              </a:rPr>
+              <a:t>Distribution of businesses in Illinois</a:t>
+            </a:r>
+            <a:endParaRPr sz="1350" b="1" dirty="0">
+              <a:solidFill>
+                <a:srgbClr val="000000"/>
+              </a:solidFill>
+              <a:highlight>
+                <a:srgbClr val="FFFFFF"/>
+              </a:highlight>
+              <a:latin typeface="Arial"/>
+              <a:ea typeface="Arial"/>
+              <a:cs typeface="Arial"/>
+              <a:sym typeface="Arial"/>
+            </a:endParaRPr>
+          </a:p>
+          <a:p>
+            <a:pPr marL="0" lvl="0" indent="0" algn="l" rtl="0">
+              <a:lnSpc>
+                <a:spcPct val="115000"/>
+              </a:lnSpc>
+              <a:spcBef>
+                <a:spcPts val="0"/>
+              </a:spcBef>
+              <a:spcAft>
+                <a:spcPts val="0"/>
+              </a:spcAft>
+              <a:buSzPts val="1800"/>
+              <a:buNone/>
+            </a:pPr>
+            <a:endParaRPr sz="1350" b="1" dirty="0">
+              <a:solidFill>
+                <a:srgbClr val="000000"/>
+              </a:solidFill>
+              <a:highlight>
+                <a:srgbClr val="FFFFFF"/>
+              </a:highlight>
+              <a:latin typeface="Arial"/>
+              <a:ea typeface="Arial"/>
+              <a:cs typeface="Arial"/>
+              <a:sym typeface="Arial"/>
+            </a:endParaRPr>
+          </a:p>
+          <a:p>
+            <a:pPr marL="0" lvl="0" indent="0" algn="l" rtl="0">
+              <a:lnSpc>
+                <a:spcPct val="100000"/>
+              </a:lnSpc>
+              <a:spcBef>
+                <a:spcPts val="1000"/>
+              </a:spcBef>
+              <a:spcAft>
+                <a:spcPts val="0"/>
+              </a:spcAft>
+              <a:buNone/>
+            </a:pPr>
+            <a:endParaRPr sz="1350" b="1" dirty="0">
+              <a:solidFill>
+                <a:srgbClr val="000000"/>
+              </a:solidFill>
+              <a:highlight>
+                <a:srgbClr val="FFFFFF"/>
+              </a:highlight>
+              <a:latin typeface="Arial"/>
+              <a:ea typeface="Arial"/>
+              <a:cs typeface="Arial"/>
+              <a:sym typeface="Arial"/>
+            </a:endParaRPr>
+          </a:p>
+          <a:p>
+            <a:pPr marL="0" lvl="0" indent="0" algn="l" rtl="0">
+              <a:lnSpc>
+                <a:spcPct val="115000"/>
+              </a:lnSpc>
+              <a:spcBef>
+                <a:spcPts val="1600"/>
+              </a:spcBef>
+              <a:spcAft>
+                <a:spcPts val="0"/>
+              </a:spcAft>
+              <a:buSzPts val="1800"/>
+              <a:buNone/>
+            </a:pPr>
+            <a:endParaRPr dirty="0">
+              <a:solidFill>
+                <a:srgbClr val="000000"/>
+              </a:solidFill>
+            </a:endParaRPr>
+          </a:p>
+          <a:p>
+            <a:pPr marL="0" lvl="0" indent="0" algn="l" rtl="0">
+              <a:lnSpc>
+                <a:spcPct val="115000"/>
+              </a:lnSpc>
+              <a:spcBef>
+                <a:spcPts val="1600"/>
+              </a:spcBef>
+              <a:spcAft>
+                <a:spcPts val="1600"/>
+              </a:spcAft>
+              <a:buSzPts val="1800"/>
+              <a:buNone/>
+            </a:pPr>
+            <a:endParaRPr dirty="0">
+              <a:solidFill>
+                <a:srgbClr val="000000"/>
+              </a:solidFill>
+            </a:endParaRPr>
+          </a:p>
+        </p:txBody>
+      </p:sp>
+      <p:pic>
+        <p:nvPicPr>
+          <p:cNvPr id="1026" name="Picture 2">
+            <a:extLst>
+              <a:ext uri="{FF2B5EF4-FFF2-40B4-BE49-F238E27FC236}">
+                <a16:creationId xmlns:a16="http://schemas.microsoft.com/office/drawing/2014/main" id="{EA5C39C4-F3A1-45BA-B280-7526C534FA50}"/>
+              </a:ext>
+            </a:extLst>
+          </p:cNvPr>
+          <p:cNvPicPr>
+            <a:picLocks noChangeAspect="1" noChangeArrowheads="1"/>
+          </p:cNvPicPr>
+          <p:nvPr/>
+        </p:nvPicPr>
+        <p:blipFill>
+          <a:blip r:embed="rId3">
+            <a:extLst>
+              <a:ext uri="{28A0092B-C50C-407E-A947-70E740481C1C}">
+                <a14:useLocalDpi xmlns:a14="http://schemas.microsoft.com/office/drawing/2010/main" val="0"/>
+              </a:ext>
+            </a:extLst>
+          </a:blip>
+          <a:srcRect/>
+          <a:stretch>
+            <a:fillRect/>
+          </a:stretch>
+        </p:blipFill>
+        <p:spPr bwMode="auto">
+          <a:xfrm>
+            <a:off x="0" y="1134620"/>
+            <a:ext cx="9144000" cy="2459037"/>
+          </a:xfrm>
+          <a:prstGeom prst="rect">
+            <a:avLst/>
+          </a:prstGeom>
+          <a:noFill/>
+          <a:extLst>
+            <a:ext uri="{909E8E84-426E-40DD-AFC4-6F175D3DCCD1}">
+              <a14:hiddenFill xmlns:a14="http://schemas.microsoft.com/office/drawing/2010/main">
+                <a:solidFill>
+                  <a:srgbClr val="FFFFFF"/>
+                </a:solidFill>
+              </a14:hiddenFill>
+            </a:ext>
+          </a:extLst>
+        </p:spPr>
+      </p:pic>
+      <p:sp>
+        <p:nvSpPr>
+          <p:cNvPr id="7" name="Google Shape;114;g83d7f3170d_0_5">
+            <a:extLst>
+              <a:ext uri="{FF2B5EF4-FFF2-40B4-BE49-F238E27FC236}">
+                <a16:creationId xmlns:a16="http://schemas.microsoft.com/office/drawing/2014/main" id="{2B6971E1-34CE-4688-A326-EB991C5D707F}"/>
+              </a:ext>
+            </a:extLst>
+          </p:cNvPr>
+          <p:cNvSpPr txBox="1">
+            <a:spLocks/>
+          </p:cNvSpPr>
+          <p:nvPr/>
+        </p:nvSpPr>
+        <p:spPr>
+          <a:xfrm>
+            <a:off x="311700" y="3593657"/>
+            <a:ext cx="8520600" cy="1125998"/>
+          </a:xfrm>
+          <a:prstGeom prst="rect">
+            <a:avLst/>
+          </a:prstGeom>
+          <a:noFill/>
+          <a:ln>
+            <a:noFill/>
+          </a:ln>
+        </p:spPr>
+        <p:txBody>
+          <a:bodyPr spcFirstLastPara="1" wrap="square" lIns="91425" tIns="91425" rIns="91425" bIns="91425" anchor="t" anchorCtr="0">
+            <a:noAutofit/>
+          </a:bodyPr>
+          <a:lstStyle>
+            <a:defPPr marR="0" lvl="0" algn="l" rtl="0">
+              <a:lnSpc>
+                <a:spcPct val="100000"/>
+              </a:lnSpc>
+              <a:spcBef>
+                <a:spcPts val="0"/>
+              </a:spcBef>
+              <a:spcAft>
+                <a:spcPts val="0"/>
+              </a:spcAft>
+            </a:defPPr>
+            <a:lvl1pPr marL="457200" marR="0" lvl="0" indent="-342900" algn="l" rtl="0">
+              <a:lnSpc>
+                <a:spcPct val="115000"/>
+              </a:lnSpc>
+              <a:spcBef>
+                <a:spcPts val="0"/>
+              </a:spcBef>
+              <a:spcAft>
+                <a:spcPts val="0"/>
+              </a:spcAft>
+              <a:buClr>
+                <a:schemeClr val="accent3"/>
+              </a:buClr>
+              <a:buSzPts val="1800"/>
+              <a:buFont typeface="Average"/>
+              <a:buChar char="●"/>
+              <a:defRPr sz="1800" b="0" i="0" u="none" strike="noStrike" cap="none">
+                <a:solidFill>
+                  <a:schemeClr val="accent3"/>
+                </a:solidFill>
+                <a:latin typeface="Average"/>
+                <a:ea typeface="Average"/>
+                <a:cs typeface="Average"/>
+                <a:sym typeface="Average"/>
+              </a:defRPr>
+            </a:lvl1pPr>
+            <a:lvl2pPr marL="914400" marR="0" lvl="1" indent="-317500" algn="l" rtl="0">
+              <a:lnSpc>
+                <a:spcPct val="115000"/>
+              </a:lnSpc>
+              <a:spcBef>
+                <a:spcPts val="1600"/>
+              </a:spcBef>
+              <a:spcAft>
+                <a:spcPts val="0"/>
+              </a:spcAft>
+              <a:buClr>
+                <a:schemeClr val="accent3"/>
+              </a:buClr>
+              <a:buSzPts val="1400"/>
+              <a:buFont typeface="Average"/>
+              <a:buChar char="○"/>
+              <a:defRPr sz="1400" b="0" i="0" u="none" strike="noStrike" cap="none">
+                <a:solidFill>
+                  <a:schemeClr val="accent3"/>
+                </a:solidFill>
+                <a:latin typeface="Average"/>
+                <a:ea typeface="Average"/>
+                <a:cs typeface="Average"/>
+                <a:sym typeface="Average"/>
+              </a:defRPr>
+            </a:lvl2pPr>
+            <a:lvl3pPr marL="1371600" marR="0" lvl="2" indent="-317500" algn="l" rtl="0">
+              <a:lnSpc>
+                <a:spcPct val="115000"/>
+              </a:lnSpc>
+              <a:spcBef>
+                <a:spcPts val="1600"/>
+              </a:spcBef>
+              <a:spcAft>
+                <a:spcPts val="0"/>
+              </a:spcAft>
+              <a:buClr>
+                <a:schemeClr val="accent3"/>
+              </a:buClr>
+              <a:buSzPts val="1400"/>
+              <a:buFont typeface="Average"/>
+              <a:buChar char="■"/>
+              <a:defRPr sz="1400" b="0" i="0" u="none" strike="noStrike" cap="none">
+                <a:solidFill>
+                  <a:schemeClr val="accent3"/>
+                </a:solidFill>
+                <a:latin typeface="Average"/>
+                <a:ea typeface="Average"/>
+                <a:cs typeface="Average"/>
+                <a:sym typeface="Average"/>
+              </a:defRPr>
+            </a:lvl3pPr>
+            <a:lvl4pPr marL="1828800" marR="0" lvl="3" indent="-317500" algn="l" rtl="0">
+              <a:lnSpc>
+                <a:spcPct val="115000"/>
+              </a:lnSpc>
+              <a:spcBef>
+                <a:spcPts val="1600"/>
+              </a:spcBef>
+              <a:spcAft>
+                <a:spcPts val="0"/>
+              </a:spcAft>
+              <a:buClr>
+                <a:schemeClr val="accent3"/>
+              </a:buClr>
+              <a:buSzPts val="1400"/>
+              <a:buFont typeface="Average"/>
+              <a:buChar char="●"/>
+              <a:defRPr sz="1400" b="0" i="0" u="none" strike="noStrike" cap="none">
+                <a:solidFill>
+                  <a:schemeClr val="accent3"/>
+                </a:solidFill>
+                <a:latin typeface="Average"/>
+                <a:ea typeface="Average"/>
+                <a:cs typeface="Average"/>
+                <a:sym typeface="Average"/>
+              </a:defRPr>
+            </a:lvl4pPr>
+            <a:lvl5pPr marL="2286000" marR="0" lvl="4" indent="-317500" algn="l" rtl="0">
+              <a:lnSpc>
+                <a:spcPct val="115000"/>
+              </a:lnSpc>
+              <a:spcBef>
+                <a:spcPts val="1600"/>
+              </a:spcBef>
+              <a:spcAft>
+                <a:spcPts val="0"/>
+              </a:spcAft>
+              <a:buClr>
+                <a:schemeClr val="accent3"/>
+              </a:buClr>
+              <a:buSzPts val="1400"/>
+              <a:buFont typeface="Average"/>
+              <a:buChar char="○"/>
+              <a:defRPr sz="1400" b="0" i="0" u="none" strike="noStrike" cap="none">
+                <a:solidFill>
+                  <a:schemeClr val="accent3"/>
+                </a:solidFill>
+                <a:latin typeface="Average"/>
+                <a:ea typeface="Average"/>
+                <a:cs typeface="Average"/>
+                <a:sym typeface="Average"/>
+              </a:defRPr>
+            </a:lvl5pPr>
+            <a:lvl6pPr marL="2743200" marR="0" lvl="5" indent="-317500" algn="l" rtl="0">
+              <a:lnSpc>
+                <a:spcPct val="115000"/>
+              </a:lnSpc>
+              <a:spcBef>
+                <a:spcPts val="1600"/>
+              </a:spcBef>
+              <a:spcAft>
+                <a:spcPts val="0"/>
+              </a:spcAft>
+              <a:buClr>
+                <a:schemeClr val="accent3"/>
+              </a:buClr>
+              <a:buSzPts val="1400"/>
+              <a:buFont typeface="Average"/>
+              <a:buChar char="■"/>
+              <a:defRPr sz="1400" b="0" i="0" u="none" strike="noStrike" cap="none">
+                <a:solidFill>
+                  <a:schemeClr val="accent3"/>
+                </a:solidFill>
+                <a:latin typeface="Average"/>
+                <a:ea typeface="Average"/>
+                <a:cs typeface="Average"/>
+                <a:sym typeface="Average"/>
+              </a:defRPr>
+            </a:lvl6pPr>
+            <a:lvl7pPr marL="3200400" marR="0" lvl="6" indent="-317500" algn="l" rtl="0">
+              <a:lnSpc>
+                <a:spcPct val="115000"/>
+              </a:lnSpc>
+              <a:spcBef>
+                <a:spcPts val="1600"/>
+              </a:spcBef>
+              <a:spcAft>
+                <a:spcPts val="0"/>
+              </a:spcAft>
+              <a:buClr>
+                <a:schemeClr val="accent3"/>
+              </a:buClr>
+              <a:buSzPts val="1400"/>
+              <a:buFont typeface="Average"/>
+              <a:buChar char="●"/>
+              <a:defRPr sz="1400" b="0" i="0" u="none" strike="noStrike" cap="none">
+                <a:solidFill>
+                  <a:schemeClr val="accent3"/>
+                </a:solidFill>
+                <a:latin typeface="Average"/>
+                <a:ea typeface="Average"/>
+                <a:cs typeface="Average"/>
+                <a:sym typeface="Average"/>
+              </a:defRPr>
+            </a:lvl7pPr>
+            <a:lvl8pPr marL="3657600" marR="0" lvl="7" indent="-317500" algn="l" rtl="0">
+              <a:lnSpc>
+                <a:spcPct val="115000"/>
+              </a:lnSpc>
+              <a:spcBef>
+                <a:spcPts val="1600"/>
+              </a:spcBef>
+              <a:spcAft>
+                <a:spcPts val="0"/>
+              </a:spcAft>
+              <a:buClr>
+                <a:schemeClr val="accent3"/>
+              </a:buClr>
+              <a:buSzPts val="1400"/>
+              <a:buFont typeface="Average"/>
+              <a:buChar char="○"/>
+              <a:defRPr sz="1400" b="0" i="0" u="none" strike="noStrike" cap="none">
+                <a:solidFill>
+                  <a:schemeClr val="accent3"/>
+                </a:solidFill>
+                <a:latin typeface="Average"/>
+                <a:ea typeface="Average"/>
+                <a:cs typeface="Average"/>
+                <a:sym typeface="Average"/>
+              </a:defRPr>
+            </a:lvl8pPr>
+            <a:lvl9pPr marL="4114800" marR="0" lvl="8" indent="-317500" algn="l" rtl="0">
+              <a:lnSpc>
+                <a:spcPct val="115000"/>
+              </a:lnSpc>
+              <a:spcBef>
+                <a:spcPts val="1600"/>
+              </a:spcBef>
+              <a:spcAft>
+                <a:spcPts val="1600"/>
+              </a:spcAft>
+              <a:buClr>
+                <a:schemeClr val="accent3"/>
+              </a:buClr>
+              <a:buSzPts val="1400"/>
+              <a:buFont typeface="Average"/>
+              <a:buChar char="■"/>
+              <a:defRPr sz="1400" b="0" i="0" u="none" strike="noStrike" cap="none">
+                <a:solidFill>
+                  <a:schemeClr val="accent3"/>
+                </a:solidFill>
+                <a:latin typeface="Average"/>
+                <a:ea typeface="Average"/>
+                <a:cs typeface="Average"/>
+                <a:sym typeface="Average"/>
+              </a:defRPr>
+            </a:lvl9pPr>
+          </a:lstStyle>
+          <a:p>
+            <a:pPr marL="285750" indent="-285750">
+              <a:lnSpc>
+                <a:spcPct val="100000"/>
+              </a:lnSpc>
+              <a:spcBef>
+                <a:spcPts val="1600"/>
+              </a:spcBef>
+              <a:spcAft>
+                <a:spcPts val="1600"/>
+              </a:spcAft>
+              <a:buClrTx/>
+              <a:buFont typeface="Wingdings" panose="05000000000000000000" pitchFamily="2" charset="2"/>
+              <a:buChar char="§"/>
+            </a:pPr>
+            <a:r>
+              <a:rPr lang="en-US" sz="1400" dirty="0">
+                <a:solidFill>
+                  <a:srgbClr val="000000"/>
+                </a:solidFill>
+                <a:latin typeface="+mn-lt"/>
+              </a:rPr>
+              <a:t>The yelp dataset consists of variety of different businesses indicated by the column </a:t>
+            </a:r>
+          </a:p>
+          <a:p>
+            <a:pPr marL="285750" indent="-285750">
+              <a:lnSpc>
+                <a:spcPct val="100000"/>
+              </a:lnSpc>
+              <a:spcBef>
+                <a:spcPts val="1600"/>
+              </a:spcBef>
+              <a:spcAft>
+                <a:spcPts val="1600"/>
+              </a:spcAft>
+              <a:buClrTx/>
+              <a:buFont typeface="Wingdings" panose="05000000000000000000" pitchFamily="2" charset="2"/>
+              <a:buChar char="§"/>
+            </a:pPr>
+            <a:r>
+              <a:rPr lang="en-US" sz="1400" dirty="0">
+                <a:solidFill>
+                  <a:srgbClr val="000000"/>
+                </a:solidFill>
+                <a:latin typeface="+mn-lt"/>
+              </a:rPr>
+              <a:t>Number of entries for the category ‘Restaurants’ was the highest.</a:t>
+            </a:r>
+          </a:p>
+          <a:p>
+            <a:pPr marL="285750" indent="-285750">
+              <a:lnSpc>
+                <a:spcPct val="100000"/>
+              </a:lnSpc>
+              <a:spcBef>
+                <a:spcPts val="1600"/>
+              </a:spcBef>
+              <a:spcAft>
+                <a:spcPts val="1600"/>
+              </a:spcAft>
+              <a:buClrTx/>
+              <a:buFont typeface="Wingdings" panose="05000000000000000000" pitchFamily="2" charset="2"/>
+              <a:buChar char="§"/>
+            </a:pPr>
+            <a:endParaRPr lang="en-US" sz="1400" dirty="0">
+              <a:solidFill>
+                <a:srgbClr val="000000"/>
+              </a:solidFill>
+              <a:latin typeface="+mn-lt"/>
+            </a:endParaRPr>
           </a:p>
         </p:txBody>
       </p:sp>

--- a/PPT/Yelp Presentation.pptx
+++ b/PPT/Yelp Presentation.pptx
@@ -5,7 +5,7 @@
     <p:sldMasterId id="2147483648" r:id="rId1"/>
   </p:sldMasterIdLst>
   <p:notesMasterIdLst>
-    <p:notesMasterId r:id="rId25"/>
+    <p:notesMasterId r:id="rId26"/>
   </p:notesMasterIdLst>
   <p:sldIdLst>
     <p:sldId id="256" r:id="rId2"/>
@@ -14,53 +14,54 @@
     <p:sldId id="259" r:id="rId5"/>
     <p:sldId id="261" r:id="rId6"/>
     <p:sldId id="262" r:id="rId7"/>
-    <p:sldId id="263" r:id="rId8"/>
-    <p:sldId id="264" r:id="rId9"/>
-    <p:sldId id="265" r:id="rId10"/>
-    <p:sldId id="275" r:id="rId11"/>
-    <p:sldId id="266" r:id="rId12"/>
-    <p:sldId id="276" r:id="rId13"/>
-    <p:sldId id="277" r:id="rId14"/>
-    <p:sldId id="278" r:id="rId15"/>
-    <p:sldId id="279" r:id="rId16"/>
-    <p:sldId id="280" r:id="rId17"/>
-    <p:sldId id="268" r:id="rId18"/>
-    <p:sldId id="283" r:id="rId19"/>
-    <p:sldId id="269" r:id="rId20"/>
-    <p:sldId id="270" r:id="rId21"/>
-    <p:sldId id="271" r:id="rId22"/>
-    <p:sldId id="281" r:id="rId23"/>
-    <p:sldId id="282" r:id="rId24"/>
+    <p:sldId id="284" r:id="rId8"/>
+    <p:sldId id="275" r:id="rId9"/>
+    <p:sldId id="266" r:id="rId10"/>
+    <p:sldId id="276" r:id="rId11"/>
+    <p:sldId id="263" r:id="rId12"/>
+    <p:sldId id="264" r:id="rId13"/>
+    <p:sldId id="265" r:id="rId14"/>
+    <p:sldId id="277" r:id="rId15"/>
+    <p:sldId id="278" r:id="rId16"/>
+    <p:sldId id="279" r:id="rId17"/>
+    <p:sldId id="280" r:id="rId18"/>
+    <p:sldId id="268" r:id="rId19"/>
+    <p:sldId id="283" r:id="rId20"/>
+    <p:sldId id="269" r:id="rId21"/>
+    <p:sldId id="270" r:id="rId22"/>
+    <p:sldId id="271" r:id="rId23"/>
+    <p:sldId id="281" r:id="rId24"/>
+    <p:sldId id="282" r:id="rId25"/>
   </p:sldIdLst>
   <p:sldSz cx="9144000" cy="5143500" type="screen16x9"/>
   <p:notesSz cx="6858000" cy="9144000"/>
   <p:embeddedFontLst>
     <p:embeddedFont>
       <p:font typeface="Average" panose="020B0604020202020204" charset="0"/>
-      <p:regular r:id="rId26"/>
+      <p:regular r:id="rId27"/>
     </p:embeddedFont>
     <p:embeddedFont>
       <p:font typeface="Bree Serif" panose="020B0604020202020204" charset="0"/>
-      <p:regular r:id="rId27"/>
+      <p:regular r:id="rId28"/>
     </p:embeddedFont>
     <p:embeddedFont>
       <p:font typeface="Calibri" panose="020F0502020204030204" pitchFamily="34" charset="0"/>
-      <p:regular r:id="rId28"/>
-      <p:bold r:id="rId29"/>
-      <p:italic r:id="rId30"/>
-      <p:boldItalic r:id="rId31"/>
+      <p:regular r:id="rId29"/>
+      <p:bold r:id="rId30"/>
+      <p:italic r:id="rId31"/>
+      <p:boldItalic r:id="rId32"/>
     </p:embeddedFont>
     <p:embeddedFont>
       <p:font typeface="Oswald" panose="020B0604020202020204" charset="0"/>
-      <p:regular r:id="rId32"/>
-      <p:bold r:id="rId33"/>
+      <p:regular r:id="rId33"/>
+      <p:bold r:id="rId34"/>
     </p:embeddedFont>
     <p:embeddedFont>
       <p:font typeface="Roboto Mono" panose="020B0604020202020204" charset="0"/>
-      <p:regular r:id="rId34"/>
-      <p:bold r:id="rId35"/>
-      <p:italic r:id="rId36"/>
-      <p:boldItalic r:id="rId37"/>
+      <p:regular r:id="rId35"/>
+      <p:bold r:id="rId36"/>
+      <p:italic r:id="rId37"/>
+      <p:boldItalic r:id="rId38"/>
     </p:embeddedFont>
   </p:embeddedFontLst>
   <p:defaultTextStyle>
@@ -308,7 +309,7 @@
       </p15:sldGuideLst>
     </p:ext>
     <p:ext uri="http://customooxmlschemas.google.com/">
-      <go:slidesCustomData xmlns:go="http://customooxmlschemas.google.com/" xmlns:p15="http://schemas.microsoft.com/office/powerpoint/2012/main" xmlns:p14="http://schemas.microsoft.com/office/powerpoint/2010/main" xmlns:com="http://schemas.openxmlformats.org/drawingml/2006/compatibility" xmlns:pvml="urn:schemas-microsoft-com:office:powerpoint" xmlns:v="urn:schemas-microsoft-com:vml" xmlns:o="urn:schemas-microsoft-com:office:office" xmlns:dgm="http://schemas.openxmlformats.org/drawingml/2006/diagram" xmlns:c="http://schemas.openxmlformats.org/drawingml/2006/chart" xmlns:mv="urn:schemas-microsoft-com:mac:vml" xmlns:mc="http://schemas.openxmlformats.org/markup-compatibility/2006" xmlns="" r:id="rId39" roundtripDataSignature="AMtx7mhrN0VZjpMeXmHQaTxH0fmdJEZUYA=="/>
+      <go:slidesCustomData xmlns="" xmlns:mc="http://schemas.openxmlformats.org/markup-compatibility/2006" xmlns:mv="urn:schemas-microsoft-com:mac:vml" xmlns:c="http://schemas.openxmlformats.org/drawingml/2006/chart" xmlns:dgm="http://schemas.openxmlformats.org/drawingml/2006/diagram" xmlns:o="urn:schemas-microsoft-com:office:office" xmlns:v="urn:schemas-microsoft-com:vml" xmlns:pvml="urn:schemas-microsoft-com:office:powerpoint" xmlns:com="http://schemas.openxmlformats.org/drawingml/2006/compatibility" xmlns:p14="http://schemas.microsoft.com/office/powerpoint/2010/main" xmlns:p15="http://schemas.microsoft.com/office/powerpoint/2012/main" xmlns:go="http://customooxmlschemas.google.com/" r:id="rId39" roundtripDataSignature="AMtx7mhrN0VZjpMeXmHQaTxH0fmdJEZUYA=="/>
     </p:ext>
   </p:extLst>
 </p:presentation>
@@ -1024,6 +1025,250 @@
   <p:cSld>
     <p:spTree>
       <p:nvGrpSpPr>
+        <p:cNvPr id="1" name="Shape 109"/>
+        <p:cNvGrpSpPr/>
+        <p:nvPr/>
+      </p:nvGrpSpPr>
+      <p:grpSpPr>
+        <a:xfrm>
+          <a:off x="0" y="0"/>
+          <a:ext cx="0" cy="0"/>
+          <a:chOff x="0" y="0"/>
+          <a:chExt cx="0" cy="0"/>
+        </a:xfrm>
+      </p:grpSpPr>
+      <p:sp>
+        <p:nvSpPr>
+          <p:cNvPr id="110" name="Google Shape;110;g83d7f3170d_0_5:notes"/>
+          <p:cNvSpPr>
+            <a:spLocks noGrp="1" noRot="1" noChangeAspect="1"/>
+          </p:cNvSpPr>
+          <p:nvPr>
+            <p:ph type="sldImg" idx="2"/>
+          </p:nvPr>
+        </p:nvSpPr>
+        <p:spPr>
+          <a:xfrm>
+            <a:off x="381000" y="685800"/>
+            <a:ext cx="6096000" cy="3429000"/>
+          </a:xfrm>
+          <a:custGeom>
+            <a:avLst/>
+            <a:gdLst/>
+            <a:ahLst/>
+            <a:cxnLst/>
+            <a:rect l="l" t="t" r="r" b="b"/>
+            <a:pathLst>
+              <a:path w="120000" h="120000" extrusionOk="0">
+                <a:moveTo>
+                  <a:pt x="0" y="0"/>
+                </a:moveTo>
+                <a:lnTo>
+                  <a:pt x="120000" y="0"/>
+                </a:lnTo>
+                <a:lnTo>
+                  <a:pt x="120000" y="120000"/>
+                </a:lnTo>
+                <a:lnTo>
+                  <a:pt x="0" y="120000"/>
+                </a:lnTo>
+                <a:close/>
+              </a:path>
+            </a:pathLst>
+          </a:custGeom>
+          <a:noFill/>
+          <a:ln w="9525" cap="flat" cmpd="sng">
+            <a:solidFill>
+              <a:srgbClr val="000000"/>
+            </a:solidFill>
+            <a:prstDash val="solid"/>
+            <a:round/>
+            <a:headEnd type="none" w="sm" len="sm"/>
+            <a:tailEnd type="none" w="sm" len="sm"/>
+          </a:ln>
+        </p:spPr>
+      </p:sp>
+      <p:sp>
+        <p:nvSpPr>
+          <p:cNvPr id="111" name="Google Shape;111;g83d7f3170d_0_5:notes"/>
+          <p:cNvSpPr txBox="1">
+            <a:spLocks noGrp="1"/>
+          </p:cNvSpPr>
+          <p:nvPr>
+            <p:ph type="body" idx="1"/>
+          </p:nvPr>
+        </p:nvSpPr>
+        <p:spPr>
+          <a:xfrm>
+            <a:off x="685800" y="4343400"/>
+            <a:ext cx="5486400" cy="4114800"/>
+          </a:xfrm>
+          <a:prstGeom prst="rect">
+            <a:avLst/>
+          </a:prstGeom>
+          <a:noFill/>
+          <a:ln>
+            <a:noFill/>
+          </a:ln>
+        </p:spPr>
+        <p:txBody>
+          <a:bodyPr spcFirstLastPara="1" wrap="square" lIns="91425" tIns="91425" rIns="91425" bIns="91425" anchor="t" anchorCtr="0">
+            <a:noAutofit/>
+          </a:bodyPr>
+          <a:lstStyle/>
+          <a:p>
+            <a:pPr marL="0" lvl="0" indent="0" algn="l" rtl="0">
+              <a:lnSpc>
+                <a:spcPct val="100000"/>
+              </a:lnSpc>
+              <a:spcBef>
+                <a:spcPts val="0"/>
+              </a:spcBef>
+              <a:spcAft>
+                <a:spcPts val="0"/>
+              </a:spcAft>
+              <a:buSzPts val="1100"/>
+              <a:buNone/>
+            </a:pPr>
+            <a:endParaRPr/>
+          </a:p>
+        </p:txBody>
+      </p:sp>
+    </p:spTree>
+  </p:cSld>
+  <p:clrMapOvr>
+    <a:masterClrMapping/>
+  </p:clrMapOvr>
+</p:notes>
+</file>
+
+<file path=ppt/notesSlides/notesSlide11.xml><?xml version="1.0" encoding="utf-8"?>
+<p:notes xmlns:a="http://schemas.openxmlformats.org/drawingml/2006/main" xmlns:r="http://schemas.openxmlformats.org/officeDocument/2006/relationships" xmlns:p="http://schemas.openxmlformats.org/presentationml/2006/main" showMasterSp="0" showMasterPhAnim="0">
+  <p:cSld>
+    <p:spTree>
+      <p:nvGrpSpPr>
+        <p:cNvPr id="1" name="Shape 115"/>
+        <p:cNvGrpSpPr/>
+        <p:nvPr/>
+      </p:nvGrpSpPr>
+      <p:grpSpPr>
+        <a:xfrm>
+          <a:off x="0" y="0"/>
+          <a:ext cx="0" cy="0"/>
+          <a:chOff x="0" y="0"/>
+          <a:chExt cx="0" cy="0"/>
+        </a:xfrm>
+      </p:grpSpPr>
+      <p:sp>
+        <p:nvSpPr>
+          <p:cNvPr id="116" name="Google Shape;116;g83ddf61570_0_15:notes"/>
+          <p:cNvSpPr>
+            <a:spLocks noGrp="1" noRot="1" noChangeAspect="1"/>
+          </p:cNvSpPr>
+          <p:nvPr>
+            <p:ph type="sldImg" idx="2"/>
+          </p:nvPr>
+        </p:nvSpPr>
+        <p:spPr>
+          <a:xfrm>
+            <a:off x="381000" y="685800"/>
+            <a:ext cx="6096000" cy="3429000"/>
+          </a:xfrm>
+          <a:custGeom>
+            <a:avLst/>
+            <a:gdLst/>
+            <a:ahLst/>
+            <a:cxnLst/>
+            <a:rect l="l" t="t" r="r" b="b"/>
+            <a:pathLst>
+              <a:path w="120000" h="120000" extrusionOk="0">
+                <a:moveTo>
+                  <a:pt x="0" y="0"/>
+                </a:moveTo>
+                <a:lnTo>
+                  <a:pt x="120000" y="0"/>
+                </a:lnTo>
+                <a:lnTo>
+                  <a:pt x="120000" y="120000"/>
+                </a:lnTo>
+                <a:lnTo>
+                  <a:pt x="0" y="120000"/>
+                </a:lnTo>
+                <a:close/>
+              </a:path>
+            </a:pathLst>
+          </a:custGeom>
+          <a:noFill/>
+          <a:ln w="9525" cap="flat" cmpd="sng">
+            <a:solidFill>
+              <a:srgbClr val="000000"/>
+            </a:solidFill>
+            <a:prstDash val="solid"/>
+            <a:round/>
+            <a:headEnd type="none" w="sm" len="sm"/>
+            <a:tailEnd type="none" w="sm" len="sm"/>
+          </a:ln>
+        </p:spPr>
+      </p:sp>
+      <p:sp>
+        <p:nvSpPr>
+          <p:cNvPr id="117" name="Google Shape;117;g83ddf61570_0_15:notes"/>
+          <p:cNvSpPr txBox="1">
+            <a:spLocks noGrp="1"/>
+          </p:cNvSpPr>
+          <p:nvPr>
+            <p:ph type="body" idx="1"/>
+          </p:nvPr>
+        </p:nvSpPr>
+        <p:spPr>
+          <a:xfrm>
+            <a:off x="685800" y="4343400"/>
+            <a:ext cx="5486400" cy="4114800"/>
+          </a:xfrm>
+          <a:prstGeom prst="rect">
+            <a:avLst/>
+          </a:prstGeom>
+          <a:noFill/>
+          <a:ln>
+            <a:noFill/>
+          </a:ln>
+        </p:spPr>
+        <p:txBody>
+          <a:bodyPr spcFirstLastPara="1" wrap="square" lIns="91425" tIns="91425" rIns="91425" bIns="91425" anchor="t" anchorCtr="0">
+            <a:noAutofit/>
+          </a:bodyPr>
+          <a:lstStyle/>
+          <a:p>
+            <a:pPr marL="0" lvl="0" indent="0" algn="l" rtl="0">
+              <a:lnSpc>
+                <a:spcPct val="100000"/>
+              </a:lnSpc>
+              <a:spcBef>
+                <a:spcPts val="0"/>
+              </a:spcBef>
+              <a:spcAft>
+                <a:spcPts val="0"/>
+              </a:spcAft>
+              <a:buSzPts val="1100"/>
+              <a:buNone/>
+            </a:pPr>
+            <a:endParaRPr/>
+          </a:p>
+        </p:txBody>
+      </p:sp>
+    </p:spTree>
+  </p:cSld>
+  <p:clrMapOvr>
+    <a:masterClrMapping/>
+  </p:clrMapOvr>
+</p:notes>
+</file>
+
+<file path=ppt/notesSlides/notesSlide12.xml><?xml version="1.0" encoding="utf-8"?>
+<p:notes xmlns:a="http://schemas.openxmlformats.org/drawingml/2006/main" xmlns:r="http://schemas.openxmlformats.org/officeDocument/2006/relationships" xmlns:p="http://schemas.openxmlformats.org/presentationml/2006/main" showMasterSp="0" showMasterPhAnim="0">
+  <p:cSld>
+    <p:spTree>
+      <p:nvGrpSpPr>
         <p:cNvPr id="1" name="Shape 130"/>
         <p:cNvGrpSpPr/>
         <p:nvPr/>
@@ -1116,165 +1361,27 @@
           </a:bodyPr>
           <a:lstStyle/>
           <a:p>
-            <a:pPr marL="0" lvl="0" indent="0" algn="l" rtl="0">
-              <a:lnSpc>
-                <a:spcPct val="100000"/>
-              </a:lnSpc>
-              <a:spcBef>
-                <a:spcPts val="0"/>
-              </a:spcBef>
-              <a:spcAft>
-                <a:spcPts val="0"/>
-              </a:spcAft>
-              <a:buSzPts val="1100"/>
-              <a:buNone/>
-            </a:pPr>
             <a:r>
               <a:rPr lang="en-US" dirty="0"/>
-              <a:t>- We cannot state Illinois exploration in </a:t>
+              <a:t>Mention that </a:t>
             </a:r>
             <a:r>
-              <a:rPr lang="en-US" dirty="0" err="1"/>
-              <a:t>eda</a:t>
+              <a:rPr lang="en-US" sz="1100" b="1" i="0" u="none" strike="noStrike" cap="none" dirty="0">
+                <a:solidFill>
+                  <a:schemeClr val="dk1"/>
+                </a:solidFill>
+                <a:effectLst/>
+                <a:latin typeface="Arial"/>
+                <a:ea typeface="Arial"/>
+                <a:cs typeface="Arial"/>
+                <a:sym typeface="Arial"/>
+              </a:rPr>
+              <a:t>### There are 1301 categories. We shall check top 10 categories.</a:t>
             </a:r>
-            <a:r>
+            <a:br>
               <a:rPr lang="en-US" dirty="0"/>
-              <a:t>, we can call it in data preparation after we have declared that we will be focusing on </a:t>
-            </a:r>
-            <a:r>
-              <a:rPr lang="en-US" dirty="0" err="1"/>
-              <a:t>illinois</a:t>
-            </a:r>
+            </a:br>
             <a:endParaRPr dirty="0"/>
-          </a:p>
-        </p:txBody>
-      </p:sp>
-    </p:spTree>
-    <p:extLst>
-      <p:ext uri="{BB962C8B-B14F-4D97-AF65-F5344CB8AC3E}">
-        <p14:creationId xmlns:p14="http://schemas.microsoft.com/office/powerpoint/2010/main" val="2844477347"/>
-      </p:ext>
-    </p:extLst>
-  </p:cSld>
-  <p:clrMapOvr>
-    <a:masterClrMapping/>
-  </p:clrMapOvr>
-</p:notes>
-</file>
-
-<file path=ppt/notesSlides/notesSlide11.xml><?xml version="1.0" encoding="utf-8"?>
-<p:notes xmlns:a="http://schemas.openxmlformats.org/drawingml/2006/main" xmlns:r="http://schemas.openxmlformats.org/officeDocument/2006/relationships" xmlns:p="http://schemas.openxmlformats.org/presentationml/2006/main" showMasterSp="0" showMasterPhAnim="0">
-  <p:cSld>
-    <p:spTree>
-      <p:nvGrpSpPr>
-        <p:cNvPr id="1" name="Shape 137"/>
-        <p:cNvGrpSpPr/>
-        <p:nvPr/>
-      </p:nvGrpSpPr>
-      <p:grpSpPr>
-        <a:xfrm>
-          <a:off x="0" y="0"/>
-          <a:ext cx="0" cy="0"/>
-          <a:chOff x="0" y="0"/>
-          <a:chExt cx="0" cy="0"/>
-        </a:xfrm>
-      </p:grpSpPr>
-      <p:sp>
-        <p:nvSpPr>
-          <p:cNvPr id="138" name="Google Shape;138;g83f00c33ef_0_0:notes"/>
-          <p:cNvSpPr>
-            <a:spLocks noGrp="1" noRot="1" noChangeAspect="1"/>
-          </p:cNvSpPr>
-          <p:nvPr>
-            <p:ph type="sldImg" idx="2"/>
-          </p:nvPr>
-        </p:nvSpPr>
-        <p:spPr>
-          <a:xfrm>
-            <a:off x="381000" y="685800"/>
-            <a:ext cx="6096000" cy="3429000"/>
-          </a:xfrm>
-          <a:custGeom>
-            <a:avLst/>
-            <a:gdLst/>
-            <a:ahLst/>
-            <a:cxnLst/>
-            <a:rect l="l" t="t" r="r" b="b"/>
-            <a:pathLst>
-              <a:path w="120000" h="120000" extrusionOk="0">
-                <a:moveTo>
-                  <a:pt x="0" y="0"/>
-                </a:moveTo>
-                <a:lnTo>
-                  <a:pt x="120000" y="0"/>
-                </a:lnTo>
-                <a:lnTo>
-                  <a:pt x="120000" y="120000"/>
-                </a:lnTo>
-                <a:lnTo>
-                  <a:pt x="0" y="120000"/>
-                </a:lnTo>
-                <a:close/>
-              </a:path>
-            </a:pathLst>
-          </a:custGeom>
-        </p:spPr>
-      </p:sp>
-      <p:sp>
-        <p:nvSpPr>
-          <p:cNvPr id="139" name="Google Shape;139;g83f00c33ef_0_0:notes"/>
-          <p:cNvSpPr txBox="1">
-            <a:spLocks noGrp="1"/>
-          </p:cNvSpPr>
-          <p:nvPr>
-            <p:ph type="body" idx="1"/>
-          </p:nvPr>
-        </p:nvSpPr>
-        <p:spPr>
-          <a:xfrm>
-            <a:off x="685800" y="4343400"/>
-            <a:ext cx="5486400" cy="4114800"/>
-          </a:xfrm>
-          <a:prstGeom prst="rect">
-            <a:avLst/>
-          </a:prstGeom>
-        </p:spPr>
-        <p:txBody>
-          <a:bodyPr spcFirstLastPara="1" wrap="square" lIns="91425" tIns="91425" rIns="91425" bIns="91425" anchor="t" anchorCtr="0">
-            <a:noAutofit/>
-          </a:bodyPr>
-          <a:lstStyle/>
-          <a:p>
-            <a:pPr marL="0" lvl="0" indent="0" algn="l" rtl="0">
-              <a:lnSpc>
-                <a:spcPct val="100000"/>
-              </a:lnSpc>
-              <a:spcBef>
-                <a:spcPts val="0"/>
-              </a:spcBef>
-              <a:spcAft>
-                <a:spcPts val="0"/>
-              </a:spcAft>
-              <a:buSzPts val="1100"/>
-              <a:buNone/>
-            </a:pPr>
-            <a:r>
-              <a:rPr lang="en-US" dirty="0"/>
-              <a:t>- We cannot state Illinois exploration in </a:t>
-            </a:r>
-            <a:r>
-              <a:rPr lang="en-US" dirty="0" err="1"/>
-              <a:t>eda</a:t>
-            </a:r>
-            <a:r>
-              <a:rPr lang="en-US" dirty="0"/>
-              <a:t>, we can call it in data preparation after we have declared that we will be focusing on </a:t>
-            </a:r>
-            <a:r>
-              <a:rPr lang="en-US" dirty="0" err="1"/>
-              <a:t>illinois</a:t>
-            </a:r>
-            <a:endParaRPr lang="en-US" dirty="0"/>
           </a:p>
         </p:txBody>
       </p:sp>
@@ -1286,7 +1393,7 @@
 </p:notes>
 </file>
 
-<file path=ppt/notesSlides/notesSlide12.xml><?xml version="1.0" encoding="utf-8"?>
+<file path=ppt/notesSlides/notesSlide13.xml><?xml version="1.0" encoding="utf-8"?>
 <p:notes xmlns:a="http://schemas.openxmlformats.org/drawingml/2006/main" xmlns:r="http://schemas.openxmlformats.org/officeDocument/2006/relationships" xmlns:p="http://schemas.openxmlformats.org/presentationml/2006/main" showMasterSp="0" showMasterPhAnim="0">
   <p:cSld>
     <p:spTree>
@@ -1446,110 +1553,6 @@
             </a:pathLst>
           </a:custGeom>
         </p:spPr>
-      </p:sp>
-    </p:spTree>
-  </p:cSld>
-  <p:clrMapOvr>
-    <a:masterClrMapping/>
-  </p:clrMapOvr>
-</p:notes>
-</file>
-
-<file path=ppt/notesSlides/notesSlide13.xml><?xml version="1.0" encoding="utf-8"?>
-<p:notes xmlns:a="http://schemas.openxmlformats.org/drawingml/2006/main" xmlns:r="http://schemas.openxmlformats.org/officeDocument/2006/relationships" xmlns:p="http://schemas.openxmlformats.org/presentationml/2006/main" showMasterSp="0" showMasterPhAnim="0">
-  <p:cSld>
-    <p:spTree>
-      <p:nvGrpSpPr>
-        <p:cNvPr id="1" name="Shape 157"/>
-        <p:cNvGrpSpPr/>
-        <p:nvPr/>
-      </p:nvGrpSpPr>
-      <p:grpSpPr>
-        <a:xfrm>
-          <a:off x="0" y="0"/>
-          <a:ext cx="0" cy="0"/>
-          <a:chOff x="0" y="0"/>
-          <a:chExt cx="0" cy="0"/>
-        </a:xfrm>
-      </p:grpSpPr>
-      <p:sp>
-        <p:nvSpPr>
-          <p:cNvPr id="158" name="Google Shape;158;g83f00c33ef_0_17:notes"/>
-          <p:cNvSpPr>
-            <a:spLocks noGrp="1" noRot="1" noChangeAspect="1"/>
-          </p:cNvSpPr>
-          <p:nvPr>
-            <p:ph type="sldImg" idx="2"/>
-          </p:nvPr>
-        </p:nvSpPr>
-        <p:spPr>
-          <a:xfrm>
-            <a:off x="381000" y="685800"/>
-            <a:ext cx="6096000" cy="3429000"/>
-          </a:xfrm>
-          <a:custGeom>
-            <a:avLst/>
-            <a:gdLst/>
-            <a:ahLst/>
-            <a:cxnLst/>
-            <a:rect l="l" t="t" r="r" b="b"/>
-            <a:pathLst>
-              <a:path w="120000" h="120000" extrusionOk="0">
-                <a:moveTo>
-                  <a:pt x="0" y="0"/>
-                </a:moveTo>
-                <a:lnTo>
-                  <a:pt x="120000" y="0"/>
-                </a:lnTo>
-                <a:lnTo>
-                  <a:pt x="120000" y="120000"/>
-                </a:lnTo>
-                <a:lnTo>
-                  <a:pt x="0" y="120000"/>
-                </a:lnTo>
-                <a:close/>
-              </a:path>
-            </a:pathLst>
-          </a:custGeom>
-        </p:spPr>
-      </p:sp>
-      <p:sp>
-        <p:nvSpPr>
-          <p:cNvPr id="159" name="Google Shape;159;g83f00c33ef_0_17:notes"/>
-          <p:cNvSpPr txBox="1">
-            <a:spLocks noGrp="1"/>
-          </p:cNvSpPr>
-          <p:nvPr>
-            <p:ph type="body" idx="1"/>
-          </p:nvPr>
-        </p:nvSpPr>
-        <p:spPr>
-          <a:xfrm>
-            <a:off x="685800" y="4343400"/>
-            <a:ext cx="5486400" cy="4114800"/>
-          </a:xfrm>
-          <a:prstGeom prst="rect">
-            <a:avLst/>
-          </a:prstGeom>
-        </p:spPr>
-        <p:txBody>
-          <a:bodyPr spcFirstLastPara="1" wrap="square" lIns="91425" tIns="91425" rIns="91425" bIns="91425" anchor="t" anchorCtr="0">
-            <a:noAutofit/>
-          </a:bodyPr>
-          <a:lstStyle/>
-          <a:p>
-            <a:pPr marL="0" lvl="0" indent="0" algn="l" rtl="0">
-              <a:spcBef>
-                <a:spcPts val="0"/>
-              </a:spcBef>
-              <a:spcAft>
-                <a:spcPts val="0"/>
-              </a:spcAft>
-              <a:buNone/>
-            </a:pPr>
-            <a:endParaRPr/>
-          </a:p>
-        </p:txBody>
       </p:sp>
     </p:spTree>
   </p:cSld>
@@ -1642,156 +1645,20 @@
           </a:bodyPr>
           <a:lstStyle/>
           <a:p>
-            <a:pPr marL="228600" lvl="0" indent="-228600" algn="l" rtl="0">
-              <a:spcBef>
-                <a:spcPts val="0"/>
-              </a:spcBef>
-              <a:spcAft>
-                <a:spcPts val="0"/>
-              </a:spcAft>
-              <a:buAutoNum type="arabicPeriod"/>
+            <a:pPr marL="0" lvl="0" indent="0" algn="l" rtl="0">
+              <a:spcBef>
+                <a:spcPts val="0"/>
+              </a:spcBef>
+              <a:spcAft>
+                <a:spcPts val="0"/>
+              </a:spcAft>
+              <a:buNone/>
             </a:pPr>
-            <a:r>
-              <a:rPr lang="en-US" dirty="0"/>
-              <a:t>We have used </a:t>
-            </a:r>
-            <a:r>
-              <a:rPr lang="en-US" dirty="0" err="1"/>
-              <a:t>manhathan</a:t>
-            </a:r>
-            <a:r>
-              <a:rPr lang="en-US" dirty="0"/>
-              <a:t> </a:t>
-            </a:r>
-            <a:r>
-              <a:rPr lang="en-US" dirty="0" err="1"/>
-              <a:t>disatance</a:t>
-            </a:r>
-            <a:r>
-              <a:rPr lang="en-US" dirty="0"/>
-              <a:t> as we have high dimensional data</a:t>
-            </a:r>
-          </a:p>
-          <a:p>
-            <a:pPr marL="228600" lvl="0" indent="-228600" algn="l" rtl="0">
-              <a:spcBef>
-                <a:spcPts val="0"/>
-              </a:spcBef>
-              <a:spcAft>
-                <a:spcPts val="0"/>
-              </a:spcAft>
-              <a:buAutoNum type="arabicPeriod"/>
-            </a:pPr>
-            <a:endParaRPr lang="en-US" dirty="0"/>
-          </a:p>
-          <a:p>
-            <a:pPr marL="228600" lvl="0" indent="-228600" algn="l" rtl="0">
-              <a:spcBef>
-                <a:spcPts val="0"/>
-              </a:spcBef>
-              <a:spcAft>
-                <a:spcPts val="0"/>
-              </a:spcAft>
-              <a:buAutoNum type="arabicPeriod"/>
-            </a:pPr>
-            <a:r>
-              <a:rPr lang="en-US" dirty="0"/>
-              <a:t>[20:52, 23/04/2020] Rahul Illinois Tech: If you want to place less emphasis on outliers, </a:t>
-            </a:r>
-            <a:r>
-              <a:rPr lang="en-US" dirty="0" err="1"/>
-              <a:t>manhattan</a:t>
-            </a:r>
-            <a:r>
-              <a:rPr lang="en-US" dirty="0"/>
-              <a:t> distance will try to reduce all errors equally since the gradient has constant magnitude.[20:55, 23/04/2020] Rahul Illinois Tech: The use of Manhattan distance depends a lot on the kind of co-ordinate system that your dataset is using. </a:t>
-            </a:r>
-          </a:p>
-          <a:p>
-            <a:pPr marL="228600" lvl="0" indent="-228600" algn="l" rtl="0">
-              <a:spcBef>
-                <a:spcPts val="0"/>
-              </a:spcBef>
-              <a:spcAft>
-                <a:spcPts val="0"/>
-              </a:spcAft>
-              <a:buAutoNum type="arabicPeriod"/>
-            </a:pPr>
-            <a:r>
-              <a:rPr lang="en-US" dirty="0"/>
-              <a:t>While Euclidean distance gives the shortest or minimum distance between two points, Manhattan has specific </a:t>
-            </a:r>
-            <a:r>
-              <a:rPr lang="en-US" dirty="0" err="1"/>
-              <a:t>implementations.For</a:t>
-            </a:r>
-            <a:r>
-              <a:rPr lang="en-US" dirty="0"/>
-              <a:t> example, if we were to use a Chess dataset, the use of Manhattan distance is more appropriate than Euclidean distance. </a:t>
-            </a:r>
-          </a:p>
-          <a:p>
-            <a:pPr marL="228600" lvl="0" indent="-228600" algn="l" rtl="0">
-              <a:spcBef>
-                <a:spcPts val="0"/>
-              </a:spcBef>
-              <a:spcAft>
-                <a:spcPts val="0"/>
-              </a:spcAft>
-              <a:buAutoNum type="arabicPeriod"/>
-            </a:pPr>
-            <a:r>
-              <a:rPr lang="en-US" dirty="0"/>
-              <a:t>Another use would be when are interested in knowing the distance between houses which are few blocks </a:t>
-            </a:r>
-            <a:r>
-              <a:rPr lang="en-US" dirty="0" err="1"/>
-              <a:t>apart.Also</a:t>
-            </a:r>
-            <a:r>
-              <a:rPr lang="en-US" dirty="0"/>
-              <a:t>, you might want to consider Manhattan distance if the input variables are not similar in type (such as age, gender, height, etc.). </a:t>
-            </a:r>
-          </a:p>
-          <a:p>
-            <a:pPr marL="228600" lvl="0" indent="-228600" algn="l" rtl="0">
-              <a:spcBef>
-                <a:spcPts val="0"/>
-              </a:spcBef>
-              <a:spcAft>
-                <a:spcPts val="0"/>
-              </a:spcAft>
-              <a:buAutoNum type="arabicPeriod"/>
-            </a:pPr>
-            <a:r>
-              <a:rPr lang="en-US" dirty="0"/>
-              <a:t>Due to the curse of dimensionality, we know that Euclidean distance becomes a poor choice as the number of dimensions increases.</a:t>
-            </a:r>
-          </a:p>
-          <a:p>
-            <a:pPr marL="228600" lvl="0" indent="-228600" algn="l" rtl="0">
-              <a:spcBef>
-                <a:spcPts val="0"/>
-              </a:spcBef>
-              <a:spcAft>
-                <a:spcPts val="0"/>
-              </a:spcAft>
-              <a:buAutoNum type="arabicPeriod"/>
-            </a:pPr>
-            <a:r>
-              <a:rPr lang="en-US" dirty="0"/>
-              <a:t>So in a nutshell: Manhattan distance generally works only if the points are arranged in the form of a grid and the problem which we are working on gives more priority to the distance between the points only along with the grids, but not the geometric distance.</a:t>
-            </a:r>
-            <a:endParaRPr dirty="0"/>
+            <a:endParaRPr/>
           </a:p>
         </p:txBody>
       </p:sp>
     </p:spTree>
-    <p:extLst>
-      <p:ext uri="{BB962C8B-B14F-4D97-AF65-F5344CB8AC3E}">
-        <p14:creationId xmlns:p14="http://schemas.microsoft.com/office/powerpoint/2010/main" val="4109790018"/>
-      </p:ext>
-    </p:extLst>
   </p:cSld>
   <p:clrMapOvr>
     <a:masterClrMapping/>
@@ -1882,6 +1749,246 @@
           </a:bodyPr>
           <a:lstStyle/>
           <a:p>
+            <a:pPr marL="228600" lvl="0" indent="-228600" algn="l" rtl="0">
+              <a:spcBef>
+                <a:spcPts val="0"/>
+              </a:spcBef>
+              <a:spcAft>
+                <a:spcPts val="0"/>
+              </a:spcAft>
+              <a:buAutoNum type="arabicPeriod"/>
+            </a:pPr>
+            <a:r>
+              <a:rPr lang="en-US" dirty="0"/>
+              <a:t>We have used </a:t>
+            </a:r>
+            <a:r>
+              <a:rPr lang="en-US" dirty="0" err="1"/>
+              <a:t>manhathan</a:t>
+            </a:r>
+            <a:r>
+              <a:rPr lang="en-US" dirty="0"/>
+              <a:t> </a:t>
+            </a:r>
+            <a:r>
+              <a:rPr lang="en-US" dirty="0" err="1"/>
+              <a:t>disatance</a:t>
+            </a:r>
+            <a:r>
+              <a:rPr lang="en-US" dirty="0"/>
+              <a:t> as we have high dimensional data</a:t>
+            </a:r>
+          </a:p>
+          <a:p>
+            <a:pPr marL="228600" lvl="0" indent="-228600" algn="l" rtl="0">
+              <a:spcBef>
+                <a:spcPts val="0"/>
+              </a:spcBef>
+              <a:spcAft>
+                <a:spcPts val="0"/>
+              </a:spcAft>
+              <a:buAutoNum type="arabicPeriod"/>
+            </a:pPr>
+            <a:endParaRPr lang="en-US" dirty="0"/>
+          </a:p>
+          <a:p>
+            <a:pPr marL="228600" lvl="0" indent="-228600" algn="l" rtl="0">
+              <a:spcBef>
+                <a:spcPts val="0"/>
+              </a:spcBef>
+              <a:spcAft>
+                <a:spcPts val="0"/>
+              </a:spcAft>
+              <a:buAutoNum type="arabicPeriod"/>
+            </a:pPr>
+            <a:r>
+              <a:rPr lang="en-US" dirty="0"/>
+              <a:t>[20:52, 23/04/2020] Rahul Illinois Tech: If you want to place less emphasis on outliers, </a:t>
+            </a:r>
+            <a:r>
+              <a:rPr lang="en-US" dirty="0" err="1"/>
+              <a:t>manhattan</a:t>
+            </a:r>
+            <a:r>
+              <a:rPr lang="en-US" dirty="0"/>
+              <a:t> distance will try to reduce all errors equally since the gradient has constant magnitude.[20:55, 23/04/2020] Rahul Illinois Tech: The use of Manhattan distance depends a lot on the kind of co-ordinate system that your dataset is using. </a:t>
+            </a:r>
+          </a:p>
+          <a:p>
+            <a:pPr marL="228600" lvl="0" indent="-228600" algn="l" rtl="0">
+              <a:spcBef>
+                <a:spcPts val="0"/>
+              </a:spcBef>
+              <a:spcAft>
+                <a:spcPts val="0"/>
+              </a:spcAft>
+              <a:buAutoNum type="arabicPeriod"/>
+            </a:pPr>
+            <a:r>
+              <a:rPr lang="en-US" dirty="0"/>
+              <a:t>While Euclidean distance gives the shortest or minimum distance between two points, Manhattan has specific </a:t>
+            </a:r>
+            <a:r>
+              <a:rPr lang="en-US" dirty="0" err="1"/>
+              <a:t>implementations.For</a:t>
+            </a:r>
+            <a:r>
+              <a:rPr lang="en-US" dirty="0"/>
+              <a:t> example, if we were to use a Chess dataset, the use of Manhattan distance is more appropriate than Euclidean distance. </a:t>
+            </a:r>
+          </a:p>
+          <a:p>
+            <a:pPr marL="228600" lvl="0" indent="-228600" algn="l" rtl="0">
+              <a:spcBef>
+                <a:spcPts val="0"/>
+              </a:spcBef>
+              <a:spcAft>
+                <a:spcPts val="0"/>
+              </a:spcAft>
+              <a:buAutoNum type="arabicPeriod"/>
+            </a:pPr>
+            <a:r>
+              <a:rPr lang="en-US" dirty="0"/>
+              <a:t>Another use would be when are interested in knowing the distance between houses which are few blocks </a:t>
+            </a:r>
+            <a:r>
+              <a:rPr lang="en-US" dirty="0" err="1"/>
+              <a:t>apart.Also</a:t>
+            </a:r>
+            <a:r>
+              <a:rPr lang="en-US" dirty="0"/>
+              <a:t>, you might want to consider Manhattan distance if the input variables are not similar in type (such as age, gender, height, etc.). </a:t>
+            </a:r>
+          </a:p>
+          <a:p>
+            <a:pPr marL="228600" lvl="0" indent="-228600" algn="l" rtl="0">
+              <a:spcBef>
+                <a:spcPts val="0"/>
+              </a:spcBef>
+              <a:spcAft>
+                <a:spcPts val="0"/>
+              </a:spcAft>
+              <a:buAutoNum type="arabicPeriod"/>
+            </a:pPr>
+            <a:r>
+              <a:rPr lang="en-US" dirty="0"/>
+              <a:t>Due to the curse of dimensionality, we know that Euclidean distance becomes a poor choice as the number of dimensions increases.</a:t>
+            </a:r>
+          </a:p>
+          <a:p>
+            <a:pPr marL="228600" lvl="0" indent="-228600" algn="l" rtl="0">
+              <a:spcBef>
+                <a:spcPts val="0"/>
+              </a:spcBef>
+              <a:spcAft>
+                <a:spcPts val="0"/>
+              </a:spcAft>
+              <a:buAutoNum type="arabicPeriod"/>
+            </a:pPr>
+            <a:r>
+              <a:rPr lang="en-US" dirty="0"/>
+              <a:t>So in a nutshell: Manhattan distance generally works only if the points are arranged in the form of a grid and the problem which we are working on gives more priority to the distance between the points only along with the grids, but not the geometric distance.</a:t>
+            </a:r>
+            <a:endParaRPr dirty="0"/>
+          </a:p>
+        </p:txBody>
+      </p:sp>
+    </p:spTree>
+    <p:extLst>
+      <p:ext uri="{BB962C8B-B14F-4D97-AF65-F5344CB8AC3E}">
+        <p14:creationId xmlns:p14="http://schemas.microsoft.com/office/powerpoint/2010/main" val="4109790018"/>
+      </p:ext>
+    </p:extLst>
+  </p:cSld>
+  <p:clrMapOvr>
+    <a:masterClrMapping/>
+  </p:clrMapOvr>
+</p:notes>
+</file>
+
+<file path=ppt/notesSlides/notesSlide16.xml><?xml version="1.0" encoding="utf-8"?>
+<p:notes xmlns:a="http://schemas.openxmlformats.org/drawingml/2006/main" xmlns:r="http://schemas.openxmlformats.org/officeDocument/2006/relationships" xmlns:p="http://schemas.openxmlformats.org/presentationml/2006/main" showMasterSp="0" showMasterPhAnim="0">
+  <p:cSld>
+    <p:spTree>
+      <p:nvGrpSpPr>
+        <p:cNvPr id="1" name="Shape 157"/>
+        <p:cNvGrpSpPr/>
+        <p:nvPr/>
+      </p:nvGrpSpPr>
+      <p:grpSpPr>
+        <a:xfrm>
+          <a:off x="0" y="0"/>
+          <a:ext cx="0" cy="0"/>
+          <a:chOff x="0" y="0"/>
+          <a:chExt cx="0" cy="0"/>
+        </a:xfrm>
+      </p:grpSpPr>
+      <p:sp>
+        <p:nvSpPr>
+          <p:cNvPr id="158" name="Google Shape;158;g83f00c33ef_0_17:notes"/>
+          <p:cNvSpPr>
+            <a:spLocks noGrp="1" noRot="1" noChangeAspect="1"/>
+          </p:cNvSpPr>
+          <p:nvPr>
+            <p:ph type="sldImg" idx="2"/>
+          </p:nvPr>
+        </p:nvSpPr>
+        <p:spPr>
+          <a:xfrm>
+            <a:off x="381000" y="685800"/>
+            <a:ext cx="6096000" cy="3429000"/>
+          </a:xfrm>
+          <a:custGeom>
+            <a:avLst/>
+            <a:gdLst/>
+            <a:ahLst/>
+            <a:cxnLst/>
+            <a:rect l="l" t="t" r="r" b="b"/>
+            <a:pathLst>
+              <a:path w="120000" h="120000" extrusionOk="0">
+                <a:moveTo>
+                  <a:pt x="0" y="0"/>
+                </a:moveTo>
+                <a:lnTo>
+                  <a:pt x="120000" y="0"/>
+                </a:lnTo>
+                <a:lnTo>
+                  <a:pt x="120000" y="120000"/>
+                </a:lnTo>
+                <a:lnTo>
+                  <a:pt x="0" y="120000"/>
+                </a:lnTo>
+                <a:close/>
+              </a:path>
+            </a:pathLst>
+          </a:custGeom>
+        </p:spPr>
+      </p:sp>
+      <p:sp>
+        <p:nvSpPr>
+          <p:cNvPr id="159" name="Google Shape;159;g83f00c33ef_0_17:notes"/>
+          <p:cNvSpPr txBox="1">
+            <a:spLocks noGrp="1"/>
+          </p:cNvSpPr>
+          <p:nvPr>
+            <p:ph type="body" idx="1"/>
+          </p:nvPr>
+        </p:nvSpPr>
+        <p:spPr>
+          <a:xfrm>
+            <a:off x="685800" y="4343400"/>
+            <a:ext cx="5486400" cy="4114800"/>
+          </a:xfrm>
+          <a:prstGeom prst="rect">
+            <a:avLst/>
+          </a:prstGeom>
+        </p:spPr>
+        <p:txBody>
+          <a:bodyPr spcFirstLastPara="1" wrap="square" lIns="91425" tIns="91425" rIns="91425" bIns="91425" anchor="t" anchorCtr="0">
+            <a:noAutofit/>
+          </a:bodyPr>
+          <a:lstStyle/>
+          <a:p>
             <a:pPr marL="0" lvl="0" indent="0" algn="l" rtl="0">
               <a:spcBef>
                 <a:spcPts val="0"/>
@@ -1908,7 +2015,7 @@
 </p:notes>
 </file>
 
-<file path=ppt/notesSlides/notesSlide16.xml><?xml version="1.0" encoding="utf-8"?>
+<file path=ppt/notesSlides/notesSlide17.xml><?xml version="1.0" encoding="utf-8"?>
 <p:notes xmlns:a="http://schemas.openxmlformats.org/drawingml/2006/main" xmlns:r="http://schemas.openxmlformats.org/officeDocument/2006/relationships" xmlns:p="http://schemas.openxmlformats.org/presentationml/2006/main" showMasterSp="0" showMasterPhAnim="0">
   <p:cSld>
     <p:spTree>
@@ -1969,110 +2076,6 @@
       <p:sp>
         <p:nvSpPr>
           <p:cNvPr id="153" name="Google Shape;153;g83f00c33ef_0_12:notes"/>
-          <p:cNvSpPr txBox="1">
-            <a:spLocks noGrp="1"/>
-          </p:cNvSpPr>
-          <p:nvPr>
-            <p:ph type="body" idx="1"/>
-          </p:nvPr>
-        </p:nvSpPr>
-        <p:spPr>
-          <a:xfrm>
-            <a:off x="685800" y="4343400"/>
-            <a:ext cx="5486400" cy="4114800"/>
-          </a:xfrm>
-          <a:prstGeom prst="rect">
-            <a:avLst/>
-          </a:prstGeom>
-        </p:spPr>
-        <p:txBody>
-          <a:bodyPr spcFirstLastPara="1" wrap="square" lIns="91425" tIns="91425" rIns="91425" bIns="91425" anchor="t" anchorCtr="0">
-            <a:noAutofit/>
-          </a:bodyPr>
-          <a:lstStyle/>
-          <a:p>
-            <a:pPr marL="0" lvl="0" indent="0" algn="l" rtl="0">
-              <a:spcBef>
-                <a:spcPts val="0"/>
-              </a:spcBef>
-              <a:spcAft>
-                <a:spcPts val="0"/>
-              </a:spcAft>
-              <a:buNone/>
-            </a:pPr>
-            <a:endParaRPr/>
-          </a:p>
-        </p:txBody>
-      </p:sp>
-    </p:spTree>
-  </p:cSld>
-  <p:clrMapOvr>
-    <a:masterClrMapping/>
-  </p:clrMapOvr>
-</p:notes>
-</file>
-
-<file path=ppt/notesSlides/notesSlide17.xml><?xml version="1.0" encoding="utf-8"?>
-<p:notes xmlns:a="http://schemas.openxmlformats.org/drawingml/2006/main" xmlns:r="http://schemas.openxmlformats.org/officeDocument/2006/relationships" xmlns:p="http://schemas.openxmlformats.org/presentationml/2006/main" showMasterSp="0" showMasterPhAnim="0">
-  <p:cSld>
-    <p:spTree>
-      <p:nvGrpSpPr>
-        <p:cNvPr id="1" name="Shape 157"/>
-        <p:cNvGrpSpPr/>
-        <p:nvPr/>
-      </p:nvGrpSpPr>
-      <p:grpSpPr>
-        <a:xfrm>
-          <a:off x="0" y="0"/>
-          <a:ext cx="0" cy="0"/>
-          <a:chOff x="0" y="0"/>
-          <a:chExt cx="0" cy="0"/>
-        </a:xfrm>
-      </p:grpSpPr>
-      <p:sp>
-        <p:nvSpPr>
-          <p:cNvPr id="158" name="Google Shape;158;g83f00c33ef_0_17:notes"/>
-          <p:cNvSpPr>
-            <a:spLocks noGrp="1" noRot="1" noChangeAspect="1"/>
-          </p:cNvSpPr>
-          <p:nvPr>
-            <p:ph type="sldImg" idx="2"/>
-          </p:nvPr>
-        </p:nvSpPr>
-        <p:spPr>
-          <a:xfrm>
-            <a:off x="381000" y="685800"/>
-            <a:ext cx="6096000" cy="3429000"/>
-          </a:xfrm>
-          <a:custGeom>
-            <a:avLst/>
-            <a:gdLst/>
-            <a:ahLst/>
-            <a:cxnLst/>
-            <a:rect l="l" t="t" r="r" b="b"/>
-            <a:pathLst>
-              <a:path w="120000" h="120000" extrusionOk="0">
-                <a:moveTo>
-                  <a:pt x="0" y="0"/>
-                </a:moveTo>
-                <a:lnTo>
-                  <a:pt x="120000" y="0"/>
-                </a:lnTo>
-                <a:lnTo>
-                  <a:pt x="120000" y="120000"/>
-                </a:lnTo>
-                <a:lnTo>
-                  <a:pt x="0" y="120000"/>
-                </a:lnTo>
-                <a:close/>
-              </a:path>
-            </a:pathLst>
-          </a:custGeom>
-        </p:spPr>
-      </p:sp>
-      <p:sp>
-        <p:nvSpPr>
-          <p:cNvPr id="159" name="Google Shape;159;g83f00c33ef_0_17:notes"/>
           <p:cNvSpPr txBox="1">
             <a:spLocks noGrp="1"/>
           </p:cNvSpPr>
@@ -2225,7 +2228,7 @@
   <p:cSld>
     <p:spTree>
       <p:nvGrpSpPr>
-        <p:cNvPr id="1" name="Shape 163"/>
+        <p:cNvPr id="1" name="Shape 157"/>
         <p:cNvGrpSpPr/>
         <p:nvPr/>
       </p:nvGrpSpPr>
@@ -2239,7 +2242,7 @@
       </p:grpSpPr>
       <p:sp>
         <p:nvSpPr>
-          <p:cNvPr id="164" name="Google Shape;164;g83f00c33ef_0_22:notes"/>
+          <p:cNvPr id="158" name="Google Shape;158;g83f00c33ef_0_17:notes"/>
           <p:cNvSpPr>
             <a:spLocks noGrp="1" noRot="1" noChangeAspect="1"/>
           </p:cNvSpPr>
@@ -2280,7 +2283,7 @@
       </p:sp>
       <p:sp>
         <p:nvSpPr>
-          <p:cNvPr id="165" name="Google Shape;165;g83f00c33ef_0_22:notes"/>
+          <p:cNvPr id="159" name="Google Shape;159;g83f00c33ef_0_17:notes"/>
           <p:cNvSpPr txBox="1">
             <a:spLocks noGrp="1"/>
           </p:cNvSpPr>
@@ -2433,6 +2436,110 @@
   <p:cSld>
     <p:spTree>
       <p:nvGrpSpPr>
+        <p:cNvPr id="1" name="Shape 163"/>
+        <p:cNvGrpSpPr/>
+        <p:nvPr/>
+      </p:nvGrpSpPr>
+      <p:grpSpPr>
+        <a:xfrm>
+          <a:off x="0" y="0"/>
+          <a:ext cx="0" cy="0"/>
+          <a:chOff x="0" y="0"/>
+          <a:chExt cx="0" cy="0"/>
+        </a:xfrm>
+      </p:grpSpPr>
+      <p:sp>
+        <p:nvSpPr>
+          <p:cNvPr id="164" name="Google Shape;164;g83f00c33ef_0_22:notes"/>
+          <p:cNvSpPr>
+            <a:spLocks noGrp="1" noRot="1" noChangeAspect="1"/>
+          </p:cNvSpPr>
+          <p:nvPr>
+            <p:ph type="sldImg" idx="2"/>
+          </p:nvPr>
+        </p:nvSpPr>
+        <p:spPr>
+          <a:xfrm>
+            <a:off x="381000" y="685800"/>
+            <a:ext cx="6096000" cy="3429000"/>
+          </a:xfrm>
+          <a:custGeom>
+            <a:avLst/>
+            <a:gdLst/>
+            <a:ahLst/>
+            <a:cxnLst/>
+            <a:rect l="l" t="t" r="r" b="b"/>
+            <a:pathLst>
+              <a:path w="120000" h="120000" extrusionOk="0">
+                <a:moveTo>
+                  <a:pt x="0" y="0"/>
+                </a:moveTo>
+                <a:lnTo>
+                  <a:pt x="120000" y="0"/>
+                </a:lnTo>
+                <a:lnTo>
+                  <a:pt x="120000" y="120000"/>
+                </a:lnTo>
+                <a:lnTo>
+                  <a:pt x="0" y="120000"/>
+                </a:lnTo>
+                <a:close/>
+              </a:path>
+            </a:pathLst>
+          </a:custGeom>
+        </p:spPr>
+      </p:sp>
+      <p:sp>
+        <p:nvSpPr>
+          <p:cNvPr id="165" name="Google Shape;165;g83f00c33ef_0_22:notes"/>
+          <p:cNvSpPr txBox="1">
+            <a:spLocks noGrp="1"/>
+          </p:cNvSpPr>
+          <p:nvPr>
+            <p:ph type="body" idx="1"/>
+          </p:nvPr>
+        </p:nvSpPr>
+        <p:spPr>
+          <a:xfrm>
+            <a:off x="685800" y="4343400"/>
+            <a:ext cx="5486400" cy="4114800"/>
+          </a:xfrm>
+          <a:prstGeom prst="rect">
+            <a:avLst/>
+          </a:prstGeom>
+        </p:spPr>
+        <p:txBody>
+          <a:bodyPr spcFirstLastPara="1" wrap="square" lIns="91425" tIns="91425" rIns="91425" bIns="91425" anchor="t" anchorCtr="0">
+            <a:noAutofit/>
+          </a:bodyPr>
+          <a:lstStyle/>
+          <a:p>
+            <a:pPr marL="0" lvl="0" indent="0" algn="l" rtl="0">
+              <a:spcBef>
+                <a:spcPts val="0"/>
+              </a:spcBef>
+              <a:spcAft>
+                <a:spcPts val="0"/>
+              </a:spcAft>
+              <a:buNone/>
+            </a:pPr>
+            <a:endParaRPr/>
+          </a:p>
+        </p:txBody>
+      </p:sp>
+    </p:spTree>
+  </p:cSld>
+  <p:clrMapOvr>
+    <a:masterClrMapping/>
+  </p:clrMapOvr>
+</p:notes>
+</file>
+
+<file path=ppt/notesSlides/notesSlide21.xml><?xml version="1.0" encoding="utf-8"?>
+<p:notes xmlns:a="http://schemas.openxmlformats.org/drawingml/2006/main" xmlns:r="http://schemas.openxmlformats.org/officeDocument/2006/relationships" xmlns:p="http://schemas.openxmlformats.org/presentationml/2006/main" showMasterSp="0" showMasterPhAnim="0">
+  <p:cSld>
+    <p:spTree>
+      <p:nvGrpSpPr>
         <p:cNvPr id="1" name="Shape 169"/>
         <p:cNvGrpSpPr/>
         <p:nvPr/>
@@ -2532,7 +2639,7 @@
 </p:notes>
 </file>
 
-<file path=ppt/notesSlides/notesSlide21.xml><?xml version="1.0" encoding="utf-8"?>
+<file path=ppt/notesSlides/notesSlide22.xml><?xml version="1.0" encoding="utf-8"?>
 <p:notes xmlns:a="http://schemas.openxmlformats.org/drawingml/2006/main" xmlns:r="http://schemas.openxmlformats.org/officeDocument/2006/relationships" xmlns:p="http://schemas.openxmlformats.org/presentationml/2006/main" showMasterSp="0" showMasterPhAnim="0">
   <p:cSld>
     <p:spTree>
@@ -2636,7 +2743,7 @@
 </p:notes>
 </file>
 
-<file path=ppt/notesSlides/notesSlide22.xml><?xml version="1.0" encoding="utf-8"?>
+<file path=ppt/notesSlides/notesSlide23.xml><?xml version="1.0" encoding="utf-8"?>
 <p:notes xmlns:a="http://schemas.openxmlformats.org/drawingml/2006/main" xmlns:r="http://schemas.openxmlformats.org/officeDocument/2006/relationships" xmlns:p="http://schemas.openxmlformats.org/presentationml/2006/main" showMasterSp="0" showMasterPhAnim="0">
   <p:cSld>
     <p:spTree>
@@ -3237,7 +3344,7 @@
   <p:cSld>
     <p:spTree>
       <p:nvGrpSpPr>
-        <p:cNvPr id="1" name="Shape 109"/>
+        <p:cNvPr id="1" name="Shape 103"/>
         <p:cNvGrpSpPr/>
         <p:nvPr/>
       </p:nvGrpSpPr>
@@ -3251,7 +3358,7 @@
       </p:grpSpPr>
       <p:sp>
         <p:nvSpPr>
-          <p:cNvPr id="110" name="Google Shape;110;g83d7f3170d_0_5:notes"/>
+          <p:cNvPr id="104" name="Google Shape;104;g83d7f3170d_0_0:notes"/>
           <p:cNvSpPr>
             <a:spLocks noGrp="1" noRot="1" noChangeAspect="1"/>
           </p:cNvSpPr>
@@ -3302,7 +3409,7 @@
       </p:sp>
       <p:sp>
         <p:nvSpPr>
-          <p:cNvPr id="111" name="Google Shape;111;g83d7f3170d_0_5:notes"/>
+          <p:cNvPr id="105" name="Google Shape;105;g83d7f3170d_0_0:notes"/>
           <p:cNvSpPr txBox="1">
             <a:spLocks noGrp="1"/>
           </p:cNvSpPr>
@@ -3342,11 +3449,57 @@
               <a:buSzPts val="1100"/>
               <a:buNone/>
             </a:pPr>
-            <a:endParaRPr/>
+            <a:r>
+              <a:rPr lang="en-US" sz="1100" b="1" i="0" u="sng" strike="noStrike" cap="none" dirty="0">
+                <a:solidFill>
+                  <a:schemeClr val="dk1"/>
+                </a:solidFill>
+                <a:effectLst/>
+                <a:latin typeface="Arial"/>
+                <a:ea typeface="Arial"/>
+                <a:cs typeface="Arial"/>
+                <a:sym typeface="Arial"/>
+              </a:rPr>
+              <a:t>Review</a:t>
+            </a:r>
+          </a:p>
+          <a:p>
+            <a:pPr marL="0" lvl="0" indent="0" algn="l" rtl="0">
+              <a:lnSpc>
+                <a:spcPct val="100000"/>
+              </a:lnSpc>
+              <a:spcBef>
+                <a:spcPts val="0"/>
+              </a:spcBef>
+              <a:spcAft>
+                <a:spcPts val="0"/>
+              </a:spcAft>
+              <a:buSzPts val="1100"/>
+              <a:buNone/>
+            </a:pPr>
+            <a:r>
+              <a:rPr lang="en-US" sz="1100" b="0" i="0" u="none" strike="noStrike" cap="none" dirty="0">
+                <a:solidFill>
+                  <a:schemeClr val="dk1"/>
+                </a:solidFill>
+                <a:effectLst/>
+                <a:latin typeface="Arial"/>
+                <a:ea typeface="Arial"/>
+                <a:cs typeface="Arial"/>
+                <a:sym typeface="Arial"/>
+              </a:rPr>
+              <a:t> The reasoning for this transformation is that we want to focus more on ranking the user liked restaurants and disliked restaurants in the correct order, rather than predicting user ratings on each restaurant, which would result in high variance over time.</a:t>
+            </a:r>
+            <a:endParaRPr dirty="0"/>
           </a:p>
         </p:txBody>
       </p:sp>
     </p:spTree>
+    <p:extLst>
+      <p:ext uri="{BB962C8B-B14F-4D97-AF65-F5344CB8AC3E}">
+        <p14:creationId xmlns:p14="http://schemas.microsoft.com/office/powerpoint/2010/main" val="2182279828"/>
+      </p:ext>
+    </p:extLst>
   </p:cSld>
   <p:clrMapOvr>
     <a:masterClrMapping/>
@@ -3355,128 +3508,6 @@
 </file>
 
 <file path=ppt/notesSlides/notesSlide8.xml><?xml version="1.0" encoding="utf-8"?>
-<p:notes xmlns:a="http://schemas.openxmlformats.org/drawingml/2006/main" xmlns:r="http://schemas.openxmlformats.org/officeDocument/2006/relationships" xmlns:p="http://schemas.openxmlformats.org/presentationml/2006/main" showMasterSp="0" showMasterPhAnim="0">
-  <p:cSld>
-    <p:spTree>
-      <p:nvGrpSpPr>
-        <p:cNvPr id="1" name="Shape 115"/>
-        <p:cNvGrpSpPr/>
-        <p:nvPr/>
-      </p:nvGrpSpPr>
-      <p:grpSpPr>
-        <a:xfrm>
-          <a:off x="0" y="0"/>
-          <a:ext cx="0" cy="0"/>
-          <a:chOff x="0" y="0"/>
-          <a:chExt cx="0" cy="0"/>
-        </a:xfrm>
-      </p:grpSpPr>
-      <p:sp>
-        <p:nvSpPr>
-          <p:cNvPr id="116" name="Google Shape;116;g83ddf61570_0_15:notes"/>
-          <p:cNvSpPr>
-            <a:spLocks noGrp="1" noRot="1" noChangeAspect="1"/>
-          </p:cNvSpPr>
-          <p:nvPr>
-            <p:ph type="sldImg" idx="2"/>
-          </p:nvPr>
-        </p:nvSpPr>
-        <p:spPr>
-          <a:xfrm>
-            <a:off x="381000" y="685800"/>
-            <a:ext cx="6096000" cy="3429000"/>
-          </a:xfrm>
-          <a:custGeom>
-            <a:avLst/>
-            <a:gdLst/>
-            <a:ahLst/>
-            <a:cxnLst/>
-            <a:rect l="l" t="t" r="r" b="b"/>
-            <a:pathLst>
-              <a:path w="120000" h="120000" extrusionOk="0">
-                <a:moveTo>
-                  <a:pt x="0" y="0"/>
-                </a:moveTo>
-                <a:lnTo>
-                  <a:pt x="120000" y="0"/>
-                </a:lnTo>
-                <a:lnTo>
-                  <a:pt x="120000" y="120000"/>
-                </a:lnTo>
-                <a:lnTo>
-                  <a:pt x="0" y="120000"/>
-                </a:lnTo>
-                <a:close/>
-              </a:path>
-            </a:pathLst>
-          </a:custGeom>
-          <a:noFill/>
-          <a:ln w="9525" cap="flat" cmpd="sng">
-            <a:solidFill>
-              <a:srgbClr val="000000"/>
-            </a:solidFill>
-            <a:prstDash val="solid"/>
-            <a:round/>
-            <a:headEnd type="none" w="sm" len="sm"/>
-            <a:tailEnd type="none" w="sm" len="sm"/>
-          </a:ln>
-        </p:spPr>
-      </p:sp>
-      <p:sp>
-        <p:nvSpPr>
-          <p:cNvPr id="117" name="Google Shape;117;g83ddf61570_0_15:notes"/>
-          <p:cNvSpPr txBox="1">
-            <a:spLocks noGrp="1"/>
-          </p:cNvSpPr>
-          <p:nvPr>
-            <p:ph type="body" idx="1"/>
-          </p:nvPr>
-        </p:nvSpPr>
-        <p:spPr>
-          <a:xfrm>
-            <a:off x="685800" y="4343400"/>
-            <a:ext cx="5486400" cy="4114800"/>
-          </a:xfrm>
-          <a:prstGeom prst="rect">
-            <a:avLst/>
-          </a:prstGeom>
-          <a:noFill/>
-          <a:ln>
-            <a:noFill/>
-          </a:ln>
-        </p:spPr>
-        <p:txBody>
-          <a:bodyPr spcFirstLastPara="1" wrap="square" lIns="91425" tIns="91425" rIns="91425" bIns="91425" anchor="t" anchorCtr="0">
-            <a:noAutofit/>
-          </a:bodyPr>
-          <a:lstStyle/>
-          <a:p>
-            <a:pPr marL="0" lvl="0" indent="0" algn="l" rtl="0">
-              <a:lnSpc>
-                <a:spcPct val="100000"/>
-              </a:lnSpc>
-              <a:spcBef>
-                <a:spcPts val="0"/>
-              </a:spcBef>
-              <a:spcAft>
-                <a:spcPts val="0"/>
-              </a:spcAft>
-              <a:buSzPts val="1100"/>
-              <a:buNone/>
-            </a:pPr>
-            <a:endParaRPr/>
-          </a:p>
-        </p:txBody>
-      </p:sp>
-    </p:spTree>
-  </p:cSld>
-  <p:clrMapOvr>
-    <a:masterClrMapping/>
-  </p:clrMapOvr>
-</p:notes>
-</file>
-
-<file path=ppt/notesSlides/notesSlide9.xml><?xml version="1.0" encoding="utf-8"?>
 <p:notes xmlns:a="http://schemas.openxmlformats.org/drawingml/2006/main" xmlns:r="http://schemas.openxmlformats.org/officeDocument/2006/relationships" xmlns:p="http://schemas.openxmlformats.org/presentationml/2006/main" showMasterSp="0" showMasterPhAnim="0">
   <p:cSld>
     <p:spTree>
@@ -3573,27 +3604,165 @@
           </a:bodyPr>
           <a:lstStyle/>
           <a:p>
+            <a:pPr marL="0" lvl="0" indent="0" algn="l" rtl="0">
+              <a:lnSpc>
+                <a:spcPct val="100000"/>
+              </a:lnSpc>
+              <a:spcBef>
+                <a:spcPts val="0"/>
+              </a:spcBef>
+              <a:spcAft>
+                <a:spcPts val="0"/>
+              </a:spcAft>
+              <a:buSzPts val="1100"/>
+              <a:buNone/>
+            </a:pPr>
             <a:r>
               <a:rPr lang="en-US" dirty="0"/>
-              <a:t>Mention that </a:t>
+              <a:t>- We cannot state Illinois exploration in </a:t>
             </a:r>
             <a:r>
-              <a:rPr lang="en-US" sz="1100" b="1" i="0" u="none" strike="noStrike" cap="none" dirty="0">
-                <a:solidFill>
-                  <a:schemeClr val="dk1"/>
-                </a:solidFill>
-                <a:effectLst/>
-                <a:latin typeface="Arial"/>
-                <a:ea typeface="Arial"/>
-                <a:cs typeface="Arial"/>
-                <a:sym typeface="Arial"/>
-              </a:rPr>
-              <a:t>### There are 1301 categories. We shall check top 10 categories.</a:t>
+              <a:rPr lang="en-US" dirty="0" err="1"/>
+              <a:t>eda</a:t>
             </a:r>
-            <a:br>
+            <a:r>
               <a:rPr lang="en-US" dirty="0"/>
-            </a:br>
+              <a:t>, we can call it in data preparation after we have declared that we will be focusing on </a:t>
+            </a:r>
+            <a:r>
+              <a:rPr lang="en-US" dirty="0" err="1"/>
+              <a:t>illinois</a:t>
+            </a:r>
             <a:endParaRPr dirty="0"/>
+          </a:p>
+        </p:txBody>
+      </p:sp>
+    </p:spTree>
+    <p:extLst>
+      <p:ext uri="{BB962C8B-B14F-4D97-AF65-F5344CB8AC3E}">
+        <p14:creationId xmlns:p14="http://schemas.microsoft.com/office/powerpoint/2010/main" val="2844477347"/>
+      </p:ext>
+    </p:extLst>
+  </p:cSld>
+  <p:clrMapOvr>
+    <a:masterClrMapping/>
+  </p:clrMapOvr>
+</p:notes>
+</file>
+
+<file path=ppt/notesSlides/notesSlide9.xml><?xml version="1.0" encoding="utf-8"?>
+<p:notes xmlns:a="http://schemas.openxmlformats.org/drawingml/2006/main" xmlns:r="http://schemas.openxmlformats.org/officeDocument/2006/relationships" xmlns:p="http://schemas.openxmlformats.org/presentationml/2006/main" showMasterSp="0" showMasterPhAnim="0">
+  <p:cSld>
+    <p:spTree>
+      <p:nvGrpSpPr>
+        <p:cNvPr id="1" name="Shape 137"/>
+        <p:cNvGrpSpPr/>
+        <p:nvPr/>
+      </p:nvGrpSpPr>
+      <p:grpSpPr>
+        <a:xfrm>
+          <a:off x="0" y="0"/>
+          <a:ext cx="0" cy="0"/>
+          <a:chOff x="0" y="0"/>
+          <a:chExt cx="0" cy="0"/>
+        </a:xfrm>
+      </p:grpSpPr>
+      <p:sp>
+        <p:nvSpPr>
+          <p:cNvPr id="138" name="Google Shape;138;g83f00c33ef_0_0:notes"/>
+          <p:cNvSpPr>
+            <a:spLocks noGrp="1" noRot="1" noChangeAspect="1"/>
+          </p:cNvSpPr>
+          <p:nvPr>
+            <p:ph type="sldImg" idx="2"/>
+          </p:nvPr>
+        </p:nvSpPr>
+        <p:spPr>
+          <a:xfrm>
+            <a:off x="381000" y="685800"/>
+            <a:ext cx="6096000" cy="3429000"/>
+          </a:xfrm>
+          <a:custGeom>
+            <a:avLst/>
+            <a:gdLst/>
+            <a:ahLst/>
+            <a:cxnLst/>
+            <a:rect l="l" t="t" r="r" b="b"/>
+            <a:pathLst>
+              <a:path w="120000" h="120000" extrusionOk="0">
+                <a:moveTo>
+                  <a:pt x="0" y="0"/>
+                </a:moveTo>
+                <a:lnTo>
+                  <a:pt x="120000" y="0"/>
+                </a:lnTo>
+                <a:lnTo>
+                  <a:pt x="120000" y="120000"/>
+                </a:lnTo>
+                <a:lnTo>
+                  <a:pt x="0" y="120000"/>
+                </a:lnTo>
+                <a:close/>
+              </a:path>
+            </a:pathLst>
+          </a:custGeom>
+        </p:spPr>
+      </p:sp>
+      <p:sp>
+        <p:nvSpPr>
+          <p:cNvPr id="139" name="Google Shape;139;g83f00c33ef_0_0:notes"/>
+          <p:cNvSpPr txBox="1">
+            <a:spLocks noGrp="1"/>
+          </p:cNvSpPr>
+          <p:nvPr>
+            <p:ph type="body" idx="1"/>
+          </p:nvPr>
+        </p:nvSpPr>
+        <p:spPr>
+          <a:xfrm>
+            <a:off x="685800" y="4343400"/>
+            <a:ext cx="5486400" cy="4114800"/>
+          </a:xfrm>
+          <a:prstGeom prst="rect">
+            <a:avLst/>
+          </a:prstGeom>
+        </p:spPr>
+        <p:txBody>
+          <a:bodyPr spcFirstLastPara="1" wrap="square" lIns="91425" tIns="91425" rIns="91425" bIns="91425" anchor="t" anchorCtr="0">
+            <a:noAutofit/>
+          </a:bodyPr>
+          <a:lstStyle/>
+          <a:p>
+            <a:pPr marL="0" lvl="0" indent="0" algn="l" rtl="0">
+              <a:lnSpc>
+                <a:spcPct val="100000"/>
+              </a:lnSpc>
+              <a:spcBef>
+                <a:spcPts val="0"/>
+              </a:spcBef>
+              <a:spcAft>
+                <a:spcPts val="0"/>
+              </a:spcAft>
+              <a:buSzPts val="1100"/>
+              <a:buNone/>
+            </a:pPr>
+            <a:r>
+              <a:rPr lang="en-US" dirty="0"/>
+              <a:t>- We cannot state Illinois exploration in </a:t>
+            </a:r>
+            <a:r>
+              <a:rPr lang="en-US" dirty="0" err="1"/>
+              <a:t>eda</a:t>
+            </a:r>
+            <a:r>
+              <a:rPr lang="en-US" dirty="0"/>
+              <a:t>, we can call it in data preparation after we have declared that we will be focusing on </a:t>
+            </a:r>
+            <a:r>
+              <a:rPr lang="en-US" dirty="0" err="1"/>
+              <a:t>illinois</a:t>
+            </a:r>
+            <a:endParaRPr lang="en-US" dirty="0"/>
           </a:p>
         </p:txBody>
       </p:sp>
@@ -11647,519 +11816,6 @@
   <p:cSld>
     <p:spTree>
       <p:nvGrpSpPr>
-        <p:cNvPr id="1" name="Shape 133"/>
-        <p:cNvGrpSpPr/>
-        <p:nvPr/>
-      </p:nvGrpSpPr>
-      <p:grpSpPr>
-        <a:xfrm>
-          <a:off x="0" y="0"/>
-          <a:ext cx="0" cy="0"/>
-          <a:chOff x="0" y="0"/>
-          <a:chExt cx="0" cy="0"/>
-        </a:xfrm>
-      </p:grpSpPr>
-      <p:sp>
-        <p:nvSpPr>
-          <p:cNvPr id="134" name="Google Shape;134;g83ddf61570_0_20"/>
-          <p:cNvSpPr txBox="1">
-            <a:spLocks noGrp="1"/>
-          </p:cNvSpPr>
-          <p:nvPr>
-            <p:ph type="title"/>
-          </p:nvPr>
-        </p:nvSpPr>
-        <p:spPr>
-          <a:xfrm>
-            <a:off x="0" y="0"/>
-            <a:ext cx="6279900" cy="678000"/>
-          </a:xfrm>
-          <a:prstGeom prst="rect">
-            <a:avLst/>
-          </a:prstGeom>
-          <a:noFill/>
-          <a:ln>
-            <a:noFill/>
-          </a:ln>
-        </p:spPr>
-        <p:txBody>
-          <a:bodyPr spcFirstLastPara="1" wrap="square" lIns="91425" tIns="91425" rIns="91425" bIns="91425" anchor="t" anchorCtr="0">
-            <a:noAutofit/>
-          </a:bodyPr>
-          <a:lstStyle/>
-          <a:p>
-            <a:pPr marL="0" lvl="0" indent="0" algn="l" rtl="0">
-              <a:lnSpc>
-                <a:spcPct val="100000"/>
-              </a:lnSpc>
-              <a:spcBef>
-                <a:spcPts val="0"/>
-              </a:spcBef>
-              <a:spcAft>
-                <a:spcPts val="0"/>
-              </a:spcAft>
-              <a:buSzPts val="3000"/>
-              <a:buNone/>
-            </a:pPr>
-            <a:r>
-              <a:rPr lang="en-US" dirty="0">
-                <a:solidFill>
-                  <a:srgbClr val="000000"/>
-                </a:solidFill>
-                <a:highlight>
-                  <a:srgbClr val="FF0000"/>
-                </a:highlight>
-              </a:rPr>
-              <a:t>Exploratory Data Analysis</a:t>
-            </a:r>
-            <a:endParaRPr dirty="0">
-              <a:solidFill>
-                <a:srgbClr val="000000"/>
-              </a:solidFill>
-              <a:highlight>
-                <a:srgbClr val="FF0000"/>
-              </a:highlight>
-            </a:endParaRPr>
-          </a:p>
-        </p:txBody>
-      </p:sp>
-      <p:sp>
-        <p:nvSpPr>
-          <p:cNvPr id="135" name="Google Shape;135;g83ddf61570_0_20"/>
-          <p:cNvSpPr txBox="1">
-            <a:spLocks noGrp="1"/>
-          </p:cNvSpPr>
-          <p:nvPr>
-            <p:ph type="body" idx="1"/>
-          </p:nvPr>
-        </p:nvSpPr>
-        <p:spPr>
-          <a:xfrm>
-            <a:off x="156322" y="785393"/>
-            <a:ext cx="7072500" cy="532200"/>
-          </a:xfrm>
-          <a:prstGeom prst="rect">
-            <a:avLst/>
-          </a:prstGeom>
-          <a:noFill/>
-          <a:ln>
-            <a:noFill/>
-          </a:ln>
-        </p:spPr>
-        <p:txBody>
-          <a:bodyPr spcFirstLastPara="1" wrap="square" lIns="91425" tIns="91425" rIns="91425" bIns="91425" anchor="t" anchorCtr="0">
-            <a:noAutofit/>
-          </a:bodyPr>
-          <a:lstStyle/>
-          <a:p>
-            <a:pPr marL="0" lvl="0" indent="0" algn="l" rtl="0">
-              <a:lnSpc>
-                <a:spcPct val="115000"/>
-              </a:lnSpc>
-              <a:spcBef>
-                <a:spcPts val="0"/>
-              </a:spcBef>
-              <a:spcAft>
-                <a:spcPts val="0"/>
-              </a:spcAft>
-              <a:buSzPts val="1800"/>
-              <a:buNone/>
-            </a:pPr>
-            <a:r>
-              <a:rPr lang="en-US" dirty="0">
-                <a:solidFill>
-                  <a:srgbClr val="000000"/>
-                </a:solidFill>
-              </a:rPr>
-              <a:t>Business:                       </a:t>
-            </a:r>
-            <a:r>
-              <a:rPr lang="en-US" sz="1350" b="1" dirty="0">
-                <a:solidFill>
-                  <a:srgbClr val="000000"/>
-                </a:solidFill>
-                <a:highlight>
-                  <a:srgbClr val="FFFFFF"/>
-                </a:highlight>
-                <a:latin typeface="Arial"/>
-                <a:ea typeface="Arial"/>
-                <a:cs typeface="Arial"/>
-                <a:sym typeface="Arial"/>
-              </a:rPr>
-              <a:t>Distribution of restaurant business in Illinois</a:t>
-            </a:r>
-            <a:endParaRPr sz="1350" b="1" dirty="0">
-              <a:solidFill>
-                <a:srgbClr val="000000"/>
-              </a:solidFill>
-              <a:highlight>
-                <a:srgbClr val="FFFFFF"/>
-              </a:highlight>
-              <a:latin typeface="Arial"/>
-              <a:ea typeface="Arial"/>
-              <a:cs typeface="Arial"/>
-              <a:sym typeface="Arial"/>
-            </a:endParaRPr>
-          </a:p>
-          <a:p>
-            <a:pPr marL="0" lvl="0" indent="0" algn="l" rtl="0">
-              <a:lnSpc>
-                <a:spcPct val="115000"/>
-              </a:lnSpc>
-              <a:spcBef>
-                <a:spcPts val="0"/>
-              </a:spcBef>
-              <a:spcAft>
-                <a:spcPts val="0"/>
-              </a:spcAft>
-              <a:buSzPts val="1800"/>
-              <a:buNone/>
-            </a:pPr>
-            <a:endParaRPr sz="1350" b="1" dirty="0">
-              <a:solidFill>
-                <a:srgbClr val="000000"/>
-              </a:solidFill>
-              <a:highlight>
-                <a:srgbClr val="FFFFFF"/>
-              </a:highlight>
-              <a:latin typeface="Arial"/>
-              <a:ea typeface="Arial"/>
-              <a:cs typeface="Arial"/>
-              <a:sym typeface="Arial"/>
-            </a:endParaRPr>
-          </a:p>
-          <a:p>
-            <a:pPr marL="0" lvl="0" indent="0" algn="l" rtl="0">
-              <a:lnSpc>
-                <a:spcPct val="100000"/>
-              </a:lnSpc>
-              <a:spcBef>
-                <a:spcPts val="1000"/>
-              </a:spcBef>
-              <a:spcAft>
-                <a:spcPts val="0"/>
-              </a:spcAft>
-              <a:buNone/>
-            </a:pPr>
-            <a:endParaRPr sz="1350" b="1" dirty="0">
-              <a:solidFill>
-                <a:srgbClr val="000000"/>
-              </a:solidFill>
-              <a:highlight>
-                <a:srgbClr val="FFFFFF"/>
-              </a:highlight>
-              <a:latin typeface="Arial"/>
-              <a:ea typeface="Arial"/>
-              <a:cs typeface="Arial"/>
-              <a:sym typeface="Arial"/>
-            </a:endParaRPr>
-          </a:p>
-          <a:p>
-            <a:pPr marL="0" lvl="0" indent="0" algn="l" rtl="0">
-              <a:lnSpc>
-                <a:spcPct val="115000"/>
-              </a:lnSpc>
-              <a:spcBef>
-                <a:spcPts val="1600"/>
-              </a:spcBef>
-              <a:spcAft>
-                <a:spcPts val="0"/>
-              </a:spcAft>
-              <a:buSzPts val="1800"/>
-              <a:buNone/>
-            </a:pPr>
-            <a:endParaRPr dirty="0">
-              <a:solidFill>
-                <a:srgbClr val="000000"/>
-              </a:solidFill>
-            </a:endParaRPr>
-          </a:p>
-          <a:p>
-            <a:pPr marL="0" lvl="0" indent="0" algn="l" rtl="0">
-              <a:lnSpc>
-                <a:spcPct val="115000"/>
-              </a:lnSpc>
-              <a:spcBef>
-                <a:spcPts val="1600"/>
-              </a:spcBef>
-              <a:spcAft>
-                <a:spcPts val="1600"/>
-              </a:spcAft>
-              <a:buSzPts val="1800"/>
-              <a:buNone/>
-            </a:pPr>
-            <a:endParaRPr dirty="0">
-              <a:solidFill>
-                <a:srgbClr val="000000"/>
-              </a:solidFill>
-            </a:endParaRPr>
-          </a:p>
-        </p:txBody>
-      </p:sp>
-      <p:pic>
-        <p:nvPicPr>
-          <p:cNvPr id="136" name="Google Shape;136;g83ddf61570_0_20"/>
-          <p:cNvPicPr preferRelativeResize="0"/>
-          <p:nvPr/>
-        </p:nvPicPr>
-        <p:blipFill>
-          <a:blip r:embed="rId3">
-            <a:alphaModFix/>
-          </a:blip>
-          <a:stretch>
-            <a:fillRect/>
-          </a:stretch>
-        </p:blipFill>
-        <p:spPr>
-          <a:xfrm>
-            <a:off x="587071" y="1136516"/>
-            <a:ext cx="7559401" cy="3118089"/>
-          </a:xfrm>
-          <a:prstGeom prst="rect">
-            <a:avLst/>
-          </a:prstGeom>
-          <a:noFill/>
-          <a:ln>
-            <a:noFill/>
-          </a:ln>
-        </p:spPr>
-      </p:pic>
-    </p:spTree>
-    <p:extLst>
-      <p:ext uri="{BB962C8B-B14F-4D97-AF65-F5344CB8AC3E}">
-        <p14:creationId xmlns:p14="http://schemas.microsoft.com/office/powerpoint/2010/main" val="117015801"/>
-      </p:ext>
-    </p:extLst>
-  </p:cSld>
-  <p:clrMapOvr>
-    <a:masterClrMapping/>
-  </p:clrMapOvr>
-</p:sld>
-</file>
-
-<file path=ppt/slides/slide11.xml><?xml version="1.0" encoding="utf-8"?>
-<p:sld xmlns:a="http://schemas.openxmlformats.org/drawingml/2006/main" xmlns:r="http://schemas.openxmlformats.org/officeDocument/2006/relationships" xmlns:p="http://schemas.openxmlformats.org/presentationml/2006/main">
-  <p:cSld>
-    <p:spTree>
-      <p:nvGrpSpPr>
-        <p:cNvPr id="1" name="Shape 140"/>
-        <p:cNvGrpSpPr/>
-        <p:nvPr/>
-      </p:nvGrpSpPr>
-      <p:grpSpPr>
-        <a:xfrm>
-          <a:off x="0" y="0"/>
-          <a:ext cx="0" cy="0"/>
-          <a:chOff x="0" y="0"/>
-          <a:chExt cx="0" cy="0"/>
-        </a:xfrm>
-      </p:grpSpPr>
-      <p:sp>
-        <p:nvSpPr>
-          <p:cNvPr id="141" name="Google Shape;141;g83f00c33ef_0_0"/>
-          <p:cNvSpPr txBox="1">
-            <a:spLocks noGrp="1"/>
-          </p:cNvSpPr>
-          <p:nvPr>
-            <p:ph type="title"/>
-          </p:nvPr>
-        </p:nvSpPr>
-        <p:spPr>
-          <a:xfrm>
-            <a:off x="0" y="0"/>
-            <a:ext cx="5047800" cy="655200"/>
-          </a:xfrm>
-          <a:prstGeom prst="rect">
-            <a:avLst/>
-          </a:prstGeom>
-        </p:spPr>
-        <p:txBody>
-          <a:bodyPr spcFirstLastPara="1" wrap="square" lIns="91425" tIns="91425" rIns="91425" bIns="91425" anchor="t" anchorCtr="0">
-            <a:noAutofit/>
-          </a:bodyPr>
-          <a:lstStyle/>
-          <a:p>
-            <a:pPr marL="0" lvl="0" indent="0" algn="l" rtl="0">
-              <a:spcBef>
-                <a:spcPts val="0"/>
-              </a:spcBef>
-              <a:spcAft>
-                <a:spcPts val="0"/>
-              </a:spcAft>
-              <a:buClr>
-                <a:srgbClr val="000000"/>
-              </a:buClr>
-              <a:buSzPts val="3000"/>
-              <a:buFont typeface="Arial"/>
-              <a:buNone/>
-            </a:pPr>
-            <a:r>
-              <a:rPr lang="en-US" dirty="0">
-                <a:solidFill>
-                  <a:srgbClr val="000000"/>
-                </a:solidFill>
-                <a:highlight>
-                  <a:srgbClr val="FF0000"/>
-                </a:highlight>
-              </a:rPr>
-              <a:t>Exploratory Data Analysis</a:t>
-            </a:r>
-            <a:endParaRPr dirty="0">
-              <a:highlight>
-                <a:srgbClr val="FF0000"/>
-              </a:highlight>
-            </a:endParaRPr>
-          </a:p>
-        </p:txBody>
-      </p:sp>
-      <p:sp>
-        <p:nvSpPr>
-          <p:cNvPr id="142" name="Google Shape;142;g83f00c33ef_0_0"/>
-          <p:cNvSpPr txBox="1">
-            <a:spLocks noGrp="1"/>
-          </p:cNvSpPr>
-          <p:nvPr>
-            <p:ph type="body" idx="1"/>
-          </p:nvPr>
-        </p:nvSpPr>
-        <p:spPr>
-          <a:xfrm>
-            <a:off x="311700" y="1152475"/>
-            <a:ext cx="8520600" cy="3416400"/>
-          </a:xfrm>
-          <a:prstGeom prst="rect">
-            <a:avLst/>
-          </a:prstGeom>
-        </p:spPr>
-        <p:txBody>
-          <a:bodyPr spcFirstLastPara="1" wrap="square" lIns="91425" tIns="91425" rIns="91425" bIns="91425" anchor="t" anchorCtr="0">
-            <a:noAutofit/>
-          </a:bodyPr>
-          <a:lstStyle/>
-          <a:p>
-            <a:pPr marL="0" lvl="0" indent="0" algn="l" rtl="0">
-              <a:spcBef>
-                <a:spcPts val="0"/>
-              </a:spcBef>
-              <a:spcAft>
-                <a:spcPts val="0"/>
-              </a:spcAft>
-              <a:buNone/>
-            </a:pPr>
-            <a:endParaRPr/>
-          </a:p>
-        </p:txBody>
-      </p:sp>
-      <p:pic>
-        <p:nvPicPr>
-          <p:cNvPr id="143" name="Google Shape;143;g83f00c33ef_0_0"/>
-          <p:cNvPicPr preferRelativeResize="0"/>
-          <p:nvPr/>
-        </p:nvPicPr>
-        <p:blipFill>
-          <a:blip r:embed="rId3">
-            <a:alphaModFix/>
-          </a:blip>
-          <a:stretch>
-            <a:fillRect/>
-          </a:stretch>
-        </p:blipFill>
-        <p:spPr>
-          <a:xfrm>
-            <a:off x="83127" y="1028500"/>
-            <a:ext cx="8974721" cy="4057378"/>
-          </a:xfrm>
-          <a:prstGeom prst="rect">
-            <a:avLst/>
-          </a:prstGeom>
-          <a:noFill/>
-          <a:ln>
-            <a:noFill/>
-          </a:ln>
-        </p:spPr>
-      </p:pic>
-      <p:sp>
-        <p:nvSpPr>
-          <p:cNvPr id="144" name="Google Shape;144;g83f00c33ef_0_0"/>
-          <p:cNvSpPr txBox="1"/>
-          <p:nvPr/>
-        </p:nvSpPr>
-        <p:spPr>
-          <a:xfrm>
-            <a:off x="0" y="696088"/>
-            <a:ext cx="4575900" cy="332400"/>
-          </a:xfrm>
-          <a:prstGeom prst="rect">
-            <a:avLst/>
-          </a:prstGeom>
-          <a:noFill/>
-          <a:ln>
-            <a:noFill/>
-          </a:ln>
-        </p:spPr>
-        <p:txBody>
-          <a:bodyPr spcFirstLastPara="1" wrap="square" lIns="91425" tIns="91425" rIns="91425" bIns="91425" anchor="t" anchorCtr="0">
-            <a:noAutofit/>
-          </a:bodyPr>
-          <a:lstStyle/>
-          <a:p>
-            <a:pPr marL="0" lvl="0" indent="0" algn="l" rtl="0">
-              <a:spcBef>
-                <a:spcPts val="0"/>
-              </a:spcBef>
-              <a:spcAft>
-                <a:spcPts val="0"/>
-              </a:spcAft>
-              <a:buNone/>
-            </a:pPr>
-            <a:r>
-              <a:rPr lang="en-US">
-                <a:latin typeface="Average"/>
-                <a:ea typeface="Average"/>
-                <a:cs typeface="Average"/>
-                <a:sym typeface="Average"/>
-              </a:rPr>
-              <a:t>TOP 10 MOST RATED RESTAURANTS IN ILLINOIS</a:t>
-            </a:r>
-            <a:endParaRPr>
-              <a:latin typeface="Average"/>
-              <a:ea typeface="Average"/>
-              <a:cs typeface="Average"/>
-              <a:sym typeface="Average"/>
-            </a:endParaRPr>
-          </a:p>
-          <a:p>
-            <a:pPr marL="0" lvl="0" indent="0" algn="l" rtl="0">
-              <a:spcBef>
-                <a:spcPts val="0"/>
-              </a:spcBef>
-              <a:spcAft>
-                <a:spcPts val="0"/>
-              </a:spcAft>
-              <a:buNone/>
-            </a:pPr>
-            <a:endParaRPr>
-              <a:latin typeface="Average"/>
-              <a:ea typeface="Average"/>
-              <a:cs typeface="Average"/>
-              <a:sym typeface="Average"/>
-            </a:endParaRPr>
-          </a:p>
-        </p:txBody>
-      </p:sp>
-    </p:spTree>
-  </p:cSld>
-  <p:clrMapOvr>
-    <a:masterClrMapping/>
-  </p:clrMapOvr>
-</p:sld>
-</file>
-
-<file path=ppt/slides/slide12.xml><?xml version="1.0" encoding="utf-8"?>
-<p:sld xmlns:a="http://schemas.openxmlformats.org/drawingml/2006/main" xmlns:r="http://schemas.openxmlformats.org/officeDocument/2006/relationships" xmlns:p="http://schemas.openxmlformats.org/presentationml/2006/main">
-  <p:cSld>
-    <p:spTree>
-      <p:nvGrpSpPr>
         <p:cNvPr id="1" name=""/>
         <p:cNvGrpSpPr/>
         <p:nvPr/>
@@ -12364,7 +12020,1840 @@
 </p:sld>
 </file>
 
+<file path=ppt/slides/slide11.xml><?xml version="1.0" encoding="utf-8"?>
+<p:sld xmlns:a="http://schemas.openxmlformats.org/drawingml/2006/main" xmlns:r="http://schemas.openxmlformats.org/officeDocument/2006/relationships" xmlns:p="http://schemas.openxmlformats.org/presentationml/2006/main">
+  <p:cSld>
+    <p:spTree>
+      <p:nvGrpSpPr>
+        <p:cNvPr id="1" name="Shape 112"/>
+        <p:cNvGrpSpPr/>
+        <p:nvPr/>
+      </p:nvGrpSpPr>
+      <p:grpSpPr>
+        <a:xfrm>
+          <a:off x="0" y="0"/>
+          <a:ext cx="0" cy="0"/>
+          <a:chOff x="0" y="0"/>
+          <a:chExt cx="0" cy="0"/>
+        </a:xfrm>
+      </p:grpSpPr>
+      <p:sp>
+        <p:nvSpPr>
+          <p:cNvPr id="113" name="Google Shape;113;g83d7f3170d_0_5"/>
+          <p:cNvSpPr txBox="1">
+            <a:spLocks noGrp="1"/>
+          </p:cNvSpPr>
+          <p:nvPr>
+            <p:ph type="title"/>
+          </p:nvPr>
+        </p:nvSpPr>
+        <p:spPr>
+          <a:xfrm>
+            <a:off x="0" y="0"/>
+            <a:ext cx="4067100" cy="684300"/>
+          </a:xfrm>
+          <a:prstGeom prst="rect">
+            <a:avLst/>
+          </a:prstGeom>
+          <a:noFill/>
+          <a:ln>
+            <a:noFill/>
+          </a:ln>
+        </p:spPr>
+        <p:txBody>
+          <a:bodyPr spcFirstLastPara="1" wrap="square" lIns="91425" tIns="91425" rIns="91425" bIns="91425" anchor="t" anchorCtr="0">
+            <a:noAutofit/>
+          </a:bodyPr>
+          <a:lstStyle/>
+          <a:p>
+            <a:pPr marL="0" lvl="0" indent="0" algn="l" rtl="0">
+              <a:lnSpc>
+                <a:spcPct val="100000"/>
+              </a:lnSpc>
+              <a:spcBef>
+                <a:spcPts val="0"/>
+              </a:spcBef>
+              <a:spcAft>
+                <a:spcPts val="0"/>
+              </a:spcAft>
+              <a:buSzPts val="3000"/>
+              <a:buNone/>
+            </a:pPr>
+            <a:r>
+              <a:rPr lang="en-US">
+                <a:solidFill>
+                  <a:srgbClr val="000000"/>
+                </a:solidFill>
+              </a:rPr>
+              <a:t>Data Cleaning</a:t>
+            </a:r>
+            <a:endParaRPr>
+              <a:solidFill>
+                <a:srgbClr val="000000"/>
+              </a:solidFill>
+            </a:endParaRPr>
+          </a:p>
+        </p:txBody>
+      </p:sp>
+      <p:sp>
+        <p:nvSpPr>
+          <p:cNvPr id="114" name="Google Shape;114;g83d7f3170d_0_5"/>
+          <p:cNvSpPr txBox="1">
+            <a:spLocks noGrp="1"/>
+          </p:cNvSpPr>
+          <p:nvPr>
+            <p:ph type="body" idx="1"/>
+          </p:nvPr>
+        </p:nvSpPr>
+        <p:spPr>
+          <a:xfrm>
+            <a:off x="311700" y="1152475"/>
+            <a:ext cx="8520600" cy="3416400"/>
+          </a:xfrm>
+          <a:prstGeom prst="rect">
+            <a:avLst/>
+          </a:prstGeom>
+          <a:noFill/>
+          <a:ln>
+            <a:noFill/>
+          </a:ln>
+        </p:spPr>
+        <p:txBody>
+          <a:bodyPr spcFirstLastPara="1" wrap="square" lIns="91425" tIns="91425" rIns="91425" bIns="91425" anchor="t" anchorCtr="0">
+            <a:noAutofit/>
+          </a:bodyPr>
+          <a:lstStyle/>
+          <a:p>
+            <a:pPr marL="0" lvl="0" indent="0" algn="l" rtl="0">
+              <a:lnSpc>
+                <a:spcPct val="115000"/>
+              </a:lnSpc>
+              <a:spcBef>
+                <a:spcPts val="0"/>
+              </a:spcBef>
+              <a:spcAft>
+                <a:spcPts val="0"/>
+              </a:spcAft>
+              <a:buSzPts val="1800"/>
+              <a:buNone/>
+            </a:pPr>
+            <a:r>
+              <a:rPr lang="en-US" dirty="0">
+                <a:solidFill>
+                  <a:srgbClr val="000000"/>
+                </a:solidFill>
+              </a:rPr>
+              <a:t>1. column value extraction:- Extracted values (such as cuisine type, theme, etc.) from the category column of business data. Since we were creating a recommender system for restaurants in Illinois, we extracted records of restaurants in Illinois only.</a:t>
+            </a:r>
+            <a:endParaRPr dirty="0">
+              <a:solidFill>
+                <a:srgbClr val="000000"/>
+              </a:solidFill>
+            </a:endParaRPr>
+          </a:p>
+          <a:p>
+            <a:pPr marL="0" lvl="0" indent="0" algn="l" rtl="0">
+              <a:lnSpc>
+                <a:spcPct val="115000"/>
+              </a:lnSpc>
+              <a:spcBef>
+                <a:spcPts val="1600"/>
+              </a:spcBef>
+              <a:spcAft>
+                <a:spcPts val="0"/>
+              </a:spcAft>
+              <a:buSzPts val="1800"/>
+              <a:buNone/>
+            </a:pPr>
+            <a:r>
+              <a:rPr lang="en-US" dirty="0">
+                <a:solidFill>
+                  <a:srgbClr val="000000"/>
+                </a:solidFill>
+              </a:rPr>
+              <a:t>2. Null Values:- There were lot of columns with null values, mainly in the columns which were extracted from the category column, so we removed those columns which had null value count more than 300.</a:t>
+            </a:r>
+            <a:endParaRPr dirty="0">
+              <a:solidFill>
+                <a:srgbClr val="000000"/>
+              </a:solidFill>
+            </a:endParaRPr>
+          </a:p>
+          <a:p>
+            <a:pPr marL="0" lvl="0" indent="0" algn="l" rtl="0">
+              <a:lnSpc>
+                <a:spcPct val="115000"/>
+              </a:lnSpc>
+              <a:spcBef>
+                <a:spcPts val="1600"/>
+              </a:spcBef>
+              <a:spcAft>
+                <a:spcPts val="0"/>
+              </a:spcAft>
+              <a:buSzPts val="1800"/>
+              <a:buNone/>
+            </a:pPr>
+            <a:r>
+              <a:rPr lang="en-US" dirty="0">
+                <a:solidFill>
+                  <a:srgbClr val="000000"/>
+                </a:solidFill>
+              </a:rPr>
+              <a:t>3. Duplicate Record:- In Users data, there were lot of users who gave multiple reviews to the same restaurants. For that, we kept the most recent one and removed the others.</a:t>
+            </a:r>
+            <a:endParaRPr dirty="0">
+              <a:solidFill>
+                <a:srgbClr val="000000"/>
+              </a:solidFill>
+            </a:endParaRPr>
+          </a:p>
+          <a:p>
+            <a:pPr marL="0" lvl="0" indent="0" algn="l" rtl="0">
+              <a:lnSpc>
+                <a:spcPct val="115000"/>
+              </a:lnSpc>
+              <a:spcBef>
+                <a:spcPts val="1600"/>
+              </a:spcBef>
+              <a:spcAft>
+                <a:spcPts val="1600"/>
+              </a:spcAft>
+              <a:buSzPts val="1800"/>
+              <a:buNone/>
+            </a:pPr>
+            <a:endParaRPr dirty="0">
+              <a:solidFill>
+                <a:srgbClr val="000000"/>
+              </a:solidFill>
+            </a:endParaRPr>
+          </a:p>
+        </p:txBody>
+      </p:sp>
+    </p:spTree>
+  </p:cSld>
+  <p:clrMapOvr>
+    <a:masterClrMapping/>
+  </p:clrMapOvr>
+</p:sld>
+</file>
+
+<file path=ppt/slides/slide12.xml><?xml version="1.0" encoding="utf-8"?>
+<p:sld xmlns:a="http://schemas.openxmlformats.org/drawingml/2006/main" xmlns:r="http://schemas.openxmlformats.org/officeDocument/2006/relationships" xmlns:p="http://schemas.openxmlformats.org/presentationml/2006/main">
+  <p:cSld>
+    <p:spTree>
+      <p:nvGrpSpPr>
+        <p:cNvPr id="1" name="Shape 118"/>
+        <p:cNvGrpSpPr/>
+        <p:nvPr/>
+      </p:nvGrpSpPr>
+      <p:grpSpPr>
+        <a:xfrm>
+          <a:off x="0" y="0"/>
+          <a:ext cx="0" cy="0"/>
+          <a:chOff x="0" y="0"/>
+          <a:chExt cx="0" cy="0"/>
+        </a:xfrm>
+      </p:grpSpPr>
+      <p:sp>
+        <p:nvSpPr>
+          <p:cNvPr id="119" name="Google Shape;119;g83ddf61570_0_15"/>
+          <p:cNvSpPr txBox="1">
+            <a:spLocks noGrp="1"/>
+          </p:cNvSpPr>
+          <p:nvPr>
+            <p:ph type="title"/>
+          </p:nvPr>
+        </p:nvSpPr>
+        <p:spPr>
+          <a:xfrm>
+            <a:off x="0" y="0"/>
+            <a:ext cx="4572000" cy="705300"/>
+          </a:xfrm>
+          <a:prstGeom prst="rect">
+            <a:avLst/>
+          </a:prstGeom>
+          <a:noFill/>
+          <a:ln>
+            <a:noFill/>
+          </a:ln>
+        </p:spPr>
+        <p:txBody>
+          <a:bodyPr spcFirstLastPara="1" wrap="square" lIns="91425" tIns="91425" rIns="91425" bIns="91425" anchor="t" anchorCtr="0">
+            <a:noAutofit/>
+          </a:bodyPr>
+          <a:lstStyle/>
+          <a:p>
+            <a:pPr marL="0" lvl="0" indent="0" algn="l" rtl="0">
+              <a:lnSpc>
+                <a:spcPct val="100000"/>
+              </a:lnSpc>
+              <a:spcBef>
+                <a:spcPts val="0"/>
+              </a:spcBef>
+              <a:spcAft>
+                <a:spcPts val="0"/>
+              </a:spcAft>
+              <a:buSzPts val="3000"/>
+              <a:buNone/>
+            </a:pPr>
+            <a:r>
+              <a:rPr lang="en-US">
+                <a:solidFill>
+                  <a:srgbClr val="000000"/>
+                </a:solidFill>
+              </a:rPr>
+              <a:t>Data Cleaning </a:t>
+            </a:r>
+            <a:endParaRPr>
+              <a:solidFill>
+                <a:srgbClr val="000000"/>
+              </a:solidFill>
+            </a:endParaRPr>
+          </a:p>
+        </p:txBody>
+      </p:sp>
+      <p:sp>
+        <p:nvSpPr>
+          <p:cNvPr id="120" name="Google Shape;120;g83ddf61570_0_15"/>
+          <p:cNvSpPr txBox="1">
+            <a:spLocks noGrp="1"/>
+          </p:cNvSpPr>
+          <p:nvPr>
+            <p:ph type="body" idx="1"/>
+          </p:nvPr>
+        </p:nvSpPr>
+        <p:spPr>
+          <a:xfrm>
+            <a:off x="82475" y="705222"/>
+            <a:ext cx="8520600" cy="4259684"/>
+          </a:xfrm>
+          <a:prstGeom prst="rect">
+            <a:avLst/>
+          </a:prstGeom>
+          <a:noFill/>
+          <a:ln>
+            <a:noFill/>
+          </a:ln>
+        </p:spPr>
+        <p:txBody>
+          <a:bodyPr spcFirstLastPara="1" wrap="square" lIns="91425" tIns="91425" rIns="91425" bIns="91425" anchor="t" anchorCtr="0">
+            <a:noAutofit/>
+          </a:bodyPr>
+          <a:lstStyle/>
+          <a:p>
+            <a:pPr marL="0" lvl="0" indent="0" algn="l" rtl="0">
+              <a:lnSpc>
+                <a:spcPct val="150000"/>
+              </a:lnSpc>
+              <a:spcBef>
+                <a:spcPts val="0"/>
+              </a:spcBef>
+              <a:spcAft>
+                <a:spcPts val="0"/>
+              </a:spcAft>
+              <a:buSzPts val="1800"/>
+              <a:buNone/>
+            </a:pPr>
+            <a:endParaRPr dirty="0">
+              <a:solidFill>
+                <a:schemeClr val="lt1"/>
+              </a:solidFill>
+            </a:endParaRPr>
+          </a:p>
+          <a:p>
+            <a:pPr marL="285750" lvl="0" indent="-171450" algn="l" rtl="0">
+              <a:lnSpc>
+                <a:spcPct val="150000"/>
+              </a:lnSpc>
+              <a:spcBef>
+                <a:spcPts val="0"/>
+              </a:spcBef>
+              <a:spcAft>
+                <a:spcPts val="0"/>
+              </a:spcAft>
+              <a:buSzPts val="1800"/>
+              <a:buFont typeface="Noto Sans Symbols"/>
+              <a:buNone/>
+            </a:pPr>
+            <a:endParaRPr dirty="0">
+              <a:solidFill>
+                <a:schemeClr val="lt1"/>
+              </a:solidFill>
+            </a:endParaRPr>
+          </a:p>
+        </p:txBody>
+      </p:sp>
+      <p:pic>
+        <p:nvPicPr>
+          <p:cNvPr id="121" name="Google Shape;121;g83ddf61570_0_15"/>
+          <p:cNvPicPr preferRelativeResize="0"/>
+          <p:nvPr/>
+        </p:nvPicPr>
+        <p:blipFill rotWithShape="1">
+          <a:blip r:embed="rId3">
+            <a:alphaModFix/>
+          </a:blip>
+          <a:srcRect l="4576" r="5633" b="6"/>
+          <a:stretch/>
+        </p:blipFill>
+        <p:spPr>
+          <a:xfrm>
+            <a:off x="5803406" y="1274160"/>
+            <a:ext cx="1214438" cy="219058"/>
+          </a:xfrm>
+          <a:prstGeom prst="rect">
+            <a:avLst/>
+          </a:prstGeom>
+          <a:noFill/>
+          <a:ln w="9525" cap="flat" cmpd="sng">
+            <a:solidFill>
+              <a:schemeClr val="lt1"/>
+            </a:solidFill>
+            <a:prstDash val="solid"/>
+            <a:round/>
+            <a:headEnd type="none" w="sm" len="sm"/>
+            <a:tailEnd type="none" w="sm" len="sm"/>
+          </a:ln>
+        </p:spPr>
+      </p:pic>
+      <p:pic>
+        <p:nvPicPr>
+          <p:cNvPr id="122" name="Google Shape;122;g83ddf61570_0_15"/>
+          <p:cNvPicPr preferRelativeResize="0"/>
+          <p:nvPr/>
+        </p:nvPicPr>
+        <p:blipFill rotWithShape="1">
+          <a:blip r:embed="rId4">
+            <a:alphaModFix/>
+          </a:blip>
+          <a:srcRect/>
+          <a:stretch/>
+        </p:blipFill>
+        <p:spPr>
+          <a:xfrm>
+            <a:off x="7788289" y="1274160"/>
+            <a:ext cx="1066800" cy="219075"/>
+          </a:xfrm>
+          <a:prstGeom prst="rect">
+            <a:avLst/>
+          </a:prstGeom>
+          <a:noFill/>
+          <a:ln w="9525" cap="flat" cmpd="sng">
+            <a:solidFill>
+              <a:schemeClr val="lt1"/>
+            </a:solidFill>
+            <a:prstDash val="solid"/>
+            <a:round/>
+            <a:headEnd type="none" w="sm" len="sm"/>
+            <a:tailEnd type="none" w="sm" len="sm"/>
+          </a:ln>
+        </p:spPr>
+      </p:pic>
+      <p:cxnSp>
+        <p:nvCxnSpPr>
+          <p:cNvPr id="123" name="Google Shape;123;g83ddf61570_0_15"/>
+          <p:cNvCxnSpPr/>
+          <p:nvPr/>
+        </p:nvCxnSpPr>
+        <p:spPr>
+          <a:xfrm>
+            <a:off x="7243763" y="1387212"/>
+            <a:ext cx="307181" cy="0"/>
+          </a:xfrm>
+          <a:prstGeom prst="straightConnector1">
+            <a:avLst/>
+          </a:prstGeom>
+          <a:noFill/>
+          <a:ln w="9525" cap="flat" cmpd="sng">
+            <a:solidFill>
+              <a:srgbClr val="5E5E5E"/>
+            </a:solidFill>
+            <a:prstDash val="solid"/>
+            <a:round/>
+            <a:headEnd type="triangle" w="med" len="med"/>
+            <a:tailEnd type="triangle" w="med" len="med"/>
+          </a:ln>
+        </p:spPr>
+      </p:cxnSp>
+      <p:sp>
+        <p:nvSpPr>
+          <p:cNvPr id="124" name="Google Shape;124;g83ddf61570_0_15"/>
+          <p:cNvSpPr txBox="1"/>
+          <p:nvPr/>
+        </p:nvSpPr>
+        <p:spPr>
+          <a:xfrm>
+            <a:off x="288911" y="847653"/>
+            <a:ext cx="1793100" cy="369300"/>
+          </a:xfrm>
+          <a:prstGeom prst="rect">
+            <a:avLst/>
+          </a:prstGeom>
+          <a:noFill/>
+          <a:ln w="9525" cap="flat" cmpd="sng">
+            <a:solidFill>
+              <a:schemeClr val="lt1"/>
+            </a:solidFill>
+            <a:prstDash val="solid"/>
+            <a:round/>
+            <a:headEnd type="none" w="sm" len="sm"/>
+            <a:tailEnd type="none" w="sm" len="sm"/>
+          </a:ln>
+        </p:spPr>
+        <p:txBody>
+          <a:bodyPr spcFirstLastPara="1" wrap="square" lIns="91425" tIns="45700" rIns="91425" bIns="45700" anchor="t" anchorCtr="0">
+            <a:noAutofit/>
+          </a:bodyPr>
+          <a:lstStyle/>
+          <a:p>
+            <a:pPr marL="0" marR="0" lvl="0" indent="0" algn="l" rtl="0">
+              <a:lnSpc>
+                <a:spcPct val="100000"/>
+              </a:lnSpc>
+              <a:spcBef>
+                <a:spcPts val="0"/>
+              </a:spcBef>
+              <a:spcAft>
+                <a:spcPts val="0"/>
+              </a:spcAft>
+              <a:buNone/>
+            </a:pPr>
+            <a:r>
+              <a:rPr lang="en-US" sz="1800" b="0" i="0" u="none" strike="noStrike" cap="none">
+                <a:solidFill>
+                  <a:srgbClr val="000000"/>
+                </a:solidFill>
+                <a:latin typeface="Arial"/>
+                <a:ea typeface="Arial"/>
+                <a:cs typeface="Arial"/>
+                <a:sym typeface="Arial"/>
+              </a:rPr>
+              <a:t>Business</a:t>
+            </a:r>
+            <a:endParaRPr/>
+          </a:p>
+        </p:txBody>
+      </p:sp>
+      <p:sp>
+        <p:nvSpPr>
+          <p:cNvPr id="125" name="Google Shape;125;g83ddf61570_0_15"/>
+          <p:cNvSpPr txBox="1"/>
+          <p:nvPr/>
+        </p:nvSpPr>
+        <p:spPr>
+          <a:xfrm>
+            <a:off x="288911" y="2562130"/>
+            <a:ext cx="1793100" cy="369300"/>
+          </a:xfrm>
+          <a:prstGeom prst="rect">
+            <a:avLst/>
+          </a:prstGeom>
+          <a:noFill/>
+          <a:ln w="9525" cap="flat" cmpd="sng">
+            <a:solidFill>
+              <a:schemeClr val="lt1"/>
+            </a:solidFill>
+            <a:prstDash val="solid"/>
+            <a:round/>
+            <a:headEnd type="none" w="sm" len="sm"/>
+            <a:tailEnd type="none" w="sm" len="sm"/>
+          </a:ln>
+        </p:spPr>
+        <p:txBody>
+          <a:bodyPr spcFirstLastPara="1" wrap="square" lIns="91425" tIns="45700" rIns="91425" bIns="45700" anchor="t" anchorCtr="0">
+            <a:noAutofit/>
+          </a:bodyPr>
+          <a:lstStyle/>
+          <a:p>
+            <a:pPr marL="0" marR="0" lvl="0" indent="0" algn="l" rtl="0">
+              <a:lnSpc>
+                <a:spcPct val="100000"/>
+              </a:lnSpc>
+              <a:spcBef>
+                <a:spcPts val="0"/>
+              </a:spcBef>
+              <a:spcAft>
+                <a:spcPts val="0"/>
+              </a:spcAft>
+              <a:buNone/>
+            </a:pPr>
+            <a:r>
+              <a:rPr lang="en-US" sz="1800"/>
+              <a:t>User</a:t>
+            </a:r>
+            <a:endParaRPr/>
+          </a:p>
+        </p:txBody>
+      </p:sp>
+      <p:sp>
+        <p:nvSpPr>
+          <p:cNvPr id="126" name="Google Shape;126;g83ddf61570_0_15"/>
+          <p:cNvSpPr txBox="1"/>
+          <p:nvPr/>
+        </p:nvSpPr>
+        <p:spPr>
+          <a:xfrm>
+            <a:off x="165894" y="2941047"/>
+            <a:ext cx="5062800" cy="985500"/>
+          </a:xfrm>
+          <a:prstGeom prst="rect">
+            <a:avLst/>
+          </a:prstGeom>
+          <a:noFill/>
+          <a:ln>
+            <a:noFill/>
+          </a:ln>
+        </p:spPr>
+        <p:txBody>
+          <a:bodyPr spcFirstLastPara="1" wrap="square" lIns="91425" tIns="91425" rIns="91425" bIns="91425" anchor="t" anchorCtr="0">
+            <a:noAutofit/>
+          </a:bodyPr>
+          <a:lstStyle/>
+          <a:p>
+            <a:pPr marL="285750" lvl="0" indent="-285750" algn="l" rtl="0">
+              <a:lnSpc>
+                <a:spcPct val="150000"/>
+              </a:lnSpc>
+              <a:spcBef>
+                <a:spcPts val="0"/>
+              </a:spcBef>
+              <a:spcAft>
+                <a:spcPts val="0"/>
+              </a:spcAft>
+              <a:buClr>
+                <a:schemeClr val="accent3"/>
+              </a:buClr>
+              <a:buSzPts val="1800"/>
+              <a:buFont typeface="Noto Sans Symbols"/>
+              <a:buChar char="▪"/>
+            </a:pPr>
+            <a:endParaRPr sz="1800" dirty="0">
+              <a:solidFill>
+                <a:schemeClr val="lt1"/>
+              </a:solidFill>
+              <a:latin typeface="Average"/>
+              <a:ea typeface="Average"/>
+              <a:cs typeface="Average"/>
+              <a:sym typeface="Average"/>
+            </a:endParaRPr>
+          </a:p>
+        </p:txBody>
+      </p:sp>
+      <p:pic>
+        <p:nvPicPr>
+          <p:cNvPr id="127" name="Google Shape;127;g83ddf61570_0_15"/>
+          <p:cNvPicPr preferRelativeResize="0"/>
+          <p:nvPr/>
+        </p:nvPicPr>
+        <p:blipFill>
+          <a:blip r:embed="rId5">
+            <a:alphaModFix/>
+          </a:blip>
+          <a:stretch>
+            <a:fillRect/>
+          </a:stretch>
+        </p:blipFill>
+        <p:spPr>
+          <a:xfrm>
+            <a:off x="6086251" y="2062155"/>
+            <a:ext cx="885825" cy="2286000"/>
+          </a:xfrm>
+          <a:prstGeom prst="rect">
+            <a:avLst/>
+          </a:prstGeom>
+          <a:noFill/>
+          <a:ln w="12700">
+            <a:solidFill>
+              <a:schemeClr val="accent1"/>
+            </a:solidFill>
+          </a:ln>
+        </p:spPr>
+      </p:pic>
+      <p:pic>
+        <p:nvPicPr>
+          <p:cNvPr id="128" name="Google Shape;128;g83ddf61570_0_15"/>
+          <p:cNvPicPr preferRelativeResize="0"/>
+          <p:nvPr/>
+        </p:nvPicPr>
+        <p:blipFill>
+          <a:blip r:embed="rId6">
+            <a:alphaModFix/>
+          </a:blip>
+          <a:stretch>
+            <a:fillRect/>
+          </a:stretch>
+        </p:blipFill>
+        <p:spPr>
+          <a:xfrm>
+            <a:off x="7980058" y="2074644"/>
+            <a:ext cx="360448" cy="2261022"/>
+          </a:xfrm>
+          <a:prstGeom prst="rect">
+            <a:avLst/>
+          </a:prstGeom>
+          <a:noFill/>
+          <a:ln w="12700">
+            <a:solidFill>
+              <a:schemeClr val="bg1"/>
+            </a:solidFill>
+          </a:ln>
+        </p:spPr>
+      </p:pic>
+      <p:cxnSp>
+        <p:nvCxnSpPr>
+          <p:cNvPr id="129" name="Google Shape;129;g83ddf61570_0_15"/>
+          <p:cNvCxnSpPr/>
+          <p:nvPr/>
+        </p:nvCxnSpPr>
+        <p:spPr>
+          <a:xfrm>
+            <a:off x="7232929" y="3130125"/>
+            <a:ext cx="307200" cy="0"/>
+          </a:xfrm>
+          <a:prstGeom prst="straightConnector1">
+            <a:avLst/>
+          </a:prstGeom>
+          <a:noFill/>
+          <a:ln w="9525" cap="flat" cmpd="sng">
+            <a:solidFill>
+              <a:srgbClr val="5E5E5E"/>
+            </a:solidFill>
+            <a:prstDash val="solid"/>
+            <a:round/>
+            <a:headEnd type="triangle" w="med" len="med"/>
+            <a:tailEnd type="triangle" w="med" len="med"/>
+          </a:ln>
+        </p:spPr>
+      </p:cxnSp>
+      <p:sp>
+        <p:nvSpPr>
+          <p:cNvPr id="13" name="Text Box 4">
+            <a:extLst>
+              <a:ext uri="{FF2B5EF4-FFF2-40B4-BE49-F238E27FC236}">
+                <a16:creationId xmlns:a16="http://schemas.microsoft.com/office/drawing/2014/main" id="{94F7797F-B02B-4F12-859C-681D31C121BA}"/>
+              </a:ext>
+            </a:extLst>
+          </p:cNvPr>
+          <p:cNvSpPr txBox="1">
+            <a:spLocks noChangeArrowheads="1"/>
+          </p:cNvSpPr>
+          <p:nvPr/>
+        </p:nvSpPr>
+        <p:spPr bwMode="auto">
+          <a:xfrm>
+            <a:off x="288911" y="1157214"/>
+            <a:ext cx="4725233" cy="1208136"/>
+          </a:xfrm>
+          <a:prstGeom prst="rect">
+            <a:avLst/>
+          </a:prstGeom>
+          <a:noFill/>
+          <a:ln>
+            <a:noFill/>
+          </a:ln>
+          <a:extLst>
+            <a:ext uri="{909E8E84-426E-40DD-AFC4-6F175D3DCCD1}">
+              <a14:hiddenFill xmlns:a14="http://schemas.microsoft.com/office/drawing/2010/main">
+                <a:solidFill>
+                  <a:srgbClr val="FFFFFF"/>
+                </a:solidFill>
+              </a14:hiddenFill>
+            </a:ext>
+            <a:ext uri="{91240B29-F687-4F45-9708-019B960494DF}">
+              <a14:hiddenLine xmlns:a14="http://schemas.microsoft.com/office/drawing/2010/main" w="9525">
+                <a:solidFill>
+                  <a:srgbClr val="000000"/>
+                </a:solidFill>
+                <a:miter lim="800000"/>
+                <a:headEnd/>
+                <a:tailEnd/>
+              </a14:hiddenLine>
+            </a:ext>
+          </a:extLst>
+        </p:spPr>
+        <p:txBody>
+          <a:bodyPr lIns="67500" tIns="35100" rIns="67500" bIns="35100"/>
+          <a:lstStyle>
+            <a:lvl1pPr marL="265113" indent="-265113">
+              <a:defRPr sz="1400">
+                <a:solidFill>
+                  <a:schemeClr val="tx1"/>
+                </a:solidFill>
+                <a:latin typeface="Arial" charset="0"/>
+              </a:defRPr>
+            </a:lvl1pPr>
+            <a:lvl2pPr marL="742950" indent="-285750">
+              <a:defRPr sz="1400">
+                <a:solidFill>
+                  <a:schemeClr val="tx1"/>
+                </a:solidFill>
+                <a:latin typeface="Arial" charset="0"/>
+              </a:defRPr>
+            </a:lvl2pPr>
+            <a:lvl3pPr marL="1143000" indent="-228600">
+              <a:defRPr sz="1400">
+                <a:solidFill>
+                  <a:schemeClr val="tx1"/>
+                </a:solidFill>
+                <a:latin typeface="Arial" charset="0"/>
+              </a:defRPr>
+            </a:lvl3pPr>
+            <a:lvl4pPr marL="1600200" indent="-228600">
+              <a:defRPr sz="1400">
+                <a:solidFill>
+                  <a:schemeClr val="tx1"/>
+                </a:solidFill>
+                <a:latin typeface="Arial" charset="0"/>
+              </a:defRPr>
+            </a:lvl4pPr>
+            <a:lvl5pPr marL="2057400" indent="-228600">
+              <a:defRPr sz="1400">
+                <a:solidFill>
+                  <a:schemeClr val="tx1"/>
+                </a:solidFill>
+                <a:latin typeface="Arial" charset="0"/>
+              </a:defRPr>
+            </a:lvl5pPr>
+            <a:lvl6pPr marL="2514600" indent="-228600" algn="ctr" eaLnBrk="0" fontAlgn="base" hangingPunct="0">
+              <a:spcBef>
+                <a:spcPct val="50000"/>
+              </a:spcBef>
+              <a:spcAft>
+                <a:spcPct val="0"/>
+              </a:spcAft>
+              <a:buSzPct val="120000"/>
+              <a:buFont typeface="Wingdings" pitchFamily="2" charset="2"/>
+              <a:defRPr sz="1400">
+                <a:solidFill>
+                  <a:schemeClr val="tx1"/>
+                </a:solidFill>
+                <a:latin typeface="Arial" charset="0"/>
+              </a:defRPr>
+            </a:lvl6pPr>
+            <a:lvl7pPr marL="2971800" indent="-228600" algn="ctr" eaLnBrk="0" fontAlgn="base" hangingPunct="0">
+              <a:spcBef>
+                <a:spcPct val="50000"/>
+              </a:spcBef>
+              <a:spcAft>
+                <a:spcPct val="0"/>
+              </a:spcAft>
+              <a:buSzPct val="120000"/>
+              <a:buFont typeface="Wingdings" pitchFamily="2" charset="2"/>
+              <a:defRPr sz="1400">
+                <a:solidFill>
+                  <a:schemeClr val="tx1"/>
+                </a:solidFill>
+                <a:latin typeface="Arial" charset="0"/>
+              </a:defRPr>
+            </a:lvl7pPr>
+            <a:lvl8pPr marL="3429000" indent="-228600" algn="ctr" eaLnBrk="0" fontAlgn="base" hangingPunct="0">
+              <a:spcBef>
+                <a:spcPct val="50000"/>
+              </a:spcBef>
+              <a:spcAft>
+                <a:spcPct val="0"/>
+              </a:spcAft>
+              <a:buSzPct val="120000"/>
+              <a:buFont typeface="Wingdings" pitchFamily="2" charset="2"/>
+              <a:defRPr sz="1400">
+                <a:solidFill>
+                  <a:schemeClr val="tx1"/>
+                </a:solidFill>
+                <a:latin typeface="Arial" charset="0"/>
+              </a:defRPr>
+            </a:lvl8pPr>
+            <a:lvl9pPr marL="3886200" indent="-228600" algn="ctr" eaLnBrk="0" fontAlgn="base" hangingPunct="0">
+              <a:spcBef>
+                <a:spcPct val="50000"/>
+              </a:spcBef>
+              <a:spcAft>
+                <a:spcPct val="0"/>
+              </a:spcAft>
+              <a:buSzPct val="120000"/>
+              <a:buFont typeface="Wingdings" pitchFamily="2" charset="2"/>
+              <a:defRPr sz="1400">
+                <a:solidFill>
+                  <a:schemeClr val="tx1"/>
+                </a:solidFill>
+                <a:latin typeface="Arial" charset="0"/>
+              </a:defRPr>
+            </a:lvl9pPr>
+          </a:lstStyle>
+          <a:p>
+            <a:pPr marL="285750" lvl="0" indent="-285750">
+              <a:lnSpc>
+                <a:spcPct val="150000"/>
+              </a:lnSpc>
+              <a:buSzPts val="1800"/>
+              <a:buFont typeface="Noto Sans Symbols"/>
+              <a:buChar char="▪"/>
+            </a:pPr>
+            <a:r>
+              <a:rPr lang="en-US" dirty="0">
+                <a:solidFill>
+                  <a:schemeClr val="bg1"/>
+                </a:solidFill>
+              </a:rPr>
+              <a:t>Spelling Correction for the </a:t>
+            </a:r>
+            <a:r>
+              <a:rPr lang="en-US" dirty="0">
+                <a:solidFill>
+                  <a:srgbClr val="FF0000"/>
+                </a:solidFill>
+              </a:rPr>
+              <a:t>City</a:t>
+            </a:r>
+            <a:r>
+              <a:rPr lang="en-US" dirty="0">
+                <a:solidFill>
+                  <a:schemeClr val="bg1"/>
+                </a:solidFill>
+              </a:rPr>
+              <a:t> variable</a:t>
+            </a:r>
+          </a:p>
+          <a:p>
+            <a:pPr marL="285750" lvl="0" indent="-285750">
+              <a:lnSpc>
+                <a:spcPct val="150000"/>
+              </a:lnSpc>
+              <a:buSzPts val="1800"/>
+              <a:buFont typeface="Noto Sans Symbols"/>
+              <a:buChar char="▪"/>
+            </a:pPr>
+            <a:r>
+              <a:rPr lang="en-US" dirty="0">
+                <a:solidFill>
+                  <a:schemeClr val="bg1"/>
+                </a:solidFill>
+              </a:rPr>
+              <a:t>Standardize the Date format of </a:t>
+            </a:r>
+            <a:r>
+              <a:rPr lang="en-US" dirty="0">
+                <a:solidFill>
+                  <a:srgbClr val="FF0000"/>
+                </a:solidFill>
+              </a:rPr>
+              <a:t>Hours</a:t>
+            </a:r>
+            <a:r>
+              <a:rPr lang="en-US" dirty="0">
+                <a:solidFill>
+                  <a:schemeClr val="bg1"/>
+                </a:solidFill>
+              </a:rPr>
+              <a:t> variable</a:t>
+            </a:r>
+          </a:p>
+          <a:p>
+            <a:pPr marL="285750" lvl="0" indent="-285750">
+              <a:lnSpc>
+                <a:spcPct val="150000"/>
+              </a:lnSpc>
+              <a:buSzPts val="1800"/>
+              <a:buFont typeface="Noto Sans Symbols"/>
+              <a:buChar char="▪"/>
+            </a:pPr>
+            <a:r>
+              <a:rPr lang="en-US" dirty="0">
+                <a:solidFill>
+                  <a:schemeClr val="bg1"/>
+                </a:solidFill>
+              </a:rPr>
+              <a:t>Remove </a:t>
+            </a:r>
+            <a:r>
+              <a:rPr lang="en-US" dirty="0">
+                <a:solidFill>
+                  <a:schemeClr val="lt1"/>
+                </a:solidFill>
+              </a:rPr>
+              <a:t>redundant </a:t>
+            </a:r>
+            <a:r>
+              <a:rPr lang="en-US" dirty="0">
+                <a:solidFill>
+                  <a:srgbClr val="FF0000"/>
+                </a:solidFill>
+              </a:rPr>
+              <a:t>Categories </a:t>
+            </a:r>
+            <a:endParaRPr lang="en-US" dirty="0"/>
+          </a:p>
+        </p:txBody>
+      </p:sp>
+      <p:sp>
+        <p:nvSpPr>
+          <p:cNvPr id="14" name="Text Box 4">
+            <a:extLst>
+              <a:ext uri="{FF2B5EF4-FFF2-40B4-BE49-F238E27FC236}">
+                <a16:creationId xmlns:a16="http://schemas.microsoft.com/office/drawing/2014/main" id="{625B7A89-AAD6-4F1B-8232-5298721477F6}"/>
+              </a:ext>
+            </a:extLst>
+          </p:cNvPr>
+          <p:cNvSpPr txBox="1">
+            <a:spLocks noChangeArrowheads="1"/>
+          </p:cNvSpPr>
+          <p:nvPr/>
+        </p:nvSpPr>
+        <p:spPr bwMode="auto">
+          <a:xfrm>
+            <a:off x="288910" y="3035790"/>
+            <a:ext cx="4725233" cy="872393"/>
+          </a:xfrm>
+          <a:prstGeom prst="rect">
+            <a:avLst/>
+          </a:prstGeom>
+          <a:noFill/>
+          <a:ln>
+            <a:noFill/>
+          </a:ln>
+          <a:extLst>
+            <a:ext uri="{909E8E84-426E-40DD-AFC4-6F175D3DCCD1}">
+              <a14:hiddenFill xmlns:a14="http://schemas.microsoft.com/office/drawing/2010/main">
+                <a:solidFill>
+                  <a:srgbClr val="FFFFFF"/>
+                </a:solidFill>
+              </a14:hiddenFill>
+            </a:ext>
+            <a:ext uri="{91240B29-F687-4F45-9708-019B960494DF}">
+              <a14:hiddenLine xmlns:a14="http://schemas.microsoft.com/office/drawing/2010/main" w="9525">
+                <a:solidFill>
+                  <a:srgbClr val="000000"/>
+                </a:solidFill>
+                <a:miter lim="800000"/>
+                <a:headEnd/>
+                <a:tailEnd/>
+              </a14:hiddenLine>
+            </a:ext>
+          </a:extLst>
+        </p:spPr>
+        <p:txBody>
+          <a:bodyPr lIns="67500" tIns="35100" rIns="67500" bIns="35100"/>
+          <a:lstStyle>
+            <a:lvl1pPr marL="265113" indent="-265113">
+              <a:defRPr sz="1400">
+                <a:solidFill>
+                  <a:schemeClr val="tx1"/>
+                </a:solidFill>
+                <a:latin typeface="Arial" charset="0"/>
+              </a:defRPr>
+            </a:lvl1pPr>
+            <a:lvl2pPr marL="742950" indent="-285750">
+              <a:defRPr sz="1400">
+                <a:solidFill>
+                  <a:schemeClr val="tx1"/>
+                </a:solidFill>
+                <a:latin typeface="Arial" charset="0"/>
+              </a:defRPr>
+            </a:lvl2pPr>
+            <a:lvl3pPr marL="1143000" indent="-228600">
+              <a:defRPr sz="1400">
+                <a:solidFill>
+                  <a:schemeClr val="tx1"/>
+                </a:solidFill>
+                <a:latin typeface="Arial" charset="0"/>
+              </a:defRPr>
+            </a:lvl3pPr>
+            <a:lvl4pPr marL="1600200" indent="-228600">
+              <a:defRPr sz="1400">
+                <a:solidFill>
+                  <a:schemeClr val="tx1"/>
+                </a:solidFill>
+                <a:latin typeface="Arial" charset="0"/>
+              </a:defRPr>
+            </a:lvl4pPr>
+            <a:lvl5pPr marL="2057400" indent="-228600">
+              <a:defRPr sz="1400">
+                <a:solidFill>
+                  <a:schemeClr val="tx1"/>
+                </a:solidFill>
+                <a:latin typeface="Arial" charset="0"/>
+              </a:defRPr>
+            </a:lvl5pPr>
+            <a:lvl6pPr marL="2514600" indent="-228600" algn="ctr" eaLnBrk="0" fontAlgn="base" hangingPunct="0">
+              <a:spcBef>
+                <a:spcPct val="50000"/>
+              </a:spcBef>
+              <a:spcAft>
+                <a:spcPct val="0"/>
+              </a:spcAft>
+              <a:buSzPct val="120000"/>
+              <a:buFont typeface="Wingdings" pitchFamily="2" charset="2"/>
+              <a:defRPr sz="1400">
+                <a:solidFill>
+                  <a:schemeClr val="tx1"/>
+                </a:solidFill>
+                <a:latin typeface="Arial" charset="0"/>
+              </a:defRPr>
+            </a:lvl6pPr>
+            <a:lvl7pPr marL="2971800" indent="-228600" algn="ctr" eaLnBrk="0" fontAlgn="base" hangingPunct="0">
+              <a:spcBef>
+                <a:spcPct val="50000"/>
+              </a:spcBef>
+              <a:spcAft>
+                <a:spcPct val="0"/>
+              </a:spcAft>
+              <a:buSzPct val="120000"/>
+              <a:buFont typeface="Wingdings" pitchFamily="2" charset="2"/>
+              <a:defRPr sz="1400">
+                <a:solidFill>
+                  <a:schemeClr val="tx1"/>
+                </a:solidFill>
+                <a:latin typeface="Arial" charset="0"/>
+              </a:defRPr>
+            </a:lvl7pPr>
+            <a:lvl8pPr marL="3429000" indent="-228600" algn="ctr" eaLnBrk="0" fontAlgn="base" hangingPunct="0">
+              <a:spcBef>
+                <a:spcPct val="50000"/>
+              </a:spcBef>
+              <a:spcAft>
+                <a:spcPct val="0"/>
+              </a:spcAft>
+              <a:buSzPct val="120000"/>
+              <a:buFont typeface="Wingdings" pitchFamily="2" charset="2"/>
+              <a:defRPr sz="1400">
+                <a:solidFill>
+                  <a:schemeClr val="tx1"/>
+                </a:solidFill>
+                <a:latin typeface="Arial" charset="0"/>
+              </a:defRPr>
+            </a:lvl8pPr>
+            <a:lvl9pPr marL="3886200" indent="-228600" algn="ctr" eaLnBrk="0" fontAlgn="base" hangingPunct="0">
+              <a:spcBef>
+                <a:spcPct val="50000"/>
+              </a:spcBef>
+              <a:spcAft>
+                <a:spcPct val="0"/>
+              </a:spcAft>
+              <a:buSzPct val="120000"/>
+              <a:buFont typeface="Wingdings" pitchFamily="2" charset="2"/>
+              <a:defRPr sz="1400">
+                <a:solidFill>
+                  <a:schemeClr val="tx1"/>
+                </a:solidFill>
+                <a:latin typeface="Arial" charset="0"/>
+              </a:defRPr>
+            </a:lvl9pPr>
+          </a:lstStyle>
+          <a:p>
+            <a:pPr marL="285750" lvl="0" indent="-285750">
+              <a:lnSpc>
+                <a:spcPct val="150000"/>
+              </a:lnSpc>
+              <a:buClr>
+                <a:schemeClr val="lt1"/>
+              </a:buClr>
+              <a:buSzPts val="1800"/>
+              <a:buFont typeface="Average"/>
+              <a:buChar char="▪"/>
+            </a:pPr>
+            <a:r>
+              <a:rPr lang="en-US" dirty="0">
+                <a:solidFill>
+                  <a:schemeClr val="lt1"/>
+                </a:solidFill>
+                <a:latin typeface="Average"/>
+                <a:ea typeface="Average"/>
+                <a:cs typeface="Average"/>
+                <a:sym typeface="Average"/>
+              </a:rPr>
+              <a:t>Standardize account age by years</a:t>
+            </a:r>
+          </a:p>
+          <a:p>
+            <a:pPr marL="285750" indent="-285750">
+              <a:lnSpc>
+                <a:spcPct val="150000"/>
+              </a:lnSpc>
+              <a:buClr>
+                <a:schemeClr val="lt1"/>
+              </a:buClr>
+              <a:buSzPts val="1800"/>
+              <a:buFont typeface="Average"/>
+              <a:buChar char="▪"/>
+            </a:pPr>
+            <a:r>
+              <a:rPr lang="en-US" dirty="0">
+                <a:solidFill>
+                  <a:schemeClr val="lt1"/>
+                </a:solidFill>
+                <a:latin typeface="Average"/>
+                <a:ea typeface="Average"/>
+                <a:cs typeface="Average"/>
+                <a:sym typeface="Average"/>
+              </a:rPr>
+              <a:t>Check the missing values</a:t>
+            </a:r>
+          </a:p>
+        </p:txBody>
+      </p:sp>
+    </p:spTree>
+  </p:cSld>
+  <p:clrMapOvr>
+    <a:masterClrMapping/>
+  </p:clrMapOvr>
+</p:sld>
+</file>
+
 <file path=ppt/slides/slide13.xml><?xml version="1.0" encoding="utf-8"?>
+<p:sld xmlns:a="http://schemas.openxmlformats.org/drawingml/2006/main" xmlns:r="http://schemas.openxmlformats.org/officeDocument/2006/relationships" xmlns:p="http://schemas.openxmlformats.org/presentationml/2006/main">
+  <p:cSld>
+    <p:spTree>
+      <p:nvGrpSpPr>
+        <p:cNvPr id="1" name="Shape 133"/>
+        <p:cNvGrpSpPr/>
+        <p:nvPr/>
+      </p:nvGrpSpPr>
+      <p:grpSpPr>
+        <a:xfrm>
+          <a:off x="0" y="0"/>
+          <a:ext cx="0" cy="0"/>
+          <a:chOff x="0" y="0"/>
+          <a:chExt cx="0" cy="0"/>
+        </a:xfrm>
+      </p:grpSpPr>
+      <p:sp>
+        <p:nvSpPr>
+          <p:cNvPr id="134" name="Google Shape;134;g83ddf61570_0_20"/>
+          <p:cNvSpPr txBox="1">
+            <a:spLocks noGrp="1"/>
+          </p:cNvSpPr>
+          <p:nvPr>
+            <p:ph type="title"/>
+          </p:nvPr>
+        </p:nvSpPr>
+        <p:spPr>
+          <a:xfrm>
+            <a:off x="0" y="0"/>
+            <a:ext cx="6279900" cy="678000"/>
+          </a:xfrm>
+          <a:prstGeom prst="rect">
+            <a:avLst/>
+          </a:prstGeom>
+          <a:noFill/>
+          <a:ln>
+            <a:noFill/>
+          </a:ln>
+        </p:spPr>
+        <p:txBody>
+          <a:bodyPr spcFirstLastPara="1" wrap="square" lIns="91425" tIns="91425" rIns="91425" bIns="91425" anchor="t" anchorCtr="0">
+            <a:noAutofit/>
+          </a:bodyPr>
+          <a:lstStyle/>
+          <a:p>
+            <a:pPr marL="0" lvl="0" indent="0" algn="l" rtl="0">
+              <a:lnSpc>
+                <a:spcPct val="100000"/>
+              </a:lnSpc>
+              <a:spcBef>
+                <a:spcPts val="0"/>
+              </a:spcBef>
+              <a:spcAft>
+                <a:spcPts val="0"/>
+              </a:spcAft>
+              <a:buSzPts val="3000"/>
+              <a:buNone/>
+            </a:pPr>
+            <a:r>
+              <a:rPr lang="en-US">
+                <a:solidFill>
+                  <a:srgbClr val="000000"/>
+                </a:solidFill>
+              </a:rPr>
+              <a:t>Exploratory Data Analysis</a:t>
+            </a:r>
+            <a:endParaRPr>
+              <a:solidFill>
+                <a:srgbClr val="000000"/>
+              </a:solidFill>
+            </a:endParaRPr>
+          </a:p>
+        </p:txBody>
+      </p:sp>
+      <p:sp>
+        <p:nvSpPr>
+          <p:cNvPr id="135" name="Google Shape;135;g83ddf61570_0_20"/>
+          <p:cNvSpPr txBox="1">
+            <a:spLocks noGrp="1"/>
+          </p:cNvSpPr>
+          <p:nvPr>
+            <p:ph type="body" idx="1"/>
+          </p:nvPr>
+        </p:nvSpPr>
+        <p:spPr>
+          <a:xfrm>
+            <a:off x="428375" y="792950"/>
+            <a:ext cx="7072500" cy="532200"/>
+          </a:xfrm>
+          <a:prstGeom prst="rect">
+            <a:avLst/>
+          </a:prstGeom>
+          <a:noFill/>
+          <a:ln>
+            <a:noFill/>
+          </a:ln>
+        </p:spPr>
+        <p:txBody>
+          <a:bodyPr spcFirstLastPara="1" wrap="square" lIns="91425" tIns="91425" rIns="91425" bIns="91425" anchor="t" anchorCtr="0">
+            <a:noAutofit/>
+          </a:bodyPr>
+          <a:lstStyle/>
+          <a:p>
+            <a:pPr marL="0" lvl="0" indent="0" algn="l" rtl="0">
+              <a:lnSpc>
+                <a:spcPct val="115000"/>
+              </a:lnSpc>
+              <a:spcBef>
+                <a:spcPts val="0"/>
+              </a:spcBef>
+              <a:spcAft>
+                <a:spcPts val="0"/>
+              </a:spcAft>
+              <a:buSzPts val="1800"/>
+              <a:buNone/>
+            </a:pPr>
+            <a:r>
+              <a:rPr lang="en-US" dirty="0">
+                <a:solidFill>
+                  <a:srgbClr val="000000"/>
+                </a:solidFill>
+              </a:rPr>
+              <a:t>Business:                       </a:t>
+            </a:r>
+            <a:r>
+              <a:rPr lang="en-US" sz="1350" b="1" dirty="0">
+                <a:solidFill>
+                  <a:srgbClr val="000000"/>
+                </a:solidFill>
+                <a:highlight>
+                  <a:srgbClr val="FFFFFF"/>
+                </a:highlight>
+                <a:latin typeface="Arial"/>
+                <a:ea typeface="Arial"/>
+                <a:cs typeface="Arial"/>
+                <a:sym typeface="Arial"/>
+              </a:rPr>
+              <a:t>Distribution of businesses in Illinois</a:t>
+            </a:r>
+            <a:endParaRPr sz="1350" b="1" dirty="0">
+              <a:solidFill>
+                <a:srgbClr val="000000"/>
+              </a:solidFill>
+              <a:highlight>
+                <a:srgbClr val="FFFFFF"/>
+              </a:highlight>
+              <a:latin typeface="Arial"/>
+              <a:ea typeface="Arial"/>
+              <a:cs typeface="Arial"/>
+              <a:sym typeface="Arial"/>
+            </a:endParaRPr>
+          </a:p>
+          <a:p>
+            <a:pPr marL="0" lvl="0" indent="0" algn="l" rtl="0">
+              <a:lnSpc>
+                <a:spcPct val="115000"/>
+              </a:lnSpc>
+              <a:spcBef>
+                <a:spcPts val="0"/>
+              </a:spcBef>
+              <a:spcAft>
+                <a:spcPts val="0"/>
+              </a:spcAft>
+              <a:buSzPts val="1800"/>
+              <a:buNone/>
+            </a:pPr>
+            <a:endParaRPr sz="1350" b="1" dirty="0">
+              <a:solidFill>
+                <a:srgbClr val="000000"/>
+              </a:solidFill>
+              <a:highlight>
+                <a:srgbClr val="FFFFFF"/>
+              </a:highlight>
+              <a:latin typeface="Arial"/>
+              <a:ea typeface="Arial"/>
+              <a:cs typeface="Arial"/>
+              <a:sym typeface="Arial"/>
+            </a:endParaRPr>
+          </a:p>
+          <a:p>
+            <a:pPr marL="0" lvl="0" indent="0" algn="l" rtl="0">
+              <a:lnSpc>
+                <a:spcPct val="100000"/>
+              </a:lnSpc>
+              <a:spcBef>
+                <a:spcPts val="1000"/>
+              </a:spcBef>
+              <a:spcAft>
+                <a:spcPts val="0"/>
+              </a:spcAft>
+              <a:buNone/>
+            </a:pPr>
+            <a:endParaRPr sz="1350" b="1" dirty="0">
+              <a:solidFill>
+                <a:srgbClr val="000000"/>
+              </a:solidFill>
+              <a:highlight>
+                <a:srgbClr val="FFFFFF"/>
+              </a:highlight>
+              <a:latin typeface="Arial"/>
+              <a:ea typeface="Arial"/>
+              <a:cs typeface="Arial"/>
+              <a:sym typeface="Arial"/>
+            </a:endParaRPr>
+          </a:p>
+          <a:p>
+            <a:pPr marL="0" lvl="0" indent="0" algn="l" rtl="0">
+              <a:lnSpc>
+                <a:spcPct val="115000"/>
+              </a:lnSpc>
+              <a:spcBef>
+                <a:spcPts val="1600"/>
+              </a:spcBef>
+              <a:spcAft>
+                <a:spcPts val="0"/>
+              </a:spcAft>
+              <a:buSzPts val="1800"/>
+              <a:buNone/>
+            </a:pPr>
+            <a:endParaRPr dirty="0">
+              <a:solidFill>
+                <a:srgbClr val="000000"/>
+              </a:solidFill>
+            </a:endParaRPr>
+          </a:p>
+          <a:p>
+            <a:pPr marL="0" lvl="0" indent="0" algn="l" rtl="0">
+              <a:lnSpc>
+                <a:spcPct val="115000"/>
+              </a:lnSpc>
+              <a:spcBef>
+                <a:spcPts val="1600"/>
+              </a:spcBef>
+              <a:spcAft>
+                <a:spcPts val="1600"/>
+              </a:spcAft>
+              <a:buSzPts val="1800"/>
+              <a:buNone/>
+            </a:pPr>
+            <a:endParaRPr dirty="0">
+              <a:solidFill>
+                <a:srgbClr val="000000"/>
+              </a:solidFill>
+            </a:endParaRPr>
+          </a:p>
+        </p:txBody>
+      </p:sp>
+      <p:pic>
+        <p:nvPicPr>
+          <p:cNvPr id="1026" name="Picture 2">
+            <a:extLst>
+              <a:ext uri="{FF2B5EF4-FFF2-40B4-BE49-F238E27FC236}">
+                <a16:creationId xmlns:a16="http://schemas.microsoft.com/office/drawing/2014/main" id="{EA5C39C4-F3A1-45BA-B280-7526C534FA50}"/>
+              </a:ext>
+            </a:extLst>
+          </p:cNvPr>
+          <p:cNvPicPr>
+            <a:picLocks noChangeAspect="1" noChangeArrowheads="1"/>
+          </p:cNvPicPr>
+          <p:nvPr/>
+        </p:nvPicPr>
+        <p:blipFill>
+          <a:blip r:embed="rId3">
+            <a:extLst>
+              <a:ext uri="{28A0092B-C50C-407E-A947-70E740481C1C}">
+                <a14:useLocalDpi xmlns:a14="http://schemas.microsoft.com/office/drawing/2010/main" val="0"/>
+              </a:ext>
+            </a:extLst>
+          </a:blip>
+          <a:srcRect/>
+          <a:stretch>
+            <a:fillRect/>
+          </a:stretch>
+        </p:blipFill>
+        <p:spPr bwMode="auto">
+          <a:xfrm>
+            <a:off x="0" y="1134620"/>
+            <a:ext cx="9144000" cy="2459037"/>
+          </a:xfrm>
+          <a:prstGeom prst="rect">
+            <a:avLst/>
+          </a:prstGeom>
+          <a:noFill/>
+          <a:extLst>
+            <a:ext uri="{909E8E84-426E-40DD-AFC4-6F175D3DCCD1}">
+              <a14:hiddenFill xmlns:a14="http://schemas.microsoft.com/office/drawing/2010/main">
+                <a:solidFill>
+                  <a:srgbClr val="FFFFFF"/>
+                </a:solidFill>
+              </a14:hiddenFill>
+            </a:ext>
+          </a:extLst>
+        </p:spPr>
+      </p:pic>
+      <p:sp>
+        <p:nvSpPr>
+          <p:cNvPr id="7" name="Google Shape;114;g83d7f3170d_0_5">
+            <a:extLst>
+              <a:ext uri="{FF2B5EF4-FFF2-40B4-BE49-F238E27FC236}">
+                <a16:creationId xmlns:a16="http://schemas.microsoft.com/office/drawing/2014/main" id="{2B6971E1-34CE-4688-A326-EB991C5D707F}"/>
+              </a:ext>
+            </a:extLst>
+          </p:cNvPr>
+          <p:cNvSpPr txBox="1">
+            <a:spLocks/>
+          </p:cNvSpPr>
+          <p:nvPr/>
+        </p:nvSpPr>
+        <p:spPr>
+          <a:xfrm>
+            <a:off x="311700" y="3593657"/>
+            <a:ext cx="8520600" cy="1125998"/>
+          </a:xfrm>
+          <a:prstGeom prst="rect">
+            <a:avLst/>
+          </a:prstGeom>
+          <a:noFill/>
+          <a:ln>
+            <a:noFill/>
+          </a:ln>
+        </p:spPr>
+        <p:txBody>
+          <a:bodyPr spcFirstLastPara="1" wrap="square" lIns="91425" tIns="91425" rIns="91425" bIns="91425" anchor="t" anchorCtr="0">
+            <a:noAutofit/>
+          </a:bodyPr>
+          <a:lstStyle>
+            <a:defPPr marR="0" lvl="0" algn="l" rtl="0">
+              <a:lnSpc>
+                <a:spcPct val="100000"/>
+              </a:lnSpc>
+              <a:spcBef>
+                <a:spcPts val="0"/>
+              </a:spcBef>
+              <a:spcAft>
+                <a:spcPts val="0"/>
+              </a:spcAft>
+            </a:defPPr>
+            <a:lvl1pPr marL="457200" marR="0" lvl="0" indent="-342900" algn="l" rtl="0">
+              <a:lnSpc>
+                <a:spcPct val="115000"/>
+              </a:lnSpc>
+              <a:spcBef>
+                <a:spcPts val="0"/>
+              </a:spcBef>
+              <a:spcAft>
+                <a:spcPts val="0"/>
+              </a:spcAft>
+              <a:buClr>
+                <a:schemeClr val="accent3"/>
+              </a:buClr>
+              <a:buSzPts val="1800"/>
+              <a:buFont typeface="Average"/>
+              <a:buChar char="●"/>
+              <a:defRPr sz="1800" b="0" i="0" u="none" strike="noStrike" cap="none">
+                <a:solidFill>
+                  <a:schemeClr val="accent3"/>
+                </a:solidFill>
+                <a:latin typeface="Average"/>
+                <a:ea typeface="Average"/>
+                <a:cs typeface="Average"/>
+                <a:sym typeface="Average"/>
+              </a:defRPr>
+            </a:lvl1pPr>
+            <a:lvl2pPr marL="914400" marR="0" lvl="1" indent="-317500" algn="l" rtl="0">
+              <a:lnSpc>
+                <a:spcPct val="115000"/>
+              </a:lnSpc>
+              <a:spcBef>
+                <a:spcPts val="1600"/>
+              </a:spcBef>
+              <a:spcAft>
+                <a:spcPts val="0"/>
+              </a:spcAft>
+              <a:buClr>
+                <a:schemeClr val="accent3"/>
+              </a:buClr>
+              <a:buSzPts val="1400"/>
+              <a:buFont typeface="Average"/>
+              <a:buChar char="○"/>
+              <a:defRPr sz="1400" b="0" i="0" u="none" strike="noStrike" cap="none">
+                <a:solidFill>
+                  <a:schemeClr val="accent3"/>
+                </a:solidFill>
+                <a:latin typeface="Average"/>
+                <a:ea typeface="Average"/>
+                <a:cs typeface="Average"/>
+                <a:sym typeface="Average"/>
+              </a:defRPr>
+            </a:lvl2pPr>
+            <a:lvl3pPr marL="1371600" marR="0" lvl="2" indent="-317500" algn="l" rtl="0">
+              <a:lnSpc>
+                <a:spcPct val="115000"/>
+              </a:lnSpc>
+              <a:spcBef>
+                <a:spcPts val="1600"/>
+              </a:spcBef>
+              <a:spcAft>
+                <a:spcPts val="0"/>
+              </a:spcAft>
+              <a:buClr>
+                <a:schemeClr val="accent3"/>
+              </a:buClr>
+              <a:buSzPts val="1400"/>
+              <a:buFont typeface="Average"/>
+              <a:buChar char="■"/>
+              <a:defRPr sz="1400" b="0" i="0" u="none" strike="noStrike" cap="none">
+                <a:solidFill>
+                  <a:schemeClr val="accent3"/>
+                </a:solidFill>
+                <a:latin typeface="Average"/>
+                <a:ea typeface="Average"/>
+                <a:cs typeface="Average"/>
+                <a:sym typeface="Average"/>
+              </a:defRPr>
+            </a:lvl3pPr>
+            <a:lvl4pPr marL="1828800" marR="0" lvl="3" indent="-317500" algn="l" rtl="0">
+              <a:lnSpc>
+                <a:spcPct val="115000"/>
+              </a:lnSpc>
+              <a:spcBef>
+                <a:spcPts val="1600"/>
+              </a:spcBef>
+              <a:spcAft>
+                <a:spcPts val="0"/>
+              </a:spcAft>
+              <a:buClr>
+                <a:schemeClr val="accent3"/>
+              </a:buClr>
+              <a:buSzPts val="1400"/>
+              <a:buFont typeface="Average"/>
+              <a:buChar char="●"/>
+              <a:defRPr sz="1400" b="0" i="0" u="none" strike="noStrike" cap="none">
+                <a:solidFill>
+                  <a:schemeClr val="accent3"/>
+                </a:solidFill>
+                <a:latin typeface="Average"/>
+                <a:ea typeface="Average"/>
+                <a:cs typeface="Average"/>
+                <a:sym typeface="Average"/>
+              </a:defRPr>
+            </a:lvl4pPr>
+            <a:lvl5pPr marL="2286000" marR="0" lvl="4" indent="-317500" algn="l" rtl="0">
+              <a:lnSpc>
+                <a:spcPct val="115000"/>
+              </a:lnSpc>
+              <a:spcBef>
+                <a:spcPts val="1600"/>
+              </a:spcBef>
+              <a:spcAft>
+                <a:spcPts val="0"/>
+              </a:spcAft>
+              <a:buClr>
+                <a:schemeClr val="accent3"/>
+              </a:buClr>
+              <a:buSzPts val="1400"/>
+              <a:buFont typeface="Average"/>
+              <a:buChar char="○"/>
+              <a:defRPr sz="1400" b="0" i="0" u="none" strike="noStrike" cap="none">
+                <a:solidFill>
+                  <a:schemeClr val="accent3"/>
+                </a:solidFill>
+                <a:latin typeface="Average"/>
+                <a:ea typeface="Average"/>
+                <a:cs typeface="Average"/>
+                <a:sym typeface="Average"/>
+              </a:defRPr>
+            </a:lvl5pPr>
+            <a:lvl6pPr marL="2743200" marR="0" lvl="5" indent="-317500" algn="l" rtl="0">
+              <a:lnSpc>
+                <a:spcPct val="115000"/>
+              </a:lnSpc>
+              <a:spcBef>
+                <a:spcPts val="1600"/>
+              </a:spcBef>
+              <a:spcAft>
+                <a:spcPts val="0"/>
+              </a:spcAft>
+              <a:buClr>
+                <a:schemeClr val="accent3"/>
+              </a:buClr>
+              <a:buSzPts val="1400"/>
+              <a:buFont typeface="Average"/>
+              <a:buChar char="■"/>
+              <a:defRPr sz="1400" b="0" i="0" u="none" strike="noStrike" cap="none">
+                <a:solidFill>
+                  <a:schemeClr val="accent3"/>
+                </a:solidFill>
+                <a:latin typeface="Average"/>
+                <a:ea typeface="Average"/>
+                <a:cs typeface="Average"/>
+                <a:sym typeface="Average"/>
+              </a:defRPr>
+            </a:lvl6pPr>
+            <a:lvl7pPr marL="3200400" marR="0" lvl="6" indent="-317500" algn="l" rtl="0">
+              <a:lnSpc>
+                <a:spcPct val="115000"/>
+              </a:lnSpc>
+              <a:spcBef>
+                <a:spcPts val="1600"/>
+              </a:spcBef>
+              <a:spcAft>
+                <a:spcPts val="0"/>
+              </a:spcAft>
+              <a:buClr>
+                <a:schemeClr val="accent3"/>
+              </a:buClr>
+              <a:buSzPts val="1400"/>
+              <a:buFont typeface="Average"/>
+              <a:buChar char="●"/>
+              <a:defRPr sz="1400" b="0" i="0" u="none" strike="noStrike" cap="none">
+                <a:solidFill>
+                  <a:schemeClr val="accent3"/>
+                </a:solidFill>
+                <a:latin typeface="Average"/>
+                <a:ea typeface="Average"/>
+                <a:cs typeface="Average"/>
+                <a:sym typeface="Average"/>
+              </a:defRPr>
+            </a:lvl7pPr>
+            <a:lvl8pPr marL="3657600" marR="0" lvl="7" indent="-317500" algn="l" rtl="0">
+              <a:lnSpc>
+                <a:spcPct val="115000"/>
+              </a:lnSpc>
+              <a:spcBef>
+                <a:spcPts val="1600"/>
+              </a:spcBef>
+              <a:spcAft>
+                <a:spcPts val="0"/>
+              </a:spcAft>
+              <a:buClr>
+                <a:schemeClr val="accent3"/>
+              </a:buClr>
+              <a:buSzPts val="1400"/>
+              <a:buFont typeface="Average"/>
+              <a:buChar char="○"/>
+              <a:defRPr sz="1400" b="0" i="0" u="none" strike="noStrike" cap="none">
+                <a:solidFill>
+                  <a:schemeClr val="accent3"/>
+                </a:solidFill>
+                <a:latin typeface="Average"/>
+                <a:ea typeface="Average"/>
+                <a:cs typeface="Average"/>
+                <a:sym typeface="Average"/>
+              </a:defRPr>
+            </a:lvl8pPr>
+            <a:lvl9pPr marL="4114800" marR="0" lvl="8" indent="-317500" algn="l" rtl="0">
+              <a:lnSpc>
+                <a:spcPct val="115000"/>
+              </a:lnSpc>
+              <a:spcBef>
+                <a:spcPts val="1600"/>
+              </a:spcBef>
+              <a:spcAft>
+                <a:spcPts val="1600"/>
+              </a:spcAft>
+              <a:buClr>
+                <a:schemeClr val="accent3"/>
+              </a:buClr>
+              <a:buSzPts val="1400"/>
+              <a:buFont typeface="Average"/>
+              <a:buChar char="■"/>
+              <a:defRPr sz="1400" b="0" i="0" u="none" strike="noStrike" cap="none">
+                <a:solidFill>
+                  <a:schemeClr val="accent3"/>
+                </a:solidFill>
+                <a:latin typeface="Average"/>
+                <a:ea typeface="Average"/>
+                <a:cs typeface="Average"/>
+                <a:sym typeface="Average"/>
+              </a:defRPr>
+            </a:lvl9pPr>
+          </a:lstStyle>
+          <a:p>
+            <a:pPr marL="285750" indent="-285750">
+              <a:lnSpc>
+                <a:spcPct val="100000"/>
+              </a:lnSpc>
+              <a:spcBef>
+                <a:spcPts val="1600"/>
+              </a:spcBef>
+              <a:spcAft>
+                <a:spcPts val="1600"/>
+              </a:spcAft>
+              <a:buClrTx/>
+              <a:buFont typeface="Wingdings" panose="05000000000000000000" pitchFamily="2" charset="2"/>
+              <a:buChar char="§"/>
+            </a:pPr>
+            <a:r>
+              <a:rPr lang="en-US" sz="1400" dirty="0">
+                <a:solidFill>
+                  <a:srgbClr val="000000"/>
+                </a:solidFill>
+                <a:latin typeface="+mn-lt"/>
+              </a:rPr>
+              <a:t>The yelp dataset consists of variety of different businesses indicated by the column </a:t>
+            </a:r>
+          </a:p>
+          <a:p>
+            <a:pPr marL="285750" indent="-285750">
+              <a:lnSpc>
+                <a:spcPct val="100000"/>
+              </a:lnSpc>
+              <a:spcBef>
+                <a:spcPts val="1600"/>
+              </a:spcBef>
+              <a:spcAft>
+                <a:spcPts val="1600"/>
+              </a:spcAft>
+              <a:buClrTx/>
+              <a:buFont typeface="Wingdings" panose="05000000000000000000" pitchFamily="2" charset="2"/>
+              <a:buChar char="§"/>
+            </a:pPr>
+            <a:r>
+              <a:rPr lang="en-US" sz="1400" dirty="0">
+                <a:solidFill>
+                  <a:srgbClr val="000000"/>
+                </a:solidFill>
+                <a:latin typeface="+mn-lt"/>
+              </a:rPr>
+              <a:t>Number of entries for the category ‘Restaurants’ was the highest.</a:t>
+            </a:r>
+          </a:p>
+          <a:p>
+            <a:pPr marL="285750" indent="-285750">
+              <a:lnSpc>
+                <a:spcPct val="100000"/>
+              </a:lnSpc>
+              <a:spcBef>
+                <a:spcPts val="1600"/>
+              </a:spcBef>
+              <a:spcAft>
+                <a:spcPts val="1600"/>
+              </a:spcAft>
+              <a:buClrTx/>
+              <a:buFont typeface="Wingdings" panose="05000000000000000000" pitchFamily="2" charset="2"/>
+              <a:buChar char="§"/>
+            </a:pPr>
+            <a:endParaRPr lang="en-US" sz="1400" dirty="0">
+              <a:solidFill>
+                <a:srgbClr val="000000"/>
+              </a:solidFill>
+              <a:latin typeface="+mn-lt"/>
+            </a:endParaRPr>
+          </a:p>
+        </p:txBody>
+      </p:sp>
+    </p:spTree>
+  </p:cSld>
+  <p:clrMapOvr>
+    <a:masterClrMapping/>
+  </p:clrMapOvr>
+</p:sld>
+</file>
+
+<file path=ppt/slides/slide14.xml><?xml version="1.0" encoding="utf-8"?>
 <p:sld xmlns:a="http://schemas.openxmlformats.org/drawingml/2006/main" xmlns:r="http://schemas.openxmlformats.org/officeDocument/2006/relationships" xmlns:p="http://schemas.openxmlformats.org/presentationml/2006/main">
   <p:cSld>
     <p:spTree>
@@ -12972,7 +14461,7 @@
 </p:sld>
 </file>
 
-<file path=ppt/slides/slide14.xml><?xml version="1.0" encoding="utf-8"?>
+<file path=ppt/slides/slide15.xml><?xml version="1.0" encoding="utf-8"?>
 <p:sld xmlns:a="http://schemas.openxmlformats.org/drawingml/2006/main" xmlns:r="http://schemas.openxmlformats.org/officeDocument/2006/relationships" xmlns:p="http://schemas.openxmlformats.org/presentationml/2006/main">
   <p:cSld>
     <p:spTree>
@@ -13120,7 +14609,7 @@
 </p:sld>
 </file>
 
-<file path=ppt/slides/slide15.xml><?xml version="1.0" encoding="utf-8"?>
+<file path=ppt/slides/slide16.xml><?xml version="1.0" encoding="utf-8"?>
 <p:sld xmlns:a="http://schemas.openxmlformats.org/drawingml/2006/main" xmlns:r="http://schemas.openxmlformats.org/officeDocument/2006/relationships" xmlns:p="http://schemas.openxmlformats.org/presentationml/2006/main">
   <p:cSld>
     <p:spTree>
@@ -14142,7 +15631,7 @@
 </p:sld>
 </file>
 
-<file path=ppt/slides/slide16.xml><?xml version="1.0" encoding="utf-8"?>
+<file path=ppt/slides/slide17.xml><?xml version="1.0" encoding="utf-8"?>
 <p:sld xmlns:a="http://schemas.openxmlformats.org/drawingml/2006/main" xmlns:r="http://schemas.openxmlformats.org/officeDocument/2006/relationships" xmlns:p="http://schemas.openxmlformats.org/presentationml/2006/main">
   <p:cSld>
     <p:spTree>
@@ -14976,7 +16465,7 @@
         </p:nvSpPr>
         <p:spPr>
           <a:xfrm>
-            <a:off x="80691" y="2025625"/>
+            <a:off x="80691" y="1930511"/>
             <a:ext cx="6251097" cy="1523174"/>
           </a:xfrm>
           <a:prstGeom prst="rect">
@@ -15126,7 +16615,7 @@
         </p:nvSpPr>
         <p:spPr>
           <a:xfrm>
-            <a:off x="80691" y="3695207"/>
+            <a:off x="80691" y="3539949"/>
             <a:ext cx="6656538" cy="832985"/>
           </a:xfrm>
           <a:prstGeom prst="rect">
@@ -15232,7 +16721,7 @@
 </p:sld>
 </file>
 
-<file path=ppt/slides/slide17.xml><?xml version="1.0" encoding="utf-8"?>
+<file path=ppt/slides/slide18.xml><?xml version="1.0" encoding="utf-8"?>
 <p:sld xmlns:a="http://schemas.openxmlformats.org/drawingml/2006/main" xmlns:r="http://schemas.openxmlformats.org/officeDocument/2006/relationships" xmlns:p="http://schemas.openxmlformats.org/presentationml/2006/main">
   <p:cSld>
     <p:spTree>
@@ -15697,206 +17186,6 @@
                   <a:lumMod val="50000"/>
                 </a:schemeClr>
               </a:solidFill>
-            </a:endParaRPr>
-          </a:p>
-        </p:txBody>
-      </p:sp>
-    </p:spTree>
-  </p:cSld>
-  <p:clrMapOvr>
-    <a:masterClrMapping/>
-  </p:clrMapOvr>
-</p:sld>
-</file>
-
-<file path=ppt/slides/slide18.xml><?xml version="1.0" encoding="utf-8"?>
-<p:sld xmlns:a="http://schemas.openxmlformats.org/drawingml/2006/main" xmlns:r="http://schemas.openxmlformats.org/officeDocument/2006/relationships" xmlns:p="http://schemas.openxmlformats.org/presentationml/2006/main">
-  <p:cSld>
-    <p:spTree>
-      <p:nvGrpSpPr>
-        <p:cNvPr id="1" name="Shape 160"/>
-        <p:cNvGrpSpPr/>
-        <p:nvPr/>
-      </p:nvGrpSpPr>
-      <p:grpSpPr>
-        <a:xfrm>
-          <a:off x="0" y="0"/>
-          <a:ext cx="0" cy="0"/>
-          <a:chOff x="0" y="0"/>
-          <a:chExt cx="0" cy="0"/>
-        </a:xfrm>
-      </p:grpSpPr>
-      <p:sp>
-        <p:nvSpPr>
-          <p:cNvPr id="161" name="Google Shape;161;g83f00c33ef_0_17"/>
-          <p:cNvSpPr txBox="1">
-            <a:spLocks noGrp="1"/>
-          </p:cNvSpPr>
-          <p:nvPr>
-            <p:ph type="title"/>
-          </p:nvPr>
-        </p:nvSpPr>
-        <p:spPr>
-          <a:xfrm>
-            <a:off x="0" y="2"/>
-            <a:ext cx="2927700" cy="684300"/>
-          </a:xfrm>
-          <a:prstGeom prst="rect">
-            <a:avLst/>
-          </a:prstGeom>
-        </p:spPr>
-        <p:txBody>
-          <a:bodyPr spcFirstLastPara="1" wrap="square" lIns="91425" tIns="91425" rIns="91425" bIns="91425" anchor="t" anchorCtr="0">
-            <a:noAutofit/>
-          </a:bodyPr>
-          <a:lstStyle/>
-          <a:p>
-            <a:pPr marL="0" lvl="0" indent="0" algn="l" rtl="0">
-              <a:spcBef>
-                <a:spcPts val="0"/>
-              </a:spcBef>
-              <a:spcAft>
-                <a:spcPts val="0"/>
-              </a:spcAft>
-              <a:buNone/>
-            </a:pPr>
-            <a:r>
-              <a:rPr lang="en-US" dirty="0">
-                <a:solidFill>
-                  <a:srgbClr val="000000"/>
-                </a:solidFill>
-              </a:rPr>
-              <a:t>Models</a:t>
-            </a:r>
-            <a:endParaRPr dirty="0">
-              <a:solidFill>
-                <a:srgbClr val="000000"/>
-              </a:solidFill>
-            </a:endParaRPr>
-          </a:p>
-          <a:p>
-            <a:pPr marL="0" lvl="0" indent="0" algn="l" rtl="0">
-              <a:spcBef>
-                <a:spcPts val="0"/>
-              </a:spcBef>
-              <a:spcAft>
-                <a:spcPts val="0"/>
-              </a:spcAft>
-              <a:buNone/>
-            </a:pPr>
-            <a:endParaRPr dirty="0"/>
-          </a:p>
-        </p:txBody>
-      </p:sp>
-      <p:sp>
-        <p:nvSpPr>
-          <p:cNvPr id="162" name="Google Shape;162;g83f00c33ef_0_17"/>
-          <p:cNvSpPr txBox="1">
-            <a:spLocks noGrp="1"/>
-          </p:cNvSpPr>
-          <p:nvPr>
-            <p:ph type="body" idx="1"/>
-          </p:nvPr>
-        </p:nvSpPr>
-        <p:spPr>
-          <a:xfrm>
-            <a:off x="311700" y="1152475"/>
-            <a:ext cx="8520600" cy="3416400"/>
-          </a:xfrm>
-          <a:prstGeom prst="rect">
-            <a:avLst/>
-          </a:prstGeom>
-        </p:spPr>
-        <p:txBody>
-          <a:bodyPr spcFirstLastPara="1" wrap="square" lIns="91425" tIns="91425" rIns="91425" bIns="91425" anchor="t" anchorCtr="0">
-            <a:noAutofit/>
-          </a:bodyPr>
-          <a:lstStyle/>
-          <a:p>
-            <a:pPr marL="0" lvl="0" indent="0" algn="l" rtl="0">
-              <a:spcBef>
-                <a:spcPts val="0"/>
-              </a:spcBef>
-              <a:spcAft>
-                <a:spcPts val="0"/>
-              </a:spcAft>
-              <a:buNone/>
-            </a:pPr>
-            <a:r>
-              <a:rPr lang="en-US" b="1" dirty="0">
-                <a:solidFill>
-                  <a:schemeClr val="bg1"/>
-                </a:solidFill>
-                <a:latin typeface="+mn-lt"/>
-              </a:rPr>
-              <a:t>But what if it is a new user?</a:t>
-            </a:r>
-          </a:p>
-          <a:p>
-            <a:pPr marL="285750" lvl="0" indent="-285750" algn="l" rtl="0">
-              <a:spcBef>
-                <a:spcPts val="0"/>
-              </a:spcBef>
-              <a:spcAft>
-                <a:spcPts val="0"/>
-              </a:spcAft>
-              <a:buClr>
-                <a:schemeClr val="accent6">
-                  <a:lumMod val="10000"/>
-                </a:schemeClr>
-              </a:buClr>
-              <a:buFont typeface="Wingdings" pitchFamily="2" charset="2"/>
-              <a:buChar char="§"/>
-            </a:pPr>
-            <a:r>
-              <a:rPr lang="en-US" dirty="0">
-                <a:solidFill>
-                  <a:schemeClr val="bg1"/>
-                </a:solidFill>
-                <a:latin typeface="+mn-lt"/>
-              </a:rPr>
-              <a:t>New users would make the deployed model face “cold start” problem in which the user-item interaction matrix which the model use doesn’t have any data for the new user</a:t>
-            </a:r>
-          </a:p>
-          <a:p>
-            <a:pPr marL="285750" lvl="0" indent="-285750" algn="l" rtl="0">
-              <a:spcBef>
-                <a:spcPts val="0"/>
-              </a:spcBef>
-              <a:spcAft>
-                <a:spcPts val="0"/>
-              </a:spcAft>
-              <a:buClr>
-                <a:schemeClr val="accent6">
-                  <a:lumMod val="10000"/>
-                </a:schemeClr>
-              </a:buClr>
-              <a:buFont typeface="Wingdings" pitchFamily="2" charset="2"/>
-              <a:buChar char="§"/>
-            </a:pPr>
-            <a:r>
-              <a:rPr lang="en-US" dirty="0">
-                <a:solidFill>
-                  <a:schemeClr val="bg1"/>
-                </a:solidFill>
-                <a:latin typeface="+mn-lt"/>
-              </a:rPr>
-              <a:t>In this case, we created a different matrix factorization model using the user and item features and then get the new user’s parsed through which checks for its similarity with existing user and then recommends </a:t>
-            </a:r>
-            <a:r>
-              <a:rPr lang="en-US">
-                <a:solidFill>
-                  <a:schemeClr val="bg1"/>
-                </a:solidFill>
-                <a:latin typeface="+mn-lt"/>
-              </a:rPr>
-              <a:t>restaurants.</a:t>
-            </a:r>
-            <a:endParaRPr lang="en-US" dirty="0">
-              <a:solidFill>
-                <a:schemeClr val="bg1"/>
-              </a:solidFill>
-              <a:latin typeface="+mn-lt"/>
             </a:endParaRPr>
           </a:p>
         </p:txBody>
@@ -15961,14 +17250,14 @@
               <a:buNone/>
             </a:pPr>
             <a:r>
-              <a:rPr lang="en-US">
+              <a:rPr lang="en-US" dirty="0">
                 <a:solidFill>
                   <a:srgbClr val="000000"/>
                 </a:solidFill>
               </a:rPr>
-              <a:t>Model</a:t>
+              <a:t>Models</a:t>
             </a:r>
-            <a:endParaRPr>
+            <a:endParaRPr dirty="0">
               <a:solidFill>
                 <a:srgbClr val="000000"/>
               </a:solidFill>
@@ -15984,7 +17273,7 @@
               </a:spcAft>
               <a:buNone/>
             </a:pPr>
-            <a:endParaRPr/>
+            <a:endParaRPr dirty="0"/>
           </a:p>
         </p:txBody>
       </p:sp>
@@ -16022,7 +17311,82 @@
               </a:spcAft>
               <a:buNone/>
             </a:pPr>
-            <a:endParaRPr/>
+            <a:r>
+              <a:rPr lang="en-US" b="1" dirty="0">
+                <a:solidFill>
+                  <a:schemeClr val="bg1"/>
+                </a:solidFill>
+                <a:latin typeface="+mn-lt"/>
+              </a:rPr>
+              <a:t>But what if it is a new user?</a:t>
+            </a:r>
+          </a:p>
+          <a:p>
+            <a:pPr marL="285750" lvl="0" indent="-285750" algn="l" rtl="0">
+              <a:spcBef>
+                <a:spcPts val="0"/>
+              </a:spcBef>
+              <a:spcAft>
+                <a:spcPts val="0"/>
+              </a:spcAft>
+              <a:buClr>
+                <a:schemeClr val="accent6">
+                  <a:lumMod val="10000"/>
+                </a:schemeClr>
+              </a:buClr>
+              <a:buFont typeface="Wingdings" pitchFamily="2" charset="2"/>
+              <a:buChar char="§"/>
+            </a:pPr>
+            <a:r>
+              <a:rPr lang="en-US" dirty="0">
+                <a:solidFill>
+                  <a:schemeClr val="bg1"/>
+                </a:solidFill>
+                <a:latin typeface="+mn-lt"/>
+              </a:rPr>
+              <a:t>New users would make the deployed model face “cold start” problem in which the user-item interaction matrix which the model use doesn’t have any data for the new user</a:t>
+            </a:r>
+          </a:p>
+          <a:p>
+            <a:pPr marL="285750" lvl="0" indent="-285750" algn="l" rtl="0">
+              <a:spcBef>
+                <a:spcPts val="0"/>
+              </a:spcBef>
+              <a:spcAft>
+                <a:spcPts val="0"/>
+              </a:spcAft>
+              <a:buClr>
+                <a:schemeClr val="accent6">
+                  <a:lumMod val="10000"/>
+                </a:schemeClr>
+              </a:buClr>
+              <a:buFont typeface="Wingdings" pitchFamily="2" charset="2"/>
+              <a:buChar char="§"/>
+            </a:pPr>
+            <a:r>
+              <a:rPr lang="en-US" dirty="0">
+                <a:solidFill>
+                  <a:schemeClr val="bg1"/>
+                </a:solidFill>
+                <a:latin typeface="+mn-lt"/>
+              </a:rPr>
+              <a:t>In this case, we created a different matrix factorization model using the user and item features and then get the new user’s parsed through which checks for its similarity with existing user and then recommends </a:t>
+            </a:r>
+            <a:r>
+              <a:rPr lang="en-US">
+                <a:solidFill>
+                  <a:schemeClr val="bg1"/>
+                </a:solidFill>
+                <a:latin typeface="+mn-lt"/>
+              </a:rPr>
+              <a:t>restaurants.</a:t>
+            </a:r>
+            <a:endParaRPr lang="en-US" dirty="0">
+              <a:solidFill>
+                <a:schemeClr val="bg1"/>
+              </a:solidFill>
+              <a:latin typeface="+mn-lt"/>
+            </a:endParaRPr>
           </a:p>
         </p:txBody>
       </p:sp>
@@ -16330,6 +17694,131 @@
   <p:cSld>
     <p:spTree>
       <p:nvGrpSpPr>
+        <p:cNvPr id="1" name="Shape 160"/>
+        <p:cNvGrpSpPr/>
+        <p:nvPr/>
+      </p:nvGrpSpPr>
+      <p:grpSpPr>
+        <a:xfrm>
+          <a:off x="0" y="0"/>
+          <a:ext cx="0" cy="0"/>
+          <a:chOff x="0" y="0"/>
+          <a:chExt cx="0" cy="0"/>
+        </a:xfrm>
+      </p:grpSpPr>
+      <p:sp>
+        <p:nvSpPr>
+          <p:cNvPr id="161" name="Google Shape;161;g83f00c33ef_0_17"/>
+          <p:cNvSpPr txBox="1">
+            <a:spLocks noGrp="1"/>
+          </p:cNvSpPr>
+          <p:nvPr>
+            <p:ph type="title"/>
+          </p:nvPr>
+        </p:nvSpPr>
+        <p:spPr>
+          <a:xfrm>
+            <a:off x="0" y="2"/>
+            <a:ext cx="2927700" cy="684300"/>
+          </a:xfrm>
+          <a:prstGeom prst="rect">
+            <a:avLst/>
+          </a:prstGeom>
+        </p:spPr>
+        <p:txBody>
+          <a:bodyPr spcFirstLastPara="1" wrap="square" lIns="91425" tIns="91425" rIns="91425" bIns="91425" anchor="t" anchorCtr="0">
+            <a:noAutofit/>
+          </a:bodyPr>
+          <a:lstStyle/>
+          <a:p>
+            <a:pPr marL="0" lvl="0" indent="0" algn="l" rtl="0">
+              <a:spcBef>
+                <a:spcPts val="0"/>
+              </a:spcBef>
+              <a:spcAft>
+                <a:spcPts val="0"/>
+              </a:spcAft>
+              <a:buNone/>
+            </a:pPr>
+            <a:r>
+              <a:rPr lang="en-US">
+                <a:solidFill>
+                  <a:srgbClr val="000000"/>
+                </a:solidFill>
+              </a:rPr>
+              <a:t>Model</a:t>
+            </a:r>
+            <a:endParaRPr>
+              <a:solidFill>
+                <a:srgbClr val="000000"/>
+              </a:solidFill>
+            </a:endParaRPr>
+          </a:p>
+          <a:p>
+            <a:pPr marL="0" lvl="0" indent="0" algn="l" rtl="0">
+              <a:spcBef>
+                <a:spcPts val="0"/>
+              </a:spcBef>
+              <a:spcAft>
+                <a:spcPts val="0"/>
+              </a:spcAft>
+              <a:buNone/>
+            </a:pPr>
+            <a:endParaRPr/>
+          </a:p>
+        </p:txBody>
+      </p:sp>
+      <p:sp>
+        <p:nvSpPr>
+          <p:cNvPr id="162" name="Google Shape;162;g83f00c33ef_0_17"/>
+          <p:cNvSpPr txBox="1">
+            <a:spLocks noGrp="1"/>
+          </p:cNvSpPr>
+          <p:nvPr>
+            <p:ph type="body" idx="1"/>
+          </p:nvPr>
+        </p:nvSpPr>
+        <p:spPr>
+          <a:xfrm>
+            <a:off x="311700" y="1152475"/>
+            <a:ext cx="8520600" cy="3416400"/>
+          </a:xfrm>
+          <a:prstGeom prst="rect">
+            <a:avLst/>
+          </a:prstGeom>
+        </p:spPr>
+        <p:txBody>
+          <a:bodyPr spcFirstLastPara="1" wrap="square" lIns="91425" tIns="91425" rIns="91425" bIns="91425" anchor="t" anchorCtr="0">
+            <a:noAutofit/>
+          </a:bodyPr>
+          <a:lstStyle/>
+          <a:p>
+            <a:pPr marL="0" lvl="0" indent="0" algn="l" rtl="0">
+              <a:spcBef>
+                <a:spcPts val="0"/>
+              </a:spcBef>
+              <a:spcAft>
+                <a:spcPts val="0"/>
+              </a:spcAft>
+              <a:buNone/>
+            </a:pPr>
+            <a:endParaRPr/>
+          </a:p>
+        </p:txBody>
+      </p:sp>
+    </p:spTree>
+  </p:cSld>
+  <p:clrMapOvr>
+    <a:masterClrMapping/>
+  </p:clrMapOvr>
+</p:sld>
+</file>
+
+<file path=ppt/slides/slide21.xml><?xml version="1.0" encoding="utf-8"?>
+<p:sld xmlns:a="http://schemas.openxmlformats.org/drawingml/2006/main" xmlns:r="http://schemas.openxmlformats.org/officeDocument/2006/relationships" xmlns:p="http://schemas.openxmlformats.org/presentationml/2006/main">
+  <p:cSld>
+    <p:spTree>
+      <p:nvGrpSpPr>
         <p:cNvPr id="1" name="Shape 166"/>
         <p:cNvGrpSpPr/>
         <p:nvPr/>
@@ -16446,7 +17935,7 @@
 </p:sld>
 </file>
 
-<file path=ppt/slides/slide21.xml><?xml version="1.0" encoding="utf-8"?>
+<file path=ppt/slides/slide22.xml><?xml version="1.0" encoding="utf-8"?>
 <p:sld xmlns:a="http://schemas.openxmlformats.org/drawingml/2006/main" xmlns:r="http://schemas.openxmlformats.org/officeDocument/2006/relationships" xmlns:p="http://schemas.openxmlformats.org/presentationml/2006/main">
   <p:cSld>
     <p:spTree>
@@ -16555,7 +18044,7 @@
 </p:sld>
 </file>
 
-<file path=ppt/slides/slide22.xml><?xml version="1.0" encoding="utf-8"?>
+<file path=ppt/slides/slide23.xml><?xml version="1.0" encoding="utf-8"?>
 <p:sld xmlns:a="http://schemas.openxmlformats.org/drawingml/2006/main" xmlns:r="http://schemas.openxmlformats.org/officeDocument/2006/relationships" xmlns:p="http://schemas.openxmlformats.org/presentationml/2006/main">
   <p:cSld>
     <p:spTree>
@@ -16716,7 +18205,7 @@
 </p:sld>
 </file>
 
-<file path=ppt/slides/slide23.xml><?xml version="1.0" encoding="utf-8"?>
+<file path=ppt/slides/slide24.xml><?xml version="1.0" encoding="utf-8"?>
 <p:sld xmlns:a="http://schemas.openxmlformats.org/drawingml/2006/main" xmlns:r="http://schemas.openxmlformats.org/officeDocument/2006/relationships" xmlns:p="http://schemas.openxmlformats.org/presentationml/2006/main">
   <p:cSld>
     <p:spTree>
@@ -18125,7 +19614,7 @@
         </p:blipFill>
         <p:spPr>
           <a:xfrm>
-            <a:off x="2053087" y="3191429"/>
+            <a:off x="2053087" y="3133078"/>
             <a:ext cx="2518913" cy="1867354"/>
           </a:xfrm>
           <a:prstGeom prst="rect">
@@ -18404,25 +19893,6 @@
                 <a:latin typeface="Arial"/>
               </a:rPr>
               <a:t>Businesses with open = 1 tag were only considered</a:t>
-            </a:r>
-          </a:p>
-          <a:p>
-            <a:pPr marL="285750" lvl="0" indent="-285750">
-              <a:lnSpc>
-                <a:spcPct val="115000"/>
-              </a:lnSpc>
-              <a:buSzPts val="1800"/>
-              <a:buFont typeface="Wingdings" panose="05000000000000000000" pitchFamily="2" charset="2"/>
-              <a:buChar char="§"/>
-            </a:pPr>
-            <a:r>
-              <a:rPr lang="en-US" dirty="0">
-                <a:solidFill>
-                  <a:srgbClr val="000000"/>
-                </a:solidFill>
-                <a:latin typeface="Arial"/>
-              </a:rPr>
-              <a:t>We have taken into consideration restaurants in the state of Illinois.</a:t>
             </a:r>
           </a:p>
           <a:p>
@@ -18692,8 +20162,8 @@
         </p:blipFill>
         <p:spPr bwMode="auto">
           <a:xfrm>
-            <a:off x="2061713" y="3628029"/>
-            <a:ext cx="5500254" cy="1476413"/>
+            <a:off x="3817048" y="3605841"/>
+            <a:ext cx="5132995" cy="1377831"/>
           </a:xfrm>
           <a:prstGeom prst="rect">
             <a:avLst/>
@@ -18730,7 +20200,7 @@
   <p:cSld>
     <p:spTree>
       <p:nvGrpSpPr>
-        <p:cNvPr id="1" name="Shape 112"/>
+        <p:cNvPr id="1" name="Shape 106"/>
         <p:cNvGrpSpPr/>
         <p:nvPr/>
       </p:nvGrpSpPr>
@@ -18744,7 +20214,7 @@
       </p:grpSpPr>
       <p:sp>
         <p:nvSpPr>
-          <p:cNvPr id="113" name="Google Shape;113;g83d7f3170d_0_5"/>
+          <p:cNvPr id="107" name="Google Shape;107;g83d7f3170d_0_0"/>
           <p:cNvSpPr txBox="1">
             <a:spLocks noGrp="1"/>
           </p:cNvSpPr>
@@ -18755,7 +20225,7 @@
         <p:spPr>
           <a:xfrm>
             <a:off x="0" y="0"/>
-            <a:ext cx="4067100" cy="684300"/>
+            <a:ext cx="3909600" cy="648900"/>
           </a:xfrm>
           <a:prstGeom prst="rect">
             <a:avLst/>
@@ -18785,70 +20255,12 @@
               <a:buNone/>
             </a:pPr>
             <a:r>
-              <a:rPr lang="en-US">
+              <a:rPr lang="en-US" dirty="0">
                 <a:solidFill>
                   <a:srgbClr val="000000"/>
                 </a:solidFill>
               </a:rPr>
-              <a:t>Data Cleaning</a:t>
-            </a:r>
-            <a:endParaRPr>
-              <a:solidFill>
-                <a:srgbClr val="000000"/>
-              </a:solidFill>
-            </a:endParaRPr>
-          </a:p>
-        </p:txBody>
-      </p:sp>
-      <p:sp>
-        <p:nvSpPr>
-          <p:cNvPr id="114" name="Google Shape;114;g83d7f3170d_0_5"/>
-          <p:cNvSpPr txBox="1">
-            <a:spLocks noGrp="1"/>
-          </p:cNvSpPr>
-          <p:nvPr>
-            <p:ph type="body" idx="1"/>
-          </p:nvPr>
-        </p:nvSpPr>
-        <p:spPr>
-          <a:xfrm>
-            <a:off x="311700" y="1152475"/>
-            <a:ext cx="8520600" cy="3416400"/>
-          </a:xfrm>
-          <a:prstGeom prst="rect">
-            <a:avLst/>
-          </a:prstGeom>
-          <a:noFill/>
-          <a:ln>
-            <a:noFill/>
-          </a:ln>
-        </p:spPr>
-        <p:txBody>
-          <a:bodyPr spcFirstLastPara="1" wrap="square" lIns="91425" tIns="91425" rIns="91425" bIns="91425" anchor="t" anchorCtr="0">
-            <a:noAutofit/>
-          </a:bodyPr>
-          <a:lstStyle/>
-          <a:p>
-            <a:pPr marL="0" lvl="0" indent="0" algn="l" rtl="0">
-              <a:lnSpc>
-                <a:spcPct val="115000"/>
-              </a:lnSpc>
-              <a:spcBef>
-                <a:spcPts val="0"/>
-              </a:spcBef>
-              <a:spcAft>
-                <a:spcPts val="0"/>
-              </a:spcAft>
-              <a:buSzPts val="1800"/>
-              <a:buNone/>
-            </a:pPr>
-            <a:r>
-              <a:rPr lang="en-US" dirty="0">
-                <a:solidFill>
-                  <a:srgbClr val="000000"/>
-                </a:solidFill>
-              </a:rPr>
-              <a:t>1. column value extraction:- Extracted values (such as cuisine type, theme, etc.) from the category column of business data. Since we were creating a recommender system for restaurants in Illinois, we extracted records of restaurants in Illinois only.</a:t>
+              <a:t>Data Preparation</a:t>
             </a:r>
             <a:endParaRPr dirty="0">
               <a:solidFill>
@@ -18856,586 +20268,14 @@
               </a:solidFill>
             </a:endParaRPr>
           </a:p>
-          <a:p>
-            <a:pPr marL="0" lvl="0" indent="0" algn="l" rtl="0">
-              <a:lnSpc>
-                <a:spcPct val="115000"/>
-              </a:lnSpc>
-              <a:spcBef>
-                <a:spcPts val="1600"/>
-              </a:spcBef>
-              <a:spcAft>
-                <a:spcPts val="0"/>
-              </a:spcAft>
-              <a:buSzPts val="1800"/>
-              <a:buNone/>
-            </a:pPr>
-            <a:r>
-              <a:rPr lang="en-US" dirty="0">
-                <a:solidFill>
-                  <a:srgbClr val="000000"/>
-                </a:solidFill>
-              </a:rPr>
-              <a:t>2. Null Values:- There were lot of columns with null values, mainly in the columns which were extracted from the category column, so we removed those columns which had null value count more than 300.</a:t>
-            </a:r>
-            <a:endParaRPr dirty="0">
-              <a:solidFill>
-                <a:srgbClr val="000000"/>
-              </a:solidFill>
-            </a:endParaRPr>
-          </a:p>
-          <a:p>
-            <a:pPr marL="0" lvl="0" indent="0" algn="l" rtl="0">
-              <a:lnSpc>
-                <a:spcPct val="115000"/>
-              </a:lnSpc>
-              <a:spcBef>
-                <a:spcPts val="1600"/>
-              </a:spcBef>
-              <a:spcAft>
-                <a:spcPts val="0"/>
-              </a:spcAft>
-              <a:buSzPts val="1800"/>
-              <a:buNone/>
-            </a:pPr>
-            <a:r>
-              <a:rPr lang="en-US" dirty="0">
-                <a:solidFill>
-                  <a:srgbClr val="000000"/>
-                </a:solidFill>
-              </a:rPr>
-              <a:t>3. Duplicate Record:- In Users data, there were lot of users who gave multiple reviews to the same restaurants. For that, we kept the most recent one and removed the others.</a:t>
-            </a:r>
-            <a:endParaRPr dirty="0">
-              <a:solidFill>
-                <a:srgbClr val="000000"/>
-              </a:solidFill>
-            </a:endParaRPr>
-          </a:p>
-          <a:p>
-            <a:pPr marL="0" lvl="0" indent="0" algn="l" rtl="0">
-              <a:lnSpc>
-                <a:spcPct val="115000"/>
-              </a:lnSpc>
-              <a:spcBef>
-                <a:spcPts val="1600"/>
-              </a:spcBef>
-              <a:spcAft>
-                <a:spcPts val="1600"/>
-              </a:spcAft>
-              <a:buSzPts val="1800"/>
-              <a:buNone/>
-            </a:pPr>
-            <a:endParaRPr dirty="0">
-              <a:solidFill>
-                <a:srgbClr val="000000"/>
-              </a:solidFill>
-            </a:endParaRPr>
-          </a:p>
-        </p:txBody>
-      </p:sp>
-    </p:spTree>
-  </p:cSld>
-  <p:clrMapOvr>
-    <a:masterClrMapping/>
-  </p:clrMapOvr>
-</p:sld>
-</file>
-
-<file path=ppt/slides/slide8.xml><?xml version="1.0" encoding="utf-8"?>
-<p:sld xmlns:a="http://schemas.openxmlformats.org/drawingml/2006/main" xmlns:r="http://schemas.openxmlformats.org/officeDocument/2006/relationships" xmlns:p="http://schemas.openxmlformats.org/presentationml/2006/main">
-  <p:cSld>
-    <p:spTree>
-      <p:nvGrpSpPr>
-        <p:cNvPr id="1" name="Shape 118"/>
-        <p:cNvGrpSpPr/>
-        <p:nvPr/>
-      </p:nvGrpSpPr>
-      <p:grpSpPr>
-        <a:xfrm>
-          <a:off x="0" y="0"/>
-          <a:ext cx="0" cy="0"/>
-          <a:chOff x="0" y="0"/>
-          <a:chExt cx="0" cy="0"/>
-        </a:xfrm>
-      </p:grpSpPr>
-      <p:sp>
-        <p:nvSpPr>
-          <p:cNvPr id="119" name="Google Shape;119;g83ddf61570_0_15"/>
-          <p:cNvSpPr txBox="1">
-            <a:spLocks noGrp="1"/>
-          </p:cNvSpPr>
-          <p:nvPr>
-            <p:ph type="title"/>
-          </p:nvPr>
-        </p:nvSpPr>
-        <p:spPr>
-          <a:xfrm>
-            <a:off x="0" y="0"/>
-            <a:ext cx="4572000" cy="705300"/>
-          </a:xfrm>
-          <a:prstGeom prst="rect">
-            <a:avLst/>
-          </a:prstGeom>
-          <a:noFill/>
-          <a:ln>
-            <a:noFill/>
-          </a:ln>
-        </p:spPr>
-        <p:txBody>
-          <a:bodyPr spcFirstLastPara="1" wrap="square" lIns="91425" tIns="91425" rIns="91425" bIns="91425" anchor="t" anchorCtr="0">
-            <a:noAutofit/>
-          </a:bodyPr>
-          <a:lstStyle/>
-          <a:p>
-            <a:pPr marL="0" lvl="0" indent="0" algn="l" rtl="0">
-              <a:lnSpc>
-                <a:spcPct val="100000"/>
-              </a:lnSpc>
-              <a:spcBef>
-                <a:spcPts val="0"/>
-              </a:spcBef>
-              <a:spcAft>
-                <a:spcPts val="0"/>
-              </a:spcAft>
-              <a:buSzPts val="3000"/>
-              <a:buNone/>
-            </a:pPr>
-            <a:r>
-              <a:rPr lang="en-US">
-                <a:solidFill>
-                  <a:srgbClr val="000000"/>
-                </a:solidFill>
-              </a:rPr>
-              <a:t>Data Cleaning </a:t>
-            </a:r>
-            <a:endParaRPr>
-              <a:solidFill>
-                <a:srgbClr val="000000"/>
-              </a:solidFill>
-            </a:endParaRPr>
-          </a:p>
         </p:txBody>
       </p:sp>
       <p:sp>
         <p:nvSpPr>
-          <p:cNvPr id="120" name="Google Shape;120;g83ddf61570_0_15"/>
-          <p:cNvSpPr txBox="1">
-            <a:spLocks noGrp="1"/>
-          </p:cNvSpPr>
-          <p:nvPr>
-            <p:ph type="body" idx="1"/>
-          </p:nvPr>
-        </p:nvSpPr>
-        <p:spPr>
-          <a:xfrm>
-            <a:off x="82475" y="705222"/>
-            <a:ext cx="8520600" cy="4259684"/>
-          </a:xfrm>
-          <a:prstGeom prst="rect">
-            <a:avLst/>
-          </a:prstGeom>
-          <a:noFill/>
-          <a:ln>
-            <a:noFill/>
-          </a:ln>
-        </p:spPr>
-        <p:txBody>
-          <a:bodyPr spcFirstLastPara="1" wrap="square" lIns="91425" tIns="91425" rIns="91425" bIns="91425" anchor="t" anchorCtr="0">
-            <a:noAutofit/>
-          </a:bodyPr>
-          <a:lstStyle/>
-          <a:p>
-            <a:pPr marL="0" lvl="0" indent="0" algn="l" rtl="0">
-              <a:lnSpc>
-                <a:spcPct val="150000"/>
-              </a:lnSpc>
-              <a:spcBef>
-                <a:spcPts val="0"/>
-              </a:spcBef>
-              <a:spcAft>
-                <a:spcPts val="0"/>
-              </a:spcAft>
-              <a:buSzPts val="1800"/>
-              <a:buNone/>
-            </a:pPr>
-            <a:endParaRPr dirty="0">
-              <a:solidFill>
-                <a:schemeClr val="lt1"/>
-              </a:solidFill>
-            </a:endParaRPr>
-          </a:p>
-          <a:p>
-            <a:pPr marL="285750" lvl="0" indent="-171450" algn="l" rtl="0">
-              <a:lnSpc>
-                <a:spcPct val="150000"/>
-              </a:lnSpc>
-              <a:spcBef>
-                <a:spcPts val="0"/>
-              </a:spcBef>
-              <a:spcAft>
-                <a:spcPts val="0"/>
-              </a:spcAft>
-              <a:buSzPts val="1800"/>
-              <a:buFont typeface="Noto Sans Symbols"/>
-              <a:buNone/>
-            </a:pPr>
-            <a:endParaRPr dirty="0">
-              <a:solidFill>
-                <a:schemeClr val="lt1"/>
-              </a:solidFill>
-            </a:endParaRPr>
-          </a:p>
-        </p:txBody>
-      </p:sp>
-      <p:pic>
-        <p:nvPicPr>
-          <p:cNvPr id="121" name="Google Shape;121;g83ddf61570_0_15"/>
-          <p:cNvPicPr preferRelativeResize="0"/>
-          <p:nvPr/>
-        </p:nvPicPr>
-        <p:blipFill rotWithShape="1">
-          <a:blip r:embed="rId3">
-            <a:alphaModFix/>
-          </a:blip>
-          <a:srcRect l="4576" r="5633" b="6"/>
-          <a:stretch/>
-        </p:blipFill>
-        <p:spPr>
-          <a:xfrm>
-            <a:off x="5803406" y="1274160"/>
-            <a:ext cx="1214438" cy="219058"/>
-          </a:xfrm>
-          <a:prstGeom prst="rect">
-            <a:avLst/>
-          </a:prstGeom>
-          <a:noFill/>
-          <a:ln w="9525" cap="flat" cmpd="sng">
-            <a:solidFill>
-              <a:schemeClr val="lt1"/>
-            </a:solidFill>
-            <a:prstDash val="solid"/>
-            <a:round/>
-            <a:headEnd type="none" w="sm" len="sm"/>
-            <a:tailEnd type="none" w="sm" len="sm"/>
-          </a:ln>
-        </p:spPr>
-      </p:pic>
-      <p:pic>
-        <p:nvPicPr>
-          <p:cNvPr id="122" name="Google Shape;122;g83ddf61570_0_15"/>
-          <p:cNvPicPr preferRelativeResize="0"/>
-          <p:nvPr/>
-        </p:nvPicPr>
-        <p:blipFill rotWithShape="1">
-          <a:blip r:embed="rId4">
-            <a:alphaModFix/>
-          </a:blip>
-          <a:srcRect/>
-          <a:stretch/>
-        </p:blipFill>
-        <p:spPr>
-          <a:xfrm>
-            <a:off x="7788289" y="1274160"/>
-            <a:ext cx="1066800" cy="219075"/>
-          </a:xfrm>
-          <a:prstGeom prst="rect">
-            <a:avLst/>
-          </a:prstGeom>
-          <a:noFill/>
-          <a:ln w="9525" cap="flat" cmpd="sng">
-            <a:solidFill>
-              <a:schemeClr val="lt1"/>
-            </a:solidFill>
-            <a:prstDash val="solid"/>
-            <a:round/>
-            <a:headEnd type="none" w="sm" len="sm"/>
-            <a:tailEnd type="none" w="sm" len="sm"/>
-          </a:ln>
-        </p:spPr>
-      </p:pic>
-      <p:cxnSp>
-        <p:nvCxnSpPr>
-          <p:cNvPr id="123" name="Google Shape;123;g83ddf61570_0_15"/>
-          <p:cNvCxnSpPr/>
-          <p:nvPr/>
-        </p:nvCxnSpPr>
-        <p:spPr>
-          <a:xfrm>
-            <a:off x="7243763" y="1387212"/>
-            <a:ext cx="307181" cy="0"/>
-          </a:xfrm>
-          <a:prstGeom prst="straightConnector1">
-            <a:avLst/>
-          </a:prstGeom>
-          <a:noFill/>
-          <a:ln w="9525" cap="flat" cmpd="sng">
-            <a:solidFill>
-              <a:srgbClr val="5E5E5E"/>
-            </a:solidFill>
-            <a:prstDash val="solid"/>
-            <a:round/>
-            <a:headEnd type="triangle" w="med" len="med"/>
-            <a:tailEnd type="triangle" w="med" len="med"/>
-          </a:ln>
-        </p:spPr>
-      </p:cxnSp>
-      <p:sp>
-        <p:nvSpPr>
-          <p:cNvPr id="124" name="Google Shape;124;g83ddf61570_0_15"/>
-          <p:cNvSpPr txBox="1"/>
-          <p:nvPr/>
-        </p:nvSpPr>
-        <p:spPr>
-          <a:xfrm>
-            <a:off x="288911" y="847653"/>
-            <a:ext cx="1793100" cy="369300"/>
-          </a:xfrm>
-          <a:prstGeom prst="rect">
-            <a:avLst/>
-          </a:prstGeom>
-          <a:noFill/>
-          <a:ln w="9525" cap="flat" cmpd="sng">
-            <a:solidFill>
-              <a:schemeClr val="lt1"/>
-            </a:solidFill>
-            <a:prstDash val="solid"/>
-            <a:round/>
-            <a:headEnd type="none" w="sm" len="sm"/>
-            <a:tailEnd type="none" w="sm" len="sm"/>
-          </a:ln>
-        </p:spPr>
-        <p:txBody>
-          <a:bodyPr spcFirstLastPara="1" wrap="square" lIns="91425" tIns="45700" rIns="91425" bIns="45700" anchor="t" anchorCtr="0">
-            <a:noAutofit/>
-          </a:bodyPr>
-          <a:lstStyle/>
-          <a:p>
-            <a:pPr marL="0" marR="0" lvl="0" indent="0" algn="l" rtl="0">
-              <a:lnSpc>
-                <a:spcPct val="100000"/>
-              </a:lnSpc>
-              <a:spcBef>
-                <a:spcPts val="0"/>
-              </a:spcBef>
-              <a:spcAft>
-                <a:spcPts val="0"/>
-              </a:spcAft>
-              <a:buNone/>
-            </a:pPr>
-            <a:r>
-              <a:rPr lang="en-US" sz="1800" b="0" i="0" u="none" strike="noStrike" cap="none">
-                <a:solidFill>
-                  <a:srgbClr val="000000"/>
-                </a:solidFill>
-                <a:latin typeface="Arial"/>
-                <a:ea typeface="Arial"/>
-                <a:cs typeface="Arial"/>
-                <a:sym typeface="Arial"/>
-              </a:rPr>
-              <a:t>Business</a:t>
-            </a:r>
-            <a:endParaRPr/>
-          </a:p>
-        </p:txBody>
-      </p:sp>
-      <p:sp>
-        <p:nvSpPr>
-          <p:cNvPr id="125" name="Google Shape;125;g83ddf61570_0_15"/>
-          <p:cNvSpPr txBox="1"/>
-          <p:nvPr/>
-        </p:nvSpPr>
-        <p:spPr>
-          <a:xfrm>
-            <a:off x="288911" y="2562130"/>
-            <a:ext cx="1793100" cy="369300"/>
-          </a:xfrm>
-          <a:prstGeom prst="rect">
-            <a:avLst/>
-          </a:prstGeom>
-          <a:noFill/>
-          <a:ln w="9525" cap="flat" cmpd="sng">
-            <a:solidFill>
-              <a:schemeClr val="lt1"/>
-            </a:solidFill>
-            <a:prstDash val="solid"/>
-            <a:round/>
-            <a:headEnd type="none" w="sm" len="sm"/>
-            <a:tailEnd type="none" w="sm" len="sm"/>
-          </a:ln>
-        </p:spPr>
-        <p:txBody>
-          <a:bodyPr spcFirstLastPara="1" wrap="square" lIns="91425" tIns="45700" rIns="91425" bIns="45700" anchor="t" anchorCtr="0">
-            <a:noAutofit/>
-          </a:bodyPr>
-          <a:lstStyle/>
-          <a:p>
-            <a:pPr marL="0" marR="0" lvl="0" indent="0" algn="l" rtl="0">
-              <a:lnSpc>
-                <a:spcPct val="100000"/>
-              </a:lnSpc>
-              <a:spcBef>
-                <a:spcPts val="0"/>
-              </a:spcBef>
-              <a:spcAft>
-                <a:spcPts val="0"/>
-              </a:spcAft>
-              <a:buNone/>
-            </a:pPr>
-            <a:r>
-              <a:rPr lang="en-US" sz="1800"/>
-              <a:t>User</a:t>
-            </a:r>
-            <a:endParaRPr/>
-          </a:p>
-        </p:txBody>
-      </p:sp>
-      <p:sp>
-        <p:nvSpPr>
-          <p:cNvPr id="126" name="Google Shape;126;g83ddf61570_0_15"/>
-          <p:cNvSpPr txBox="1"/>
-          <p:nvPr/>
-        </p:nvSpPr>
-        <p:spPr>
-          <a:xfrm>
-            <a:off x="165894" y="2941047"/>
-            <a:ext cx="5062800" cy="985500"/>
-          </a:xfrm>
-          <a:prstGeom prst="rect">
-            <a:avLst/>
-          </a:prstGeom>
-          <a:noFill/>
-          <a:ln>
-            <a:noFill/>
-          </a:ln>
-        </p:spPr>
-        <p:txBody>
-          <a:bodyPr spcFirstLastPara="1" wrap="square" lIns="91425" tIns="91425" rIns="91425" bIns="91425" anchor="t" anchorCtr="0">
-            <a:noAutofit/>
-          </a:bodyPr>
-          <a:lstStyle/>
-          <a:p>
-            <a:pPr marL="285750" lvl="0" indent="-285750" algn="l" rtl="0">
-              <a:lnSpc>
-                <a:spcPct val="150000"/>
-              </a:lnSpc>
-              <a:spcBef>
-                <a:spcPts val="0"/>
-              </a:spcBef>
-              <a:spcAft>
-                <a:spcPts val="0"/>
-              </a:spcAft>
-              <a:buClr>
-                <a:schemeClr val="accent3"/>
-              </a:buClr>
-              <a:buSzPts val="1800"/>
-              <a:buFont typeface="Noto Sans Symbols"/>
-              <a:buChar char="▪"/>
-            </a:pPr>
-            <a:endParaRPr sz="1800" dirty="0">
-              <a:solidFill>
-                <a:schemeClr val="lt1"/>
-              </a:solidFill>
-              <a:latin typeface="Average"/>
-              <a:ea typeface="Average"/>
-              <a:cs typeface="Average"/>
-              <a:sym typeface="Average"/>
-            </a:endParaRPr>
-          </a:p>
-        </p:txBody>
-      </p:sp>
-      <p:pic>
-        <p:nvPicPr>
-          <p:cNvPr id="127" name="Google Shape;127;g83ddf61570_0_15"/>
-          <p:cNvPicPr preferRelativeResize="0"/>
-          <p:nvPr/>
-        </p:nvPicPr>
-        <p:blipFill>
-          <a:blip r:embed="rId5">
-            <a:alphaModFix/>
-          </a:blip>
-          <a:stretch>
-            <a:fillRect/>
-          </a:stretch>
-        </p:blipFill>
-        <p:spPr>
-          <a:xfrm>
-            <a:off x="6086251" y="2062155"/>
-            <a:ext cx="885825" cy="2286000"/>
-          </a:xfrm>
-          <a:prstGeom prst="rect">
-            <a:avLst/>
-          </a:prstGeom>
-          <a:noFill/>
-          <a:ln w="12700">
-            <a:solidFill>
-              <a:schemeClr val="accent1"/>
-            </a:solidFill>
-          </a:ln>
-        </p:spPr>
-      </p:pic>
-      <p:pic>
-        <p:nvPicPr>
-          <p:cNvPr id="128" name="Google Shape;128;g83ddf61570_0_15"/>
-          <p:cNvPicPr preferRelativeResize="0"/>
-          <p:nvPr/>
-        </p:nvPicPr>
-        <p:blipFill>
-          <a:blip r:embed="rId6">
-            <a:alphaModFix/>
-          </a:blip>
-          <a:stretch>
-            <a:fillRect/>
-          </a:stretch>
-        </p:blipFill>
-        <p:spPr>
-          <a:xfrm>
-            <a:off x="7980058" y="2074644"/>
-            <a:ext cx="360448" cy="2261022"/>
-          </a:xfrm>
-          <a:prstGeom prst="rect">
-            <a:avLst/>
-          </a:prstGeom>
-          <a:noFill/>
-          <a:ln w="12700">
-            <a:solidFill>
-              <a:schemeClr val="bg1"/>
-            </a:solidFill>
-          </a:ln>
-        </p:spPr>
-      </p:pic>
-      <p:cxnSp>
-        <p:nvCxnSpPr>
-          <p:cNvPr id="129" name="Google Shape;129;g83ddf61570_0_15"/>
-          <p:cNvCxnSpPr/>
-          <p:nvPr/>
-        </p:nvCxnSpPr>
-        <p:spPr>
-          <a:xfrm>
-            <a:off x="7232929" y="3130125"/>
-            <a:ext cx="307200" cy="0"/>
-          </a:xfrm>
-          <a:prstGeom prst="straightConnector1">
-            <a:avLst/>
-          </a:prstGeom>
-          <a:noFill/>
-          <a:ln w="9525" cap="flat" cmpd="sng">
-            <a:solidFill>
-              <a:srgbClr val="5E5E5E"/>
-            </a:solidFill>
-            <a:prstDash val="solid"/>
-            <a:round/>
-            <a:headEnd type="triangle" w="med" len="med"/>
-            <a:tailEnd type="triangle" w="med" len="med"/>
-          </a:ln>
-        </p:spPr>
-      </p:cxnSp>
-      <p:sp>
-        <p:nvSpPr>
-          <p:cNvPr id="13" name="Text Box 4">
+          <p:cNvPr id="4" name="Text Box 4">
             <a:extLst>
               <a:ext uri="{FF2B5EF4-FFF2-40B4-BE49-F238E27FC236}">
-                <a16:creationId xmlns:a16="http://schemas.microsoft.com/office/drawing/2014/main" id="{94F7797F-B02B-4F12-859C-681D31C121BA}"/>
+                <a16:creationId xmlns:a16="http://schemas.microsoft.com/office/drawing/2014/main" id="{85E66F16-B3E1-48E2-A19A-00B4E29CF1F3}"/>
               </a:ext>
             </a:extLst>
           </p:cNvPr>
@@ -19446,8 +20286,8 @@
         </p:nvSpPr>
         <p:spPr bwMode="auto">
           <a:xfrm>
-            <a:off x="288911" y="1157214"/>
-            <a:ext cx="4725233" cy="1208136"/>
+            <a:off x="189781" y="777264"/>
+            <a:ext cx="8385742" cy="3241944"/>
           </a:xfrm>
           <a:prstGeom prst="rect">
             <a:avLst/>
@@ -19585,317 +20425,301 @@
             </a:lvl9pPr>
           </a:lstStyle>
           <a:p>
+            <a:pPr marL="0" lvl="0" indent="0">
+              <a:lnSpc>
+                <a:spcPct val="115000"/>
+              </a:lnSpc>
+              <a:buSzPts val="1800"/>
+            </a:pPr>
+            <a:r>
+              <a:rPr lang="en-US" u="sng" dirty="0">
+                <a:solidFill>
+                  <a:srgbClr val="000000"/>
+                </a:solidFill>
+                <a:latin typeface="Arial"/>
+              </a:rPr>
+              <a:t>Review</a:t>
+            </a:r>
+          </a:p>
+          <a:p>
             <a:pPr marL="285750" lvl="0" indent="-285750">
               <a:lnSpc>
-                <a:spcPct val="150000"/>
+                <a:spcPct val="115000"/>
               </a:lnSpc>
               <a:buSzPts val="1800"/>
-              <a:buFont typeface="Noto Sans Symbols"/>
-              <a:buChar char="▪"/>
+              <a:buFont typeface="Wingdings" panose="05000000000000000000" pitchFamily="2" charset="2"/>
+              <a:buChar char="§"/>
             </a:pPr>
             <a:r>
               <a:rPr lang="en-US" dirty="0">
                 <a:solidFill>
-                  <a:schemeClr val="bg1"/>
-                </a:solidFill>
+                  <a:srgbClr val="000000"/>
+                </a:solidFill>
+                <a:latin typeface="Arial"/>
               </a:rPr>
-              <a:t>Spelling Correction for the </a:t>
+              <a:t>To remove user bias from rating provided by the user, we have standardized the users’ rating by subtracting their mean rating, and converting it to [-1,1]</a:t>
             </a:r>
+          </a:p>
+          <a:p>
+            <a:pPr marL="285750" lvl="0" indent="-285750">
+              <a:lnSpc>
+                <a:spcPct val="115000"/>
+              </a:lnSpc>
+              <a:buSzPts val="1800"/>
+              <a:buFont typeface="Wingdings" panose="05000000000000000000" pitchFamily="2" charset="2"/>
+              <a:buChar char="§"/>
+            </a:pPr>
+            <a:endParaRPr lang="en-US" dirty="0">
+              <a:solidFill>
+                <a:srgbClr val="000000"/>
+              </a:solidFill>
+              <a:latin typeface="Arial"/>
+            </a:endParaRPr>
+          </a:p>
+          <a:p>
+            <a:pPr marL="285750" lvl="0" indent="-285750">
+              <a:lnSpc>
+                <a:spcPct val="115000"/>
+              </a:lnSpc>
+              <a:buSzPts val="1800"/>
+              <a:buFont typeface="Wingdings" panose="05000000000000000000" pitchFamily="2" charset="2"/>
+              <a:buChar char="§"/>
+            </a:pPr>
+            <a:endParaRPr lang="en-US" dirty="0">
+              <a:solidFill>
+                <a:srgbClr val="000000"/>
+              </a:solidFill>
+              <a:latin typeface="Arial"/>
+            </a:endParaRPr>
+          </a:p>
+          <a:p>
+            <a:pPr marL="0" lvl="0" indent="0">
+              <a:lnSpc>
+                <a:spcPct val="115000"/>
+              </a:lnSpc>
+              <a:buSzPts val="1800"/>
+            </a:pPr>
             <a:r>
-              <a:rPr lang="en-US" dirty="0">
-                <a:solidFill>
-                  <a:srgbClr val="FF0000"/>
-                </a:solidFill>
+              <a:rPr lang="en-US" u="sng" dirty="0">
+                <a:solidFill>
+                  <a:srgbClr val="000000"/>
+                </a:solidFill>
+                <a:latin typeface="Arial"/>
               </a:rPr>
-              <a:t>City</a:t>
+              <a:t>Users</a:t>
             </a:r>
-            <a:r>
-              <a:rPr lang="en-US" dirty="0">
-                <a:solidFill>
-                  <a:schemeClr val="bg1"/>
-                </a:solidFill>
-              </a:rPr>
-              <a:t> variable</a:t>
-            </a:r>
           </a:p>
           <a:p>
             <a:pPr marL="285750" lvl="0" indent="-285750">
               <a:lnSpc>
-                <a:spcPct val="150000"/>
+                <a:spcPct val="115000"/>
               </a:lnSpc>
               <a:buSzPts val="1800"/>
-              <a:buFont typeface="Noto Sans Symbols"/>
-              <a:buChar char="▪"/>
+              <a:buFont typeface="Wingdings" panose="05000000000000000000" pitchFamily="2" charset="2"/>
+              <a:buChar char="§"/>
             </a:pPr>
             <a:r>
               <a:rPr lang="en-US" dirty="0">
                 <a:solidFill>
-                  <a:schemeClr val="bg1"/>
-                </a:solidFill>
+                  <a:srgbClr val="000000"/>
+                </a:solidFill>
+                <a:latin typeface="Arial"/>
               </a:rPr>
-              <a:t>Standardize the Date format of </a:t>
+              <a:t>Heuristically we have selected the features from the users dataset which are not sparse.</a:t>
             </a:r>
-            <a:r>
-              <a:rPr lang="en-US" dirty="0">
-                <a:solidFill>
-                  <a:srgbClr val="FF0000"/>
-                </a:solidFill>
-              </a:rPr>
-              <a:t>Hours</a:t>
-            </a:r>
-            <a:r>
-              <a:rPr lang="en-US" dirty="0">
-                <a:solidFill>
-                  <a:schemeClr val="bg1"/>
-                </a:solidFill>
-              </a:rPr>
-              <a:t> variable</a:t>
-            </a:r>
-          </a:p>
-          <a:p>
-            <a:pPr marL="285750" lvl="0" indent="-285750">
-              <a:lnSpc>
-                <a:spcPct val="150000"/>
+          </a:p>
+          <a:p>
+            <a:pPr marL="628650" lvl="0" indent="-285750">
+              <a:lnSpc>
+                <a:spcPct val="115000"/>
               </a:lnSpc>
               <a:buSzPts val="1800"/>
-              <a:buFont typeface="Noto Sans Symbols"/>
-              <a:buChar char="▪"/>
+              <a:buFont typeface="Arial" panose="020B0604020202020204" pitchFamily="34" charset="0"/>
+              <a:buChar char="•"/>
             </a:pPr>
             <a:r>
               <a:rPr lang="en-US" dirty="0">
                 <a:solidFill>
-                  <a:schemeClr val="bg1"/>
-                </a:solidFill>
+                  <a:srgbClr val="000000"/>
+                </a:solidFill>
+                <a:latin typeface="Arial"/>
               </a:rPr>
-              <a:t>Remove </a:t>
+              <a:t>Number of reviews</a:t>
             </a:r>
-            <a:r>
-              <a:rPr lang="en-US" dirty="0">
-                <a:solidFill>
-                  <a:schemeClr val="lt1"/>
-                </a:solidFill>
-              </a:rPr>
-              <a:t>redundant </a:t>
-            </a:r>
-            <a:r>
-              <a:rPr lang="en-US" dirty="0">
-                <a:solidFill>
-                  <a:srgbClr val="FF0000"/>
-                </a:solidFill>
-              </a:rPr>
-              <a:t>Categories </a:t>
-            </a:r>
-            <a:endParaRPr lang="en-US" dirty="0"/>
-          </a:p>
-        </p:txBody>
-      </p:sp>
-      <p:sp>
-        <p:nvSpPr>
-          <p:cNvPr id="14" name="Text Box 4">
-            <a:extLst>
-              <a:ext uri="{FF2B5EF4-FFF2-40B4-BE49-F238E27FC236}">
-                <a16:creationId xmlns:a16="http://schemas.microsoft.com/office/drawing/2014/main" id="{625B7A89-AAD6-4F1B-8232-5298721477F6}"/>
-              </a:ext>
-            </a:extLst>
-          </p:cNvPr>
-          <p:cNvSpPr txBox="1">
-            <a:spLocks noChangeArrowheads="1"/>
-          </p:cNvSpPr>
-          <p:nvPr/>
-        </p:nvSpPr>
-        <p:spPr bwMode="auto">
-          <a:xfrm>
-            <a:off x="288910" y="3035790"/>
-            <a:ext cx="4725233" cy="872393"/>
-          </a:xfrm>
-          <a:prstGeom prst="rect">
-            <a:avLst/>
-          </a:prstGeom>
-          <a:noFill/>
-          <a:ln>
-            <a:noFill/>
-          </a:ln>
-          <a:extLst>
-            <a:ext uri="{909E8E84-426E-40DD-AFC4-6F175D3DCCD1}">
-              <a14:hiddenFill xmlns:a14="http://schemas.microsoft.com/office/drawing/2010/main">
-                <a:solidFill>
-                  <a:srgbClr val="FFFFFF"/>
-                </a:solidFill>
-              </a14:hiddenFill>
-            </a:ext>
-            <a:ext uri="{91240B29-F687-4F45-9708-019B960494DF}">
-              <a14:hiddenLine xmlns:a14="http://schemas.microsoft.com/office/drawing/2010/main" w="9525">
-                <a:solidFill>
-                  <a:srgbClr val="000000"/>
-                </a:solidFill>
-                <a:miter lim="800000"/>
-                <a:headEnd/>
-                <a:tailEnd/>
-              </a14:hiddenLine>
-            </a:ext>
-          </a:extLst>
-        </p:spPr>
-        <p:txBody>
-          <a:bodyPr lIns="67500" tIns="35100" rIns="67500" bIns="35100"/>
-          <a:lstStyle>
-            <a:lvl1pPr marL="265113" indent="-265113">
-              <a:defRPr sz="1400">
-                <a:solidFill>
-                  <a:schemeClr val="tx1"/>
-                </a:solidFill>
-                <a:latin typeface="Arial" charset="0"/>
-              </a:defRPr>
-            </a:lvl1pPr>
-            <a:lvl2pPr marL="742950" indent="-285750">
-              <a:defRPr sz="1400">
-                <a:solidFill>
-                  <a:schemeClr val="tx1"/>
-                </a:solidFill>
-                <a:latin typeface="Arial" charset="0"/>
-              </a:defRPr>
-            </a:lvl2pPr>
-            <a:lvl3pPr marL="1143000" indent="-228600">
-              <a:defRPr sz="1400">
-                <a:solidFill>
-                  <a:schemeClr val="tx1"/>
-                </a:solidFill>
-                <a:latin typeface="Arial" charset="0"/>
-              </a:defRPr>
-            </a:lvl3pPr>
-            <a:lvl4pPr marL="1600200" indent="-228600">
-              <a:defRPr sz="1400">
-                <a:solidFill>
-                  <a:schemeClr val="tx1"/>
-                </a:solidFill>
-                <a:latin typeface="Arial" charset="0"/>
-              </a:defRPr>
-            </a:lvl4pPr>
-            <a:lvl5pPr marL="2057400" indent="-228600">
-              <a:defRPr sz="1400">
-                <a:solidFill>
-                  <a:schemeClr val="tx1"/>
-                </a:solidFill>
-                <a:latin typeface="Arial" charset="0"/>
-              </a:defRPr>
-            </a:lvl5pPr>
-            <a:lvl6pPr marL="2514600" indent="-228600" algn="ctr" eaLnBrk="0" fontAlgn="base" hangingPunct="0">
-              <a:spcBef>
-                <a:spcPct val="50000"/>
-              </a:spcBef>
-              <a:spcAft>
-                <a:spcPct val="0"/>
-              </a:spcAft>
-              <a:buSzPct val="120000"/>
-              <a:buFont typeface="Wingdings" pitchFamily="2" charset="2"/>
-              <a:defRPr sz="1400">
-                <a:solidFill>
-                  <a:schemeClr val="tx1"/>
-                </a:solidFill>
-                <a:latin typeface="Arial" charset="0"/>
-              </a:defRPr>
-            </a:lvl6pPr>
-            <a:lvl7pPr marL="2971800" indent="-228600" algn="ctr" eaLnBrk="0" fontAlgn="base" hangingPunct="0">
-              <a:spcBef>
-                <a:spcPct val="50000"/>
-              </a:spcBef>
-              <a:spcAft>
-                <a:spcPct val="0"/>
-              </a:spcAft>
-              <a:buSzPct val="120000"/>
-              <a:buFont typeface="Wingdings" pitchFamily="2" charset="2"/>
-              <a:defRPr sz="1400">
-                <a:solidFill>
-                  <a:schemeClr val="tx1"/>
-                </a:solidFill>
-                <a:latin typeface="Arial" charset="0"/>
-              </a:defRPr>
-            </a:lvl7pPr>
-            <a:lvl8pPr marL="3429000" indent="-228600" algn="ctr" eaLnBrk="0" fontAlgn="base" hangingPunct="0">
-              <a:spcBef>
-                <a:spcPct val="50000"/>
-              </a:spcBef>
-              <a:spcAft>
-                <a:spcPct val="0"/>
-              </a:spcAft>
-              <a:buSzPct val="120000"/>
-              <a:buFont typeface="Wingdings" pitchFamily="2" charset="2"/>
-              <a:defRPr sz="1400">
-                <a:solidFill>
-                  <a:schemeClr val="tx1"/>
-                </a:solidFill>
-                <a:latin typeface="Arial" charset="0"/>
-              </a:defRPr>
-            </a:lvl8pPr>
-            <a:lvl9pPr marL="3886200" indent="-228600" algn="ctr" eaLnBrk="0" fontAlgn="base" hangingPunct="0">
-              <a:spcBef>
-                <a:spcPct val="50000"/>
-              </a:spcBef>
-              <a:spcAft>
-                <a:spcPct val="0"/>
-              </a:spcAft>
-              <a:buSzPct val="120000"/>
-              <a:buFont typeface="Wingdings" pitchFamily="2" charset="2"/>
-              <a:defRPr sz="1400">
-                <a:solidFill>
-                  <a:schemeClr val="tx1"/>
-                </a:solidFill>
-                <a:latin typeface="Arial" charset="0"/>
-              </a:defRPr>
-            </a:lvl9pPr>
-          </a:lstStyle>
-          <a:p>
-            <a:pPr marL="285750" lvl="0" indent="-285750">
-              <a:lnSpc>
-                <a:spcPct val="150000"/>
-              </a:lnSpc>
-              <a:buClr>
-                <a:schemeClr val="lt1"/>
-              </a:buClr>
+          </a:p>
+          <a:p>
+            <a:pPr marL="628650" lvl="0" indent="-285750">
+              <a:lnSpc>
+                <a:spcPct val="115000"/>
+              </a:lnSpc>
               <a:buSzPts val="1800"/>
-              <a:buFont typeface="Average"/>
-              <a:buChar char="▪"/>
+              <a:buFont typeface="Arial" panose="020B0604020202020204" pitchFamily="34" charset="0"/>
+              <a:buChar char="•"/>
             </a:pPr>
             <a:r>
               <a:rPr lang="en-US" dirty="0">
                 <a:solidFill>
-                  <a:schemeClr val="lt1"/>
-                </a:solidFill>
-                <a:latin typeface="Average"/>
-                <a:ea typeface="Average"/>
-                <a:cs typeface="Average"/>
-                <a:sym typeface="Average"/>
+                  <a:srgbClr val="000000"/>
+                </a:solidFill>
+                <a:latin typeface="Arial"/>
               </a:rPr>
-              <a:t>Standardize account age by years</a:t>
+              <a:t>Number of times the reviews were regarded as useful</a:t>
             </a:r>
           </a:p>
           <a:p>
-            <a:pPr marL="285750" indent="-285750">
-              <a:lnSpc>
-                <a:spcPct val="150000"/>
-              </a:lnSpc>
-              <a:buClr>
-                <a:schemeClr val="lt1"/>
-              </a:buClr>
+            <a:pPr marL="628650" lvl="0" indent="-285750">
+              <a:lnSpc>
+                <a:spcPct val="115000"/>
+              </a:lnSpc>
               <a:buSzPts val="1800"/>
-              <a:buFont typeface="Average"/>
-              <a:buChar char="▪"/>
+              <a:buFont typeface="Arial" panose="020B0604020202020204" pitchFamily="34" charset="0"/>
+              <a:buChar char="•"/>
             </a:pPr>
             <a:r>
               <a:rPr lang="en-US" dirty="0">
                 <a:solidFill>
-                  <a:schemeClr val="lt1"/>
-                </a:solidFill>
-                <a:latin typeface="Average"/>
-                <a:ea typeface="Average"/>
-                <a:cs typeface="Average"/>
-                <a:sym typeface="Average"/>
+                  <a:srgbClr val="000000"/>
+                </a:solidFill>
+                <a:latin typeface="Arial"/>
               </a:rPr>
-              <a:t>Check the missing values</a:t>
+              <a:t>Whether the user is active/elite user in Yelp</a:t>
             </a:r>
+          </a:p>
+          <a:p>
+            <a:pPr marL="628650" lvl="0" indent="-285750">
+              <a:lnSpc>
+                <a:spcPct val="115000"/>
+              </a:lnSpc>
+              <a:buSzPts val="1800"/>
+              <a:buFont typeface="Arial" panose="020B0604020202020204" pitchFamily="34" charset="0"/>
+              <a:buChar char="•"/>
+            </a:pPr>
+            <a:r>
+              <a:rPr lang="en-US" dirty="0">
+                <a:solidFill>
+                  <a:srgbClr val="000000"/>
+                </a:solidFill>
+                <a:latin typeface="Arial"/>
+              </a:rPr>
+              <a:t>User’s favorite restaurant category from past interactions</a:t>
+            </a:r>
+          </a:p>
+          <a:p>
+            <a:pPr marL="628650" lvl="0" indent="-285750">
+              <a:lnSpc>
+                <a:spcPct val="115000"/>
+              </a:lnSpc>
+              <a:buSzPts val="1800"/>
+              <a:buFont typeface="Arial" panose="020B0604020202020204" pitchFamily="34" charset="0"/>
+              <a:buChar char="•"/>
+            </a:pPr>
+            <a:endParaRPr lang="en-US" dirty="0">
+              <a:solidFill>
+                <a:srgbClr val="000000"/>
+              </a:solidFill>
+              <a:latin typeface="Arial"/>
+            </a:endParaRPr>
+          </a:p>
+          <a:p>
+            <a:pPr marL="285750" lvl="0" indent="-285750">
+              <a:lnSpc>
+                <a:spcPct val="115000"/>
+              </a:lnSpc>
+              <a:buSzPts val="1800"/>
+              <a:buFont typeface="Wingdings" panose="05000000000000000000" pitchFamily="2" charset="2"/>
+              <a:buChar char="§"/>
+            </a:pPr>
+            <a:endParaRPr lang="en-US" dirty="0">
+              <a:solidFill>
+                <a:srgbClr val="000000"/>
+              </a:solidFill>
+              <a:latin typeface="Arial"/>
+            </a:endParaRPr>
+          </a:p>
+          <a:p>
+            <a:pPr marL="0" lvl="0" indent="0">
+              <a:lnSpc>
+                <a:spcPct val="115000"/>
+              </a:lnSpc>
+              <a:buSzPts val="1800"/>
+            </a:pPr>
+            <a:r>
+              <a:rPr lang="en-US" dirty="0">
+                <a:solidFill>
+                  <a:srgbClr val="000000"/>
+                </a:solidFill>
+                <a:latin typeface="Arial"/>
+              </a:rPr>
+              <a:t>	</a:t>
+            </a:r>
+          </a:p>
+          <a:p>
+            <a:pPr marL="0" lvl="0" indent="0">
+              <a:lnSpc>
+                <a:spcPct val="115000"/>
+              </a:lnSpc>
+              <a:buSzPts val="1800"/>
+            </a:pPr>
+            <a:endParaRPr lang="en-US" dirty="0">
+              <a:solidFill>
+                <a:srgbClr val="000000"/>
+              </a:solidFill>
+              <a:latin typeface="Arial"/>
+            </a:endParaRPr>
+          </a:p>
+          <a:p>
+            <a:pPr marL="0" lvl="0" indent="0">
+              <a:lnSpc>
+                <a:spcPct val="115000"/>
+              </a:lnSpc>
+              <a:buSzPts val="1800"/>
+            </a:pPr>
+            <a:endParaRPr lang="en-US" dirty="0">
+              <a:solidFill>
+                <a:srgbClr val="000000"/>
+              </a:solidFill>
+              <a:latin typeface="Arial"/>
+            </a:endParaRPr>
+          </a:p>
+          <a:p>
+            <a:pPr marL="342900" lvl="0" indent="0">
+              <a:lnSpc>
+                <a:spcPct val="115000"/>
+              </a:lnSpc>
+              <a:buSzPts val="1800"/>
+            </a:pPr>
+            <a:r>
+              <a:rPr lang="en-US" dirty="0">
+                <a:solidFill>
+                  <a:srgbClr val="000000"/>
+                </a:solidFill>
+                <a:latin typeface="Arial"/>
+              </a:rPr>
+              <a:t>		</a:t>
+            </a:r>
+          </a:p>
+          <a:p>
+            <a:pPr marL="0" lvl="0" indent="0">
+              <a:lnSpc>
+                <a:spcPct val="115000"/>
+              </a:lnSpc>
+              <a:buSzPts val="1800"/>
+            </a:pPr>
+            <a:endParaRPr lang="en-US" dirty="0">
+              <a:solidFill>
+                <a:srgbClr val="000000"/>
+              </a:solidFill>
+              <a:latin typeface="Arial"/>
+            </a:endParaRPr>
           </a:p>
         </p:txBody>
       </p:sp>
     </p:spTree>
+    <p:extLst>
+      <p:ext uri="{BB962C8B-B14F-4D97-AF65-F5344CB8AC3E}">
+        <p14:creationId xmlns:p14="http://schemas.microsoft.com/office/powerpoint/2010/main" val="3950881280"/>
+      </p:ext>
+    </p:extLst>
   </p:cSld>
   <p:clrMapOvr>
     <a:masterClrMapping/>
@@ -19903,7 +20727,7 @@
 </p:sld>
 </file>
 
-<file path=ppt/slides/slide9.xml><?xml version="1.0" encoding="utf-8"?>
+<file path=ppt/slides/slide8.xml><?xml version="1.0" encoding="utf-8"?>
 <p:sld xmlns:a="http://schemas.openxmlformats.org/drawingml/2006/main" xmlns:r="http://schemas.openxmlformats.org/officeDocument/2006/relationships" xmlns:p="http://schemas.openxmlformats.org/presentationml/2006/main">
   <p:cSld>
     <p:spTree>
@@ -19963,17 +20787,23 @@
               <a:buNone/>
             </a:pPr>
             <a:r>
-              <a:rPr lang="en-US">
+              <a:rPr lang="en-US" dirty="0">
                 <a:solidFill>
                   <a:srgbClr val="000000"/>
                 </a:solidFill>
+                <a:highlight>
+                  <a:srgbClr val="FF0000"/>
+                </a:highlight>
               </a:rPr>
               <a:t>Exploratory Data Analysis</a:t>
             </a:r>
-            <a:endParaRPr>
+            <a:endParaRPr dirty="0">
               <a:solidFill>
                 <a:srgbClr val="000000"/>
               </a:solidFill>
+              <a:highlight>
+                <a:srgbClr val="FF0000"/>
+              </a:highlight>
             </a:endParaRPr>
           </a:p>
         </p:txBody>
@@ -19990,7 +20820,7 @@
         </p:nvSpPr>
         <p:spPr>
           <a:xfrm>
-            <a:off x="428375" y="792950"/>
+            <a:off x="156322" y="785393"/>
             <a:ext cx="7072500" cy="532200"/>
           </a:xfrm>
           <a:prstGeom prst="rect">
@@ -20041,7 +20871,7 @@
                 <a:cs typeface="Arial"/>
                 <a:sym typeface="Arial"/>
               </a:rPr>
-              <a:t>Distribution of businesses in Illinois</a:t>
+              <a:t>Distribution of restaurant business in Illinois</a:t>
             </a:r>
             <a:endParaRPr sz="1350" b="1" dirty="0">
               <a:solidFill>
@@ -20153,69 +20983,196 @@
       </p:sp>
       <p:pic>
         <p:nvPicPr>
-          <p:cNvPr id="1026" name="Picture 2">
-            <a:extLst>
-              <a:ext uri="{FF2B5EF4-FFF2-40B4-BE49-F238E27FC236}">
-                <a16:creationId xmlns:a16="http://schemas.microsoft.com/office/drawing/2014/main" id="{EA5C39C4-F3A1-45BA-B280-7526C534FA50}"/>
-              </a:ext>
-            </a:extLst>
-          </p:cNvPr>
-          <p:cNvPicPr>
-            <a:picLocks noChangeAspect="1" noChangeArrowheads="1"/>
-          </p:cNvPicPr>
+          <p:cNvPr id="136" name="Google Shape;136;g83ddf61570_0_20"/>
+          <p:cNvPicPr preferRelativeResize="0"/>
           <p:nvPr/>
         </p:nvPicPr>
         <p:blipFill>
           <a:blip r:embed="rId3">
-            <a:extLst>
-              <a:ext uri="{28A0092B-C50C-407E-A947-70E740481C1C}">
-                <a14:useLocalDpi xmlns:a14="http://schemas.microsoft.com/office/drawing/2010/main" val="0"/>
-              </a:ext>
-            </a:extLst>
+            <a:alphaModFix/>
           </a:blip>
-          <a:srcRect/>
           <a:stretch>
             <a:fillRect/>
           </a:stretch>
         </p:blipFill>
-        <p:spPr bwMode="auto">
+        <p:spPr>
           <a:xfrm>
-            <a:off x="0" y="1134620"/>
-            <a:ext cx="9144000" cy="2459037"/>
+            <a:off x="587071" y="1136516"/>
+            <a:ext cx="7559401" cy="3118089"/>
           </a:xfrm>
           <a:prstGeom prst="rect">
             <a:avLst/>
           </a:prstGeom>
           <a:noFill/>
-          <a:extLst>
-            <a:ext uri="{909E8E84-426E-40DD-AFC4-6F175D3DCCD1}">
-              <a14:hiddenFill xmlns:a14="http://schemas.microsoft.com/office/drawing/2010/main">
-                <a:solidFill>
-                  <a:srgbClr val="FFFFFF"/>
-                </a:solidFill>
-              </a14:hiddenFill>
-            </a:ext>
-          </a:extLst>
+          <a:ln>
+            <a:noFill/>
+          </a:ln>
+        </p:spPr>
+      </p:pic>
+    </p:spTree>
+    <p:extLst>
+      <p:ext uri="{BB962C8B-B14F-4D97-AF65-F5344CB8AC3E}">
+        <p14:creationId xmlns:p14="http://schemas.microsoft.com/office/powerpoint/2010/main" val="117015801"/>
+      </p:ext>
+    </p:extLst>
+  </p:cSld>
+  <p:clrMapOvr>
+    <a:masterClrMapping/>
+  </p:clrMapOvr>
+</p:sld>
+</file>
+
+<file path=ppt/slides/slide9.xml><?xml version="1.0" encoding="utf-8"?>
+<p:sld xmlns:a="http://schemas.openxmlformats.org/drawingml/2006/main" xmlns:r="http://schemas.openxmlformats.org/officeDocument/2006/relationships" xmlns:p="http://schemas.openxmlformats.org/presentationml/2006/main">
+  <p:cSld>
+    <p:spTree>
+      <p:nvGrpSpPr>
+        <p:cNvPr id="1" name="Shape 140"/>
+        <p:cNvGrpSpPr/>
+        <p:nvPr/>
+      </p:nvGrpSpPr>
+      <p:grpSpPr>
+        <a:xfrm>
+          <a:off x="0" y="0"/>
+          <a:ext cx="0" cy="0"/>
+          <a:chOff x="0" y="0"/>
+          <a:chExt cx="0" cy="0"/>
+        </a:xfrm>
+      </p:grpSpPr>
+      <p:sp>
+        <p:nvSpPr>
+          <p:cNvPr id="141" name="Google Shape;141;g83f00c33ef_0_0"/>
+          <p:cNvSpPr txBox="1">
+            <a:spLocks noGrp="1"/>
+          </p:cNvSpPr>
+          <p:nvPr>
+            <p:ph type="title"/>
+          </p:nvPr>
+        </p:nvSpPr>
+        <p:spPr>
+          <a:xfrm>
+            <a:off x="0" y="0"/>
+            <a:ext cx="5047800" cy="655200"/>
+          </a:xfrm>
+          <a:prstGeom prst="rect">
+            <a:avLst/>
+          </a:prstGeom>
+        </p:spPr>
+        <p:txBody>
+          <a:bodyPr spcFirstLastPara="1" wrap="square" lIns="91425" tIns="91425" rIns="91425" bIns="91425" anchor="t" anchorCtr="0">
+            <a:noAutofit/>
+          </a:bodyPr>
+          <a:lstStyle/>
+          <a:p>
+            <a:pPr marL="0" lvl="0" indent="0" algn="l" rtl="0">
+              <a:spcBef>
+                <a:spcPts val="0"/>
+              </a:spcBef>
+              <a:spcAft>
+                <a:spcPts val="0"/>
+              </a:spcAft>
+              <a:buClr>
+                <a:srgbClr val="000000"/>
+              </a:buClr>
+              <a:buSzPts val="3000"/>
+              <a:buFont typeface="Arial"/>
+              <a:buNone/>
+            </a:pPr>
+            <a:r>
+              <a:rPr lang="en-US" dirty="0">
+                <a:solidFill>
+                  <a:srgbClr val="000000"/>
+                </a:solidFill>
+                <a:highlight>
+                  <a:srgbClr val="FF0000"/>
+                </a:highlight>
+              </a:rPr>
+              <a:t>Exploratory Data Analysis</a:t>
+            </a:r>
+            <a:endParaRPr dirty="0">
+              <a:highlight>
+                <a:srgbClr val="FF0000"/>
+              </a:highlight>
+            </a:endParaRPr>
+          </a:p>
+        </p:txBody>
+      </p:sp>
+      <p:sp>
+        <p:nvSpPr>
+          <p:cNvPr id="142" name="Google Shape;142;g83f00c33ef_0_0"/>
+          <p:cNvSpPr txBox="1">
+            <a:spLocks noGrp="1"/>
+          </p:cNvSpPr>
+          <p:nvPr>
+            <p:ph type="body" idx="1"/>
+          </p:nvPr>
+        </p:nvSpPr>
+        <p:spPr>
+          <a:xfrm>
+            <a:off x="311700" y="1152475"/>
+            <a:ext cx="8520600" cy="3416400"/>
+          </a:xfrm>
+          <a:prstGeom prst="rect">
+            <a:avLst/>
+          </a:prstGeom>
+        </p:spPr>
+        <p:txBody>
+          <a:bodyPr spcFirstLastPara="1" wrap="square" lIns="91425" tIns="91425" rIns="91425" bIns="91425" anchor="t" anchorCtr="0">
+            <a:noAutofit/>
+          </a:bodyPr>
+          <a:lstStyle/>
+          <a:p>
+            <a:pPr marL="0" lvl="0" indent="0" algn="l" rtl="0">
+              <a:spcBef>
+                <a:spcPts val="0"/>
+              </a:spcBef>
+              <a:spcAft>
+                <a:spcPts val="0"/>
+              </a:spcAft>
+              <a:buNone/>
+            </a:pPr>
+            <a:endParaRPr/>
+          </a:p>
+        </p:txBody>
+      </p:sp>
+      <p:pic>
+        <p:nvPicPr>
+          <p:cNvPr id="143" name="Google Shape;143;g83f00c33ef_0_0"/>
+          <p:cNvPicPr preferRelativeResize="0"/>
+          <p:nvPr/>
+        </p:nvPicPr>
+        <p:blipFill>
+          <a:blip r:embed="rId3">
+            <a:alphaModFix/>
+          </a:blip>
+          <a:stretch>
+            <a:fillRect/>
+          </a:stretch>
+        </p:blipFill>
+        <p:spPr>
+          <a:xfrm>
+            <a:off x="83127" y="1028500"/>
+            <a:ext cx="8974721" cy="4057378"/>
+          </a:xfrm>
+          <a:prstGeom prst="rect">
+            <a:avLst/>
+          </a:prstGeom>
+          <a:noFill/>
+          <a:ln>
+            <a:noFill/>
+          </a:ln>
         </p:spPr>
       </p:pic>
       <p:sp>
         <p:nvSpPr>
-          <p:cNvPr id="7" name="Google Shape;114;g83d7f3170d_0_5">
-            <a:extLst>
-              <a:ext uri="{FF2B5EF4-FFF2-40B4-BE49-F238E27FC236}">
-                <a16:creationId xmlns:a16="http://schemas.microsoft.com/office/drawing/2014/main" id="{2B6971E1-34CE-4688-A326-EB991C5D707F}"/>
-              </a:ext>
-            </a:extLst>
-          </p:cNvPr>
-          <p:cNvSpPr txBox="1">
-            <a:spLocks/>
-          </p:cNvSpPr>
+          <p:cNvPr id="144" name="Google Shape;144;g83f00c33ef_0_0"/>
+          <p:cNvSpPr txBox="1"/>
           <p:nvPr/>
         </p:nvSpPr>
         <p:spPr>
           <a:xfrm>
-            <a:off x="311700" y="3593657"/>
-            <a:ext cx="8520600" cy="1125998"/>
+            <a:off x="0" y="696088"/>
+            <a:ext cx="4575900" cy="332400"/>
           </a:xfrm>
           <a:prstGeom prst="rect">
             <a:avLst/>
@@ -20229,323 +21186,48 @@
           <a:bodyPr spcFirstLastPara="1" wrap="square" lIns="91425" tIns="91425" rIns="91425" bIns="91425" anchor="t" anchorCtr="0">
             <a:noAutofit/>
           </a:bodyPr>
-          <a:lstStyle>
-            <a:defPPr marR="0" lvl="0" algn="l" rtl="0">
-              <a:lnSpc>
-                <a:spcPct val="100000"/>
-              </a:lnSpc>
-              <a:spcBef>
-                <a:spcPts val="0"/>
-              </a:spcBef>
-              <a:spcAft>
-                <a:spcPts val="0"/>
-              </a:spcAft>
-            </a:defPPr>
-            <a:lvl1pPr marL="457200" marR="0" lvl="0" indent="-342900" algn="l" rtl="0">
-              <a:lnSpc>
-                <a:spcPct val="115000"/>
-              </a:lnSpc>
-              <a:spcBef>
-                <a:spcPts val="0"/>
-              </a:spcBef>
-              <a:spcAft>
-                <a:spcPts val="0"/>
-              </a:spcAft>
-              <a:buClr>
-                <a:schemeClr val="accent3"/>
-              </a:buClr>
-              <a:buSzPts val="1800"/>
-              <a:buFont typeface="Average"/>
-              <a:buChar char="●"/>
-              <a:defRPr sz="1800" b="0" i="0" u="none" strike="noStrike" cap="none">
-                <a:solidFill>
-                  <a:schemeClr val="accent3"/>
-                </a:solidFill>
+          <a:lstStyle/>
+          <a:p>
+            <a:pPr marL="0" lvl="0" indent="0" algn="l" rtl="0">
+              <a:spcBef>
+                <a:spcPts val="0"/>
+              </a:spcBef>
+              <a:spcAft>
+                <a:spcPts val="0"/>
+              </a:spcAft>
+              <a:buNone/>
+            </a:pPr>
+            <a:r>
+              <a:rPr lang="en-US">
                 <a:latin typeface="Average"/>
                 <a:ea typeface="Average"/>
                 <a:cs typeface="Average"/>
                 <a:sym typeface="Average"/>
-              </a:defRPr>
-            </a:lvl1pPr>
-            <a:lvl2pPr marL="914400" marR="0" lvl="1" indent="-317500" algn="l" rtl="0">
-              <a:lnSpc>
-                <a:spcPct val="115000"/>
-              </a:lnSpc>
-              <a:spcBef>
-                <a:spcPts val="1600"/>
-              </a:spcBef>
-              <a:spcAft>
-                <a:spcPts val="0"/>
-              </a:spcAft>
-              <a:buClr>
-                <a:schemeClr val="accent3"/>
-              </a:buClr>
-              <a:buSzPts val="1400"/>
-              <a:buFont typeface="Average"/>
-              <a:buChar char="○"/>
-              <a:defRPr sz="1400" b="0" i="0" u="none" strike="noStrike" cap="none">
-                <a:solidFill>
-                  <a:schemeClr val="accent3"/>
-                </a:solidFill>
-                <a:latin typeface="Average"/>
-                <a:ea typeface="Average"/>
-                <a:cs typeface="Average"/>
-                <a:sym typeface="Average"/>
-              </a:defRPr>
-            </a:lvl2pPr>
-            <a:lvl3pPr marL="1371600" marR="0" lvl="2" indent="-317500" algn="l" rtl="0">
-              <a:lnSpc>
-                <a:spcPct val="115000"/>
-              </a:lnSpc>
-              <a:spcBef>
-                <a:spcPts val="1600"/>
-              </a:spcBef>
-              <a:spcAft>
-                <a:spcPts val="0"/>
-              </a:spcAft>
-              <a:buClr>
-                <a:schemeClr val="accent3"/>
-              </a:buClr>
-              <a:buSzPts val="1400"/>
-              <a:buFont typeface="Average"/>
-              <a:buChar char="■"/>
-              <a:defRPr sz="1400" b="0" i="0" u="none" strike="noStrike" cap="none">
-                <a:solidFill>
-                  <a:schemeClr val="accent3"/>
-                </a:solidFill>
-                <a:latin typeface="Average"/>
-                <a:ea typeface="Average"/>
-                <a:cs typeface="Average"/>
-                <a:sym typeface="Average"/>
-              </a:defRPr>
-            </a:lvl3pPr>
-            <a:lvl4pPr marL="1828800" marR="0" lvl="3" indent="-317500" algn="l" rtl="0">
-              <a:lnSpc>
-                <a:spcPct val="115000"/>
-              </a:lnSpc>
-              <a:spcBef>
-                <a:spcPts val="1600"/>
-              </a:spcBef>
-              <a:spcAft>
-                <a:spcPts val="0"/>
-              </a:spcAft>
-              <a:buClr>
-                <a:schemeClr val="accent3"/>
-              </a:buClr>
-              <a:buSzPts val="1400"/>
-              <a:buFont typeface="Average"/>
-              <a:buChar char="●"/>
-              <a:defRPr sz="1400" b="0" i="0" u="none" strike="noStrike" cap="none">
-                <a:solidFill>
-                  <a:schemeClr val="accent3"/>
-                </a:solidFill>
-                <a:latin typeface="Average"/>
-                <a:ea typeface="Average"/>
-                <a:cs typeface="Average"/>
-                <a:sym typeface="Average"/>
-              </a:defRPr>
-            </a:lvl4pPr>
-            <a:lvl5pPr marL="2286000" marR="0" lvl="4" indent="-317500" algn="l" rtl="0">
-              <a:lnSpc>
-                <a:spcPct val="115000"/>
-              </a:lnSpc>
-              <a:spcBef>
-                <a:spcPts val="1600"/>
-              </a:spcBef>
-              <a:spcAft>
-                <a:spcPts val="0"/>
-              </a:spcAft>
-              <a:buClr>
-                <a:schemeClr val="accent3"/>
-              </a:buClr>
-              <a:buSzPts val="1400"/>
-              <a:buFont typeface="Average"/>
-              <a:buChar char="○"/>
-              <a:defRPr sz="1400" b="0" i="0" u="none" strike="noStrike" cap="none">
-                <a:solidFill>
-                  <a:schemeClr val="accent3"/>
-                </a:solidFill>
-                <a:latin typeface="Average"/>
-                <a:ea typeface="Average"/>
-                <a:cs typeface="Average"/>
-                <a:sym typeface="Average"/>
-              </a:defRPr>
-            </a:lvl5pPr>
-            <a:lvl6pPr marL="2743200" marR="0" lvl="5" indent="-317500" algn="l" rtl="0">
-              <a:lnSpc>
-                <a:spcPct val="115000"/>
-              </a:lnSpc>
-              <a:spcBef>
-                <a:spcPts val="1600"/>
-              </a:spcBef>
-              <a:spcAft>
-                <a:spcPts val="0"/>
-              </a:spcAft>
-              <a:buClr>
-                <a:schemeClr val="accent3"/>
-              </a:buClr>
-              <a:buSzPts val="1400"/>
-              <a:buFont typeface="Average"/>
-              <a:buChar char="■"/>
-              <a:defRPr sz="1400" b="0" i="0" u="none" strike="noStrike" cap="none">
-                <a:solidFill>
-                  <a:schemeClr val="accent3"/>
-                </a:solidFill>
-                <a:latin typeface="Average"/>
-                <a:ea typeface="Average"/>
-                <a:cs typeface="Average"/>
-                <a:sym typeface="Average"/>
-              </a:defRPr>
-            </a:lvl6pPr>
-            <a:lvl7pPr marL="3200400" marR="0" lvl="6" indent="-317500" algn="l" rtl="0">
-              <a:lnSpc>
-                <a:spcPct val="115000"/>
-              </a:lnSpc>
-              <a:spcBef>
-                <a:spcPts val="1600"/>
-              </a:spcBef>
-              <a:spcAft>
-                <a:spcPts val="0"/>
-              </a:spcAft>
-              <a:buClr>
-                <a:schemeClr val="accent3"/>
-              </a:buClr>
-              <a:buSzPts val="1400"/>
-              <a:buFont typeface="Average"/>
-              <a:buChar char="●"/>
-              <a:defRPr sz="1400" b="0" i="0" u="none" strike="noStrike" cap="none">
-                <a:solidFill>
-                  <a:schemeClr val="accent3"/>
-                </a:solidFill>
-                <a:latin typeface="Average"/>
-                <a:ea typeface="Average"/>
-                <a:cs typeface="Average"/>
-                <a:sym typeface="Average"/>
-              </a:defRPr>
-            </a:lvl7pPr>
-            <a:lvl8pPr marL="3657600" marR="0" lvl="7" indent="-317500" algn="l" rtl="0">
-              <a:lnSpc>
-                <a:spcPct val="115000"/>
-              </a:lnSpc>
-              <a:spcBef>
-                <a:spcPts val="1600"/>
-              </a:spcBef>
-              <a:spcAft>
-                <a:spcPts val="0"/>
-              </a:spcAft>
-              <a:buClr>
-                <a:schemeClr val="accent3"/>
-              </a:buClr>
-              <a:buSzPts val="1400"/>
-              <a:buFont typeface="Average"/>
-              <a:buChar char="○"/>
-              <a:defRPr sz="1400" b="0" i="0" u="none" strike="noStrike" cap="none">
-                <a:solidFill>
-                  <a:schemeClr val="accent3"/>
-                </a:solidFill>
-                <a:latin typeface="Average"/>
-                <a:ea typeface="Average"/>
-                <a:cs typeface="Average"/>
-                <a:sym typeface="Average"/>
-              </a:defRPr>
-            </a:lvl8pPr>
-            <a:lvl9pPr marL="4114800" marR="0" lvl="8" indent="-317500" algn="l" rtl="0">
-              <a:lnSpc>
-                <a:spcPct val="115000"/>
-              </a:lnSpc>
-              <a:spcBef>
-                <a:spcPts val="1600"/>
-              </a:spcBef>
-              <a:spcAft>
-                <a:spcPts val="1600"/>
-              </a:spcAft>
-              <a:buClr>
-                <a:schemeClr val="accent3"/>
-              </a:buClr>
-              <a:buSzPts val="1400"/>
-              <a:buFont typeface="Average"/>
-              <a:buChar char="■"/>
-              <a:defRPr sz="1400" b="0" i="0" u="none" strike="noStrike" cap="none">
-                <a:solidFill>
-                  <a:schemeClr val="accent3"/>
-                </a:solidFill>
-                <a:latin typeface="Average"/>
-                <a:ea typeface="Average"/>
-                <a:cs typeface="Average"/>
-                <a:sym typeface="Average"/>
-              </a:defRPr>
-            </a:lvl9pPr>
-          </a:lstStyle>
-          <a:p>
-            <a:pPr marL="285750" indent="-285750">
-              <a:lnSpc>
-                <a:spcPct val="100000"/>
-              </a:lnSpc>
-              <a:spcBef>
-                <a:spcPts val="1600"/>
-              </a:spcBef>
-              <a:spcAft>
-                <a:spcPts val="1600"/>
-              </a:spcAft>
-              <a:buClrTx/>
-              <a:buFont typeface="Wingdings" panose="05000000000000000000" pitchFamily="2" charset="2"/>
-              <a:buChar char="§"/>
+              </a:rPr>
+              <a:t>TOP 10 MOST RATED RESTAURANTS IN ILLINOIS</a:t>
+            </a:r>
+            <a:endParaRPr>
+              <a:latin typeface="Average"/>
+              <a:ea typeface="Average"/>
+              <a:cs typeface="Average"/>
+              <a:sym typeface="Average"/>
+            </a:endParaRPr>
+          </a:p>
+          <a:p>
+            <a:pPr marL="0" lvl="0" indent="0" algn="l" rtl="0">
+              <a:spcBef>
+                <a:spcPts val="0"/>
+              </a:spcBef>
+              <a:spcAft>
+                <a:spcPts val="0"/>
+              </a:spcAft>
+              <a:buNone/>
             </a:pPr>
-            <a:r>
-              <a:rPr lang="en-US" sz="1400" dirty="0">
-                <a:solidFill>
-                  <a:srgbClr val="000000"/>
-                </a:solidFill>
-                <a:latin typeface="+mn-lt"/>
-              </a:rPr>
-              <a:t>The yelp dataset consists of variety of different businesses indicated by the column </a:t>
-            </a:r>
-          </a:p>
-          <a:p>
-            <a:pPr marL="285750" indent="-285750">
-              <a:lnSpc>
-                <a:spcPct val="100000"/>
-              </a:lnSpc>
-              <a:spcBef>
-                <a:spcPts val="1600"/>
-              </a:spcBef>
-              <a:spcAft>
-                <a:spcPts val="1600"/>
-              </a:spcAft>
-              <a:buClrTx/>
-              <a:buFont typeface="Wingdings" panose="05000000000000000000" pitchFamily="2" charset="2"/>
-              <a:buChar char="§"/>
-            </a:pPr>
-            <a:r>
-              <a:rPr lang="en-US" sz="1400" dirty="0">
-                <a:solidFill>
-                  <a:srgbClr val="000000"/>
-                </a:solidFill>
-                <a:latin typeface="+mn-lt"/>
-              </a:rPr>
-              <a:t>Number of entries for the category ‘Restaurants’ was the highest.</a:t>
-            </a:r>
-          </a:p>
-          <a:p>
-            <a:pPr marL="285750" indent="-285750">
-              <a:lnSpc>
-                <a:spcPct val="100000"/>
-              </a:lnSpc>
-              <a:spcBef>
-                <a:spcPts val="1600"/>
-              </a:spcBef>
-              <a:spcAft>
-                <a:spcPts val="1600"/>
-              </a:spcAft>
-              <a:buClrTx/>
-              <a:buFont typeface="Wingdings" panose="05000000000000000000" pitchFamily="2" charset="2"/>
-              <a:buChar char="§"/>
-            </a:pPr>
-            <a:endParaRPr lang="en-US" sz="1400" dirty="0">
-              <a:solidFill>
-                <a:srgbClr val="000000"/>
-              </a:solidFill>
-              <a:latin typeface="+mn-lt"/>
+            <a:endParaRPr>
+              <a:latin typeface="Average"/>
+              <a:ea typeface="Average"/>
+              <a:cs typeface="Average"/>
+              <a:sym typeface="Average"/>
             </a:endParaRPr>
           </a:p>
         </p:txBody>

--- a/PPT/Yelp Presentation.pptx
+++ b/PPT/Yelp Presentation.pptx
@@ -5,7 +5,7 @@
     <p:sldMasterId id="2147483648" r:id="rId1"/>
   </p:sldMasterIdLst>
   <p:notesMasterIdLst>
-    <p:notesMasterId r:id="rId26"/>
+    <p:notesMasterId r:id="rId28"/>
   </p:notesMasterIdLst>
   <p:sldIdLst>
     <p:sldId id="256" r:id="rId2"/>
@@ -13,55 +13,57 @@
     <p:sldId id="258" r:id="rId4"/>
     <p:sldId id="259" r:id="rId5"/>
     <p:sldId id="261" r:id="rId6"/>
-    <p:sldId id="262" r:id="rId7"/>
-    <p:sldId id="284" r:id="rId8"/>
-    <p:sldId id="275" r:id="rId9"/>
-    <p:sldId id="266" r:id="rId10"/>
-    <p:sldId id="276" r:id="rId11"/>
-    <p:sldId id="263" r:id="rId12"/>
-    <p:sldId id="264" r:id="rId13"/>
-    <p:sldId id="265" r:id="rId14"/>
-    <p:sldId id="277" r:id="rId15"/>
-    <p:sldId id="278" r:id="rId16"/>
-    <p:sldId id="279" r:id="rId17"/>
-    <p:sldId id="280" r:id="rId18"/>
-    <p:sldId id="268" r:id="rId19"/>
-    <p:sldId id="283" r:id="rId20"/>
-    <p:sldId id="269" r:id="rId21"/>
-    <p:sldId id="270" r:id="rId22"/>
-    <p:sldId id="271" r:id="rId23"/>
-    <p:sldId id="281" r:id="rId24"/>
-    <p:sldId id="282" r:id="rId25"/>
+    <p:sldId id="285" r:id="rId7"/>
+    <p:sldId id="286" r:id="rId8"/>
+    <p:sldId id="262" r:id="rId9"/>
+    <p:sldId id="284" r:id="rId10"/>
+    <p:sldId id="275" r:id="rId11"/>
+    <p:sldId id="266" r:id="rId12"/>
+    <p:sldId id="276" r:id="rId13"/>
+    <p:sldId id="263" r:id="rId14"/>
+    <p:sldId id="264" r:id="rId15"/>
+    <p:sldId id="265" r:id="rId16"/>
+    <p:sldId id="277" r:id="rId17"/>
+    <p:sldId id="279" r:id="rId18"/>
+    <p:sldId id="280" r:id="rId19"/>
+    <p:sldId id="268" r:id="rId20"/>
+    <p:sldId id="278" r:id="rId21"/>
+    <p:sldId id="283" r:id="rId22"/>
+    <p:sldId id="269" r:id="rId23"/>
+    <p:sldId id="270" r:id="rId24"/>
+    <p:sldId id="271" r:id="rId25"/>
+    <p:sldId id="281" r:id="rId26"/>
+    <p:sldId id="282" r:id="rId27"/>
   </p:sldIdLst>
   <p:sldSz cx="9144000" cy="5143500" type="screen16x9"/>
   <p:notesSz cx="6858000" cy="9144000"/>
   <p:embeddedFontLst>
     <p:embeddedFont>
       <p:font typeface="Average" panose="020B0604020202020204" charset="0"/>
-      <p:regular r:id="rId27"/>
+      <p:regular r:id="rId29"/>
     </p:embeddedFont>
     <p:embeddedFont>
       <p:font typeface="Bree Serif" panose="020B0604020202020204" charset="0"/>
-      <p:regular r:id="rId28"/>
+      <p:regular r:id="rId30"/>
     </p:embeddedFont>
     <p:embeddedFont>
       <p:font typeface="Calibri" panose="020F0502020204030204" pitchFamily="34" charset="0"/>
-      <p:regular r:id="rId29"/>
-      <p:bold r:id="rId30"/>
-      <p:italic r:id="rId31"/>
-      <p:boldItalic r:id="rId32"/>
+      <p:regular r:id="rId31"/>
+      <p:bold r:id="rId32"/>
+      <p:italic r:id="rId33"/>
+      <p:boldItalic r:id="rId34"/>
     </p:embeddedFont>
     <p:embeddedFont>
       <p:font typeface="Oswald" panose="020B0604020202020204" charset="0"/>
-      <p:regular r:id="rId33"/>
-      <p:bold r:id="rId34"/>
+      <p:regular r:id="rId35"/>
+      <p:bold r:id="rId36"/>
     </p:embeddedFont>
     <p:embeddedFont>
       <p:font typeface="Roboto Mono" panose="020B0604020202020204" charset="0"/>
-      <p:regular r:id="rId35"/>
-      <p:bold r:id="rId36"/>
-      <p:italic r:id="rId37"/>
-      <p:boldItalic r:id="rId38"/>
+      <p:regular r:id="rId37"/>
+      <p:bold r:id="rId38"/>
+      <p:italic r:id="rId39"/>
+      <p:boldItalic r:id="rId40"/>
     </p:embeddedFont>
   </p:embeddedFontLst>
   <p:defaultTextStyle>
@@ -309,7 +311,7 @@
       </p15:sldGuideLst>
     </p:ext>
     <p:ext uri="http://customooxmlschemas.google.com/">
-      <go:slidesCustomData xmlns="" xmlns:mc="http://schemas.openxmlformats.org/markup-compatibility/2006" xmlns:mv="urn:schemas-microsoft-com:mac:vml" xmlns:c="http://schemas.openxmlformats.org/drawingml/2006/chart" xmlns:dgm="http://schemas.openxmlformats.org/drawingml/2006/diagram" xmlns:o="urn:schemas-microsoft-com:office:office" xmlns:v="urn:schemas-microsoft-com:vml" xmlns:pvml="urn:schemas-microsoft-com:office:powerpoint" xmlns:com="http://schemas.openxmlformats.org/drawingml/2006/compatibility" xmlns:p14="http://schemas.microsoft.com/office/powerpoint/2010/main" xmlns:p15="http://schemas.microsoft.com/office/powerpoint/2012/main" xmlns:go="http://customooxmlschemas.google.com/" r:id="rId39" roundtripDataSignature="AMtx7mhrN0VZjpMeXmHQaTxH0fmdJEZUYA=="/>
+      <go:slidesCustomData xmlns:go="http://customooxmlschemas.google.com/" xmlns:p15="http://schemas.microsoft.com/office/powerpoint/2012/main" xmlns:p14="http://schemas.microsoft.com/office/powerpoint/2010/main" xmlns:com="http://schemas.openxmlformats.org/drawingml/2006/compatibility" xmlns:pvml="urn:schemas-microsoft-com:office:powerpoint" xmlns:v="urn:schemas-microsoft-com:vml" xmlns:o="urn:schemas-microsoft-com:office:office" xmlns:dgm="http://schemas.openxmlformats.org/drawingml/2006/diagram" xmlns:c="http://schemas.openxmlformats.org/drawingml/2006/chart" xmlns:mv="urn:schemas-microsoft-com:mac:vml" xmlns:mc="http://schemas.openxmlformats.org/markup-compatibility/2006" xmlns="" r:id="rId41" roundtripDataSignature="AMtx7mhrN0VZjpMeXmHQaTxH0fmdJEZUYA=="/>
     </p:ext>
   </p:extLst>
 </p:presentation>
@@ -1025,6 +1027,334 @@
   <p:cSld>
     <p:spTree>
       <p:nvGrpSpPr>
+        <p:cNvPr id="1" name="Shape 130"/>
+        <p:cNvGrpSpPr/>
+        <p:nvPr/>
+      </p:nvGrpSpPr>
+      <p:grpSpPr>
+        <a:xfrm>
+          <a:off x="0" y="0"/>
+          <a:ext cx="0" cy="0"/>
+          <a:chOff x="0" y="0"/>
+          <a:chExt cx="0" cy="0"/>
+        </a:xfrm>
+      </p:grpSpPr>
+      <p:sp>
+        <p:nvSpPr>
+          <p:cNvPr id="131" name="Google Shape;131;g83ddf61570_0_20:notes"/>
+          <p:cNvSpPr>
+            <a:spLocks noGrp="1" noRot="1" noChangeAspect="1"/>
+          </p:cNvSpPr>
+          <p:nvPr>
+            <p:ph type="sldImg" idx="2"/>
+          </p:nvPr>
+        </p:nvSpPr>
+        <p:spPr>
+          <a:xfrm>
+            <a:off x="381000" y="685800"/>
+            <a:ext cx="6096000" cy="3429000"/>
+          </a:xfrm>
+          <a:custGeom>
+            <a:avLst/>
+            <a:gdLst/>
+            <a:ahLst/>
+            <a:cxnLst/>
+            <a:rect l="l" t="t" r="r" b="b"/>
+            <a:pathLst>
+              <a:path w="120000" h="120000" extrusionOk="0">
+                <a:moveTo>
+                  <a:pt x="0" y="0"/>
+                </a:moveTo>
+                <a:lnTo>
+                  <a:pt x="120000" y="0"/>
+                </a:lnTo>
+                <a:lnTo>
+                  <a:pt x="120000" y="120000"/>
+                </a:lnTo>
+                <a:lnTo>
+                  <a:pt x="0" y="120000"/>
+                </a:lnTo>
+                <a:close/>
+              </a:path>
+            </a:pathLst>
+          </a:custGeom>
+          <a:noFill/>
+          <a:ln w="9525" cap="flat" cmpd="sng">
+            <a:solidFill>
+              <a:srgbClr val="000000"/>
+            </a:solidFill>
+            <a:prstDash val="solid"/>
+            <a:round/>
+            <a:headEnd type="none" w="sm" len="sm"/>
+            <a:tailEnd type="none" w="sm" len="sm"/>
+          </a:ln>
+        </p:spPr>
+      </p:sp>
+      <p:sp>
+        <p:nvSpPr>
+          <p:cNvPr id="132" name="Google Shape;132;g83ddf61570_0_20:notes"/>
+          <p:cNvSpPr txBox="1">
+            <a:spLocks noGrp="1"/>
+          </p:cNvSpPr>
+          <p:nvPr>
+            <p:ph type="body" idx="1"/>
+          </p:nvPr>
+        </p:nvSpPr>
+        <p:spPr>
+          <a:xfrm>
+            <a:off x="685800" y="4343400"/>
+            <a:ext cx="5486400" cy="4114800"/>
+          </a:xfrm>
+          <a:prstGeom prst="rect">
+            <a:avLst/>
+          </a:prstGeom>
+          <a:noFill/>
+          <a:ln>
+            <a:noFill/>
+          </a:ln>
+        </p:spPr>
+        <p:txBody>
+          <a:bodyPr spcFirstLastPara="1" wrap="square" lIns="91425" tIns="91425" rIns="91425" bIns="91425" anchor="t" anchorCtr="0">
+            <a:noAutofit/>
+          </a:bodyPr>
+          <a:lstStyle/>
+          <a:p>
+            <a:pPr marL="0" lvl="0" indent="0" algn="l" rtl="0">
+              <a:lnSpc>
+                <a:spcPct val="100000"/>
+              </a:lnSpc>
+              <a:spcBef>
+                <a:spcPts val="0"/>
+              </a:spcBef>
+              <a:spcAft>
+                <a:spcPts val="0"/>
+              </a:spcAft>
+              <a:buSzPts val="1100"/>
+              <a:buNone/>
+            </a:pPr>
+            <a:r>
+              <a:rPr lang="en-US" dirty="0"/>
+              <a:t>- We cannot state Illinois exploration in </a:t>
+            </a:r>
+            <a:r>
+              <a:rPr lang="en-US" dirty="0" err="1"/>
+              <a:t>eda</a:t>
+            </a:r>
+            <a:r>
+              <a:rPr lang="en-US" dirty="0"/>
+              <a:t>, we can call it in data preparation after we have declared that we will be focusing on </a:t>
+            </a:r>
+            <a:r>
+              <a:rPr lang="en-US" dirty="0" err="1"/>
+              <a:t>illinois</a:t>
+            </a:r>
+            <a:endParaRPr dirty="0"/>
+          </a:p>
+        </p:txBody>
+      </p:sp>
+    </p:spTree>
+    <p:extLst>
+      <p:ext uri="{BB962C8B-B14F-4D97-AF65-F5344CB8AC3E}">
+        <p14:creationId xmlns:p14="http://schemas.microsoft.com/office/powerpoint/2010/main" val="2844477347"/>
+      </p:ext>
+    </p:extLst>
+  </p:cSld>
+  <p:clrMapOvr>
+    <a:masterClrMapping/>
+  </p:clrMapOvr>
+</p:notes>
+</file>
+
+<file path=ppt/notesSlides/notesSlide11.xml><?xml version="1.0" encoding="utf-8"?>
+<p:notes xmlns:a="http://schemas.openxmlformats.org/drawingml/2006/main" xmlns:r="http://schemas.openxmlformats.org/officeDocument/2006/relationships" xmlns:p="http://schemas.openxmlformats.org/presentationml/2006/main" showMasterSp="0" showMasterPhAnim="0">
+  <p:cSld>
+    <p:spTree>
+      <p:nvGrpSpPr>
+        <p:cNvPr id="1" name="Shape 137"/>
+        <p:cNvGrpSpPr/>
+        <p:nvPr/>
+      </p:nvGrpSpPr>
+      <p:grpSpPr>
+        <a:xfrm>
+          <a:off x="0" y="0"/>
+          <a:ext cx="0" cy="0"/>
+          <a:chOff x="0" y="0"/>
+          <a:chExt cx="0" cy="0"/>
+        </a:xfrm>
+      </p:grpSpPr>
+      <p:sp>
+        <p:nvSpPr>
+          <p:cNvPr id="138" name="Google Shape;138;g83f00c33ef_0_0:notes"/>
+          <p:cNvSpPr>
+            <a:spLocks noGrp="1" noRot="1" noChangeAspect="1"/>
+          </p:cNvSpPr>
+          <p:nvPr>
+            <p:ph type="sldImg" idx="2"/>
+          </p:nvPr>
+        </p:nvSpPr>
+        <p:spPr>
+          <a:xfrm>
+            <a:off x="381000" y="685800"/>
+            <a:ext cx="6096000" cy="3429000"/>
+          </a:xfrm>
+          <a:custGeom>
+            <a:avLst/>
+            <a:gdLst/>
+            <a:ahLst/>
+            <a:cxnLst/>
+            <a:rect l="l" t="t" r="r" b="b"/>
+            <a:pathLst>
+              <a:path w="120000" h="120000" extrusionOk="0">
+                <a:moveTo>
+                  <a:pt x="0" y="0"/>
+                </a:moveTo>
+                <a:lnTo>
+                  <a:pt x="120000" y="0"/>
+                </a:lnTo>
+                <a:lnTo>
+                  <a:pt x="120000" y="120000"/>
+                </a:lnTo>
+                <a:lnTo>
+                  <a:pt x="0" y="120000"/>
+                </a:lnTo>
+                <a:close/>
+              </a:path>
+            </a:pathLst>
+          </a:custGeom>
+        </p:spPr>
+      </p:sp>
+      <p:sp>
+        <p:nvSpPr>
+          <p:cNvPr id="139" name="Google Shape;139;g83f00c33ef_0_0:notes"/>
+          <p:cNvSpPr txBox="1">
+            <a:spLocks noGrp="1"/>
+          </p:cNvSpPr>
+          <p:nvPr>
+            <p:ph type="body" idx="1"/>
+          </p:nvPr>
+        </p:nvSpPr>
+        <p:spPr>
+          <a:xfrm>
+            <a:off x="685800" y="4343400"/>
+            <a:ext cx="5486400" cy="4114800"/>
+          </a:xfrm>
+          <a:prstGeom prst="rect">
+            <a:avLst/>
+          </a:prstGeom>
+        </p:spPr>
+        <p:txBody>
+          <a:bodyPr spcFirstLastPara="1" wrap="square" lIns="91425" tIns="91425" rIns="91425" bIns="91425" anchor="t" anchorCtr="0">
+            <a:noAutofit/>
+          </a:bodyPr>
+          <a:lstStyle/>
+          <a:p>
+            <a:pPr marL="0" lvl="0" indent="0" algn="l" rtl="0">
+              <a:lnSpc>
+                <a:spcPct val="100000"/>
+              </a:lnSpc>
+              <a:spcBef>
+                <a:spcPts val="0"/>
+              </a:spcBef>
+              <a:spcAft>
+                <a:spcPts val="0"/>
+              </a:spcAft>
+              <a:buSzPts val="1100"/>
+              <a:buNone/>
+            </a:pPr>
+            <a:r>
+              <a:rPr lang="en-US" dirty="0"/>
+              <a:t>- We cannot state Illinois exploration in </a:t>
+            </a:r>
+            <a:r>
+              <a:rPr lang="en-US" dirty="0" err="1"/>
+              <a:t>eda</a:t>
+            </a:r>
+            <a:r>
+              <a:rPr lang="en-US" dirty="0"/>
+              <a:t>, we can call it in data preparation after we have declared that we will be focusing on </a:t>
+            </a:r>
+            <a:r>
+              <a:rPr lang="en-US" dirty="0" err="1"/>
+              <a:t>illinois</a:t>
+            </a:r>
+            <a:endParaRPr lang="en-US" dirty="0"/>
+          </a:p>
+        </p:txBody>
+      </p:sp>
+    </p:spTree>
+  </p:cSld>
+  <p:clrMapOvr>
+    <a:masterClrMapping/>
+  </p:clrMapOvr>
+</p:notes>
+</file>
+
+<file path=ppt/notesSlides/notesSlide12.xml><?xml version="1.0" encoding="utf-8"?>
+<p:notes xmlns:a="http://schemas.openxmlformats.org/drawingml/2006/main" xmlns:r="http://schemas.openxmlformats.org/officeDocument/2006/relationships" xmlns:p="http://schemas.openxmlformats.org/presentationml/2006/main">
+  <p:cSld>
+    <p:spTree>
+      <p:nvGrpSpPr>
+        <p:cNvPr id="1" name=""/>
+        <p:cNvGrpSpPr/>
+        <p:nvPr/>
+      </p:nvGrpSpPr>
+      <p:grpSpPr>
+        <a:xfrm>
+          <a:off x="0" y="0"/>
+          <a:ext cx="0" cy="0"/>
+          <a:chOff x="0" y="0"/>
+          <a:chExt cx="0" cy="0"/>
+        </a:xfrm>
+      </p:grpSpPr>
+      <p:sp>
+        <p:nvSpPr>
+          <p:cNvPr id="2" name="Slide Image Placeholder 1"/>
+          <p:cNvSpPr>
+            <a:spLocks noGrp="1" noRot="1" noChangeAspect="1"/>
+          </p:cNvSpPr>
+          <p:nvPr>
+            <p:ph type="sldImg"/>
+          </p:nvPr>
+        </p:nvSpPr>
+        <p:spPr/>
+      </p:sp>
+      <p:sp>
+        <p:nvSpPr>
+          <p:cNvPr id="3" name="Notes Placeholder 2"/>
+          <p:cNvSpPr>
+            <a:spLocks noGrp="1"/>
+          </p:cNvSpPr>
+          <p:nvPr>
+            <p:ph type="body" idx="1"/>
+          </p:nvPr>
+        </p:nvSpPr>
+        <p:spPr/>
+        <p:txBody>
+          <a:bodyPr/>
+          <a:lstStyle/>
+          <a:p>
+            <a:endParaRPr lang="en-US" dirty="0"/>
+          </a:p>
+        </p:txBody>
+      </p:sp>
+    </p:spTree>
+    <p:extLst>
+      <p:ext uri="{BB962C8B-B14F-4D97-AF65-F5344CB8AC3E}">
+        <p14:creationId xmlns:p14="http://schemas.microsoft.com/office/powerpoint/2010/main" val="2865246883"/>
+      </p:ext>
+    </p:extLst>
+  </p:cSld>
+  <p:clrMapOvr>
+    <a:masterClrMapping/>
+  </p:clrMapOvr>
+</p:notes>
+</file>
+
+<file path=ppt/notesSlides/notesSlide13.xml><?xml version="1.0" encoding="utf-8"?>
+<p:notes xmlns:a="http://schemas.openxmlformats.org/drawingml/2006/main" xmlns:r="http://schemas.openxmlformats.org/officeDocument/2006/relationships" xmlns:p="http://schemas.openxmlformats.org/presentationml/2006/main" showMasterSp="0" showMasterPhAnim="0">
+  <p:cSld>
+    <p:spTree>
+      <p:nvGrpSpPr>
         <p:cNvPr id="1" name="Shape 109"/>
         <p:cNvGrpSpPr/>
         <p:nvPr/>
@@ -1142,7 +1472,7 @@
 </p:notes>
 </file>
 
-<file path=ppt/notesSlides/notesSlide11.xml><?xml version="1.0" encoding="utf-8"?>
+<file path=ppt/notesSlides/notesSlide14.xml><?xml version="1.0" encoding="utf-8"?>
 <p:notes xmlns:a="http://schemas.openxmlformats.org/drawingml/2006/main" xmlns:r="http://schemas.openxmlformats.org/officeDocument/2006/relationships" xmlns:p="http://schemas.openxmlformats.org/presentationml/2006/main" showMasterSp="0" showMasterPhAnim="0">
   <p:cSld>
     <p:spTree>
@@ -1264,7 +1594,7 @@
 </p:notes>
 </file>
 
-<file path=ppt/notesSlides/notesSlide12.xml><?xml version="1.0" encoding="utf-8"?>
+<file path=ppt/notesSlides/notesSlide15.xml><?xml version="1.0" encoding="utf-8"?>
 <p:notes xmlns:a="http://schemas.openxmlformats.org/drawingml/2006/main" xmlns:r="http://schemas.openxmlformats.org/officeDocument/2006/relationships" xmlns:p="http://schemas.openxmlformats.org/presentationml/2006/main" showMasterSp="0" showMasterPhAnim="0">
   <p:cSld>
     <p:spTree>
@@ -1393,7 +1723,7 @@
 </p:notes>
 </file>
 
-<file path=ppt/notesSlides/notesSlide13.xml><?xml version="1.0" encoding="utf-8"?>
+<file path=ppt/notesSlides/notesSlide16.xml><?xml version="1.0" encoding="utf-8"?>
 <p:notes xmlns:a="http://schemas.openxmlformats.org/drawingml/2006/main" xmlns:r="http://schemas.openxmlformats.org/officeDocument/2006/relationships" xmlns:p="http://schemas.openxmlformats.org/presentationml/2006/main" showMasterSp="0" showMasterPhAnim="0">
   <p:cSld>
     <p:spTree>
@@ -1562,7 +1892,7 @@
 </p:notes>
 </file>
 
-<file path=ppt/notesSlides/notesSlide14.xml><?xml version="1.0" encoding="utf-8"?>
+<file path=ppt/notesSlides/notesSlide17.xml><?xml version="1.0" encoding="utf-8"?>
 <p:notes xmlns:a="http://schemas.openxmlformats.org/drawingml/2006/main" xmlns:r="http://schemas.openxmlformats.org/officeDocument/2006/relationships" xmlns:p="http://schemas.openxmlformats.org/presentationml/2006/main" showMasterSp="0" showMasterPhAnim="0">
   <p:cSld>
     <p:spTree>
@@ -1645,110 +1975,6 @@
           </a:bodyPr>
           <a:lstStyle/>
           <a:p>
-            <a:pPr marL="0" lvl="0" indent="0" algn="l" rtl="0">
-              <a:spcBef>
-                <a:spcPts val="0"/>
-              </a:spcBef>
-              <a:spcAft>
-                <a:spcPts val="0"/>
-              </a:spcAft>
-              <a:buNone/>
-            </a:pPr>
-            <a:endParaRPr/>
-          </a:p>
-        </p:txBody>
-      </p:sp>
-    </p:spTree>
-  </p:cSld>
-  <p:clrMapOvr>
-    <a:masterClrMapping/>
-  </p:clrMapOvr>
-</p:notes>
-</file>
-
-<file path=ppt/notesSlides/notesSlide15.xml><?xml version="1.0" encoding="utf-8"?>
-<p:notes xmlns:a="http://schemas.openxmlformats.org/drawingml/2006/main" xmlns:r="http://schemas.openxmlformats.org/officeDocument/2006/relationships" xmlns:p="http://schemas.openxmlformats.org/presentationml/2006/main" showMasterSp="0" showMasterPhAnim="0">
-  <p:cSld>
-    <p:spTree>
-      <p:nvGrpSpPr>
-        <p:cNvPr id="1" name="Shape 157"/>
-        <p:cNvGrpSpPr/>
-        <p:nvPr/>
-      </p:nvGrpSpPr>
-      <p:grpSpPr>
-        <a:xfrm>
-          <a:off x="0" y="0"/>
-          <a:ext cx="0" cy="0"/>
-          <a:chOff x="0" y="0"/>
-          <a:chExt cx="0" cy="0"/>
-        </a:xfrm>
-      </p:grpSpPr>
-      <p:sp>
-        <p:nvSpPr>
-          <p:cNvPr id="158" name="Google Shape;158;g83f00c33ef_0_17:notes"/>
-          <p:cNvSpPr>
-            <a:spLocks noGrp="1" noRot="1" noChangeAspect="1"/>
-          </p:cNvSpPr>
-          <p:nvPr>
-            <p:ph type="sldImg" idx="2"/>
-          </p:nvPr>
-        </p:nvSpPr>
-        <p:spPr>
-          <a:xfrm>
-            <a:off x="381000" y="685800"/>
-            <a:ext cx="6096000" cy="3429000"/>
-          </a:xfrm>
-          <a:custGeom>
-            <a:avLst/>
-            <a:gdLst/>
-            <a:ahLst/>
-            <a:cxnLst/>
-            <a:rect l="l" t="t" r="r" b="b"/>
-            <a:pathLst>
-              <a:path w="120000" h="120000" extrusionOk="0">
-                <a:moveTo>
-                  <a:pt x="0" y="0"/>
-                </a:moveTo>
-                <a:lnTo>
-                  <a:pt x="120000" y="0"/>
-                </a:lnTo>
-                <a:lnTo>
-                  <a:pt x="120000" y="120000"/>
-                </a:lnTo>
-                <a:lnTo>
-                  <a:pt x="0" y="120000"/>
-                </a:lnTo>
-                <a:close/>
-              </a:path>
-            </a:pathLst>
-          </a:custGeom>
-        </p:spPr>
-      </p:sp>
-      <p:sp>
-        <p:nvSpPr>
-          <p:cNvPr id="159" name="Google Shape;159;g83f00c33ef_0_17:notes"/>
-          <p:cNvSpPr txBox="1">
-            <a:spLocks noGrp="1"/>
-          </p:cNvSpPr>
-          <p:nvPr>
-            <p:ph type="body" idx="1"/>
-          </p:nvPr>
-        </p:nvSpPr>
-        <p:spPr>
-          <a:xfrm>
-            <a:off x="685800" y="4343400"/>
-            <a:ext cx="5486400" cy="4114800"/>
-          </a:xfrm>
-          <a:prstGeom prst="rect">
-            <a:avLst/>
-          </a:prstGeom>
-        </p:spPr>
-        <p:txBody>
-          <a:bodyPr spcFirstLastPara="1" wrap="square" lIns="91425" tIns="91425" rIns="91425" bIns="91425" anchor="t" anchorCtr="0">
-            <a:noAutofit/>
-          </a:bodyPr>
-          <a:lstStyle/>
-          <a:p>
             <a:pPr marL="228600" lvl="0" indent="-228600" algn="l" rtl="0">
               <a:spcBef>
                 <a:spcPts val="0"/>
@@ -1899,219 +2125,6 @@
         <p14:creationId xmlns:p14="http://schemas.microsoft.com/office/powerpoint/2010/main" val="4109790018"/>
       </p:ext>
     </p:extLst>
-  </p:cSld>
-  <p:clrMapOvr>
-    <a:masterClrMapping/>
-  </p:clrMapOvr>
-</p:notes>
-</file>
-
-<file path=ppt/notesSlides/notesSlide16.xml><?xml version="1.0" encoding="utf-8"?>
-<p:notes xmlns:a="http://schemas.openxmlformats.org/drawingml/2006/main" xmlns:r="http://schemas.openxmlformats.org/officeDocument/2006/relationships" xmlns:p="http://schemas.openxmlformats.org/presentationml/2006/main" showMasterSp="0" showMasterPhAnim="0">
-  <p:cSld>
-    <p:spTree>
-      <p:nvGrpSpPr>
-        <p:cNvPr id="1" name="Shape 157"/>
-        <p:cNvGrpSpPr/>
-        <p:nvPr/>
-      </p:nvGrpSpPr>
-      <p:grpSpPr>
-        <a:xfrm>
-          <a:off x="0" y="0"/>
-          <a:ext cx="0" cy="0"/>
-          <a:chOff x="0" y="0"/>
-          <a:chExt cx="0" cy="0"/>
-        </a:xfrm>
-      </p:grpSpPr>
-      <p:sp>
-        <p:nvSpPr>
-          <p:cNvPr id="158" name="Google Shape;158;g83f00c33ef_0_17:notes"/>
-          <p:cNvSpPr>
-            <a:spLocks noGrp="1" noRot="1" noChangeAspect="1"/>
-          </p:cNvSpPr>
-          <p:nvPr>
-            <p:ph type="sldImg" idx="2"/>
-          </p:nvPr>
-        </p:nvSpPr>
-        <p:spPr>
-          <a:xfrm>
-            <a:off x="381000" y="685800"/>
-            <a:ext cx="6096000" cy="3429000"/>
-          </a:xfrm>
-          <a:custGeom>
-            <a:avLst/>
-            <a:gdLst/>
-            <a:ahLst/>
-            <a:cxnLst/>
-            <a:rect l="l" t="t" r="r" b="b"/>
-            <a:pathLst>
-              <a:path w="120000" h="120000" extrusionOk="0">
-                <a:moveTo>
-                  <a:pt x="0" y="0"/>
-                </a:moveTo>
-                <a:lnTo>
-                  <a:pt x="120000" y="0"/>
-                </a:lnTo>
-                <a:lnTo>
-                  <a:pt x="120000" y="120000"/>
-                </a:lnTo>
-                <a:lnTo>
-                  <a:pt x="0" y="120000"/>
-                </a:lnTo>
-                <a:close/>
-              </a:path>
-            </a:pathLst>
-          </a:custGeom>
-        </p:spPr>
-      </p:sp>
-      <p:sp>
-        <p:nvSpPr>
-          <p:cNvPr id="159" name="Google Shape;159;g83f00c33ef_0_17:notes"/>
-          <p:cNvSpPr txBox="1">
-            <a:spLocks noGrp="1"/>
-          </p:cNvSpPr>
-          <p:nvPr>
-            <p:ph type="body" idx="1"/>
-          </p:nvPr>
-        </p:nvSpPr>
-        <p:spPr>
-          <a:xfrm>
-            <a:off x="685800" y="4343400"/>
-            <a:ext cx="5486400" cy="4114800"/>
-          </a:xfrm>
-          <a:prstGeom prst="rect">
-            <a:avLst/>
-          </a:prstGeom>
-        </p:spPr>
-        <p:txBody>
-          <a:bodyPr spcFirstLastPara="1" wrap="square" lIns="91425" tIns="91425" rIns="91425" bIns="91425" anchor="t" anchorCtr="0">
-            <a:noAutofit/>
-          </a:bodyPr>
-          <a:lstStyle/>
-          <a:p>
-            <a:pPr marL="0" lvl="0" indent="0" algn="l" rtl="0">
-              <a:spcBef>
-                <a:spcPts val="0"/>
-              </a:spcBef>
-              <a:spcAft>
-                <a:spcPts val="0"/>
-              </a:spcAft>
-              <a:buNone/>
-            </a:pPr>
-            <a:endParaRPr dirty="0"/>
-          </a:p>
-        </p:txBody>
-      </p:sp>
-    </p:spTree>
-    <p:extLst>
-      <p:ext uri="{BB962C8B-B14F-4D97-AF65-F5344CB8AC3E}">
-        <p14:creationId xmlns:p14="http://schemas.microsoft.com/office/powerpoint/2010/main" val="2757258477"/>
-      </p:ext>
-    </p:extLst>
-  </p:cSld>
-  <p:clrMapOvr>
-    <a:masterClrMapping/>
-  </p:clrMapOvr>
-</p:notes>
-</file>
-
-<file path=ppt/notesSlides/notesSlide17.xml><?xml version="1.0" encoding="utf-8"?>
-<p:notes xmlns:a="http://schemas.openxmlformats.org/drawingml/2006/main" xmlns:r="http://schemas.openxmlformats.org/officeDocument/2006/relationships" xmlns:p="http://schemas.openxmlformats.org/presentationml/2006/main" showMasterSp="0" showMasterPhAnim="0">
-  <p:cSld>
-    <p:spTree>
-      <p:nvGrpSpPr>
-        <p:cNvPr id="1" name="Shape 151"/>
-        <p:cNvGrpSpPr/>
-        <p:nvPr/>
-      </p:nvGrpSpPr>
-      <p:grpSpPr>
-        <a:xfrm>
-          <a:off x="0" y="0"/>
-          <a:ext cx="0" cy="0"/>
-          <a:chOff x="0" y="0"/>
-          <a:chExt cx="0" cy="0"/>
-        </a:xfrm>
-      </p:grpSpPr>
-      <p:sp>
-        <p:nvSpPr>
-          <p:cNvPr id="152" name="Google Shape;152;g83f00c33ef_0_12:notes"/>
-          <p:cNvSpPr>
-            <a:spLocks noGrp="1" noRot="1" noChangeAspect="1"/>
-          </p:cNvSpPr>
-          <p:nvPr>
-            <p:ph type="sldImg" idx="2"/>
-          </p:nvPr>
-        </p:nvSpPr>
-        <p:spPr>
-          <a:xfrm>
-            <a:off x="381000" y="685800"/>
-            <a:ext cx="6096000" cy="3429000"/>
-          </a:xfrm>
-          <a:custGeom>
-            <a:avLst/>
-            <a:gdLst/>
-            <a:ahLst/>
-            <a:cxnLst/>
-            <a:rect l="l" t="t" r="r" b="b"/>
-            <a:pathLst>
-              <a:path w="120000" h="120000" extrusionOk="0">
-                <a:moveTo>
-                  <a:pt x="0" y="0"/>
-                </a:moveTo>
-                <a:lnTo>
-                  <a:pt x="120000" y="0"/>
-                </a:lnTo>
-                <a:lnTo>
-                  <a:pt x="120000" y="120000"/>
-                </a:lnTo>
-                <a:lnTo>
-                  <a:pt x="0" y="120000"/>
-                </a:lnTo>
-                <a:close/>
-              </a:path>
-            </a:pathLst>
-          </a:custGeom>
-        </p:spPr>
-      </p:sp>
-      <p:sp>
-        <p:nvSpPr>
-          <p:cNvPr id="153" name="Google Shape;153;g83f00c33ef_0_12:notes"/>
-          <p:cNvSpPr txBox="1">
-            <a:spLocks noGrp="1"/>
-          </p:cNvSpPr>
-          <p:nvPr>
-            <p:ph type="body" idx="1"/>
-          </p:nvPr>
-        </p:nvSpPr>
-        <p:spPr>
-          <a:xfrm>
-            <a:off x="685800" y="4343400"/>
-            <a:ext cx="5486400" cy="4114800"/>
-          </a:xfrm>
-          <a:prstGeom prst="rect">
-            <a:avLst/>
-          </a:prstGeom>
-        </p:spPr>
-        <p:txBody>
-          <a:bodyPr spcFirstLastPara="1" wrap="square" lIns="91425" tIns="91425" rIns="91425" bIns="91425" anchor="t" anchorCtr="0">
-            <a:noAutofit/>
-          </a:bodyPr>
-          <a:lstStyle/>
-          <a:p>
-            <a:pPr marL="0" lvl="0" indent="0" algn="l" rtl="0">
-              <a:spcBef>
-                <a:spcPts val="0"/>
-              </a:spcBef>
-              <a:spcAft>
-                <a:spcPts val="0"/>
-              </a:spcAft>
-              <a:buNone/>
-            </a:pPr>
-            <a:endParaRPr/>
-          </a:p>
-        </p:txBody>
-      </p:sp>
-    </p:spTree>
   </p:cSld>
   <p:clrMapOvr>
     <a:masterClrMapping/>
@@ -2211,11 +2224,16 @@
               </a:spcAft>
               <a:buNone/>
             </a:pPr>
-            <a:endParaRPr/>
+            <a:endParaRPr dirty="0"/>
           </a:p>
         </p:txBody>
       </p:sp>
     </p:spTree>
+    <p:extLst>
+      <p:ext uri="{BB962C8B-B14F-4D97-AF65-F5344CB8AC3E}">
+        <p14:creationId xmlns:p14="http://schemas.microsoft.com/office/powerpoint/2010/main" val="2757258477"/>
+      </p:ext>
+    </p:extLst>
   </p:cSld>
   <p:clrMapOvr>
     <a:masterClrMapping/>
@@ -2228,7 +2246,7 @@
   <p:cSld>
     <p:spTree>
       <p:nvGrpSpPr>
-        <p:cNvPr id="1" name="Shape 157"/>
+        <p:cNvPr id="1" name="Shape 151"/>
         <p:cNvGrpSpPr/>
         <p:nvPr/>
       </p:nvGrpSpPr>
@@ -2242,7 +2260,7 @@
       </p:grpSpPr>
       <p:sp>
         <p:nvSpPr>
-          <p:cNvPr id="158" name="Google Shape;158;g83f00c33ef_0_17:notes"/>
+          <p:cNvPr id="152" name="Google Shape;152;g83f00c33ef_0_12:notes"/>
           <p:cNvSpPr>
             <a:spLocks noGrp="1" noRot="1" noChangeAspect="1"/>
           </p:cNvSpPr>
@@ -2283,7 +2301,7 @@
       </p:sp>
       <p:sp>
         <p:nvSpPr>
-          <p:cNvPr id="159" name="Google Shape;159;g83f00c33ef_0_17:notes"/>
+          <p:cNvPr id="153" name="Google Shape;153;g83f00c33ef_0_12:notes"/>
           <p:cNvSpPr txBox="1">
             <a:spLocks noGrp="1"/>
           </p:cNvSpPr>
@@ -2436,6 +2454,318 @@
   <p:cSld>
     <p:spTree>
       <p:nvGrpSpPr>
+        <p:cNvPr id="1" name="Shape 157"/>
+        <p:cNvGrpSpPr/>
+        <p:nvPr/>
+      </p:nvGrpSpPr>
+      <p:grpSpPr>
+        <a:xfrm>
+          <a:off x="0" y="0"/>
+          <a:ext cx="0" cy="0"/>
+          <a:chOff x="0" y="0"/>
+          <a:chExt cx="0" cy="0"/>
+        </a:xfrm>
+      </p:grpSpPr>
+      <p:sp>
+        <p:nvSpPr>
+          <p:cNvPr id="158" name="Google Shape;158;g83f00c33ef_0_17:notes"/>
+          <p:cNvSpPr>
+            <a:spLocks noGrp="1" noRot="1" noChangeAspect="1"/>
+          </p:cNvSpPr>
+          <p:nvPr>
+            <p:ph type="sldImg" idx="2"/>
+          </p:nvPr>
+        </p:nvSpPr>
+        <p:spPr>
+          <a:xfrm>
+            <a:off x="381000" y="685800"/>
+            <a:ext cx="6096000" cy="3429000"/>
+          </a:xfrm>
+          <a:custGeom>
+            <a:avLst/>
+            <a:gdLst/>
+            <a:ahLst/>
+            <a:cxnLst/>
+            <a:rect l="l" t="t" r="r" b="b"/>
+            <a:pathLst>
+              <a:path w="120000" h="120000" extrusionOk="0">
+                <a:moveTo>
+                  <a:pt x="0" y="0"/>
+                </a:moveTo>
+                <a:lnTo>
+                  <a:pt x="120000" y="0"/>
+                </a:lnTo>
+                <a:lnTo>
+                  <a:pt x="120000" y="120000"/>
+                </a:lnTo>
+                <a:lnTo>
+                  <a:pt x="0" y="120000"/>
+                </a:lnTo>
+                <a:close/>
+              </a:path>
+            </a:pathLst>
+          </a:custGeom>
+        </p:spPr>
+      </p:sp>
+      <p:sp>
+        <p:nvSpPr>
+          <p:cNvPr id="159" name="Google Shape;159;g83f00c33ef_0_17:notes"/>
+          <p:cNvSpPr txBox="1">
+            <a:spLocks noGrp="1"/>
+          </p:cNvSpPr>
+          <p:nvPr>
+            <p:ph type="body" idx="1"/>
+          </p:nvPr>
+        </p:nvSpPr>
+        <p:spPr>
+          <a:xfrm>
+            <a:off x="685800" y="4343400"/>
+            <a:ext cx="5486400" cy="4114800"/>
+          </a:xfrm>
+          <a:prstGeom prst="rect">
+            <a:avLst/>
+          </a:prstGeom>
+        </p:spPr>
+        <p:txBody>
+          <a:bodyPr spcFirstLastPara="1" wrap="square" lIns="91425" tIns="91425" rIns="91425" bIns="91425" anchor="t" anchorCtr="0">
+            <a:noAutofit/>
+          </a:bodyPr>
+          <a:lstStyle/>
+          <a:p>
+            <a:pPr marL="0" lvl="0" indent="0" algn="l" rtl="0">
+              <a:spcBef>
+                <a:spcPts val="0"/>
+              </a:spcBef>
+              <a:spcAft>
+                <a:spcPts val="0"/>
+              </a:spcAft>
+              <a:buNone/>
+            </a:pPr>
+            <a:endParaRPr/>
+          </a:p>
+        </p:txBody>
+      </p:sp>
+    </p:spTree>
+  </p:cSld>
+  <p:clrMapOvr>
+    <a:masterClrMapping/>
+  </p:clrMapOvr>
+</p:notes>
+</file>
+
+<file path=ppt/notesSlides/notesSlide21.xml><?xml version="1.0" encoding="utf-8"?>
+<p:notes xmlns:a="http://schemas.openxmlformats.org/drawingml/2006/main" xmlns:r="http://schemas.openxmlformats.org/officeDocument/2006/relationships" xmlns:p="http://schemas.openxmlformats.org/presentationml/2006/main" showMasterSp="0" showMasterPhAnim="0">
+  <p:cSld>
+    <p:spTree>
+      <p:nvGrpSpPr>
+        <p:cNvPr id="1" name="Shape 157"/>
+        <p:cNvGrpSpPr/>
+        <p:nvPr/>
+      </p:nvGrpSpPr>
+      <p:grpSpPr>
+        <a:xfrm>
+          <a:off x="0" y="0"/>
+          <a:ext cx="0" cy="0"/>
+          <a:chOff x="0" y="0"/>
+          <a:chExt cx="0" cy="0"/>
+        </a:xfrm>
+      </p:grpSpPr>
+      <p:sp>
+        <p:nvSpPr>
+          <p:cNvPr id="158" name="Google Shape;158;g83f00c33ef_0_17:notes"/>
+          <p:cNvSpPr>
+            <a:spLocks noGrp="1" noRot="1" noChangeAspect="1"/>
+          </p:cNvSpPr>
+          <p:nvPr>
+            <p:ph type="sldImg" idx="2"/>
+          </p:nvPr>
+        </p:nvSpPr>
+        <p:spPr>
+          <a:xfrm>
+            <a:off x="381000" y="685800"/>
+            <a:ext cx="6096000" cy="3429000"/>
+          </a:xfrm>
+          <a:custGeom>
+            <a:avLst/>
+            <a:gdLst/>
+            <a:ahLst/>
+            <a:cxnLst/>
+            <a:rect l="l" t="t" r="r" b="b"/>
+            <a:pathLst>
+              <a:path w="120000" h="120000" extrusionOk="0">
+                <a:moveTo>
+                  <a:pt x="0" y="0"/>
+                </a:moveTo>
+                <a:lnTo>
+                  <a:pt x="120000" y="0"/>
+                </a:lnTo>
+                <a:lnTo>
+                  <a:pt x="120000" y="120000"/>
+                </a:lnTo>
+                <a:lnTo>
+                  <a:pt x="0" y="120000"/>
+                </a:lnTo>
+                <a:close/>
+              </a:path>
+            </a:pathLst>
+          </a:custGeom>
+        </p:spPr>
+      </p:sp>
+      <p:sp>
+        <p:nvSpPr>
+          <p:cNvPr id="159" name="Google Shape;159;g83f00c33ef_0_17:notes"/>
+          <p:cNvSpPr txBox="1">
+            <a:spLocks noGrp="1"/>
+          </p:cNvSpPr>
+          <p:nvPr>
+            <p:ph type="body" idx="1"/>
+          </p:nvPr>
+        </p:nvSpPr>
+        <p:spPr>
+          <a:xfrm>
+            <a:off x="685800" y="4343400"/>
+            <a:ext cx="5486400" cy="4114800"/>
+          </a:xfrm>
+          <a:prstGeom prst="rect">
+            <a:avLst/>
+          </a:prstGeom>
+        </p:spPr>
+        <p:txBody>
+          <a:bodyPr spcFirstLastPara="1" wrap="square" lIns="91425" tIns="91425" rIns="91425" bIns="91425" anchor="t" anchorCtr="0">
+            <a:noAutofit/>
+          </a:bodyPr>
+          <a:lstStyle/>
+          <a:p>
+            <a:pPr marL="0" lvl="0" indent="0" algn="l" rtl="0">
+              <a:spcBef>
+                <a:spcPts val="0"/>
+              </a:spcBef>
+              <a:spcAft>
+                <a:spcPts val="0"/>
+              </a:spcAft>
+              <a:buNone/>
+            </a:pPr>
+            <a:endParaRPr/>
+          </a:p>
+        </p:txBody>
+      </p:sp>
+    </p:spTree>
+  </p:cSld>
+  <p:clrMapOvr>
+    <a:masterClrMapping/>
+  </p:clrMapOvr>
+</p:notes>
+</file>
+
+<file path=ppt/notesSlides/notesSlide22.xml><?xml version="1.0" encoding="utf-8"?>
+<p:notes xmlns:a="http://schemas.openxmlformats.org/drawingml/2006/main" xmlns:r="http://schemas.openxmlformats.org/officeDocument/2006/relationships" xmlns:p="http://schemas.openxmlformats.org/presentationml/2006/main" showMasterSp="0" showMasterPhAnim="0">
+  <p:cSld>
+    <p:spTree>
+      <p:nvGrpSpPr>
+        <p:cNvPr id="1" name="Shape 157"/>
+        <p:cNvGrpSpPr/>
+        <p:nvPr/>
+      </p:nvGrpSpPr>
+      <p:grpSpPr>
+        <a:xfrm>
+          <a:off x="0" y="0"/>
+          <a:ext cx="0" cy="0"/>
+          <a:chOff x="0" y="0"/>
+          <a:chExt cx="0" cy="0"/>
+        </a:xfrm>
+      </p:grpSpPr>
+      <p:sp>
+        <p:nvSpPr>
+          <p:cNvPr id="158" name="Google Shape;158;g83f00c33ef_0_17:notes"/>
+          <p:cNvSpPr>
+            <a:spLocks noGrp="1" noRot="1" noChangeAspect="1"/>
+          </p:cNvSpPr>
+          <p:nvPr>
+            <p:ph type="sldImg" idx="2"/>
+          </p:nvPr>
+        </p:nvSpPr>
+        <p:spPr>
+          <a:xfrm>
+            <a:off x="381000" y="685800"/>
+            <a:ext cx="6096000" cy="3429000"/>
+          </a:xfrm>
+          <a:custGeom>
+            <a:avLst/>
+            <a:gdLst/>
+            <a:ahLst/>
+            <a:cxnLst/>
+            <a:rect l="l" t="t" r="r" b="b"/>
+            <a:pathLst>
+              <a:path w="120000" h="120000" extrusionOk="0">
+                <a:moveTo>
+                  <a:pt x="0" y="0"/>
+                </a:moveTo>
+                <a:lnTo>
+                  <a:pt x="120000" y="0"/>
+                </a:lnTo>
+                <a:lnTo>
+                  <a:pt x="120000" y="120000"/>
+                </a:lnTo>
+                <a:lnTo>
+                  <a:pt x="0" y="120000"/>
+                </a:lnTo>
+                <a:close/>
+              </a:path>
+            </a:pathLst>
+          </a:custGeom>
+        </p:spPr>
+      </p:sp>
+      <p:sp>
+        <p:nvSpPr>
+          <p:cNvPr id="159" name="Google Shape;159;g83f00c33ef_0_17:notes"/>
+          <p:cNvSpPr txBox="1">
+            <a:spLocks noGrp="1"/>
+          </p:cNvSpPr>
+          <p:nvPr>
+            <p:ph type="body" idx="1"/>
+          </p:nvPr>
+        </p:nvSpPr>
+        <p:spPr>
+          <a:xfrm>
+            <a:off x="685800" y="4343400"/>
+            <a:ext cx="5486400" cy="4114800"/>
+          </a:xfrm>
+          <a:prstGeom prst="rect">
+            <a:avLst/>
+          </a:prstGeom>
+        </p:spPr>
+        <p:txBody>
+          <a:bodyPr spcFirstLastPara="1" wrap="square" lIns="91425" tIns="91425" rIns="91425" bIns="91425" anchor="t" anchorCtr="0">
+            <a:noAutofit/>
+          </a:bodyPr>
+          <a:lstStyle/>
+          <a:p>
+            <a:pPr marL="0" lvl="0" indent="0" algn="l" rtl="0">
+              <a:spcBef>
+                <a:spcPts val="0"/>
+              </a:spcBef>
+              <a:spcAft>
+                <a:spcPts val="0"/>
+              </a:spcAft>
+              <a:buNone/>
+            </a:pPr>
+            <a:endParaRPr/>
+          </a:p>
+        </p:txBody>
+      </p:sp>
+    </p:spTree>
+  </p:cSld>
+  <p:clrMapOvr>
+    <a:masterClrMapping/>
+  </p:clrMapOvr>
+</p:notes>
+</file>
+
+<file path=ppt/notesSlides/notesSlide23.xml><?xml version="1.0" encoding="utf-8"?>
+<p:notes xmlns:a="http://schemas.openxmlformats.org/drawingml/2006/main" xmlns:r="http://schemas.openxmlformats.org/officeDocument/2006/relationships" xmlns:p="http://schemas.openxmlformats.org/presentationml/2006/main" showMasterSp="0" showMasterPhAnim="0">
+  <p:cSld>
+    <p:spTree>
+      <p:nvGrpSpPr>
         <p:cNvPr id="1" name="Shape 163"/>
         <p:cNvGrpSpPr/>
         <p:nvPr/>
@@ -2535,7 +2865,7 @@
 </p:notes>
 </file>
 
-<file path=ppt/notesSlides/notesSlide21.xml><?xml version="1.0" encoding="utf-8"?>
+<file path=ppt/notesSlides/notesSlide24.xml><?xml version="1.0" encoding="utf-8"?>
 <p:notes xmlns:a="http://schemas.openxmlformats.org/drawingml/2006/main" xmlns:r="http://schemas.openxmlformats.org/officeDocument/2006/relationships" xmlns:p="http://schemas.openxmlformats.org/presentationml/2006/main" showMasterSp="0" showMasterPhAnim="0">
   <p:cSld>
     <p:spTree>
@@ -2639,7 +2969,7 @@
 </p:notes>
 </file>
 
-<file path=ppt/notesSlides/notesSlide22.xml><?xml version="1.0" encoding="utf-8"?>
+<file path=ppt/notesSlides/notesSlide25.xml><?xml version="1.0" encoding="utf-8"?>
 <p:notes xmlns:a="http://schemas.openxmlformats.org/drawingml/2006/main" xmlns:r="http://schemas.openxmlformats.org/officeDocument/2006/relationships" xmlns:p="http://schemas.openxmlformats.org/presentationml/2006/main" showMasterSp="0" showMasterPhAnim="0">
   <p:cSld>
     <p:spTree>
@@ -2743,7 +3073,7 @@
 </p:notes>
 </file>
 
-<file path=ppt/notesSlides/notesSlide23.xml><?xml version="1.0" encoding="utf-8"?>
+<file path=ppt/notesSlides/notesSlide26.xml><?xml version="1.0" encoding="utf-8"?>
 <p:notes xmlns:a="http://schemas.openxmlformats.org/drawingml/2006/main" xmlns:r="http://schemas.openxmlformats.org/officeDocument/2006/relationships" xmlns:p="http://schemas.openxmlformats.org/presentationml/2006/main" showMasterSp="0" showMasterPhAnim="0">
   <p:cSld>
     <p:spTree>
@@ -3222,7 +3552,7 @@
   <p:cSld>
     <p:spTree>
       <p:nvGrpSpPr>
-        <p:cNvPr id="1" name="Shape 103"/>
+        <p:cNvPr id="1" name="Shape 130"/>
         <p:cNvGrpSpPr/>
         <p:nvPr/>
       </p:nvGrpSpPr>
@@ -3236,7 +3566,7 @@
       </p:grpSpPr>
       <p:sp>
         <p:nvSpPr>
-          <p:cNvPr id="104" name="Google Shape;104;g83d7f3170d_0_0:notes"/>
+          <p:cNvPr id="131" name="Google Shape;131;g83ddf61570_0_20:notes"/>
           <p:cNvSpPr>
             <a:spLocks noGrp="1" noRot="1" noChangeAspect="1"/>
           </p:cNvSpPr>
@@ -3287,7 +3617,7 @@
       </p:sp>
       <p:sp>
         <p:nvSpPr>
-          <p:cNvPr id="105" name="Google Shape;105;g83d7f3170d_0_0:notes"/>
+          <p:cNvPr id="132" name="Google Shape;132;g83ddf61570_0_20:notes"/>
           <p:cNvSpPr txBox="1">
             <a:spLocks noGrp="1"/>
           </p:cNvSpPr>
@@ -3314,24 +3644,16 @@
           </a:bodyPr>
           <a:lstStyle/>
           <a:p>
-            <a:pPr marL="0" lvl="0" indent="0" algn="l" rtl="0">
-              <a:lnSpc>
-                <a:spcPct val="100000"/>
-              </a:lnSpc>
-              <a:spcBef>
-                <a:spcPts val="0"/>
-              </a:spcBef>
-              <a:spcAft>
-                <a:spcPts val="0"/>
-              </a:spcAft>
-              <a:buSzPts val="1100"/>
-              <a:buNone/>
-            </a:pPr>
             <a:endParaRPr dirty="0"/>
           </a:p>
         </p:txBody>
       </p:sp>
     </p:spTree>
+    <p:extLst>
+      <p:ext uri="{BB962C8B-B14F-4D97-AF65-F5344CB8AC3E}">
+        <p14:creationId xmlns:p14="http://schemas.microsoft.com/office/powerpoint/2010/main" val="1574211173"/>
+      </p:ext>
+    </p:extLst>
   </p:cSld>
   <p:clrMapOvr>
     <a:masterClrMapping/>
@@ -3340,6 +3662,140 @@
 </file>
 
 <file path=ppt/notesSlides/notesSlide7.xml><?xml version="1.0" encoding="utf-8"?>
+<p:notes xmlns:a="http://schemas.openxmlformats.org/drawingml/2006/main" xmlns:r="http://schemas.openxmlformats.org/officeDocument/2006/relationships" xmlns:p="http://schemas.openxmlformats.org/presentationml/2006/main" showMasterSp="0" showMasterPhAnim="0">
+  <p:cSld>
+    <p:spTree>
+      <p:nvGrpSpPr>
+        <p:cNvPr id="1" name="Shape 130"/>
+        <p:cNvGrpSpPr/>
+        <p:nvPr/>
+      </p:nvGrpSpPr>
+      <p:grpSpPr>
+        <a:xfrm>
+          <a:off x="0" y="0"/>
+          <a:ext cx="0" cy="0"/>
+          <a:chOff x="0" y="0"/>
+          <a:chExt cx="0" cy="0"/>
+        </a:xfrm>
+      </p:grpSpPr>
+      <p:sp>
+        <p:nvSpPr>
+          <p:cNvPr id="131" name="Google Shape;131;g83ddf61570_0_20:notes"/>
+          <p:cNvSpPr>
+            <a:spLocks noGrp="1" noRot="1" noChangeAspect="1"/>
+          </p:cNvSpPr>
+          <p:nvPr>
+            <p:ph type="sldImg" idx="2"/>
+          </p:nvPr>
+        </p:nvSpPr>
+        <p:spPr>
+          <a:xfrm>
+            <a:off x="381000" y="685800"/>
+            <a:ext cx="6096000" cy="3429000"/>
+          </a:xfrm>
+          <a:custGeom>
+            <a:avLst/>
+            <a:gdLst/>
+            <a:ahLst/>
+            <a:cxnLst/>
+            <a:rect l="l" t="t" r="r" b="b"/>
+            <a:pathLst>
+              <a:path w="120000" h="120000" extrusionOk="0">
+                <a:moveTo>
+                  <a:pt x="0" y="0"/>
+                </a:moveTo>
+                <a:lnTo>
+                  <a:pt x="120000" y="0"/>
+                </a:lnTo>
+                <a:lnTo>
+                  <a:pt x="120000" y="120000"/>
+                </a:lnTo>
+                <a:lnTo>
+                  <a:pt x="0" y="120000"/>
+                </a:lnTo>
+                <a:close/>
+              </a:path>
+            </a:pathLst>
+          </a:custGeom>
+          <a:noFill/>
+          <a:ln w="9525" cap="flat" cmpd="sng">
+            <a:solidFill>
+              <a:srgbClr val="000000"/>
+            </a:solidFill>
+            <a:prstDash val="solid"/>
+            <a:round/>
+            <a:headEnd type="none" w="sm" len="sm"/>
+            <a:tailEnd type="none" w="sm" len="sm"/>
+          </a:ln>
+        </p:spPr>
+      </p:sp>
+      <p:sp>
+        <p:nvSpPr>
+          <p:cNvPr id="132" name="Google Shape;132;g83ddf61570_0_20:notes"/>
+          <p:cNvSpPr txBox="1">
+            <a:spLocks noGrp="1"/>
+          </p:cNvSpPr>
+          <p:nvPr>
+            <p:ph type="body" idx="1"/>
+          </p:nvPr>
+        </p:nvSpPr>
+        <p:spPr>
+          <a:xfrm>
+            <a:off x="685800" y="4343400"/>
+            <a:ext cx="5486400" cy="4114800"/>
+          </a:xfrm>
+          <a:prstGeom prst="rect">
+            <a:avLst/>
+          </a:prstGeom>
+          <a:noFill/>
+          <a:ln>
+            <a:noFill/>
+          </a:ln>
+        </p:spPr>
+        <p:txBody>
+          <a:bodyPr spcFirstLastPara="1" wrap="square" lIns="91425" tIns="91425" rIns="91425" bIns="91425" anchor="t" anchorCtr="0">
+            <a:noAutofit/>
+          </a:bodyPr>
+          <a:lstStyle/>
+          <a:p>
+            <a:r>
+              <a:rPr lang="en-US" dirty="0"/>
+              <a:t>Mention that </a:t>
+            </a:r>
+            <a:r>
+              <a:rPr lang="en-US" sz="1100" b="1" i="0" u="none" strike="noStrike" cap="none" dirty="0">
+                <a:solidFill>
+                  <a:schemeClr val="dk1"/>
+                </a:solidFill>
+                <a:effectLst/>
+                <a:latin typeface="Arial"/>
+                <a:ea typeface="Arial"/>
+                <a:cs typeface="Arial"/>
+                <a:sym typeface="Arial"/>
+              </a:rPr>
+              <a:t>### There are 1301 categories. We shall check top 10 categories.</a:t>
+            </a:r>
+            <a:br>
+              <a:rPr lang="en-US" dirty="0"/>
+            </a:br>
+            <a:endParaRPr dirty="0"/>
+          </a:p>
+        </p:txBody>
+      </p:sp>
+    </p:spTree>
+    <p:extLst>
+      <p:ext uri="{BB962C8B-B14F-4D97-AF65-F5344CB8AC3E}">
+        <p14:creationId xmlns:p14="http://schemas.microsoft.com/office/powerpoint/2010/main" val="2018590556"/>
+      </p:ext>
+    </p:extLst>
+  </p:cSld>
+  <p:clrMapOvr>
+    <a:masterClrMapping/>
+  </p:clrMapOvr>
+</p:notes>
+</file>
+
+<file path=ppt/notesSlides/notesSlide8.xml><?xml version="1.0" encoding="utf-8"?>
 <p:notes xmlns:a="http://schemas.openxmlformats.org/drawingml/2006/main" xmlns:r="http://schemas.openxmlformats.org/officeDocument/2006/relationships" xmlns:p="http://schemas.openxmlformats.org/presentationml/2006/main" showMasterSp="0" showMasterPhAnim="0">
   <p:cSld>
     <p:spTree>
@@ -3449,57 +3905,11 @@
               <a:buSzPts val="1100"/>
               <a:buNone/>
             </a:pPr>
-            <a:r>
-              <a:rPr lang="en-US" sz="1100" b="1" i="0" u="sng" strike="noStrike" cap="none" dirty="0">
-                <a:solidFill>
-                  <a:schemeClr val="dk1"/>
-                </a:solidFill>
-                <a:effectLst/>
-                <a:latin typeface="Arial"/>
-                <a:ea typeface="Arial"/>
-                <a:cs typeface="Arial"/>
-                <a:sym typeface="Arial"/>
-              </a:rPr>
-              <a:t>Review</a:t>
-            </a:r>
-          </a:p>
-          <a:p>
-            <a:pPr marL="0" lvl="0" indent="0" algn="l" rtl="0">
-              <a:lnSpc>
-                <a:spcPct val="100000"/>
-              </a:lnSpc>
-              <a:spcBef>
-                <a:spcPts val="0"/>
-              </a:spcBef>
-              <a:spcAft>
-                <a:spcPts val="0"/>
-              </a:spcAft>
-              <a:buSzPts val="1100"/>
-              <a:buNone/>
-            </a:pPr>
-            <a:r>
-              <a:rPr lang="en-US" sz="1100" b="0" i="0" u="none" strike="noStrike" cap="none" dirty="0">
-                <a:solidFill>
-                  <a:schemeClr val="dk1"/>
-                </a:solidFill>
-                <a:effectLst/>
-                <a:latin typeface="Arial"/>
-                <a:ea typeface="Arial"/>
-                <a:cs typeface="Arial"/>
-                <a:sym typeface="Arial"/>
-              </a:rPr>
-              <a:t> The reasoning for this transformation is that we want to focus more on ranking the user liked restaurants and disliked restaurants in the correct order, rather than predicting user ratings on each restaurant, which would result in high variance over time.</a:t>
-            </a:r>
             <a:endParaRPr dirty="0"/>
           </a:p>
         </p:txBody>
       </p:sp>
     </p:spTree>
-    <p:extLst>
-      <p:ext uri="{BB962C8B-B14F-4D97-AF65-F5344CB8AC3E}">
-        <p14:creationId xmlns:p14="http://schemas.microsoft.com/office/powerpoint/2010/main" val="2182279828"/>
-      </p:ext>
-    </p:extLst>
   </p:cSld>
   <p:clrMapOvr>
     <a:masterClrMapping/>
@@ -3507,12 +3917,12 @@
 </p:notes>
 </file>
 
-<file path=ppt/notesSlides/notesSlide8.xml><?xml version="1.0" encoding="utf-8"?>
+<file path=ppt/notesSlides/notesSlide9.xml><?xml version="1.0" encoding="utf-8"?>
 <p:notes xmlns:a="http://schemas.openxmlformats.org/drawingml/2006/main" xmlns:r="http://schemas.openxmlformats.org/officeDocument/2006/relationships" xmlns:p="http://schemas.openxmlformats.org/presentationml/2006/main" showMasterSp="0" showMasterPhAnim="0">
   <p:cSld>
     <p:spTree>
       <p:nvGrpSpPr>
-        <p:cNvPr id="1" name="Shape 130"/>
+        <p:cNvPr id="1" name="Shape 103"/>
         <p:cNvGrpSpPr/>
         <p:nvPr/>
       </p:nvGrpSpPr>
@@ -3526,7 +3936,7 @@
       </p:grpSpPr>
       <p:sp>
         <p:nvSpPr>
-          <p:cNvPr id="131" name="Google Shape;131;g83ddf61570_0_20:notes"/>
+          <p:cNvPr id="104" name="Google Shape;104;g83d7f3170d_0_0:notes"/>
           <p:cNvSpPr>
             <a:spLocks noGrp="1" noRot="1" noChangeAspect="1"/>
           </p:cNvSpPr>
@@ -3577,7 +3987,7 @@
       </p:sp>
       <p:sp>
         <p:nvSpPr>
-          <p:cNvPr id="132" name="Google Shape;132;g83ddf61570_0_20:notes"/>
+          <p:cNvPr id="105" name="Google Shape;105;g83d7f3170d_0_0:notes"/>
           <p:cNvSpPr txBox="1">
             <a:spLocks noGrp="1"/>
           </p:cNvSpPr>
@@ -3618,20 +4028,45 @@
               <a:buNone/>
             </a:pPr>
             <a:r>
-              <a:rPr lang="en-US" dirty="0"/>
-              <a:t>- We cannot state Illinois exploration in </a:t>
+              <a:rPr lang="en-US" sz="1100" b="1" i="0" u="sng" strike="noStrike" cap="none" dirty="0">
+                <a:solidFill>
+                  <a:schemeClr val="dk1"/>
+                </a:solidFill>
+                <a:effectLst/>
+                <a:latin typeface="Arial"/>
+                <a:ea typeface="Arial"/>
+                <a:cs typeface="Arial"/>
+                <a:sym typeface="Arial"/>
+              </a:rPr>
+              <a:t>Review</a:t>
             </a:r>
+          </a:p>
+          <a:p>
+            <a:pPr marL="0" lvl="0" indent="0" algn="l" rtl="0">
+              <a:lnSpc>
+                <a:spcPct val="100000"/>
+              </a:lnSpc>
+              <a:spcBef>
+                <a:spcPts val="0"/>
+              </a:spcBef>
+              <a:spcAft>
+                <a:spcPts val="0"/>
+              </a:spcAft>
+              <a:buSzPts val="1100"/>
+              <a:buNone/>
+            </a:pPr>
             <a:r>
-              <a:rPr lang="en-US" dirty="0" err="1"/>
-              <a:t>eda</a:t>
-            </a:r>
-            <a:r>
-              <a:rPr lang="en-US" dirty="0"/>
-              <a:t>, we can call it in data preparation after we have declared that we will be focusing on </a:t>
-            </a:r>
-            <a:r>
-              <a:rPr lang="en-US" dirty="0" err="1"/>
-              <a:t>illinois</a:t>
+              <a:rPr lang="en-US" sz="1100" b="0" i="0" u="none" strike="noStrike" cap="none" dirty="0">
+                <a:solidFill>
+                  <a:schemeClr val="dk1"/>
+                </a:solidFill>
+                <a:effectLst/>
+                <a:latin typeface="Arial"/>
+                <a:ea typeface="Arial"/>
+                <a:cs typeface="Arial"/>
+                <a:sym typeface="Arial"/>
+              </a:rPr>
+              <a:t> The reasoning for this transformation is that we want to focus more on ranking the user liked restaurants and disliked restaurants in the correct order, rather than predicting user ratings on each restaurant, which would result in high variance over time.</a:t>
             </a:r>
             <a:endParaRPr dirty="0"/>
           </a:p>
@@ -3640,133 +4075,9 @@
     </p:spTree>
     <p:extLst>
       <p:ext uri="{BB962C8B-B14F-4D97-AF65-F5344CB8AC3E}">
-        <p14:creationId xmlns:p14="http://schemas.microsoft.com/office/powerpoint/2010/main" val="2844477347"/>
+        <p14:creationId xmlns:p14="http://schemas.microsoft.com/office/powerpoint/2010/main" val="2182279828"/>
       </p:ext>
     </p:extLst>
-  </p:cSld>
-  <p:clrMapOvr>
-    <a:masterClrMapping/>
-  </p:clrMapOvr>
-</p:notes>
-</file>
-
-<file path=ppt/notesSlides/notesSlide9.xml><?xml version="1.0" encoding="utf-8"?>
-<p:notes xmlns:a="http://schemas.openxmlformats.org/drawingml/2006/main" xmlns:r="http://schemas.openxmlformats.org/officeDocument/2006/relationships" xmlns:p="http://schemas.openxmlformats.org/presentationml/2006/main" showMasterSp="0" showMasterPhAnim="0">
-  <p:cSld>
-    <p:spTree>
-      <p:nvGrpSpPr>
-        <p:cNvPr id="1" name="Shape 137"/>
-        <p:cNvGrpSpPr/>
-        <p:nvPr/>
-      </p:nvGrpSpPr>
-      <p:grpSpPr>
-        <a:xfrm>
-          <a:off x="0" y="0"/>
-          <a:ext cx="0" cy="0"/>
-          <a:chOff x="0" y="0"/>
-          <a:chExt cx="0" cy="0"/>
-        </a:xfrm>
-      </p:grpSpPr>
-      <p:sp>
-        <p:nvSpPr>
-          <p:cNvPr id="138" name="Google Shape;138;g83f00c33ef_0_0:notes"/>
-          <p:cNvSpPr>
-            <a:spLocks noGrp="1" noRot="1" noChangeAspect="1"/>
-          </p:cNvSpPr>
-          <p:nvPr>
-            <p:ph type="sldImg" idx="2"/>
-          </p:nvPr>
-        </p:nvSpPr>
-        <p:spPr>
-          <a:xfrm>
-            <a:off x="381000" y="685800"/>
-            <a:ext cx="6096000" cy="3429000"/>
-          </a:xfrm>
-          <a:custGeom>
-            <a:avLst/>
-            <a:gdLst/>
-            <a:ahLst/>
-            <a:cxnLst/>
-            <a:rect l="l" t="t" r="r" b="b"/>
-            <a:pathLst>
-              <a:path w="120000" h="120000" extrusionOk="0">
-                <a:moveTo>
-                  <a:pt x="0" y="0"/>
-                </a:moveTo>
-                <a:lnTo>
-                  <a:pt x="120000" y="0"/>
-                </a:lnTo>
-                <a:lnTo>
-                  <a:pt x="120000" y="120000"/>
-                </a:lnTo>
-                <a:lnTo>
-                  <a:pt x="0" y="120000"/>
-                </a:lnTo>
-                <a:close/>
-              </a:path>
-            </a:pathLst>
-          </a:custGeom>
-        </p:spPr>
-      </p:sp>
-      <p:sp>
-        <p:nvSpPr>
-          <p:cNvPr id="139" name="Google Shape;139;g83f00c33ef_0_0:notes"/>
-          <p:cNvSpPr txBox="1">
-            <a:spLocks noGrp="1"/>
-          </p:cNvSpPr>
-          <p:nvPr>
-            <p:ph type="body" idx="1"/>
-          </p:nvPr>
-        </p:nvSpPr>
-        <p:spPr>
-          <a:xfrm>
-            <a:off x="685800" y="4343400"/>
-            <a:ext cx="5486400" cy="4114800"/>
-          </a:xfrm>
-          <a:prstGeom prst="rect">
-            <a:avLst/>
-          </a:prstGeom>
-        </p:spPr>
-        <p:txBody>
-          <a:bodyPr spcFirstLastPara="1" wrap="square" lIns="91425" tIns="91425" rIns="91425" bIns="91425" anchor="t" anchorCtr="0">
-            <a:noAutofit/>
-          </a:bodyPr>
-          <a:lstStyle/>
-          <a:p>
-            <a:pPr marL="0" lvl="0" indent="0" algn="l" rtl="0">
-              <a:lnSpc>
-                <a:spcPct val="100000"/>
-              </a:lnSpc>
-              <a:spcBef>
-                <a:spcPts val="0"/>
-              </a:spcBef>
-              <a:spcAft>
-                <a:spcPts val="0"/>
-              </a:spcAft>
-              <a:buSzPts val="1100"/>
-              <a:buNone/>
-            </a:pPr>
-            <a:r>
-              <a:rPr lang="en-US" dirty="0"/>
-              <a:t>- We cannot state Illinois exploration in </a:t>
-            </a:r>
-            <a:r>
-              <a:rPr lang="en-US" dirty="0" err="1"/>
-              <a:t>eda</a:t>
-            </a:r>
-            <a:r>
-              <a:rPr lang="en-US" dirty="0"/>
-              <a:t>, we can call it in data preparation after we have declared that we will be focusing on </a:t>
-            </a:r>
-            <a:r>
-              <a:rPr lang="en-US" dirty="0" err="1"/>
-              <a:t>illinois</a:t>
-            </a:r>
-            <a:endParaRPr lang="en-US" dirty="0"/>
-          </a:p>
-        </p:txBody>
-      </p:sp>
-    </p:spTree>
   </p:cSld>
   <p:clrMapOvr>
     <a:masterClrMapping/>
@@ -11816,6 +12127,519 @@
   <p:cSld>
     <p:spTree>
       <p:nvGrpSpPr>
+        <p:cNvPr id="1" name="Shape 133"/>
+        <p:cNvGrpSpPr/>
+        <p:nvPr/>
+      </p:nvGrpSpPr>
+      <p:grpSpPr>
+        <a:xfrm>
+          <a:off x="0" y="0"/>
+          <a:ext cx="0" cy="0"/>
+          <a:chOff x="0" y="0"/>
+          <a:chExt cx="0" cy="0"/>
+        </a:xfrm>
+      </p:grpSpPr>
+      <p:sp>
+        <p:nvSpPr>
+          <p:cNvPr id="134" name="Google Shape;134;g83ddf61570_0_20"/>
+          <p:cNvSpPr txBox="1">
+            <a:spLocks noGrp="1"/>
+          </p:cNvSpPr>
+          <p:nvPr>
+            <p:ph type="title"/>
+          </p:nvPr>
+        </p:nvSpPr>
+        <p:spPr>
+          <a:xfrm>
+            <a:off x="0" y="0"/>
+            <a:ext cx="6279900" cy="678000"/>
+          </a:xfrm>
+          <a:prstGeom prst="rect">
+            <a:avLst/>
+          </a:prstGeom>
+          <a:noFill/>
+          <a:ln>
+            <a:noFill/>
+          </a:ln>
+        </p:spPr>
+        <p:txBody>
+          <a:bodyPr spcFirstLastPara="1" wrap="square" lIns="91425" tIns="91425" rIns="91425" bIns="91425" anchor="t" anchorCtr="0">
+            <a:noAutofit/>
+          </a:bodyPr>
+          <a:lstStyle/>
+          <a:p>
+            <a:pPr marL="0" lvl="0" indent="0" algn="l" rtl="0">
+              <a:lnSpc>
+                <a:spcPct val="100000"/>
+              </a:lnSpc>
+              <a:spcBef>
+                <a:spcPts val="0"/>
+              </a:spcBef>
+              <a:spcAft>
+                <a:spcPts val="0"/>
+              </a:spcAft>
+              <a:buSzPts val="3000"/>
+              <a:buNone/>
+            </a:pPr>
+            <a:r>
+              <a:rPr lang="en-US" dirty="0">
+                <a:solidFill>
+                  <a:srgbClr val="000000"/>
+                </a:solidFill>
+                <a:highlight>
+                  <a:srgbClr val="FF0000"/>
+                </a:highlight>
+              </a:rPr>
+              <a:t>Exploratory Data Analysis</a:t>
+            </a:r>
+            <a:endParaRPr dirty="0">
+              <a:solidFill>
+                <a:srgbClr val="000000"/>
+              </a:solidFill>
+              <a:highlight>
+                <a:srgbClr val="FF0000"/>
+              </a:highlight>
+            </a:endParaRPr>
+          </a:p>
+        </p:txBody>
+      </p:sp>
+      <p:sp>
+        <p:nvSpPr>
+          <p:cNvPr id="135" name="Google Shape;135;g83ddf61570_0_20"/>
+          <p:cNvSpPr txBox="1">
+            <a:spLocks noGrp="1"/>
+          </p:cNvSpPr>
+          <p:nvPr>
+            <p:ph type="body" idx="1"/>
+          </p:nvPr>
+        </p:nvSpPr>
+        <p:spPr>
+          <a:xfrm>
+            <a:off x="156322" y="785393"/>
+            <a:ext cx="7072500" cy="532200"/>
+          </a:xfrm>
+          <a:prstGeom prst="rect">
+            <a:avLst/>
+          </a:prstGeom>
+          <a:noFill/>
+          <a:ln>
+            <a:noFill/>
+          </a:ln>
+        </p:spPr>
+        <p:txBody>
+          <a:bodyPr spcFirstLastPara="1" wrap="square" lIns="91425" tIns="91425" rIns="91425" bIns="91425" anchor="t" anchorCtr="0">
+            <a:noAutofit/>
+          </a:bodyPr>
+          <a:lstStyle/>
+          <a:p>
+            <a:pPr marL="0" lvl="0" indent="0" algn="l" rtl="0">
+              <a:lnSpc>
+                <a:spcPct val="115000"/>
+              </a:lnSpc>
+              <a:spcBef>
+                <a:spcPts val="0"/>
+              </a:spcBef>
+              <a:spcAft>
+                <a:spcPts val="0"/>
+              </a:spcAft>
+              <a:buSzPts val="1800"/>
+              <a:buNone/>
+            </a:pPr>
+            <a:r>
+              <a:rPr lang="en-US" dirty="0">
+                <a:solidFill>
+                  <a:srgbClr val="000000"/>
+                </a:solidFill>
+              </a:rPr>
+              <a:t>Business:                       </a:t>
+            </a:r>
+            <a:r>
+              <a:rPr lang="en-US" sz="1350" b="1" dirty="0">
+                <a:solidFill>
+                  <a:srgbClr val="000000"/>
+                </a:solidFill>
+                <a:highlight>
+                  <a:srgbClr val="FFFFFF"/>
+                </a:highlight>
+                <a:latin typeface="Arial"/>
+                <a:ea typeface="Arial"/>
+                <a:cs typeface="Arial"/>
+                <a:sym typeface="Arial"/>
+              </a:rPr>
+              <a:t>Distribution of restaurant business in Illinois</a:t>
+            </a:r>
+            <a:endParaRPr sz="1350" b="1" dirty="0">
+              <a:solidFill>
+                <a:srgbClr val="000000"/>
+              </a:solidFill>
+              <a:highlight>
+                <a:srgbClr val="FFFFFF"/>
+              </a:highlight>
+              <a:latin typeface="Arial"/>
+              <a:ea typeface="Arial"/>
+              <a:cs typeface="Arial"/>
+              <a:sym typeface="Arial"/>
+            </a:endParaRPr>
+          </a:p>
+          <a:p>
+            <a:pPr marL="0" lvl="0" indent="0" algn="l" rtl="0">
+              <a:lnSpc>
+                <a:spcPct val="115000"/>
+              </a:lnSpc>
+              <a:spcBef>
+                <a:spcPts val="0"/>
+              </a:spcBef>
+              <a:spcAft>
+                <a:spcPts val="0"/>
+              </a:spcAft>
+              <a:buSzPts val="1800"/>
+              <a:buNone/>
+            </a:pPr>
+            <a:endParaRPr sz="1350" b="1" dirty="0">
+              <a:solidFill>
+                <a:srgbClr val="000000"/>
+              </a:solidFill>
+              <a:highlight>
+                <a:srgbClr val="FFFFFF"/>
+              </a:highlight>
+              <a:latin typeface="Arial"/>
+              <a:ea typeface="Arial"/>
+              <a:cs typeface="Arial"/>
+              <a:sym typeface="Arial"/>
+            </a:endParaRPr>
+          </a:p>
+          <a:p>
+            <a:pPr marL="0" lvl="0" indent="0" algn="l" rtl="0">
+              <a:lnSpc>
+                <a:spcPct val="100000"/>
+              </a:lnSpc>
+              <a:spcBef>
+                <a:spcPts val="1000"/>
+              </a:spcBef>
+              <a:spcAft>
+                <a:spcPts val="0"/>
+              </a:spcAft>
+              <a:buNone/>
+            </a:pPr>
+            <a:endParaRPr sz="1350" b="1" dirty="0">
+              <a:solidFill>
+                <a:srgbClr val="000000"/>
+              </a:solidFill>
+              <a:highlight>
+                <a:srgbClr val="FFFFFF"/>
+              </a:highlight>
+              <a:latin typeface="Arial"/>
+              <a:ea typeface="Arial"/>
+              <a:cs typeface="Arial"/>
+              <a:sym typeface="Arial"/>
+            </a:endParaRPr>
+          </a:p>
+          <a:p>
+            <a:pPr marL="0" lvl="0" indent="0" algn="l" rtl="0">
+              <a:lnSpc>
+                <a:spcPct val="115000"/>
+              </a:lnSpc>
+              <a:spcBef>
+                <a:spcPts val="1600"/>
+              </a:spcBef>
+              <a:spcAft>
+                <a:spcPts val="0"/>
+              </a:spcAft>
+              <a:buSzPts val="1800"/>
+              <a:buNone/>
+            </a:pPr>
+            <a:endParaRPr dirty="0">
+              <a:solidFill>
+                <a:srgbClr val="000000"/>
+              </a:solidFill>
+            </a:endParaRPr>
+          </a:p>
+          <a:p>
+            <a:pPr marL="0" lvl="0" indent="0" algn="l" rtl="0">
+              <a:lnSpc>
+                <a:spcPct val="115000"/>
+              </a:lnSpc>
+              <a:spcBef>
+                <a:spcPts val="1600"/>
+              </a:spcBef>
+              <a:spcAft>
+                <a:spcPts val="1600"/>
+              </a:spcAft>
+              <a:buSzPts val="1800"/>
+              <a:buNone/>
+            </a:pPr>
+            <a:endParaRPr dirty="0">
+              <a:solidFill>
+                <a:srgbClr val="000000"/>
+              </a:solidFill>
+            </a:endParaRPr>
+          </a:p>
+        </p:txBody>
+      </p:sp>
+      <p:pic>
+        <p:nvPicPr>
+          <p:cNvPr id="136" name="Google Shape;136;g83ddf61570_0_20"/>
+          <p:cNvPicPr preferRelativeResize="0"/>
+          <p:nvPr/>
+        </p:nvPicPr>
+        <p:blipFill>
+          <a:blip r:embed="rId3">
+            <a:alphaModFix/>
+          </a:blip>
+          <a:stretch>
+            <a:fillRect/>
+          </a:stretch>
+        </p:blipFill>
+        <p:spPr>
+          <a:xfrm>
+            <a:off x="587071" y="1136516"/>
+            <a:ext cx="7559401" cy="3118089"/>
+          </a:xfrm>
+          <a:prstGeom prst="rect">
+            <a:avLst/>
+          </a:prstGeom>
+          <a:noFill/>
+          <a:ln>
+            <a:noFill/>
+          </a:ln>
+        </p:spPr>
+      </p:pic>
+    </p:spTree>
+    <p:extLst>
+      <p:ext uri="{BB962C8B-B14F-4D97-AF65-F5344CB8AC3E}">
+        <p14:creationId xmlns:p14="http://schemas.microsoft.com/office/powerpoint/2010/main" val="117015801"/>
+      </p:ext>
+    </p:extLst>
+  </p:cSld>
+  <p:clrMapOvr>
+    <a:masterClrMapping/>
+  </p:clrMapOvr>
+</p:sld>
+</file>
+
+<file path=ppt/slides/slide11.xml><?xml version="1.0" encoding="utf-8"?>
+<p:sld xmlns:a="http://schemas.openxmlformats.org/drawingml/2006/main" xmlns:r="http://schemas.openxmlformats.org/officeDocument/2006/relationships" xmlns:p="http://schemas.openxmlformats.org/presentationml/2006/main">
+  <p:cSld>
+    <p:spTree>
+      <p:nvGrpSpPr>
+        <p:cNvPr id="1" name="Shape 140"/>
+        <p:cNvGrpSpPr/>
+        <p:nvPr/>
+      </p:nvGrpSpPr>
+      <p:grpSpPr>
+        <a:xfrm>
+          <a:off x="0" y="0"/>
+          <a:ext cx="0" cy="0"/>
+          <a:chOff x="0" y="0"/>
+          <a:chExt cx="0" cy="0"/>
+        </a:xfrm>
+      </p:grpSpPr>
+      <p:sp>
+        <p:nvSpPr>
+          <p:cNvPr id="141" name="Google Shape;141;g83f00c33ef_0_0"/>
+          <p:cNvSpPr txBox="1">
+            <a:spLocks noGrp="1"/>
+          </p:cNvSpPr>
+          <p:nvPr>
+            <p:ph type="title"/>
+          </p:nvPr>
+        </p:nvSpPr>
+        <p:spPr>
+          <a:xfrm>
+            <a:off x="0" y="0"/>
+            <a:ext cx="5047800" cy="655200"/>
+          </a:xfrm>
+          <a:prstGeom prst="rect">
+            <a:avLst/>
+          </a:prstGeom>
+        </p:spPr>
+        <p:txBody>
+          <a:bodyPr spcFirstLastPara="1" wrap="square" lIns="91425" tIns="91425" rIns="91425" bIns="91425" anchor="t" anchorCtr="0">
+            <a:noAutofit/>
+          </a:bodyPr>
+          <a:lstStyle/>
+          <a:p>
+            <a:pPr marL="0" lvl="0" indent="0" algn="l" rtl="0">
+              <a:spcBef>
+                <a:spcPts val="0"/>
+              </a:spcBef>
+              <a:spcAft>
+                <a:spcPts val="0"/>
+              </a:spcAft>
+              <a:buClr>
+                <a:srgbClr val="000000"/>
+              </a:buClr>
+              <a:buSzPts val="3000"/>
+              <a:buFont typeface="Arial"/>
+              <a:buNone/>
+            </a:pPr>
+            <a:r>
+              <a:rPr lang="en-US" dirty="0">
+                <a:solidFill>
+                  <a:srgbClr val="000000"/>
+                </a:solidFill>
+                <a:highlight>
+                  <a:srgbClr val="FF0000"/>
+                </a:highlight>
+              </a:rPr>
+              <a:t>Exploratory Data Analysis</a:t>
+            </a:r>
+            <a:endParaRPr dirty="0">
+              <a:highlight>
+                <a:srgbClr val="FF0000"/>
+              </a:highlight>
+            </a:endParaRPr>
+          </a:p>
+        </p:txBody>
+      </p:sp>
+      <p:sp>
+        <p:nvSpPr>
+          <p:cNvPr id="142" name="Google Shape;142;g83f00c33ef_0_0"/>
+          <p:cNvSpPr txBox="1">
+            <a:spLocks noGrp="1"/>
+          </p:cNvSpPr>
+          <p:nvPr>
+            <p:ph type="body" idx="1"/>
+          </p:nvPr>
+        </p:nvSpPr>
+        <p:spPr>
+          <a:xfrm>
+            <a:off x="311700" y="1152475"/>
+            <a:ext cx="8520600" cy="3416400"/>
+          </a:xfrm>
+          <a:prstGeom prst="rect">
+            <a:avLst/>
+          </a:prstGeom>
+        </p:spPr>
+        <p:txBody>
+          <a:bodyPr spcFirstLastPara="1" wrap="square" lIns="91425" tIns="91425" rIns="91425" bIns="91425" anchor="t" anchorCtr="0">
+            <a:noAutofit/>
+          </a:bodyPr>
+          <a:lstStyle/>
+          <a:p>
+            <a:pPr marL="0" lvl="0" indent="0" algn="l" rtl="0">
+              <a:spcBef>
+                <a:spcPts val="0"/>
+              </a:spcBef>
+              <a:spcAft>
+                <a:spcPts val="0"/>
+              </a:spcAft>
+              <a:buNone/>
+            </a:pPr>
+            <a:endParaRPr/>
+          </a:p>
+        </p:txBody>
+      </p:sp>
+      <p:pic>
+        <p:nvPicPr>
+          <p:cNvPr id="143" name="Google Shape;143;g83f00c33ef_0_0"/>
+          <p:cNvPicPr preferRelativeResize="0"/>
+          <p:nvPr/>
+        </p:nvPicPr>
+        <p:blipFill>
+          <a:blip r:embed="rId3">
+            <a:alphaModFix/>
+          </a:blip>
+          <a:stretch>
+            <a:fillRect/>
+          </a:stretch>
+        </p:blipFill>
+        <p:spPr>
+          <a:xfrm>
+            <a:off x="83127" y="1028500"/>
+            <a:ext cx="8974721" cy="4057378"/>
+          </a:xfrm>
+          <a:prstGeom prst="rect">
+            <a:avLst/>
+          </a:prstGeom>
+          <a:noFill/>
+          <a:ln>
+            <a:noFill/>
+          </a:ln>
+        </p:spPr>
+      </p:pic>
+      <p:sp>
+        <p:nvSpPr>
+          <p:cNvPr id="144" name="Google Shape;144;g83f00c33ef_0_0"/>
+          <p:cNvSpPr txBox="1"/>
+          <p:nvPr/>
+        </p:nvSpPr>
+        <p:spPr>
+          <a:xfrm>
+            <a:off x="0" y="696088"/>
+            <a:ext cx="4575900" cy="332400"/>
+          </a:xfrm>
+          <a:prstGeom prst="rect">
+            <a:avLst/>
+          </a:prstGeom>
+          <a:noFill/>
+          <a:ln>
+            <a:noFill/>
+          </a:ln>
+        </p:spPr>
+        <p:txBody>
+          <a:bodyPr spcFirstLastPara="1" wrap="square" lIns="91425" tIns="91425" rIns="91425" bIns="91425" anchor="t" anchorCtr="0">
+            <a:noAutofit/>
+          </a:bodyPr>
+          <a:lstStyle/>
+          <a:p>
+            <a:pPr marL="0" lvl="0" indent="0" algn="l" rtl="0">
+              <a:spcBef>
+                <a:spcPts val="0"/>
+              </a:spcBef>
+              <a:spcAft>
+                <a:spcPts val="0"/>
+              </a:spcAft>
+              <a:buNone/>
+            </a:pPr>
+            <a:r>
+              <a:rPr lang="en-US">
+                <a:latin typeface="Average"/>
+                <a:ea typeface="Average"/>
+                <a:cs typeface="Average"/>
+                <a:sym typeface="Average"/>
+              </a:rPr>
+              <a:t>TOP 10 MOST RATED RESTAURANTS IN ILLINOIS</a:t>
+            </a:r>
+            <a:endParaRPr>
+              <a:latin typeface="Average"/>
+              <a:ea typeface="Average"/>
+              <a:cs typeface="Average"/>
+              <a:sym typeface="Average"/>
+            </a:endParaRPr>
+          </a:p>
+          <a:p>
+            <a:pPr marL="0" lvl="0" indent="0" algn="l" rtl="0">
+              <a:spcBef>
+                <a:spcPts val="0"/>
+              </a:spcBef>
+              <a:spcAft>
+                <a:spcPts val="0"/>
+              </a:spcAft>
+              <a:buNone/>
+            </a:pPr>
+            <a:endParaRPr>
+              <a:latin typeface="Average"/>
+              <a:ea typeface="Average"/>
+              <a:cs typeface="Average"/>
+              <a:sym typeface="Average"/>
+            </a:endParaRPr>
+          </a:p>
+        </p:txBody>
+      </p:sp>
+    </p:spTree>
+  </p:cSld>
+  <p:clrMapOvr>
+    <a:masterClrMapping/>
+  </p:clrMapOvr>
+</p:sld>
+</file>
+
+<file path=ppt/slides/slide12.xml><?xml version="1.0" encoding="utf-8"?>
+<p:sld xmlns:a="http://schemas.openxmlformats.org/drawingml/2006/main" xmlns:r="http://schemas.openxmlformats.org/officeDocument/2006/relationships" xmlns:p="http://schemas.openxmlformats.org/presentationml/2006/main">
+  <p:cSld>
+    <p:spTree>
+      <p:nvGrpSpPr>
         <p:cNvPr id="1" name=""/>
         <p:cNvGrpSpPr/>
         <p:nvPr/>
@@ -11868,7 +12692,7 @@
           <p:nvPr/>
         </p:nvPicPr>
         <p:blipFill>
-          <a:blip r:embed="rId2">
+          <a:blip r:embed="rId3">
             <a:extLst>
               <a:ext uri="{28A0092B-C50C-407E-A947-70E740481C1C}">
                 <a14:useLocalDpi xmlns:a14="http://schemas.microsoft.com/office/drawing/2010/main" val="0"/>
@@ -12020,7 +12844,7 @@
 </p:sld>
 </file>
 
-<file path=ppt/slides/slide11.xml><?xml version="1.0" encoding="utf-8"?>
+<file path=ppt/slides/slide13.xml><?xml version="1.0" encoding="utf-8"?>
 <p:sld xmlns:a="http://schemas.openxmlformats.org/drawingml/2006/main" xmlns:r="http://schemas.openxmlformats.org/officeDocument/2006/relationships" xmlns:p="http://schemas.openxmlformats.org/presentationml/2006/main">
   <p:cSld>
     <p:spTree>
@@ -12237,7 +13061,7 @@
 </p:sld>
 </file>
 
-<file path=ppt/slides/slide12.xml><?xml version="1.0" encoding="utf-8"?>
+<file path=ppt/slides/slide14.xml><?xml version="1.0" encoding="utf-8"?>
 <p:sld xmlns:a="http://schemas.openxmlformats.org/drawingml/2006/main" xmlns:r="http://schemas.openxmlformats.org/officeDocument/2006/relationships" xmlns:p="http://schemas.openxmlformats.org/presentationml/2006/main">
   <p:cSld>
     <p:spTree>
@@ -13198,7 +14022,7 @@
 </p:sld>
 </file>
 
-<file path=ppt/slides/slide13.xml><?xml version="1.0" encoding="utf-8"?>
+<file path=ppt/slides/slide15.xml><?xml version="1.0" encoding="utf-8"?>
 <p:sld xmlns:a="http://schemas.openxmlformats.org/drawingml/2006/main" xmlns:r="http://schemas.openxmlformats.org/officeDocument/2006/relationships" xmlns:p="http://schemas.openxmlformats.org/presentationml/2006/main">
   <p:cSld>
     <p:spTree>
@@ -13853,7 +14677,7 @@
 </p:sld>
 </file>
 
-<file path=ppt/slides/slide14.xml><?xml version="1.0" encoding="utf-8"?>
+<file path=ppt/slides/slide16.xml><?xml version="1.0" encoding="utf-8"?>
 <p:sld xmlns:a="http://schemas.openxmlformats.org/drawingml/2006/main" xmlns:r="http://schemas.openxmlformats.org/officeDocument/2006/relationships" xmlns:p="http://schemas.openxmlformats.org/presentationml/2006/main">
   <p:cSld>
     <p:spTree>
@@ -14461,155 +15285,7 @@
 </p:sld>
 </file>
 
-<file path=ppt/slides/slide15.xml><?xml version="1.0" encoding="utf-8"?>
-<p:sld xmlns:a="http://schemas.openxmlformats.org/drawingml/2006/main" xmlns:r="http://schemas.openxmlformats.org/officeDocument/2006/relationships" xmlns:p="http://schemas.openxmlformats.org/presentationml/2006/main">
-  <p:cSld>
-    <p:spTree>
-      <p:nvGrpSpPr>
-        <p:cNvPr id="1" name="Shape 160"/>
-        <p:cNvGrpSpPr/>
-        <p:nvPr/>
-      </p:nvGrpSpPr>
-      <p:grpSpPr>
-        <a:xfrm>
-          <a:off x="0" y="0"/>
-          <a:ext cx="0" cy="0"/>
-          <a:chOff x="0" y="0"/>
-          <a:chExt cx="0" cy="0"/>
-        </a:xfrm>
-      </p:grpSpPr>
-      <p:sp>
-        <p:nvSpPr>
-          <p:cNvPr id="161" name="Google Shape;161;g83f00c33ef_0_17"/>
-          <p:cNvSpPr txBox="1">
-            <a:spLocks noGrp="1"/>
-          </p:cNvSpPr>
-          <p:nvPr>
-            <p:ph type="title"/>
-          </p:nvPr>
-        </p:nvSpPr>
-        <p:spPr>
-          <a:xfrm>
-            <a:off x="0" y="2"/>
-            <a:ext cx="2927700" cy="684300"/>
-          </a:xfrm>
-          <a:prstGeom prst="rect">
-            <a:avLst/>
-          </a:prstGeom>
-        </p:spPr>
-        <p:txBody>
-          <a:bodyPr spcFirstLastPara="1" wrap="square" lIns="91425" tIns="91425" rIns="91425" bIns="91425" anchor="t" anchorCtr="0">
-            <a:noAutofit/>
-          </a:bodyPr>
-          <a:lstStyle/>
-          <a:p>
-            <a:pPr marL="0" lvl="0" indent="0" algn="l" rtl="0">
-              <a:spcBef>
-                <a:spcPts val="0"/>
-              </a:spcBef>
-              <a:spcAft>
-                <a:spcPts val="0"/>
-              </a:spcAft>
-              <a:buNone/>
-            </a:pPr>
-            <a:r>
-              <a:rPr lang="en-US" dirty="0">
-                <a:solidFill>
-                  <a:srgbClr val="000000"/>
-                </a:solidFill>
-              </a:rPr>
-              <a:t>Models</a:t>
-            </a:r>
-            <a:endParaRPr dirty="0">
-              <a:solidFill>
-                <a:srgbClr val="000000"/>
-              </a:solidFill>
-            </a:endParaRPr>
-          </a:p>
-          <a:p>
-            <a:pPr marL="0" lvl="0" indent="0" algn="l" rtl="0">
-              <a:spcBef>
-                <a:spcPts val="0"/>
-              </a:spcBef>
-              <a:spcAft>
-                <a:spcPts val="0"/>
-              </a:spcAft>
-              <a:buNone/>
-            </a:pPr>
-            <a:endParaRPr dirty="0"/>
-          </a:p>
-        </p:txBody>
-      </p:sp>
-      <p:sp>
-        <p:nvSpPr>
-          <p:cNvPr id="162" name="Google Shape;162;g83f00c33ef_0_17"/>
-          <p:cNvSpPr txBox="1">
-            <a:spLocks noGrp="1"/>
-          </p:cNvSpPr>
-          <p:nvPr>
-            <p:ph type="body" idx="1"/>
-          </p:nvPr>
-        </p:nvSpPr>
-        <p:spPr>
-          <a:xfrm>
-            <a:off x="80693" y="767465"/>
-            <a:ext cx="8520600" cy="3416400"/>
-          </a:xfrm>
-          <a:prstGeom prst="rect">
-            <a:avLst/>
-          </a:prstGeom>
-        </p:spPr>
-        <p:txBody>
-          <a:bodyPr spcFirstLastPara="1" wrap="square" lIns="91425" tIns="91425" rIns="91425" bIns="91425" anchor="t" anchorCtr="0">
-            <a:noAutofit/>
-          </a:bodyPr>
-          <a:lstStyle/>
-          <a:p>
-            <a:pPr marL="0" lvl="0" indent="0" algn="l" rtl="0">
-              <a:spcBef>
-                <a:spcPts val="0"/>
-              </a:spcBef>
-              <a:spcAft>
-                <a:spcPts val="0"/>
-              </a:spcAft>
-              <a:buNone/>
-            </a:pPr>
-            <a:r>
-              <a:rPr lang="en-US" b="1" dirty="0">
-                <a:solidFill>
-                  <a:schemeClr val="bg1"/>
-                </a:solidFill>
-              </a:rPr>
-              <a:t>Singular Value Decomposition:-</a:t>
-            </a:r>
-          </a:p>
-          <a:p>
-            <a:pPr marL="0" lvl="0" indent="0" algn="l" rtl="0">
-              <a:spcBef>
-                <a:spcPts val="0"/>
-              </a:spcBef>
-              <a:spcAft>
-                <a:spcPts val="0"/>
-              </a:spcAft>
-              <a:buNone/>
-            </a:pPr>
-            <a:endParaRPr b="1" dirty="0">
-              <a:solidFill>
-                <a:schemeClr val="bg1"/>
-              </a:solidFill>
-            </a:endParaRPr>
-          </a:p>
-        </p:txBody>
-      </p:sp>
-    </p:spTree>
-  </p:cSld>
-  <p:clrMapOvr>
-    <a:masterClrMapping/>
-  </p:clrMapOvr>
-</p:sld>
-</file>
-
-<file path=ppt/slides/slide16.xml><?xml version="1.0" encoding="utf-8"?>
+<file path=ppt/slides/slide17.xml><?xml version="1.0" encoding="utf-8"?>
 <p:sld xmlns:a="http://schemas.openxmlformats.org/drawingml/2006/main" xmlns:r="http://schemas.openxmlformats.org/officeDocument/2006/relationships" xmlns:p="http://schemas.openxmlformats.org/presentationml/2006/main">
   <p:cSld>
     <p:spTree>
@@ -15489,31 +16165,7 @@
                 <a:latin typeface="+mn-lt"/>
                 <a:sym typeface="Average"/>
               </a:rPr>
-              <a:t>Option to tune hyperparameters to change the accuracy/speed </a:t>
-            </a:r>
-            <a:r>
-              <a:rPr lang="en-IN" sz="1300" dirty="0" err="1">
-                <a:solidFill>
-                  <a:schemeClr val="bg1">
-                    <a:lumMod val="50000"/>
-                  </a:schemeClr>
-                </a:solidFill>
-                <a:latin typeface="+mn-lt"/>
-                <a:sym typeface="Average"/>
-              </a:rPr>
-              <a:t>tradeoff</a:t>
-            </a:r>
-            <a:r>
-              <a:rPr lang="en-IN" sz="1300" dirty="0">
-                <a:solidFill>
-                  <a:schemeClr val="bg1">
-                    <a:lumMod val="50000"/>
-                  </a:schemeClr>
-                </a:solidFill>
-                <a:latin typeface="+mn-lt"/>
-                <a:sym typeface="Average"/>
-              </a:rPr>
-              <a:t>.</a:t>
+              <a:t>Option to tune hyperparameters to change the accuracy/speed trade-off.</a:t>
             </a:r>
           </a:p>
           <a:p>
@@ -15631,7 +16283,7 @@
 </p:sld>
 </file>
 
-<file path=ppt/slides/slide17.xml><?xml version="1.0" encoding="utf-8"?>
+<file path=ppt/slides/slide18.xml><?xml version="1.0" encoding="utf-8"?>
 <p:sld xmlns:a="http://schemas.openxmlformats.org/drawingml/2006/main" xmlns:r="http://schemas.openxmlformats.org/officeDocument/2006/relationships" xmlns:p="http://schemas.openxmlformats.org/presentationml/2006/main">
   <p:cSld>
     <p:spTree>
@@ -16721,7 +17373,7 @@
 </p:sld>
 </file>
 
-<file path=ppt/slides/slide18.xml><?xml version="1.0" encoding="utf-8"?>
+<file path=ppt/slides/slide19.xml><?xml version="1.0" encoding="utf-8"?>
 <p:sld xmlns:a="http://schemas.openxmlformats.org/drawingml/2006/main" xmlns:r="http://schemas.openxmlformats.org/officeDocument/2006/relationships" xmlns:p="http://schemas.openxmlformats.org/presentationml/2006/main">
   <p:cSld>
     <p:spTree>
@@ -17186,206 +17838,6 @@
                   <a:lumMod val="50000"/>
                 </a:schemeClr>
               </a:solidFill>
-            </a:endParaRPr>
-          </a:p>
-        </p:txBody>
-      </p:sp>
-    </p:spTree>
-  </p:cSld>
-  <p:clrMapOvr>
-    <a:masterClrMapping/>
-  </p:clrMapOvr>
-</p:sld>
-</file>
-
-<file path=ppt/slides/slide19.xml><?xml version="1.0" encoding="utf-8"?>
-<p:sld xmlns:a="http://schemas.openxmlformats.org/drawingml/2006/main" xmlns:r="http://schemas.openxmlformats.org/officeDocument/2006/relationships" xmlns:p="http://schemas.openxmlformats.org/presentationml/2006/main">
-  <p:cSld>
-    <p:spTree>
-      <p:nvGrpSpPr>
-        <p:cNvPr id="1" name="Shape 160"/>
-        <p:cNvGrpSpPr/>
-        <p:nvPr/>
-      </p:nvGrpSpPr>
-      <p:grpSpPr>
-        <a:xfrm>
-          <a:off x="0" y="0"/>
-          <a:ext cx="0" cy="0"/>
-          <a:chOff x="0" y="0"/>
-          <a:chExt cx="0" cy="0"/>
-        </a:xfrm>
-      </p:grpSpPr>
-      <p:sp>
-        <p:nvSpPr>
-          <p:cNvPr id="161" name="Google Shape;161;g83f00c33ef_0_17"/>
-          <p:cNvSpPr txBox="1">
-            <a:spLocks noGrp="1"/>
-          </p:cNvSpPr>
-          <p:nvPr>
-            <p:ph type="title"/>
-          </p:nvPr>
-        </p:nvSpPr>
-        <p:spPr>
-          <a:xfrm>
-            <a:off x="0" y="2"/>
-            <a:ext cx="2927700" cy="684300"/>
-          </a:xfrm>
-          <a:prstGeom prst="rect">
-            <a:avLst/>
-          </a:prstGeom>
-        </p:spPr>
-        <p:txBody>
-          <a:bodyPr spcFirstLastPara="1" wrap="square" lIns="91425" tIns="91425" rIns="91425" bIns="91425" anchor="t" anchorCtr="0">
-            <a:noAutofit/>
-          </a:bodyPr>
-          <a:lstStyle/>
-          <a:p>
-            <a:pPr marL="0" lvl="0" indent="0" algn="l" rtl="0">
-              <a:spcBef>
-                <a:spcPts val="0"/>
-              </a:spcBef>
-              <a:spcAft>
-                <a:spcPts val="0"/>
-              </a:spcAft>
-              <a:buNone/>
-            </a:pPr>
-            <a:r>
-              <a:rPr lang="en-US" dirty="0">
-                <a:solidFill>
-                  <a:srgbClr val="000000"/>
-                </a:solidFill>
-              </a:rPr>
-              <a:t>Models</a:t>
-            </a:r>
-            <a:endParaRPr dirty="0">
-              <a:solidFill>
-                <a:srgbClr val="000000"/>
-              </a:solidFill>
-            </a:endParaRPr>
-          </a:p>
-          <a:p>
-            <a:pPr marL="0" lvl="0" indent="0" algn="l" rtl="0">
-              <a:spcBef>
-                <a:spcPts val="0"/>
-              </a:spcBef>
-              <a:spcAft>
-                <a:spcPts val="0"/>
-              </a:spcAft>
-              <a:buNone/>
-            </a:pPr>
-            <a:endParaRPr dirty="0"/>
-          </a:p>
-        </p:txBody>
-      </p:sp>
-      <p:sp>
-        <p:nvSpPr>
-          <p:cNvPr id="162" name="Google Shape;162;g83f00c33ef_0_17"/>
-          <p:cNvSpPr txBox="1">
-            <a:spLocks noGrp="1"/>
-          </p:cNvSpPr>
-          <p:nvPr>
-            <p:ph type="body" idx="1"/>
-          </p:nvPr>
-        </p:nvSpPr>
-        <p:spPr>
-          <a:xfrm>
-            <a:off x="311700" y="1152475"/>
-            <a:ext cx="8520600" cy="3416400"/>
-          </a:xfrm>
-          <a:prstGeom prst="rect">
-            <a:avLst/>
-          </a:prstGeom>
-        </p:spPr>
-        <p:txBody>
-          <a:bodyPr spcFirstLastPara="1" wrap="square" lIns="91425" tIns="91425" rIns="91425" bIns="91425" anchor="t" anchorCtr="0">
-            <a:noAutofit/>
-          </a:bodyPr>
-          <a:lstStyle/>
-          <a:p>
-            <a:pPr marL="0" lvl="0" indent="0" algn="l" rtl="0">
-              <a:spcBef>
-                <a:spcPts val="0"/>
-              </a:spcBef>
-              <a:spcAft>
-                <a:spcPts val="0"/>
-              </a:spcAft>
-              <a:buNone/>
-            </a:pPr>
-            <a:r>
-              <a:rPr lang="en-US" b="1" dirty="0">
-                <a:solidFill>
-                  <a:schemeClr val="bg1"/>
-                </a:solidFill>
-                <a:latin typeface="+mn-lt"/>
-              </a:rPr>
-              <a:t>But what if it is a new user?</a:t>
-            </a:r>
-          </a:p>
-          <a:p>
-            <a:pPr marL="285750" lvl="0" indent="-285750" algn="l" rtl="0">
-              <a:spcBef>
-                <a:spcPts val="0"/>
-              </a:spcBef>
-              <a:spcAft>
-                <a:spcPts val="0"/>
-              </a:spcAft>
-              <a:buClr>
-                <a:schemeClr val="accent6">
-                  <a:lumMod val="10000"/>
-                </a:schemeClr>
-              </a:buClr>
-              <a:buFont typeface="Wingdings" pitchFamily="2" charset="2"/>
-              <a:buChar char="§"/>
-            </a:pPr>
-            <a:r>
-              <a:rPr lang="en-US" dirty="0">
-                <a:solidFill>
-                  <a:schemeClr val="bg1"/>
-                </a:solidFill>
-                <a:latin typeface="+mn-lt"/>
-              </a:rPr>
-              <a:t>New users would make the deployed model face “cold start” problem in which the user-item interaction matrix which the model use doesn’t have any data for the new user</a:t>
-            </a:r>
-          </a:p>
-          <a:p>
-            <a:pPr marL="285750" lvl="0" indent="-285750" algn="l" rtl="0">
-              <a:spcBef>
-                <a:spcPts val="0"/>
-              </a:spcBef>
-              <a:spcAft>
-                <a:spcPts val="0"/>
-              </a:spcAft>
-              <a:buClr>
-                <a:schemeClr val="accent6">
-                  <a:lumMod val="10000"/>
-                </a:schemeClr>
-              </a:buClr>
-              <a:buFont typeface="Wingdings" pitchFamily="2" charset="2"/>
-              <a:buChar char="§"/>
-            </a:pPr>
-            <a:r>
-              <a:rPr lang="en-US" dirty="0">
-                <a:solidFill>
-                  <a:schemeClr val="bg1"/>
-                </a:solidFill>
-                <a:latin typeface="+mn-lt"/>
-              </a:rPr>
-              <a:t>In this case, we created a different matrix factorization model using the user and item features and then get the new user’s parsed through which checks for its similarity with existing user and then recommends </a:t>
-            </a:r>
-            <a:r>
-              <a:rPr lang="en-US">
-                <a:solidFill>
-                  <a:schemeClr val="bg1"/>
-                </a:solidFill>
-                <a:latin typeface="+mn-lt"/>
-              </a:rPr>
-              <a:t>restaurants.</a:t>
-            </a:r>
-            <a:endParaRPr lang="en-US" dirty="0">
-              <a:solidFill>
-                <a:schemeClr val="bg1"/>
-              </a:solidFill>
-              <a:latin typeface="+mn-lt"/>
             </a:endParaRPr>
           </a:p>
         </p:txBody>
@@ -17741,14 +18193,14 @@
               <a:buNone/>
             </a:pPr>
             <a:r>
-              <a:rPr lang="en-US">
+              <a:rPr lang="en-US" dirty="0">
                 <a:solidFill>
                   <a:srgbClr val="000000"/>
                 </a:solidFill>
               </a:rPr>
-              <a:t>Model</a:t>
+              <a:t>Models</a:t>
             </a:r>
-            <a:endParaRPr>
+            <a:endParaRPr dirty="0">
               <a:solidFill>
                 <a:srgbClr val="000000"/>
               </a:solidFill>
@@ -17764,7 +18216,155 @@
               </a:spcAft>
               <a:buNone/>
             </a:pPr>
-            <a:endParaRPr/>
+            <a:endParaRPr dirty="0"/>
+          </a:p>
+        </p:txBody>
+      </p:sp>
+      <p:sp>
+        <p:nvSpPr>
+          <p:cNvPr id="162" name="Google Shape;162;g83f00c33ef_0_17"/>
+          <p:cNvSpPr txBox="1">
+            <a:spLocks noGrp="1"/>
+          </p:cNvSpPr>
+          <p:nvPr>
+            <p:ph type="body" idx="1"/>
+          </p:nvPr>
+        </p:nvSpPr>
+        <p:spPr>
+          <a:xfrm>
+            <a:off x="80693" y="767465"/>
+            <a:ext cx="8520600" cy="3416400"/>
+          </a:xfrm>
+          <a:prstGeom prst="rect">
+            <a:avLst/>
+          </a:prstGeom>
+        </p:spPr>
+        <p:txBody>
+          <a:bodyPr spcFirstLastPara="1" wrap="square" lIns="91425" tIns="91425" rIns="91425" bIns="91425" anchor="t" anchorCtr="0">
+            <a:noAutofit/>
+          </a:bodyPr>
+          <a:lstStyle/>
+          <a:p>
+            <a:pPr marL="0" lvl="0" indent="0" algn="l" rtl="0">
+              <a:spcBef>
+                <a:spcPts val="0"/>
+              </a:spcBef>
+              <a:spcAft>
+                <a:spcPts val="0"/>
+              </a:spcAft>
+              <a:buNone/>
+            </a:pPr>
+            <a:r>
+              <a:rPr lang="en-US" b="1" dirty="0">
+                <a:solidFill>
+                  <a:schemeClr val="bg1"/>
+                </a:solidFill>
+              </a:rPr>
+              <a:t>KNN:-</a:t>
+            </a:r>
+          </a:p>
+          <a:p>
+            <a:pPr marL="0" lvl="0" indent="0" algn="l" rtl="0">
+              <a:spcBef>
+                <a:spcPts val="0"/>
+              </a:spcBef>
+              <a:spcAft>
+                <a:spcPts val="0"/>
+              </a:spcAft>
+              <a:buNone/>
+            </a:pPr>
+            <a:endParaRPr b="1" dirty="0">
+              <a:solidFill>
+                <a:schemeClr val="bg1"/>
+              </a:solidFill>
+            </a:endParaRPr>
+          </a:p>
+        </p:txBody>
+      </p:sp>
+    </p:spTree>
+  </p:cSld>
+  <p:clrMapOvr>
+    <a:masterClrMapping/>
+  </p:clrMapOvr>
+</p:sld>
+</file>
+
+<file path=ppt/slides/slide21.xml><?xml version="1.0" encoding="utf-8"?>
+<p:sld xmlns:a="http://schemas.openxmlformats.org/drawingml/2006/main" xmlns:r="http://schemas.openxmlformats.org/officeDocument/2006/relationships" xmlns:p="http://schemas.openxmlformats.org/presentationml/2006/main">
+  <p:cSld>
+    <p:spTree>
+      <p:nvGrpSpPr>
+        <p:cNvPr id="1" name="Shape 160"/>
+        <p:cNvGrpSpPr/>
+        <p:nvPr/>
+      </p:nvGrpSpPr>
+      <p:grpSpPr>
+        <a:xfrm>
+          <a:off x="0" y="0"/>
+          <a:ext cx="0" cy="0"/>
+          <a:chOff x="0" y="0"/>
+          <a:chExt cx="0" cy="0"/>
+        </a:xfrm>
+      </p:grpSpPr>
+      <p:sp>
+        <p:nvSpPr>
+          <p:cNvPr id="161" name="Google Shape;161;g83f00c33ef_0_17"/>
+          <p:cNvSpPr txBox="1">
+            <a:spLocks noGrp="1"/>
+          </p:cNvSpPr>
+          <p:nvPr>
+            <p:ph type="title"/>
+          </p:nvPr>
+        </p:nvSpPr>
+        <p:spPr>
+          <a:xfrm>
+            <a:off x="0" y="2"/>
+            <a:ext cx="2927700" cy="684300"/>
+          </a:xfrm>
+          <a:prstGeom prst="rect">
+            <a:avLst/>
+          </a:prstGeom>
+        </p:spPr>
+        <p:txBody>
+          <a:bodyPr spcFirstLastPara="1" wrap="square" lIns="91425" tIns="91425" rIns="91425" bIns="91425" anchor="t" anchorCtr="0">
+            <a:noAutofit/>
+          </a:bodyPr>
+          <a:lstStyle/>
+          <a:p>
+            <a:pPr marL="0" lvl="0" indent="0" algn="l" rtl="0">
+              <a:spcBef>
+                <a:spcPts val="0"/>
+              </a:spcBef>
+              <a:spcAft>
+                <a:spcPts val="0"/>
+              </a:spcAft>
+              <a:buNone/>
+            </a:pPr>
+            <a:r>
+              <a:rPr lang="en-US" dirty="0">
+                <a:solidFill>
+                  <a:srgbClr val="000000"/>
+                </a:solidFill>
+              </a:rPr>
+              <a:t>Models</a:t>
+            </a:r>
+            <a:endParaRPr dirty="0">
+              <a:solidFill>
+                <a:srgbClr val="000000"/>
+              </a:solidFill>
+            </a:endParaRPr>
+          </a:p>
+          <a:p>
+            <a:pPr marL="0" lvl="0" indent="0" algn="l" rtl="0">
+              <a:spcBef>
+                <a:spcPts val="0"/>
+              </a:spcBef>
+              <a:spcAft>
+                <a:spcPts val="0"/>
+              </a:spcAft>
+              <a:buNone/>
+            </a:pPr>
+            <a:endParaRPr dirty="0"/>
           </a:p>
         </p:txBody>
       </p:sp>
@@ -17802,7 +18402,82 @@
               </a:spcAft>
               <a:buNone/>
             </a:pPr>
-            <a:endParaRPr/>
+            <a:r>
+              <a:rPr lang="en-US" b="1" dirty="0">
+                <a:solidFill>
+                  <a:schemeClr val="bg1"/>
+                </a:solidFill>
+                <a:latin typeface="+mn-lt"/>
+              </a:rPr>
+              <a:t>But what if it is a new user?</a:t>
+            </a:r>
+          </a:p>
+          <a:p>
+            <a:pPr marL="285750" lvl="0" indent="-285750" algn="l" rtl="0">
+              <a:spcBef>
+                <a:spcPts val="0"/>
+              </a:spcBef>
+              <a:spcAft>
+                <a:spcPts val="0"/>
+              </a:spcAft>
+              <a:buClr>
+                <a:schemeClr val="accent6">
+                  <a:lumMod val="10000"/>
+                </a:schemeClr>
+              </a:buClr>
+              <a:buFont typeface="Wingdings" pitchFamily="2" charset="2"/>
+              <a:buChar char="§"/>
+            </a:pPr>
+            <a:r>
+              <a:rPr lang="en-US" dirty="0">
+                <a:solidFill>
+                  <a:schemeClr val="bg1"/>
+                </a:solidFill>
+                <a:latin typeface="+mn-lt"/>
+              </a:rPr>
+              <a:t>New users would make the deployed model face “cold start” problem in which the user-item interaction matrix which the model use doesn’t have any data for the new user</a:t>
+            </a:r>
+          </a:p>
+          <a:p>
+            <a:pPr marL="285750" lvl="0" indent="-285750" algn="l" rtl="0">
+              <a:spcBef>
+                <a:spcPts val="0"/>
+              </a:spcBef>
+              <a:spcAft>
+                <a:spcPts val="0"/>
+              </a:spcAft>
+              <a:buClr>
+                <a:schemeClr val="accent6">
+                  <a:lumMod val="10000"/>
+                </a:schemeClr>
+              </a:buClr>
+              <a:buFont typeface="Wingdings" pitchFamily="2" charset="2"/>
+              <a:buChar char="§"/>
+            </a:pPr>
+            <a:r>
+              <a:rPr lang="en-US" dirty="0">
+                <a:solidFill>
+                  <a:schemeClr val="bg1"/>
+                </a:solidFill>
+                <a:latin typeface="+mn-lt"/>
+              </a:rPr>
+              <a:t>In this case, we created a different matrix factorization model using the user and item features and then get the new user’s parsed through which checks for its similarity with existing user and then recommends </a:t>
+            </a:r>
+            <a:r>
+              <a:rPr lang="en-US">
+                <a:solidFill>
+                  <a:schemeClr val="bg1"/>
+                </a:solidFill>
+                <a:latin typeface="+mn-lt"/>
+              </a:rPr>
+              <a:t>restaurants.</a:t>
+            </a:r>
+            <a:endParaRPr lang="en-US" dirty="0">
+              <a:solidFill>
+                <a:schemeClr val="bg1"/>
+              </a:solidFill>
+              <a:latin typeface="+mn-lt"/>
+            </a:endParaRPr>
           </a:p>
         </p:txBody>
       </p:sp>
@@ -17814,7 +18489,132 @@
 </p:sld>
 </file>
 
-<file path=ppt/slides/slide21.xml><?xml version="1.0" encoding="utf-8"?>
+<file path=ppt/slides/slide22.xml><?xml version="1.0" encoding="utf-8"?>
+<p:sld xmlns:a="http://schemas.openxmlformats.org/drawingml/2006/main" xmlns:r="http://schemas.openxmlformats.org/officeDocument/2006/relationships" xmlns:p="http://schemas.openxmlformats.org/presentationml/2006/main">
+  <p:cSld>
+    <p:spTree>
+      <p:nvGrpSpPr>
+        <p:cNvPr id="1" name="Shape 160"/>
+        <p:cNvGrpSpPr/>
+        <p:nvPr/>
+      </p:nvGrpSpPr>
+      <p:grpSpPr>
+        <a:xfrm>
+          <a:off x="0" y="0"/>
+          <a:ext cx="0" cy="0"/>
+          <a:chOff x="0" y="0"/>
+          <a:chExt cx="0" cy="0"/>
+        </a:xfrm>
+      </p:grpSpPr>
+      <p:sp>
+        <p:nvSpPr>
+          <p:cNvPr id="161" name="Google Shape;161;g83f00c33ef_0_17"/>
+          <p:cNvSpPr txBox="1">
+            <a:spLocks noGrp="1"/>
+          </p:cNvSpPr>
+          <p:nvPr>
+            <p:ph type="title"/>
+          </p:nvPr>
+        </p:nvSpPr>
+        <p:spPr>
+          <a:xfrm>
+            <a:off x="0" y="2"/>
+            <a:ext cx="2927700" cy="684300"/>
+          </a:xfrm>
+          <a:prstGeom prst="rect">
+            <a:avLst/>
+          </a:prstGeom>
+        </p:spPr>
+        <p:txBody>
+          <a:bodyPr spcFirstLastPara="1" wrap="square" lIns="91425" tIns="91425" rIns="91425" bIns="91425" anchor="t" anchorCtr="0">
+            <a:noAutofit/>
+          </a:bodyPr>
+          <a:lstStyle/>
+          <a:p>
+            <a:pPr marL="0" lvl="0" indent="0" algn="l" rtl="0">
+              <a:spcBef>
+                <a:spcPts val="0"/>
+              </a:spcBef>
+              <a:spcAft>
+                <a:spcPts val="0"/>
+              </a:spcAft>
+              <a:buNone/>
+            </a:pPr>
+            <a:r>
+              <a:rPr lang="en-US">
+                <a:solidFill>
+                  <a:srgbClr val="000000"/>
+                </a:solidFill>
+              </a:rPr>
+              <a:t>Model</a:t>
+            </a:r>
+            <a:endParaRPr>
+              <a:solidFill>
+                <a:srgbClr val="000000"/>
+              </a:solidFill>
+            </a:endParaRPr>
+          </a:p>
+          <a:p>
+            <a:pPr marL="0" lvl="0" indent="0" algn="l" rtl="0">
+              <a:spcBef>
+                <a:spcPts val="0"/>
+              </a:spcBef>
+              <a:spcAft>
+                <a:spcPts val="0"/>
+              </a:spcAft>
+              <a:buNone/>
+            </a:pPr>
+            <a:endParaRPr/>
+          </a:p>
+        </p:txBody>
+      </p:sp>
+      <p:sp>
+        <p:nvSpPr>
+          <p:cNvPr id="162" name="Google Shape;162;g83f00c33ef_0_17"/>
+          <p:cNvSpPr txBox="1">
+            <a:spLocks noGrp="1"/>
+          </p:cNvSpPr>
+          <p:nvPr>
+            <p:ph type="body" idx="1"/>
+          </p:nvPr>
+        </p:nvSpPr>
+        <p:spPr>
+          <a:xfrm>
+            <a:off x="311700" y="1152475"/>
+            <a:ext cx="8520600" cy="3416400"/>
+          </a:xfrm>
+          <a:prstGeom prst="rect">
+            <a:avLst/>
+          </a:prstGeom>
+        </p:spPr>
+        <p:txBody>
+          <a:bodyPr spcFirstLastPara="1" wrap="square" lIns="91425" tIns="91425" rIns="91425" bIns="91425" anchor="t" anchorCtr="0">
+            <a:noAutofit/>
+          </a:bodyPr>
+          <a:lstStyle/>
+          <a:p>
+            <a:pPr marL="0" lvl="0" indent="0" algn="l" rtl="0">
+              <a:spcBef>
+                <a:spcPts val="0"/>
+              </a:spcBef>
+              <a:spcAft>
+                <a:spcPts val="0"/>
+              </a:spcAft>
+              <a:buNone/>
+            </a:pPr>
+            <a:endParaRPr/>
+          </a:p>
+        </p:txBody>
+      </p:sp>
+    </p:spTree>
+  </p:cSld>
+  <p:clrMapOvr>
+    <a:masterClrMapping/>
+  </p:clrMapOvr>
+</p:sld>
+</file>
+
+<file path=ppt/slides/slide23.xml><?xml version="1.0" encoding="utf-8"?>
 <p:sld xmlns:a="http://schemas.openxmlformats.org/drawingml/2006/main" xmlns:r="http://schemas.openxmlformats.org/officeDocument/2006/relationships" xmlns:p="http://schemas.openxmlformats.org/presentationml/2006/main">
   <p:cSld>
     <p:spTree>
@@ -17935,7 +18735,7 @@
 </p:sld>
 </file>
 
-<file path=ppt/slides/slide22.xml><?xml version="1.0" encoding="utf-8"?>
+<file path=ppt/slides/slide24.xml><?xml version="1.0" encoding="utf-8"?>
 <p:sld xmlns:a="http://schemas.openxmlformats.org/drawingml/2006/main" xmlns:r="http://schemas.openxmlformats.org/officeDocument/2006/relationships" xmlns:p="http://schemas.openxmlformats.org/presentationml/2006/main">
   <p:cSld>
     <p:spTree>
@@ -18044,7 +18844,7 @@
 </p:sld>
 </file>
 
-<file path=ppt/slides/slide23.xml><?xml version="1.0" encoding="utf-8"?>
+<file path=ppt/slides/slide25.xml><?xml version="1.0" encoding="utf-8"?>
 <p:sld xmlns:a="http://schemas.openxmlformats.org/drawingml/2006/main" xmlns:r="http://schemas.openxmlformats.org/officeDocument/2006/relationships" xmlns:p="http://schemas.openxmlformats.org/presentationml/2006/main">
   <p:cSld>
     <p:spTree>
@@ -18205,7 +19005,7 @@
 </p:sld>
 </file>
 
-<file path=ppt/slides/slide24.xml><?xml version="1.0" encoding="utf-8"?>
+<file path=ppt/slides/slide26.xml><?xml version="1.0" encoding="utf-8"?>
 <p:sld xmlns:a="http://schemas.openxmlformats.org/drawingml/2006/main" xmlns:r="http://schemas.openxmlformats.org/officeDocument/2006/relationships" xmlns:p="http://schemas.openxmlformats.org/presentationml/2006/main">
   <p:cSld>
     <p:spTree>
@@ -19252,7 +20052,7 @@
         </p:nvSpPr>
         <p:spPr bwMode="auto">
           <a:xfrm>
-            <a:off x="68817" y="788231"/>
+            <a:off x="59715" y="788231"/>
             <a:ext cx="4725233" cy="2090479"/>
           </a:xfrm>
           <a:prstGeom prst="rect">
@@ -19620,6 +20420,13 @@
           <a:prstGeom prst="rect">
             <a:avLst/>
           </a:prstGeom>
+          <a:ln>
+            <a:solidFill>
+              <a:schemeClr val="bg1">
+                <a:lumMod val="50000"/>
+              </a:schemeClr>
+            </a:solidFill>
+          </a:ln>
         </p:spPr>
       </p:pic>
     </p:spTree>
@@ -19631,6 +20438,1168 @@
 </file>
 
 <file path=ppt/slides/slide6.xml><?xml version="1.0" encoding="utf-8"?>
+<p:sld xmlns:a="http://schemas.openxmlformats.org/drawingml/2006/main" xmlns:r="http://schemas.openxmlformats.org/officeDocument/2006/relationships" xmlns:p="http://schemas.openxmlformats.org/presentationml/2006/main">
+  <p:cSld>
+    <p:spTree>
+      <p:nvGrpSpPr>
+        <p:cNvPr id="1" name="Shape 133"/>
+        <p:cNvGrpSpPr/>
+        <p:nvPr/>
+      </p:nvGrpSpPr>
+      <p:grpSpPr>
+        <a:xfrm>
+          <a:off x="0" y="0"/>
+          <a:ext cx="0" cy="0"/>
+          <a:chOff x="0" y="0"/>
+          <a:chExt cx="0" cy="0"/>
+        </a:xfrm>
+      </p:grpSpPr>
+      <p:sp>
+        <p:nvSpPr>
+          <p:cNvPr id="134" name="Google Shape;134;g83ddf61570_0_20"/>
+          <p:cNvSpPr txBox="1">
+            <a:spLocks noGrp="1"/>
+          </p:cNvSpPr>
+          <p:nvPr>
+            <p:ph type="title"/>
+          </p:nvPr>
+        </p:nvSpPr>
+        <p:spPr>
+          <a:xfrm>
+            <a:off x="82474" y="98238"/>
+            <a:ext cx="5938763" cy="572700"/>
+          </a:xfrm>
+          <a:prstGeom prst="rect">
+            <a:avLst/>
+          </a:prstGeom>
+          <a:noFill/>
+          <a:ln>
+            <a:noFill/>
+          </a:ln>
+        </p:spPr>
+        <p:txBody>
+          <a:bodyPr spcFirstLastPara="1" wrap="square" lIns="91425" tIns="91425" rIns="91425" bIns="91425" anchor="t" anchorCtr="0">
+            <a:noAutofit/>
+          </a:bodyPr>
+          <a:lstStyle/>
+          <a:p>
+            <a:pPr marL="0" lvl="0" indent="0" algn="l" rtl="0">
+              <a:lnSpc>
+                <a:spcPct val="100000"/>
+              </a:lnSpc>
+              <a:spcBef>
+                <a:spcPts val="0"/>
+              </a:spcBef>
+              <a:spcAft>
+                <a:spcPts val="0"/>
+              </a:spcAft>
+              <a:buSzPts val="3000"/>
+              <a:buNone/>
+            </a:pPr>
+            <a:r>
+              <a:rPr lang="en-US">
+                <a:solidFill>
+                  <a:srgbClr val="000000"/>
+                </a:solidFill>
+              </a:rPr>
+              <a:t>Exploratory Data Analysis</a:t>
+            </a:r>
+            <a:endParaRPr lang="en-US" dirty="0">
+              <a:solidFill>
+                <a:srgbClr val="000000"/>
+              </a:solidFill>
+            </a:endParaRPr>
+          </a:p>
+        </p:txBody>
+      </p:sp>
+      <p:sp>
+        <p:nvSpPr>
+          <p:cNvPr id="135" name="Google Shape;135;g83ddf61570_0_20"/>
+          <p:cNvSpPr txBox="1">
+            <a:spLocks noGrp="1"/>
+          </p:cNvSpPr>
+          <p:nvPr>
+            <p:ph type="body" idx="1"/>
+          </p:nvPr>
+        </p:nvSpPr>
+        <p:spPr>
+          <a:prstGeom prst="rect">
+            <a:avLst/>
+          </a:prstGeom>
+          <a:noFill/>
+          <a:ln>
+            <a:noFill/>
+          </a:ln>
+        </p:spPr>
+        <p:txBody>
+          <a:bodyPr spcFirstLastPara="1" wrap="square" lIns="91425" tIns="91425" rIns="91425" bIns="91425" anchor="t" anchorCtr="0">
+            <a:noAutofit/>
+          </a:bodyPr>
+          <a:lstStyle/>
+          <a:p>
+            <a:pPr marL="0" lvl="0" indent="0" algn="l" rtl="0">
+              <a:lnSpc>
+                <a:spcPct val="100000"/>
+              </a:lnSpc>
+              <a:spcBef>
+                <a:spcPts val="1000"/>
+              </a:spcBef>
+              <a:spcAft>
+                <a:spcPts val="0"/>
+              </a:spcAft>
+              <a:buNone/>
+            </a:pPr>
+            <a:endParaRPr lang="en-US" sz="1350" b="1">
+              <a:solidFill>
+                <a:srgbClr val="000000"/>
+              </a:solidFill>
+              <a:highlight>
+                <a:srgbClr val="FFFFFF"/>
+              </a:highlight>
+              <a:latin typeface="Arial"/>
+              <a:ea typeface="Arial"/>
+              <a:cs typeface="Arial"/>
+              <a:sym typeface="Arial"/>
+            </a:endParaRPr>
+          </a:p>
+          <a:p>
+            <a:pPr marL="0" lvl="0" indent="0" algn="l" rtl="0">
+              <a:lnSpc>
+                <a:spcPct val="115000"/>
+              </a:lnSpc>
+              <a:spcBef>
+                <a:spcPts val="1600"/>
+              </a:spcBef>
+              <a:spcAft>
+                <a:spcPts val="0"/>
+              </a:spcAft>
+              <a:buSzPts val="1800"/>
+              <a:buNone/>
+            </a:pPr>
+            <a:endParaRPr lang="en-US">
+              <a:solidFill>
+                <a:srgbClr val="000000"/>
+              </a:solidFill>
+            </a:endParaRPr>
+          </a:p>
+          <a:p>
+            <a:pPr marL="0" lvl="0" indent="0" algn="l" rtl="0">
+              <a:lnSpc>
+                <a:spcPct val="115000"/>
+              </a:lnSpc>
+              <a:spcBef>
+                <a:spcPts val="1600"/>
+              </a:spcBef>
+              <a:spcAft>
+                <a:spcPts val="1600"/>
+              </a:spcAft>
+              <a:buSzPts val="1800"/>
+              <a:buNone/>
+            </a:pPr>
+            <a:endParaRPr lang="en-US" dirty="0">
+              <a:solidFill>
+                <a:srgbClr val="000000"/>
+              </a:solidFill>
+            </a:endParaRPr>
+          </a:p>
+        </p:txBody>
+      </p:sp>
+      <p:sp>
+        <p:nvSpPr>
+          <p:cNvPr id="8" name="Text Box 4">
+            <a:extLst>
+              <a:ext uri="{FF2B5EF4-FFF2-40B4-BE49-F238E27FC236}">
+                <a16:creationId xmlns:a16="http://schemas.microsoft.com/office/drawing/2014/main" id="{D08D9B57-16C8-44CF-8738-EF4BDDB7AC3B}"/>
+              </a:ext>
+            </a:extLst>
+          </p:cNvPr>
+          <p:cNvSpPr txBox="1">
+            <a:spLocks noChangeArrowheads="1"/>
+          </p:cNvSpPr>
+          <p:nvPr/>
+        </p:nvSpPr>
+        <p:spPr bwMode="auto">
+          <a:xfrm>
+            <a:off x="155275" y="960759"/>
+            <a:ext cx="9084284" cy="4355269"/>
+          </a:xfrm>
+          <a:prstGeom prst="rect">
+            <a:avLst/>
+          </a:prstGeom>
+          <a:noFill/>
+          <a:ln>
+            <a:noFill/>
+          </a:ln>
+          <a:extLst>
+            <a:ext uri="{909E8E84-426E-40DD-AFC4-6F175D3DCCD1}">
+              <a14:hiddenFill xmlns:a14="http://schemas.microsoft.com/office/drawing/2010/main">
+                <a:solidFill>
+                  <a:srgbClr val="FFFFFF"/>
+                </a:solidFill>
+              </a14:hiddenFill>
+            </a:ext>
+            <a:ext uri="{91240B29-F687-4F45-9708-019B960494DF}">
+              <a14:hiddenLine xmlns:a14="http://schemas.microsoft.com/office/drawing/2010/main" w="9525">
+                <a:solidFill>
+                  <a:srgbClr val="000000"/>
+                </a:solidFill>
+                <a:miter lim="800000"/>
+                <a:headEnd/>
+                <a:tailEnd/>
+              </a14:hiddenLine>
+            </a:ext>
+          </a:extLst>
+        </p:spPr>
+        <p:txBody>
+          <a:bodyPr lIns="67500" tIns="35100" rIns="67500" bIns="35100"/>
+          <a:lstStyle>
+            <a:lvl1pPr marL="265113" indent="-265113">
+              <a:defRPr sz="1400">
+                <a:solidFill>
+                  <a:schemeClr val="tx1"/>
+                </a:solidFill>
+                <a:latin typeface="Arial" charset="0"/>
+              </a:defRPr>
+            </a:lvl1pPr>
+            <a:lvl2pPr marL="742950" indent="-285750">
+              <a:defRPr sz="1400">
+                <a:solidFill>
+                  <a:schemeClr val="tx1"/>
+                </a:solidFill>
+                <a:latin typeface="Arial" charset="0"/>
+              </a:defRPr>
+            </a:lvl2pPr>
+            <a:lvl3pPr marL="1143000" indent="-228600">
+              <a:defRPr sz="1400">
+                <a:solidFill>
+                  <a:schemeClr val="tx1"/>
+                </a:solidFill>
+                <a:latin typeface="Arial" charset="0"/>
+              </a:defRPr>
+            </a:lvl3pPr>
+            <a:lvl4pPr marL="1600200" indent="-228600">
+              <a:defRPr sz="1400">
+                <a:solidFill>
+                  <a:schemeClr val="tx1"/>
+                </a:solidFill>
+                <a:latin typeface="Arial" charset="0"/>
+              </a:defRPr>
+            </a:lvl4pPr>
+            <a:lvl5pPr marL="2057400" indent="-228600">
+              <a:defRPr sz="1400">
+                <a:solidFill>
+                  <a:schemeClr val="tx1"/>
+                </a:solidFill>
+                <a:latin typeface="Arial" charset="0"/>
+              </a:defRPr>
+            </a:lvl5pPr>
+            <a:lvl6pPr marL="2514600" indent="-228600" algn="ctr" eaLnBrk="0" fontAlgn="base" hangingPunct="0">
+              <a:spcBef>
+                <a:spcPct val="50000"/>
+              </a:spcBef>
+              <a:spcAft>
+                <a:spcPct val="0"/>
+              </a:spcAft>
+              <a:buSzPct val="120000"/>
+              <a:buFont typeface="Wingdings" pitchFamily="2" charset="2"/>
+              <a:defRPr sz="1400">
+                <a:solidFill>
+                  <a:schemeClr val="tx1"/>
+                </a:solidFill>
+                <a:latin typeface="Arial" charset="0"/>
+              </a:defRPr>
+            </a:lvl6pPr>
+            <a:lvl7pPr marL="2971800" indent="-228600" algn="ctr" eaLnBrk="0" fontAlgn="base" hangingPunct="0">
+              <a:spcBef>
+                <a:spcPct val="50000"/>
+              </a:spcBef>
+              <a:spcAft>
+                <a:spcPct val="0"/>
+              </a:spcAft>
+              <a:buSzPct val="120000"/>
+              <a:buFont typeface="Wingdings" pitchFamily="2" charset="2"/>
+              <a:defRPr sz="1400">
+                <a:solidFill>
+                  <a:schemeClr val="tx1"/>
+                </a:solidFill>
+                <a:latin typeface="Arial" charset="0"/>
+              </a:defRPr>
+            </a:lvl7pPr>
+            <a:lvl8pPr marL="3429000" indent="-228600" algn="ctr" eaLnBrk="0" fontAlgn="base" hangingPunct="0">
+              <a:spcBef>
+                <a:spcPct val="50000"/>
+              </a:spcBef>
+              <a:spcAft>
+                <a:spcPct val="0"/>
+              </a:spcAft>
+              <a:buSzPct val="120000"/>
+              <a:buFont typeface="Wingdings" pitchFamily="2" charset="2"/>
+              <a:defRPr sz="1400">
+                <a:solidFill>
+                  <a:schemeClr val="tx1"/>
+                </a:solidFill>
+                <a:latin typeface="Arial" charset="0"/>
+              </a:defRPr>
+            </a:lvl8pPr>
+            <a:lvl9pPr marL="3886200" indent="-228600" algn="ctr" eaLnBrk="0" fontAlgn="base" hangingPunct="0">
+              <a:spcBef>
+                <a:spcPct val="50000"/>
+              </a:spcBef>
+              <a:spcAft>
+                <a:spcPct val="0"/>
+              </a:spcAft>
+              <a:buSzPct val="120000"/>
+              <a:buFont typeface="Wingdings" pitchFamily="2" charset="2"/>
+              <a:defRPr sz="1400">
+                <a:solidFill>
+                  <a:schemeClr val="tx1"/>
+                </a:solidFill>
+                <a:latin typeface="Arial" charset="0"/>
+              </a:defRPr>
+            </a:lvl9pPr>
+          </a:lstStyle>
+          <a:p>
+            <a:pPr marL="285750" lvl="0" indent="-285750" algn="just">
+              <a:lnSpc>
+                <a:spcPct val="150000"/>
+              </a:lnSpc>
+              <a:buSzPts val="1600"/>
+              <a:buFont typeface="Wingdings" panose="05000000000000000000" pitchFamily="2" charset="2"/>
+              <a:buChar char="§"/>
+            </a:pPr>
+            <a:r>
+              <a:rPr lang="en-US" dirty="0">
+                <a:solidFill>
+                  <a:srgbClr val="383838"/>
+                </a:solidFill>
+                <a:latin typeface="+mn-lt"/>
+              </a:rPr>
+              <a:t>Dataset </a:t>
+            </a:r>
+            <a:r>
+              <a:rPr lang="en-US" b="1" dirty="0">
+                <a:solidFill>
+                  <a:srgbClr val="383838"/>
+                </a:solidFill>
+                <a:latin typeface="+mn-lt"/>
+              </a:rPr>
+              <a:t>Business </a:t>
+            </a:r>
+            <a:r>
+              <a:rPr lang="en-US" dirty="0">
+                <a:solidFill>
+                  <a:srgbClr val="383838"/>
+                </a:solidFill>
+                <a:latin typeface="+mn-lt"/>
+              </a:rPr>
+              <a:t>contains geographical information about 192,609 businesses, categories and attributes, such as  average star rating, hours, whether they offer parking etc.</a:t>
+            </a:r>
+          </a:p>
+          <a:p>
+            <a:pPr marL="285750" lvl="0" indent="-285750" algn="just">
+              <a:lnSpc>
+                <a:spcPct val="150000"/>
+              </a:lnSpc>
+              <a:buSzPts val="1600"/>
+              <a:buFont typeface="Wingdings" panose="05000000000000000000" pitchFamily="2" charset="2"/>
+              <a:buChar char="§"/>
+            </a:pPr>
+            <a:r>
+              <a:rPr lang="en-US" dirty="0">
+                <a:solidFill>
+                  <a:srgbClr val="383838"/>
+                </a:solidFill>
+                <a:latin typeface="+mn-lt"/>
+              </a:rPr>
+              <a:t>Dataset </a:t>
+            </a:r>
+            <a:r>
+              <a:rPr lang="en-US" b="1" dirty="0">
+                <a:solidFill>
+                  <a:srgbClr val="383838"/>
+                </a:solidFill>
+                <a:latin typeface="+mn-lt"/>
+              </a:rPr>
+              <a:t>review </a:t>
+            </a:r>
+            <a:r>
+              <a:rPr lang="en-US" dirty="0">
+                <a:solidFill>
+                  <a:srgbClr val="383838"/>
+                </a:solidFill>
+                <a:latin typeface="+mn-lt"/>
+              </a:rPr>
+              <a:t>includes 6,685,900 review texts and ratings users write to businesses.</a:t>
+            </a:r>
+          </a:p>
+          <a:p>
+            <a:pPr marL="285750" lvl="0" indent="-285750" algn="just">
+              <a:lnSpc>
+                <a:spcPct val="150000"/>
+              </a:lnSpc>
+              <a:buSzPts val="1600"/>
+              <a:buFont typeface="Wingdings" panose="05000000000000000000" pitchFamily="2" charset="2"/>
+              <a:buChar char="§"/>
+            </a:pPr>
+            <a:r>
+              <a:rPr lang="en-US" dirty="0">
+                <a:solidFill>
+                  <a:srgbClr val="383838"/>
+                </a:solidFill>
+                <a:latin typeface="+mn-lt"/>
+              </a:rPr>
+              <a:t>Dataset </a:t>
+            </a:r>
+            <a:r>
+              <a:rPr lang="en-US" b="1" dirty="0">
+                <a:solidFill>
+                  <a:srgbClr val="383838"/>
+                </a:solidFill>
+                <a:latin typeface="+mn-lt"/>
+              </a:rPr>
+              <a:t>user </a:t>
+            </a:r>
+            <a:r>
+              <a:rPr lang="en-US" dirty="0">
+                <a:solidFill>
+                  <a:srgbClr val="383838"/>
+                </a:solidFill>
+                <a:latin typeface="+mn-lt"/>
+              </a:rPr>
+              <a:t>includes information like how long ago the user has joined Yelp, the number of reviews he/she has written, the number of specific compliments received, and his/her friend mapping on Yelp about </a:t>
+            </a:r>
+            <a:r>
+              <a:rPr lang="en-US" b="1" dirty="0">
+                <a:solidFill>
+                  <a:srgbClr val="383838"/>
+                </a:solidFill>
+                <a:latin typeface="+mn-lt"/>
+              </a:rPr>
+              <a:t>1,637,138 users</a:t>
+            </a:r>
+            <a:r>
+              <a:rPr lang="en-US" dirty="0">
+                <a:solidFill>
+                  <a:srgbClr val="383838"/>
+                </a:solidFill>
+                <a:latin typeface="+mn-lt"/>
+              </a:rPr>
+              <a:t>. </a:t>
+            </a:r>
+          </a:p>
+          <a:p>
+            <a:pPr marL="285750" lvl="0" indent="-285750" algn="just">
+              <a:lnSpc>
+                <a:spcPct val="150000"/>
+              </a:lnSpc>
+              <a:buSzPts val="1600"/>
+              <a:buFont typeface="Wingdings" panose="05000000000000000000" pitchFamily="2" charset="2"/>
+              <a:buChar char="§"/>
+            </a:pPr>
+            <a:r>
+              <a:rPr lang="en-US" dirty="0">
+                <a:solidFill>
+                  <a:srgbClr val="383838"/>
+                </a:solidFill>
+                <a:latin typeface="+mn-lt"/>
+              </a:rPr>
+              <a:t>The three datasets can be merged by unique keys </a:t>
+            </a:r>
+            <a:r>
+              <a:rPr lang="en-US" b="1" dirty="0" err="1">
+                <a:solidFill>
+                  <a:srgbClr val="383838"/>
+                </a:solidFill>
+                <a:latin typeface="+mn-lt"/>
+              </a:rPr>
+              <a:t>user_id</a:t>
+            </a:r>
+            <a:r>
+              <a:rPr lang="en-US" b="1" dirty="0">
+                <a:solidFill>
+                  <a:srgbClr val="383838"/>
+                </a:solidFill>
+                <a:latin typeface="+mn-lt"/>
+              </a:rPr>
+              <a:t> </a:t>
+            </a:r>
+            <a:r>
+              <a:rPr lang="en-US" dirty="0">
+                <a:solidFill>
+                  <a:srgbClr val="383838"/>
+                </a:solidFill>
+                <a:latin typeface="+mn-lt"/>
+              </a:rPr>
+              <a:t>and </a:t>
+            </a:r>
+            <a:r>
+              <a:rPr lang="en-US" b="1" dirty="0" err="1">
+                <a:solidFill>
+                  <a:srgbClr val="383838"/>
+                </a:solidFill>
+                <a:latin typeface="+mn-lt"/>
+              </a:rPr>
+              <a:t>business_id</a:t>
+            </a:r>
+            <a:r>
+              <a:rPr lang="en-US" dirty="0">
+                <a:solidFill>
+                  <a:srgbClr val="383838"/>
+                </a:solidFill>
+                <a:latin typeface="+mn-lt"/>
+              </a:rPr>
+              <a:t>. </a:t>
+            </a:r>
+          </a:p>
+        </p:txBody>
+      </p:sp>
+    </p:spTree>
+    <p:extLst>
+      <p:ext uri="{BB962C8B-B14F-4D97-AF65-F5344CB8AC3E}">
+        <p14:creationId xmlns:p14="http://schemas.microsoft.com/office/powerpoint/2010/main" val="1260629093"/>
+      </p:ext>
+    </p:extLst>
+  </p:cSld>
+  <p:clrMapOvr>
+    <a:masterClrMapping/>
+  </p:clrMapOvr>
+</p:sld>
+</file>
+
+<file path=ppt/slides/slide7.xml><?xml version="1.0" encoding="utf-8"?>
+<p:sld xmlns:a="http://schemas.openxmlformats.org/drawingml/2006/main" xmlns:r="http://schemas.openxmlformats.org/officeDocument/2006/relationships" xmlns:p="http://schemas.openxmlformats.org/presentationml/2006/main">
+  <p:cSld>
+    <p:spTree>
+      <p:nvGrpSpPr>
+        <p:cNvPr id="1" name="Shape 133"/>
+        <p:cNvGrpSpPr/>
+        <p:nvPr/>
+      </p:nvGrpSpPr>
+      <p:grpSpPr>
+        <a:xfrm>
+          <a:off x="0" y="0"/>
+          <a:ext cx="0" cy="0"/>
+          <a:chOff x="0" y="0"/>
+          <a:chExt cx="0" cy="0"/>
+        </a:xfrm>
+      </p:grpSpPr>
+      <p:sp>
+        <p:nvSpPr>
+          <p:cNvPr id="134" name="Google Shape;134;g83ddf61570_0_20"/>
+          <p:cNvSpPr txBox="1">
+            <a:spLocks noGrp="1"/>
+          </p:cNvSpPr>
+          <p:nvPr>
+            <p:ph type="title"/>
+          </p:nvPr>
+        </p:nvSpPr>
+        <p:spPr>
+          <a:xfrm>
+            <a:off x="0" y="0"/>
+            <a:ext cx="6279900" cy="678000"/>
+          </a:xfrm>
+          <a:prstGeom prst="rect">
+            <a:avLst/>
+          </a:prstGeom>
+          <a:noFill/>
+          <a:ln>
+            <a:noFill/>
+          </a:ln>
+        </p:spPr>
+        <p:txBody>
+          <a:bodyPr spcFirstLastPara="1" wrap="square" lIns="91425" tIns="91425" rIns="91425" bIns="91425" anchor="t" anchorCtr="0">
+            <a:noAutofit/>
+          </a:bodyPr>
+          <a:lstStyle/>
+          <a:p>
+            <a:pPr marL="0" lvl="0" indent="0" algn="l" rtl="0">
+              <a:lnSpc>
+                <a:spcPct val="100000"/>
+              </a:lnSpc>
+              <a:spcBef>
+                <a:spcPts val="0"/>
+              </a:spcBef>
+              <a:spcAft>
+                <a:spcPts val="0"/>
+              </a:spcAft>
+              <a:buSzPts val="3000"/>
+              <a:buNone/>
+            </a:pPr>
+            <a:r>
+              <a:rPr lang="en-US">
+                <a:solidFill>
+                  <a:srgbClr val="000000"/>
+                </a:solidFill>
+              </a:rPr>
+              <a:t>Exploratory Data Analysis</a:t>
+            </a:r>
+            <a:endParaRPr>
+              <a:solidFill>
+                <a:srgbClr val="000000"/>
+              </a:solidFill>
+            </a:endParaRPr>
+          </a:p>
+        </p:txBody>
+      </p:sp>
+      <p:sp>
+        <p:nvSpPr>
+          <p:cNvPr id="135" name="Google Shape;135;g83ddf61570_0_20"/>
+          <p:cNvSpPr txBox="1">
+            <a:spLocks noGrp="1"/>
+          </p:cNvSpPr>
+          <p:nvPr>
+            <p:ph type="body" idx="1"/>
+          </p:nvPr>
+        </p:nvSpPr>
+        <p:spPr>
+          <a:xfrm>
+            <a:off x="428375" y="792950"/>
+            <a:ext cx="7072500" cy="532200"/>
+          </a:xfrm>
+          <a:prstGeom prst="rect">
+            <a:avLst/>
+          </a:prstGeom>
+          <a:noFill/>
+          <a:ln>
+            <a:noFill/>
+          </a:ln>
+        </p:spPr>
+        <p:txBody>
+          <a:bodyPr spcFirstLastPara="1" wrap="square" lIns="91425" tIns="91425" rIns="91425" bIns="91425" anchor="t" anchorCtr="0">
+            <a:noAutofit/>
+          </a:bodyPr>
+          <a:lstStyle/>
+          <a:p>
+            <a:pPr marL="0" lvl="0" indent="0" algn="l" rtl="0">
+              <a:lnSpc>
+                <a:spcPct val="115000"/>
+              </a:lnSpc>
+              <a:spcBef>
+                <a:spcPts val="0"/>
+              </a:spcBef>
+              <a:spcAft>
+                <a:spcPts val="0"/>
+              </a:spcAft>
+              <a:buSzPts val="1800"/>
+              <a:buNone/>
+            </a:pPr>
+            <a:r>
+              <a:rPr lang="en-US" dirty="0">
+                <a:solidFill>
+                  <a:srgbClr val="000000"/>
+                </a:solidFill>
+              </a:rPr>
+              <a:t>Business:                       </a:t>
+            </a:r>
+            <a:r>
+              <a:rPr lang="en-US" sz="1350" b="1" dirty="0">
+                <a:solidFill>
+                  <a:srgbClr val="000000"/>
+                </a:solidFill>
+                <a:highlight>
+                  <a:srgbClr val="FFFFFF"/>
+                </a:highlight>
+                <a:latin typeface="Arial"/>
+                <a:ea typeface="Arial"/>
+                <a:cs typeface="Arial"/>
+                <a:sym typeface="Arial"/>
+              </a:rPr>
+              <a:t>Distribution of businesses</a:t>
+            </a:r>
+            <a:endParaRPr sz="1350" b="1" dirty="0">
+              <a:solidFill>
+                <a:srgbClr val="000000"/>
+              </a:solidFill>
+              <a:highlight>
+                <a:srgbClr val="FFFFFF"/>
+              </a:highlight>
+              <a:latin typeface="Arial"/>
+              <a:ea typeface="Arial"/>
+              <a:cs typeface="Arial"/>
+              <a:sym typeface="Arial"/>
+            </a:endParaRPr>
+          </a:p>
+          <a:p>
+            <a:pPr marL="0" lvl="0" indent="0" algn="l" rtl="0">
+              <a:lnSpc>
+                <a:spcPct val="100000"/>
+              </a:lnSpc>
+              <a:spcBef>
+                <a:spcPts val="1000"/>
+              </a:spcBef>
+              <a:spcAft>
+                <a:spcPts val="0"/>
+              </a:spcAft>
+              <a:buNone/>
+            </a:pPr>
+            <a:endParaRPr sz="1350" b="1" dirty="0">
+              <a:solidFill>
+                <a:srgbClr val="000000"/>
+              </a:solidFill>
+              <a:highlight>
+                <a:srgbClr val="FFFFFF"/>
+              </a:highlight>
+              <a:latin typeface="Arial"/>
+              <a:ea typeface="Arial"/>
+              <a:cs typeface="Arial"/>
+              <a:sym typeface="Arial"/>
+            </a:endParaRPr>
+          </a:p>
+          <a:p>
+            <a:pPr marL="0" lvl="0" indent="0" algn="l" rtl="0">
+              <a:lnSpc>
+                <a:spcPct val="115000"/>
+              </a:lnSpc>
+              <a:spcBef>
+                <a:spcPts val="1600"/>
+              </a:spcBef>
+              <a:spcAft>
+                <a:spcPts val="0"/>
+              </a:spcAft>
+              <a:buSzPts val="1800"/>
+              <a:buNone/>
+            </a:pPr>
+            <a:endParaRPr dirty="0">
+              <a:solidFill>
+                <a:srgbClr val="000000"/>
+              </a:solidFill>
+            </a:endParaRPr>
+          </a:p>
+          <a:p>
+            <a:pPr marL="0" lvl="0" indent="0" algn="l" rtl="0">
+              <a:lnSpc>
+                <a:spcPct val="115000"/>
+              </a:lnSpc>
+              <a:spcBef>
+                <a:spcPts val="1600"/>
+              </a:spcBef>
+              <a:spcAft>
+                <a:spcPts val="1600"/>
+              </a:spcAft>
+              <a:buSzPts val="1800"/>
+              <a:buNone/>
+            </a:pPr>
+            <a:endParaRPr dirty="0">
+              <a:solidFill>
+                <a:srgbClr val="000000"/>
+              </a:solidFill>
+            </a:endParaRPr>
+          </a:p>
+        </p:txBody>
+      </p:sp>
+      <p:pic>
+        <p:nvPicPr>
+          <p:cNvPr id="1026" name="Picture 2">
+            <a:extLst>
+              <a:ext uri="{FF2B5EF4-FFF2-40B4-BE49-F238E27FC236}">
+                <a16:creationId xmlns:a16="http://schemas.microsoft.com/office/drawing/2014/main" id="{EA5C39C4-F3A1-45BA-B280-7526C534FA50}"/>
+              </a:ext>
+            </a:extLst>
+          </p:cNvPr>
+          <p:cNvPicPr>
+            <a:picLocks noChangeAspect="1" noChangeArrowheads="1"/>
+          </p:cNvPicPr>
+          <p:nvPr/>
+        </p:nvPicPr>
+        <p:blipFill>
+          <a:blip r:embed="rId3">
+            <a:extLst>
+              <a:ext uri="{28A0092B-C50C-407E-A947-70E740481C1C}">
+                <a14:useLocalDpi xmlns:a14="http://schemas.microsoft.com/office/drawing/2010/main" val="0"/>
+              </a:ext>
+            </a:extLst>
+          </a:blip>
+          <a:srcRect/>
+          <a:stretch>
+            <a:fillRect/>
+          </a:stretch>
+        </p:blipFill>
+        <p:spPr bwMode="auto">
+          <a:xfrm>
+            <a:off x="0" y="1134620"/>
+            <a:ext cx="9144000" cy="2459037"/>
+          </a:xfrm>
+          <a:prstGeom prst="rect">
+            <a:avLst/>
+          </a:prstGeom>
+          <a:noFill/>
+          <a:extLst>
+            <a:ext uri="{909E8E84-426E-40DD-AFC4-6F175D3DCCD1}">
+              <a14:hiddenFill xmlns:a14="http://schemas.microsoft.com/office/drawing/2010/main">
+                <a:solidFill>
+                  <a:srgbClr val="FFFFFF"/>
+                </a:solidFill>
+              </a14:hiddenFill>
+            </a:ext>
+          </a:extLst>
+        </p:spPr>
+      </p:pic>
+      <p:sp>
+        <p:nvSpPr>
+          <p:cNvPr id="7" name="Google Shape;114;g83d7f3170d_0_5">
+            <a:extLst>
+              <a:ext uri="{FF2B5EF4-FFF2-40B4-BE49-F238E27FC236}">
+                <a16:creationId xmlns:a16="http://schemas.microsoft.com/office/drawing/2014/main" id="{2B6971E1-34CE-4688-A326-EB991C5D707F}"/>
+              </a:ext>
+            </a:extLst>
+          </p:cNvPr>
+          <p:cNvSpPr txBox="1">
+            <a:spLocks/>
+          </p:cNvSpPr>
+          <p:nvPr/>
+        </p:nvSpPr>
+        <p:spPr>
+          <a:xfrm>
+            <a:off x="311700" y="3593657"/>
+            <a:ext cx="8520600" cy="1125998"/>
+          </a:xfrm>
+          <a:prstGeom prst="rect">
+            <a:avLst/>
+          </a:prstGeom>
+          <a:noFill/>
+          <a:ln>
+            <a:noFill/>
+          </a:ln>
+        </p:spPr>
+        <p:txBody>
+          <a:bodyPr spcFirstLastPara="1" wrap="square" lIns="91425" tIns="91425" rIns="91425" bIns="91425" anchor="t" anchorCtr="0">
+            <a:noAutofit/>
+          </a:bodyPr>
+          <a:lstStyle>
+            <a:defPPr marR="0" lvl="0" algn="l" rtl="0">
+              <a:lnSpc>
+                <a:spcPct val="100000"/>
+              </a:lnSpc>
+              <a:spcBef>
+                <a:spcPts val="0"/>
+              </a:spcBef>
+              <a:spcAft>
+                <a:spcPts val="0"/>
+              </a:spcAft>
+            </a:defPPr>
+            <a:lvl1pPr marL="457200" marR="0" lvl="0" indent="-342900" algn="l" rtl="0">
+              <a:lnSpc>
+                <a:spcPct val="115000"/>
+              </a:lnSpc>
+              <a:spcBef>
+                <a:spcPts val="0"/>
+              </a:spcBef>
+              <a:spcAft>
+                <a:spcPts val="0"/>
+              </a:spcAft>
+              <a:buClr>
+                <a:schemeClr val="accent3"/>
+              </a:buClr>
+              <a:buSzPts val="1800"/>
+              <a:buFont typeface="Average"/>
+              <a:buChar char="●"/>
+              <a:defRPr sz="1800" b="0" i="0" u="none" strike="noStrike" cap="none">
+                <a:solidFill>
+                  <a:schemeClr val="accent3"/>
+                </a:solidFill>
+                <a:latin typeface="Average"/>
+                <a:ea typeface="Average"/>
+                <a:cs typeface="Average"/>
+                <a:sym typeface="Average"/>
+              </a:defRPr>
+            </a:lvl1pPr>
+            <a:lvl2pPr marL="914400" marR="0" lvl="1" indent="-317500" algn="l" rtl="0">
+              <a:lnSpc>
+                <a:spcPct val="115000"/>
+              </a:lnSpc>
+              <a:spcBef>
+                <a:spcPts val="1600"/>
+              </a:spcBef>
+              <a:spcAft>
+                <a:spcPts val="0"/>
+              </a:spcAft>
+              <a:buClr>
+                <a:schemeClr val="accent3"/>
+              </a:buClr>
+              <a:buSzPts val="1400"/>
+              <a:buFont typeface="Average"/>
+              <a:buChar char="○"/>
+              <a:defRPr sz="1400" b="0" i="0" u="none" strike="noStrike" cap="none">
+                <a:solidFill>
+                  <a:schemeClr val="accent3"/>
+                </a:solidFill>
+                <a:latin typeface="Average"/>
+                <a:ea typeface="Average"/>
+                <a:cs typeface="Average"/>
+                <a:sym typeface="Average"/>
+              </a:defRPr>
+            </a:lvl2pPr>
+            <a:lvl3pPr marL="1371600" marR="0" lvl="2" indent="-317500" algn="l" rtl="0">
+              <a:lnSpc>
+                <a:spcPct val="115000"/>
+              </a:lnSpc>
+              <a:spcBef>
+                <a:spcPts val="1600"/>
+              </a:spcBef>
+              <a:spcAft>
+                <a:spcPts val="0"/>
+              </a:spcAft>
+              <a:buClr>
+                <a:schemeClr val="accent3"/>
+              </a:buClr>
+              <a:buSzPts val="1400"/>
+              <a:buFont typeface="Average"/>
+              <a:buChar char="■"/>
+              <a:defRPr sz="1400" b="0" i="0" u="none" strike="noStrike" cap="none">
+                <a:solidFill>
+                  <a:schemeClr val="accent3"/>
+                </a:solidFill>
+                <a:latin typeface="Average"/>
+                <a:ea typeface="Average"/>
+                <a:cs typeface="Average"/>
+                <a:sym typeface="Average"/>
+              </a:defRPr>
+            </a:lvl3pPr>
+            <a:lvl4pPr marL="1828800" marR="0" lvl="3" indent="-317500" algn="l" rtl="0">
+              <a:lnSpc>
+                <a:spcPct val="115000"/>
+              </a:lnSpc>
+              <a:spcBef>
+                <a:spcPts val="1600"/>
+              </a:spcBef>
+              <a:spcAft>
+                <a:spcPts val="0"/>
+              </a:spcAft>
+              <a:buClr>
+                <a:schemeClr val="accent3"/>
+              </a:buClr>
+              <a:buSzPts val="1400"/>
+              <a:buFont typeface="Average"/>
+              <a:buChar char="●"/>
+              <a:defRPr sz="1400" b="0" i="0" u="none" strike="noStrike" cap="none">
+                <a:solidFill>
+                  <a:schemeClr val="accent3"/>
+                </a:solidFill>
+                <a:latin typeface="Average"/>
+                <a:ea typeface="Average"/>
+                <a:cs typeface="Average"/>
+                <a:sym typeface="Average"/>
+              </a:defRPr>
+            </a:lvl4pPr>
+            <a:lvl5pPr marL="2286000" marR="0" lvl="4" indent="-317500" algn="l" rtl="0">
+              <a:lnSpc>
+                <a:spcPct val="115000"/>
+              </a:lnSpc>
+              <a:spcBef>
+                <a:spcPts val="1600"/>
+              </a:spcBef>
+              <a:spcAft>
+                <a:spcPts val="0"/>
+              </a:spcAft>
+              <a:buClr>
+                <a:schemeClr val="accent3"/>
+              </a:buClr>
+              <a:buSzPts val="1400"/>
+              <a:buFont typeface="Average"/>
+              <a:buChar char="○"/>
+              <a:defRPr sz="1400" b="0" i="0" u="none" strike="noStrike" cap="none">
+                <a:solidFill>
+                  <a:schemeClr val="accent3"/>
+                </a:solidFill>
+                <a:latin typeface="Average"/>
+                <a:ea typeface="Average"/>
+                <a:cs typeface="Average"/>
+                <a:sym typeface="Average"/>
+              </a:defRPr>
+            </a:lvl5pPr>
+            <a:lvl6pPr marL="2743200" marR="0" lvl="5" indent="-317500" algn="l" rtl="0">
+              <a:lnSpc>
+                <a:spcPct val="115000"/>
+              </a:lnSpc>
+              <a:spcBef>
+                <a:spcPts val="1600"/>
+              </a:spcBef>
+              <a:spcAft>
+                <a:spcPts val="0"/>
+              </a:spcAft>
+              <a:buClr>
+                <a:schemeClr val="accent3"/>
+              </a:buClr>
+              <a:buSzPts val="1400"/>
+              <a:buFont typeface="Average"/>
+              <a:buChar char="■"/>
+              <a:defRPr sz="1400" b="0" i="0" u="none" strike="noStrike" cap="none">
+                <a:solidFill>
+                  <a:schemeClr val="accent3"/>
+                </a:solidFill>
+                <a:latin typeface="Average"/>
+                <a:ea typeface="Average"/>
+                <a:cs typeface="Average"/>
+                <a:sym typeface="Average"/>
+              </a:defRPr>
+            </a:lvl6pPr>
+            <a:lvl7pPr marL="3200400" marR="0" lvl="6" indent="-317500" algn="l" rtl="0">
+              <a:lnSpc>
+                <a:spcPct val="115000"/>
+              </a:lnSpc>
+              <a:spcBef>
+                <a:spcPts val="1600"/>
+              </a:spcBef>
+              <a:spcAft>
+                <a:spcPts val="0"/>
+              </a:spcAft>
+              <a:buClr>
+                <a:schemeClr val="accent3"/>
+              </a:buClr>
+              <a:buSzPts val="1400"/>
+              <a:buFont typeface="Average"/>
+              <a:buChar char="●"/>
+              <a:defRPr sz="1400" b="0" i="0" u="none" strike="noStrike" cap="none">
+                <a:solidFill>
+                  <a:schemeClr val="accent3"/>
+                </a:solidFill>
+                <a:latin typeface="Average"/>
+                <a:ea typeface="Average"/>
+                <a:cs typeface="Average"/>
+                <a:sym typeface="Average"/>
+              </a:defRPr>
+            </a:lvl7pPr>
+            <a:lvl8pPr marL="3657600" marR="0" lvl="7" indent="-317500" algn="l" rtl="0">
+              <a:lnSpc>
+                <a:spcPct val="115000"/>
+              </a:lnSpc>
+              <a:spcBef>
+                <a:spcPts val="1600"/>
+              </a:spcBef>
+              <a:spcAft>
+                <a:spcPts val="0"/>
+              </a:spcAft>
+              <a:buClr>
+                <a:schemeClr val="accent3"/>
+              </a:buClr>
+              <a:buSzPts val="1400"/>
+              <a:buFont typeface="Average"/>
+              <a:buChar char="○"/>
+              <a:defRPr sz="1400" b="0" i="0" u="none" strike="noStrike" cap="none">
+                <a:solidFill>
+                  <a:schemeClr val="accent3"/>
+                </a:solidFill>
+                <a:latin typeface="Average"/>
+                <a:ea typeface="Average"/>
+                <a:cs typeface="Average"/>
+                <a:sym typeface="Average"/>
+              </a:defRPr>
+            </a:lvl8pPr>
+            <a:lvl9pPr marL="4114800" marR="0" lvl="8" indent="-317500" algn="l" rtl="0">
+              <a:lnSpc>
+                <a:spcPct val="115000"/>
+              </a:lnSpc>
+              <a:spcBef>
+                <a:spcPts val="1600"/>
+              </a:spcBef>
+              <a:spcAft>
+                <a:spcPts val="1600"/>
+              </a:spcAft>
+              <a:buClr>
+                <a:schemeClr val="accent3"/>
+              </a:buClr>
+              <a:buSzPts val="1400"/>
+              <a:buFont typeface="Average"/>
+              <a:buChar char="■"/>
+              <a:defRPr sz="1400" b="0" i="0" u="none" strike="noStrike" cap="none">
+                <a:solidFill>
+                  <a:schemeClr val="accent3"/>
+                </a:solidFill>
+                <a:latin typeface="Average"/>
+                <a:ea typeface="Average"/>
+                <a:cs typeface="Average"/>
+                <a:sym typeface="Average"/>
+              </a:defRPr>
+            </a:lvl9pPr>
+          </a:lstStyle>
+          <a:p>
+            <a:pPr marL="285750" indent="-285750">
+              <a:lnSpc>
+                <a:spcPct val="100000"/>
+              </a:lnSpc>
+              <a:spcBef>
+                <a:spcPts val="1600"/>
+              </a:spcBef>
+              <a:spcAft>
+                <a:spcPts val="1600"/>
+              </a:spcAft>
+              <a:buClrTx/>
+              <a:buFont typeface="Wingdings" panose="05000000000000000000" pitchFamily="2" charset="2"/>
+              <a:buChar char="§"/>
+            </a:pPr>
+            <a:r>
+              <a:rPr lang="en-US" sz="1400" dirty="0">
+                <a:solidFill>
+                  <a:srgbClr val="000000"/>
+                </a:solidFill>
+                <a:latin typeface="+mn-lt"/>
+              </a:rPr>
+              <a:t>The yelp dataset consists of variety of different businesses indicated by the column </a:t>
+            </a:r>
+          </a:p>
+          <a:p>
+            <a:pPr marL="285750" indent="-285750">
+              <a:lnSpc>
+                <a:spcPct val="100000"/>
+              </a:lnSpc>
+              <a:spcBef>
+                <a:spcPts val="1600"/>
+              </a:spcBef>
+              <a:spcAft>
+                <a:spcPts val="1600"/>
+              </a:spcAft>
+              <a:buClrTx/>
+              <a:buFont typeface="Wingdings" panose="05000000000000000000" pitchFamily="2" charset="2"/>
+              <a:buChar char="§"/>
+            </a:pPr>
+            <a:r>
+              <a:rPr lang="en-US" sz="1400" dirty="0">
+                <a:solidFill>
+                  <a:srgbClr val="000000"/>
+                </a:solidFill>
+                <a:latin typeface="+mn-lt"/>
+              </a:rPr>
+              <a:t>Number of entries for the category ‘Restaurants’ was the highest.</a:t>
+            </a:r>
+          </a:p>
+          <a:p>
+            <a:pPr marL="285750" indent="-285750">
+              <a:lnSpc>
+                <a:spcPct val="100000"/>
+              </a:lnSpc>
+              <a:spcBef>
+                <a:spcPts val="1600"/>
+              </a:spcBef>
+              <a:spcAft>
+                <a:spcPts val="1600"/>
+              </a:spcAft>
+              <a:buClrTx/>
+              <a:buFont typeface="Wingdings" panose="05000000000000000000" pitchFamily="2" charset="2"/>
+              <a:buChar char="§"/>
+            </a:pPr>
+            <a:endParaRPr lang="en-US" sz="1400" dirty="0">
+              <a:solidFill>
+                <a:srgbClr val="000000"/>
+              </a:solidFill>
+              <a:latin typeface="+mn-lt"/>
+            </a:endParaRPr>
+          </a:p>
+        </p:txBody>
+      </p:sp>
+    </p:spTree>
+    <p:extLst>
+      <p:ext uri="{BB962C8B-B14F-4D97-AF65-F5344CB8AC3E}">
+        <p14:creationId xmlns:p14="http://schemas.microsoft.com/office/powerpoint/2010/main" val="1453724688"/>
+      </p:ext>
+    </p:extLst>
+  </p:cSld>
+  <p:clrMapOvr>
+    <a:masterClrMapping/>
+  </p:clrMapOvr>
+</p:sld>
+</file>
+
+<file path=ppt/slides/slide8.xml><?xml version="1.0" encoding="utf-8"?>
 <p:sld xmlns:a="http://schemas.openxmlformats.org/drawingml/2006/main" xmlns:r="http://schemas.openxmlformats.org/officeDocument/2006/relationships" xmlns:p="http://schemas.openxmlformats.org/presentationml/2006/main">
   <p:cSld>
     <p:spTree>
@@ -20046,6 +22015,41 @@
               </a:rPr>
               <a:t>Computed TF-IDF for each tag which will be used as weights during model fitting</a:t>
             </a:r>
+          </a:p>
+          <a:p>
+            <a:pPr marL="285750" lvl="0" indent="-285750">
+              <a:lnSpc>
+                <a:spcPct val="115000"/>
+              </a:lnSpc>
+              <a:buSzPts val="1800"/>
+              <a:buFont typeface="Wingdings" panose="05000000000000000000" pitchFamily="2" charset="2"/>
+              <a:buChar char="§"/>
+            </a:pPr>
+            <a:r>
+              <a:rPr lang="en-US" dirty="0">
+                <a:solidFill>
+                  <a:srgbClr val="000000"/>
+                </a:solidFill>
+                <a:latin typeface="Arial"/>
+              </a:rPr>
+              <a:t>We have incorporated the median income for each zip code from the secondary dataset </a:t>
+            </a:r>
+          </a:p>
+          <a:p>
+            <a:pPr marL="285750" lvl="0" indent="-285750">
+              <a:lnSpc>
+                <a:spcPct val="115000"/>
+              </a:lnSpc>
+              <a:buSzPts val="1800"/>
+              <a:buFont typeface="Wingdings" panose="05000000000000000000" pitchFamily="2" charset="2"/>
+              <a:buChar char="§"/>
+            </a:pPr>
+            <a:endParaRPr lang="en-US" dirty="0">
+              <a:solidFill>
+                <a:srgbClr val="000000"/>
+              </a:solidFill>
+              <a:latin typeface="Arial"/>
+            </a:endParaRPr>
           </a:p>
           <a:p>
             <a:pPr marL="285750" lvl="0" indent="-285750">
@@ -20195,7 +22199,7 @@
 </p:sld>
 </file>
 
-<file path=ppt/slides/slide7.xml><?xml version="1.0" encoding="utf-8"?>
+<file path=ppt/slides/slide9.xml><?xml version="1.0" encoding="utf-8"?>
 <p:sld xmlns:a="http://schemas.openxmlformats.org/drawingml/2006/main" xmlns:r="http://schemas.openxmlformats.org/officeDocument/2006/relationships" xmlns:p="http://schemas.openxmlformats.org/presentationml/2006/main">
   <p:cSld>
     <p:spTree>
@@ -20457,7 +22461,7 @@
                 </a:solidFill>
                 <a:latin typeface="Arial"/>
               </a:rPr>
-              <a:t>To remove user bias from rating provided by the user, we have standardized the users’ rating by subtracting their mean rating, and converting it to [-1,1]</a:t>
+              <a:t>To remove user biases from the ratings provided by the user, we have standardized the users’ rating by subtracting their mean rating, and converting it to [-1,1]</a:t>
             </a:r>
           </a:p>
           <a:p>
@@ -20525,7 +22529,7 @@
                 </a:solidFill>
                 <a:latin typeface="Arial"/>
               </a:rPr>
-              <a:t>Heuristically we have selected the features from the users dataset which are not sparse.</a:t>
+              <a:t>Heuristically we have selected the features from the ‘users’ dataset which are not sparse.</a:t>
             </a:r>
           </a:p>
           <a:p>
@@ -20720,519 +22724,6 @@
         <p14:creationId xmlns:p14="http://schemas.microsoft.com/office/powerpoint/2010/main" val="3950881280"/>
       </p:ext>
     </p:extLst>
-  </p:cSld>
-  <p:clrMapOvr>
-    <a:masterClrMapping/>
-  </p:clrMapOvr>
-</p:sld>
-</file>
-
-<file path=ppt/slides/slide8.xml><?xml version="1.0" encoding="utf-8"?>
-<p:sld xmlns:a="http://schemas.openxmlformats.org/drawingml/2006/main" xmlns:r="http://schemas.openxmlformats.org/officeDocument/2006/relationships" xmlns:p="http://schemas.openxmlformats.org/presentationml/2006/main">
-  <p:cSld>
-    <p:spTree>
-      <p:nvGrpSpPr>
-        <p:cNvPr id="1" name="Shape 133"/>
-        <p:cNvGrpSpPr/>
-        <p:nvPr/>
-      </p:nvGrpSpPr>
-      <p:grpSpPr>
-        <a:xfrm>
-          <a:off x="0" y="0"/>
-          <a:ext cx="0" cy="0"/>
-          <a:chOff x="0" y="0"/>
-          <a:chExt cx="0" cy="0"/>
-        </a:xfrm>
-      </p:grpSpPr>
-      <p:sp>
-        <p:nvSpPr>
-          <p:cNvPr id="134" name="Google Shape;134;g83ddf61570_0_20"/>
-          <p:cNvSpPr txBox="1">
-            <a:spLocks noGrp="1"/>
-          </p:cNvSpPr>
-          <p:nvPr>
-            <p:ph type="title"/>
-          </p:nvPr>
-        </p:nvSpPr>
-        <p:spPr>
-          <a:xfrm>
-            <a:off x="0" y="0"/>
-            <a:ext cx="6279900" cy="678000"/>
-          </a:xfrm>
-          <a:prstGeom prst="rect">
-            <a:avLst/>
-          </a:prstGeom>
-          <a:noFill/>
-          <a:ln>
-            <a:noFill/>
-          </a:ln>
-        </p:spPr>
-        <p:txBody>
-          <a:bodyPr spcFirstLastPara="1" wrap="square" lIns="91425" tIns="91425" rIns="91425" bIns="91425" anchor="t" anchorCtr="0">
-            <a:noAutofit/>
-          </a:bodyPr>
-          <a:lstStyle/>
-          <a:p>
-            <a:pPr marL="0" lvl="0" indent="0" algn="l" rtl="0">
-              <a:lnSpc>
-                <a:spcPct val="100000"/>
-              </a:lnSpc>
-              <a:spcBef>
-                <a:spcPts val="0"/>
-              </a:spcBef>
-              <a:spcAft>
-                <a:spcPts val="0"/>
-              </a:spcAft>
-              <a:buSzPts val="3000"/>
-              <a:buNone/>
-            </a:pPr>
-            <a:r>
-              <a:rPr lang="en-US" dirty="0">
-                <a:solidFill>
-                  <a:srgbClr val="000000"/>
-                </a:solidFill>
-                <a:highlight>
-                  <a:srgbClr val="FF0000"/>
-                </a:highlight>
-              </a:rPr>
-              <a:t>Exploratory Data Analysis</a:t>
-            </a:r>
-            <a:endParaRPr dirty="0">
-              <a:solidFill>
-                <a:srgbClr val="000000"/>
-              </a:solidFill>
-              <a:highlight>
-                <a:srgbClr val="FF0000"/>
-              </a:highlight>
-            </a:endParaRPr>
-          </a:p>
-        </p:txBody>
-      </p:sp>
-      <p:sp>
-        <p:nvSpPr>
-          <p:cNvPr id="135" name="Google Shape;135;g83ddf61570_0_20"/>
-          <p:cNvSpPr txBox="1">
-            <a:spLocks noGrp="1"/>
-          </p:cNvSpPr>
-          <p:nvPr>
-            <p:ph type="body" idx="1"/>
-          </p:nvPr>
-        </p:nvSpPr>
-        <p:spPr>
-          <a:xfrm>
-            <a:off x="156322" y="785393"/>
-            <a:ext cx="7072500" cy="532200"/>
-          </a:xfrm>
-          <a:prstGeom prst="rect">
-            <a:avLst/>
-          </a:prstGeom>
-          <a:noFill/>
-          <a:ln>
-            <a:noFill/>
-          </a:ln>
-        </p:spPr>
-        <p:txBody>
-          <a:bodyPr spcFirstLastPara="1" wrap="square" lIns="91425" tIns="91425" rIns="91425" bIns="91425" anchor="t" anchorCtr="0">
-            <a:noAutofit/>
-          </a:bodyPr>
-          <a:lstStyle/>
-          <a:p>
-            <a:pPr marL="0" lvl="0" indent="0" algn="l" rtl="0">
-              <a:lnSpc>
-                <a:spcPct val="115000"/>
-              </a:lnSpc>
-              <a:spcBef>
-                <a:spcPts val="0"/>
-              </a:spcBef>
-              <a:spcAft>
-                <a:spcPts val="0"/>
-              </a:spcAft>
-              <a:buSzPts val="1800"/>
-              <a:buNone/>
-            </a:pPr>
-            <a:r>
-              <a:rPr lang="en-US" dirty="0">
-                <a:solidFill>
-                  <a:srgbClr val="000000"/>
-                </a:solidFill>
-              </a:rPr>
-              <a:t>Business:                       </a:t>
-            </a:r>
-            <a:r>
-              <a:rPr lang="en-US" sz="1350" b="1" dirty="0">
-                <a:solidFill>
-                  <a:srgbClr val="000000"/>
-                </a:solidFill>
-                <a:highlight>
-                  <a:srgbClr val="FFFFFF"/>
-                </a:highlight>
-                <a:latin typeface="Arial"/>
-                <a:ea typeface="Arial"/>
-                <a:cs typeface="Arial"/>
-                <a:sym typeface="Arial"/>
-              </a:rPr>
-              <a:t>Distribution of restaurant business in Illinois</a:t>
-            </a:r>
-            <a:endParaRPr sz="1350" b="1" dirty="0">
-              <a:solidFill>
-                <a:srgbClr val="000000"/>
-              </a:solidFill>
-              <a:highlight>
-                <a:srgbClr val="FFFFFF"/>
-              </a:highlight>
-              <a:latin typeface="Arial"/>
-              <a:ea typeface="Arial"/>
-              <a:cs typeface="Arial"/>
-              <a:sym typeface="Arial"/>
-            </a:endParaRPr>
-          </a:p>
-          <a:p>
-            <a:pPr marL="0" lvl="0" indent="0" algn="l" rtl="0">
-              <a:lnSpc>
-                <a:spcPct val="115000"/>
-              </a:lnSpc>
-              <a:spcBef>
-                <a:spcPts val="0"/>
-              </a:spcBef>
-              <a:spcAft>
-                <a:spcPts val="0"/>
-              </a:spcAft>
-              <a:buSzPts val="1800"/>
-              <a:buNone/>
-            </a:pPr>
-            <a:endParaRPr sz="1350" b="1" dirty="0">
-              <a:solidFill>
-                <a:srgbClr val="000000"/>
-              </a:solidFill>
-              <a:highlight>
-                <a:srgbClr val="FFFFFF"/>
-              </a:highlight>
-              <a:latin typeface="Arial"/>
-              <a:ea typeface="Arial"/>
-              <a:cs typeface="Arial"/>
-              <a:sym typeface="Arial"/>
-            </a:endParaRPr>
-          </a:p>
-          <a:p>
-            <a:pPr marL="0" lvl="0" indent="0" algn="l" rtl="0">
-              <a:lnSpc>
-                <a:spcPct val="100000"/>
-              </a:lnSpc>
-              <a:spcBef>
-                <a:spcPts val="1000"/>
-              </a:spcBef>
-              <a:spcAft>
-                <a:spcPts val="0"/>
-              </a:spcAft>
-              <a:buNone/>
-            </a:pPr>
-            <a:endParaRPr sz="1350" b="1" dirty="0">
-              <a:solidFill>
-                <a:srgbClr val="000000"/>
-              </a:solidFill>
-              <a:highlight>
-                <a:srgbClr val="FFFFFF"/>
-              </a:highlight>
-              <a:latin typeface="Arial"/>
-              <a:ea typeface="Arial"/>
-              <a:cs typeface="Arial"/>
-              <a:sym typeface="Arial"/>
-            </a:endParaRPr>
-          </a:p>
-          <a:p>
-            <a:pPr marL="0" lvl="0" indent="0" algn="l" rtl="0">
-              <a:lnSpc>
-                <a:spcPct val="115000"/>
-              </a:lnSpc>
-              <a:spcBef>
-                <a:spcPts val="1600"/>
-              </a:spcBef>
-              <a:spcAft>
-                <a:spcPts val="0"/>
-              </a:spcAft>
-              <a:buSzPts val="1800"/>
-              <a:buNone/>
-            </a:pPr>
-            <a:endParaRPr dirty="0">
-              <a:solidFill>
-                <a:srgbClr val="000000"/>
-              </a:solidFill>
-            </a:endParaRPr>
-          </a:p>
-          <a:p>
-            <a:pPr marL="0" lvl="0" indent="0" algn="l" rtl="0">
-              <a:lnSpc>
-                <a:spcPct val="115000"/>
-              </a:lnSpc>
-              <a:spcBef>
-                <a:spcPts val="1600"/>
-              </a:spcBef>
-              <a:spcAft>
-                <a:spcPts val="1600"/>
-              </a:spcAft>
-              <a:buSzPts val="1800"/>
-              <a:buNone/>
-            </a:pPr>
-            <a:endParaRPr dirty="0">
-              <a:solidFill>
-                <a:srgbClr val="000000"/>
-              </a:solidFill>
-            </a:endParaRPr>
-          </a:p>
-        </p:txBody>
-      </p:sp>
-      <p:pic>
-        <p:nvPicPr>
-          <p:cNvPr id="136" name="Google Shape;136;g83ddf61570_0_20"/>
-          <p:cNvPicPr preferRelativeResize="0"/>
-          <p:nvPr/>
-        </p:nvPicPr>
-        <p:blipFill>
-          <a:blip r:embed="rId3">
-            <a:alphaModFix/>
-          </a:blip>
-          <a:stretch>
-            <a:fillRect/>
-          </a:stretch>
-        </p:blipFill>
-        <p:spPr>
-          <a:xfrm>
-            <a:off x="587071" y="1136516"/>
-            <a:ext cx="7559401" cy="3118089"/>
-          </a:xfrm>
-          <a:prstGeom prst="rect">
-            <a:avLst/>
-          </a:prstGeom>
-          <a:noFill/>
-          <a:ln>
-            <a:noFill/>
-          </a:ln>
-        </p:spPr>
-      </p:pic>
-    </p:spTree>
-    <p:extLst>
-      <p:ext uri="{BB962C8B-B14F-4D97-AF65-F5344CB8AC3E}">
-        <p14:creationId xmlns:p14="http://schemas.microsoft.com/office/powerpoint/2010/main" val="117015801"/>
-      </p:ext>
-    </p:extLst>
-  </p:cSld>
-  <p:clrMapOvr>
-    <a:masterClrMapping/>
-  </p:clrMapOvr>
-</p:sld>
-</file>
-
-<file path=ppt/slides/slide9.xml><?xml version="1.0" encoding="utf-8"?>
-<p:sld xmlns:a="http://schemas.openxmlformats.org/drawingml/2006/main" xmlns:r="http://schemas.openxmlformats.org/officeDocument/2006/relationships" xmlns:p="http://schemas.openxmlformats.org/presentationml/2006/main">
-  <p:cSld>
-    <p:spTree>
-      <p:nvGrpSpPr>
-        <p:cNvPr id="1" name="Shape 140"/>
-        <p:cNvGrpSpPr/>
-        <p:nvPr/>
-      </p:nvGrpSpPr>
-      <p:grpSpPr>
-        <a:xfrm>
-          <a:off x="0" y="0"/>
-          <a:ext cx="0" cy="0"/>
-          <a:chOff x="0" y="0"/>
-          <a:chExt cx="0" cy="0"/>
-        </a:xfrm>
-      </p:grpSpPr>
-      <p:sp>
-        <p:nvSpPr>
-          <p:cNvPr id="141" name="Google Shape;141;g83f00c33ef_0_0"/>
-          <p:cNvSpPr txBox="1">
-            <a:spLocks noGrp="1"/>
-          </p:cNvSpPr>
-          <p:nvPr>
-            <p:ph type="title"/>
-          </p:nvPr>
-        </p:nvSpPr>
-        <p:spPr>
-          <a:xfrm>
-            <a:off x="0" y="0"/>
-            <a:ext cx="5047800" cy="655200"/>
-          </a:xfrm>
-          <a:prstGeom prst="rect">
-            <a:avLst/>
-          </a:prstGeom>
-        </p:spPr>
-        <p:txBody>
-          <a:bodyPr spcFirstLastPara="1" wrap="square" lIns="91425" tIns="91425" rIns="91425" bIns="91425" anchor="t" anchorCtr="0">
-            <a:noAutofit/>
-          </a:bodyPr>
-          <a:lstStyle/>
-          <a:p>
-            <a:pPr marL="0" lvl="0" indent="0" algn="l" rtl="0">
-              <a:spcBef>
-                <a:spcPts val="0"/>
-              </a:spcBef>
-              <a:spcAft>
-                <a:spcPts val="0"/>
-              </a:spcAft>
-              <a:buClr>
-                <a:srgbClr val="000000"/>
-              </a:buClr>
-              <a:buSzPts val="3000"/>
-              <a:buFont typeface="Arial"/>
-              <a:buNone/>
-            </a:pPr>
-            <a:r>
-              <a:rPr lang="en-US" dirty="0">
-                <a:solidFill>
-                  <a:srgbClr val="000000"/>
-                </a:solidFill>
-                <a:highlight>
-                  <a:srgbClr val="FF0000"/>
-                </a:highlight>
-              </a:rPr>
-              <a:t>Exploratory Data Analysis</a:t>
-            </a:r>
-            <a:endParaRPr dirty="0">
-              <a:highlight>
-                <a:srgbClr val="FF0000"/>
-              </a:highlight>
-            </a:endParaRPr>
-          </a:p>
-        </p:txBody>
-      </p:sp>
-      <p:sp>
-        <p:nvSpPr>
-          <p:cNvPr id="142" name="Google Shape;142;g83f00c33ef_0_0"/>
-          <p:cNvSpPr txBox="1">
-            <a:spLocks noGrp="1"/>
-          </p:cNvSpPr>
-          <p:nvPr>
-            <p:ph type="body" idx="1"/>
-          </p:nvPr>
-        </p:nvSpPr>
-        <p:spPr>
-          <a:xfrm>
-            <a:off x="311700" y="1152475"/>
-            <a:ext cx="8520600" cy="3416400"/>
-          </a:xfrm>
-          <a:prstGeom prst="rect">
-            <a:avLst/>
-          </a:prstGeom>
-        </p:spPr>
-        <p:txBody>
-          <a:bodyPr spcFirstLastPara="1" wrap="square" lIns="91425" tIns="91425" rIns="91425" bIns="91425" anchor="t" anchorCtr="0">
-            <a:noAutofit/>
-          </a:bodyPr>
-          <a:lstStyle/>
-          <a:p>
-            <a:pPr marL="0" lvl="0" indent="0" algn="l" rtl="0">
-              <a:spcBef>
-                <a:spcPts val="0"/>
-              </a:spcBef>
-              <a:spcAft>
-                <a:spcPts val="0"/>
-              </a:spcAft>
-              <a:buNone/>
-            </a:pPr>
-            <a:endParaRPr/>
-          </a:p>
-        </p:txBody>
-      </p:sp>
-      <p:pic>
-        <p:nvPicPr>
-          <p:cNvPr id="143" name="Google Shape;143;g83f00c33ef_0_0"/>
-          <p:cNvPicPr preferRelativeResize="0"/>
-          <p:nvPr/>
-        </p:nvPicPr>
-        <p:blipFill>
-          <a:blip r:embed="rId3">
-            <a:alphaModFix/>
-          </a:blip>
-          <a:stretch>
-            <a:fillRect/>
-          </a:stretch>
-        </p:blipFill>
-        <p:spPr>
-          <a:xfrm>
-            <a:off x="83127" y="1028500"/>
-            <a:ext cx="8974721" cy="4057378"/>
-          </a:xfrm>
-          <a:prstGeom prst="rect">
-            <a:avLst/>
-          </a:prstGeom>
-          <a:noFill/>
-          <a:ln>
-            <a:noFill/>
-          </a:ln>
-        </p:spPr>
-      </p:pic>
-      <p:sp>
-        <p:nvSpPr>
-          <p:cNvPr id="144" name="Google Shape;144;g83f00c33ef_0_0"/>
-          <p:cNvSpPr txBox="1"/>
-          <p:nvPr/>
-        </p:nvSpPr>
-        <p:spPr>
-          <a:xfrm>
-            <a:off x="0" y="696088"/>
-            <a:ext cx="4575900" cy="332400"/>
-          </a:xfrm>
-          <a:prstGeom prst="rect">
-            <a:avLst/>
-          </a:prstGeom>
-          <a:noFill/>
-          <a:ln>
-            <a:noFill/>
-          </a:ln>
-        </p:spPr>
-        <p:txBody>
-          <a:bodyPr spcFirstLastPara="1" wrap="square" lIns="91425" tIns="91425" rIns="91425" bIns="91425" anchor="t" anchorCtr="0">
-            <a:noAutofit/>
-          </a:bodyPr>
-          <a:lstStyle/>
-          <a:p>
-            <a:pPr marL="0" lvl="0" indent="0" algn="l" rtl="0">
-              <a:spcBef>
-                <a:spcPts val="0"/>
-              </a:spcBef>
-              <a:spcAft>
-                <a:spcPts val="0"/>
-              </a:spcAft>
-              <a:buNone/>
-            </a:pPr>
-            <a:r>
-              <a:rPr lang="en-US">
-                <a:latin typeface="Average"/>
-                <a:ea typeface="Average"/>
-                <a:cs typeface="Average"/>
-                <a:sym typeface="Average"/>
-              </a:rPr>
-              <a:t>TOP 10 MOST RATED RESTAURANTS IN ILLINOIS</a:t>
-            </a:r>
-            <a:endParaRPr>
-              <a:latin typeface="Average"/>
-              <a:ea typeface="Average"/>
-              <a:cs typeface="Average"/>
-              <a:sym typeface="Average"/>
-            </a:endParaRPr>
-          </a:p>
-          <a:p>
-            <a:pPr marL="0" lvl="0" indent="0" algn="l" rtl="0">
-              <a:spcBef>
-                <a:spcPts val="0"/>
-              </a:spcBef>
-              <a:spcAft>
-                <a:spcPts val="0"/>
-              </a:spcAft>
-              <a:buNone/>
-            </a:pPr>
-            <a:endParaRPr>
-              <a:latin typeface="Average"/>
-              <a:ea typeface="Average"/>
-              <a:cs typeface="Average"/>
-              <a:sym typeface="Average"/>
-            </a:endParaRPr>
-          </a:p>
-        </p:txBody>
-      </p:sp>
-    </p:spTree>
   </p:cSld>
   <p:clrMapOvr>
     <a:masterClrMapping/>

--- a/PPT/Yelp Presentation.pptx
+++ b/PPT/Yelp Presentation.pptx
@@ -5,7 +5,7 @@
     <p:sldMasterId id="2147483648" r:id="rId1"/>
   </p:sldMasterIdLst>
   <p:notesMasterIdLst>
-    <p:notesMasterId r:id="rId28"/>
+    <p:notesMasterId r:id="rId30"/>
   </p:notesMasterIdLst>
   <p:sldIdLst>
     <p:sldId id="256" r:id="rId2"/>
@@ -15,55 +15,57 @@
     <p:sldId id="261" r:id="rId6"/>
     <p:sldId id="285" r:id="rId7"/>
     <p:sldId id="286" r:id="rId8"/>
-    <p:sldId id="262" r:id="rId9"/>
-    <p:sldId id="284" r:id="rId10"/>
-    <p:sldId id="275" r:id="rId11"/>
-    <p:sldId id="266" r:id="rId12"/>
-    <p:sldId id="276" r:id="rId13"/>
-    <p:sldId id="263" r:id="rId14"/>
-    <p:sldId id="264" r:id="rId15"/>
-    <p:sldId id="265" r:id="rId16"/>
-    <p:sldId id="277" r:id="rId17"/>
-    <p:sldId id="279" r:id="rId18"/>
-    <p:sldId id="280" r:id="rId19"/>
-    <p:sldId id="268" r:id="rId20"/>
-    <p:sldId id="278" r:id="rId21"/>
-    <p:sldId id="283" r:id="rId22"/>
-    <p:sldId id="269" r:id="rId23"/>
-    <p:sldId id="270" r:id="rId24"/>
-    <p:sldId id="271" r:id="rId25"/>
-    <p:sldId id="281" r:id="rId26"/>
-    <p:sldId id="282" r:id="rId27"/>
+    <p:sldId id="287" r:id="rId9"/>
+    <p:sldId id="288" r:id="rId10"/>
+    <p:sldId id="262" r:id="rId11"/>
+    <p:sldId id="284" r:id="rId12"/>
+    <p:sldId id="275" r:id="rId13"/>
+    <p:sldId id="266" r:id="rId14"/>
+    <p:sldId id="276" r:id="rId15"/>
+    <p:sldId id="263" r:id="rId16"/>
+    <p:sldId id="264" r:id="rId17"/>
+    <p:sldId id="265" r:id="rId18"/>
+    <p:sldId id="277" r:id="rId19"/>
+    <p:sldId id="279" r:id="rId20"/>
+    <p:sldId id="280" r:id="rId21"/>
+    <p:sldId id="268" r:id="rId22"/>
+    <p:sldId id="278" r:id="rId23"/>
+    <p:sldId id="283" r:id="rId24"/>
+    <p:sldId id="269" r:id="rId25"/>
+    <p:sldId id="270" r:id="rId26"/>
+    <p:sldId id="271" r:id="rId27"/>
+    <p:sldId id="281" r:id="rId28"/>
+    <p:sldId id="282" r:id="rId29"/>
   </p:sldIdLst>
   <p:sldSz cx="9144000" cy="5143500" type="screen16x9"/>
   <p:notesSz cx="6858000" cy="9144000"/>
   <p:embeddedFontLst>
     <p:embeddedFont>
       <p:font typeface="Average" panose="020B0604020202020204" charset="0"/>
-      <p:regular r:id="rId29"/>
+      <p:regular r:id="rId31"/>
     </p:embeddedFont>
     <p:embeddedFont>
       <p:font typeface="Bree Serif" panose="020B0604020202020204" charset="0"/>
-      <p:regular r:id="rId30"/>
+      <p:regular r:id="rId32"/>
     </p:embeddedFont>
     <p:embeddedFont>
       <p:font typeface="Calibri" panose="020F0502020204030204" pitchFamily="34" charset="0"/>
-      <p:regular r:id="rId31"/>
-      <p:bold r:id="rId32"/>
-      <p:italic r:id="rId33"/>
-      <p:boldItalic r:id="rId34"/>
+      <p:regular r:id="rId33"/>
+      <p:bold r:id="rId34"/>
+      <p:italic r:id="rId35"/>
+      <p:boldItalic r:id="rId36"/>
     </p:embeddedFont>
     <p:embeddedFont>
       <p:font typeface="Oswald" panose="020B0604020202020204" charset="0"/>
-      <p:regular r:id="rId35"/>
-      <p:bold r:id="rId36"/>
+      <p:regular r:id="rId37"/>
+      <p:bold r:id="rId38"/>
     </p:embeddedFont>
     <p:embeddedFont>
       <p:font typeface="Roboto Mono" panose="020B0604020202020204" charset="0"/>
-      <p:regular r:id="rId37"/>
-      <p:bold r:id="rId38"/>
-      <p:italic r:id="rId39"/>
-      <p:boldItalic r:id="rId40"/>
+      <p:regular r:id="rId39"/>
+      <p:bold r:id="rId40"/>
+      <p:italic r:id="rId41"/>
+      <p:boldItalic r:id="rId42"/>
     </p:embeddedFont>
   </p:embeddedFontLst>
   <p:defaultTextStyle>
@@ -311,7 +313,7 @@
       </p15:sldGuideLst>
     </p:ext>
     <p:ext uri="http://customooxmlschemas.google.com/">
-      <go:slidesCustomData xmlns:go="http://customooxmlschemas.google.com/" xmlns:p15="http://schemas.microsoft.com/office/powerpoint/2012/main" xmlns:p14="http://schemas.microsoft.com/office/powerpoint/2010/main" xmlns:com="http://schemas.openxmlformats.org/drawingml/2006/compatibility" xmlns:pvml="urn:schemas-microsoft-com:office:powerpoint" xmlns:v="urn:schemas-microsoft-com:vml" xmlns:o="urn:schemas-microsoft-com:office:office" xmlns:dgm="http://schemas.openxmlformats.org/drawingml/2006/diagram" xmlns:c="http://schemas.openxmlformats.org/drawingml/2006/chart" xmlns:mv="urn:schemas-microsoft-com:mac:vml" xmlns:mc="http://schemas.openxmlformats.org/markup-compatibility/2006" xmlns="" r:id="rId41" roundtripDataSignature="AMtx7mhrN0VZjpMeXmHQaTxH0fmdJEZUYA=="/>
+      <go:slidesCustomData xmlns="" xmlns:mc="http://schemas.openxmlformats.org/markup-compatibility/2006" xmlns:mv="urn:schemas-microsoft-com:mac:vml" xmlns:c="http://schemas.openxmlformats.org/drawingml/2006/chart" xmlns:dgm="http://schemas.openxmlformats.org/drawingml/2006/diagram" xmlns:o="urn:schemas-microsoft-com:office:office" xmlns:v="urn:schemas-microsoft-com:vml" xmlns:pvml="urn:schemas-microsoft-com:office:powerpoint" xmlns:com="http://schemas.openxmlformats.org/drawingml/2006/compatibility" xmlns:p14="http://schemas.microsoft.com/office/powerpoint/2010/main" xmlns:p15="http://schemas.microsoft.com/office/powerpoint/2012/main" xmlns:go="http://customooxmlschemas.google.com/" r:id="rId43" roundtripDataSignature="AMtx7mhrN0VZjpMeXmHQaTxH0fmdJEZUYA=="/>
     </p:ext>
   </p:extLst>
 </p:presentation>
@@ -1027,6 +1029,174 @@
   <p:cSld>
     <p:spTree>
       <p:nvGrpSpPr>
+        <p:cNvPr id="1" name="Shape 103"/>
+        <p:cNvGrpSpPr/>
+        <p:nvPr/>
+      </p:nvGrpSpPr>
+      <p:grpSpPr>
+        <a:xfrm>
+          <a:off x="0" y="0"/>
+          <a:ext cx="0" cy="0"/>
+          <a:chOff x="0" y="0"/>
+          <a:chExt cx="0" cy="0"/>
+        </a:xfrm>
+      </p:grpSpPr>
+      <p:sp>
+        <p:nvSpPr>
+          <p:cNvPr id="104" name="Google Shape;104;g83d7f3170d_0_0:notes"/>
+          <p:cNvSpPr>
+            <a:spLocks noGrp="1" noRot="1" noChangeAspect="1"/>
+          </p:cNvSpPr>
+          <p:nvPr>
+            <p:ph type="sldImg" idx="2"/>
+          </p:nvPr>
+        </p:nvSpPr>
+        <p:spPr>
+          <a:xfrm>
+            <a:off x="381000" y="685800"/>
+            <a:ext cx="6096000" cy="3429000"/>
+          </a:xfrm>
+          <a:custGeom>
+            <a:avLst/>
+            <a:gdLst/>
+            <a:ahLst/>
+            <a:cxnLst/>
+            <a:rect l="l" t="t" r="r" b="b"/>
+            <a:pathLst>
+              <a:path w="120000" h="120000" extrusionOk="0">
+                <a:moveTo>
+                  <a:pt x="0" y="0"/>
+                </a:moveTo>
+                <a:lnTo>
+                  <a:pt x="120000" y="0"/>
+                </a:lnTo>
+                <a:lnTo>
+                  <a:pt x="120000" y="120000"/>
+                </a:lnTo>
+                <a:lnTo>
+                  <a:pt x="0" y="120000"/>
+                </a:lnTo>
+                <a:close/>
+              </a:path>
+            </a:pathLst>
+          </a:custGeom>
+          <a:noFill/>
+          <a:ln w="9525" cap="flat" cmpd="sng">
+            <a:solidFill>
+              <a:srgbClr val="000000"/>
+            </a:solidFill>
+            <a:prstDash val="solid"/>
+            <a:round/>
+            <a:headEnd type="none" w="sm" len="sm"/>
+            <a:tailEnd type="none" w="sm" len="sm"/>
+          </a:ln>
+        </p:spPr>
+      </p:sp>
+      <p:sp>
+        <p:nvSpPr>
+          <p:cNvPr id="105" name="Google Shape;105;g83d7f3170d_0_0:notes"/>
+          <p:cNvSpPr txBox="1">
+            <a:spLocks noGrp="1"/>
+          </p:cNvSpPr>
+          <p:nvPr>
+            <p:ph type="body" idx="1"/>
+          </p:nvPr>
+        </p:nvSpPr>
+        <p:spPr>
+          <a:xfrm>
+            <a:off x="685800" y="4343400"/>
+            <a:ext cx="5486400" cy="4114800"/>
+          </a:xfrm>
+          <a:prstGeom prst="rect">
+            <a:avLst/>
+          </a:prstGeom>
+          <a:noFill/>
+          <a:ln>
+            <a:noFill/>
+          </a:ln>
+        </p:spPr>
+        <p:txBody>
+          <a:bodyPr spcFirstLastPara="1" wrap="square" lIns="91425" tIns="91425" rIns="91425" bIns="91425" anchor="t" anchorCtr="0">
+            <a:noAutofit/>
+          </a:bodyPr>
+          <a:lstStyle/>
+          <a:p>
+            <a:pPr marL="0" lvl="0" indent="0" algn="l" rtl="0">
+              <a:lnSpc>
+                <a:spcPct val="100000"/>
+              </a:lnSpc>
+              <a:spcBef>
+                <a:spcPts val="0"/>
+              </a:spcBef>
+              <a:spcAft>
+                <a:spcPts val="0"/>
+              </a:spcAft>
+              <a:buSzPts val="1100"/>
+              <a:buNone/>
+            </a:pPr>
+            <a:r>
+              <a:rPr lang="en-US" sz="1100" b="1" i="0" u="sng" strike="noStrike" cap="none" dirty="0">
+                <a:solidFill>
+                  <a:schemeClr val="dk1"/>
+                </a:solidFill>
+                <a:effectLst/>
+                <a:latin typeface="Arial"/>
+                <a:ea typeface="Arial"/>
+                <a:cs typeface="Arial"/>
+                <a:sym typeface="Arial"/>
+              </a:rPr>
+              <a:t>Review</a:t>
+            </a:r>
+          </a:p>
+          <a:p>
+            <a:pPr marL="0" lvl="0" indent="0" algn="l" rtl="0">
+              <a:lnSpc>
+                <a:spcPct val="100000"/>
+              </a:lnSpc>
+              <a:spcBef>
+                <a:spcPts val="0"/>
+              </a:spcBef>
+              <a:spcAft>
+                <a:spcPts val="0"/>
+              </a:spcAft>
+              <a:buSzPts val="1100"/>
+              <a:buNone/>
+            </a:pPr>
+            <a:r>
+              <a:rPr lang="en-US" sz="1100" b="0" i="0" u="none" strike="noStrike" cap="none" dirty="0">
+                <a:solidFill>
+                  <a:schemeClr val="dk1"/>
+                </a:solidFill>
+                <a:effectLst/>
+                <a:latin typeface="Arial"/>
+                <a:ea typeface="Arial"/>
+                <a:cs typeface="Arial"/>
+                <a:sym typeface="Arial"/>
+              </a:rPr>
+              <a:t> The reasoning for this transformation is that we want to focus more on ranking the user liked restaurants and disliked restaurants in the correct order, rather than predicting user ratings on each restaurant, which would result in high variance over time.</a:t>
+            </a:r>
+            <a:endParaRPr dirty="0"/>
+          </a:p>
+        </p:txBody>
+      </p:sp>
+    </p:spTree>
+    <p:extLst>
+      <p:ext uri="{BB962C8B-B14F-4D97-AF65-F5344CB8AC3E}">
+        <p14:creationId xmlns:p14="http://schemas.microsoft.com/office/powerpoint/2010/main" val="2182279828"/>
+      </p:ext>
+    </p:extLst>
+  </p:cSld>
+  <p:clrMapOvr>
+    <a:masterClrMapping/>
+  </p:clrMapOvr>
+</p:notes>
+</file>
+
+<file path=ppt/notesSlides/notesSlide11.xml><?xml version="1.0" encoding="utf-8"?>
+<p:notes xmlns:a="http://schemas.openxmlformats.org/drawingml/2006/main" xmlns:r="http://schemas.openxmlformats.org/officeDocument/2006/relationships" xmlns:p="http://schemas.openxmlformats.org/presentationml/2006/main" showMasterSp="0" showMasterPhAnim="0">
+  <p:cSld>
+    <p:spTree>
+      <p:nvGrpSpPr>
         <p:cNvPr id="1" name="Shape 130"/>
         <p:cNvGrpSpPr/>
         <p:nvPr/>
@@ -1165,7 +1335,7 @@
 </p:notes>
 </file>
 
-<file path=ppt/notesSlides/notesSlide11.xml><?xml version="1.0" encoding="utf-8"?>
+<file path=ppt/notesSlides/notesSlide12.xml><?xml version="1.0" encoding="utf-8"?>
 <p:notes xmlns:a="http://schemas.openxmlformats.org/drawingml/2006/main" xmlns:r="http://schemas.openxmlformats.org/officeDocument/2006/relationships" xmlns:p="http://schemas.openxmlformats.org/presentationml/2006/main" showMasterSp="0" showMasterPhAnim="0">
   <p:cSld>
     <p:spTree>
@@ -1289,7 +1459,7 @@
 </p:notes>
 </file>
 
-<file path=ppt/notesSlides/notesSlide12.xml><?xml version="1.0" encoding="utf-8"?>
+<file path=ppt/notesSlides/notesSlide13.xml><?xml version="1.0" encoding="utf-8"?>
 <p:notes xmlns:a="http://schemas.openxmlformats.org/drawingml/2006/main" xmlns:r="http://schemas.openxmlformats.org/officeDocument/2006/relationships" xmlns:p="http://schemas.openxmlformats.org/presentationml/2006/main">
   <p:cSld>
     <p:spTree>
@@ -1350,7 +1520,7 @@
 </p:notes>
 </file>
 
-<file path=ppt/notesSlides/notesSlide13.xml><?xml version="1.0" encoding="utf-8"?>
+<file path=ppt/notesSlides/notesSlide14.xml><?xml version="1.0" encoding="utf-8"?>
 <p:notes xmlns:a="http://schemas.openxmlformats.org/drawingml/2006/main" xmlns:r="http://schemas.openxmlformats.org/officeDocument/2006/relationships" xmlns:p="http://schemas.openxmlformats.org/presentationml/2006/main" showMasterSp="0" showMasterPhAnim="0">
   <p:cSld>
     <p:spTree>
@@ -1472,7 +1642,7 @@
 </p:notes>
 </file>
 
-<file path=ppt/notesSlides/notesSlide14.xml><?xml version="1.0" encoding="utf-8"?>
+<file path=ppt/notesSlides/notesSlide15.xml><?xml version="1.0" encoding="utf-8"?>
 <p:notes xmlns:a="http://schemas.openxmlformats.org/drawingml/2006/main" xmlns:r="http://schemas.openxmlformats.org/officeDocument/2006/relationships" xmlns:p="http://schemas.openxmlformats.org/presentationml/2006/main" showMasterSp="0" showMasterPhAnim="0">
   <p:cSld>
     <p:spTree>
@@ -1594,7 +1764,7 @@
 </p:notes>
 </file>
 
-<file path=ppt/notesSlides/notesSlide15.xml><?xml version="1.0" encoding="utf-8"?>
+<file path=ppt/notesSlides/notesSlide16.xml><?xml version="1.0" encoding="utf-8"?>
 <p:notes xmlns:a="http://schemas.openxmlformats.org/drawingml/2006/main" xmlns:r="http://schemas.openxmlformats.org/officeDocument/2006/relationships" xmlns:p="http://schemas.openxmlformats.org/presentationml/2006/main" showMasterSp="0" showMasterPhAnim="0">
   <p:cSld>
     <p:spTree>
@@ -1723,7 +1893,7 @@
 </p:notes>
 </file>
 
-<file path=ppt/notesSlides/notesSlide16.xml><?xml version="1.0" encoding="utf-8"?>
+<file path=ppt/notesSlides/notesSlide17.xml><?xml version="1.0" encoding="utf-8"?>
 <p:notes xmlns:a="http://schemas.openxmlformats.org/drawingml/2006/main" xmlns:r="http://schemas.openxmlformats.org/officeDocument/2006/relationships" xmlns:p="http://schemas.openxmlformats.org/presentationml/2006/main" showMasterSp="0" showMasterPhAnim="0">
   <p:cSld>
     <p:spTree>
@@ -1885,246 +2055,6 @@
         </p:spPr>
       </p:sp>
     </p:spTree>
-  </p:cSld>
-  <p:clrMapOvr>
-    <a:masterClrMapping/>
-  </p:clrMapOvr>
-</p:notes>
-</file>
-
-<file path=ppt/notesSlides/notesSlide17.xml><?xml version="1.0" encoding="utf-8"?>
-<p:notes xmlns:a="http://schemas.openxmlformats.org/drawingml/2006/main" xmlns:r="http://schemas.openxmlformats.org/officeDocument/2006/relationships" xmlns:p="http://schemas.openxmlformats.org/presentationml/2006/main" showMasterSp="0" showMasterPhAnim="0">
-  <p:cSld>
-    <p:spTree>
-      <p:nvGrpSpPr>
-        <p:cNvPr id="1" name="Shape 157"/>
-        <p:cNvGrpSpPr/>
-        <p:nvPr/>
-      </p:nvGrpSpPr>
-      <p:grpSpPr>
-        <a:xfrm>
-          <a:off x="0" y="0"/>
-          <a:ext cx="0" cy="0"/>
-          <a:chOff x="0" y="0"/>
-          <a:chExt cx="0" cy="0"/>
-        </a:xfrm>
-      </p:grpSpPr>
-      <p:sp>
-        <p:nvSpPr>
-          <p:cNvPr id="158" name="Google Shape;158;g83f00c33ef_0_17:notes"/>
-          <p:cNvSpPr>
-            <a:spLocks noGrp="1" noRot="1" noChangeAspect="1"/>
-          </p:cNvSpPr>
-          <p:nvPr>
-            <p:ph type="sldImg" idx="2"/>
-          </p:nvPr>
-        </p:nvSpPr>
-        <p:spPr>
-          <a:xfrm>
-            <a:off x="381000" y="685800"/>
-            <a:ext cx="6096000" cy="3429000"/>
-          </a:xfrm>
-          <a:custGeom>
-            <a:avLst/>
-            <a:gdLst/>
-            <a:ahLst/>
-            <a:cxnLst/>
-            <a:rect l="l" t="t" r="r" b="b"/>
-            <a:pathLst>
-              <a:path w="120000" h="120000" extrusionOk="0">
-                <a:moveTo>
-                  <a:pt x="0" y="0"/>
-                </a:moveTo>
-                <a:lnTo>
-                  <a:pt x="120000" y="0"/>
-                </a:lnTo>
-                <a:lnTo>
-                  <a:pt x="120000" y="120000"/>
-                </a:lnTo>
-                <a:lnTo>
-                  <a:pt x="0" y="120000"/>
-                </a:lnTo>
-                <a:close/>
-              </a:path>
-            </a:pathLst>
-          </a:custGeom>
-        </p:spPr>
-      </p:sp>
-      <p:sp>
-        <p:nvSpPr>
-          <p:cNvPr id="159" name="Google Shape;159;g83f00c33ef_0_17:notes"/>
-          <p:cNvSpPr txBox="1">
-            <a:spLocks noGrp="1"/>
-          </p:cNvSpPr>
-          <p:nvPr>
-            <p:ph type="body" idx="1"/>
-          </p:nvPr>
-        </p:nvSpPr>
-        <p:spPr>
-          <a:xfrm>
-            <a:off x="685800" y="4343400"/>
-            <a:ext cx="5486400" cy="4114800"/>
-          </a:xfrm>
-          <a:prstGeom prst="rect">
-            <a:avLst/>
-          </a:prstGeom>
-        </p:spPr>
-        <p:txBody>
-          <a:bodyPr spcFirstLastPara="1" wrap="square" lIns="91425" tIns="91425" rIns="91425" bIns="91425" anchor="t" anchorCtr="0">
-            <a:noAutofit/>
-          </a:bodyPr>
-          <a:lstStyle/>
-          <a:p>
-            <a:pPr marL="228600" lvl="0" indent="-228600" algn="l" rtl="0">
-              <a:spcBef>
-                <a:spcPts val="0"/>
-              </a:spcBef>
-              <a:spcAft>
-                <a:spcPts val="0"/>
-              </a:spcAft>
-              <a:buAutoNum type="arabicPeriod"/>
-            </a:pPr>
-            <a:r>
-              <a:rPr lang="en-US" dirty="0"/>
-              <a:t>We have used </a:t>
-            </a:r>
-            <a:r>
-              <a:rPr lang="en-US" dirty="0" err="1"/>
-              <a:t>manhathan</a:t>
-            </a:r>
-            <a:r>
-              <a:rPr lang="en-US" dirty="0"/>
-              <a:t> </a:t>
-            </a:r>
-            <a:r>
-              <a:rPr lang="en-US" dirty="0" err="1"/>
-              <a:t>disatance</a:t>
-            </a:r>
-            <a:r>
-              <a:rPr lang="en-US" dirty="0"/>
-              <a:t> as we have high dimensional data</a:t>
-            </a:r>
-          </a:p>
-          <a:p>
-            <a:pPr marL="228600" lvl="0" indent="-228600" algn="l" rtl="0">
-              <a:spcBef>
-                <a:spcPts val="0"/>
-              </a:spcBef>
-              <a:spcAft>
-                <a:spcPts val="0"/>
-              </a:spcAft>
-              <a:buAutoNum type="arabicPeriod"/>
-            </a:pPr>
-            <a:endParaRPr lang="en-US" dirty="0"/>
-          </a:p>
-          <a:p>
-            <a:pPr marL="228600" lvl="0" indent="-228600" algn="l" rtl="0">
-              <a:spcBef>
-                <a:spcPts val="0"/>
-              </a:spcBef>
-              <a:spcAft>
-                <a:spcPts val="0"/>
-              </a:spcAft>
-              <a:buAutoNum type="arabicPeriod"/>
-            </a:pPr>
-            <a:r>
-              <a:rPr lang="en-US" dirty="0"/>
-              <a:t>[20:52, 23/04/2020] Rahul Illinois Tech: If you want to place less emphasis on outliers, </a:t>
-            </a:r>
-            <a:r>
-              <a:rPr lang="en-US" dirty="0" err="1"/>
-              <a:t>manhattan</a:t>
-            </a:r>
-            <a:r>
-              <a:rPr lang="en-US" dirty="0"/>
-              <a:t> distance will try to reduce all errors equally since the gradient has constant magnitude.[20:55, 23/04/2020] Rahul Illinois Tech: The use of Manhattan distance depends a lot on the kind of co-ordinate system that your dataset is using. </a:t>
-            </a:r>
-          </a:p>
-          <a:p>
-            <a:pPr marL="228600" lvl="0" indent="-228600" algn="l" rtl="0">
-              <a:spcBef>
-                <a:spcPts val="0"/>
-              </a:spcBef>
-              <a:spcAft>
-                <a:spcPts val="0"/>
-              </a:spcAft>
-              <a:buAutoNum type="arabicPeriod"/>
-            </a:pPr>
-            <a:r>
-              <a:rPr lang="en-US" dirty="0"/>
-              <a:t>While Euclidean distance gives the shortest or minimum distance between two points, Manhattan has specific </a:t>
-            </a:r>
-            <a:r>
-              <a:rPr lang="en-US" dirty="0" err="1"/>
-              <a:t>implementations.For</a:t>
-            </a:r>
-            <a:r>
-              <a:rPr lang="en-US" dirty="0"/>
-              <a:t> example, if we were to use a Chess dataset, the use of Manhattan distance is more appropriate than Euclidean distance. </a:t>
-            </a:r>
-          </a:p>
-          <a:p>
-            <a:pPr marL="228600" lvl="0" indent="-228600" algn="l" rtl="0">
-              <a:spcBef>
-                <a:spcPts val="0"/>
-              </a:spcBef>
-              <a:spcAft>
-                <a:spcPts val="0"/>
-              </a:spcAft>
-              <a:buAutoNum type="arabicPeriod"/>
-            </a:pPr>
-            <a:r>
-              <a:rPr lang="en-US" dirty="0"/>
-              <a:t>Another use would be when are interested in knowing the distance between houses which are few blocks </a:t>
-            </a:r>
-            <a:r>
-              <a:rPr lang="en-US" dirty="0" err="1"/>
-              <a:t>apart.Also</a:t>
-            </a:r>
-            <a:r>
-              <a:rPr lang="en-US" dirty="0"/>
-              <a:t>, you might want to consider Manhattan distance if the input variables are not similar in type (such as age, gender, height, etc.). </a:t>
-            </a:r>
-          </a:p>
-          <a:p>
-            <a:pPr marL="228600" lvl="0" indent="-228600" algn="l" rtl="0">
-              <a:spcBef>
-                <a:spcPts val="0"/>
-              </a:spcBef>
-              <a:spcAft>
-                <a:spcPts val="0"/>
-              </a:spcAft>
-              <a:buAutoNum type="arabicPeriod"/>
-            </a:pPr>
-            <a:r>
-              <a:rPr lang="en-US" dirty="0"/>
-              <a:t>Due to the curse of dimensionality, we know that Euclidean distance becomes a poor choice as the number of dimensions increases.</a:t>
-            </a:r>
-          </a:p>
-          <a:p>
-            <a:pPr marL="228600" lvl="0" indent="-228600" algn="l" rtl="0">
-              <a:spcBef>
-                <a:spcPts val="0"/>
-              </a:spcBef>
-              <a:spcAft>
-                <a:spcPts val="0"/>
-              </a:spcAft>
-              <a:buAutoNum type="arabicPeriod"/>
-            </a:pPr>
-            <a:r>
-              <a:rPr lang="en-US" dirty="0"/>
-              <a:t>So in a nutshell: Manhattan distance generally works only if the points are arranged in the form of a grid and the problem which we are working on gives more priority to the distance between the points only along with the grids, but not the geometric distance.</a:t>
-            </a:r>
-            <a:endParaRPr dirty="0"/>
-          </a:p>
-        </p:txBody>
-      </p:sp>
-    </p:spTree>
-    <p:extLst>
-      <p:ext uri="{BB962C8B-B14F-4D97-AF65-F5344CB8AC3E}">
-        <p14:creationId xmlns:p14="http://schemas.microsoft.com/office/powerpoint/2010/main" val="4109790018"/>
-      </p:ext>
-    </p:extLst>
   </p:cSld>
   <p:clrMapOvr>
     <a:masterClrMapping/>
@@ -2215,15 +2145,146 @@
           </a:bodyPr>
           <a:lstStyle/>
           <a:p>
-            <a:pPr marL="0" lvl="0" indent="0" algn="l" rtl="0">
-              <a:spcBef>
-                <a:spcPts val="0"/>
-              </a:spcBef>
-              <a:spcAft>
-                <a:spcPts val="0"/>
-              </a:spcAft>
-              <a:buNone/>
+            <a:pPr marL="228600" lvl="0" indent="-228600" algn="l" rtl="0">
+              <a:spcBef>
+                <a:spcPts val="0"/>
+              </a:spcBef>
+              <a:spcAft>
+                <a:spcPts val="0"/>
+              </a:spcAft>
+              <a:buAutoNum type="arabicPeriod"/>
             </a:pPr>
+            <a:r>
+              <a:rPr lang="en-US" dirty="0"/>
+              <a:t>We have used </a:t>
+            </a:r>
+            <a:r>
+              <a:rPr lang="en-US" dirty="0" err="1"/>
+              <a:t>manhathan</a:t>
+            </a:r>
+            <a:r>
+              <a:rPr lang="en-US" dirty="0"/>
+              <a:t> </a:t>
+            </a:r>
+            <a:r>
+              <a:rPr lang="en-US" dirty="0" err="1"/>
+              <a:t>disatance</a:t>
+            </a:r>
+            <a:r>
+              <a:rPr lang="en-US" dirty="0"/>
+              <a:t> as we have high dimensional data</a:t>
+            </a:r>
+          </a:p>
+          <a:p>
+            <a:pPr marL="228600" lvl="0" indent="-228600" algn="l" rtl="0">
+              <a:spcBef>
+                <a:spcPts val="0"/>
+              </a:spcBef>
+              <a:spcAft>
+                <a:spcPts val="0"/>
+              </a:spcAft>
+              <a:buAutoNum type="arabicPeriod"/>
+            </a:pPr>
+            <a:endParaRPr lang="en-US" dirty="0"/>
+          </a:p>
+          <a:p>
+            <a:pPr marL="228600" lvl="0" indent="-228600" algn="l" rtl="0">
+              <a:spcBef>
+                <a:spcPts val="0"/>
+              </a:spcBef>
+              <a:spcAft>
+                <a:spcPts val="0"/>
+              </a:spcAft>
+              <a:buAutoNum type="arabicPeriod"/>
+            </a:pPr>
+            <a:r>
+              <a:rPr lang="en-US" dirty="0"/>
+              <a:t>[20:52, 23/04/2020] Rahul Illinois Tech: If you want to place less emphasis on outliers, </a:t>
+            </a:r>
+            <a:r>
+              <a:rPr lang="en-US" dirty="0" err="1"/>
+              <a:t>manhattan</a:t>
+            </a:r>
+            <a:r>
+              <a:rPr lang="en-US" dirty="0"/>
+              <a:t> distance will try to reduce all errors equally since the gradient has constant magnitude.[20:55, 23/04/2020] Rahul Illinois Tech: The use of Manhattan distance depends a lot on the kind of co-ordinate system that your dataset is using. </a:t>
+            </a:r>
+          </a:p>
+          <a:p>
+            <a:pPr marL="228600" lvl="0" indent="-228600" algn="l" rtl="0">
+              <a:spcBef>
+                <a:spcPts val="0"/>
+              </a:spcBef>
+              <a:spcAft>
+                <a:spcPts val="0"/>
+              </a:spcAft>
+              <a:buAutoNum type="arabicPeriod"/>
+            </a:pPr>
+            <a:r>
+              <a:rPr lang="en-US" dirty="0"/>
+              <a:t>While Euclidean distance gives the shortest or minimum distance between two points, Manhattan has specific </a:t>
+            </a:r>
+            <a:r>
+              <a:rPr lang="en-US" dirty="0" err="1"/>
+              <a:t>implementations.For</a:t>
+            </a:r>
+            <a:r>
+              <a:rPr lang="en-US" dirty="0"/>
+              <a:t> example, if we were to use a Chess dataset, the use of Manhattan distance is more appropriate than Euclidean distance. </a:t>
+            </a:r>
+          </a:p>
+          <a:p>
+            <a:pPr marL="228600" lvl="0" indent="-228600" algn="l" rtl="0">
+              <a:spcBef>
+                <a:spcPts val="0"/>
+              </a:spcBef>
+              <a:spcAft>
+                <a:spcPts val="0"/>
+              </a:spcAft>
+              <a:buAutoNum type="arabicPeriod"/>
+            </a:pPr>
+            <a:r>
+              <a:rPr lang="en-US" dirty="0"/>
+              <a:t>Another use would be when are interested in knowing the distance between houses which are few blocks </a:t>
+            </a:r>
+            <a:r>
+              <a:rPr lang="en-US" dirty="0" err="1"/>
+              <a:t>apart.Also</a:t>
+            </a:r>
+            <a:r>
+              <a:rPr lang="en-US" dirty="0"/>
+              <a:t>, you might want to consider Manhattan distance if the input variables are not similar in type (such as age, gender, height, etc.). </a:t>
+            </a:r>
+          </a:p>
+          <a:p>
+            <a:pPr marL="228600" lvl="0" indent="-228600" algn="l" rtl="0">
+              <a:spcBef>
+                <a:spcPts val="0"/>
+              </a:spcBef>
+              <a:spcAft>
+                <a:spcPts val="0"/>
+              </a:spcAft>
+              <a:buAutoNum type="arabicPeriod"/>
+            </a:pPr>
+            <a:r>
+              <a:rPr lang="en-US" dirty="0"/>
+              <a:t>Due to the curse of dimensionality, we know that Euclidean distance becomes a poor choice as the number of dimensions increases.</a:t>
+            </a:r>
+          </a:p>
+          <a:p>
+            <a:pPr marL="228600" lvl="0" indent="-228600" algn="l" rtl="0">
+              <a:spcBef>
+                <a:spcPts val="0"/>
+              </a:spcBef>
+              <a:spcAft>
+                <a:spcPts val="0"/>
+              </a:spcAft>
+              <a:buAutoNum type="arabicPeriod"/>
+            </a:pPr>
+            <a:r>
+              <a:rPr lang="en-US" dirty="0"/>
+              <a:t>So in a nutshell: Manhattan distance generally works only if the points are arranged in the form of a grid and the problem which we are working on gives more priority to the distance between the points only along with the grids, but not the geometric distance.</a:t>
+            </a:r>
             <a:endParaRPr dirty="0"/>
           </a:p>
         </p:txBody>
@@ -2231,7 +2292,7 @@
     </p:spTree>
     <p:extLst>
       <p:ext uri="{BB962C8B-B14F-4D97-AF65-F5344CB8AC3E}">
-        <p14:creationId xmlns:p14="http://schemas.microsoft.com/office/powerpoint/2010/main" val="2757258477"/>
+        <p14:creationId xmlns:p14="http://schemas.microsoft.com/office/powerpoint/2010/main" val="4109790018"/>
       </p:ext>
     </p:extLst>
   </p:cSld>
@@ -2246,7 +2307,7 @@
   <p:cSld>
     <p:spTree>
       <p:nvGrpSpPr>
-        <p:cNvPr id="1" name="Shape 151"/>
+        <p:cNvPr id="1" name="Shape 157"/>
         <p:cNvGrpSpPr/>
         <p:nvPr/>
       </p:nvGrpSpPr>
@@ -2260,7 +2321,7 @@
       </p:grpSpPr>
       <p:sp>
         <p:nvSpPr>
-          <p:cNvPr id="152" name="Google Shape;152;g83f00c33ef_0_12:notes"/>
+          <p:cNvPr id="158" name="Google Shape;158;g83f00c33ef_0_17:notes"/>
           <p:cNvSpPr>
             <a:spLocks noGrp="1" noRot="1" noChangeAspect="1"/>
           </p:cNvSpPr>
@@ -2301,7 +2362,7 @@
       </p:sp>
       <p:sp>
         <p:nvSpPr>
-          <p:cNvPr id="153" name="Google Shape;153;g83f00c33ef_0_12:notes"/>
+          <p:cNvPr id="159" name="Google Shape;159;g83f00c33ef_0_17:notes"/>
           <p:cNvSpPr txBox="1">
             <a:spLocks noGrp="1"/>
           </p:cNvSpPr>
@@ -2333,11 +2394,16 @@
               </a:spcAft>
               <a:buNone/>
             </a:pPr>
-            <a:endParaRPr/>
+            <a:endParaRPr dirty="0"/>
           </a:p>
         </p:txBody>
       </p:sp>
     </p:spTree>
+    <p:extLst>
+      <p:ext uri="{BB962C8B-B14F-4D97-AF65-F5344CB8AC3E}">
+        <p14:creationId xmlns:p14="http://schemas.microsoft.com/office/powerpoint/2010/main" val="2757258477"/>
+      </p:ext>
+    </p:extLst>
   </p:cSld>
   <p:clrMapOvr>
     <a:masterClrMapping/>
@@ -2454,7 +2520,7 @@
   <p:cSld>
     <p:spTree>
       <p:nvGrpSpPr>
-        <p:cNvPr id="1" name="Shape 157"/>
+        <p:cNvPr id="1" name="Shape 151"/>
         <p:cNvGrpSpPr/>
         <p:nvPr/>
       </p:nvGrpSpPr>
@@ -2468,7 +2534,7 @@
       </p:grpSpPr>
       <p:sp>
         <p:nvSpPr>
-          <p:cNvPr id="158" name="Google Shape;158;g83f00c33ef_0_17:notes"/>
+          <p:cNvPr id="152" name="Google Shape;152;g83f00c33ef_0_12:notes"/>
           <p:cNvSpPr>
             <a:spLocks noGrp="1" noRot="1" noChangeAspect="1"/>
           </p:cNvSpPr>
@@ -2509,7 +2575,7 @@
       </p:sp>
       <p:sp>
         <p:nvSpPr>
-          <p:cNvPr id="159" name="Google Shape;159;g83f00c33ef_0_17:notes"/>
+          <p:cNvPr id="153" name="Google Shape;153;g83f00c33ef_0_12:notes"/>
           <p:cNvSpPr txBox="1">
             <a:spLocks noGrp="1"/>
           </p:cNvSpPr>
@@ -2766,6 +2832,110 @@
   <p:cSld>
     <p:spTree>
       <p:nvGrpSpPr>
+        <p:cNvPr id="1" name="Shape 157"/>
+        <p:cNvGrpSpPr/>
+        <p:nvPr/>
+      </p:nvGrpSpPr>
+      <p:grpSpPr>
+        <a:xfrm>
+          <a:off x="0" y="0"/>
+          <a:ext cx="0" cy="0"/>
+          <a:chOff x="0" y="0"/>
+          <a:chExt cx="0" cy="0"/>
+        </a:xfrm>
+      </p:grpSpPr>
+      <p:sp>
+        <p:nvSpPr>
+          <p:cNvPr id="158" name="Google Shape;158;g83f00c33ef_0_17:notes"/>
+          <p:cNvSpPr>
+            <a:spLocks noGrp="1" noRot="1" noChangeAspect="1"/>
+          </p:cNvSpPr>
+          <p:nvPr>
+            <p:ph type="sldImg" idx="2"/>
+          </p:nvPr>
+        </p:nvSpPr>
+        <p:spPr>
+          <a:xfrm>
+            <a:off x="381000" y="685800"/>
+            <a:ext cx="6096000" cy="3429000"/>
+          </a:xfrm>
+          <a:custGeom>
+            <a:avLst/>
+            <a:gdLst/>
+            <a:ahLst/>
+            <a:cxnLst/>
+            <a:rect l="l" t="t" r="r" b="b"/>
+            <a:pathLst>
+              <a:path w="120000" h="120000" extrusionOk="0">
+                <a:moveTo>
+                  <a:pt x="0" y="0"/>
+                </a:moveTo>
+                <a:lnTo>
+                  <a:pt x="120000" y="0"/>
+                </a:lnTo>
+                <a:lnTo>
+                  <a:pt x="120000" y="120000"/>
+                </a:lnTo>
+                <a:lnTo>
+                  <a:pt x="0" y="120000"/>
+                </a:lnTo>
+                <a:close/>
+              </a:path>
+            </a:pathLst>
+          </a:custGeom>
+        </p:spPr>
+      </p:sp>
+      <p:sp>
+        <p:nvSpPr>
+          <p:cNvPr id="159" name="Google Shape;159;g83f00c33ef_0_17:notes"/>
+          <p:cNvSpPr txBox="1">
+            <a:spLocks noGrp="1"/>
+          </p:cNvSpPr>
+          <p:nvPr>
+            <p:ph type="body" idx="1"/>
+          </p:nvPr>
+        </p:nvSpPr>
+        <p:spPr>
+          <a:xfrm>
+            <a:off x="685800" y="4343400"/>
+            <a:ext cx="5486400" cy="4114800"/>
+          </a:xfrm>
+          <a:prstGeom prst="rect">
+            <a:avLst/>
+          </a:prstGeom>
+        </p:spPr>
+        <p:txBody>
+          <a:bodyPr spcFirstLastPara="1" wrap="square" lIns="91425" tIns="91425" rIns="91425" bIns="91425" anchor="t" anchorCtr="0">
+            <a:noAutofit/>
+          </a:bodyPr>
+          <a:lstStyle/>
+          <a:p>
+            <a:pPr marL="0" lvl="0" indent="0" algn="l" rtl="0">
+              <a:spcBef>
+                <a:spcPts val="0"/>
+              </a:spcBef>
+              <a:spcAft>
+                <a:spcPts val="0"/>
+              </a:spcAft>
+              <a:buNone/>
+            </a:pPr>
+            <a:endParaRPr/>
+          </a:p>
+        </p:txBody>
+      </p:sp>
+    </p:spTree>
+  </p:cSld>
+  <p:clrMapOvr>
+    <a:masterClrMapping/>
+  </p:clrMapOvr>
+</p:notes>
+</file>
+
+<file path=ppt/notesSlides/notesSlide24.xml><?xml version="1.0" encoding="utf-8"?>
+<p:notes xmlns:a="http://schemas.openxmlformats.org/drawingml/2006/main" xmlns:r="http://schemas.openxmlformats.org/officeDocument/2006/relationships" xmlns:p="http://schemas.openxmlformats.org/presentationml/2006/main" showMasterSp="0" showMasterPhAnim="0">
+  <p:cSld>
+    <p:spTree>
+      <p:nvGrpSpPr>
         <p:cNvPr id="1" name="Shape 163"/>
         <p:cNvGrpSpPr/>
         <p:nvPr/>
@@ -2865,7 +3035,7 @@
 </p:notes>
 </file>
 
-<file path=ppt/notesSlides/notesSlide24.xml><?xml version="1.0" encoding="utf-8"?>
+<file path=ppt/notesSlides/notesSlide25.xml><?xml version="1.0" encoding="utf-8"?>
 <p:notes xmlns:a="http://schemas.openxmlformats.org/drawingml/2006/main" xmlns:r="http://schemas.openxmlformats.org/officeDocument/2006/relationships" xmlns:p="http://schemas.openxmlformats.org/presentationml/2006/main" showMasterSp="0" showMasterPhAnim="0">
   <p:cSld>
     <p:spTree>
@@ -2969,7 +3139,7 @@
 </p:notes>
 </file>
 
-<file path=ppt/notesSlides/notesSlide25.xml><?xml version="1.0" encoding="utf-8"?>
+<file path=ppt/notesSlides/notesSlide26.xml><?xml version="1.0" encoding="utf-8"?>
 <p:notes xmlns:a="http://schemas.openxmlformats.org/drawingml/2006/main" xmlns:r="http://schemas.openxmlformats.org/officeDocument/2006/relationships" xmlns:p="http://schemas.openxmlformats.org/presentationml/2006/main" showMasterSp="0" showMasterPhAnim="0">
   <p:cSld>
     <p:spTree>
@@ -3073,7 +3243,7 @@
 </p:notes>
 </file>
 
-<file path=ppt/notesSlides/notesSlide26.xml><?xml version="1.0" encoding="utf-8"?>
+<file path=ppt/notesSlides/notesSlide27.xml><?xml version="1.0" encoding="utf-8"?>
 <p:notes xmlns:a="http://schemas.openxmlformats.org/drawingml/2006/main" xmlns:r="http://schemas.openxmlformats.org/officeDocument/2006/relationships" xmlns:p="http://schemas.openxmlformats.org/presentationml/2006/main" showMasterSp="0" showMasterPhAnim="0">
   <p:cSld>
     <p:spTree>
@@ -3796,11 +3966,11 @@
 </file>
 
 <file path=ppt/notesSlides/notesSlide8.xml><?xml version="1.0" encoding="utf-8"?>
-<p:notes xmlns:a="http://schemas.openxmlformats.org/drawingml/2006/main" xmlns:r="http://schemas.openxmlformats.org/officeDocument/2006/relationships" xmlns:p="http://schemas.openxmlformats.org/presentationml/2006/main" showMasterSp="0" showMasterPhAnim="0">
+<p:notes xmlns:a="http://schemas.openxmlformats.org/drawingml/2006/main" xmlns:r="http://schemas.openxmlformats.org/officeDocument/2006/relationships" xmlns:p="http://schemas.openxmlformats.org/presentationml/2006/main">
   <p:cSld>
     <p:spTree>
       <p:nvGrpSpPr>
-        <p:cNvPr id="1" name="Shape 103"/>
+        <p:cNvPr id="1" name=""/>
         <p:cNvGrpSpPr/>
         <p:nvPr/>
       </p:nvGrpSpPr>
@@ -3814,12 +3984,12 @@
       </p:grpSpPr>
       <p:sp>
         <p:nvSpPr>
-          <p:cNvPr id="104" name="Google Shape;104;g83d7f3170d_0_0:notes"/>
+          <p:cNvPr id="2" name="Slide Image Placeholder 1"/>
           <p:cNvSpPr>
             <a:spLocks noGrp="1" noRot="1" noChangeAspect="1"/>
           </p:cNvSpPr>
           <p:nvPr>
-            <p:ph type="sldImg" idx="2"/>
+            <p:ph type="sldImg"/>
           </p:nvPr>
         </p:nvSpPr>
         <p:spPr>
@@ -3827,89 +3997,33 @@
             <a:off x="381000" y="685800"/>
             <a:ext cx="6096000" cy="3429000"/>
           </a:xfrm>
-          <a:custGeom>
-            <a:avLst/>
-            <a:gdLst/>
-            <a:ahLst/>
-            <a:cxnLst/>
-            <a:rect l="l" t="t" r="r" b="b"/>
-            <a:pathLst>
-              <a:path w="120000" h="120000" extrusionOk="0">
-                <a:moveTo>
-                  <a:pt x="0" y="0"/>
-                </a:moveTo>
-                <a:lnTo>
-                  <a:pt x="120000" y="0"/>
-                </a:lnTo>
-                <a:lnTo>
-                  <a:pt x="120000" y="120000"/>
-                </a:lnTo>
-                <a:lnTo>
-                  <a:pt x="0" y="120000"/>
-                </a:lnTo>
-                <a:close/>
-              </a:path>
-            </a:pathLst>
-          </a:custGeom>
-          <a:noFill/>
-          <a:ln w="9525" cap="flat" cmpd="sng">
-            <a:solidFill>
-              <a:srgbClr val="000000"/>
-            </a:solidFill>
-            <a:prstDash val="solid"/>
-            <a:round/>
-            <a:headEnd type="none" w="sm" len="sm"/>
-            <a:tailEnd type="none" w="sm" len="sm"/>
-          </a:ln>
         </p:spPr>
       </p:sp>
       <p:sp>
         <p:nvSpPr>
-          <p:cNvPr id="105" name="Google Shape;105;g83d7f3170d_0_0:notes"/>
-          <p:cNvSpPr txBox="1">
+          <p:cNvPr id="3" name="Notes Placeholder 2"/>
+          <p:cNvSpPr>
             <a:spLocks noGrp="1"/>
           </p:cNvSpPr>
           <p:nvPr>
             <p:ph type="body" idx="1"/>
           </p:nvPr>
         </p:nvSpPr>
-        <p:spPr>
-          <a:xfrm>
-            <a:off x="685800" y="4343400"/>
-            <a:ext cx="5486400" cy="4114800"/>
-          </a:xfrm>
-          <a:prstGeom prst="rect">
-            <a:avLst/>
-          </a:prstGeom>
-          <a:noFill/>
-          <a:ln>
-            <a:noFill/>
-          </a:ln>
-        </p:spPr>
+        <p:spPr/>
         <p:txBody>
-          <a:bodyPr spcFirstLastPara="1" wrap="square" lIns="91425" tIns="91425" rIns="91425" bIns="91425" anchor="t" anchorCtr="0">
-            <a:noAutofit/>
-          </a:bodyPr>
+          <a:bodyPr/>
           <a:lstStyle/>
           <a:p>
-            <a:pPr marL="0" lvl="0" indent="0" algn="l" rtl="0">
-              <a:lnSpc>
-                <a:spcPct val="100000"/>
-              </a:lnSpc>
-              <a:spcBef>
-                <a:spcPts val="0"/>
-              </a:spcBef>
-              <a:spcAft>
-                <a:spcPts val="0"/>
-              </a:spcAft>
-              <a:buSzPts val="1100"/>
-              <a:buNone/>
-            </a:pPr>
-            <a:endParaRPr dirty="0"/>
+            <a:endParaRPr lang="en-US" dirty="0"/>
           </a:p>
         </p:txBody>
       </p:sp>
     </p:spTree>
+    <p:extLst>
+      <p:ext uri="{BB962C8B-B14F-4D97-AF65-F5344CB8AC3E}">
+        <p14:creationId xmlns:p14="http://schemas.microsoft.com/office/powerpoint/2010/main" val="1523626570"/>
+      </p:ext>
+    </p:extLst>
   </p:cSld>
   <p:clrMapOvr>
     <a:masterClrMapping/>
@@ -4027,57 +4141,11 @@
               <a:buSzPts val="1100"/>
               <a:buNone/>
             </a:pPr>
-            <a:r>
-              <a:rPr lang="en-US" sz="1100" b="1" i="0" u="sng" strike="noStrike" cap="none" dirty="0">
-                <a:solidFill>
-                  <a:schemeClr val="dk1"/>
-                </a:solidFill>
-                <a:effectLst/>
-                <a:latin typeface="Arial"/>
-                <a:ea typeface="Arial"/>
-                <a:cs typeface="Arial"/>
-                <a:sym typeface="Arial"/>
-              </a:rPr>
-              <a:t>Review</a:t>
-            </a:r>
-          </a:p>
-          <a:p>
-            <a:pPr marL="0" lvl="0" indent="0" algn="l" rtl="0">
-              <a:lnSpc>
-                <a:spcPct val="100000"/>
-              </a:lnSpc>
-              <a:spcBef>
-                <a:spcPts val="0"/>
-              </a:spcBef>
-              <a:spcAft>
-                <a:spcPts val="0"/>
-              </a:spcAft>
-              <a:buSzPts val="1100"/>
-              <a:buNone/>
-            </a:pPr>
-            <a:r>
-              <a:rPr lang="en-US" sz="1100" b="0" i="0" u="none" strike="noStrike" cap="none" dirty="0">
-                <a:solidFill>
-                  <a:schemeClr val="dk1"/>
-                </a:solidFill>
-                <a:effectLst/>
-                <a:latin typeface="Arial"/>
-                <a:ea typeface="Arial"/>
-                <a:cs typeface="Arial"/>
-                <a:sym typeface="Arial"/>
-              </a:rPr>
-              <a:t> The reasoning for this transformation is that we want to focus more on ranking the user liked restaurants and disliked restaurants in the correct order, rather than predicting user ratings on each restaurant, which would result in high variance over time.</a:t>
-            </a:r>
             <a:endParaRPr dirty="0"/>
           </a:p>
         </p:txBody>
       </p:sp>
     </p:spTree>
-    <p:extLst>
-      <p:ext uri="{BB962C8B-B14F-4D97-AF65-F5344CB8AC3E}">
-        <p14:creationId xmlns:p14="http://schemas.microsoft.com/office/powerpoint/2010/main" val="2182279828"/>
-      </p:ext>
-    </p:extLst>
   </p:cSld>
   <p:clrMapOvr>
     <a:masterClrMapping/>
@@ -12127,6 +12195,1138 @@
   <p:cSld>
     <p:spTree>
       <p:nvGrpSpPr>
+        <p:cNvPr id="1" name="Shape 106"/>
+        <p:cNvGrpSpPr/>
+        <p:nvPr/>
+      </p:nvGrpSpPr>
+      <p:grpSpPr>
+        <a:xfrm>
+          <a:off x="0" y="0"/>
+          <a:ext cx="0" cy="0"/>
+          <a:chOff x="0" y="0"/>
+          <a:chExt cx="0" cy="0"/>
+        </a:xfrm>
+      </p:grpSpPr>
+      <p:sp>
+        <p:nvSpPr>
+          <p:cNvPr id="107" name="Google Shape;107;g83d7f3170d_0_0"/>
+          <p:cNvSpPr txBox="1">
+            <a:spLocks noGrp="1"/>
+          </p:cNvSpPr>
+          <p:nvPr>
+            <p:ph type="title"/>
+          </p:nvPr>
+        </p:nvSpPr>
+        <p:spPr>
+          <a:xfrm>
+            <a:off x="0" y="0"/>
+            <a:ext cx="3909600" cy="648900"/>
+          </a:xfrm>
+          <a:prstGeom prst="rect">
+            <a:avLst/>
+          </a:prstGeom>
+          <a:noFill/>
+          <a:ln>
+            <a:noFill/>
+          </a:ln>
+        </p:spPr>
+        <p:txBody>
+          <a:bodyPr spcFirstLastPara="1" wrap="square" lIns="91425" tIns="91425" rIns="91425" bIns="91425" anchor="t" anchorCtr="0">
+            <a:noAutofit/>
+          </a:bodyPr>
+          <a:lstStyle/>
+          <a:p>
+            <a:pPr marL="0" lvl="0" indent="0" algn="l" rtl="0">
+              <a:lnSpc>
+                <a:spcPct val="100000"/>
+              </a:lnSpc>
+              <a:spcBef>
+                <a:spcPts val="0"/>
+              </a:spcBef>
+              <a:spcAft>
+                <a:spcPts val="0"/>
+              </a:spcAft>
+              <a:buSzPts val="3000"/>
+              <a:buNone/>
+            </a:pPr>
+            <a:r>
+              <a:rPr lang="en-US" dirty="0">
+                <a:solidFill>
+                  <a:srgbClr val="000000"/>
+                </a:solidFill>
+              </a:rPr>
+              <a:t>Data Preparation</a:t>
+            </a:r>
+            <a:endParaRPr dirty="0">
+              <a:solidFill>
+                <a:srgbClr val="000000"/>
+              </a:solidFill>
+            </a:endParaRPr>
+          </a:p>
+        </p:txBody>
+      </p:sp>
+      <p:sp>
+        <p:nvSpPr>
+          <p:cNvPr id="4" name="Text Box 4">
+            <a:extLst>
+              <a:ext uri="{FF2B5EF4-FFF2-40B4-BE49-F238E27FC236}">
+                <a16:creationId xmlns:a16="http://schemas.microsoft.com/office/drawing/2014/main" id="{85E66F16-B3E1-48E2-A19A-00B4E29CF1F3}"/>
+              </a:ext>
+            </a:extLst>
+          </p:cNvPr>
+          <p:cNvSpPr txBox="1">
+            <a:spLocks noChangeArrowheads="1"/>
+          </p:cNvSpPr>
+          <p:nvPr/>
+        </p:nvSpPr>
+        <p:spPr bwMode="auto">
+          <a:xfrm>
+            <a:off x="189781" y="777264"/>
+            <a:ext cx="8385742" cy="3241944"/>
+          </a:xfrm>
+          <a:prstGeom prst="rect">
+            <a:avLst/>
+          </a:prstGeom>
+          <a:noFill/>
+          <a:ln>
+            <a:noFill/>
+          </a:ln>
+          <a:extLst>
+            <a:ext uri="{909E8E84-426E-40DD-AFC4-6F175D3DCCD1}">
+              <a14:hiddenFill xmlns:a14="http://schemas.microsoft.com/office/drawing/2010/main">
+                <a:solidFill>
+                  <a:srgbClr val="FFFFFF"/>
+                </a:solidFill>
+              </a14:hiddenFill>
+            </a:ext>
+            <a:ext uri="{91240B29-F687-4F45-9708-019B960494DF}">
+              <a14:hiddenLine xmlns:a14="http://schemas.microsoft.com/office/drawing/2010/main" w="9525">
+                <a:solidFill>
+                  <a:srgbClr val="000000"/>
+                </a:solidFill>
+                <a:miter lim="800000"/>
+                <a:headEnd/>
+                <a:tailEnd/>
+              </a14:hiddenLine>
+            </a:ext>
+          </a:extLst>
+        </p:spPr>
+        <p:txBody>
+          <a:bodyPr lIns="67500" tIns="35100" rIns="67500" bIns="35100"/>
+          <a:lstStyle>
+            <a:lvl1pPr marL="265113" indent="-265113">
+              <a:defRPr sz="1400">
+                <a:solidFill>
+                  <a:schemeClr val="tx1"/>
+                </a:solidFill>
+                <a:latin typeface="Arial" charset="0"/>
+              </a:defRPr>
+            </a:lvl1pPr>
+            <a:lvl2pPr marL="742950" indent="-285750">
+              <a:defRPr sz="1400">
+                <a:solidFill>
+                  <a:schemeClr val="tx1"/>
+                </a:solidFill>
+                <a:latin typeface="Arial" charset="0"/>
+              </a:defRPr>
+            </a:lvl2pPr>
+            <a:lvl3pPr marL="1143000" indent="-228600">
+              <a:defRPr sz="1400">
+                <a:solidFill>
+                  <a:schemeClr val="tx1"/>
+                </a:solidFill>
+                <a:latin typeface="Arial" charset="0"/>
+              </a:defRPr>
+            </a:lvl3pPr>
+            <a:lvl4pPr marL="1600200" indent="-228600">
+              <a:defRPr sz="1400">
+                <a:solidFill>
+                  <a:schemeClr val="tx1"/>
+                </a:solidFill>
+                <a:latin typeface="Arial" charset="0"/>
+              </a:defRPr>
+            </a:lvl4pPr>
+            <a:lvl5pPr marL="2057400" indent="-228600">
+              <a:defRPr sz="1400">
+                <a:solidFill>
+                  <a:schemeClr val="tx1"/>
+                </a:solidFill>
+                <a:latin typeface="Arial" charset="0"/>
+              </a:defRPr>
+            </a:lvl5pPr>
+            <a:lvl6pPr marL="2514600" indent="-228600" algn="ctr" eaLnBrk="0" fontAlgn="base" hangingPunct="0">
+              <a:spcBef>
+                <a:spcPct val="50000"/>
+              </a:spcBef>
+              <a:spcAft>
+                <a:spcPct val="0"/>
+              </a:spcAft>
+              <a:buSzPct val="120000"/>
+              <a:buFont typeface="Wingdings" pitchFamily="2" charset="2"/>
+              <a:defRPr sz="1400">
+                <a:solidFill>
+                  <a:schemeClr val="tx1"/>
+                </a:solidFill>
+                <a:latin typeface="Arial" charset="0"/>
+              </a:defRPr>
+            </a:lvl6pPr>
+            <a:lvl7pPr marL="2971800" indent="-228600" algn="ctr" eaLnBrk="0" fontAlgn="base" hangingPunct="0">
+              <a:spcBef>
+                <a:spcPct val="50000"/>
+              </a:spcBef>
+              <a:spcAft>
+                <a:spcPct val="0"/>
+              </a:spcAft>
+              <a:buSzPct val="120000"/>
+              <a:buFont typeface="Wingdings" pitchFamily="2" charset="2"/>
+              <a:defRPr sz="1400">
+                <a:solidFill>
+                  <a:schemeClr val="tx1"/>
+                </a:solidFill>
+                <a:latin typeface="Arial" charset="0"/>
+              </a:defRPr>
+            </a:lvl7pPr>
+            <a:lvl8pPr marL="3429000" indent="-228600" algn="ctr" eaLnBrk="0" fontAlgn="base" hangingPunct="0">
+              <a:spcBef>
+                <a:spcPct val="50000"/>
+              </a:spcBef>
+              <a:spcAft>
+                <a:spcPct val="0"/>
+              </a:spcAft>
+              <a:buSzPct val="120000"/>
+              <a:buFont typeface="Wingdings" pitchFamily="2" charset="2"/>
+              <a:defRPr sz="1400">
+                <a:solidFill>
+                  <a:schemeClr val="tx1"/>
+                </a:solidFill>
+                <a:latin typeface="Arial" charset="0"/>
+              </a:defRPr>
+            </a:lvl8pPr>
+            <a:lvl9pPr marL="3886200" indent="-228600" algn="ctr" eaLnBrk="0" fontAlgn="base" hangingPunct="0">
+              <a:spcBef>
+                <a:spcPct val="50000"/>
+              </a:spcBef>
+              <a:spcAft>
+                <a:spcPct val="0"/>
+              </a:spcAft>
+              <a:buSzPct val="120000"/>
+              <a:buFont typeface="Wingdings" pitchFamily="2" charset="2"/>
+              <a:defRPr sz="1400">
+                <a:solidFill>
+                  <a:schemeClr val="tx1"/>
+                </a:solidFill>
+                <a:latin typeface="Arial" charset="0"/>
+              </a:defRPr>
+            </a:lvl9pPr>
+          </a:lstStyle>
+          <a:p>
+            <a:pPr marL="0" lvl="0" indent="0">
+              <a:lnSpc>
+                <a:spcPct val="115000"/>
+              </a:lnSpc>
+              <a:buSzPts val="1800"/>
+            </a:pPr>
+            <a:r>
+              <a:rPr lang="en-US" u="sng" dirty="0">
+                <a:solidFill>
+                  <a:srgbClr val="000000"/>
+                </a:solidFill>
+                <a:latin typeface="Arial"/>
+              </a:rPr>
+              <a:t>Business</a:t>
+            </a:r>
+          </a:p>
+          <a:p>
+            <a:pPr marL="285750" lvl="0" indent="-285750">
+              <a:lnSpc>
+                <a:spcPct val="115000"/>
+              </a:lnSpc>
+              <a:buSzPts val="1800"/>
+              <a:buFont typeface="Wingdings" panose="05000000000000000000" pitchFamily="2" charset="2"/>
+              <a:buChar char="§"/>
+            </a:pPr>
+            <a:r>
+              <a:rPr lang="en-US" dirty="0">
+                <a:solidFill>
+                  <a:srgbClr val="000000"/>
+                </a:solidFill>
+                <a:latin typeface="Arial"/>
+              </a:rPr>
+              <a:t>Businesses with open = 1 tag were only considered</a:t>
+            </a:r>
+          </a:p>
+          <a:p>
+            <a:pPr marL="285750" lvl="0" indent="-285750">
+              <a:lnSpc>
+                <a:spcPct val="115000"/>
+              </a:lnSpc>
+              <a:buSzPts val="1800"/>
+              <a:buFont typeface="Wingdings" panose="05000000000000000000" pitchFamily="2" charset="2"/>
+              <a:buChar char="§"/>
+            </a:pPr>
+            <a:r>
+              <a:rPr lang="en-US" dirty="0">
+                <a:solidFill>
+                  <a:srgbClr val="000000"/>
+                </a:solidFill>
+                <a:latin typeface="Arial"/>
+              </a:rPr>
+              <a:t>Considered only Illinois-based restaurants in our dataset</a:t>
+            </a:r>
+          </a:p>
+          <a:p>
+            <a:pPr marL="285750" lvl="0" indent="-285750">
+              <a:lnSpc>
+                <a:spcPct val="115000"/>
+              </a:lnSpc>
+              <a:buSzPts val="1800"/>
+              <a:buFont typeface="Wingdings" panose="05000000000000000000" pitchFamily="2" charset="2"/>
+              <a:buChar char="§"/>
+            </a:pPr>
+            <a:r>
+              <a:rPr lang="en-US" dirty="0">
+                <a:solidFill>
+                  <a:srgbClr val="000000"/>
+                </a:solidFill>
+                <a:latin typeface="Arial"/>
+              </a:rPr>
+              <a:t>Features considered for the recommender system :-</a:t>
+            </a:r>
+          </a:p>
+          <a:p>
+            <a:pPr marL="628650" lvl="0" indent="-285750">
+              <a:lnSpc>
+                <a:spcPct val="115000"/>
+              </a:lnSpc>
+              <a:buSzPts val="1800"/>
+              <a:buFont typeface="Arial" panose="020B0604020202020204" pitchFamily="34" charset="0"/>
+              <a:buChar char="•"/>
+            </a:pPr>
+            <a:r>
+              <a:rPr lang="en-US" dirty="0">
+                <a:solidFill>
+                  <a:srgbClr val="000000"/>
+                </a:solidFill>
+                <a:latin typeface="Arial"/>
+              </a:rPr>
+              <a:t>Number of stars</a:t>
+            </a:r>
+          </a:p>
+          <a:p>
+            <a:pPr marL="628650" lvl="0" indent="-285750">
+              <a:lnSpc>
+                <a:spcPct val="115000"/>
+              </a:lnSpc>
+              <a:buSzPts val="1800"/>
+              <a:buFont typeface="Arial" panose="020B0604020202020204" pitchFamily="34" charset="0"/>
+              <a:buChar char="•"/>
+            </a:pPr>
+            <a:r>
+              <a:rPr lang="en-US" dirty="0">
+                <a:solidFill>
+                  <a:srgbClr val="000000"/>
+                </a:solidFill>
+                <a:latin typeface="Arial"/>
+              </a:rPr>
+              <a:t>Review counts of each restaurant</a:t>
+            </a:r>
+          </a:p>
+          <a:p>
+            <a:pPr marL="628650" lvl="0" indent="-285750">
+              <a:lnSpc>
+                <a:spcPct val="115000"/>
+              </a:lnSpc>
+              <a:buSzPts val="1800"/>
+              <a:buFont typeface="Arial" panose="020B0604020202020204" pitchFamily="34" charset="0"/>
+              <a:buChar char="•"/>
+            </a:pPr>
+            <a:r>
+              <a:rPr lang="en-US" dirty="0">
+                <a:solidFill>
+                  <a:srgbClr val="000000"/>
+                </a:solidFill>
+                <a:latin typeface="Arial"/>
+              </a:rPr>
+              <a:t>Categories of the restaurants as item features</a:t>
+            </a:r>
+          </a:p>
+          <a:p>
+            <a:pPr marL="285750" lvl="0" indent="-285750">
+              <a:lnSpc>
+                <a:spcPct val="115000"/>
+              </a:lnSpc>
+              <a:buSzPts val="1800"/>
+              <a:buFont typeface="Wingdings" panose="05000000000000000000" pitchFamily="2" charset="2"/>
+              <a:buChar char="§"/>
+            </a:pPr>
+            <a:r>
+              <a:rPr lang="en-US" dirty="0">
+                <a:solidFill>
+                  <a:srgbClr val="000000"/>
+                </a:solidFill>
+                <a:latin typeface="Arial"/>
+              </a:rPr>
+              <a:t>Out of 436 tags we decided to keep top 60 tags with highest popularities </a:t>
+            </a:r>
+          </a:p>
+          <a:p>
+            <a:pPr marL="285750" lvl="0" indent="-285750">
+              <a:lnSpc>
+                <a:spcPct val="115000"/>
+              </a:lnSpc>
+              <a:buSzPts val="1800"/>
+              <a:buFont typeface="Wingdings" panose="05000000000000000000" pitchFamily="2" charset="2"/>
+              <a:buChar char="§"/>
+            </a:pPr>
+            <a:r>
+              <a:rPr lang="en-US" dirty="0">
+                <a:solidFill>
+                  <a:srgbClr val="000000"/>
+                </a:solidFill>
+                <a:latin typeface="Arial"/>
+              </a:rPr>
+              <a:t>‘Attributes’ column in the dataset was extrapolated to create new features</a:t>
+            </a:r>
+          </a:p>
+          <a:p>
+            <a:pPr marL="285750" lvl="0" indent="-285750">
+              <a:lnSpc>
+                <a:spcPct val="115000"/>
+              </a:lnSpc>
+              <a:buSzPts val="1800"/>
+              <a:buFont typeface="Wingdings" panose="05000000000000000000" pitchFamily="2" charset="2"/>
+              <a:buChar char="§"/>
+            </a:pPr>
+            <a:r>
+              <a:rPr lang="en-US" dirty="0">
+                <a:solidFill>
+                  <a:srgbClr val="000000"/>
+                </a:solidFill>
+                <a:latin typeface="Arial"/>
+              </a:rPr>
+              <a:t>Computed TF-IDF for each tag which will be used as weights during model fitting</a:t>
+            </a:r>
+          </a:p>
+          <a:p>
+            <a:pPr marL="285750" lvl="0" indent="-285750">
+              <a:lnSpc>
+                <a:spcPct val="115000"/>
+              </a:lnSpc>
+              <a:buSzPts val="1800"/>
+              <a:buFont typeface="Wingdings" panose="05000000000000000000" pitchFamily="2" charset="2"/>
+              <a:buChar char="§"/>
+            </a:pPr>
+            <a:r>
+              <a:rPr lang="en-US" dirty="0">
+                <a:solidFill>
+                  <a:srgbClr val="000000"/>
+                </a:solidFill>
+                <a:latin typeface="Arial"/>
+              </a:rPr>
+              <a:t>We have incorporated the median income for each zip code from the secondary dataset </a:t>
+            </a:r>
+          </a:p>
+          <a:p>
+            <a:pPr marL="285750" lvl="0" indent="-285750">
+              <a:lnSpc>
+                <a:spcPct val="115000"/>
+              </a:lnSpc>
+              <a:buSzPts val="1800"/>
+              <a:buFont typeface="Wingdings" panose="05000000000000000000" pitchFamily="2" charset="2"/>
+              <a:buChar char="§"/>
+            </a:pPr>
+            <a:endParaRPr lang="en-US" dirty="0">
+              <a:solidFill>
+                <a:srgbClr val="000000"/>
+              </a:solidFill>
+              <a:latin typeface="Arial"/>
+            </a:endParaRPr>
+          </a:p>
+          <a:p>
+            <a:pPr marL="285750" lvl="0" indent="-285750">
+              <a:lnSpc>
+                <a:spcPct val="115000"/>
+              </a:lnSpc>
+              <a:buSzPts val="1800"/>
+              <a:buFont typeface="Wingdings" panose="05000000000000000000" pitchFamily="2" charset="2"/>
+              <a:buChar char="§"/>
+            </a:pPr>
+            <a:endParaRPr lang="en-US" dirty="0">
+              <a:solidFill>
+                <a:srgbClr val="000000"/>
+              </a:solidFill>
+              <a:latin typeface="Arial"/>
+            </a:endParaRPr>
+          </a:p>
+          <a:p>
+            <a:pPr marL="342900" lvl="0" indent="0">
+              <a:lnSpc>
+                <a:spcPct val="115000"/>
+              </a:lnSpc>
+              <a:buSzPts val="1800"/>
+            </a:pPr>
+            <a:r>
+              <a:rPr lang="en-US" dirty="0">
+                <a:solidFill>
+                  <a:srgbClr val="000000"/>
+                </a:solidFill>
+                <a:latin typeface="Arial"/>
+              </a:rPr>
+              <a:t>		</a:t>
+            </a:r>
+          </a:p>
+          <a:p>
+            <a:pPr marL="0" lvl="0" indent="0">
+              <a:lnSpc>
+                <a:spcPct val="115000"/>
+              </a:lnSpc>
+              <a:buSzPts val="1800"/>
+            </a:pPr>
+            <a:endParaRPr lang="en-US" dirty="0">
+              <a:solidFill>
+                <a:srgbClr val="000000"/>
+              </a:solidFill>
+              <a:latin typeface="Arial"/>
+            </a:endParaRPr>
+          </a:p>
+        </p:txBody>
+      </p:sp>
+      <p:pic>
+        <p:nvPicPr>
+          <p:cNvPr id="7" name="Picture 6">
+            <a:extLst>
+              <a:ext uri="{FF2B5EF4-FFF2-40B4-BE49-F238E27FC236}">
+                <a16:creationId xmlns:a16="http://schemas.microsoft.com/office/drawing/2014/main" id="{8AE24471-478B-43EF-A30A-4FB9BAAECB1C}"/>
+              </a:ext>
+            </a:extLst>
+          </p:cNvPr>
+          <p:cNvPicPr/>
+          <p:nvPr/>
+        </p:nvPicPr>
+        <p:blipFill rotWithShape="1">
+          <a:blip r:embed="rId3"/>
+          <a:srcRect l="40266" t="46574" r="37177" b="28864"/>
+          <a:stretch/>
+        </p:blipFill>
+        <p:spPr bwMode="auto">
+          <a:xfrm>
+            <a:off x="6383546" y="777264"/>
+            <a:ext cx="2570673" cy="2043574"/>
+          </a:xfrm>
+          <a:prstGeom prst="rect">
+            <a:avLst/>
+          </a:prstGeom>
+          <a:ln>
+            <a:solidFill>
+              <a:schemeClr val="bg1"/>
+            </a:solidFill>
+          </a:ln>
+          <a:extLst>
+            <a:ext uri="{53640926-AAD7-44D8-BBD7-CCE9431645EC}">
+              <a14:shadowObscured xmlns:a14="http://schemas.microsoft.com/office/drawing/2010/main"/>
+            </a:ext>
+          </a:extLst>
+        </p:spPr>
+      </p:pic>
+      <p:pic>
+        <p:nvPicPr>
+          <p:cNvPr id="1026" name="Picture 2">
+            <a:extLst>
+              <a:ext uri="{FF2B5EF4-FFF2-40B4-BE49-F238E27FC236}">
+                <a16:creationId xmlns:a16="http://schemas.microsoft.com/office/drawing/2014/main" id="{D44D266E-BCD0-4E9B-897D-6A4C54843A76}"/>
+              </a:ext>
+            </a:extLst>
+          </p:cNvPr>
+          <p:cNvPicPr>
+            <a:picLocks noChangeAspect="1" noChangeArrowheads="1"/>
+          </p:cNvPicPr>
+          <p:nvPr/>
+        </p:nvPicPr>
+        <p:blipFill>
+          <a:blip r:embed="rId4">
+            <a:extLst>
+              <a:ext uri="{28A0092B-C50C-407E-A947-70E740481C1C}">
+                <a14:useLocalDpi xmlns:a14="http://schemas.microsoft.com/office/drawing/2010/main" val="0"/>
+              </a:ext>
+            </a:extLst>
+          </a:blip>
+          <a:srcRect/>
+          <a:stretch>
+            <a:fillRect/>
+          </a:stretch>
+        </p:blipFill>
+        <p:spPr bwMode="auto">
+          <a:xfrm>
+            <a:off x="3817048" y="3605841"/>
+            <a:ext cx="5132995" cy="1377831"/>
+          </a:xfrm>
+          <a:prstGeom prst="rect">
+            <a:avLst/>
+          </a:prstGeom>
+          <a:noFill/>
+          <a:ln>
+            <a:solidFill>
+              <a:schemeClr val="bg1">
+                <a:lumMod val="50000"/>
+              </a:schemeClr>
+            </a:solidFill>
+          </a:ln>
+          <a:extLst>
+            <a:ext uri="{909E8E84-426E-40DD-AFC4-6F175D3DCCD1}">
+              <a14:hiddenFill xmlns:a14="http://schemas.microsoft.com/office/drawing/2010/main">
+                <a:solidFill>
+                  <a:srgbClr val="FFFFFF"/>
+                </a:solidFill>
+              </a14:hiddenFill>
+            </a:ext>
+          </a:extLst>
+        </p:spPr>
+      </p:pic>
+    </p:spTree>
+  </p:cSld>
+  <p:clrMapOvr>
+    <a:masterClrMapping/>
+  </p:clrMapOvr>
+</p:sld>
+</file>
+
+<file path=ppt/slides/slide11.xml><?xml version="1.0" encoding="utf-8"?>
+<p:sld xmlns:a="http://schemas.openxmlformats.org/drawingml/2006/main" xmlns:r="http://schemas.openxmlformats.org/officeDocument/2006/relationships" xmlns:p="http://schemas.openxmlformats.org/presentationml/2006/main">
+  <p:cSld>
+    <p:spTree>
+      <p:nvGrpSpPr>
+        <p:cNvPr id="1" name="Shape 106"/>
+        <p:cNvGrpSpPr/>
+        <p:nvPr/>
+      </p:nvGrpSpPr>
+      <p:grpSpPr>
+        <a:xfrm>
+          <a:off x="0" y="0"/>
+          <a:ext cx="0" cy="0"/>
+          <a:chOff x="0" y="0"/>
+          <a:chExt cx="0" cy="0"/>
+        </a:xfrm>
+      </p:grpSpPr>
+      <p:sp>
+        <p:nvSpPr>
+          <p:cNvPr id="107" name="Google Shape;107;g83d7f3170d_0_0"/>
+          <p:cNvSpPr txBox="1">
+            <a:spLocks noGrp="1"/>
+          </p:cNvSpPr>
+          <p:nvPr>
+            <p:ph type="title"/>
+          </p:nvPr>
+        </p:nvSpPr>
+        <p:spPr>
+          <a:xfrm>
+            <a:off x="0" y="0"/>
+            <a:ext cx="3909600" cy="648900"/>
+          </a:xfrm>
+          <a:prstGeom prst="rect">
+            <a:avLst/>
+          </a:prstGeom>
+          <a:noFill/>
+          <a:ln>
+            <a:noFill/>
+          </a:ln>
+        </p:spPr>
+        <p:txBody>
+          <a:bodyPr spcFirstLastPara="1" wrap="square" lIns="91425" tIns="91425" rIns="91425" bIns="91425" anchor="t" anchorCtr="0">
+            <a:noAutofit/>
+          </a:bodyPr>
+          <a:lstStyle/>
+          <a:p>
+            <a:pPr marL="0" lvl="0" indent="0" algn="l" rtl="0">
+              <a:lnSpc>
+                <a:spcPct val="100000"/>
+              </a:lnSpc>
+              <a:spcBef>
+                <a:spcPts val="0"/>
+              </a:spcBef>
+              <a:spcAft>
+                <a:spcPts val="0"/>
+              </a:spcAft>
+              <a:buSzPts val="3000"/>
+              <a:buNone/>
+            </a:pPr>
+            <a:r>
+              <a:rPr lang="en-US" dirty="0">
+                <a:solidFill>
+                  <a:srgbClr val="000000"/>
+                </a:solidFill>
+              </a:rPr>
+              <a:t>Data Preparation</a:t>
+            </a:r>
+            <a:endParaRPr dirty="0">
+              <a:solidFill>
+                <a:srgbClr val="000000"/>
+              </a:solidFill>
+            </a:endParaRPr>
+          </a:p>
+        </p:txBody>
+      </p:sp>
+      <p:sp>
+        <p:nvSpPr>
+          <p:cNvPr id="4" name="Text Box 4">
+            <a:extLst>
+              <a:ext uri="{FF2B5EF4-FFF2-40B4-BE49-F238E27FC236}">
+                <a16:creationId xmlns:a16="http://schemas.microsoft.com/office/drawing/2014/main" id="{85E66F16-B3E1-48E2-A19A-00B4E29CF1F3}"/>
+              </a:ext>
+            </a:extLst>
+          </p:cNvPr>
+          <p:cNvSpPr txBox="1">
+            <a:spLocks noChangeArrowheads="1"/>
+          </p:cNvSpPr>
+          <p:nvPr/>
+        </p:nvSpPr>
+        <p:spPr bwMode="auto">
+          <a:xfrm>
+            <a:off x="189781" y="777264"/>
+            <a:ext cx="8385742" cy="3241944"/>
+          </a:xfrm>
+          <a:prstGeom prst="rect">
+            <a:avLst/>
+          </a:prstGeom>
+          <a:noFill/>
+          <a:ln>
+            <a:noFill/>
+          </a:ln>
+          <a:extLst>
+            <a:ext uri="{909E8E84-426E-40DD-AFC4-6F175D3DCCD1}">
+              <a14:hiddenFill xmlns:a14="http://schemas.microsoft.com/office/drawing/2010/main">
+                <a:solidFill>
+                  <a:srgbClr val="FFFFFF"/>
+                </a:solidFill>
+              </a14:hiddenFill>
+            </a:ext>
+            <a:ext uri="{91240B29-F687-4F45-9708-019B960494DF}">
+              <a14:hiddenLine xmlns:a14="http://schemas.microsoft.com/office/drawing/2010/main" w="9525">
+                <a:solidFill>
+                  <a:srgbClr val="000000"/>
+                </a:solidFill>
+                <a:miter lim="800000"/>
+                <a:headEnd/>
+                <a:tailEnd/>
+              </a14:hiddenLine>
+            </a:ext>
+          </a:extLst>
+        </p:spPr>
+        <p:txBody>
+          <a:bodyPr lIns="67500" tIns="35100" rIns="67500" bIns="35100"/>
+          <a:lstStyle>
+            <a:lvl1pPr marL="265113" indent="-265113">
+              <a:defRPr sz="1400">
+                <a:solidFill>
+                  <a:schemeClr val="tx1"/>
+                </a:solidFill>
+                <a:latin typeface="Arial" charset="0"/>
+              </a:defRPr>
+            </a:lvl1pPr>
+            <a:lvl2pPr marL="742950" indent="-285750">
+              <a:defRPr sz="1400">
+                <a:solidFill>
+                  <a:schemeClr val="tx1"/>
+                </a:solidFill>
+                <a:latin typeface="Arial" charset="0"/>
+              </a:defRPr>
+            </a:lvl2pPr>
+            <a:lvl3pPr marL="1143000" indent="-228600">
+              <a:defRPr sz="1400">
+                <a:solidFill>
+                  <a:schemeClr val="tx1"/>
+                </a:solidFill>
+                <a:latin typeface="Arial" charset="0"/>
+              </a:defRPr>
+            </a:lvl3pPr>
+            <a:lvl4pPr marL="1600200" indent="-228600">
+              <a:defRPr sz="1400">
+                <a:solidFill>
+                  <a:schemeClr val="tx1"/>
+                </a:solidFill>
+                <a:latin typeface="Arial" charset="0"/>
+              </a:defRPr>
+            </a:lvl4pPr>
+            <a:lvl5pPr marL="2057400" indent="-228600">
+              <a:defRPr sz="1400">
+                <a:solidFill>
+                  <a:schemeClr val="tx1"/>
+                </a:solidFill>
+                <a:latin typeface="Arial" charset="0"/>
+              </a:defRPr>
+            </a:lvl5pPr>
+            <a:lvl6pPr marL="2514600" indent="-228600" algn="ctr" eaLnBrk="0" fontAlgn="base" hangingPunct="0">
+              <a:spcBef>
+                <a:spcPct val="50000"/>
+              </a:spcBef>
+              <a:spcAft>
+                <a:spcPct val="0"/>
+              </a:spcAft>
+              <a:buSzPct val="120000"/>
+              <a:buFont typeface="Wingdings" pitchFamily="2" charset="2"/>
+              <a:defRPr sz="1400">
+                <a:solidFill>
+                  <a:schemeClr val="tx1"/>
+                </a:solidFill>
+                <a:latin typeface="Arial" charset="0"/>
+              </a:defRPr>
+            </a:lvl6pPr>
+            <a:lvl7pPr marL="2971800" indent="-228600" algn="ctr" eaLnBrk="0" fontAlgn="base" hangingPunct="0">
+              <a:spcBef>
+                <a:spcPct val="50000"/>
+              </a:spcBef>
+              <a:spcAft>
+                <a:spcPct val="0"/>
+              </a:spcAft>
+              <a:buSzPct val="120000"/>
+              <a:buFont typeface="Wingdings" pitchFamily="2" charset="2"/>
+              <a:defRPr sz="1400">
+                <a:solidFill>
+                  <a:schemeClr val="tx1"/>
+                </a:solidFill>
+                <a:latin typeface="Arial" charset="0"/>
+              </a:defRPr>
+            </a:lvl7pPr>
+            <a:lvl8pPr marL="3429000" indent="-228600" algn="ctr" eaLnBrk="0" fontAlgn="base" hangingPunct="0">
+              <a:spcBef>
+                <a:spcPct val="50000"/>
+              </a:spcBef>
+              <a:spcAft>
+                <a:spcPct val="0"/>
+              </a:spcAft>
+              <a:buSzPct val="120000"/>
+              <a:buFont typeface="Wingdings" pitchFamily="2" charset="2"/>
+              <a:defRPr sz="1400">
+                <a:solidFill>
+                  <a:schemeClr val="tx1"/>
+                </a:solidFill>
+                <a:latin typeface="Arial" charset="0"/>
+              </a:defRPr>
+            </a:lvl8pPr>
+            <a:lvl9pPr marL="3886200" indent="-228600" algn="ctr" eaLnBrk="0" fontAlgn="base" hangingPunct="0">
+              <a:spcBef>
+                <a:spcPct val="50000"/>
+              </a:spcBef>
+              <a:spcAft>
+                <a:spcPct val="0"/>
+              </a:spcAft>
+              <a:buSzPct val="120000"/>
+              <a:buFont typeface="Wingdings" pitchFamily="2" charset="2"/>
+              <a:defRPr sz="1400">
+                <a:solidFill>
+                  <a:schemeClr val="tx1"/>
+                </a:solidFill>
+                <a:latin typeface="Arial" charset="0"/>
+              </a:defRPr>
+            </a:lvl9pPr>
+          </a:lstStyle>
+          <a:p>
+            <a:pPr marL="0" lvl="0" indent="0">
+              <a:lnSpc>
+                <a:spcPct val="115000"/>
+              </a:lnSpc>
+              <a:buSzPts val="1800"/>
+            </a:pPr>
+            <a:r>
+              <a:rPr lang="en-US" u="sng" dirty="0">
+                <a:solidFill>
+                  <a:srgbClr val="000000"/>
+                </a:solidFill>
+                <a:latin typeface="Arial"/>
+              </a:rPr>
+              <a:t>Review</a:t>
+            </a:r>
+          </a:p>
+          <a:p>
+            <a:pPr marL="285750" lvl="0" indent="-285750">
+              <a:lnSpc>
+                <a:spcPct val="115000"/>
+              </a:lnSpc>
+              <a:buSzPts val="1800"/>
+              <a:buFont typeface="Wingdings" panose="05000000000000000000" pitchFamily="2" charset="2"/>
+              <a:buChar char="§"/>
+            </a:pPr>
+            <a:r>
+              <a:rPr lang="en-US" dirty="0">
+                <a:solidFill>
+                  <a:srgbClr val="000000"/>
+                </a:solidFill>
+                <a:latin typeface="Arial"/>
+              </a:rPr>
+              <a:t>To remove user biases from the ratings provided by the user, we have standardized the users’ rating by subtracting their mean rating, and converting it to [-1,1]</a:t>
+            </a:r>
+          </a:p>
+          <a:p>
+            <a:pPr marL="285750" lvl="0" indent="-285750">
+              <a:lnSpc>
+                <a:spcPct val="115000"/>
+              </a:lnSpc>
+              <a:buSzPts val="1800"/>
+              <a:buFont typeface="Wingdings" panose="05000000000000000000" pitchFamily="2" charset="2"/>
+              <a:buChar char="§"/>
+            </a:pPr>
+            <a:endParaRPr lang="en-US" dirty="0">
+              <a:solidFill>
+                <a:srgbClr val="000000"/>
+              </a:solidFill>
+              <a:latin typeface="Arial"/>
+            </a:endParaRPr>
+          </a:p>
+          <a:p>
+            <a:pPr marL="285750" lvl="0" indent="-285750">
+              <a:lnSpc>
+                <a:spcPct val="115000"/>
+              </a:lnSpc>
+              <a:buSzPts val="1800"/>
+              <a:buFont typeface="Wingdings" panose="05000000000000000000" pitchFamily="2" charset="2"/>
+              <a:buChar char="§"/>
+            </a:pPr>
+            <a:endParaRPr lang="en-US" dirty="0">
+              <a:solidFill>
+                <a:srgbClr val="000000"/>
+              </a:solidFill>
+              <a:latin typeface="Arial"/>
+            </a:endParaRPr>
+          </a:p>
+          <a:p>
+            <a:pPr marL="0" lvl="0" indent="0">
+              <a:lnSpc>
+                <a:spcPct val="115000"/>
+              </a:lnSpc>
+              <a:buSzPts val="1800"/>
+            </a:pPr>
+            <a:r>
+              <a:rPr lang="en-US" u="sng" dirty="0">
+                <a:solidFill>
+                  <a:srgbClr val="000000"/>
+                </a:solidFill>
+                <a:latin typeface="Arial"/>
+              </a:rPr>
+              <a:t>Users</a:t>
+            </a:r>
+          </a:p>
+          <a:p>
+            <a:pPr marL="285750" lvl="0" indent="-285750">
+              <a:lnSpc>
+                <a:spcPct val="115000"/>
+              </a:lnSpc>
+              <a:buSzPts val="1800"/>
+              <a:buFont typeface="Wingdings" panose="05000000000000000000" pitchFamily="2" charset="2"/>
+              <a:buChar char="§"/>
+            </a:pPr>
+            <a:r>
+              <a:rPr lang="en-US" dirty="0">
+                <a:solidFill>
+                  <a:srgbClr val="000000"/>
+                </a:solidFill>
+                <a:latin typeface="Arial"/>
+              </a:rPr>
+              <a:t>Heuristically we have selected the features from the ‘users’ dataset which are not sparse.</a:t>
+            </a:r>
+          </a:p>
+          <a:p>
+            <a:pPr marL="628650" lvl="0" indent="-285750">
+              <a:lnSpc>
+                <a:spcPct val="115000"/>
+              </a:lnSpc>
+              <a:buSzPts val="1800"/>
+              <a:buFont typeface="Arial" panose="020B0604020202020204" pitchFamily="34" charset="0"/>
+              <a:buChar char="•"/>
+            </a:pPr>
+            <a:r>
+              <a:rPr lang="en-US" dirty="0">
+                <a:solidFill>
+                  <a:srgbClr val="000000"/>
+                </a:solidFill>
+                <a:latin typeface="Arial"/>
+              </a:rPr>
+              <a:t>Number of reviews</a:t>
+            </a:r>
+          </a:p>
+          <a:p>
+            <a:pPr marL="628650" lvl="0" indent="-285750">
+              <a:lnSpc>
+                <a:spcPct val="115000"/>
+              </a:lnSpc>
+              <a:buSzPts val="1800"/>
+              <a:buFont typeface="Arial" panose="020B0604020202020204" pitchFamily="34" charset="0"/>
+              <a:buChar char="•"/>
+            </a:pPr>
+            <a:r>
+              <a:rPr lang="en-US" dirty="0">
+                <a:solidFill>
+                  <a:srgbClr val="000000"/>
+                </a:solidFill>
+                <a:latin typeface="Arial"/>
+              </a:rPr>
+              <a:t>Number of times the reviews were regarded as useful</a:t>
+            </a:r>
+          </a:p>
+          <a:p>
+            <a:pPr marL="628650" lvl="0" indent="-285750">
+              <a:lnSpc>
+                <a:spcPct val="115000"/>
+              </a:lnSpc>
+              <a:buSzPts val="1800"/>
+              <a:buFont typeface="Arial" panose="020B0604020202020204" pitchFamily="34" charset="0"/>
+              <a:buChar char="•"/>
+            </a:pPr>
+            <a:r>
+              <a:rPr lang="en-US" dirty="0">
+                <a:solidFill>
+                  <a:srgbClr val="000000"/>
+                </a:solidFill>
+                <a:latin typeface="Arial"/>
+              </a:rPr>
+              <a:t>Whether the user is active/elite user in Yelp</a:t>
+            </a:r>
+          </a:p>
+          <a:p>
+            <a:pPr marL="628650" lvl="0" indent="-285750">
+              <a:lnSpc>
+                <a:spcPct val="115000"/>
+              </a:lnSpc>
+              <a:buSzPts val="1800"/>
+              <a:buFont typeface="Arial" panose="020B0604020202020204" pitchFamily="34" charset="0"/>
+              <a:buChar char="•"/>
+            </a:pPr>
+            <a:r>
+              <a:rPr lang="en-US" dirty="0">
+                <a:solidFill>
+                  <a:srgbClr val="000000"/>
+                </a:solidFill>
+                <a:latin typeface="Arial"/>
+              </a:rPr>
+              <a:t>User’s favorite restaurant category from past interactions</a:t>
+            </a:r>
+          </a:p>
+          <a:p>
+            <a:pPr marL="628650" lvl="0" indent="-285750">
+              <a:lnSpc>
+                <a:spcPct val="115000"/>
+              </a:lnSpc>
+              <a:buSzPts val="1800"/>
+              <a:buFont typeface="Arial" panose="020B0604020202020204" pitchFamily="34" charset="0"/>
+              <a:buChar char="•"/>
+            </a:pPr>
+            <a:endParaRPr lang="en-US" dirty="0">
+              <a:solidFill>
+                <a:srgbClr val="000000"/>
+              </a:solidFill>
+              <a:latin typeface="Arial"/>
+            </a:endParaRPr>
+          </a:p>
+          <a:p>
+            <a:pPr marL="285750" lvl="0" indent="-285750">
+              <a:lnSpc>
+                <a:spcPct val="115000"/>
+              </a:lnSpc>
+              <a:buSzPts val="1800"/>
+              <a:buFont typeface="Wingdings" panose="05000000000000000000" pitchFamily="2" charset="2"/>
+              <a:buChar char="§"/>
+            </a:pPr>
+            <a:endParaRPr lang="en-US" dirty="0">
+              <a:solidFill>
+                <a:srgbClr val="000000"/>
+              </a:solidFill>
+              <a:latin typeface="Arial"/>
+            </a:endParaRPr>
+          </a:p>
+          <a:p>
+            <a:pPr marL="0" lvl="0" indent="0">
+              <a:lnSpc>
+                <a:spcPct val="115000"/>
+              </a:lnSpc>
+              <a:buSzPts val="1800"/>
+            </a:pPr>
+            <a:r>
+              <a:rPr lang="en-US" dirty="0">
+                <a:solidFill>
+                  <a:srgbClr val="000000"/>
+                </a:solidFill>
+                <a:latin typeface="Arial"/>
+              </a:rPr>
+              <a:t>	</a:t>
+            </a:r>
+          </a:p>
+          <a:p>
+            <a:pPr marL="0" lvl="0" indent="0">
+              <a:lnSpc>
+                <a:spcPct val="115000"/>
+              </a:lnSpc>
+              <a:buSzPts val="1800"/>
+            </a:pPr>
+            <a:endParaRPr lang="en-US" dirty="0">
+              <a:solidFill>
+                <a:srgbClr val="000000"/>
+              </a:solidFill>
+              <a:latin typeface="Arial"/>
+            </a:endParaRPr>
+          </a:p>
+          <a:p>
+            <a:pPr marL="0" lvl="0" indent="0">
+              <a:lnSpc>
+                <a:spcPct val="115000"/>
+              </a:lnSpc>
+              <a:buSzPts val="1800"/>
+            </a:pPr>
+            <a:endParaRPr lang="en-US" dirty="0">
+              <a:solidFill>
+                <a:srgbClr val="000000"/>
+              </a:solidFill>
+              <a:latin typeface="Arial"/>
+            </a:endParaRPr>
+          </a:p>
+          <a:p>
+            <a:pPr marL="342900" lvl="0" indent="0">
+              <a:lnSpc>
+                <a:spcPct val="115000"/>
+              </a:lnSpc>
+              <a:buSzPts val="1800"/>
+            </a:pPr>
+            <a:r>
+              <a:rPr lang="en-US" dirty="0">
+                <a:solidFill>
+                  <a:srgbClr val="000000"/>
+                </a:solidFill>
+                <a:latin typeface="Arial"/>
+              </a:rPr>
+              <a:t>		</a:t>
+            </a:r>
+          </a:p>
+          <a:p>
+            <a:pPr marL="0" lvl="0" indent="0">
+              <a:lnSpc>
+                <a:spcPct val="115000"/>
+              </a:lnSpc>
+              <a:buSzPts val="1800"/>
+            </a:pPr>
+            <a:endParaRPr lang="en-US" dirty="0">
+              <a:solidFill>
+                <a:srgbClr val="000000"/>
+              </a:solidFill>
+              <a:latin typeface="Arial"/>
+            </a:endParaRPr>
+          </a:p>
+        </p:txBody>
+      </p:sp>
+    </p:spTree>
+    <p:extLst>
+      <p:ext uri="{BB962C8B-B14F-4D97-AF65-F5344CB8AC3E}">
+        <p14:creationId xmlns:p14="http://schemas.microsoft.com/office/powerpoint/2010/main" val="3950881280"/>
+      </p:ext>
+    </p:extLst>
+  </p:cSld>
+  <p:clrMapOvr>
+    <a:masterClrMapping/>
+  </p:clrMapOvr>
+</p:sld>
+</file>
+
+<file path=ppt/slides/slide12.xml><?xml version="1.0" encoding="utf-8"?>
+<p:sld xmlns:a="http://schemas.openxmlformats.org/drawingml/2006/main" xmlns:r="http://schemas.openxmlformats.org/officeDocument/2006/relationships" xmlns:p="http://schemas.openxmlformats.org/presentationml/2006/main">
+  <p:cSld>
+    <p:spTree>
+      <p:nvGrpSpPr>
         <p:cNvPr id="1" name="Shape 133"/>
         <p:cNvGrpSpPr/>
         <p:nvPr/>
@@ -12417,7 +13617,7 @@
 </p:sld>
 </file>
 
-<file path=ppt/slides/slide11.xml><?xml version="1.0" encoding="utf-8"?>
+<file path=ppt/slides/slide13.xml><?xml version="1.0" encoding="utf-8"?>
 <p:sld xmlns:a="http://schemas.openxmlformats.org/drawingml/2006/main" xmlns:r="http://schemas.openxmlformats.org/officeDocument/2006/relationships" xmlns:p="http://schemas.openxmlformats.org/presentationml/2006/main">
   <p:cSld>
     <p:spTree>
@@ -12635,7 +13835,7 @@
 </p:sld>
 </file>
 
-<file path=ppt/slides/slide12.xml><?xml version="1.0" encoding="utf-8"?>
+<file path=ppt/slides/slide14.xml><?xml version="1.0" encoding="utf-8"?>
 <p:sld xmlns:a="http://schemas.openxmlformats.org/drawingml/2006/main" xmlns:r="http://schemas.openxmlformats.org/officeDocument/2006/relationships" xmlns:p="http://schemas.openxmlformats.org/presentationml/2006/main">
   <p:cSld>
     <p:spTree>
@@ -12844,7 +14044,7 @@
 </p:sld>
 </file>
 
-<file path=ppt/slides/slide13.xml><?xml version="1.0" encoding="utf-8"?>
+<file path=ppt/slides/slide15.xml><?xml version="1.0" encoding="utf-8"?>
 <p:sld xmlns:a="http://schemas.openxmlformats.org/drawingml/2006/main" xmlns:r="http://schemas.openxmlformats.org/officeDocument/2006/relationships" xmlns:p="http://schemas.openxmlformats.org/presentationml/2006/main">
   <p:cSld>
     <p:spTree>
@@ -13061,7 +14261,7 @@
 </p:sld>
 </file>
 
-<file path=ppt/slides/slide14.xml><?xml version="1.0" encoding="utf-8"?>
+<file path=ppt/slides/slide16.xml><?xml version="1.0" encoding="utf-8"?>
 <p:sld xmlns:a="http://schemas.openxmlformats.org/drawingml/2006/main" xmlns:r="http://schemas.openxmlformats.org/officeDocument/2006/relationships" xmlns:p="http://schemas.openxmlformats.org/presentationml/2006/main">
   <p:cSld>
     <p:spTree>
@@ -14022,7 +15222,7 @@
 </p:sld>
 </file>
 
-<file path=ppt/slides/slide15.xml><?xml version="1.0" encoding="utf-8"?>
+<file path=ppt/slides/slide17.xml><?xml version="1.0" encoding="utf-8"?>
 <p:sld xmlns:a="http://schemas.openxmlformats.org/drawingml/2006/main" xmlns:r="http://schemas.openxmlformats.org/officeDocument/2006/relationships" xmlns:p="http://schemas.openxmlformats.org/presentationml/2006/main">
   <p:cSld>
     <p:spTree>
@@ -14677,7 +15877,7 @@
 </p:sld>
 </file>
 
-<file path=ppt/slides/slide16.xml><?xml version="1.0" encoding="utf-8"?>
+<file path=ppt/slides/slide18.xml><?xml version="1.0" encoding="utf-8"?>
 <p:sld xmlns:a="http://schemas.openxmlformats.org/drawingml/2006/main" xmlns:r="http://schemas.openxmlformats.org/officeDocument/2006/relationships" xmlns:p="http://schemas.openxmlformats.org/presentationml/2006/main">
   <p:cSld>
     <p:spTree>
@@ -15285,7 +16485,7 @@
 </p:sld>
 </file>
 
-<file path=ppt/slides/slide17.xml><?xml version="1.0" encoding="utf-8"?>
+<file path=ppt/slides/slide19.xml><?xml version="1.0" encoding="utf-8"?>
 <p:sld xmlns:a="http://schemas.openxmlformats.org/drawingml/2006/main" xmlns:r="http://schemas.openxmlformats.org/officeDocument/2006/relationships" xmlns:p="http://schemas.openxmlformats.org/presentationml/2006/main">
   <p:cSld>
     <p:spTree>
@@ -16283,7 +17483,298 @@
 </p:sld>
 </file>
 
-<file path=ppt/slides/slide18.xml><?xml version="1.0" encoding="utf-8"?>
+<file path=ppt/slides/slide2.xml><?xml version="1.0" encoding="utf-8"?>
+<p:sld xmlns:a="http://schemas.openxmlformats.org/drawingml/2006/main" xmlns:r="http://schemas.openxmlformats.org/officeDocument/2006/relationships" xmlns:p="http://schemas.openxmlformats.org/presentationml/2006/main">
+  <p:cSld>
+    <p:spTree>
+      <p:nvGrpSpPr>
+        <p:cNvPr id="1" name="Shape 64"/>
+        <p:cNvGrpSpPr/>
+        <p:nvPr/>
+      </p:nvGrpSpPr>
+      <p:grpSpPr>
+        <a:xfrm>
+          <a:off x="0" y="0"/>
+          <a:ext cx="0" cy="0"/>
+          <a:chOff x="0" y="0"/>
+          <a:chExt cx="0" cy="0"/>
+        </a:xfrm>
+      </p:grpSpPr>
+      <p:sp>
+        <p:nvSpPr>
+          <p:cNvPr id="65" name="Google Shape;65;g83f00c33ef_0_5"/>
+          <p:cNvSpPr txBox="1">
+            <a:spLocks noGrp="1"/>
+          </p:cNvSpPr>
+          <p:nvPr>
+            <p:ph type="ctrTitle"/>
+          </p:nvPr>
+        </p:nvSpPr>
+        <p:spPr>
+          <a:xfrm>
+            <a:off x="0" y="0"/>
+            <a:ext cx="1831800" cy="640800"/>
+          </a:xfrm>
+          <a:prstGeom prst="rect">
+            <a:avLst/>
+          </a:prstGeom>
+        </p:spPr>
+        <p:txBody>
+          <a:bodyPr spcFirstLastPara="1" wrap="square" lIns="91425" tIns="91425" rIns="91425" bIns="91425" anchor="b" anchorCtr="0">
+            <a:noAutofit/>
+          </a:bodyPr>
+          <a:lstStyle/>
+          <a:p>
+            <a:pPr marL="0" lvl="0" indent="0" algn="l" rtl="0">
+              <a:spcBef>
+                <a:spcPts val="0"/>
+              </a:spcBef>
+              <a:spcAft>
+                <a:spcPts val="0"/>
+              </a:spcAft>
+              <a:buNone/>
+            </a:pPr>
+            <a:r>
+              <a:rPr lang="en-US" sz="3000">
+                <a:solidFill>
+                  <a:srgbClr val="000000"/>
+                </a:solidFill>
+                <a:latin typeface="Bree Serif"/>
+                <a:ea typeface="Bree Serif"/>
+                <a:cs typeface="Bree Serif"/>
+                <a:sym typeface="Bree Serif"/>
+              </a:rPr>
+              <a:t>Agenda</a:t>
+            </a:r>
+            <a:endParaRPr sz="3000">
+              <a:solidFill>
+                <a:srgbClr val="000000"/>
+              </a:solidFill>
+              <a:latin typeface="Bree Serif"/>
+              <a:ea typeface="Bree Serif"/>
+              <a:cs typeface="Bree Serif"/>
+              <a:sym typeface="Bree Serif"/>
+            </a:endParaRPr>
+          </a:p>
+        </p:txBody>
+      </p:sp>
+      <p:sp>
+        <p:nvSpPr>
+          <p:cNvPr id="66" name="Google Shape;66;g83f00c33ef_0_5"/>
+          <p:cNvSpPr txBox="1"/>
+          <p:nvPr/>
+        </p:nvSpPr>
+        <p:spPr>
+          <a:xfrm>
+            <a:off x="483150" y="736950"/>
+            <a:ext cx="8177700" cy="3669600"/>
+          </a:xfrm>
+          <a:prstGeom prst="rect">
+            <a:avLst/>
+          </a:prstGeom>
+          <a:noFill/>
+          <a:ln>
+            <a:noFill/>
+          </a:ln>
+        </p:spPr>
+        <p:txBody>
+          <a:bodyPr spcFirstLastPara="1" wrap="square" lIns="91425" tIns="91425" rIns="91425" bIns="91425" anchor="t" anchorCtr="0">
+            <a:noAutofit/>
+          </a:bodyPr>
+          <a:lstStyle/>
+          <a:p>
+            <a:pPr marL="0" lvl="0" indent="0" algn="l" rtl="0">
+              <a:spcBef>
+                <a:spcPts val="0"/>
+              </a:spcBef>
+              <a:spcAft>
+                <a:spcPts val="0"/>
+              </a:spcAft>
+              <a:buNone/>
+            </a:pPr>
+            <a:r>
+              <a:rPr lang="en-US" sz="2500" dirty="0">
+                <a:latin typeface="+mn-lt"/>
+                <a:ea typeface="Average"/>
+                <a:cs typeface="Average"/>
+                <a:sym typeface="Average"/>
+              </a:rPr>
+              <a:t>1.	Problem Statement</a:t>
+            </a:r>
+            <a:endParaRPr sz="2500" dirty="0">
+              <a:latin typeface="+mn-lt"/>
+              <a:ea typeface="Average"/>
+              <a:cs typeface="Average"/>
+              <a:sym typeface="Average"/>
+            </a:endParaRPr>
+          </a:p>
+          <a:p>
+            <a:pPr marL="0" lvl="0" indent="0" algn="l" rtl="0">
+              <a:spcBef>
+                <a:spcPts val="0"/>
+              </a:spcBef>
+              <a:spcAft>
+                <a:spcPts val="0"/>
+              </a:spcAft>
+              <a:buNone/>
+            </a:pPr>
+            <a:r>
+              <a:rPr lang="en-US" sz="2500" dirty="0">
+                <a:latin typeface="+mn-lt"/>
+                <a:ea typeface="Average"/>
+                <a:cs typeface="Average"/>
+                <a:sym typeface="Average"/>
+              </a:rPr>
+              <a:t>2.	Data Preparation &amp; Data Cleaning</a:t>
+            </a:r>
+            <a:endParaRPr sz="2500" dirty="0">
+              <a:latin typeface="+mn-lt"/>
+              <a:ea typeface="Average"/>
+              <a:cs typeface="Average"/>
+              <a:sym typeface="Average"/>
+            </a:endParaRPr>
+          </a:p>
+          <a:p>
+            <a:pPr marL="0" lvl="0" indent="0" algn="l" rtl="0">
+              <a:spcBef>
+                <a:spcPts val="0"/>
+              </a:spcBef>
+              <a:spcAft>
+                <a:spcPts val="0"/>
+              </a:spcAft>
+              <a:buNone/>
+            </a:pPr>
+            <a:r>
+              <a:rPr lang="en-US" sz="2500" dirty="0">
+                <a:latin typeface="+mn-lt"/>
+                <a:ea typeface="Average"/>
+                <a:cs typeface="Average"/>
+                <a:sym typeface="Average"/>
+              </a:rPr>
+              <a:t>3. 	EDA</a:t>
+            </a:r>
+            <a:endParaRPr sz="2500" dirty="0">
+              <a:latin typeface="+mn-lt"/>
+              <a:ea typeface="Average"/>
+              <a:cs typeface="Average"/>
+              <a:sym typeface="Average"/>
+            </a:endParaRPr>
+          </a:p>
+          <a:p>
+            <a:pPr marL="0" lvl="0" indent="0" algn="l" rtl="0">
+              <a:spcBef>
+                <a:spcPts val="0"/>
+              </a:spcBef>
+              <a:spcAft>
+                <a:spcPts val="0"/>
+              </a:spcAft>
+              <a:buNone/>
+            </a:pPr>
+            <a:r>
+              <a:rPr lang="en-US" sz="2500" dirty="0">
+                <a:latin typeface="+mn-lt"/>
+                <a:ea typeface="Average"/>
+                <a:cs typeface="Average"/>
+                <a:sym typeface="Average"/>
+              </a:rPr>
+              <a:t>4.	Models</a:t>
+            </a:r>
+            <a:endParaRPr sz="2500" dirty="0">
+              <a:latin typeface="+mn-lt"/>
+              <a:ea typeface="Average"/>
+              <a:cs typeface="Average"/>
+              <a:sym typeface="Average"/>
+            </a:endParaRPr>
+          </a:p>
+          <a:p>
+            <a:pPr marL="0" lvl="0" indent="0" algn="l" rtl="0">
+              <a:spcBef>
+                <a:spcPts val="0"/>
+              </a:spcBef>
+              <a:spcAft>
+                <a:spcPts val="0"/>
+              </a:spcAft>
+              <a:buNone/>
+            </a:pPr>
+            <a:r>
+              <a:rPr lang="en-US" sz="2500" dirty="0">
+                <a:latin typeface="+mn-lt"/>
+                <a:ea typeface="Average"/>
+                <a:cs typeface="Average"/>
+                <a:sym typeface="Average"/>
+              </a:rPr>
+              <a:t>5.	Lessons Learned and Future Plans</a:t>
+            </a:r>
+            <a:endParaRPr sz="2500" dirty="0">
+              <a:latin typeface="+mn-lt"/>
+              <a:ea typeface="Average"/>
+              <a:cs typeface="Average"/>
+              <a:sym typeface="Average"/>
+            </a:endParaRPr>
+          </a:p>
+          <a:p>
+            <a:pPr marL="0" lvl="0" indent="0" algn="l" rtl="0">
+              <a:spcBef>
+                <a:spcPts val="0"/>
+              </a:spcBef>
+              <a:spcAft>
+                <a:spcPts val="0"/>
+              </a:spcAft>
+              <a:buNone/>
+            </a:pPr>
+            <a:r>
+              <a:rPr lang="en-US" sz="2500" dirty="0">
+                <a:latin typeface="+mn-lt"/>
+                <a:ea typeface="Average"/>
+                <a:cs typeface="Average"/>
+                <a:sym typeface="Average"/>
+              </a:rPr>
+              <a:t>6.	Deployment</a:t>
+            </a:r>
+            <a:endParaRPr sz="2500" dirty="0">
+              <a:latin typeface="+mn-lt"/>
+              <a:ea typeface="Average"/>
+              <a:cs typeface="Average"/>
+              <a:sym typeface="Average"/>
+            </a:endParaRPr>
+          </a:p>
+          <a:p>
+            <a:pPr marL="0" lvl="0" indent="0" algn="l" rtl="0">
+              <a:spcBef>
+                <a:spcPts val="0"/>
+              </a:spcBef>
+              <a:spcAft>
+                <a:spcPts val="0"/>
+              </a:spcAft>
+              <a:buNone/>
+            </a:pPr>
+            <a:r>
+              <a:rPr lang="en-US" sz="2500" dirty="0">
+                <a:latin typeface="+mn-lt"/>
+                <a:ea typeface="Average"/>
+                <a:cs typeface="Average"/>
+                <a:sym typeface="Average"/>
+              </a:rPr>
+              <a:t>7.	Questions</a:t>
+            </a:r>
+            <a:endParaRPr sz="2500" dirty="0">
+              <a:latin typeface="+mn-lt"/>
+              <a:ea typeface="Average"/>
+              <a:cs typeface="Average"/>
+              <a:sym typeface="Average"/>
+            </a:endParaRPr>
+          </a:p>
+        </p:txBody>
+      </p:sp>
+    </p:spTree>
+  </p:cSld>
+  <p:clrMapOvr>
+    <a:masterClrMapping/>
+  </p:clrMapOvr>
+</p:sld>
+</file>
+
+<file path=ppt/slides/slide20.xml><?xml version="1.0" encoding="utf-8"?>
 <p:sld xmlns:a="http://schemas.openxmlformats.org/drawingml/2006/main" xmlns:r="http://schemas.openxmlformats.org/officeDocument/2006/relationships" xmlns:p="http://schemas.openxmlformats.org/presentationml/2006/main">
   <p:cSld>
     <p:spTree>
@@ -17373,7 +18864,7 @@
 </p:sld>
 </file>
 
-<file path=ppt/slides/slide19.xml><?xml version="1.0" encoding="utf-8"?>
+<file path=ppt/slides/slide21.xml><?xml version="1.0" encoding="utf-8"?>
 <p:sld xmlns:a="http://schemas.openxmlformats.org/drawingml/2006/main" xmlns:r="http://schemas.openxmlformats.org/officeDocument/2006/relationships" xmlns:p="http://schemas.openxmlformats.org/presentationml/2006/main">
   <p:cSld>
     <p:spTree>
@@ -17838,645 +19329,6 @@
                   <a:lumMod val="50000"/>
                 </a:schemeClr>
               </a:solidFill>
-            </a:endParaRPr>
-          </a:p>
-        </p:txBody>
-      </p:sp>
-    </p:spTree>
-  </p:cSld>
-  <p:clrMapOvr>
-    <a:masterClrMapping/>
-  </p:clrMapOvr>
-</p:sld>
-</file>
-
-<file path=ppt/slides/slide2.xml><?xml version="1.0" encoding="utf-8"?>
-<p:sld xmlns:a="http://schemas.openxmlformats.org/drawingml/2006/main" xmlns:r="http://schemas.openxmlformats.org/officeDocument/2006/relationships" xmlns:p="http://schemas.openxmlformats.org/presentationml/2006/main">
-  <p:cSld>
-    <p:spTree>
-      <p:nvGrpSpPr>
-        <p:cNvPr id="1" name="Shape 64"/>
-        <p:cNvGrpSpPr/>
-        <p:nvPr/>
-      </p:nvGrpSpPr>
-      <p:grpSpPr>
-        <a:xfrm>
-          <a:off x="0" y="0"/>
-          <a:ext cx="0" cy="0"/>
-          <a:chOff x="0" y="0"/>
-          <a:chExt cx="0" cy="0"/>
-        </a:xfrm>
-      </p:grpSpPr>
-      <p:sp>
-        <p:nvSpPr>
-          <p:cNvPr id="65" name="Google Shape;65;g83f00c33ef_0_5"/>
-          <p:cNvSpPr txBox="1">
-            <a:spLocks noGrp="1"/>
-          </p:cNvSpPr>
-          <p:nvPr>
-            <p:ph type="ctrTitle"/>
-          </p:nvPr>
-        </p:nvSpPr>
-        <p:spPr>
-          <a:xfrm>
-            <a:off x="0" y="0"/>
-            <a:ext cx="1831800" cy="640800"/>
-          </a:xfrm>
-          <a:prstGeom prst="rect">
-            <a:avLst/>
-          </a:prstGeom>
-        </p:spPr>
-        <p:txBody>
-          <a:bodyPr spcFirstLastPara="1" wrap="square" lIns="91425" tIns="91425" rIns="91425" bIns="91425" anchor="b" anchorCtr="0">
-            <a:noAutofit/>
-          </a:bodyPr>
-          <a:lstStyle/>
-          <a:p>
-            <a:pPr marL="0" lvl="0" indent="0" algn="l" rtl="0">
-              <a:spcBef>
-                <a:spcPts val="0"/>
-              </a:spcBef>
-              <a:spcAft>
-                <a:spcPts val="0"/>
-              </a:spcAft>
-              <a:buNone/>
-            </a:pPr>
-            <a:r>
-              <a:rPr lang="en-US" sz="3000">
-                <a:solidFill>
-                  <a:srgbClr val="000000"/>
-                </a:solidFill>
-                <a:latin typeface="Bree Serif"/>
-                <a:ea typeface="Bree Serif"/>
-                <a:cs typeface="Bree Serif"/>
-                <a:sym typeface="Bree Serif"/>
-              </a:rPr>
-              <a:t>Agenda</a:t>
-            </a:r>
-            <a:endParaRPr sz="3000">
-              <a:solidFill>
-                <a:srgbClr val="000000"/>
-              </a:solidFill>
-              <a:latin typeface="Bree Serif"/>
-              <a:ea typeface="Bree Serif"/>
-              <a:cs typeface="Bree Serif"/>
-              <a:sym typeface="Bree Serif"/>
-            </a:endParaRPr>
-          </a:p>
-        </p:txBody>
-      </p:sp>
-      <p:sp>
-        <p:nvSpPr>
-          <p:cNvPr id="66" name="Google Shape;66;g83f00c33ef_0_5"/>
-          <p:cNvSpPr txBox="1"/>
-          <p:nvPr/>
-        </p:nvSpPr>
-        <p:spPr>
-          <a:xfrm>
-            <a:off x="483150" y="736950"/>
-            <a:ext cx="8177700" cy="3669600"/>
-          </a:xfrm>
-          <a:prstGeom prst="rect">
-            <a:avLst/>
-          </a:prstGeom>
-          <a:noFill/>
-          <a:ln>
-            <a:noFill/>
-          </a:ln>
-        </p:spPr>
-        <p:txBody>
-          <a:bodyPr spcFirstLastPara="1" wrap="square" lIns="91425" tIns="91425" rIns="91425" bIns="91425" anchor="t" anchorCtr="0">
-            <a:noAutofit/>
-          </a:bodyPr>
-          <a:lstStyle/>
-          <a:p>
-            <a:pPr marL="0" lvl="0" indent="0" algn="l" rtl="0">
-              <a:spcBef>
-                <a:spcPts val="0"/>
-              </a:spcBef>
-              <a:spcAft>
-                <a:spcPts val="0"/>
-              </a:spcAft>
-              <a:buNone/>
-            </a:pPr>
-            <a:r>
-              <a:rPr lang="en-US" sz="2500" dirty="0">
-                <a:latin typeface="+mn-lt"/>
-                <a:ea typeface="Average"/>
-                <a:cs typeface="Average"/>
-                <a:sym typeface="Average"/>
-              </a:rPr>
-              <a:t>1.	Problem Statement</a:t>
-            </a:r>
-            <a:endParaRPr sz="2500" dirty="0">
-              <a:latin typeface="+mn-lt"/>
-              <a:ea typeface="Average"/>
-              <a:cs typeface="Average"/>
-              <a:sym typeface="Average"/>
-            </a:endParaRPr>
-          </a:p>
-          <a:p>
-            <a:pPr marL="0" lvl="0" indent="0" algn="l" rtl="0">
-              <a:spcBef>
-                <a:spcPts val="0"/>
-              </a:spcBef>
-              <a:spcAft>
-                <a:spcPts val="0"/>
-              </a:spcAft>
-              <a:buNone/>
-            </a:pPr>
-            <a:r>
-              <a:rPr lang="en-US" sz="2500" dirty="0">
-                <a:latin typeface="+mn-lt"/>
-                <a:ea typeface="Average"/>
-                <a:cs typeface="Average"/>
-                <a:sym typeface="Average"/>
-              </a:rPr>
-              <a:t>2.	Data Preparation &amp; Data Cleaning</a:t>
-            </a:r>
-            <a:endParaRPr sz="2500" dirty="0">
-              <a:latin typeface="+mn-lt"/>
-              <a:ea typeface="Average"/>
-              <a:cs typeface="Average"/>
-              <a:sym typeface="Average"/>
-            </a:endParaRPr>
-          </a:p>
-          <a:p>
-            <a:pPr marL="0" lvl="0" indent="0" algn="l" rtl="0">
-              <a:spcBef>
-                <a:spcPts val="0"/>
-              </a:spcBef>
-              <a:spcAft>
-                <a:spcPts val="0"/>
-              </a:spcAft>
-              <a:buNone/>
-            </a:pPr>
-            <a:r>
-              <a:rPr lang="en-US" sz="2500" dirty="0">
-                <a:latin typeface="+mn-lt"/>
-                <a:ea typeface="Average"/>
-                <a:cs typeface="Average"/>
-                <a:sym typeface="Average"/>
-              </a:rPr>
-              <a:t>3. 	EDA</a:t>
-            </a:r>
-            <a:endParaRPr sz="2500" dirty="0">
-              <a:latin typeface="+mn-lt"/>
-              <a:ea typeface="Average"/>
-              <a:cs typeface="Average"/>
-              <a:sym typeface="Average"/>
-            </a:endParaRPr>
-          </a:p>
-          <a:p>
-            <a:pPr marL="0" lvl="0" indent="0" algn="l" rtl="0">
-              <a:spcBef>
-                <a:spcPts val="0"/>
-              </a:spcBef>
-              <a:spcAft>
-                <a:spcPts val="0"/>
-              </a:spcAft>
-              <a:buNone/>
-            </a:pPr>
-            <a:r>
-              <a:rPr lang="en-US" sz="2500" dirty="0">
-                <a:latin typeface="+mn-lt"/>
-                <a:ea typeface="Average"/>
-                <a:cs typeface="Average"/>
-                <a:sym typeface="Average"/>
-              </a:rPr>
-              <a:t>4.	Models</a:t>
-            </a:r>
-            <a:endParaRPr sz="2500" dirty="0">
-              <a:latin typeface="+mn-lt"/>
-              <a:ea typeface="Average"/>
-              <a:cs typeface="Average"/>
-              <a:sym typeface="Average"/>
-            </a:endParaRPr>
-          </a:p>
-          <a:p>
-            <a:pPr marL="0" lvl="0" indent="0" algn="l" rtl="0">
-              <a:spcBef>
-                <a:spcPts val="0"/>
-              </a:spcBef>
-              <a:spcAft>
-                <a:spcPts val="0"/>
-              </a:spcAft>
-              <a:buNone/>
-            </a:pPr>
-            <a:r>
-              <a:rPr lang="en-US" sz="2500" dirty="0">
-                <a:latin typeface="+mn-lt"/>
-                <a:ea typeface="Average"/>
-                <a:cs typeface="Average"/>
-                <a:sym typeface="Average"/>
-              </a:rPr>
-              <a:t>5.	Lessons Learned and Future Plans</a:t>
-            </a:r>
-            <a:endParaRPr sz="2500" dirty="0">
-              <a:latin typeface="+mn-lt"/>
-              <a:ea typeface="Average"/>
-              <a:cs typeface="Average"/>
-              <a:sym typeface="Average"/>
-            </a:endParaRPr>
-          </a:p>
-          <a:p>
-            <a:pPr marL="0" lvl="0" indent="0" algn="l" rtl="0">
-              <a:spcBef>
-                <a:spcPts val="0"/>
-              </a:spcBef>
-              <a:spcAft>
-                <a:spcPts val="0"/>
-              </a:spcAft>
-              <a:buNone/>
-            </a:pPr>
-            <a:r>
-              <a:rPr lang="en-US" sz="2500" dirty="0">
-                <a:latin typeface="+mn-lt"/>
-                <a:ea typeface="Average"/>
-                <a:cs typeface="Average"/>
-                <a:sym typeface="Average"/>
-              </a:rPr>
-              <a:t>6.	Deployment</a:t>
-            </a:r>
-            <a:endParaRPr sz="2500" dirty="0">
-              <a:latin typeface="+mn-lt"/>
-              <a:ea typeface="Average"/>
-              <a:cs typeface="Average"/>
-              <a:sym typeface="Average"/>
-            </a:endParaRPr>
-          </a:p>
-          <a:p>
-            <a:pPr marL="0" lvl="0" indent="0" algn="l" rtl="0">
-              <a:spcBef>
-                <a:spcPts val="0"/>
-              </a:spcBef>
-              <a:spcAft>
-                <a:spcPts val="0"/>
-              </a:spcAft>
-              <a:buNone/>
-            </a:pPr>
-            <a:r>
-              <a:rPr lang="en-US" sz="2500" dirty="0">
-                <a:latin typeface="+mn-lt"/>
-                <a:ea typeface="Average"/>
-                <a:cs typeface="Average"/>
-                <a:sym typeface="Average"/>
-              </a:rPr>
-              <a:t>7.	Questions</a:t>
-            </a:r>
-            <a:endParaRPr sz="2500" dirty="0">
-              <a:latin typeface="+mn-lt"/>
-              <a:ea typeface="Average"/>
-              <a:cs typeface="Average"/>
-              <a:sym typeface="Average"/>
-            </a:endParaRPr>
-          </a:p>
-        </p:txBody>
-      </p:sp>
-    </p:spTree>
-  </p:cSld>
-  <p:clrMapOvr>
-    <a:masterClrMapping/>
-  </p:clrMapOvr>
-</p:sld>
-</file>
-
-<file path=ppt/slides/slide20.xml><?xml version="1.0" encoding="utf-8"?>
-<p:sld xmlns:a="http://schemas.openxmlformats.org/drawingml/2006/main" xmlns:r="http://schemas.openxmlformats.org/officeDocument/2006/relationships" xmlns:p="http://schemas.openxmlformats.org/presentationml/2006/main">
-  <p:cSld>
-    <p:spTree>
-      <p:nvGrpSpPr>
-        <p:cNvPr id="1" name="Shape 160"/>
-        <p:cNvGrpSpPr/>
-        <p:nvPr/>
-      </p:nvGrpSpPr>
-      <p:grpSpPr>
-        <a:xfrm>
-          <a:off x="0" y="0"/>
-          <a:ext cx="0" cy="0"/>
-          <a:chOff x="0" y="0"/>
-          <a:chExt cx="0" cy="0"/>
-        </a:xfrm>
-      </p:grpSpPr>
-      <p:sp>
-        <p:nvSpPr>
-          <p:cNvPr id="161" name="Google Shape;161;g83f00c33ef_0_17"/>
-          <p:cNvSpPr txBox="1">
-            <a:spLocks noGrp="1"/>
-          </p:cNvSpPr>
-          <p:nvPr>
-            <p:ph type="title"/>
-          </p:nvPr>
-        </p:nvSpPr>
-        <p:spPr>
-          <a:xfrm>
-            <a:off x="0" y="2"/>
-            <a:ext cx="2927700" cy="684300"/>
-          </a:xfrm>
-          <a:prstGeom prst="rect">
-            <a:avLst/>
-          </a:prstGeom>
-        </p:spPr>
-        <p:txBody>
-          <a:bodyPr spcFirstLastPara="1" wrap="square" lIns="91425" tIns="91425" rIns="91425" bIns="91425" anchor="t" anchorCtr="0">
-            <a:noAutofit/>
-          </a:bodyPr>
-          <a:lstStyle/>
-          <a:p>
-            <a:pPr marL="0" lvl="0" indent="0" algn="l" rtl="0">
-              <a:spcBef>
-                <a:spcPts val="0"/>
-              </a:spcBef>
-              <a:spcAft>
-                <a:spcPts val="0"/>
-              </a:spcAft>
-              <a:buNone/>
-            </a:pPr>
-            <a:r>
-              <a:rPr lang="en-US" dirty="0">
-                <a:solidFill>
-                  <a:srgbClr val="000000"/>
-                </a:solidFill>
-              </a:rPr>
-              <a:t>Models</a:t>
-            </a:r>
-            <a:endParaRPr dirty="0">
-              <a:solidFill>
-                <a:srgbClr val="000000"/>
-              </a:solidFill>
-            </a:endParaRPr>
-          </a:p>
-          <a:p>
-            <a:pPr marL="0" lvl="0" indent="0" algn="l" rtl="0">
-              <a:spcBef>
-                <a:spcPts val="0"/>
-              </a:spcBef>
-              <a:spcAft>
-                <a:spcPts val="0"/>
-              </a:spcAft>
-              <a:buNone/>
-            </a:pPr>
-            <a:endParaRPr dirty="0"/>
-          </a:p>
-        </p:txBody>
-      </p:sp>
-      <p:sp>
-        <p:nvSpPr>
-          <p:cNvPr id="162" name="Google Shape;162;g83f00c33ef_0_17"/>
-          <p:cNvSpPr txBox="1">
-            <a:spLocks noGrp="1"/>
-          </p:cNvSpPr>
-          <p:nvPr>
-            <p:ph type="body" idx="1"/>
-          </p:nvPr>
-        </p:nvSpPr>
-        <p:spPr>
-          <a:xfrm>
-            <a:off x="80693" y="767465"/>
-            <a:ext cx="8520600" cy="3416400"/>
-          </a:xfrm>
-          <a:prstGeom prst="rect">
-            <a:avLst/>
-          </a:prstGeom>
-        </p:spPr>
-        <p:txBody>
-          <a:bodyPr spcFirstLastPara="1" wrap="square" lIns="91425" tIns="91425" rIns="91425" bIns="91425" anchor="t" anchorCtr="0">
-            <a:noAutofit/>
-          </a:bodyPr>
-          <a:lstStyle/>
-          <a:p>
-            <a:pPr marL="0" lvl="0" indent="0" algn="l" rtl="0">
-              <a:spcBef>
-                <a:spcPts val="0"/>
-              </a:spcBef>
-              <a:spcAft>
-                <a:spcPts val="0"/>
-              </a:spcAft>
-              <a:buNone/>
-            </a:pPr>
-            <a:r>
-              <a:rPr lang="en-US" b="1" dirty="0">
-                <a:solidFill>
-                  <a:schemeClr val="bg1"/>
-                </a:solidFill>
-              </a:rPr>
-              <a:t>KNN:-</a:t>
-            </a:r>
-          </a:p>
-          <a:p>
-            <a:pPr marL="0" lvl="0" indent="0" algn="l" rtl="0">
-              <a:spcBef>
-                <a:spcPts val="0"/>
-              </a:spcBef>
-              <a:spcAft>
-                <a:spcPts val="0"/>
-              </a:spcAft>
-              <a:buNone/>
-            </a:pPr>
-            <a:endParaRPr b="1" dirty="0">
-              <a:solidFill>
-                <a:schemeClr val="bg1"/>
-              </a:solidFill>
-            </a:endParaRPr>
-          </a:p>
-        </p:txBody>
-      </p:sp>
-    </p:spTree>
-  </p:cSld>
-  <p:clrMapOvr>
-    <a:masterClrMapping/>
-  </p:clrMapOvr>
-</p:sld>
-</file>
-
-<file path=ppt/slides/slide21.xml><?xml version="1.0" encoding="utf-8"?>
-<p:sld xmlns:a="http://schemas.openxmlformats.org/drawingml/2006/main" xmlns:r="http://schemas.openxmlformats.org/officeDocument/2006/relationships" xmlns:p="http://schemas.openxmlformats.org/presentationml/2006/main">
-  <p:cSld>
-    <p:spTree>
-      <p:nvGrpSpPr>
-        <p:cNvPr id="1" name="Shape 160"/>
-        <p:cNvGrpSpPr/>
-        <p:nvPr/>
-      </p:nvGrpSpPr>
-      <p:grpSpPr>
-        <a:xfrm>
-          <a:off x="0" y="0"/>
-          <a:ext cx="0" cy="0"/>
-          <a:chOff x="0" y="0"/>
-          <a:chExt cx="0" cy="0"/>
-        </a:xfrm>
-      </p:grpSpPr>
-      <p:sp>
-        <p:nvSpPr>
-          <p:cNvPr id="161" name="Google Shape;161;g83f00c33ef_0_17"/>
-          <p:cNvSpPr txBox="1">
-            <a:spLocks noGrp="1"/>
-          </p:cNvSpPr>
-          <p:nvPr>
-            <p:ph type="title"/>
-          </p:nvPr>
-        </p:nvSpPr>
-        <p:spPr>
-          <a:xfrm>
-            <a:off x="0" y="2"/>
-            <a:ext cx="2927700" cy="684300"/>
-          </a:xfrm>
-          <a:prstGeom prst="rect">
-            <a:avLst/>
-          </a:prstGeom>
-        </p:spPr>
-        <p:txBody>
-          <a:bodyPr spcFirstLastPara="1" wrap="square" lIns="91425" tIns="91425" rIns="91425" bIns="91425" anchor="t" anchorCtr="0">
-            <a:noAutofit/>
-          </a:bodyPr>
-          <a:lstStyle/>
-          <a:p>
-            <a:pPr marL="0" lvl="0" indent="0" algn="l" rtl="0">
-              <a:spcBef>
-                <a:spcPts val="0"/>
-              </a:spcBef>
-              <a:spcAft>
-                <a:spcPts val="0"/>
-              </a:spcAft>
-              <a:buNone/>
-            </a:pPr>
-            <a:r>
-              <a:rPr lang="en-US" dirty="0">
-                <a:solidFill>
-                  <a:srgbClr val="000000"/>
-                </a:solidFill>
-              </a:rPr>
-              <a:t>Models</a:t>
-            </a:r>
-            <a:endParaRPr dirty="0">
-              <a:solidFill>
-                <a:srgbClr val="000000"/>
-              </a:solidFill>
-            </a:endParaRPr>
-          </a:p>
-          <a:p>
-            <a:pPr marL="0" lvl="0" indent="0" algn="l" rtl="0">
-              <a:spcBef>
-                <a:spcPts val="0"/>
-              </a:spcBef>
-              <a:spcAft>
-                <a:spcPts val="0"/>
-              </a:spcAft>
-              <a:buNone/>
-            </a:pPr>
-            <a:endParaRPr dirty="0"/>
-          </a:p>
-        </p:txBody>
-      </p:sp>
-      <p:sp>
-        <p:nvSpPr>
-          <p:cNvPr id="162" name="Google Shape;162;g83f00c33ef_0_17"/>
-          <p:cNvSpPr txBox="1">
-            <a:spLocks noGrp="1"/>
-          </p:cNvSpPr>
-          <p:nvPr>
-            <p:ph type="body" idx="1"/>
-          </p:nvPr>
-        </p:nvSpPr>
-        <p:spPr>
-          <a:xfrm>
-            <a:off x="311700" y="1152475"/>
-            <a:ext cx="8520600" cy="3416400"/>
-          </a:xfrm>
-          <a:prstGeom prst="rect">
-            <a:avLst/>
-          </a:prstGeom>
-        </p:spPr>
-        <p:txBody>
-          <a:bodyPr spcFirstLastPara="1" wrap="square" lIns="91425" tIns="91425" rIns="91425" bIns="91425" anchor="t" anchorCtr="0">
-            <a:noAutofit/>
-          </a:bodyPr>
-          <a:lstStyle/>
-          <a:p>
-            <a:pPr marL="0" lvl="0" indent="0" algn="l" rtl="0">
-              <a:spcBef>
-                <a:spcPts val="0"/>
-              </a:spcBef>
-              <a:spcAft>
-                <a:spcPts val="0"/>
-              </a:spcAft>
-              <a:buNone/>
-            </a:pPr>
-            <a:r>
-              <a:rPr lang="en-US" b="1" dirty="0">
-                <a:solidFill>
-                  <a:schemeClr val="bg1"/>
-                </a:solidFill>
-                <a:latin typeface="+mn-lt"/>
-              </a:rPr>
-              <a:t>But what if it is a new user?</a:t>
-            </a:r>
-          </a:p>
-          <a:p>
-            <a:pPr marL="285750" lvl="0" indent="-285750" algn="l" rtl="0">
-              <a:spcBef>
-                <a:spcPts val="0"/>
-              </a:spcBef>
-              <a:spcAft>
-                <a:spcPts val="0"/>
-              </a:spcAft>
-              <a:buClr>
-                <a:schemeClr val="accent6">
-                  <a:lumMod val="10000"/>
-                </a:schemeClr>
-              </a:buClr>
-              <a:buFont typeface="Wingdings" pitchFamily="2" charset="2"/>
-              <a:buChar char="§"/>
-            </a:pPr>
-            <a:r>
-              <a:rPr lang="en-US" dirty="0">
-                <a:solidFill>
-                  <a:schemeClr val="bg1"/>
-                </a:solidFill>
-                <a:latin typeface="+mn-lt"/>
-              </a:rPr>
-              <a:t>New users would make the deployed model face “cold start” problem in which the user-item interaction matrix which the model use doesn’t have any data for the new user</a:t>
-            </a:r>
-          </a:p>
-          <a:p>
-            <a:pPr marL="285750" lvl="0" indent="-285750" algn="l" rtl="0">
-              <a:spcBef>
-                <a:spcPts val="0"/>
-              </a:spcBef>
-              <a:spcAft>
-                <a:spcPts val="0"/>
-              </a:spcAft>
-              <a:buClr>
-                <a:schemeClr val="accent6">
-                  <a:lumMod val="10000"/>
-                </a:schemeClr>
-              </a:buClr>
-              <a:buFont typeface="Wingdings" pitchFamily="2" charset="2"/>
-              <a:buChar char="§"/>
-            </a:pPr>
-            <a:r>
-              <a:rPr lang="en-US" dirty="0">
-                <a:solidFill>
-                  <a:schemeClr val="bg1"/>
-                </a:solidFill>
-                <a:latin typeface="+mn-lt"/>
-              </a:rPr>
-              <a:t>In this case, we created a different matrix factorization model using the user and item features and then get the new user’s parsed through which checks for its similarity with existing user and then recommends </a:t>
-            </a:r>
-            <a:r>
-              <a:rPr lang="en-US">
-                <a:solidFill>
-                  <a:schemeClr val="bg1"/>
-                </a:solidFill>
-                <a:latin typeface="+mn-lt"/>
-              </a:rPr>
-              <a:t>restaurants.</a:t>
-            </a:r>
-            <a:endParaRPr lang="en-US" dirty="0">
-              <a:solidFill>
-                <a:schemeClr val="bg1"/>
-              </a:solidFill>
-              <a:latin typeface="+mn-lt"/>
             </a:endParaRPr>
           </a:p>
         </p:txBody>
@@ -18541,14 +19393,14 @@
               <a:buNone/>
             </a:pPr>
             <a:r>
-              <a:rPr lang="en-US">
+              <a:rPr lang="en-US" dirty="0">
                 <a:solidFill>
                   <a:srgbClr val="000000"/>
                 </a:solidFill>
               </a:rPr>
-              <a:t>Model</a:t>
+              <a:t>Models</a:t>
             </a:r>
-            <a:endParaRPr>
+            <a:endParaRPr dirty="0">
               <a:solidFill>
                 <a:srgbClr val="000000"/>
               </a:solidFill>
@@ -18564,7 +19416,155 @@
               </a:spcAft>
               <a:buNone/>
             </a:pPr>
-            <a:endParaRPr/>
+            <a:endParaRPr dirty="0"/>
+          </a:p>
+        </p:txBody>
+      </p:sp>
+      <p:sp>
+        <p:nvSpPr>
+          <p:cNvPr id="162" name="Google Shape;162;g83f00c33ef_0_17"/>
+          <p:cNvSpPr txBox="1">
+            <a:spLocks noGrp="1"/>
+          </p:cNvSpPr>
+          <p:nvPr>
+            <p:ph type="body" idx="1"/>
+          </p:nvPr>
+        </p:nvSpPr>
+        <p:spPr>
+          <a:xfrm>
+            <a:off x="80693" y="767465"/>
+            <a:ext cx="8520600" cy="3416400"/>
+          </a:xfrm>
+          <a:prstGeom prst="rect">
+            <a:avLst/>
+          </a:prstGeom>
+        </p:spPr>
+        <p:txBody>
+          <a:bodyPr spcFirstLastPara="1" wrap="square" lIns="91425" tIns="91425" rIns="91425" bIns="91425" anchor="t" anchorCtr="0">
+            <a:noAutofit/>
+          </a:bodyPr>
+          <a:lstStyle/>
+          <a:p>
+            <a:pPr marL="0" lvl="0" indent="0" algn="l" rtl="0">
+              <a:spcBef>
+                <a:spcPts val="0"/>
+              </a:spcBef>
+              <a:spcAft>
+                <a:spcPts val="0"/>
+              </a:spcAft>
+              <a:buNone/>
+            </a:pPr>
+            <a:r>
+              <a:rPr lang="en-US" b="1" dirty="0">
+                <a:solidFill>
+                  <a:schemeClr val="bg1"/>
+                </a:solidFill>
+              </a:rPr>
+              <a:t>KNN:-</a:t>
+            </a:r>
+          </a:p>
+          <a:p>
+            <a:pPr marL="0" lvl="0" indent="0" algn="l" rtl="0">
+              <a:spcBef>
+                <a:spcPts val="0"/>
+              </a:spcBef>
+              <a:spcAft>
+                <a:spcPts val="0"/>
+              </a:spcAft>
+              <a:buNone/>
+            </a:pPr>
+            <a:endParaRPr b="1" dirty="0">
+              <a:solidFill>
+                <a:schemeClr val="bg1"/>
+              </a:solidFill>
+            </a:endParaRPr>
+          </a:p>
+        </p:txBody>
+      </p:sp>
+    </p:spTree>
+  </p:cSld>
+  <p:clrMapOvr>
+    <a:masterClrMapping/>
+  </p:clrMapOvr>
+</p:sld>
+</file>
+
+<file path=ppt/slides/slide23.xml><?xml version="1.0" encoding="utf-8"?>
+<p:sld xmlns:a="http://schemas.openxmlformats.org/drawingml/2006/main" xmlns:r="http://schemas.openxmlformats.org/officeDocument/2006/relationships" xmlns:p="http://schemas.openxmlformats.org/presentationml/2006/main">
+  <p:cSld>
+    <p:spTree>
+      <p:nvGrpSpPr>
+        <p:cNvPr id="1" name="Shape 160"/>
+        <p:cNvGrpSpPr/>
+        <p:nvPr/>
+      </p:nvGrpSpPr>
+      <p:grpSpPr>
+        <a:xfrm>
+          <a:off x="0" y="0"/>
+          <a:ext cx="0" cy="0"/>
+          <a:chOff x="0" y="0"/>
+          <a:chExt cx="0" cy="0"/>
+        </a:xfrm>
+      </p:grpSpPr>
+      <p:sp>
+        <p:nvSpPr>
+          <p:cNvPr id="161" name="Google Shape;161;g83f00c33ef_0_17"/>
+          <p:cNvSpPr txBox="1">
+            <a:spLocks noGrp="1"/>
+          </p:cNvSpPr>
+          <p:nvPr>
+            <p:ph type="title"/>
+          </p:nvPr>
+        </p:nvSpPr>
+        <p:spPr>
+          <a:xfrm>
+            <a:off x="0" y="2"/>
+            <a:ext cx="2927700" cy="684300"/>
+          </a:xfrm>
+          <a:prstGeom prst="rect">
+            <a:avLst/>
+          </a:prstGeom>
+        </p:spPr>
+        <p:txBody>
+          <a:bodyPr spcFirstLastPara="1" wrap="square" lIns="91425" tIns="91425" rIns="91425" bIns="91425" anchor="t" anchorCtr="0">
+            <a:noAutofit/>
+          </a:bodyPr>
+          <a:lstStyle/>
+          <a:p>
+            <a:pPr marL="0" lvl="0" indent="0" algn="l" rtl="0">
+              <a:spcBef>
+                <a:spcPts val="0"/>
+              </a:spcBef>
+              <a:spcAft>
+                <a:spcPts val="0"/>
+              </a:spcAft>
+              <a:buNone/>
+            </a:pPr>
+            <a:r>
+              <a:rPr lang="en-US" dirty="0">
+                <a:solidFill>
+                  <a:srgbClr val="000000"/>
+                </a:solidFill>
+              </a:rPr>
+              <a:t>Models</a:t>
+            </a:r>
+            <a:endParaRPr dirty="0">
+              <a:solidFill>
+                <a:srgbClr val="000000"/>
+              </a:solidFill>
+            </a:endParaRPr>
+          </a:p>
+          <a:p>
+            <a:pPr marL="0" lvl="0" indent="0" algn="l" rtl="0">
+              <a:spcBef>
+                <a:spcPts val="0"/>
+              </a:spcBef>
+              <a:spcAft>
+                <a:spcPts val="0"/>
+              </a:spcAft>
+              <a:buNone/>
+            </a:pPr>
+            <a:endParaRPr dirty="0"/>
           </a:p>
         </p:txBody>
       </p:sp>
@@ -18602,7 +19602,82 @@
               </a:spcAft>
               <a:buNone/>
             </a:pPr>
-            <a:endParaRPr/>
+            <a:r>
+              <a:rPr lang="en-US" b="1" dirty="0">
+                <a:solidFill>
+                  <a:schemeClr val="bg1"/>
+                </a:solidFill>
+                <a:latin typeface="+mn-lt"/>
+              </a:rPr>
+              <a:t>But what if it is a new user?</a:t>
+            </a:r>
+          </a:p>
+          <a:p>
+            <a:pPr marL="285750" lvl="0" indent="-285750" algn="l" rtl="0">
+              <a:spcBef>
+                <a:spcPts val="0"/>
+              </a:spcBef>
+              <a:spcAft>
+                <a:spcPts val="0"/>
+              </a:spcAft>
+              <a:buClr>
+                <a:schemeClr val="accent6">
+                  <a:lumMod val="10000"/>
+                </a:schemeClr>
+              </a:buClr>
+              <a:buFont typeface="Wingdings" pitchFamily="2" charset="2"/>
+              <a:buChar char="§"/>
+            </a:pPr>
+            <a:r>
+              <a:rPr lang="en-US" dirty="0">
+                <a:solidFill>
+                  <a:schemeClr val="bg1"/>
+                </a:solidFill>
+                <a:latin typeface="+mn-lt"/>
+              </a:rPr>
+              <a:t>New users would make the deployed model face “cold start” problem in which the user-item interaction matrix which the model use doesn’t have any data for the new user</a:t>
+            </a:r>
+          </a:p>
+          <a:p>
+            <a:pPr marL="285750" lvl="0" indent="-285750" algn="l" rtl="0">
+              <a:spcBef>
+                <a:spcPts val="0"/>
+              </a:spcBef>
+              <a:spcAft>
+                <a:spcPts val="0"/>
+              </a:spcAft>
+              <a:buClr>
+                <a:schemeClr val="accent6">
+                  <a:lumMod val="10000"/>
+                </a:schemeClr>
+              </a:buClr>
+              <a:buFont typeface="Wingdings" pitchFamily="2" charset="2"/>
+              <a:buChar char="§"/>
+            </a:pPr>
+            <a:r>
+              <a:rPr lang="en-US" dirty="0">
+                <a:solidFill>
+                  <a:schemeClr val="bg1"/>
+                </a:solidFill>
+                <a:latin typeface="+mn-lt"/>
+              </a:rPr>
+              <a:t>In this case, we created a different matrix factorization model using the user and item features and then get the new user’s parsed through which checks for its similarity with existing user and then recommends </a:t>
+            </a:r>
+            <a:r>
+              <a:rPr lang="en-US">
+                <a:solidFill>
+                  <a:schemeClr val="bg1"/>
+                </a:solidFill>
+                <a:latin typeface="+mn-lt"/>
+              </a:rPr>
+              <a:t>restaurants.</a:t>
+            </a:r>
+            <a:endParaRPr lang="en-US" dirty="0">
+              <a:solidFill>
+                <a:schemeClr val="bg1"/>
+              </a:solidFill>
+              <a:latin typeface="+mn-lt"/>
+            </a:endParaRPr>
           </a:p>
         </p:txBody>
       </p:sp>
@@ -18614,7 +19689,132 @@
 </p:sld>
 </file>
 
-<file path=ppt/slides/slide23.xml><?xml version="1.0" encoding="utf-8"?>
+<file path=ppt/slides/slide24.xml><?xml version="1.0" encoding="utf-8"?>
+<p:sld xmlns:a="http://schemas.openxmlformats.org/drawingml/2006/main" xmlns:r="http://schemas.openxmlformats.org/officeDocument/2006/relationships" xmlns:p="http://schemas.openxmlformats.org/presentationml/2006/main">
+  <p:cSld>
+    <p:spTree>
+      <p:nvGrpSpPr>
+        <p:cNvPr id="1" name="Shape 160"/>
+        <p:cNvGrpSpPr/>
+        <p:nvPr/>
+      </p:nvGrpSpPr>
+      <p:grpSpPr>
+        <a:xfrm>
+          <a:off x="0" y="0"/>
+          <a:ext cx="0" cy="0"/>
+          <a:chOff x="0" y="0"/>
+          <a:chExt cx="0" cy="0"/>
+        </a:xfrm>
+      </p:grpSpPr>
+      <p:sp>
+        <p:nvSpPr>
+          <p:cNvPr id="161" name="Google Shape;161;g83f00c33ef_0_17"/>
+          <p:cNvSpPr txBox="1">
+            <a:spLocks noGrp="1"/>
+          </p:cNvSpPr>
+          <p:nvPr>
+            <p:ph type="title"/>
+          </p:nvPr>
+        </p:nvSpPr>
+        <p:spPr>
+          <a:xfrm>
+            <a:off x="0" y="2"/>
+            <a:ext cx="2927700" cy="684300"/>
+          </a:xfrm>
+          <a:prstGeom prst="rect">
+            <a:avLst/>
+          </a:prstGeom>
+        </p:spPr>
+        <p:txBody>
+          <a:bodyPr spcFirstLastPara="1" wrap="square" lIns="91425" tIns="91425" rIns="91425" bIns="91425" anchor="t" anchorCtr="0">
+            <a:noAutofit/>
+          </a:bodyPr>
+          <a:lstStyle/>
+          <a:p>
+            <a:pPr marL="0" lvl="0" indent="0" algn="l" rtl="0">
+              <a:spcBef>
+                <a:spcPts val="0"/>
+              </a:spcBef>
+              <a:spcAft>
+                <a:spcPts val="0"/>
+              </a:spcAft>
+              <a:buNone/>
+            </a:pPr>
+            <a:r>
+              <a:rPr lang="en-US">
+                <a:solidFill>
+                  <a:srgbClr val="000000"/>
+                </a:solidFill>
+              </a:rPr>
+              <a:t>Model</a:t>
+            </a:r>
+            <a:endParaRPr>
+              <a:solidFill>
+                <a:srgbClr val="000000"/>
+              </a:solidFill>
+            </a:endParaRPr>
+          </a:p>
+          <a:p>
+            <a:pPr marL="0" lvl="0" indent="0" algn="l" rtl="0">
+              <a:spcBef>
+                <a:spcPts val="0"/>
+              </a:spcBef>
+              <a:spcAft>
+                <a:spcPts val="0"/>
+              </a:spcAft>
+              <a:buNone/>
+            </a:pPr>
+            <a:endParaRPr/>
+          </a:p>
+        </p:txBody>
+      </p:sp>
+      <p:sp>
+        <p:nvSpPr>
+          <p:cNvPr id="162" name="Google Shape;162;g83f00c33ef_0_17"/>
+          <p:cNvSpPr txBox="1">
+            <a:spLocks noGrp="1"/>
+          </p:cNvSpPr>
+          <p:nvPr>
+            <p:ph type="body" idx="1"/>
+          </p:nvPr>
+        </p:nvSpPr>
+        <p:spPr>
+          <a:xfrm>
+            <a:off x="311700" y="1152475"/>
+            <a:ext cx="8520600" cy="3416400"/>
+          </a:xfrm>
+          <a:prstGeom prst="rect">
+            <a:avLst/>
+          </a:prstGeom>
+        </p:spPr>
+        <p:txBody>
+          <a:bodyPr spcFirstLastPara="1" wrap="square" lIns="91425" tIns="91425" rIns="91425" bIns="91425" anchor="t" anchorCtr="0">
+            <a:noAutofit/>
+          </a:bodyPr>
+          <a:lstStyle/>
+          <a:p>
+            <a:pPr marL="0" lvl="0" indent="0" algn="l" rtl="0">
+              <a:spcBef>
+                <a:spcPts val="0"/>
+              </a:spcBef>
+              <a:spcAft>
+                <a:spcPts val="0"/>
+              </a:spcAft>
+              <a:buNone/>
+            </a:pPr>
+            <a:endParaRPr/>
+          </a:p>
+        </p:txBody>
+      </p:sp>
+    </p:spTree>
+  </p:cSld>
+  <p:clrMapOvr>
+    <a:masterClrMapping/>
+  </p:clrMapOvr>
+</p:sld>
+</file>
+
+<file path=ppt/slides/slide25.xml><?xml version="1.0" encoding="utf-8"?>
 <p:sld xmlns:a="http://schemas.openxmlformats.org/drawingml/2006/main" xmlns:r="http://schemas.openxmlformats.org/officeDocument/2006/relationships" xmlns:p="http://schemas.openxmlformats.org/presentationml/2006/main">
   <p:cSld>
     <p:spTree>
@@ -18735,7 +19935,7 @@
 </p:sld>
 </file>
 
-<file path=ppt/slides/slide24.xml><?xml version="1.0" encoding="utf-8"?>
+<file path=ppt/slides/slide26.xml><?xml version="1.0" encoding="utf-8"?>
 <p:sld xmlns:a="http://schemas.openxmlformats.org/drawingml/2006/main" xmlns:r="http://schemas.openxmlformats.org/officeDocument/2006/relationships" xmlns:p="http://schemas.openxmlformats.org/presentationml/2006/main">
   <p:cSld>
     <p:spTree>
@@ -18844,7 +20044,7 @@
 </p:sld>
 </file>
 
-<file path=ppt/slides/slide25.xml><?xml version="1.0" encoding="utf-8"?>
+<file path=ppt/slides/slide27.xml><?xml version="1.0" encoding="utf-8"?>
 <p:sld xmlns:a="http://schemas.openxmlformats.org/drawingml/2006/main" xmlns:r="http://schemas.openxmlformats.org/officeDocument/2006/relationships" xmlns:p="http://schemas.openxmlformats.org/presentationml/2006/main">
   <p:cSld>
     <p:spTree>
@@ -19005,7 +20205,7 @@
 </p:sld>
 </file>
 
-<file path=ppt/slides/slide26.xml><?xml version="1.0" encoding="utf-8"?>
+<file path=ppt/slides/slide28.xml><?xml version="1.0" encoding="utf-8"?>
 <p:sld xmlns:a="http://schemas.openxmlformats.org/drawingml/2006/main" xmlns:r="http://schemas.openxmlformats.org/officeDocument/2006/relationships" xmlns:p="http://schemas.openxmlformats.org/presentationml/2006/main">
   <p:cSld>
     <p:spTree>
@@ -19757,10 +20957,104 @@
           <a:bodyPr/>
           <a:lstStyle/>
           <a:p>
-            <a:endParaRPr lang="en-US"/>
+            <a:endParaRPr lang="en-US" dirty="0"/>
           </a:p>
         </p:txBody>
       </p:sp>
+      <p:pic>
+        <p:nvPicPr>
+          <p:cNvPr id="2050" name="Picture 2">
+            <a:extLst>
+              <a:ext uri="{FF2B5EF4-FFF2-40B4-BE49-F238E27FC236}">
+                <a16:creationId xmlns:a16="http://schemas.microsoft.com/office/drawing/2014/main" id="{957D88EA-09AB-4BA1-BDDB-A8937C9C1716}"/>
+              </a:ext>
+            </a:extLst>
+          </p:cNvPr>
+          <p:cNvPicPr>
+            <a:picLocks noChangeAspect="1" noChangeArrowheads="1"/>
+          </p:cNvPicPr>
+          <p:nvPr/>
+        </p:nvPicPr>
+        <p:blipFill>
+          <a:blip r:embed="rId4">
+            <a:extLst>
+              <a:ext uri="{28A0092B-C50C-407E-A947-70E740481C1C}">
+                <a14:useLocalDpi xmlns:a14="http://schemas.microsoft.com/office/drawing/2010/main" val="0"/>
+              </a:ext>
+            </a:extLst>
+          </a:blip>
+          <a:srcRect/>
+          <a:stretch>
+            <a:fillRect/>
+          </a:stretch>
+        </p:blipFill>
+        <p:spPr bwMode="auto">
+          <a:xfrm>
+            <a:off x="2952750" y="876300"/>
+            <a:ext cx="3238500" cy="3390900"/>
+          </a:xfrm>
+          <a:prstGeom prst="rect">
+            <a:avLst/>
+          </a:prstGeom>
+          <a:noFill/>
+          <a:extLst>
+            <a:ext uri="{909E8E84-426E-40DD-AFC4-6F175D3DCCD1}">
+              <a14:hiddenFill xmlns:a14="http://schemas.microsoft.com/office/drawing/2010/main">
+                <a:solidFill>
+                  <a:srgbClr val="FFFFFF"/>
+                </a:solidFill>
+              </a14:hiddenFill>
+            </a:ext>
+          </a:extLst>
+        </p:spPr>
+      </p:pic>
+      <p:pic>
+        <p:nvPicPr>
+          <p:cNvPr id="2052" name="Picture 4">
+            <a:extLst>
+              <a:ext uri="{FF2B5EF4-FFF2-40B4-BE49-F238E27FC236}">
+                <a16:creationId xmlns:a16="http://schemas.microsoft.com/office/drawing/2014/main" id="{614536E7-90DD-4598-9998-11A41BE0859B}"/>
+              </a:ext>
+            </a:extLst>
+          </p:cNvPr>
+          <p:cNvPicPr>
+            <a:picLocks noChangeAspect="1" noChangeArrowheads="1"/>
+          </p:cNvPicPr>
+          <p:nvPr/>
+        </p:nvPicPr>
+        <p:blipFill>
+          <a:blip r:embed="rId5">
+            <a:extLst>
+              <a:ext uri="{28A0092B-C50C-407E-A947-70E740481C1C}">
+                <a14:useLocalDpi xmlns:a14="http://schemas.microsoft.com/office/drawing/2010/main" val="0"/>
+              </a:ext>
+            </a:extLst>
+          </a:blip>
+          <a:srcRect/>
+          <a:stretch>
+            <a:fillRect/>
+          </a:stretch>
+        </p:blipFill>
+        <p:spPr bwMode="auto">
+          <a:xfrm>
+            <a:off x="2405063" y="857250"/>
+            <a:ext cx="4333875" cy="3429000"/>
+          </a:xfrm>
+          <a:prstGeom prst="rect">
+            <a:avLst/>
+          </a:prstGeom>
+          <a:noFill/>
+          <a:extLst>
+            <a:ext uri="{909E8E84-426E-40DD-AFC4-6F175D3DCCD1}">
+              <a14:hiddenFill xmlns:a14="http://schemas.microsoft.com/office/drawing/2010/main">
+                <a:solidFill>
+                  <a:srgbClr val="FFFFFF"/>
+                </a:solidFill>
+              </a14:hiddenFill>
+            </a:ext>
+          </a:extLst>
+        </p:spPr>
+      </p:pic>
     </p:spTree>
   </p:cSld>
   <p:clrMapOvr>
@@ -20620,7 +21914,7 @@
         </p:nvSpPr>
         <p:spPr bwMode="auto">
           <a:xfrm>
-            <a:off x="155275" y="960759"/>
+            <a:off x="82474" y="986639"/>
             <a:ext cx="9084284" cy="4355269"/>
           </a:xfrm>
           <a:prstGeom prst="rect">
@@ -20949,6 +22243,43 @@
                 <a:latin typeface="+mn-lt"/>
               </a:rPr>
               <a:t>. </a:t>
+            </a:r>
+          </a:p>
+          <a:p>
+            <a:pPr marL="285750" lvl="0" indent="-285750" algn="just">
+              <a:lnSpc>
+                <a:spcPct val="150000"/>
+              </a:lnSpc>
+              <a:buSzPts val="1600"/>
+              <a:buFont typeface="Wingdings" panose="05000000000000000000" pitchFamily="2" charset="2"/>
+              <a:buChar char="§"/>
+            </a:pPr>
+            <a:r>
+              <a:rPr lang="en-US" dirty="0">
+                <a:solidFill>
+                  <a:srgbClr val="383838"/>
+                </a:solidFill>
+                <a:latin typeface="+mn-lt"/>
+              </a:rPr>
+              <a:t>Data was load using </a:t>
+            </a:r>
+            <a:r>
+              <a:rPr lang="en-US" b="1" dirty="0">
+                <a:solidFill>
+                  <a:srgbClr val="383838"/>
+                </a:solidFill>
+                <a:latin typeface="+mn-lt"/>
+              </a:rPr>
+              <a:t>json</a:t>
+            </a:r>
+            <a:r>
+              <a:rPr lang="en-US" dirty="0">
+                <a:solidFill>
+                  <a:srgbClr val="383838"/>
+                </a:solidFill>
+                <a:latin typeface="+mn-lt"/>
+              </a:rPr>
+              <a:t> library in python</a:t>
             </a:r>
           </a:p>
         </p:txBody>
@@ -21026,14 +22357,14 @@
               <a:buNone/>
             </a:pPr>
             <a:r>
-              <a:rPr lang="en-US">
+              <a:rPr lang="en-US" dirty="0">
                 <a:solidFill>
                   <a:srgbClr val="000000"/>
                 </a:solidFill>
               </a:rPr>
               <a:t>Exploratory Data Analysis</a:t>
             </a:r>
-            <a:endParaRPr>
+            <a:endParaRPr dirty="0">
               <a:solidFill>
                 <a:srgbClr val="000000"/>
               </a:solidFill>
@@ -21534,7 +22865,7 @@
                 </a:solidFill>
                 <a:latin typeface="+mn-lt"/>
               </a:rPr>
-              <a:t>The yelp dataset consists of variety of different businesses indicated by the column </a:t>
+              <a:t>The yelp dataset consists of variety of different businesses indicated by the column attributes </a:t>
             </a:r>
           </a:p>
           <a:p>
@@ -21604,7 +22935,7 @@
   <p:cSld>
     <p:spTree>
       <p:nvGrpSpPr>
-        <p:cNvPr id="1" name="Shape 106"/>
+        <p:cNvPr id="1" name=""/>
         <p:cNvGrpSpPr/>
         <p:nvPr/>
       </p:nvGrpSpPr>
@@ -21618,8 +22949,14 @@
       </p:grpSpPr>
       <p:sp>
         <p:nvSpPr>
-          <p:cNvPr id="107" name="Google Shape;107;g83d7f3170d_0_0"/>
-          <p:cNvSpPr txBox="1">
+          <p:cNvPr id="2" name="Title 1">
+            <a:extLst>
+              <a:ext uri="{FF2B5EF4-FFF2-40B4-BE49-F238E27FC236}">
+                <a16:creationId xmlns:a16="http://schemas.microsoft.com/office/drawing/2014/main" id="{C31A6D9C-8555-463C-83BB-3F641C70210E}"/>
+              </a:ext>
+            </a:extLst>
+          </p:cNvPr>
+          <p:cNvSpPr>
             <a:spLocks noGrp="1"/>
           </p:cNvSpPr>
           <p:nvPr>
@@ -21628,58 +22965,95 @@
         </p:nvSpPr>
         <p:spPr>
           <a:xfrm>
-            <a:off x="0" y="0"/>
-            <a:ext cx="3909600" cy="648900"/>
+            <a:off x="82474" y="98238"/>
+            <a:ext cx="5145133" cy="572700"/>
+          </a:xfrm>
+        </p:spPr>
+        <p:txBody>
+          <a:bodyPr/>
+          <a:lstStyle/>
+          <a:p>
+            <a:r>
+              <a:rPr lang="en-US" dirty="0">
+                <a:solidFill>
+                  <a:srgbClr val="000000"/>
+                </a:solidFill>
+              </a:rPr>
+              <a:t>Exploratory Data Analysis</a:t>
+            </a:r>
+            <a:endParaRPr lang="en-US" dirty="0"/>
+          </a:p>
+        </p:txBody>
+      </p:sp>
+      <p:pic>
+        <p:nvPicPr>
+          <p:cNvPr id="9" name="image4.jpeg">
+            <a:extLst>
+              <a:ext uri="{FF2B5EF4-FFF2-40B4-BE49-F238E27FC236}">
+                <a16:creationId xmlns:a16="http://schemas.microsoft.com/office/drawing/2014/main" id="{8542CCFA-D543-485B-93C0-1D172B2E3852}"/>
+              </a:ext>
+            </a:extLst>
+          </p:cNvPr>
+          <p:cNvPicPr/>
+          <p:nvPr/>
+        </p:nvPicPr>
+        <p:blipFill>
+          <a:blip r:embed="rId3" cstate="print"/>
+          <a:stretch>
+            <a:fillRect/>
+          </a:stretch>
+        </p:blipFill>
+        <p:spPr>
+          <a:xfrm>
+            <a:off x="4677100" y="2266824"/>
+            <a:ext cx="3112554" cy="2522351"/>
           </a:xfrm>
           <a:prstGeom prst="rect">
             <a:avLst/>
           </a:prstGeom>
-          <a:noFill/>
           <a:ln>
-            <a:noFill/>
+            <a:solidFill>
+              <a:schemeClr val="bg1">
+                <a:lumMod val="50000"/>
+              </a:schemeClr>
+            </a:solidFill>
           </a:ln>
         </p:spPr>
-        <p:txBody>
-          <a:bodyPr spcFirstLastPara="1" wrap="square" lIns="91425" tIns="91425" rIns="91425" bIns="91425" anchor="t" anchorCtr="0">
-            <a:noAutofit/>
-          </a:bodyPr>
-          <a:lstStyle/>
-          <a:p>
-            <a:pPr marL="0" lvl="0" indent="0" algn="l" rtl="0">
-              <a:lnSpc>
-                <a:spcPct val="100000"/>
-              </a:lnSpc>
-              <a:spcBef>
-                <a:spcPts val="0"/>
-              </a:spcBef>
-              <a:spcAft>
-                <a:spcPts val="0"/>
-              </a:spcAft>
-              <a:buSzPts val="3000"/>
-              <a:buNone/>
-            </a:pPr>
-            <a:r>
-              <a:rPr lang="en-US" dirty="0">
-                <a:solidFill>
-                  <a:srgbClr val="000000"/>
-                </a:solidFill>
-              </a:rPr>
-              <a:t>Data Preparation</a:t>
-            </a:r>
-            <a:endParaRPr dirty="0">
-              <a:solidFill>
-                <a:srgbClr val="000000"/>
-              </a:solidFill>
-            </a:endParaRPr>
-          </a:p>
-        </p:txBody>
-      </p:sp>
+      </p:pic>
+      <p:pic>
+        <p:nvPicPr>
+          <p:cNvPr id="10" name="image5.jpeg">
+            <a:extLst>
+              <a:ext uri="{FF2B5EF4-FFF2-40B4-BE49-F238E27FC236}">
+                <a16:creationId xmlns:a16="http://schemas.microsoft.com/office/drawing/2014/main" id="{4252C087-F0BB-4465-A0AC-1FD25112D780}"/>
+              </a:ext>
+            </a:extLst>
+          </p:cNvPr>
+          <p:cNvPicPr/>
+          <p:nvPr/>
+        </p:nvPicPr>
+        <p:blipFill>
+          <a:blip r:embed="rId4" cstate="print"/>
+          <a:stretch>
+            <a:fillRect/>
+          </a:stretch>
+        </p:blipFill>
+        <p:spPr>
+          <a:xfrm>
+            <a:off x="290239" y="2266824"/>
+            <a:ext cx="3500317" cy="2636419"/>
+          </a:xfrm>
+          <a:prstGeom prst="rect">
+            <a:avLst/>
+          </a:prstGeom>
+        </p:spPr>
+      </p:pic>
       <p:sp>
         <p:nvSpPr>
-          <p:cNvPr id="4" name="Text Box 4">
+          <p:cNvPr id="11" name="Text Box 4">
             <a:extLst>
               <a:ext uri="{FF2B5EF4-FFF2-40B4-BE49-F238E27FC236}">
-                <a16:creationId xmlns:a16="http://schemas.microsoft.com/office/drawing/2014/main" id="{85E66F16-B3E1-48E2-A19A-00B4E29CF1F3}"/>
+                <a16:creationId xmlns:a16="http://schemas.microsoft.com/office/drawing/2014/main" id="{8654835B-119F-4B5B-9FA4-C112D5EA954A}"/>
               </a:ext>
             </a:extLst>
           </p:cNvPr>
@@ -21690,8 +23064,8 @@
         </p:nvSpPr>
         <p:spPr bwMode="auto">
           <a:xfrm>
-            <a:off x="189781" y="777264"/>
-            <a:ext cx="8385742" cy="3241944"/>
+            <a:off x="29858" y="788231"/>
+            <a:ext cx="9084284" cy="4355269"/>
           </a:xfrm>
           <a:prstGeom prst="rect">
             <a:avLst/>
@@ -21829,320 +23203,269 @@
             </a:lvl9pPr>
           </a:lstStyle>
           <a:p>
-            <a:pPr marL="0" lvl="0" indent="0">
-              <a:lnSpc>
-                <a:spcPct val="115000"/>
-              </a:lnSpc>
-              <a:buSzPts val="1800"/>
-            </a:pPr>
-            <a:r>
-              <a:rPr lang="en-US" u="sng" dirty="0">
-                <a:solidFill>
-                  <a:srgbClr val="000000"/>
-                </a:solidFill>
-                <a:latin typeface="Arial"/>
-              </a:rPr>
-              <a:t>Business</a:t>
-            </a:r>
-          </a:p>
-          <a:p>
-            <a:pPr marL="285750" lvl="0" indent="-285750">
-              <a:lnSpc>
-                <a:spcPct val="115000"/>
-              </a:lnSpc>
-              <a:buSzPts val="1800"/>
-              <a:buFont typeface="Wingdings" panose="05000000000000000000" pitchFamily="2" charset="2"/>
-              <a:buChar char="§"/>
-            </a:pPr>
-            <a:r>
-              <a:rPr lang="en-US" dirty="0">
-                <a:solidFill>
-                  <a:srgbClr val="000000"/>
-                </a:solidFill>
-                <a:latin typeface="Arial"/>
-              </a:rPr>
-              <a:t>Businesses with open = 1 tag were only considered</a:t>
-            </a:r>
-          </a:p>
-          <a:p>
-            <a:pPr marL="285750" lvl="0" indent="-285750">
-              <a:lnSpc>
-                <a:spcPct val="115000"/>
-              </a:lnSpc>
-              <a:buSzPts val="1800"/>
-              <a:buFont typeface="Wingdings" panose="05000000000000000000" pitchFamily="2" charset="2"/>
-              <a:buChar char="§"/>
-            </a:pPr>
-            <a:r>
-              <a:rPr lang="en-US" dirty="0">
-                <a:solidFill>
-                  <a:srgbClr val="000000"/>
-                </a:solidFill>
-                <a:latin typeface="Arial"/>
-              </a:rPr>
-              <a:t>Considered only Illinois-based restaurants in our dataset</a:t>
-            </a:r>
-          </a:p>
-          <a:p>
-            <a:pPr marL="285750" lvl="0" indent="-285750">
-              <a:lnSpc>
-                <a:spcPct val="115000"/>
-              </a:lnSpc>
-              <a:buSzPts val="1800"/>
-              <a:buFont typeface="Wingdings" panose="05000000000000000000" pitchFamily="2" charset="2"/>
-              <a:buChar char="§"/>
-            </a:pPr>
-            <a:r>
-              <a:rPr lang="en-US" dirty="0">
-                <a:solidFill>
-                  <a:srgbClr val="000000"/>
-                </a:solidFill>
-                <a:latin typeface="Arial"/>
-              </a:rPr>
-              <a:t>Features considered for the recommender system :-</a:t>
-            </a:r>
-          </a:p>
-          <a:p>
-            <a:pPr marL="628650" lvl="0" indent="-285750">
-              <a:lnSpc>
-                <a:spcPct val="115000"/>
-              </a:lnSpc>
-              <a:buSzPts val="1800"/>
-              <a:buFont typeface="Arial" panose="020B0604020202020204" pitchFamily="34" charset="0"/>
-              <a:buChar char="•"/>
-            </a:pPr>
-            <a:r>
-              <a:rPr lang="en-US" dirty="0">
-                <a:solidFill>
-                  <a:srgbClr val="000000"/>
-                </a:solidFill>
-                <a:latin typeface="Arial"/>
-              </a:rPr>
-              <a:t>Number of stars</a:t>
-            </a:r>
-          </a:p>
-          <a:p>
-            <a:pPr marL="628650" lvl="0" indent="-285750">
-              <a:lnSpc>
-                <a:spcPct val="115000"/>
-              </a:lnSpc>
-              <a:buSzPts val="1800"/>
-              <a:buFont typeface="Arial" panose="020B0604020202020204" pitchFamily="34" charset="0"/>
-              <a:buChar char="•"/>
-            </a:pPr>
-            <a:r>
-              <a:rPr lang="en-US" dirty="0">
-                <a:solidFill>
-                  <a:srgbClr val="000000"/>
-                </a:solidFill>
-                <a:latin typeface="Arial"/>
-              </a:rPr>
-              <a:t>Review counts of each restaurant</a:t>
-            </a:r>
-          </a:p>
-          <a:p>
-            <a:pPr marL="628650" lvl="0" indent="-285750">
-              <a:lnSpc>
-                <a:spcPct val="115000"/>
-              </a:lnSpc>
-              <a:buSzPts val="1800"/>
-              <a:buFont typeface="Arial" panose="020B0604020202020204" pitchFamily="34" charset="0"/>
-              <a:buChar char="•"/>
-            </a:pPr>
-            <a:r>
-              <a:rPr lang="en-US" dirty="0">
-                <a:solidFill>
-                  <a:srgbClr val="000000"/>
-                </a:solidFill>
-                <a:latin typeface="Arial"/>
-              </a:rPr>
-              <a:t>Categories of the restaurants as item features</a:t>
-            </a:r>
-          </a:p>
-          <a:p>
-            <a:pPr marL="285750" lvl="0" indent="-285750">
-              <a:lnSpc>
-                <a:spcPct val="115000"/>
-              </a:lnSpc>
-              <a:buSzPts val="1800"/>
-              <a:buFont typeface="Wingdings" panose="05000000000000000000" pitchFamily="2" charset="2"/>
-              <a:buChar char="§"/>
-            </a:pPr>
-            <a:r>
-              <a:rPr lang="en-US" dirty="0">
-                <a:solidFill>
-                  <a:srgbClr val="000000"/>
-                </a:solidFill>
-                <a:latin typeface="Arial"/>
-              </a:rPr>
-              <a:t>Out of 436 tags we decided to keep top 60 tags with highest popularities </a:t>
-            </a:r>
-          </a:p>
-          <a:p>
-            <a:pPr marL="285750" lvl="0" indent="-285750">
-              <a:lnSpc>
-                <a:spcPct val="115000"/>
-              </a:lnSpc>
-              <a:buSzPts val="1800"/>
-              <a:buFont typeface="Wingdings" panose="05000000000000000000" pitchFamily="2" charset="2"/>
-              <a:buChar char="§"/>
-            </a:pPr>
-            <a:r>
-              <a:rPr lang="en-US" dirty="0">
-                <a:solidFill>
-                  <a:srgbClr val="000000"/>
-                </a:solidFill>
-                <a:latin typeface="Arial"/>
-              </a:rPr>
-              <a:t>‘Attributes’ column in the dataset was extrapolated to create new features</a:t>
-            </a:r>
-          </a:p>
-          <a:p>
-            <a:pPr marL="285750" lvl="0" indent="-285750">
-              <a:lnSpc>
-                <a:spcPct val="115000"/>
-              </a:lnSpc>
-              <a:buSzPts val="1800"/>
-              <a:buFont typeface="Wingdings" panose="05000000000000000000" pitchFamily="2" charset="2"/>
-              <a:buChar char="§"/>
-            </a:pPr>
-            <a:r>
-              <a:rPr lang="en-US" dirty="0">
-                <a:solidFill>
-                  <a:srgbClr val="000000"/>
-                </a:solidFill>
-                <a:latin typeface="Arial"/>
-              </a:rPr>
-              <a:t>Computed TF-IDF for each tag which will be used as weights during model fitting</a:t>
-            </a:r>
-          </a:p>
-          <a:p>
-            <a:pPr marL="285750" lvl="0" indent="-285750">
-              <a:lnSpc>
-                <a:spcPct val="115000"/>
-              </a:lnSpc>
-              <a:buSzPts val="1800"/>
-              <a:buFont typeface="Wingdings" panose="05000000000000000000" pitchFamily="2" charset="2"/>
-              <a:buChar char="§"/>
-            </a:pPr>
-            <a:r>
-              <a:rPr lang="en-US" dirty="0">
-                <a:solidFill>
-                  <a:srgbClr val="000000"/>
-                </a:solidFill>
-                <a:latin typeface="Arial"/>
-              </a:rPr>
-              <a:t>We have incorporated the median income for each zip code from the secondary dataset </a:t>
-            </a:r>
-          </a:p>
-          <a:p>
-            <a:pPr marL="285750" lvl="0" indent="-285750">
-              <a:lnSpc>
-                <a:spcPct val="115000"/>
-              </a:lnSpc>
-              <a:buSzPts val="1800"/>
+            <a:pPr marL="285750" lvl="0" indent="-285750" algn="just">
+              <a:lnSpc>
+                <a:spcPct val="150000"/>
+              </a:lnSpc>
+              <a:buSzPts val="1600"/>
               <a:buFont typeface="Wingdings" panose="05000000000000000000" pitchFamily="2" charset="2"/>
               <a:buChar char="§"/>
             </a:pPr>
             <a:endParaRPr lang="en-US" dirty="0">
               <a:solidFill>
-                <a:srgbClr val="000000"/>
+                <a:srgbClr val="383838"/>
               </a:solidFill>
-              <a:latin typeface="Arial"/>
+              <a:latin typeface="+mn-lt"/>
             </a:endParaRPr>
           </a:p>
-          <a:p>
-            <a:pPr marL="285750" lvl="0" indent="-285750">
-              <a:lnSpc>
-                <a:spcPct val="115000"/>
-              </a:lnSpc>
-              <a:buSzPts val="1800"/>
+        </p:txBody>
+      </p:sp>
+      <p:sp>
+        <p:nvSpPr>
+          <p:cNvPr id="13" name="Text Box 4">
+            <a:extLst>
+              <a:ext uri="{FF2B5EF4-FFF2-40B4-BE49-F238E27FC236}">
+                <a16:creationId xmlns:a16="http://schemas.microsoft.com/office/drawing/2014/main" id="{6CBF85D6-880C-4A40-A3A5-DBAA5A2EA932}"/>
+              </a:ext>
+            </a:extLst>
+          </p:cNvPr>
+          <p:cNvSpPr txBox="1">
+            <a:spLocks noChangeArrowheads="1"/>
+          </p:cNvSpPr>
+          <p:nvPr/>
+        </p:nvSpPr>
+        <p:spPr bwMode="auto">
+          <a:xfrm>
+            <a:off x="82474" y="788231"/>
+            <a:ext cx="9084284" cy="4355269"/>
+          </a:xfrm>
+          <a:prstGeom prst="rect">
+            <a:avLst/>
+          </a:prstGeom>
+          <a:noFill/>
+          <a:ln>
+            <a:noFill/>
+          </a:ln>
+          <a:extLst>
+            <a:ext uri="{909E8E84-426E-40DD-AFC4-6F175D3DCCD1}">
+              <a14:hiddenFill xmlns:a14="http://schemas.microsoft.com/office/drawing/2010/main">
+                <a:solidFill>
+                  <a:srgbClr val="FFFFFF"/>
+                </a:solidFill>
+              </a14:hiddenFill>
+            </a:ext>
+            <a:ext uri="{91240B29-F687-4F45-9708-019B960494DF}">
+              <a14:hiddenLine xmlns:a14="http://schemas.microsoft.com/office/drawing/2010/main" w="9525">
+                <a:solidFill>
+                  <a:srgbClr val="000000"/>
+                </a:solidFill>
+                <a:miter lim="800000"/>
+                <a:headEnd/>
+                <a:tailEnd/>
+              </a14:hiddenLine>
+            </a:ext>
+          </a:extLst>
+        </p:spPr>
+        <p:txBody>
+          <a:bodyPr lIns="67500" tIns="35100" rIns="67500" bIns="35100"/>
+          <a:lstStyle>
+            <a:lvl1pPr marL="265113" indent="-265113">
+              <a:defRPr sz="1400">
+                <a:solidFill>
+                  <a:schemeClr val="tx1"/>
+                </a:solidFill>
+                <a:latin typeface="Arial" charset="0"/>
+              </a:defRPr>
+            </a:lvl1pPr>
+            <a:lvl2pPr marL="742950" indent="-285750">
+              <a:defRPr sz="1400">
+                <a:solidFill>
+                  <a:schemeClr val="tx1"/>
+                </a:solidFill>
+                <a:latin typeface="Arial" charset="0"/>
+              </a:defRPr>
+            </a:lvl2pPr>
+            <a:lvl3pPr marL="1143000" indent="-228600">
+              <a:defRPr sz="1400">
+                <a:solidFill>
+                  <a:schemeClr val="tx1"/>
+                </a:solidFill>
+                <a:latin typeface="Arial" charset="0"/>
+              </a:defRPr>
+            </a:lvl3pPr>
+            <a:lvl4pPr marL="1600200" indent="-228600">
+              <a:defRPr sz="1400">
+                <a:solidFill>
+                  <a:schemeClr val="tx1"/>
+                </a:solidFill>
+                <a:latin typeface="Arial" charset="0"/>
+              </a:defRPr>
+            </a:lvl4pPr>
+            <a:lvl5pPr marL="2057400" indent="-228600">
+              <a:defRPr sz="1400">
+                <a:solidFill>
+                  <a:schemeClr val="tx1"/>
+                </a:solidFill>
+                <a:latin typeface="Arial" charset="0"/>
+              </a:defRPr>
+            </a:lvl5pPr>
+            <a:lvl6pPr marL="2514600" indent="-228600" algn="ctr" eaLnBrk="0" fontAlgn="base" hangingPunct="0">
+              <a:spcBef>
+                <a:spcPct val="50000"/>
+              </a:spcBef>
+              <a:spcAft>
+                <a:spcPct val="0"/>
+              </a:spcAft>
+              <a:buSzPct val="120000"/>
+              <a:buFont typeface="Wingdings" pitchFamily="2" charset="2"/>
+              <a:defRPr sz="1400">
+                <a:solidFill>
+                  <a:schemeClr val="tx1"/>
+                </a:solidFill>
+                <a:latin typeface="Arial" charset="0"/>
+              </a:defRPr>
+            </a:lvl6pPr>
+            <a:lvl7pPr marL="2971800" indent="-228600" algn="ctr" eaLnBrk="0" fontAlgn="base" hangingPunct="0">
+              <a:spcBef>
+                <a:spcPct val="50000"/>
+              </a:spcBef>
+              <a:spcAft>
+                <a:spcPct val="0"/>
+              </a:spcAft>
+              <a:buSzPct val="120000"/>
+              <a:buFont typeface="Wingdings" pitchFamily="2" charset="2"/>
+              <a:defRPr sz="1400">
+                <a:solidFill>
+                  <a:schemeClr val="tx1"/>
+                </a:solidFill>
+                <a:latin typeface="Arial" charset="0"/>
+              </a:defRPr>
+            </a:lvl7pPr>
+            <a:lvl8pPr marL="3429000" indent="-228600" algn="ctr" eaLnBrk="0" fontAlgn="base" hangingPunct="0">
+              <a:spcBef>
+                <a:spcPct val="50000"/>
+              </a:spcBef>
+              <a:spcAft>
+                <a:spcPct val="0"/>
+              </a:spcAft>
+              <a:buSzPct val="120000"/>
+              <a:buFont typeface="Wingdings" pitchFamily="2" charset="2"/>
+              <a:defRPr sz="1400">
+                <a:solidFill>
+                  <a:schemeClr val="tx1"/>
+                </a:solidFill>
+                <a:latin typeface="Arial" charset="0"/>
+              </a:defRPr>
+            </a:lvl8pPr>
+            <a:lvl9pPr marL="3886200" indent="-228600" algn="ctr" eaLnBrk="0" fontAlgn="base" hangingPunct="0">
+              <a:spcBef>
+                <a:spcPct val="50000"/>
+              </a:spcBef>
+              <a:spcAft>
+                <a:spcPct val="0"/>
+              </a:spcAft>
+              <a:buSzPct val="120000"/>
+              <a:buFont typeface="Wingdings" pitchFamily="2" charset="2"/>
+              <a:defRPr sz="1400">
+                <a:solidFill>
+                  <a:schemeClr val="tx1"/>
+                </a:solidFill>
+                <a:latin typeface="Arial" charset="0"/>
+              </a:defRPr>
+            </a:lvl9pPr>
+          </a:lstStyle>
+          <a:p>
+            <a:pPr marL="285750" lvl="0" indent="-285750" algn="just">
+              <a:lnSpc>
+                <a:spcPct val="150000"/>
+              </a:lnSpc>
+              <a:buSzPts val="1600"/>
               <a:buFont typeface="Wingdings" panose="05000000000000000000" pitchFamily="2" charset="2"/>
               <a:buChar char="§"/>
             </a:pPr>
             <a:endParaRPr lang="en-US" dirty="0">
               <a:solidFill>
-                <a:srgbClr val="000000"/>
+                <a:srgbClr val="383838"/>
               </a:solidFill>
-              <a:latin typeface="Arial"/>
-            </a:endParaRPr>
-          </a:p>
-          <a:p>
-            <a:pPr marL="342900" lvl="0" indent="0">
-              <a:lnSpc>
-                <a:spcPct val="115000"/>
-              </a:lnSpc>
-              <a:buSzPts val="1800"/>
-            </a:pPr>
-            <a:r>
-              <a:rPr lang="en-US" dirty="0">
-                <a:solidFill>
-                  <a:srgbClr val="000000"/>
-                </a:solidFill>
-                <a:latin typeface="Arial"/>
-              </a:rPr>
-              <a:t>		</a:t>
-            </a:r>
-          </a:p>
-          <a:p>
-            <a:pPr marL="0" lvl="0" indent="0">
-              <a:lnSpc>
-                <a:spcPct val="115000"/>
-              </a:lnSpc>
-              <a:buSzPts val="1800"/>
-            </a:pPr>
-            <a:endParaRPr lang="en-US" dirty="0">
-              <a:solidFill>
-                <a:srgbClr val="000000"/>
-              </a:solidFill>
-              <a:latin typeface="Arial"/>
+              <a:latin typeface="+mn-lt"/>
             </a:endParaRPr>
           </a:p>
         </p:txBody>
       </p:sp>
-      <p:pic>
-        <p:nvPicPr>
-          <p:cNvPr id="7" name="Picture 6">
+    </p:spTree>
+    <p:extLst>
+      <p:ext uri="{BB962C8B-B14F-4D97-AF65-F5344CB8AC3E}">
+        <p14:creationId xmlns:p14="http://schemas.microsoft.com/office/powerpoint/2010/main" val="3405136583"/>
+      </p:ext>
+    </p:extLst>
+  </p:cSld>
+  <p:clrMapOvr>
+    <a:masterClrMapping/>
+  </p:clrMapOvr>
+</p:sld>
+</file>
+
+<file path=ppt/slides/slide9.xml><?xml version="1.0" encoding="utf-8"?>
+<p:sld xmlns:a="http://schemas.openxmlformats.org/drawingml/2006/main" xmlns:r="http://schemas.openxmlformats.org/officeDocument/2006/relationships" xmlns:p="http://schemas.openxmlformats.org/presentationml/2006/main">
+  <p:cSld>
+    <p:spTree>
+      <p:nvGrpSpPr>
+        <p:cNvPr id="1" name=""/>
+        <p:cNvGrpSpPr/>
+        <p:nvPr/>
+      </p:nvGrpSpPr>
+      <p:grpSpPr>
+        <a:xfrm>
+          <a:off x="0" y="0"/>
+          <a:ext cx="0" cy="0"/>
+          <a:chOff x="0" y="0"/>
+          <a:chExt cx="0" cy="0"/>
+        </a:xfrm>
+      </p:grpSpPr>
+      <p:sp>
+        <p:nvSpPr>
+          <p:cNvPr id="2" name="Title 1">
             <a:extLst>
               <a:ext uri="{FF2B5EF4-FFF2-40B4-BE49-F238E27FC236}">
-                <a16:creationId xmlns:a16="http://schemas.microsoft.com/office/drawing/2014/main" id="{8AE24471-478B-43EF-A30A-4FB9BAAECB1C}"/>
+                <a16:creationId xmlns:a16="http://schemas.microsoft.com/office/drawing/2014/main" id="{C31A6D9C-8555-463C-83BB-3F641C70210E}"/>
               </a:ext>
             </a:extLst>
           </p:cNvPr>
-          <p:cNvPicPr/>
-          <p:nvPr/>
-        </p:nvPicPr>
-        <p:blipFill rotWithShape="1">
-          <a:blip r:embed="rId3"/>
-          <a:srcRect l="40266" t="46574" r="37177" b="28864"/>
-          <a:stretch/>
-        </p:blipFill>
-        <p:spPr bwMode="auto">
+          <p:cNvSpPr>
+            <a:spLocks noGrp="1"/>
+          </p:cNvSpPr>
+          <p:nvPr>
+            <p:ph type="title"/>
+          </p:nvPr>
+        </p:nvSpPr>
+        <p:spPr>
           <a:xfrm>
-            <a:off x="6383546" y="777264"/>
-            <a:ext cx="2570673" cy="2043574"/>
+            <a:off x="82474" y="98238"/>
+            <a:ext cx="5145133" cy="572700"/>
           </a:xfrm>
-          <a:prstGeom prst="rect">
-            <a:avLst/>
-          </a:prstGeom>
-          <a:ln>
-            <a:solidFill>
-              <a:schemeClr val="bg1"/>
-            </a:solidFill>
-          </a:ln>
-          <a:extLst>
-            <a:ext uri="{53640926-AAD7-44D8-BBD7-CCE9431645EC}">
-              <a14:shadowObscured xmlns:a14="http://schemas.microsoft.com/office/drawing/2010/main"/>
-            </a:ext>
-          </a:extLst>
         </p:spPr>
-      </p:pic>
+        <p:txBody>
+          <a:bodyPr/>
+          <a:lstStyle/>
+          <a:p>
+            <a:r>
+              <a:rPr lang="en-US" dirty="0">
+                <a:solidFill>
+                  <a:srgbClr val="000000"/>
+                </a:solidFill>
+              </a:rPr>
+              <a:t>Exploratory Data Analysis</a:t>
+            </a:r>
+            <a:endParaRPr lang="en-US" dirty="0"/>
+          </a:p>
+        </p:txBody>
+      </p:sp>
       <p:pic>
         <p:nvPicPr>
           <p:cNvPr id="1026" name="Picture 2">
             <a:extLst>
               <a:ext uri="{FF2B5EF4-FFF2-40B4-BE49-F238E27FC236}">
-                <a16:creationId xmlns:a16="http://schemas.microsoft.com/office/drawing/2014/main" id="{D44D266E-BCD0-4E9B-897D-6A4C54843A76}"/>
+                <a16:creationId xmlns:a16="http://schemas.microsoft.com/office/drawing/2014/main" id="{D970436D-0FFB-4779-B2CD-3DFD28917C7F}"/>
               </a:ext>
             </a:extLst>
           </p:cNvPr>
@@ -22152,7 +23475,7 @@
           <p:nvPr/>
         </p:nvPicPr>
         <p:blipFill>
-          <a:blip r:embed="rId4">
+          <a:blip r:embed="rId2">
             <a:extLst>
               <a:ext uri="{28A0092B-C50C-407E-A947-70E740481C1C}">
                 <a14:useLocalDpi xmlns:a14="http://schemas.microsoft.com/office/drawing/2010/main" val="0"/>
@@ -22166,20 +23489,60 @@
         </p:blipFill>
         <p:spPr bwMode="auto">
           <a:xfrm>
-            <a:off x="3817048" y="3605841"/>
-            <a:ext cx="5132995" cy="1377831"/>
+            <a:off x="2462878" y="2337758"/>
+            <a:ext cx="2540442" cy="2540442"/>
           </a:xfrm>
           <a:prstGeom prst="rect">
             <a:avLst/>
           </a:prstGeom>
           <a:noFill/>
-          <a:ln>
-            <a:solidFill>
-              <a:schemeClr val="bg1">
-                <a:lumMod val="50000"/>
-              </a:schemeClr>
-            </a:solidFill>
-          </a:ln>
+          <a:extLst>
+            <a:ext uri="{909E8E84-426E-40DD-AFC4-6F175D3DCCD1}">
+              <a14:hiddenFill xmlns:a14="http://schemas.microsoft.com/office/drawing/2010/main">
+                <a:solidFill>
+                  <a:srgbClr val="FFFFFF"/>
+                </a:solidFill>
+              </a14:hiddenFill>
+            </a:ext>
+          </a:extLst>
+        </p:spPr>
+      </p:pic>
+      <p:pic>
+        <p:nvPicPr>
+          <p:cNvPr id="1028" name="Picture 4">
+            <a:extLst>
+              <a:ext uri="{FF2B5EF4-FFF2-40B4-BE49-F238E27FC236}">
+                <a16:creationId xmlns:a16="http://schemas.microsoft.com/office/drawing/2014/main" id="{956381EE-9F5E-4871-BBBA-433084E238A7}"/>
+              </a:ext>
+            </a:extLst>
+          </p:cNvPr>
+          <p:cNvPicPr>
+            <a:picLocks noChangeAspect="1" noChangeArrowheads="1"/>
+          </p:cNvPicPr>
+          <p:nvPr/>
+        </p:nvPicPr>
+        <p:blipFill>
+          <a:blip r:embed="rId3">
+            <a:extLst>
+              <a:ext uri="{28A0092B-C50C-407E-A947-70E740481C1C}">
+                <a14:useLocalDpi xmlns:a14="http://schemas.microsoft.com/office/drawing/2010/main" val="0"/>
+              </a:ext>
+            </a:extLst>
+          </a:blip>
+          <a:srcRect/>
+          <a:stretch>
+            <a:fillRect/>
+          </a:stretch>
+        </p:blipFill>
+        <p:spPr bwMode="auto">
+          <a:xfrm>
+            <a:off x="5003320" y="1506855"/>
+            <a:ext cx="3839804" cy="3636645"/>
+          </a:xfrm>
+          <a:prstGeom prst="rect">
+            <a:avLst/>
+          </a:prstGeom>
+          <a:noFill/>
           <a:extLst>
             <a:ext uri="{909E8E84-426E-40DD-AFC4-6F175D3DCCD1}">
               <a14:hiddenFill xmlns:a14="http://schemas.microsoft.com/office/drawing/2010/main">
@@ -22192,536 +23555,9 @@
         </p:spPr>
       </p:pic>
     </p:spTree>
-  </p:cSld>
-  <p:clrMapOvr>
-    <a:masterClrMapping/>
-  </p:clrMapOvr>
-</p:sld>
-</file>
-
-<file path=ppt/slides/slide9.xml><?xml version="1.0" encoding="utf-8"?>
-<p:sld xmlns:a="http://schemas.openxmlformats.org/drawingml/2006/main" xmlns:r="http://schemas.openxmlformats.org/officeDocument/2006/relationships" xmlns:p="http://schemas.openxmlformats.org/presentationml/2006/main">
-  <p:cSld>
-    <p:spTree>
-      <p:nvGrpSpPr>
-        <p:cNvPr id="1" name="Shape 106"/>
-        <p:cNvGrpSpPr/>
-        <p:nvPr/>
-      </p:nvGrpSpPr>
-      <p:grpSpPr>
-        <a:xfrm>
-          <a:off x="0" y="0"/>
-          <a:ext cx="0" cy="0"/>
-          <a:chOff x="0" y="0"/>
-          <a:chExt cx="0" cy="0"/>
-        </a:xfrm>
-      </p:grpSpPr>
-      <p:sp>
-        <p:nvSpPr>
-          <p:cNvPr id="107" name="Google Shape;107;g83d7f3170d_0_0"/>
-          <p:cNvSpPr txBox="1">
-            <a:spLocks noGrp="1"/>
-          </p:cNvSpPr>
-          <p:nvPr>
-            <p:ph type="title"/>
-          </p:nvPr>
-        </p:nvSpPr>
-        <p:spPr>
-          <a:xfrm>
-            <a:off x="0" y="0"/>
-            <a:ext cx="3909600" cy="648900"/>
-          </a:xfrm>
-          <a:prstGeom prst="rect">
-            <a:avLst/>
-          </a:prstGeom>
-          <a:noFill/>
-          <a:ln>
-            <a:noFill/>
-          </a:ln>
-        </p:spPr>
-        <p:txBody>
-          <a:bodyPr spcFirstLastPara="1" wrap="square" lIns="91425" tIns="91425" rIns="91425" bIns="91425" anchor="t" anchorCtr="0">
-            <a:noAutofit/>
-          </a:bodyPr>
-          <a:lstStyle/>
-          <a:p>
-            <a:pPr marL="0" lvl="0" indent="0" algn="l" rtl="0">
-              <a:lnSpc>
-                <a:spcPct val="100000"/>
-              </a:lnSpc>
-              <a:spcBef>
-                <a:spcPts val="0"/>
-              </a:spcBef>
-              <a:spcAft>
-                <a:spcPts val="0"/>
-              </a:spcAft>
-              <a:buSzPts val="3000"/>
-              <a:buNone/>
-            </a:pPr>
-            <a:r>
-              <a:rPr lang="en-US" dirty="0">
-                <a:solidFill>
-                  <a:srgbClr val="000000"/>
-                </a:solidFill>
-              </a:rPr>
-              <a:t>Data Preparation</a:t>
-            </a:r>
-            <a:endParaRPr dirty="0">
-              <a:solidFill>
-                <a:srgbClr val="000000"/>
-              </a:solidFill>
-            </a:endParaRPr>
-          </a:p>
-        </p:txBody>
-      </p:sp>
-      <p:sp>
-        <p:nvSpPr>
-          <p:cNvPr id="4" name="Text Box 4">
-            <a:extLst>
-              <a:ext uri="{FF2B5EF4-FFF2-40B4-BE49-F238E27FC236}">
-                <a16:creationId xmlns:a16="http://schemas.microsoft.com/office/drawing/2014/main" id="{85E66F16-B3E1-48E2-A19A-00B4E29CF1F3}"/>
-              </a:ext>
-            </a:extLst>
-          </p:cNvPr>
-          <p:cNvSpPr txBox="1">
-            <a:spLocks noChangeArrowheads="1"/>
-          </p:cNvSpPr>
-          <p:nvPr/>
-        </p:nvSpPr>
-        <p:spPr bwMode="auto">
-          <a:xfrm>
-            <a:off x="189781" y="777264"/>
-            <a:ext cx="8385742" cy="3241944"/>
-          </a:xfrm>
-          <a:prstGeom prst="rect">
-            <a:avLst/>
-          </a:prstGeom>
-          <a:noFill/>
-          <a:ln>
-            <a:noFill/>
-          </a:ln>
-          <a:extLst>
-            <a:ext uri="{909E8E84-426E-40DD-AFC4-6F175D3DCCD1}">
-              <a14:hiddenFill xmlns:a14="http://schemas.microsoft.com/office/drawing/2010/main">
-                <a:solidFill>
-                  <a:srgbClr val="FFFFFF"/>
-                </a:solidFill>
-              </a14:hiddenFill>
-            </a:ext>
-            <a:ext uri="{91240B29-F687-4F45-9708-019B960494DF}">
-              <a14:hiddenLine xmlns:a14="http://schemas.microsoft.com/office/drawing/2010/main" w="9525">
-                <a:solidFill>
-                  <a:srgbClr val="000000"/>
-                </a:solidFill>
-                <a:miter lim="800000"/>
-                <a:headEnd/>
-                <a:tailEnd/>
-              </a14:hiddenLine>
-            </a:ext>
-          </a:extLst>
-        </p:spPr>
-        <p:txBody>
-          <a:bodyPr lIns="67500" tIns="35100" rIns="67500" bIns="35100"/>
-          <a:lstStyle>
-            <a:lvl1pPr marL="265113" indent="-265113">
-              <a:defRPr sz="1400">
-                <a:solidFill>
-                  <a:schemeClr val="tx1"/>
-                </a:solidFill>
-                <a:latin typeface="Arial" charset="0"/>
-              </a:defRPr>
-            </a:lvl1pPr>
-            <a:lvl2pPr marL="742950" indent="-285750">
-              <a:defRPr sz="1400">
-                <a:solidFill>
-                  <a:schemeClr val="tx1"/>
-                </a:solidFill>
-                <a:latin typeface="Arial" charset="0"/>
-              </a:defRPr>
-            </a:lvl2pPr>
-            <a:lvl3pPr marL="1143000" indent="-228600">
-              <a:defRPr sz="1400">
-                <a:solidFill>
-                  <a:schemeClr val="tx1"/>
-                </a:solidFill>
-                <a:latin typeface="Arial" charset="0"/>
-              </a:defRPr>
-            </a:lvl3pPr>
-            <a:lvl4pPr marL="1600200" indent="-228600">
-              <a:defRPr sz="1400">
-                <a:solidFill>
-                  <a:schemeClr val="tx1"/>
-                </a:solidFill>
-                <a:latin typeface="Arial" charset="0"/>
-              </a:defRPr>
-            </a:lvl4pPr>
-            <a:lvl5pPr marL="2057400" indent="-228600">
-              <a:defRPr sz="1400">
-                <a:solidFill>
-                  <a:schemeClr val="tx1"/>
-                </a:solidFill>
-                <a:latin typeface="Arial" charset="0"/>
-              </a:defRPr>
-            </a:lvl5pPr>
-            <a:lvl6pPr marL="2514600" indent="-228600" algn="ctr" eaLnBrk="0" fontAlgn="base" hangingPunct="0">
-              <a:spcBef>
-                <a:spcPct val="50000"/>
-              </a:spcBef>
-              <a:spcAft>
-                <a:spcPct val="0"/>
-              </a:spcAft>
-              <a:buSzPct val="120000"/>
-              <a:buFont typeface="Wingdings" pitchFamily="2" charset="2"/>
-              <a:defRPr sz="1400">
-                <a:solidFill>
-                  <a:schemeClr val="tx1"/>
-                </a:solidFill>
-                <a:latin typeface="Arial" charset="0"/>
-              </a:defRPr>
-            </a:lvl6pPr>
-            <a:lvl7pPr marL="2971800" indent="-228600" algn="ctr" eaLnBrk="0" fontAlgn="base" hangingPunct="0">
-              <a:spcBef>
-                <a:spcPct val="50000"/>
-              </a:spcBef>
-              <a:spcAft>
-                <a:spcPct val="0"/>
-              </a:spcAft>
-              <a:buSzPct val="120000"/>
-              <a:buFont typeface="Wingdings" pitchFamily="2" charset="2"/>
-              <a:defRPr sz="1400">
-                <a:solidFill>
-                  <a:schemeClr val="tx1"/>
-                </a:solidFill>
-                <a:latin typeface="Arial" charset="0"/>
-              </a:defRPr>
-            </a:lvl7pPr>
-            <a:lvl8pPr marL="3429000" indent="-228600" algn="ctr" eaLnBrk="0" fontAlgn="base" hangingPunct="0">
-              <a:spcBef>
-                <a:spcPct val="50000"/>
-              </a:spcBef>
-              <a:spcAft>
-                <a:spcPct val="0"/>
-              </a:spcAft>
-              <a:buSzPct val="120000"/>
-              <a:buFont typeface="Wingdings" pitchFamily="2" charset="2"/>
-              <a:defRPr sz="1400">
-                <a:solidFill>
-                  <a:schemeClr val="tx1"/>
-                </a:solidFill>
-                <a:latin typeface="Arial" charset="0"/>
-              </a:defRPr>
-            </a:lvl8pPr>
-            <a:lvl9pPr marL="3886200" indent="-228600" algn="ctr" eaLnBrk="0" fontAlgn="base" hangingPunct="0">
-              <a:spcBef>
-                <a:spcPct val="50000"/>
-              </a:spcBef>
-              <a:spcAft>
-                <a:spcPct val="0"/>
-              </a:spcAft>
-              <a:buSzPct val="120000"/>
-              <a:buFont typeface="Wingdings" pitchFamily="2" charset="2"/>
-              <a:defRPr sz="1400">
-                <a:solidFill>
-                  <a:schemeClr val="tx1"/>
-                </a:solidFill>
-                <a:latin typeface="Arial" charset="0"/>
-              </a:defRPr>
-            </a:lvl9pPr>
-          </a:lstStyle>
-          <a:p>
-            <a:pPr marL="0" lvl="0" indent="0">
-              <a:lnSpc>
-                <a:spcPct val="115000"/>
-              </a:lnSpc>
-              <a:buSzPts val="1800"/>
-            </a:pPr>
-            <a:r>
-              <a:rPr lang="en-US" u="sng" dirty="0">
-                <a:solidFill>
-                  <a:srgbClr val="000000"/>
-                </a:solidFill>
-                <a:latin typeface="Arial"/>
-              </a:rPr>
-              <a:t>Review</a:t>
-            </a:r>
-          </a:p>
-          <a:p>
-            <a:pPr marL="285750" lvl="0" indent="-285750">
-              <a:lnSpc>
-                <a:spcPct val="115000"/>
-              </a:lnSpc>
-              <a:buSzPts val="1800"/>
-              <a:buFont typeface="Wingdings" panose="05000000000000000000" pitchFamily="2" charset="2"/>
-              <a:buChar char="§"/>
-            </a:pPr>
-            <a:r>
-              <a:rPr lang="en-US" dirty="0">
-                <a:solidFill>
-                  <a:srgbClr val="000000"/>
-                </a:solidFill>
-                <a:latin typeface="Arial"/>
-              </a:rPr>
-              <a:t>To remove user biases from the ratings provided by the user, we have standardized the users’ rating by subtracting their mean rating, and converting it to [-1,1]</a:t>
-            </a:r>
-          </a:p>
-          <a:p>
-            <a:pPr marL="285750" lvl="0" indent="-285750">
-              <a:lnSpc>
-                <a:spcPct val="115000"/>
-              </a:lnSpc>
-              <a:buSzPts val="1800"/>
-              <a:buFont typeface="Wingdings" panose="05000000000000000000" pitchFamily="2" charset="2"/>
-              <a:buChar char="§"/>
-            </a:pPr>
-            <a:endParaRPr lang="en-US" dirty="0">
-              <a:solidFill>
-                <a:srgbClr val="000000"/>
-              </a:solidFill>
-              <a:latin typeface="Arial"/>
-            </a:endParaRPr>
-          </a:p>
-          <a:p>
-            <a:pPr marL="285750" lvl="0" indent="-285750">
-              <a:lnSpc>
-                <a:spcPct val="115000"/>
-              </a:lnSpc>
-              <a:buSzPts val="1800"/>
-              <a:buFont typeface="Wingdings" panose="05000000000000000000" pitchFamily="2" charset="2"/>
-              <a:buChar char="§"/>
-            </a:pPr>
-            <a:endParaRPr lang="en-US" dirty="0">
-              <a:solidFill>
-                <a:srgbClr val="000000"/>
-              </a:solidFill>
-              <a:latin typeface="Arial"/>
-            </a:endParaRPr>
-          </a:p>
-          <a:p>
-            <a:pPr marL="0" lvl="0" indent="0">
-              <a:lnSpc>
-                <a:spcPct val="115000"/>
-              </a:lnSpc>
-              <a:buSzPts val="1800"/>
-            </a:pPr>
-            <a:r>
-              <a:rPr lang="en-US" u="sng" dirty="0">
-                <a:solidFill>
-                  <a:srgbClr val="000000"/>
-                </a:solidFill>
-                <a:latin typeface="Arial"/>
-              </a:rPr>
-              <a:t>Users</a:t>
-            </a:r>
-          </a:p>
-          <a:p>
-            <a:pPr marL="285750" lvl="0" indent="-285750">
-              <a:lnSpc>
-                <a:spcPct val="115000"/>
-              </a:lnSpc>
-              <a:buSzPts val="1800"/>
-              <a:buFont typeface="Wingdings" panose="05000000000000000000" pitchFamily="2" charset="2"/>
-              <a:buChar char="§"/>
-            </a:pPr>
-            <a:r>
-              <a:rPr lang="en-US" dirty="0">
-                <a:solidFill>
-                  <a:srgbClr val="000000"/>
-                </a:solidFill>
-                <a:latin typeface="Arial"/>
-              </a:rPr>
-              <a:t>Heuristically we have selected the features from the ‘users’ dataset which are not sparse.</a:t>
-            </a:r>
-          </a:p>
-          <a:p>
-            <a:pPr marL="628650" lvl="0" indent="-285750">
-              <a:lnSpc>
-                <a:spcPct val="115000"/>
-              </a:lnSpc>
-              <a:buSzPts val="1800"/>
-              <a:buFont typeface="Arial" panose="020B0604020202020204" pitchFamily="34" charset="0"/>
-              <a:buChar char="•"/>
-            </a:pPr>
-            <a:r>
-              <a:rPr lang="en-US" dirty="0">
-                <a:solidFill>
-                  <a:srgbClr val="000000"/>
-                </a:solidFill>
-                <a:latin typeface="Arial"/>
-              </a:rPr>
-              <a:t>Number of reviews</a:t>
-            </a:r>
-          </a:p>
-          <a:p>
-            <a:pPr marL="628650" lvl="0" indent="-285750">
-              <a:lnSpc>
-                <a:spcPct val="115000"/>
-              </a:lnSpc>
-              <a:buSzPts val="1800"/>
-              <a:buFont typeface="Arial" panose="020B0604020202020204" pitchFamily="34" charset="0"/>
-              <a:buChar char="•"/>
-            </a:pPr>
-            <a:r>
-              <a:rPr lang="en-US" dirty="0">
-                <a:solidFill>
-                  <a:srgbClr val="000000"/>
-                </a:solidFill>
-                <a:latin typeface="Arial"/>
-              </a:rPr>
-              <a:t>Number of times the reviews were regarded as useful</a:t>
-            </a:r>
-          </a:p>
-          <a:p>
-            <a:pPr marL="628650" lvl="0" indent="-285750">
-              <a:lnSpc>
-                <a:spcPct val="115000"/>
-              </a:lnSpc>
-              <a:buSzPts val="1800"/>
-              <a:buFont typeface="Arial" panose="020B0604020202020204" pitchFamily="34" charset="0"/>
-              <a:buChar char="•"/>
-            </a:pPr>
-            <a:r>
-              <a:rPr lang="en-US" dirty="0">
-                <a:solidFill>
-                  <a:srgbClr val="000000"/>
-                </a:solidFill>
-                <a:latin typeface="Arial"/>
-              </a:rPr>
-              <a:t>Whether the user is active/elite user in Yelp</a:t>
-            </a:r>
-          </a:p>
-          <a:p>
-            <a:pPr marL="628650" lvl="0" indent="-285750">
-              <a:lnSpc>
-                <a:spcPct val="115000"/>
-              </a:lnSpc>
-              <a:buSzPts val="1800"/>
-              <a:buFont typeface="Arial" panose="020B0604020202020204" pitchFamily="34" charset="0"/>
-              <a:buChar char="•"/>
-            </a:pPr>
-            <a:r>
-              <a:rPr lang="en-US" dirty="0">
-                <a:solidFill>
-                  <a:srgbClr val="000000"/>
-                </a:solidFill>
-                <a:latin typeface="Arial"/>
-              </a:rPr>
-              <a:t>User’s favorite restaurant category from past interactions</a:t>
-            </a:r>
-          </a:p>
-          <a:p>
-            <a:pPr marL="628650" lvl="0" indent="-285750">
-              <a:lnSpc>
-                <a:spcPct val="115000"/>
-              </a:lnSpc>
-              <a:buSzPts val="1800"/>
-              <a:buFont typeface="Arial" panose="020B0604020202020204" pitchFamily="34" charset="0"/>
-              <a:buChar char="•"/>
-            </a:pPr>
-            <a:endParaRPr lang="en-US" dirty="0">
-              <a:solidFill>
-                <a:srgbClr val="000000"/>
-              </a:solidFill>
-              <a:latin typeface="Arial"/>
-            </a:endParaRPr>
-          </a:p>
-          <a:p>
-            <a:pPr marL="285750" lvl="0" indent="-285750">
-              <a:lnSpc>
-                <a:spcPct val="115000"/>
-              </a:lnSpc>
-              <a:buSzPts val="1800"/>
-              <a:buFont typeface="Wingdings" panose="05000000000000000000" pitchFamily="2" charset="2"/>
-              <a:buChar char="§"/>
-            </a:pPr>
-            <a:endParaRPr lang="en-US" dirty="0">
-              <a:solidFill>
-                <a:srgbClr val="000000"/>
-              </a:solidFill>
-              <a:latin typeface="Arial"/>
-            </a:endParaRPr>
-          </a:p>
-          <a:p>
-            <a:pPr marL="0" lvl="0" indent="0">
-              <a:lnSpc>
-                <a:spcPct val="115000"/>
-              </a:lnSpc>
-              <a:buSzPts val="1800"/>
-            </a:pPr>
-            <a:r>
-              <a:rPr lang="en-US" dirty="0">
-                <a:solidFill>
-                  <a:srgbClr val="000000"/>
-                </a:solidFill>
-                <a:latin typeface="Arial"/>
-              </a:rPr>
-              <a:t>	</a:t>
-            </a:r>
-          </a:p>
-          <a:p>
-            <a:pPr marL="0" lvl="0" indent="0">
-              <a:lnSpc>
-                <a:spcPct val="115000"/>
-              </a:lnSpc>
-              <a:buSzPts val="1800"/>
-            </a:pPr>
-            <a:endParaRPr lang="en-US" dirty="0">
-              <a:solidFill>
-                <a:srgbClr val="000000"/>
-              </a:solidFill>
-              <a:latin typeface="Arial"/>
-            </a:endParaRPr>
-          </a:p>
-          <a:p>
-            <a:pPr marL="0" lvl="0" indent="0">
-              <a:lnSpc>
-                <a:spcPct val="115000"/>
-              </a:lnSpc>
-              <a:buSzPts val="1800"/>
-            </a:pPr>
-            <a:endParaRPr lang="en-US" dirty="0">
-              <a:solidFill>
-                <a:srgbClr val="000000"/>
-              </a:solidFill>
-              <a:latin typeface="Arial"/>
-            </a:endParaRPr>
-          </a:p>
-          <a:p>
-            <a:pPr marL="342900" lvl="0" indent="0">
-              <a:lnSpc>
-                <a:spcPct val="115000"/>
-              </a:lnSpc>
-              <a:buSzPts val="1800"/>
-            </a:pPr>
-            <a:r>
-              <a:rPr lang="en-US" dirty="0">
-                <a:solidFill>
-                  <a:srgbClr val="000000"/>
-                </a:solidFill>
-                <a:latin typeface="Arial"/>
-              </a:rPr>
-              <a:t>		</a:t>
-            </a:r>
-          </a:p>
-          <a:p>
-            <a:pPr marL="0" lvl="0" indent="0">
-              <a:lnSpc>
-                <a:spcPct val="115000"/>
-              </a:lnSpc>
-              <a:buSzPts val="1800"/>
-            </a:pPr>
-            <a:endParaRPr lang="en-US" dirty="0">
-              <a:solidFill>
-                <a:srgbClr val="000000"/>
-              </a:solidFill>
-              <a:latin typeface="Arial"/>
-            </a:endParaRPr>
-          </a:p>
-        </p:txBody>
-      </p:sp>
-    </p:spTree>
     <p:extLst>
       <p:ext uri="{BB962C8B-B14F-4D97-AF65-F5344CB8AC3E}">
-        <p14:creationId xmlns:p14="http://schemas.microsoft.com/office/powerpoint/2010/main" val="3950881280"/>
+        <p14:creationId xmlns:p14="http://schemas.microsoft.com/office/powerpoint/2010/main" val="1099626206"/>
       </p:ext>
     </p:extLst>
   </p:cSld>

--- a/PPT/Yelp Presentation.pptx
+++ b/PPT/Yelp Presentation.pptx
@@ -313,7 +313,7 @@
       </p15:sldGuideLst>
     </p:ext>
     <p:ext uri="http://customooxmlschemas.google.com/">
-      <go:slidesCustomData xmlns="" xmlns:mc="http://schemas.openxmlformats.org/markup-compatibility/2006" xmlns:mv="urn:schemas-microsoft-com:mac:vml" xmlns:c="http://schemas.openxmlformats.org/drawingml/2006/chart" xmlns:dgm="http://schemas.openxmlformats.org/drawingml/2006/diagram" xmlns:o="urn:schemas-microsoft-com:office:office" xmlns:v="urn:schemas-microsoft-com:vml" xmlns:pvml="urn:schemas-microsoft-com:office:powerpoint" xmlns:com="http://schemas.openxmlformats.org/drawingml/2006/compatibility" xmlns:p14="http://schemas.microsoft.com/office/powerpoint/2010/main" xmlns:p15="http://schemas.microsoft.com/office/powerpoint/2012/main" xmlns:go="http://customooxmlschemas.google.com/" r:id="rId43" roundtripDataSignature="AMtx7mhrN0VZjpMeXmHQaTxH0fmdJEZUYA=="/>
+      <go:slidesCustomData xmlns:go="http://customooxmlschemas.google.com/" xmlns:p15="http://schemas.microsoft.com/office/powerpoint/2012/main" xmlns:p14="http://schemas.microsoft.com/office/powerpoint/2010/main" xmlns:com="http://schemas.openxmlformats.org/drawingml/2006/compatibility" xmlns:pvml="urn:schemas-microsoft-com:office:powerpoint" xmlns:v="urn:schemas-microsoft-com:vml" xmlns:o="urn:schemas-microsoft-com:office:office" xmlns:dgm="http://schemas.openxmlformats.org/drawingml/2006/diagram" xmlns:c="http://schemas.openxmlformats.org/drawingml/2006/chart" xmlns:mv="urn:schemas-microsoft-com:mac:vml" xmlns:mc="http://schemas.openxmlformats.org/markup-compatibility/2006" xmlns="" r:id="rId43" roundtripDataSignature="AMtx7mhrN0VZjpMeXmHQaTxH0fmdJEZUYA=="/>
     </p:ext>
   </p:extLst>
 </p:presentation>
@@ -21037,7 +21037,7 @@
         </p:blipFill>
         <p:spPr bwMode="auto">
           <a:xfrm>
-            <a:off x="2405063" y="857250"/>
+            <a:off x="0" y="1357309"/>
             <a:ext cx="4333875" cy="3429000"/>
           </a:xfrm>
           <a:prstGeom prst="rect">
@@ -21914,8 +21914,8 @@
         </p:nvSpPr>
         <p:spPr bwMode="auto">
           <a:xfrm>
-            <a:off x="82474" y="986639"/>
-            <a:ext cx="9084284" cy="4355269"/>
+            <a:off x="82474" y="1003891"/>
+            <a:ext cx="8845866" cy="4355269"/>
           </a:xfrm>
           <a:prstGeom prst="rect">
             <a:avLst/>
@@ -22415,27 +22415,20 @@
               <a:buNone/>
             </a:pPr>
             <a:r>
-              <a:rPr lang="en-US" dirty="0">
+              <a:rPr lang="en-US" u="sng" dirty="0">
                 <a:solidFill>
                   <a:srgbClr val="000000"/>
                 </a:solidFill>
               </a:rPr>
-              <a:t>Business:                       </a:t>
+              <a:t>Business</a:t>
             </a:r>
             <a:r>
-              <a:rPr lang="en-US" sz="1350" b="1" dirty="0">
+              <a:rPr lang="en-US" dirty="0">
                 <a:solidFill>
                   <a:srgbClr val="000000"/>
                 </a:solidFill>
-                <a:highlight>
-                  <a:srgbClr val="FFFFFF"/>
-                </a:highlight>
-                <a:latin typeface="Arial"/>
-                <a:ea typeface="Arial"/>
-                <a:cs typeface="Arial"/>
-                <a:sym typeface="Arial"/>
               </a:rPr>
-              <a:t>Distribution of businesses</a:t>
+              <a:t>:</a:t>
             </a:r>
             <a:endParaRPr sz="1350" b="1" dirty="0">
               <a:solidFill>
@@ -22547,7 +22540,7 @@
         </p:blipFill>
         <p:spPr bwMode="auto">
           <a:xfrm>
-            <a:off x="0" y="1134620"/>
+            <a:off x="0" y="2244951"/>
             <a:ext cx="9144000" cy="2459037"/>
           </a:xfrm>
           <a:prstGeom prst="rect">
@@ -22581,7 +22574,7 @@
         </p:nvSpPr>
         <p:spPr>
           <a:xfrm>
-            <a:off x="311700" y="3593657"/>
+            <a:off x="51693" y="1081611"/>
             <a:ext cx="8520600" cy="1125998"/>
           </a:xfrm>
           <a:prstGeom prst="rect">
@@ -22865,7 +22858,7 @@
                 </a:solidFill>
                 <a:latin typeface="+mn-lt"/>
               </a:rPr>
-              <a:t>The yelp dataset consists of variety of different businesses indicated by the column attributes </a:t>
+              <a:t>The yelp business dataset consists of variety of different businesses indicated by the column attributes </a:t>
             </a:r>
           </a:p>
           <a:p>
@@ -23064,8 +23057,8 @@
         </p:nvSpPr>
         <p:spPr bwMode="auto">
           <a:xfrm>
-            <a:off x="29858" y="788231"/>
-            <a:ext cx="9084284" cy="4355269"/>
+            <a:off x="29858" y="1159167"/>
+            <a:ext cx="9084284" cy="3984333"/>
           </a:xfrm>
           <a:prstGeom prst="rect">
             <a:avLst/>
@@ -23236,7 +23229,7 @@
         </p:nvSpPr>
         <p:spPr bwMode="auto">
           <a:xfrm>
-            <a:off x="82474" y="788231"/>
+            <a:off x="29858" y="1214153"/>
             <a:ext cx="9084284" cy="4355269"/>
           </a:xfrm>
           <a:prstGeom prst="rect">
@@ -23375,6 +23368,66 @@
             </a:lvl9pPr>
           </a:lstStyle>
           <a:p>
+            <a:pPr marL="285750" indent="-285750">
+              <a:spcBef>
+                <a:spcPts val="1600"/>
+              </a:spcBef>
+              <a:spcAft>
+                <a:spcPts val="1600"/>
+              </a:spcAft>
+              <a:buClrTx/>
+              <a:buFont typeface="Wingdings" panose="05000000000000000000" pitchFamily="2" charset="2"/>
+              <a:buChar char="§"/>
+            </a:pPr>
+            <a:r>
+              <a:rPr lang="en-US" dirty="0">
+                <a:solidFill>
+                  <a:srgbClr val="000000"/>
+                </a:solidFill>
+              </a:rPr>
+              <a:t>The yelp reviews dataset consists of ratings provided by the user out of 5 stars.</a:t>
+            </a:r>
+          </a:p>
+          <a:p>
+            <a:pPr marL="285750" indent="-285750">
+              <a:spcBef>
+                <a:spcPts val="1600"/>
+              </a:spcBef>
+              <a:spcAft>
+                <a:spcPts val="1600"/>
+              </a:spcAft>
+              <a:buClrTx/>
+              <a:buFont typeface="Wingdings" panose="05000000000000000000" pitchFamily="2" charset="2"/>
+              <a:buChar char="§"/>
+            </a:pPr>
+            <a:r>
+              <a:rPr lang="en-US" dirty="0">
+                <a:solidFill>
+                  <a:srgbClr val="000000"/>
+                </a:solidFill>
+              </a:rPr>
+              <a:t>Most of the users have given ratings more positive ratings to the restaurants.</a:t>
+            </a:r>
+          </a:p>
+          <a:p>
+            <a:pPr marL="285750" indent="-285750">
+              <a:spcBef>
+                <a:spcPts val="1600"/>
+              </a:spcBef>
+              <a:spcAft>
+                <a:spcPts val="1600"/>
+              </a:spcAft>
+              <a:buClrTx/>
+              <a:buFont typeface="Wingdings" panose="05000000000000000000" pitchFamily="2" charset="2"/>
+              <a:buChar char="§"/>
+            </a:pPr>
+            <a:endParaRPr lang="en-US" dirty="0">
+              <a:solidFill>
+                <a:srgbClr val="000000"/>
+              </a:solidFill>
+            </a:endParaRPr>
+          </a:p>
+          <a:p>
             <a:pPr marL="285750" lvl="0" indent="-285750" algn="just">
               <a:lnSpc>
                 <a:spcPct val="150000"/>
@@ -23388,6 +23441,151 @@
                 <a:srgbClr val="383838"/>
               </a:solidFill>
               <a:latin typeface="+mn-lt"/>
+            </a:endParaRPr>
+          </a:p>
+        </p:txBody>
+      </p:sp>
+      <p:sp>
+        <p:nvSpPr>
+          <p:cNvPr id="7" name="Google Shape;135;g83ddf61570_0_20">
+            <a:extLst>
+              <a:ext uri="{FF2B5EF4-FFF2-40B4-BE49-F238E27FC236}">
+                <a16:creationId xmlns:a16="http://schemas.microsoft.com/office/drawing/2014/main" id="{86DAD1D4-5BD1-4421-98D0-671BDDC40E71}"/>
+              </a:ext>
+            </a:extLst>
+          </p:cNvPr>
+          <p:cNvSpPr txBox="1">
+            <a:spLocks noGrp="1"/>
+          </p:cNvSpPr>
+          <p:nvPr>
+            <p:ph type="body" idx="1"/>
+          </p:nvPr>
+        </p:nvSpPr>
+        <p:spPr>
+          <a:xfrm>
+            <a:off x="428375" y="792950"/>
+            <a:ext cx="7072500" cy="532200"/>
+          </a:xfrm>
+          <a:prstGeom prst="rect">
+            <a:avLst/>
+          </a:prstGeom>
+          <a:noFill/>
+          <a:ln>
+            <a:noFill/>
+          </a:ln>
+        </p:spPr>
+        <p:txBody>
+          <a:bodyPr spcFirstLastPara="1" wrap="square" lIns="91425" tIns="91425" rIns="91425" bIns="91425" anchor="t" anchorCtr="0">
+            <a:noAutofit/>
+          </a:bodyPr>
+          <a:lstStyle/>
+          <a:p>
+            <a:pPr marL="0" lvl="0" indent="0" algn="l" rtl="0">
+              <a:lnSpc>
+                <a:spcPct val="115000"/>
+              </a:lnSpc>
+              <a:spcBef>
+                <a:spcPts val="0"/>
+              </a:spcBef>
+              <a:spcAft>
+                <a:spcPts val="0"/>
+              </a:spcAft>
+              <a:buSzPts val="1800"/>
+              <a:buNone/>
+            </a:pPr>
+            <a:r>
+              <a:rPr lang="en-US" u="sng" dirty="0">
+                <a:solidFill>
+                  <a:srgbClr val="000000"/>
+                </a:solidFill>
+              </a:rPr>
+              <a:t>Review</a:t>
+            </a:r>
+            <a:r>
+              <a:rPr lang="en-US" dirty="0">
+                <a:solidFill>
+                  <a:srgbClr val="000000"/>
+                </a:solidFill>
+              </a:rPr>
+              <a:t>:</a:t>
+            </a:r>
+            <a:endParaRPr sz="1350" b="1" dirty="0">
+              <a:solidFill>
+                <a:srgbClr val="000000"/>
+              </a:solidFill>
+              <a:highlight>
+                <a:srgbClr val="FFFFFF"/>
+              </a:highlight>
+              <a:latin typeface="Arial"/>
+              <a:ea typeface="Arial"/>
+              <a:cs typeface="Arial"/>
+              <a:sym typeface="Arial"/>
+            </a:endParaRPr>
+          </a:p>
+          <a:p>
+            <a:pPr marL="0" lvl="0" indent="0" algn="l" rtl="0">
+              <a:lnSpc>
+                <a:spcPct val="100000"/>
+              </a:lnSpc>
+              <a:spcBef>
+                <a:spcPts val="1000"/>
+              </a:spcBef>
+              <a:spcAft>
+                <a:spcPts val="0"/>
+              </a:spcAft>
+              <a:buNone/>
+            </a:pPr>
+            <a:endParaRPr sz="1350" b="1" dirty="0">
+              <a:solidFill>
+                <a:srgbClr val="000000"/>
+              </a:solidFill>
+              <a:highlight>
+                <a:srgbClr val="FFFFFF"/>
+              </a:highlight>
+              <a:latin typeface="Arial"/>
+              <a:ea typeface="Arial"/>
+              <a:cs typeface="Arial"/>
+              <a:sym typeface="Arial"/>
+            </a:endParaRPr>
+          </a:p>
+          <a:p>
+            <a:pPr marL="0" lvl="0" indent="0" algn="l" rtl="0">
+              <a:lnSpc>
+                <a:spcPct val="115000"/>
+              </a:lnSpc>
+              <a:spcBef>
+                <a:spcPts val="1600"/>
+              </a:spcBef>
+              <a:spcAft>
+                <a:spcPts val="0"/>
+              </a:spcAft>
+              <a:buSzPts val="1800"/>
+              <a:buNone/>
+            </a:pPr>
+            <a:endParaRPr dirty="0">
+              <a:solidFill>
+                <a:srgbClr val="000000"/>
+              </a:solidFill>
+            </a:endParaRPr>
+          </a:p>
+          <a:p>
+            <a:pPr marL="0" lvl="0" indent="0" algn="l" rtl="0">
+              <a:lnSpc>
+                <a:spcPct val="115000"/>
+              </a:lnSpc>
+              <a:spcBef>
+                <a:spcPts val="1600"/>
+              </a:spcBef>
+              <a:spcAft>
+                <a:spcPts val="1600"/>
+              </a:spcAft>
+              <a:buSzPts val="1800"/>
+              <a:buNone/>
+            </a:pPr>
+            <a:endParaRPr dirty="0">
+              <a:solidFill>
+                <a:srgbClr val="000000"/>
+              </a:solidFill>
             </a:endParaRPr>
           </a:p>
         </p:txBody>
@@ -23489,8 +23687,8 @@
         </p:blipFill>
         <p:spPr bwMode="auto">
           <a:xfrm>
-            <a:off x="2462878" y="2337758"/>
-            <a:ext cx="2540442" cy="2540442"/>
+            <a:off x="443578" y="1953160"/>
+            <a:ext cx="3092102" cy="3092102"/>
           </a:xfrm>
           <a:prstGeom prst="rect">
             <a:avLst/>
@@ -23536,8 +23734,8 @@
         </p:blipFill>
         <p:spPr bwMode="auto">
           <a:xfrm>
-            <a:off x="5003320" y="1506855"/>
-            <a:ext cx="3839804" cy="3636645"/>
+            <a:off x="4572000" y="1769521"/>
+            <a:ext cx="3562464" cy="3373979"/>
           </a:xfrm>
           <a:prstGeom prst="rect">
             <a:avLst/>
